--- a/figs/conlink/concurrent_linking.pptx
+++ b/figs/conlink/concurrent_linking.pptx
@@ -724,125 +724,6 @@
           <a:bodyPr/>
           <a:lstStyle/>
           <a:p>
-            <a:r>
-              <a:rPr lang="en-US" dirty="0"/>
-              <a:t>13 minutes until this slide!!!!! </a:t>
-            </a:r>
-          </a:p>
-          <a:p>
-            <a:endParaRPr lang="en-US" dirty="0"/>
-          </a:p>
-          <a:p>
-            <a:endParaRPr lang="en-US" dirty="0"/>
-          </a:p>
-          <a:p>
-            <a:r>
-              <a:rPr lang="en-US" dirty="0"/>
-              <a:t>It is quite hard to deal with all those challenges in a single shot, so we have introduced multiple intermediate languages in between x86mc machine model and per-CPU machine model. </a:t>
-            </a:r>
-          </a:p>
-          <a:p>
-            <a:endParaRPr lang="en-US" dirty="0"/>
-          </a:p>
-          <a:p>
-            <a:r>
-              <a:rPr lang="en-US" dirty="0"/>
-              <a:t>And, we hide non-determinism by introducing hardware </a:t>
-            </a:r>
-            <a:r>
-              <a:rPr lang="en-US" dirty="0" err="1"/>
-              <a:t>schedule,r</a:t>
-            </a:r>
-            <a:r>
-              <a:rPr lang="en-US" dirty="0"/>
-              <a:t> which gives us a </a:t>
-            </a:r>
-            <a:r>
-              <a:rPr lang="en-US" dirty="0" err="1"/>
-              <a:t>envriopmentla</a:t>
-            </a:r>
-            <a:r>
-              <a:rPr lang="en-US" dirty="0"/>
-              <a:t> context for one possible execution of the program, </a:t>
-            </a:r>
-          </a:p>
-          <a:p>
-            <a:endParaRPr lang="en-US" dirty="0"/>
-          </a:p>
-          <a:p>
-            <a:r>
-              <a:rPr lang="en-US" dirty="0"/>
-              <a:t>And, we have introduced partial machine that are quantified by a subset of CPUs , and prove that p</a:t>
-            </a:r>
-          </a:p>
-          <a:p>
-            <a:endParaRPr lang="en-US" dirty="0"/>
-          </a:p>
-          <a:p>
-            <a:r>
-              <a:rPr lang="en-US" dirty="0"/>
-              <a:t>As a </a:t>
-            </a:r>
-            <a:r>
-              <a:rPr lang="en-US" dirty="0" err="1"/>
-              <a:t>netxt</a:t>
-            </a:r>
-            <a:r>
-              <a:rPr lang="en-US" dirty="0"/>
-              <a:t> step, we have </a:t>
-            </a:r>
-            <a:r>
-              <a:rPr lang="en-US" dirty="0" err="1"/>
-              <a:t>optized</a:t>
-            </a:r>
-            <a:r>
-              <a:rPr lang="en-US" dirty="0"/>
-              <a:t> </a:t>
-            </a:r>
-            <a:r>
-              <a:rPr lang="en-US" dirty="0" err="1"/>
-              <a:t>enviromentla</a:t>
-            </a:r>
-            <a:r>
-              <a:rPr lang="en-US" dirty="0"/>
-              <a:t> context, by adding , removing or reordering the events</a:t>
-            </a:r>
-          </a:p>
-          <a:p>
-            <a:r>
-              <a:rPr lang="en-US" dirty="0"/>
-              <a:t>Then, we have linked those intermediated machine </a:t>
-            </a:r>
-            <a:r>
-              <a:rPr lang="en-US" dirty="0" err="1"/>
-              <a:t>modesl</a:t>
-            </a:r>
-            <a:r>
-              <a:rPr lang="en-US" dirty="0"/>
-              <a:t> with </a:t>
-            </a:r>
-            <a:r>
-              <a:rPr lang="en-US" dirty="0" err="1"/>
-              <a:t>Lasm</a:t>
-            </a:r>
-            <a:r>
-              <a:rPr lang="en-US" dirty="0"/>
-              <a:t>, a per-CPU machine model with …. </a:t>
-            </a:r>
-          </a:p>
-          <a:p>
-            <a:endParaRPr lang="en-US" dirty="0"/>
-          </a:p>
-          <a:p>
-            <a:endParaRPr lang="en-US" dirty="0"/>
-          </a:p>
-          <a:p>
-            <a:r>
-              <a:rPr lang="en-US" dirty="0"/>
-              <a:t>I do not want to show all details, but here are the actual steps that we were done to link …. </a:t>
-            </a:r>
-          </a:p>
-          <a:p>
             <a:endParaRPr lang="en-US" dirty="0"/>
           </a:p>
         </p:txBody>
@@ -904,37 +785,7 @@
           <a:bodyPr/>
           <a:lstStyle/>
           <a:p>
-            <a:r>
-              <a:rPr lang="en-US" dirty="0"/>
-              <a:t>It is also quite hard to solve them at once, so we have introduced multiple steps to resolve those challenges. </a:t>
-            </a:r>
-          </a:p>
-          <a:p>
             <a:endParaRPr lang="en-US" dirty="0"/>
-          </a:p>
-          <a:p>
-            <a:r>
-              <a:rPr lang="en-US" dirty="0"/>
-              <a:t>We first introduce multithreaded machine and prove linking theorem to show the compositionality.</a:t>
-            </a:r>
-          </a:p>
-          <a:p>
-            <a:endParaRPr lang="en-US" dirty="0"/>
-          </a:p>
-          <a:p>
-            <a:r>
-              <a:rPr lang="en-US" dirty="0"/>
-              <a:t>Then, we introduce per-thread machines and link them with compiler. </a:t>
-            </a:r>
-          </a:p>
-          <a:p>
-            <a:endParaRPr lang="en-US" dirty="0"/>
-          </a:p>
-          <a:p>
-            <a:r>
-              <a:rPr lang="en-US" dirty="0"/>
-              <a:t>I'll explain interesting parts of each steps.</a:t>
-            </a:r>
           </a:p>
         </p:txBody>
       </p:sp>
@@ -1400,17 +1251,17 @@
           <a:effectLst/>
           <a:extLst>
             <a:ext uri="{FAA26D3D-D897-4be2-8F04-BA451C77F1D7}">
-              <ma14:placeholderFlag xmlns:ma14="http://schemas.microsoft.com/office/mac/drawingml/2011/main" xmlns="" val="1"/>
+              <ma14:placeholderFlag xmlns="" xmlns:ma14="http://schemas.microsoft.com/office/mac/drawingml/2011/main" val="1"/>
             </a:ext>
             <a:ext uri="{909E8E84-426E-40dd-AFC4-6F175D3DCCD1}">
-              <a14:hiddenFill xmlns:a14="http://schemas.microsoft.com/office/drawing/2010/main" xmlns="">
+              <a14:hiddenFill xmlns="" xmlns:a14="http://schemas.microsoft.com/office/drawing/2010/main">
                 <a:solidFill>
                   <a:schemeClr val="accent1"/>
                 </a:solidFill>
               </a14:hiddenFill>
             </a:ext>
             <a:ext uri="{91240B29-F687-4f45-9708-019B960494DF}">
-              <a14:hiddenLine xmlns:a14="http://schemas.microsoft.com/office/drawing/2010/main" xmlns="" w="9525">
+              <a14:hiddenLine xmlns="" xmlns:a14="http://schemas.microsoft.com/office/drawing/2010/main" w="9525">
                 <a:solidFill>
                   <a:schemeClr val="tx1"/>
                 </a:solidFill>
@@ -1420,7 +1271,7 @@
               </a14:hiddenLine>
             </a:ext>
             <a:ext uri="{AF507438-7753-43e0-B8FC-AC1667EBCBE1}">
-              <a14:hiddenEffects xmlns:a14="http://schemas.microsoft.com/office/drawing/2010/main" xmlns="">
+              <a14:hiddenEffects xmlns="" xmlns:a14="http://schemas.microsoft.com/office/drawing/2010/main">
                 <a:effectLst>
                   <a:outerShdw blurRad="63500" dist="38099" dir="2700000" algn="ctr" rotWithShape="0">
                     <a:schemeClr val="bg2">
@@ -1684,17 +1535,17 @@
           <a:effectLst/>
           <a:extLst>
             <a:ext uri="{FAA26D3D-D897-4be2-8F04-BA451C77F1D7}">
-              <ma14:placeholderFlag xmlns:ma14="http://schemas.microsoft.com/office/mac/drawingml/2011/main" xmlns="" val="1"/>
+              <ma14:placeholderFlag xmlns="" xmlns:ma14="http://schemas.microsoft.com/office/mac/drawingml/2011/main" val="1"/>
             </a:ext>
             <a:ext uri="{909E8E84-426E-40dd-AFC4-6F175D3DCCD1}">
-              <a14:hiddenFill xmlns:a14="http://schemas.microsoft.com/office/drawing/2010/main" xmlns="">
+              <a14:hiddenFill xmlns="" xmlns:a14="http://schemas.microsoft.com/office/drawing/2010/main">
                 <a:solidFill>
                   <a:schemeClr val="accent1"/>
                 </a:solidFill>
               </a14:hiddenFill>
             </a:ext>
             <a:ext uri="{91240B29-F687-4f45-9708-019B960494DF}">
-              <a14:hiddenLine xmlns:a14="http://schemas.microsoft.com/office/drawing/2010/main" xmlns="" w="9525">
+              <a14:hiddenLine xmlns="" xmlns:a14="http://schemas.microsoft.com/office/drawing/2010/main" w="9525">
                 <a:solidFill>
                   <a:schemeClr val="tx1"/>
                 </a:solidFill>
@@ -1704,7 +1555,7 @@
               </a14:hiddenLine>
             </a:ext>
             <a:ext uri="{AF507438-7753-43e0-B8FC-AC1667EBCBE1}">
-              <a14:hiddenEffects xmlns:a14="http://schemas.microsoft.com/office/drawing/2010/main" xmlns="">
+              <a14:hiddenEffects xmlns="" xmlns:a14="http://schemas.microsoft.com/office/drawing/2010/main">
                 <a:effectLst>
                   <a:outerShdw blurRad="63500" dist="38099" dir="2700000" algn="ctr" rotWithShape="0">
                     <a:schemeClr val="bg2">
@@ -1978,17 +1829,17 @@
           <a:effectLst/>
           <a:extLst>
             <a:ext uri="{FAA26D3D-D897-4be2-8F04-BA451C77F1D7}">
-              <ma14:placeholderFlag xmlns:ma14="http://schemas.microsoft.com/office/mac/drawingml/2011/main" xmlns="" val="1"/>
+              <ma14:placeholderFlag xmlns="" xmlns:ma14="http://schemas.microsoft.com/office/mac/drawingml/2011/main" val="1"/>
             </a:ext>
             <a:ext uri="{909E8E84-426E-40dd-AFC4-6F175D3DCCD1}">
-              <a14:hiddenFill xmlns:a14="http://schemas.microsoft.com/office/drawing/2010/main" xmlns="">
+              <a14:hiddenFill xmlns="" xmlns:a14="http://schemas.microsoft.com/office/drawing/2010/main">
                 <a:solidFill>
                   <a:schemeClr val="accent1"/>
                 </a:solidFill>
               </a14:hiddenFill>
             </a:ext>
             <a:ext uri="{91240B29-F687-4f45-9708-019B960494DF}">
-              <a14:hiddenLine xmlns:a14="http://schemas.microsoft.com/office/drawing/2010/main" xmlns="" w="9525">
+              <a14:hiddenLine xmlns="" xmlns:a14="http://schemas.microsoft.com/office/drawing/2010/main" w="9525">
                 <a:solidFill>
                   <a:schemeClr val="tx1"/>
                 </a:solidFill>
@@ -1998,7 +1849,7 @@
               </a14:hiddenLine>
             </a:ext>
             <a:ext uri="{AF507438-7753-43e0-B8FC-AC1667EBCBE1}">
-              <a14:hiddenEffects xmlns:a14="http://schemas.microsoft.com/office/drawing/2010/main" xmlns="">
+              <a14:hiddenEffects xmlns="" xmlns:a14="http://schemas.microsoft.com/office/drawing/2010/main">
                 <a:effectLst>
                   <a:outerShdw blurRad="63500" dist="38099" dir="2700000" algn="ctr" rotWithShape="0">
                     <a:schemeClr val="bg2">
@@ -2262,17 +2113,17 @@
           <a:effectLst/>
           <a:extLst>
             <a:ext uri="{FAA26D3D-D897-4be2-8F04-BA451C77F1D7}">
-              <ma14:placeholderFlag xmlns:ma14="http://schemas.microsoft.com/office/mac/drawingml/2011/main" xmlns="" val="1"/>
+              <ma14:placeholderFlag xmlns="" xmlns:ma14="http://schemas.microsoft.com/office/mac/drawingml/2011/main" val="1"/>
             </a:ext>
             <a:ext uri="{909E8E84-426E-40dd-AFC4-6F175D3DCCD1}">
-              <a14:hiddenFill xmlns:a14="http://schemas.microsoft.com/office/drawing/2010/main" xmlns="">
+              <a14:hiddenFill xmlns="" xmlns:a14="http://schemas.microsoft.com/office/drawing/2010/main">
                 <a:solidFill>
                   <a:schemeClr val="accent1"/>
                 </a:solidFill>
               </a14:hiddenFill>
             </a:ext>
             <a:ext uri="{91240B29-F687-4f45-9708-019B960494DF}">
-              <a14:hiddenLine xmlns:a14="http://schemas.microsoft.com/office/drawing/2010/main" xmlns="" w="9525">
+              <a14:hiddenLine xmlns="" xmlns:a14="http://schemas.microsoft.com/office/drawing/2010/main" w="9525">
                 <a:solidFill>
                   <a:schemeClr val="tx1"/>
                 </a:solidFill>
@@ -2282,7 +2133,7 @@
               </a14:hiddenLine>
             </a:ext>
             <a:ext uri="{AF507438-7753-43e0-B8FC-AC1667EBCBE1}">
-              <a14:hiddenEffects xmlns:a14="http://schemas.microsoft.com/office/drawing/2010/main" xmlns="">
+              <a14:hiddenEffects xmlns="" xmlns:a14="http://schemas.microsoft.com/office/drawing/2010/main">
                 <a:effectLst>
                   <a:outerShdw blurRad="63500" dist="38099" dir="2700000" algn="ctr" rotWithShape="0">
                     <a:schemeClr val="bg2">
@@ -2568,17 +2419,17 @@
           <a:effectLst/>
           <a:extLst>
             <a:ext uri="{FAA26D3D-D897-4be2-8F04-BA451C77F1D7}">
-              <ma14:placeholderFlag xmlns:ma14="http://schemas.microsoft.com/office/mac/drawingml/2011/main" xmlns="" val="1"/>
+              <ma14:placeholderFlag xmlns="" xmlns:ma14="http://schemas.microsoft.com/office/mac/drawingml/2011/main" val="1"/>
             </a:ext>
             <a:ext uri="{909E8E84-426E-40dd-AFC4-6F175D3DCCD1}">
-              <a14:hiddenFill xmlns:a14="http://schemas.microsoft.com/office/drawing/2010/main" xmlns="">
+              <a14:hiddenFill xmlns="" xmlns:a14="http://schemas.microsoft.com/office/drawing/2010/main">
                 <a:solidFill>
                   <a:schemeClr val="accent1"/>
                 </a:solidFill>
               </a14:hiddenFill>
             </a:ext>
             <a:ext uri="{91240B29-F687-4f45-9708-019B960494DF}">
-              <a14:hiddenLine xmlns:a14="http://schemas.microsoft.com/office/drawing/2010/main" xmlns="" w="9525">
+              <a14:hiddenLine xmlns="" xmlns:a14="http://schemas.microsoft.com/office/drawing/2010/main" w="9525">
                 <a:solidFill>
                   <a:schemeClr val="tx1"/>
                 </a:solidFill>
@@ -2588,7 +2439,7 @@
               </a14:hiddenLine>
             </a:ext>
             <a:ext uri="{AF507438-7753-43e0-B8FC-AC1667EBCBE1}">
-              <a14:hiddenEffects xmlns:a14="http://schemas.microsoft.com/office/drawing/2010/main" xmlns="">
+              <a14:hiddenEffects xmlns="" xmlns:a14="http://schemas.microsoft.com/office/drawing/2010/main">
                 <a:effectLst>
                   <a:outerShdw blurRad="63500" dist="38099" dir="2700000" algn="ctr" rotWithShape="0">
                     <a:schemeClr val="bg2">
@@ -2970,17 +2821,17 @@
           <a:effectLst/>
           <a:extLst>
             <a:ext uri="{FAA26D3D-D897-4be2-8F04-BA451C77F1D7}">
-              <ma14:placeholderFlag xmlns:ma14="http://schemas.microsoft.com/office/mac/drawingml/2011/main" xmlns="" val="1"/>
+              <ma14:placeholderFlag xmlns="" xmlns:ma14="http://schemas.microsoft.com/office/mac/drawingml/2011/main" val="1"/>
             </a:ext>
             <a:ext uri="{909E8E84-426E-40dd-AFC4-6F175D3DCCD1}">
-              <a14:hiddenFill xmlns:a14="http://schemas.microsoft.com/office/drawing/2010/main" xmlns="">
+              <a14:hiddenFill xmlns="" xmlns:a14="http://schemas.microsoft.com/office/drawing/2010/main">
                 <a:solidFill>
                   <a:schemeClr val="accent1"/>
                 </a:solidFill>
               </a14:hiddenFill>
             </a:ext>
             <a:ext uri="{91240B29-F687-4f45-9708-019B960494DF}">
-              <a14:hiddenLine xmlns:a14="http://schemas.microsoft.com/office/drawing/2010/main" xmlns="" w="9525">
+              <a14:hiddenLine xmlns="" xmlns:a14="http://schemas.microsoft.com/office/drawing/2010/main" w="9525">
                 <a:solidFill>
                   <a:schemeClr val="tx1"/>
                 </a:solidFill>
@@ -2990,7 +2841,7 @@
               </a14:hiddenLine>
             </a:ext>
             <a:ext uri="{AF507438-7753-43e0-B8FC-AC1667EBCBE1}">
-              <a14:hiddenEffects xmlns:a14="http://schemas.microsoft.com/office/drawing/2010/main" xmlns="">
+              <a14:hiddenEffects xmlns="" xmlns:a14="http://schemas.microsoft.com/office/drawing/2010/main">
                 <a:effectLst>
                   <a:outerShdw blurRad="63500" dist="38099" dir="2700000" algn="ctr" rotWithShape="0">
                     <a:schemeClr val="bg2">
@@ -3506,17 +3357,17 @@
           <a:effectLst/>
           <a:extLst>
             <a:ext uri="{FAA26D3D-D897-4be2-8F04-BA451C77F1D7}">
-              <ma14:placeholderFlag xmlns:ma14="http://schemas.microsoft.com/office/mac/drawingml/2011/main" xmlns="" val="1"/>
+              <ma14:placeholderFlag xmlns="" xmlns:ma14="http://schemas.microsoft.com/office/mac/drawingml/2011/main" val="1"/>
             </a:ext>
             <a:ext uri="{909E8E84-426E-40dd-AFC4-6F175D3DCCD1}">
-              <a14:hiddenFill xmlns:a14="http://schemas.microsoft.com/office/drawing/2010/main" xmlns="">
+              <a14:hiddenFill xmlns="" xmlns:a14="http://schemas.microsoft.com/office/drawing/2010/main">
                 <a:solidFill>
                   <a:schemeClr val="accent1"/>
                 </a:solidFill>
               </a14:hiddenFill>
             </a:ext>
             <a:ext uri="{91240B29-F687-4f45-9708-019B960494DF}">
-              <a14:hiddenLine xmlns:a14="http://schemas.microsoft.com/office/drawing/2010/main" xmlns="" w="9525">
+              <a14:hiddenLine xmlns="" xmlns:a14="http://schemas.microsoft.com/office/drawing/2010/main" w="9525">
                 <a:solidFill>
                   <a:schemeClr val="tx1"/>
                 </a:solidFill>
@@ -3526,7 +3377,7 @@
               </a14:hiddenLine>
             </a:ext>
             <a:ext uri="{AF507438-7753-43e0-B8FC-AC1667EBCBE1}">
-              <a14:hiddenEffects xmlns:a14="http://schemas.microsoft.com/office/drawing/2010/main" xmlns="">
+              <a14:hiddenEffects xmlns="" xmlns:a14="http://schemas.microsoft.com/office/drawing/2010/main">
                 <a:effectLst>
                   <a:outerShdw blurRad="63500" dist="38099" dir="2700000" algn="ctr" rotWithShape="0">
                     <a:schemeClr val="bg2">
@@ -3738,17 +3589,17 @@
           <a:effectLst/>
           <a:extLst>
             <a:ext uri="{FAA26D3D-D897-4be2-8F04-BA451C77F1D7}">
-              <ma14:placeholderFlag xmlns:ma14="http://schemas.microsoft.com/office/mac/drawingml/2011/main" xmlns="" val="1"/>
+              <ma14:placeholderFlag xmlns="" xmlns:ma14="http://schemas.microsoft.com/office/mac/drawingml/2011/main" val="1"/>
             </a:ext>
             <a:ext uri="{909E8E84-426E-40dd-AFC4-6F175D3DCCD1}">
-              <a14:hiddenFill xmlns:a14="http://schemas.microsoft.com/office/drawing/2010/main" xmlns="">
+              <a14:hiddenFill xmlns="" xmlns:a14="http://schemas.microsoft.com/office/drawing/2010/main">
                 <a:solidFill>
                   <a:schemeClr val="accent1"/>
                 </a:solidFill>
               </a14:hiddenFill>
             </a:ext>
             <a:ext uri="{91240B29-F687-4f45-9708-019B960494DF}">
-              <a14:hiddenLine xmlns:a14="http://schemas.microsoft.com/office/drawing/2010/main" xmlns="" w="9525">
+              <a14:hiddenLine xmlns="" xmlns:a14="http://schemas.microsoft.com/office/drawing/2010/main" w="9525">
                 <a:solidFill>
                   <a:schemeClr val="tx1"/>
                 </a:solidFill>
@@ -3758,7 +3609,7 @@
               </a14:hiddenLine>
             </a:ext>
             <a:ext uri="{AF507438-7753-43e0-B8FC-AC1667EBCBE1}">
-              <a14:hiddenEffects xmlns:a14="http://schemas.microsoft.com/office/drawing/2010/main" xmlns="">
+              <a14:hiddenEffects xmlns="" xmlns:a14="http://schemas.microsoft.com/office/drawing/2010/main">
                 <a:effectLst>
                   <a:outerShdw blurRad="63500" dist="38099" dir="2700000" algn="ctr" rotWithShape="0">
                     <a:schemeClr val="bg2">
@@ -3947,17 +3798,17 @@
           <a:effectLst/>
           <a:extLst>
             <a:ext uri="{FAA26D3D-D897-4be2-8F04-BA451C77F1D7}">
-              <ma14:placeholderFlag xmlns:ma14="http://schemas.microsoft.com/office/mac/drawingml/2011/main" xmlns="" val="1"/>
+              <ma14:placeholderFlag xmlns="" xmlns:ma14="http://schemas.microsoft.com/office/mac/drawingml/2011/main" val="1"/>
             </a:ext>
             <a:ext uri="{909E8E84-426E-40dd-AFC4-6F175D3DCCD1}">
-              <a14:hiddenFill xmlns:a14="http://schemas.microsoft.com/office/drawing/2010/main" xmlns="">
+              <a14:hiddenFill xmlns="" xmlns:a14="http://schemas.microsoft.com/office/drawing/2010/main">
                 <a:solidFill>
                   <a:schemeClr val="accent1"/>
                 </a:solidFill>
               </a14:hiddenFill>
             </a:ext>
             <a:ext uri="{91240B29-F687-4f45-9708-019B960494DF}">
-              <a14:hiddenLine xmlns:a14="http://schemas.microsoft.com/office/drawing/2010/main" xmlns="" w="9525">
+              <a14:hiddenLine xmlns="" xmlns:a14="http://schemas.microsoft.com/office/drawing/2010/main" w="9525">
                 <a:solidFill>
                   <a:schemeClr val="tx1"/>
                 </a:solidFill>
@@ -3967,7 +3818,7 @@
               </a14:hiddenLine>
             </a:ext>
             <a:ext uri="{AF507438-7753-43e0-B8FC-AC1667EBCBE1}">
-              <a14:hiddenEffects xmlns:a14="http://schemas.microsoft.com/office/drawing/2010/main" xmlns="">
+              <a14:hiddenEffects xmlns="" xmlns:a14="http://schemas.microsoft.com/office/drawing/2010/main">
                 <a:effectLst>
                   <a:outerShdw blurRad="63500" dist="38099" dir="2700000" algn="ctr" rotWithShape="0">
                     <a:schemeClr val="bg2">
@@ -4338,17 +4189,17 @@
           <a:effectLst/>
           <a:extLst>
             <a:ext uri="{FAA26D3D-D897-4be2-8F04-BA451C77F1D7}">
-              <ma14:placeholderFlag xmlns:ma14="http://schemas.microsoft.com/office/mac/drawingml/2011/main" xmlns="" val="1"/>
+              <ma14:placeholderFlag xmlns="" xmlns:ma14="http://schemas.microsoft.com/office/mac/drawingml/2011/main" val="1"/>
             </a:ext>
             <a:ext uri="{909E8E84-426E-40dd-AFC4-6F175D3DCCD1}">
-              <a14:hiddenFill xmlns:a14="http://schemas.microsoft.com/office/drawing/2010/main" xmlns="">
+              <a14:hiddenFill xmlns="" xmlns:a14="http://schemas.microsoft.com/office/drawing/2010/main">
                 <a:solidFill>
                   <a:schemeClr val="accent1"/>
                 </a:solidFill>
               </a14:hiddenFill>
             </a:ext>
             <a:ext uri="{91240B29-F687-4f45-9708-019B960494DF}">
-              <a14:hiddenLine xmlns:a14="http://schemas.microsoft.com/office/drawing/2010/main" xmlns="" w="9525">
+              <a14:hiddenLine xmlns="" xmlns:a14="http://schemas.microsoft.com/office/drawing/2010/main" w="9525">
                 <a:solidFill>
                   <a:schemeClr val="tx1"/>
                 </a:solidFill>
@@ -4358,7 +4209,7 @@
               </a14:hiddenLine>
             </a:ext>
             <a:ext uri="{AF507438-7753-43e0-B8FC-AC1667EBCBE1}">
-              <a14:hiddenEffects xmlns:a14="http://schemas.microsoft.com/office/drawing/2010/main" xmlns="">
+              <a14:hiddenEffects xmlns="" xmlns:a14="http://schemas.microsoft.com/office/drawing/2010/main">
                 <a:effectLst>
                   <a:outerShdw blurRad="63500" dist="38099" dir="2700000" algn="ctr" rotWithShape="0">
                     <a:schemeClr val="bg2">
@@ -4706,17 +4557,17 @@
           <a:effectLst/>
           <a:extLst>
             <a:ext uri="{FAA26D3D-D897-4be2-8F04-BA451C77F1D7}">
-              <ma14:placeholderFlag xmlns:ma14="http://schemas.microsoft.com/office/mac/drawingml/2011/main" xmlns="" val="1"/>
+              <ma14:placeholderFlag xmlns="" xmlns:ma14="http://schemas.microsoft.com/office/mac/drawingml/2011/main" val="1"/>
             </a:ext>
             <a:ext uri="{909E8E84-426E-40dd-AFC4-6F175D3DCCD1}">
-              <a14:hiddenFill xmlns:a14="http://schemas.microsoft.com/office/drawing/2010/main" xmlns="">
+              <a14:hiddenFill xmlns="" xmlns:a14="http://schemas.microsoft.com/office/drawing/2010/main">
                 <a:solidFill>
                   <a:schemeClr val="accent1"/>
                 </a:solidFill>
               </a14:hiddenFill>
             </a:ext>
             <a:ext uri="{91240B29-F687-4f45-9708-019B960494DF}">
-              <a14:hiddenLine xmlns:a14="http://schemas.microsoft.com/office/drawing/2010/main" xmlns="" w="9525">
+              <a14:hiddenLine xmlns="" xmlns:a14="http://schemas.microsoft.com/office/drawing/2010/main" w="9525">
                 <a:solidFill>
                   <a:schemeClr val="tx1"/>
                 </a:solidFill>
@@ -4726,7 +4577,7 @@
               </a14:hiddenLine>
             </a:ext>
             <a:ext uri="{AF507438-7753-43e0-B8FC-AC1667EBCBE1}">
-              <a14:hiddenEffects xmlns:a14="http://schemas.microsoft.com/office/drawing/2010/main" xmlns="">
+              <a14:hiddenEffects xmlns="" xmlns:a14="http://schemas.microsoft.com/office/drawing/2010/main">
                 <a:effectLst>
                   <a:outerShdw blurRad="63500" dist="38099" dir="2700000" algn="ctr" rotWithShape="0">
                     <a:schemeClr val="bg2">
@@ -4853,17 +4704,17 @@
           <a:effectLst/>
           <a:extLst>
             <a:ext uri="{FAA26D3D-D897-4be2-8F04-BA451C77F1D7}">
-              <ma14:placeholderFlag xmlns:ma14="http://schemas.microsoft.com/office/mac/drawingml/2011/main" xmlns="" val="1"/>
+              <ma14:placeholderFlag xmlns="" xmlns:ma14="http://schemas.microsoft.com/office/mac/drawingml/2011/main" val="1"/>
             </a:ext>
             <a:ext uri="{909E8E84-426E-40dd-AFC4-6F175D3DCCD1}">
-              <a14:hiddenFill xmlns:a14="http://schemas.microsoft.com/office/drawing/2010/main" xmlns="">
+              <a14:hiddenFill xmlns="" xmlns:a14="http://schemas.microsoft.com/office/drawing/2010/main">
                 <a:solidFill>
                   <a:schemeClr val="accent1"/>
                 </a:solidFill>
               </a14:hiddenFill>
             </a:ext>
             <a:ext uri="{91240B29-F687-4f45-9708-019B960494DF}">
-              <a14:hiddenLine xmlns:a14="http://schemas.microsoft.com/office/drawing/2010/main" xmlns="" w="9525">
+              <a14:hiddenLine xmlns="" xmlns:a14="http://schemas.microsoft.com/office/drawing/2010/main" w="9525">
                 <a:solidFill>
                   <a:schemeClr val="tx1"/>
                 </a:solidFill>
@@ -4873,7 +4724,7 @@
               </a14:hiddenLine>
             </a:ext>
             <a:ext uri="{AF507438-7753-43e0-B8FC-AC1667EBCBE1}">
-              <a14:hiddenEffects xmlns:a14="http://schemas.microsoft.com/office/drawing/2010/main" xmlns="">
+              <a14:hiddenEffects xmlns="" xmlns:a14="http://schemas.microsoft.com/office/drawing/2010/main">
                 <a:effectLst>
                   <a:outerShdw blurRad="63500" dist="38099" dir="2700000" algn="ctr" rotWithShape="0">
                     <a:schemeClr val="bg2">
@@ -4926,17 +4777,17 @@
           <a:effectLst/>
           <a:extLst>
             <a:ext uri="{FAA26D3D-D897-4be2-8F04-BA451C77F1D7}">
-              <ma14:placeholderFlag xmlns:ma14="http://schemas.microsoft.com/office/mac/drawingml/2011/main" xmlns="" val="1"/>
+              <ma14:placeholderFlag xmlns="" xmlns:ma14="http://schemas.microsoft.com/office/mac/drawingml/2011/main" val="1"/>
             </a:ext>
             <a:ext uri="{909E8E84-426E-40dd-AFC4-6F175D3DCCD1}">
-              <a14:hiddenFill xmlns:a14="http://schemas.microsoft.com/office/drawing/2010/main" xmlns="">
+              <a14:hiddenFill xmlns="" xmlns:a14="http://schemas.microsoft.com/office/drawing/2010/main">
                 <a:solidFill>
                   <a:schemeClr val="accent1"/>
                 </a:solidFill>
               </a14:hiddenFill>
             </a:ext>
             <a:ext uri="{91240B29-F687-4f45-9708-019B960494DF}">
-              <a14:hiddenLine xmlns:a14="http://schemas.microsoft.com/office/drawing/2010/main" xmlns="" w="9525">
+              <a14:hiddenLine xmlns="" xmlns:a14="http://schemas.microsoft.com/office/drawing/2010/main" w="9525">
                 <a:solidFill>
                   <a:schemeClr val="tx1"/>
                 </a:solidFill>
@@ -4946,7 +4797,7 @@
               </a14:hiddenLine>
             </a:ext>
             <a:ext uri="{AF507438-7753-43e0-B8FC-AC1667EBCBE1}">
-              <a14:hiddenEffects xmlns:a14="http://schemas.microsoft.com/office/drawing/2010/main" xmlns="">
+              <a14:hiddenEffects xmlns="" xmlns:a14="http://schemas.microsoft.com/office/drawing/2010/main">
                 <a:effectLst>
                   <a:outerShdw blurRad="63500" dist="38099" dir="2700000" algn="ctr" rotWithShape="0">
                     <a:schemeClr val="bg2">
@@ -5027,17 +4878,17 @@
           <a:effectLst/>
           <a:extLst>
             <a:ext uri="{FAA26D3D-D897-4be2-8F04-BA451C77F1D7}">
-              <ma14:placeholderFlag xmlns:ma14="http://schemas.microsoft.com/office/mac/drawingml/2011/main" xmlns="" val="1"/>
+              <ma14:placeholderFlag xmlns="" xmlns:ma14="http://schemas.microsoft.com/office/mac/drawingml/2011/main" val="1"/>
             </a:ext>
             <a:ext uri="{909E8E84-426E-40dd-AFC4-6F175D3DCCD1}">
-              <a14:hiddenFill xmlns:a14="http://schemas.microsoft.com/office/drawing/2010/main" xmlns="">
+              <a14:hiddenFill xmlns="" xmlns:a14="http://schemas.microsoft.com/office/drawing/2010/main">
                 <a:solidFill>
                   <a:schemeClr val="accent1"/>
                 </a:solidFill>
               </a14:hiddenFill>
             </a:ext>
             <a:ext uri="{91240B29-F687-4f45-9708-019B960494DF}">
-              <a14:hiddenLine xmlns:a14="http://schemas.microsoft.com/office/drawing/2010/main" xmlns="" w="9525">
+              <a14:hiddenLine xmlns="" xmlns:a14="http://schemas.microsoft.com/office/drawing/2010/main" w="9525">
                 <a:solidFill>
                   <a:schemeClr val="tx1"/>
                 </a:solidFill>
@@ -5047,7 +4898,7 @@
               </a14:hiddenLine>
             </a:ext>
             <a:ext uri="{AF507438-7753-43e0-B8FC-AC1667EBCBE1}">
-              <a14:hiddenEffects xmlns:a14="http://schemas.microsoft.com/office/drawing/2010/main" xmlns="">
+              <a14:hiddenEffects xmlns="" xmlns:a14="http://schemas.microsoft.com/office/drawing/2010/main">
                 <a:effectLst>
                   <a:outerShdw blurRad="63500" dist="38099" dir="2700000" algn="ctr" rotWithShape="0">
                     <a:schemeClr val="bg2">
@@ -5117,17 +4968,17 @@
           <a:effectLst/>
           <a:extLst>
             <a:ext uri="{FAA26D3D-D897-4be2-8F04-BA451C77F1D7}">
-              <ma14:placeholderFlag xmlns:ma14="http://schemas.microsoft.com/office/mac/drawingml/2011/main" xmlns="" val="1"/>
+              <ma14:placeholderFlag xmlns="" xmlns:ma14="http://schemas.microsoft.com/office/mac/drawingml/2011/main" val="1"/>
             </a:ext>
             <a:ext uri="{909E8E84-426E-40dd-AFC4-6F175D3DCCD1}">
-              <a14:hiddenFill xmlns:a14="http://schemas.microsoft.com/office/drawing/2010/main" xmlns="">
+              <a14:hiddenFill xmlns="" xmlns:a14="http://schemas.microsoft.com/office/drawing/2010/main">
                 <a:solidFill>
                   <a:schemeClr val="accent1"/>
                 </a:solidFill>
               </a14:hiddenFill>
             </a:ext>
             <a:ext uri="{91240B29-F687-4f45-9708-019B960494DF}">
-              <a14:hiddenLine xmlns:a14="http://schemas.microsoft.com/office/drawing/2010/main" xmlns="" w="9525">
+              <a14:hiddenLine xmlns="" xmlns:a14="http://schemas.microsoft.com/office/drawing/2010/main" w="9525">
                 <a:solidFill>
                   <a:schemeClr val="tx1"/>
                 </a:solidFill>
@@ -5137,7 +4988,7 @@
               </a14:hiddenLine>
             </a:ext>
             <a:ext uri="{AF507438-7753-43e0-B8FC-AC1667EBCBE1}">
-              <a14:hiddenEffects xmlns:a14="http://schemas.microsoft.com/office/drawing/2010/main" xmlns="">
+              <a14:hiddenEffects xmlns="" xmlns:a14="http://schemas.microsoft.com/office/drawing/2010/main">
                 <a:effectLst>
                   <a:outerShdw blurRad="63500" dist="38099" dir="2700000" algn="ctr" rotWithShape="0">
                     <a:schemeClr val="bg2">
@@ -5213,17 +5064,17 @@
           <a:effectLst/>
           <a:extLst>
             <a:ext uri="{FAA26D3D-D897-4be2-8F04-BA451C77F1D7}">
-              <ma14:placeholderFlag xmlns:ma14="http://schemas.microsoft.com/office/mac/drawingml/2011/main" xmlns="" val="1"/>
+              <ma14:placeholderFlag xmlns="" xmlns:ma14="http://schemas.microsoft.com/office/mac/drawingml/2011/main" val="1"/>
             </a:ext>
             <a:ext uri="{909E8E84-426E-40dd-AFC4-6F175D3DCCD1}">
-              <a14:hiddenFill xmlns:a14="http://schemas.microsoft.com/office/drawing/2010/main" xmlns="">
+              <a14:hiddenFill xmlns="" xmlns:a14="http://schemas.microsoft.com/office/drawing/2010/main">
                 <a:solidFill>
                   <a:schemeClr val="accent1"/>
                 </a:solidFill>
               </a14:hiddenFill>
             </a:ext>
             <a:ext uri="{91240B29-F687-4f45-9708-019B960494DF}">
-              <a14:hiddenLine xmlns:a14="http://schemas.microsoft.com/office/drawing/2010/main" xmlns="" w="9525">
+              <a14:hiddenLine xmlns="" xmlns:a14="http://schemas.microsoft.com/office/drawing/2010/main" w="9525">
                 <a:solidFill>
                   <a:schemeClr val="tx1"/>
                 </a:solidFill>
@@ -5233,7 +5084,7 @@
               </a14:hiddenLine>
             </a:ext>
             <a:ext uri="{AF507438-7753-43e0-B8FC-AC1667EBCBE1}">
-              <a14:hiddenEffects xmlns:a14="http://schemas.microsoft.com/office/drawing/2010/main" xmlns="">
+              <a14:hiddenEffects xmlns="" xmlns:a14="http://schemas.microsoft.com/office/drawing/2010/main">
                 <a:effectLst>
                   <a:outerShdw blurRad="63500" dist="38099" dir="2700000" algn="ctr" rotWithShape="0">
                     <a:schemeClr val="bg2">
@@ -6985,8 +6836,8 @@
           </p:sp>
         </mc:Fallback>
       </mc:AlternateContent>
-      <mc:AlternateContent xmlns:mc="http://schemas.openxmlformats.org/markup-compatibility/2006">
-        <mc:Choice xmlns:a14="http://schemas.microsoft.com/office/drawing/2010/main" Requires="a14">
+      <mc:AlternateContent xmlns:mc="http://schemas.openxmlformats.org/markup-compatibility/2006" xmlns:a14="http://schemas.microsoft.com/office/drawing/2010/main">
+        <mc:Choice Requires="a14">
           <p:sp>
             <p:nvSpPr>
               <p:cNvPr id="115" name="TextBox 114">
@@ -7001,8 +6852,8 @@
             </p:nvSpPr>
             <p:spPr>
               <a:xfrm>
-                <a:off x="4835065" y="3853951"/>
-                <a:ext cx="3986861" cy="307777"/>
+                <a:off x="4542519" y="3853951"/>
+                <a:ext cx="4571956" cy="328873"/>
               </a:xfrm>
               <a:prstGeom prst="rect">
                 <a:avLst/>
@@ -7054,6 +6905,30 @@
                             </a:rPr>
                             <m:t>env</m:t>
                           </m:r>
+                          <m:r>
+                            <a:rPr lang="en-US" sz="1400" b="0" i="0" smtClean="0">
+                              <a:latin typeface="Cambria Math" panose="02040503050406030204" pitchFamily="18" charset="0"/>
+                              <a:ea typeface="Cambria Math" panose="02040503050406030204" pitchFamily="18" charset="0"/>
+                            </a:rPr>
+                            <m:t>[</m:t>
+                          </m:r>
+                          <m:r>
+                            <m:rPr>
+                              <m:sty m:val="p"/>
+                            </m:rPr>
+                            <a:rPr lang="en-US" sz="1400" b="0" i="0" smtClean="0">
+                              <a:latin typeface="Cambria Math" panose="02040503050406030204" pitchFamily="18" charset="0"/>
+                              <a:ea typeface="Cambria Math" panose="02040503050406030204" pitchFamily="18" charset="0"/>
+                            </a:rPr>
+                            <m:t>CoreSet</m:t>
+                          </m:r>
+                          <m:r>
+                            <a:rPr lang="en-US" sz="1400" b="0" i="0" smtClean="0">
+                              <a:latin typeface="Cambria Math" panose="02040503050406030204" pitchFamily="18" charset="0"/>
+                              <a:ea typeface="Cambria Math" panose="02040503050406030204" pitchFamily="18" charset="0"/>
+                            </a:rPr>
+                            <m:t>]</m:t>
+                          </m:r>
                         </m:sub>
                       </m:sSub>
                       <m:d>
@@ -7097,14 +6972,7 @@
                                   <a:latin typeface="Cambria Math" panose="02040503050406030204" pitchFamily="18" charset="0"/>
                                   <a:ea typeface="Cambria Math" panose="02040503050406030204" pitchFamily="18" charset="0"/>
                                 </a:rPr>
-                                <m:t>𝑠</m:t>
-                              </m:r>
-                              <m:r>
-                                <a:rPr lang="en-US" sz="1400" b="0" i="1" smtClean="0">
-                                  <a:latin typeface="Cambria Math" panose="02040503050406030204" pitchFamily="18" charset="0"/>
-                                  <a:ea typeface="Cambria Math" panose="02040503050406030204" pitchFamily="18" charset="0"/>
-                                </a:rPr>
-                                <m:t>𝑖</m:t>
+                                <m:t>𝑠𝑖</m:t>
                               </m:r>
                               <m:r>
                                 <a:rPr lang="en-US" sz="1400" b="0" i="1" smtClean="0">
@@ -7230,7 +7098,7 @@
             </p:txBody>
           </p:sp>
         </mc:Choice>
-        <mc:Fallback>
+        <mc:Fallback xmlns="">
           <p:sp>
             <p:nvSpPr>
               <p:cNvPr id="115" name="TextBox 114">
@@ -7247,8 +7115,8 @@
             </p:nvSpPr>
             <p:spPr>
               <a:xfrm>
-                <a:off x="4835065" y="3853951"/>
-                <a:ext cx="3986861" cy="307777"/>
+                <a:off x="4542519" y="3853951"/>
+                <a:ext cx="4571956" cy="328873"/>
               </a:xfrm>
               <a:prstGeom prst="rect">
                 <a:avLst/>
@@ -7256,7 +7124,7 @@
               <a:blipFill>
                 <a:blip r:embed="rId8"/>
                 <a:stretch>
-                  <a:fillRect b="-11538"/>
+                  <a:fillRect b="-3704"/>
                 </a:stretch>
               </a:blipFill>
             </p:spPr>
@@ -7275,8 +7143,8 @@
           </p:sp>
         </mc:Fallback>
       </mc:AlternateContent>
-      <mc:AlternateContent xmlns:mc="http://schemas.openxmlformats.org/markup-compatibility/2006">
-        <mc:Choice xmlns:a14="http://schemas.microsoft.com/office/drawing/2010/main" Requires="a14">
+      <mc:AlternateContent xmlns:mc="http://schemas.openxmlformats.org/markup-compatibility/2006" xmlns:a14="http://schemas.microsoft.com/office/drawing/2010/main">
+        <mc:Choice Requires="a14">
           <p:sp>
             <p:nvSpPr>
               <p:cNvPr id="116" name="TextBox 115">
@@ -7291,8 +7159,8 @@
             </p:nvSpPr>
             <p:spPr>
               <a:xfrm>
-                <a:off x="5414776" y="3460002"/>
-                <a:ext cx="2827441" cy="307777"/>
+                <a:off x="5322315" y="3460002"/>
+                <a:ext cx="3012363" cy="328873"/>
               </a:xfrm>
               <a:prstGeom prst="rect">
                 <a:avLst/>
@@ -7343,6 +7211,27 @@
                               <a:ea typeface="Cambria Math" panose="02040503050406030204" pitchFamily="18" charset="0"/>
                             </a:rPr>
                             <m:t>env</m:t>
+                          </m:r>
+                          <m:r>
+                            <a:rPr lang="en-US" sz="1400" b="0" i="1" smtClean="0">
+                              <a:latin typeface="Cambria Math" panose="02040503050406030204" pitchFamily="18" charset="0"/>
+                              <a:ea typeface="Cambria Math" panose="02040503050406030204" pitchFamily="18" charset="0"/>
+                            </a:rPr>
+                            <m:t>[</m:t>
+                          </m:r>
+                          <m:r>
+                            <a:rPr lang="en-US" sz="1400" b="0" i="1" smtClean="0">
+                              <a:latin typeface="Cambria Math" panose="02040503050406030204" pitchFamily="18" charset="0"/>
+                              <a:ea typeface="Cambria Math" panose="02040503050406030204" pitchFamily="18" charset="0"/>
+                            </a:rPr>
+                            <m:t>𝑐𝑖𝑑</m:t>
+                          </m:r>
+                          <m:r>
+                            <a:rPr lang="en-US" sz="1400" b="0" i="1" smtClean="0">
+                              <a:latin typeface="Cambria Math" panose="02040503050406030204" pitchFamily="18" charset="0"/>
+                              <a:ea typeface="Cambria Math" panose="02040503050406030204" pitchFamily="18" charset="0"/>
+                            </a:rPr>
+                            <m:t>]</m:t>
                           </m:r>
                         </m:sub>
                       </m:sSub>
@@ -7471,7 +7360,7 @@
             </p:txBody>
           </p:sp>
         </mc:Choice>
-        <mc:Fallback>
+        <mc:Fallback xmlns="">
           <p:sp>
             <p:nvSpPr>
               <p:cNvPr id="116" name="TextBox 115">
@@ -7488,8 +7377,8 @@
             </p:nvSpPr>
             <p:spPr>
               <a:xfrm>
-                <a:off x="5414776" y="3460002"/>
-                <a:ext cx="2827441" cy="307777"/>
+                <a:off x="5322315" y="3460002"/>
+                <a:ext cx="3012363" cy="328873"/>
               </a:xfrm>
               <a:prstGeom prst="rect">
                 <a:avLst/>
@@ -7497,7 +7386,7 @@
               <a:blipFill>
                 <a:blip r:embed="rId9"/>
                 <a:stretch>
-                  <a:fillRect b="-11538"/>
+                  <a:fillRect/>
                 </a:stretch>
               </a:blipFill>
             </p:spPr>
@@ -7516,8 +7405,8 @@
           </p:sp>
         </mc:Fallback>
       </mc:AlternateContent>
-      <mc:AlternateContent xmlns:mc="http://schemas.openxmlformats.org/markup-compatibility/2006">
-        <mc:Choice xmlns:a14="http://schemas.microsoft.com/office/drawing/2010/main" Requires="a14">
+      <mc:AlternateContent xmlns:mc="http://schemas.openxmlformats.org/markup-compatibility/2006" xmlns:a14="http://schemas.microsoft.com/office/drawing/2010/main">
+        <mc:Choice Requires="a14">
           <p:sp>
             <p:nvSpPr>
               <p:cNvPr id="117" name="TextBox 116">
@@ -7712,7 +7601,7 @@
             </p:txBody>
           </p:sp>
         </mc:Choice>
-        <mc:Fallback>
+        <mc:Fallback xmlns="">
           <p:sp>
             <p:nvSpPr>
               <p:cNvPr id="117" name="TextBox 116">
@@ -7757,8 +7646,8 @@
           </p:sp>
         </mc:Fallback>
       </mc:AlternateContent>
-      <mc:AlternateContent xmlns:mc="http://schemas.openxmlformats.org/markup-compatibility/2006">
-        <mc:Choice xmlns:a14="http://schemas.microsoft.com/office/drawing/2010/main" Requires="a14">
+      <mc:AlternateContent xmlns:mc="http://schemas.openxmlformats.org/markup-compatibility/2006" xmlns:a14="http://schemas.microsoft.com/office/drawing/2010/main">
+        <mc:Choice Requires="a14">
           <p:sp>
             <p:nvSpPr>
               <p:cNvPr id="118" name="TextBox 117">
@@ -7970,7 +7859,7 @@
             </p:txBody>
           </p:sp>
         </mc:Choice>
-        <mc:Fallback>
+        <mc:Fallback xmlns="">
           <p:sp>
             <p:nvSpPr>
               <p:cNvPr id="118" name="TextBox 117">
@@ -8015,8 +7904,8 @@
           </p:sp>
         </mc:Fallback>
       </mc:AlternateContent>
-      <mc:AlternateContent xmlns:mc="http://schemas.openxmlformats.org/markup-compatibility/2006">
-        <mc:Choice xmlns:a14="http://schemas.microsoft.com/office/drawing/2010/main" Requires="a14">
+      <mc:AlternateContent xmlns:mc="http://schemas.openxmlformats.org/markup-compatibility/2006" xmlns:a14="http://schemas.microsoft.com/office/drawing/2010/main">
+        <mc:Choice Requires="a14">
           <p:sp>
             <p:nvSpPr>
               <p:cNvPr id="119" name="TextBox 118">
@@ -8235,7 +8124,7 @@
             </p:txBody>
           </p:sp>
         </mc:Choice>
-        <mc:Fallback>
+        <mc:Fallback xmlns="">
           <p:sp>
             <p:nvSpPr>
               <p:cNvPr id="119" name="TextBox 118">
@@ -8280,8 +8169,8 @@
           </p:sp>
         </mc:Fallback>
       </mc:AlternateContent>
-      <mc:AlternateContent xmlns:mc="http://schemas.openxmlformats.org/markup-compatibility/2006">
-        <mc:Choice xmlns:a14="http://schemas.microsoft.com/office/drawing/2010/main" Requires="a14">
+      <mc:AlternateContent xmlns:mc="http://schemas.openxmlformats.org/markup-compatibility/2006" xmlns:a14="http://schemas.microsoft.com/office/drawing/2010/main">
+        <mc:Choice Requires="a14">
           <p:sp>
             <p:nvSpPr>
               <p:cNvPr id="120" name="TextBox 119">
@@ -8476,7 +8365,7 @@
             </p:txBody>
           </p:sp>
         </mc:Choice>
-        <mc:Fallback>
+        <mc:Fallback xmlns="">
           <p:sp>
             <p:nvSpPr>
               <p:cNvPr id="120" name="TextBox 119">
@@ -10571,8 +10460,8 @@
           </p:sp>
         </mc:Fallback>
       </mc:AlternateContent>
-      <mc:AlternateContent xmlns:mc="http://schemas.openxmlformats.org/markup-compatibility/2006">
-        <mc:Choice xmlns:a14="http://schemas.microsoft.com/office/drawing/2010/main" Requires="a14">
+      <mc:AlternateContent xmlns:mc="http://schemas.openxmlformats.org/markup-compatibility/2006" xmlns:a14="http://schemas.microsoft.com/office/drawing/2010/main">
+        <mc:Choice Requires="a14">
           <p:sp>
             <p:nvSpPr>
               <p:cNvPr id="33" name="TextBox 32">
@@ -10767,7 +10656,7 @@
             </p:txBody>
           </p:sp>
         </mc:Choice>
-        <mc:Fallback>
+        <mc:Fallback xmlns="">
           <p:sp>
             <p:nvSpPr>
               <p:cNvPr id="33" name="TextBox 32">
@@ -11051,7 +10940,7 @@
           <a:effectLst/>
           <a:extLst>
             <a:ext uri="{AF507438-7753-43e0-B8FC-AC1667EBCBE1}">
-              <a14:hiddenEffects xmlns:a14="http://schemas.microsoft.com/office/drawing/2010/main" xmlns="">
+              <a14:hiddenEffects xmlns="" xmlns:a14="http://schemas.microsoft.com/office/drawing/2010/main">
                 <a:effectLst>
                   <a:outerShdw blurRad="63500" dist="38099" dir="2700000" algn="ctr" rotWithShape="0">
                     <a:schemeClr val="bg2">
@@ -11170,7 +11059,7 @@
           <a:effectLst/>
           <a:extLst>
             <a:ext uri="{AF507438-7753-43e0-B8FC-AC1667EBCBE1}">
-              <a14:hiddenEffects xmlns:a14="http://schemas.microsoft.com/office/drawing/2010/main" xmlns="">
+              <a14:hiddenEffects xmlns="" xmlns:a14="http://schemas.microsoft.com/office/drawing/2010/main">
                 <a:effectLst>
                   <a:outerShdw blurRad="63500" dist="38099" dir="2700000" algn="ctr" rotWithShape="0">
                     <a:schemeClr val="bg2">
@@ -11672,7 +11561,7 @@
             </p:nvSpPr>
             <p:spPr>
               <a:xfrm>
-                <a:off x="5155870" y="2763712"/>
+                <a:off x="4955326" y="2763712"/>
                 <a:ext cx="3411447" cy="302840"/>
               </a:xfrm>
               <a:prstGeom prst="rect">
@@ -11887,7 +11776,7 @@
             </p:nvSpPr>
             <p:spPr>
               <a:xfrm>
-                <a:off x="5155870" y="2763712"/>
+                <a:off x="4955326" y="2763712"/>
                 <a:ext cx="3411447" cy="302840"/>
               </a:xfrm>
               <a:prstGeom prst="rect">
@@ -11931,7 +11820,7 @@
             </p:nvSpPr>
             <p:spPr>
               <a:xfrm>
-                <a:off x="5088926" y="42122"/>
+                <a:off x="4888382" y="42122"/>
                 <a:ext cx="3419462" cy="302840"/>
               </a:xfrm>
               <a:prstGeom prst="rect">
@@ -12136,7 +12025,7 @@
             </p:nvSpPr>
             <p:spPr>
               <a:xfrm>
-                <a:off x="5088926" y="42122"/>
+                <a:off x="4888382" y="42122"/>
                 <a:ext cx="3419462" cy="302840"/>
               </a:xfrm>
               <a:prstGeom prst="rect">
@@ -12164,1725 +12053,1864 @@
           </p:sp>
         </mc:Fallback>
       </mc:AlternateContent>
-      <p:grpSp>
-        <p:nvGrpSpPr>
-          <p:cNvPr id="49" name="Group 48">
-            <a:extLst>
-              <a:ext uri="{FF2B5EF4-FFF2-40B4-BE49-F238E27FC236}">
-                <a16:creationId xmlns:a16="http://schemas.microsoft.com/office/drawing/2014/main" id="{EB946E67-104A-3F44-88A6-C9FD53AE7F5C}"/>
-              </a:ext>
-            </a:extLst>
-          </p:cNvPr>
-          <p:cNvGrpSpPr/>
-          <p:nvPr/>
-        </p:nvGrpSpPr>
-        <p:grpSpPr>
-          <a:xfrm>
-            <a:off x="4555031" y="201236"/>
-            <a:ext cx="4608249" cy="2778712"/>
-            <a:chOff x="4458008" y="1723226"/>
-            <a:chExt cx="4608249" cy="2778712"/>
-          </a:xfrm>
-        </p:grpSpPr>
-        <mc:AlternateContent xmlns:mc="http://schemas.openxmlformats.org/markup-compatibility/2006" xmlns:a14="http://schemas.microsoft.com/office/drawing/2010/main">
-          <mc:Choice Requires="a14">
-            <p:sp>
-              <p:nvSpPr>
-                <p:cNvPr id="50" name="TextBox 49">
-                  <a:extLst>
-                    <a:ext uri="{FF2B5EF4-FFF2-40B4-BE49-F238E27FC236}">
-                      <a16:creationId xmlns:a16="http://schemas.microsoft.com/office/drawing/2014/main" id="{5E562659-E130-0F4B-9614-545D7C02C94D}"/>
-                    </a:ext>
-                  </a:extLst>
-                </p:cNvPr>
-                <p:cNvSpPr txBox="1"/>
-                <p:nvPr/>
-              </p:nvSpPr>
-              <p:spPr>
-                <a:xfrm rot="16200000">
-                  <a:off x="6507046" y="4052479"/>
-                  <a:ext cx="552669" cy="346249"/>
-                </a:xfrm>
-                <a:prstGeom prst="rect">
-                  <a:avLst/>
-                </a:prstGeom>
-                <a:noFill/>
-              </p:spPr>
-              <p:txBody>
-                <a:bodyPr wrap="square" lIns="0" tIns="0" rIns="0" bIns="0" rtlCol="0">
-                  <a:spAutoFit/>
-                </a:bodyPr>
-                <a:lstStyle/>
-                <a:p>
-                  <a:pPr/>
-                  <a14:m>
-                    <m:oMathPara xmlns:m="http://schemas.openxmlformats.org/officeDocument/2006/math">
-                      <m:oMathParaPr>
-                        <m:jc m:val="centerGroup"/>
-                      </m:oMathParaPr>
-                      <m:oMath xmlns:m="http://schemas.openxmlformats.org/officeDocument/2006/math">
-                        <m:r>
-                          <a:rPr lang="en-US" sz="2250" b="1" i="1">
-                            <a:latin typeface="Cambria Math" panose="02040503050406030204" pitchFamily="18" charset="0"/>
-                            <a:ea typeface="Cambria Math" panose="02040503050406030204" pitchFamily="18" charset="0"/>
-                            <a:cs typeface="Cambria Math" charset="0"/>
-                          </a:rPr>
-                          <m:t>⊑</m:t>
-                        </m:r>
-                      </m:oMath>
-                    </m:oMathPara>
-                  </a14:m>
-                  <a:endParaRPr lang="en-US" sz="2250" b="1" dirty="0">
-                    <a:latin typeface="Cambria Math" panose="02040503050406030204" pitchFamily="18" charset="0"/>
-                    <a:ea typeface="Cambria Math" panose="02040503050406030204" pitchFamily="18" charset="0"/>
-                  </a:endParaRPr>
-                </a:p>
-              </p:txBody>
-            </p:sp>
-          </mc:Choice>
-          <mc:Fallback xmlns="">
-            <p:sp>
-              <p:nvSpPr>
-                <p:cNvPr id="50" name="TextBox 49">
-                  <a:extLst>
-                    <a:ext uri="{FF2B5EF4-FFF2-40B4-BE49-F238E27FC236}">
-                      <a16:creationId xmlns:a16="http://schemas.microsoft.com/office/drawing/2014/main" id="{5E562659-E130-0F4B-9614-545D7C02C94D}"/>
-                    </a:ext>
-                  </a:extLst>
-                </p:cNvPr>
-                <p:cNvSpPr txBox="1">
-                  <a:spLocks noRot="1" noChangeAspect="1" noMove="1" noResize="1" noEditPoints="1" noAdjustHandles="1" noChangeArrowheads="1" noChangeShapeType="1" noTextEdit="1"/>
-                </p:cNvSpPr>
-                <p:nvPr/>
-              </p:nvSpPr>
-              <p:spPr>
-                <a:xfrm rot="16200000">
-                  <a:off x="6507046" y="4052479"/>
-                  <a:ext cx="552669" cy="346249"/>
-                </a:xfrm>
-                <a:prstGeom prst="rect">
-                  <a:avLst/>
-                </a:prstGeom>
-                <a:blipFill>
-                  <a:blip r:embed="rId5"/>
-                  <a:stretch>
-                    <a:fillRect/>
-                  </a:stretch>
-                </a:blipFill>
-              </p:spPr>
-              <p:txBody>
-                <a:bodyPr/>
-                <a:lstStyle/>
-                <a:p>
-                  <a:r>
-                    <a:rPr lang="en-US">
-                      <a:noFill/>
-                    </a:rPr>
-                    <a:t> </a:t>
-                  </a:r>
-                </a:p>
-              </p:txBody>
-            </p:sp>
-          </mc:Fallback>
-        </mc:AlternateContent>
-        <mc:AlternateContent xmlns:mc="http://schemas.openxmlformats.org/markup-compatibility/2006" xmlns:a14="http://schemas.microsoft.com/office/drawing/2010/main">
-          <mc:Choice Requires="a14">
-            <p:sp>
-              <p:nvSpPr>
-                <p:cNvPr id="51" name="TextBox 50">
-                  <a:extLst>
-                    <a:ext uri="{FF2B5EF4-FFF2-40B4-BE49-F238E27FC236}">
-                      <a16:creationId xmlns:a16="http://schemas.microsoft.com/office/drawing/2014/main" id="{AA83BD1F-A2EC-E14E-AD06-CD4F0DAF8410}"/>
-                    </a:ext>
-                  </a:extLst>
-                </p:cNvPr>
-                <p:cNvSpPr txBox="1"/>
-                <p:nvPr/>
-              </p:nvSpPr>
-              <p:spPr>
-                <a:xfrm rot="16200000">
-                  <a:off x="6497437" y="3528021"/>
-                  <a:ext cx="552669" cy="346249"/>
-                </a:xfrm>
-                <a:prstGeom prst="rect">
-                  <a:avLst/>
-                </a:prstGeom>
-                <a:noFill/>
-              </p:spPr>
-              <p:txBody>
-                <a:bodyPr wrap="square" lIns="0" tIns="0" rIns="0" bIns="0" rtlCol="0">
-                  <a:spAutoFit/>
-                </a:bodyPr>
-                <a:lstStyle/>
-                <a:p>
-                  <a:pPr/>
-                  <a14:m>
-                    <m:oMathPara xmlns:m="http://schemas.openxmlformats.org/officeDocument/2006/math">
-                      <m:oMathParaPr>
-                        <m:jc m:val="centerGroup"/>
-                      </m:oMathParaPr>
-                      <m:oMath xmlns:m="http://schemas.openxmlformats.org/officeDocument/2006/math">
-                        <m:r>
-                          <a:rPr lang="en-US" sz="2250" b="1" i="1">
-                            <a:latin typeface="Cambria Math" panose="02040503050406030204" pitchFamily="18" charset="0"/>
-                            <a:ea typeface="Cambria Math" panose="02040503050406030204" pitchFamily="18" charset="0"/>
-                            <a:cs typeface="Cambria Math" charset="0"/>
-                          </a:rPr>
-                          <m:t>⊑</m:t>
-                        </m:r>
-                      </m:oMath>
-                    </m:oMathPara>
-                  </a14:m>
-                  <a:endParaRPr lang="en-US" sz="2250" b="1" dirty="0">
-                    <a:latin typeface="Cambria Math" panose="02040503050406030204" pitchFamily="18" charset="0"/>
-                    <a:ea typeface="Cambria Math" panose="02040503050406030204" pitchFamily="18" charset="0"/>
-                  </a:endParaRPr>
-                </a:p>
-              </p:txBody>
-            </p:sp>
-          </mc:Choice>
-          <mc:Fallback xmlns="">
-            <p:sp>
-              <p:nvSpPr>
-                <p:cNvPr id="51" name="TextBox 50">
-                  <a:extLst>
-                    <a:ext uri="{FF2B5EF4-FFF2-40B4-BE49-F238E27FC236}">
-                      <a16:creationId xmlns:a16="http://schemas.microsoft.com/office/drawing/2014/main" id="{AA83BD1F-A2EC-E14E-AD06-CD4F0DAF8410}"/>
-                    </a:ext>
-                  </a:extLst>
-                </p:cNvPr>
-                <p:cNvSpPr txBox="1">
-                  <a:spLocks noRot="1" noChangeAspect="1" noMove="1" noResize="1" noEditPoints="1" noAdjustHandles="1" noChangeArrowheads="1" noChangeShapeType="1" noTextEdit="1"/>
-                </p:cNvSpPr>
-                <p:nvPr/>
-              </p:nvSpPr>
-              <p:spPr>
-                <a:xfrm rot="16200000">
-                  <a:off x="6497437" y="3528021"/>
-                  <a:ext cx="552669" cy="346249"/>
-                </a:xfrm>
-                <a:prstGeom prst="rect">
-                  <a:avLst/>
-                </a:prstGeom>
-                <a:blipFill>
-                  <a:blip r:embed="rId6"/>
-                  <a:stretch>
-                    <a:fillRect/>
-                  </a:stretch>
-                </a:blipFill>
-              </p:spPr>
-              <p:txBody>
-                <a:bodyPr/>
-                <a:lstStyle/>
-                <a:p>
-                  <a:r>
-                    <a:rPr lang="en-US">
-                      <a:noFill/>
-                    </a:rPr>
-                    <a:t> </a:t>
-                  </a:r>
-                </a:p>
-              </p:txBody>
-            </p:sp>
-          </mc:Fallback>
-        </mc:AlternateContent>
-        <mc:AlternateContent xmlns:mc="http://schemas.openxmlformats.org/markup-compatibility/2006" xmlns:a14="http://schemas.microsoft.com/office/drawing/2010/main">
-          <mc:Choice Requires="a14">
-            <p:sp>
-              <p:nvSpPr>
-                <p:cNvPr id="52" name="TextBox 51">
-                  <a:extLst>
-                    <a:ext uri="{FF2B5EF4-FFF2-40B4-BE49-F238E27FC236}">
-                      <a16:creationId xmlns:a16="http://schemas.microsoft.com/office/drawing/2014/main" id="{25109834-2B25-184D-AAAA-907697571C73}"/>
-                    </a:ext>
-                  </a:extLst>
-                </p:cNvPr>
-                <p:cNvSpPr txBox="1"/>
-                <p:nvPr/>
-              </p:nvSpPr>
-              <p:spPr>
-                <a:xfrm rot="16200000">
-                  <a:off x="6488271" y="2449983"/>
-                  <a:ext cx="552669" cy="346249"/>
-                </a:xfrm>
-                <a:prstGeom prst="rect">
-                  <a:avLst/>
-                </a:prstGeom>
-                <a:noFill/>
-              </p:spPr>
-              <p:txBody>
-                <a:bodyPr wrap="square" lIns="0" tIns="0" rIns="0" bIns="0" rtlCol="0">
-                  <a:spAutoFit/>
-                </a:bodyPr>
-                <a:lstStyle/>
-                <a:p>
-                  <a:pPr/>
-                  <a14:m>
-                    <m:oMathPara xmlns:m="http://schemas.openxmlformats.org/officeDocument/2006/math">
-                      <m:oMathParaPr>
-                        <m:jc m:val="centerGroup"/>
-                      </m:oMathParaPr>
-                      <m:oMath xmlns:m="http://schemas.openxmlformats.org/officeDocument/2006/math">
-                        <m:r>
-                          <a:rPr lang="en-US" sz="2250" b="1" i="1">
-                            <a:latin typeface="Cambria Math" panose="02040503050406030204" pitchFamily="18" charset="0"/>
-                            <a:ea typeface="Cambria Math" panose="02040503050406030204" pitchFamily="18" charset="0"/>
-                            <a:cs typeface="Cambria Math" charset="0"/>
-                          </a:rPr>
-                          <m:t>⊑</m:t>
-                        </m:r>
-                      </m:oMath>
-                    </m:oMathPara>
-                  </a14:m>
-                  <a:endParaRPr lang="en-US" sz="2250" b="1" dirty="0">
-                    <a:latin typeface="Cambria Math" panose="02040503050406030204" pitchFamily="18" charset="0"/>
-                    <a:ea typeface="Cambria Math" panose="02040503050406030204" pitchFamily="18" charset="0"/>
-                  </a:endParaRPr>
-                </a:p>
-              </p:txBody>
-            </p:sp>
-          </mc:Choice>
-          <mc:Fallback xmlns="">
-            <p:sp>
-              <p:nvSpPr>
-                <p:cNvPr id="52" name="TextBox 51">
-                  <a:extLst>
-                    <a:ext uri="{FF2B5EF4-FFF2-40B4-BE49-F238E27FC236}">
-                      <a16:creationId xmlns:a16="http://schemas.microsoft.com/office/drawing/2014/main" id="{25109834-2B25-184D-AAAA-907697571C73}"/>
-                    </a:ext>
-                  </a:extLst>
-                </p:cNvPr>
-                <p:cNvSpPr txBox="1">
-                  <a:spLocks noRot="1" noChangeAspect="1" noMove="1" noResize="1" noEditPoints="1" noAdjustHandles="1" noChangeArrowheads="1" noChangeShapeType="1" noTextEdit="1"/>
-                </p:cNvSpPr>
-                <p:nvPr/>
-              </p:nvSpPr>
-              <p:spPr>
-                <a:xfrm rot="16200000">
-                  <a:off x="6488271" y="2449983"/>
-                  <a:ext cx="552669" cy="346249"/>
-                </a:xfrm>
-                <a:prstGeom prst="rect">
-                  <a:avLst/>
-                </a:prstGeom>
-                <a:blipFill>
-                  <a:blip r:embed="rId7"/>
-                  <a:stretch>
-                    <a:fillRect/>
-                  </a:stretch>
-                </a:blipFill>
-              </p:spPr>
-              <p:txBody>
-                <a:bodyPr/>
-                <a:lstStyle/>
-                <a:p>
-                  <a:r>
-                    <a:rPr lang="en-US">
-                      <a:noFill/>
-                    </a:rPr>
-                    <a:t> </a:t>
-                  </a:r>
-                </a:p>
-              </p:txBody>
-            </p:sp>
-          </mc:Fallback>
-        </mc:AlternateContent>
-        <mc:AlternateContent xmlns:mc="http://schemas.openxmlformats.org/markup-compatibility/2006" xmlns:a14="http://schemas.microsoft.com/office/drawing/2010/main">
-          <mc:Choice Requires="a14">
-            <p:sp>
-              <p:nvSpPr>
-                <p:cNvPr id="53" name="TextBox 52">
-                  <a:extLst>
-                    <a:ext uri="{FF2B5EF4-FFF2-40B4-BE49-F238E27FC236}">
-                      <a16:creationId xmlns:a16="http://schemas.microsoft.com/office/drawing/2014/main" id="{F2E580FB-B760-7C4A-92CB-D12D033767A2}"/>
-                    </a:ext>
-                  </a:extLst>
-                </p:cNvPr>
-                <p:cNvSpPr txBox="1"/>
-                <p:nvPr/>
-              </p:nvSpPr>
-              <p:spPr>
-                <a:xfrm rot="16200000">
-                  <a:off x="6488269" y="1826436"/>
-                  <a:ext cx="552669" cy="346249"/>
-                </a:xfrm>
-                <a:prstGeom prst="rect">
-                  <a:avLst/>
-                </a:prstGeom>
-                <a:noFill/>
-              </p:spPr>
-              <p:txBody>
-                <a:bodyPr wrap="square" lIns="0" tIns="0" rIns="0" bIns="0" rtlCol="0">
-                  <a:spAutoFit/>
-                </a:bodyPr>
-                <a:lstStyle/>
-                <a:p>
-                  <a:pPr/>
-                  <a14:m>
-                    <m:oMathPara xmlns:m="http://schemas.openxmlformats.org/officeDocument/2006/math">
-                      <m:oMathParaPr>
-                        <m:jc m:val="centerGroup"/>
-                      </m:oMathParaPr>
-                      <m:oMath xmlns:m="http://schemas.openxmlformats.org/officeDocument/2006/math">
-                        <m:r>
-                          <a:rPr lang="en-US" sz="2250" b="1" i="1">
-                            <a:latin typeface="Cambria Math" panose="02040503050406030204" pitchFamily="18" charset="0"/>
-                            <a:ea typeface="Cambria Math" panose="02040503050406030204" pitchFamily="18" charset="0"/>
-                            <a:cs typeface="Cambria Math" charset="0"/>
-                          </a:rPr>
-                          <m:t>⊑</m:t>
-                        </m:r>
-                      </m:oMath>
-                    </m:oMathPara>
-                  </a14:m>
-                  <a:endParaRPr lang="en-US" sz="2250" b="1" dirty="0">
-                    <a:latin typeface="Cambria Math" panose="02040503050406030204" pitchFamily="18" charset="0"/>
-                    <a:ea typeface="Cambria Math" panose="02040503050406030204" pitchFamily="18" charset="0"/>
-                  </a:endParaRPr>
-                </a:p>
-              </p:txBody>
-            </p:sp>
-          </mc:Choice>
-          <mc:Fallback xmlns="">
-            <p:sp>
-              <p:nvSpPr>
-                <p:cNvPr id="53" name="TextBox 52">
-                  <a:extLst>
-                    <a:ext uri="{FF2B5EF4-FFF2-40B4-BE49-F238E27FC236}">
-                      <a16:creationId xmlns:a16="http://schemas.microsoft.com/office/drawing/2014/main" id="{F2E580FB-B760-7C4A-92CB-D12D033767A2}"/>
-                    </a:ext>
-                  </a:extLst>
-                </p:cNvPr>
-                <p:cNvSpPr txBox="1">
-                  <a:spLocks noRot="1" noChangeAspect="1" noMove="1" noResize="1" noEditPoints="1" noAdjustHandles="1" noChangeArrowheads="1" noChangeShapeType="1" noTextEdit="1"/>
-                </p:cNvSpPr>
-                <p:nvPr/>
-              </p:nvSpPr>
-              <p:spPr>
-                <a:xfrm rot="16200000">
-                  <a:off x="6488269" y="1826436"/>
-                  <a:ext cx="552669" cy="346249"/>
-                </a:xfrm>
-                <a:prstGeom prst="rect">
-                  <a:avLst/>
-                </a:prstGeom>
-                <a:blipFill>
-                  <a:blip r:embed="rId8"/>
-                  <a:stretch>
-                    <a:fillRect/>
-                  </a:stretch>
-                </a:blipFill>
-              </p:spPr>
-              <p:txBody>
-                <a:bodyPr/>
-                <a:lstStyle/>
-                <a:p>
-                  <a:r>
-                    <a:rPr lang="en-US">
-                      <a:noFill/>
-                    </a:rPr>
-                    <a:t> </a:t>
-                  </a:r>
-                </a:p>
-              </p:txBody>
-            </p:sp>
-          </mc:Fallback>
-        </mc:AlternateContent>
-        <mc:AlternateContent xmlns:mc="http://schemas.openxmlformats.org/markup-compatibility/2006" xmlns:a14="http://schemas.microsoft.com/office/drawing/2010/main">
-          <mc:Choice Requires="a14">
-            <p:sp>
-              <p:nvSpPr>
-                <p:cNvPr id="54" name="TextBox 53">
-                  <a:extLst>
-                    <a:ext uri="{FF2B5EF4-FFF2-40B4-BE49-F238E27FC236}">
-                      <a16:creationId xmlns:a16="http://schemas.microsoft.com/office/drawing/2014/main" id="{83AA2853-6A23-2B41-82F0-03E77DFFF0CB}"/>
-                    </a:ext>
-                  </a:extLst>
-                </p:cNvPr>
-                <p:cNvSpPr txBox="1"/>
-                <p:nvPr/>
-              </p:nvSpPr>
-              <p:spPr>
-                <a:xfrm>
-                  <a:off x="4630652" y="3799697"/>
-                  <a:ext cx="4262962" cy="328873"/>
-                </a:xfrm>
-                <a:prstGeom prst="rect">
-                  <a:avLst/>
-                </a:prstGeom>
-                <a:noFill/>
-              </p:spPr>
-              <p:txBody>
-                <a:bodyPr wrap="none" rtlCol="0">
-                  <a:spAutoFit/>
-                </a:bodyPr>
-                <a:lstStyle/>
-                <a:p>
-                  <a:pPr/>
-                  <a14:m>
-                    <m:oMathPara xmlns:m="http://schemas.openxmlformats.org/officeDocument/2006/math">
-                      <m:oMathParaPr>
-                        <m:jc m:val="centerGroup"/>
-                      </m:oMathParaPr>
-                      <m:oMath xmlns:m="http://schemas.openxmlformats.org/officeDocument/2006/math">
-                        <m:sSub>
-                          <m:sSubPr>
-                            <m:ctrlPr>
-                              <a:rPr lang="en-US" sz="1400" i="1" smtClean="0">
-                                <a:latin typeface="Cambria Math" panose="02040503050406030204" pitchFamily="18" charset="0"/>
-                                <a:ea typeface="Cambria Math" panose="02040503050406030204" pitchFamily="18" charset="0"/>
-                              </a:rPr>
-                            </m:ctrlPr>
-                          </m:sSubPr>
-                          <m:e>
-                            <m:r>
-                              <m:rPr>
-                                <m:sty m:val="p"/>
-                              </m:rPr>
-                              <a:rPr lang="en-US" sz="1400">
-                                <a:latin typeface="Cambria Math" panose="02040503050406030204" pitchFamily="18" charset="0"/>
-                                <a:ea typeface="Cambria Math" panose="02040503050406030204" pitchFamily="18" charset="0"/>
-                              </a:rPr>
-                              <m:t>Mach</m:t>
-                            </m:r>
-                          </m:e>
-                          <m:sub>
-                            <m:r>
-                              <m:rPr>
-                                <m:sty m:val="p"/>
-                              </m:rPr>
-                              <a:rPr lang="en-US" sz="1400" b="0" i="0" smtClean="0">
-                                <a:latin typeface="Cambria Math" panose="02040503050406030204" pitchFamily="18" charset="0"/>
-                                <a:ea typeface="Cambria Math" panose="02040503050406030204" pitchFamily="18" charset="0"/>
-                              </a:rPr>
-                              <m:t>EAsm</m:t>
-                            </m:r>
-                          </m:sub>
-                        </m:sSub>
-                        <m:r>
-                          <a:rPr lang="en-US" sz="1400">
-                            <a:latin typeface="Cambria Math" panose="02040503050406030204" pitchFamily="18" charset="0"/>
-                            <a:ea typeface="Cambria Math" panose="02040503050406030204" pitchFamily="18" charset="0"/>
-                          </a:rPr>
-                          <m:t>(</m:t>
-                        </m:r>
-                        <m:r>
-                          <m:rPr>
-                            <m:sty m:val="p"/>
-                          </m:rPr>
-                          <a:rPr lang="en-US" sz="1400" b="0" i="0" smtClean="0">
-                            <a:latin typeface="Cambria Math" panose="02040503050406030204" pitchFamily="18" charset="0"/>
-                            <a:ea typeface="Cambria Math" panose="02040503050406030204" pitchFamily="18" charset="0"/>
-                          </a:rPr>
-                          <m:t>C</m:t>
-                        </m:r>
-                        <m:r>
-                          <a:rPr lang="en-US" sz="1400" b="0" i="0" smtClean="0">
-                            <a:latin typeface="Cambria Math" panose="02040503050406030204" pitchFamily="18" charset="0"/>
-                            <a:ea typeface="Cambria Math" panose="02040503050406030204" pitchFamily="18" charset="0"/>
-                          </a:rPr>
-                          <m:t>,</m:t>
-                        </m:r>
-                        <m:r>
-                          <a:rPr lang="en-US" sz="1400" i="1">
-                            <a:latin typeface="Cambria Math" panose="02040503050406030204" pitchFamily="18" charset="0"/>
-                            <a:ea typeface="Cambria Math" panose="02040503050406030204" pitchFamily="18" charset="0"/>
-                          </a:rPr>
-                          <m:t>∥</m:t>
-                        </m:r>
-                        <m:r>
-                          <a:rPr lang="en-US" sz="1400" i="1">
-                            <a:latin typeface="Cambria Math" panose="02040503050406030204" pitchFamily="18" charset="0"/>
-                            <a:ea typeface="Cambria Math" panose="02040503050406030204" pitchFamily="18" charset="0"/>
-                          </a:rPr>
-                          <m:t>𝑡𝑖𝑑</m:t>
-                        </m:r>
-                        <m:r>
-                          <a:rPr lang="en-US" sz="1400" i="1">
-                            <a:latin typeface="Cambria Math" panose="02040503050406030204" pitchFamily="18" charset="0"/>
-                            <a:ea typeface="Cambria Math" panose="02040503050406030204" pitchFamily="18" charset="0"/>
-                          </a:rPr>
-                          <m:t>∈</m:t>
-                        </m:r>
-                        <m:sSub>
-                          <m:sSubPr>
-                            <m:ctrlPr>
-                              <a:rPr lang="en-US" sz="1400" i="1">
-                                <a:latin typeface="Cambria Math" panose="02040503050406030204" pitchFamily="18" charset="0"/>
-                                <a:ea typeface="Cambria Math" panose="02040503050406030204" pitchFamily="18" charset="0"/>
-                              </a:rPr>
-                            </m:ctrlPr>
-                          </m:sSubPr>
-                          <m:e>
-                            <m:r>
-                              <a:rPr lang="en-US" sz="1400" i="1">
-                                <a:latin typeface="Cambria Math" panose="02040503050406030204" pitchFamily="18" charset="0"/>
-                                <a:ea typeface="Cambria Math" panose="02040503050406030204" pitchFamily="18" charset="0"/>
-                              </a:rPr>
-                              <m:t>𝑇</m:t>
-                            </m:r>
-                          </m:e>
-                          <m:sub>
-                            <m:r>
-                              <a:rPr lang="en-US" sz="1400" i="1">
-                                <a:latin typeface="Cambria Math" panose="02040503050406030204" pitchFamily="18" charset="0"/>
-                                <a:ea typeface="Cambria Math" panose="02040503050406030204" pitchFamily="18" charset="0"/>
-                              </a:rPr>
-                              <m:t>[</m:t>
-                            </m:r>
-                            <m:r>
-                              <a:rPr lang="en-US" sz="1400" i="1">
-                                <a:latin typeface="Cambria Math" panose="02040503050406030204" pitchFamily="18" charset="0"/>
-                                <a:ea typeface="Cambria Math" panose="02040503050406030204" pitchFamily="18" charset="0"/>
-                              </a:rPr>
-                              <m:t>𝑐𝑖𝑑</m:t>
-                            </m:r>
-                            <m:r>
-                              <a:rPr lang="en-US" sz="1400" i="1">
-                                <a:latin typeface="Cambria Math" panose="02040503050406030204" pitchFamily="18" charset="0"/>
-                                <a:ea typeface="Cambria Math" panose="02040503050406030204" pitchFamily="18" charset="0"/>
-                              </a:rPr>
-                              <m:t>]</m:t>
-                            </m:r>
-                          </m:sub>
-                        </m:sSub>
-                        <m:r>
-                          <m:rPr>
-                            <m:sty m:val="p"/>
-                          </m:rPr>
-                          <a:rPr lang="en-US" sz="1400" b="0" i="0" smtClean="0">
-                            <a:latin typeface="Cambria Math" panose="02040503050406030204" pitchFamily="18" charset="0"/>
-                            <a:ea typeface="Cambria Math" panose="02040503050406030204" pitchFamily="18" charset="0"/>
-                          </a:rPr>
-                          <m:t>TLink</m:t>
-                        </m:r>
-                        <m:d>
-                          <m:dPr>
-                            <m:begChr m:val="["/>
-                            <m:endChr m:val="]"/>
-                            <m:ctrlPr>
-                              <a:rPr lang="en-US" sz="1400" i="1">
-                                <a:latin typeface="Cambria Math" panose="02040503050406030204" pitchFamily="18" charset="0"/>
-                                <a:ea typeface="Cambria Math" panose="02040503050406030204" pitchFamily="18" charset="0"/>
-                              </a:rPr>
-                            </m:ctrlPr>
-                          </m:dPr>
-                          <m:e>
-                            <m:r>
-                              <a:rPr lang="en-US" sz="1400" b="0" i="1" smtClean="0">
-                                <a:latin typeface="Cambria Math" panose="02040503050406030204" pitchFamily="18" charset="0"/>
-                                <a:ea typeface="Cambria Math" panose="02040503050406030204" pitchFamily="18" charset="0"/>
-                              </a:rPr>
-                              <m:t>𝑐𝑖𝑑</m:t>
-                            </m:r>
-                            <m:r>
-                              <a:rPr lang="en-US" sz="1400" b="0" i="1" smtClean="0">
-                                <a:latin typeface="Cambria Math" panose="02040503050406030204" pitchFamily="18" charset="0"/>
-                                <a:ea typeface="Cambria Math" panose="02040503050406030204" pitchFamily="18" charset="0"/>
-                              </a:rPr>
-                              <m:t>,</m:t>
-                            </m:r>
-                            <m:sSub>
-                              <m:sSubPr>
-                                <m:ctrlPr>
-                                  <a:rPr lang="en-US" sz="1400" b="0" i="1" smtClean="0">
-                                    <a:latin typeface="Cambria Math" panose="02040503050406030204" pitchFamily="18" charset="0"/>
-                                    <a:ea typeface="Cambria Math" panose="02040503050406030204" pitchFamily="18" charset="0"/>
-                                  </a:rPr>
-                                </m:ctrlPr>
-                              </m:sSubPr>
-                              <m:e>
-                                <m:r>
-                                  <a:rPr lang="en-US" sz="1400" i="1">
-                                    <a:latin typeface="Cambria Math" panose="02040503050406030204" pitchFamily="18" charset="0"/>
-                                    <a:ea typeface="Cambria Math" panose="02040503050406030204" pitchFamily="18" charset="0"/>
-                                  </a:rPr>
-                                  <m:t>𝜀</m:t>
-                                </m:r>
-                              </m:e>
-                              <m:sub>
-                                <m:r>
-                                  <a:rPr lang="en-US" sz="1400" b="0" i="1" smtClean="0">
-                                    <a:latin typeface="Cambria Math" panose="02040503050406030204" pitchFamily="18" charset="0"/>
-                                    <a:ea typeface="Cambria Math" panose="02040503050406030204" pitchFamily="18" charset="0"/>
-                                  </a:rPr>
-                                  <m:t>𝑐𝑖𝑑</m:t>
-                                </m:r>
-                              </m:sub>
-                            </m:sSub>
-                          </m:e>
-                        </m:d>
-                        <m:r>
-                          <a:rPr lang="en-US" sz="1400" i="1">
-                            <a:latin typeface="Cambria Math" panose="02040503050406030204" pitchFamily="18" charset="0"/>
-                            <a:ea typeface="Cambria Math" panose="02040503050406030204" pitchFamily="18" charset="0"/>
-                          </a:rPr>
-                          <m:t>)⊢</m:t>
-                        </m:r>
-                        <m:d>
-                          <m:dPr>
-                            <m:begChr m:val="⟦"/>
-                            <m:endChr m:val="⟧"/>
-                            <m:ctrlPr>
-                              <a:rPr lang="en-US" sz="1400" i="1" dirty="0">
-                                <a:latin typeface="Cambria Math" panose="02040503050406030204" pitchFamily="18" charset="0"/>
-                                <a:ea typeface="Cambria Math" panose="02040503050406030204" pitchFamily="18" charset="0"/>
-                              </a:rPr>
-                            </m:ctrlPr>
-                          </m:dPr>
-                          <m:e>
-                            <m:r>
-                              <a:rPr lang="en-US" sz="1400" b="1" dirty="0">
-                                <a:latin typeface="Cambria Math" panose="02040503050406030204" pitchFamily="18" charset="0"/>
-                                <a:ea typeface="Cambria Math" panose="02040503050406030204" pitchFamily="18" charset="0"/>
-                              </a:rPr>
-                              <m:t>𝐏𝐫𝐨𝐠</m:t>
-                            </m:r>
-                          </m:e>
-                        </m:d>
-                        <m:r>
-                          <a:rPr lang="en-US" sz="1400" i="1" dirty="0">
-                            <a:latin typeface="Cambria Math" panose="02040503050406030204" pitchFamily="18" charset="0"/>
-                            <a:ea typeface="Cambria Math" panose="02040503050406030204" pitchFamily="18" charset="0"/>
-                          </a:rPr>
-                          <m:t> </m:t>
-                        </m:r>
-                      </m:oMath>
-                    </m:oMathPara>
-                  </a14:m>
-                  <a:endParaRPr lang="en-US" sz="1400" baseline="30000" dirty="0">
-                    <a:latin typeface="Cambria Math" panose="02040503050406030204" pitchFamily="18" charset="0"/>
-                    <a:ea typeface="Cambria Math" panose="02040503050406030204" pitchFamily="18" charset="0"/>
-                  </a:endParaRPr>
-                </a:p>
-              </p:txBody>
-            </p:sp>
-          </mc:Choice>
-          <mc:Fallback xmlns="">
-            <p:sp>
-              <p:nvSpPr>
-                <p:cNvPr id="54" name="TextBox 53">
-                  <a:extLst>
-                    <a:ext uri="{FF2B5EF4-FFF2-40B4-BE49-F238E27FC236}">
-                      <a16:creationId xmlns:a16="http://schemas.microsoft.com/office/drawing/2014/main" id="{83AA2853-6A23-2B41-82F0-03E77DFFF0CB}"/>
-                    </a:ext>
-                  </a:extLst>
-                </p:cNvPr>
-                <p:cNvSpPr txBox="1">
-                  <a:spLocks noRot="1" noChangeAspect="1" noMove="1" noResize="1" noEditPoints="1" noAdjustHandles="1" noChangeArrowheads="1" noChangeShapeType="1" noTextEdit="1"/>
-                </p:cNvSpPr>
-                <p:nvPr/>
-              </p:nvSpPr>
-              <p:spPr>
-                <a:xfrm>
-                  <a:off x="4630652" y="3799697"/>
-                  <a:ext cx="4262962" cy="328873"/>
-                </a:xfrm>
-                <a:prstGeom prst="rect">
-                  <a:avLst/>
-                </a:prstGeom>
-                <a:blipFill>
-                  <a:blip r:embed="rId9"/>
-                  <a:stretch>
-                    <a:fillRect b="-3704"/>
-                  </a:stretch>
-                </a:blipFill>
-              </p:spPr>
-              <p:txBody>
-                <a:bodyPr/>
-                <a:lstStyle/>
-                <a:p>
-                  <a:r>
-                    <a:rPr lang="en-US">
-                      <a:noFill/>
-                    </a:rPr>
-                    <a:t> </a:t>
-                  </a:r>
-                </a:p>
-              </p:txBody>
-            </p:sp>
-          </mc:Fallback>
-        </mc:AlternateContent>
-        <mc:AlternateContent xmlns:mc="http://schemas.openxmlformats.org/markup-compatibility/2006" xmlns:a14="http://schemas.microsoft.com/office/drawing/2010/main">
-          <mc:Choice Requires="a14">
-            <p:sp>
-              <p:nvSpPr>
-                <p:cNvPr id="56" name="TextBox 55">
-                  <a:extLst>
-                    <a:ext uri="{FF2B5EF4-FFF2-40B4-BE49-F238E27FC236}">
-                      <a16:creationId xmlns:a16="http://schemas.microsoft.com/office/drawing/2014/main" id="{5AA5BA2F-A974-BE4B-AA80-F1688BA20308}"/>
-                    </a:ext>
-                  </a:extLst>
-                </p:cNvPr>
-                <p:cNvSpPr txBox="1"/>
-                <p:nvPr/>
-              </p:nvSpPr>
-              <p:spPr>
-                <a:xfrm>
-                  <a:off x="4458008" y="3231031"/>
-                  <a:ext cx="4608249" cy="348493"/>
-                </a:xfrm>
-                <a:prstGeom prst="rect">
-                  <a:avLst/>
-                </a:prstGeom>
-                <a:noFill/>
-              </p:spPr>
-              <p:txBody>
-                <a:bodyPr wrap="none" rtlCol="0">
-                  <a:spAutoFit/>
-                </a:bodyPr>
-                <a:lstStyle/>
-                <a:p>
-                  <a:pPr/>
-                  <a14:m>
-                    <m:oMathPara xmlns:m="http://schemas.openxmlformats.org/officeDocument/2006/math">
-                      <m:oMathParaPr>
-                        <m:jc m:val="centerGroup"/>
-                      </m:oMathParaPr>
-                      <m:oMath xmlns:m="http://schemas.openxmlformats.org/officeDocument/2006/math">
-                        <m:sSub>
-                          <m:sSubPr>
-                            <m:ctrlPr>
-                              <a:rPr lang="en-US" sz="1400" i="1" smtClean="0">
-                                <a:latin typeface="Cambria Math" panose="02040503050406030204" pitchFamily="18" charset="0"/>
-                                <a:ea typeface="Cambria Math" panose="02040503050406030204" pitchFamily="18" charset="0"/>
-                              </a:rPr>
-                            </m:ctrlPr>
-                          </m:sSubPr>
-                          <m:e>
-                            <m:r>
-                              <m:rPr>
-                                <m:sty m:val="p"/>
-                              </m:rPr>
-                              <a:rPr lang="en-US" sz="1400">
-                                <a:latin typeface="Cambria Math" panose="02040503050406030204" pitchFamily="18" charset="0"/>
-                                <a:ea typeface="Cambria Math" panose="02040503050406030204" pitchFamily="18" charset="0"/>
-                              </a:rPr>
-                              <m:t>Mach</m:t>
-                            </m:r>
-                          </m:e>
-                          <m:sub>
-                            <m:r>
-                              <m:rPr>
-                                <m:sty m:val="p"/>
-                              </m:rPr>
-                              <a:rPr lang="en-US" sz="1400" b="0" i="0" smtClean="0">
-                                <a:latin typeface="Cambria Math" panose="02040503050406030204" pitchFamily="18" charset="0"/>
-                                <a:ea typeface="Cambria Math" panose="02040503050406030204" pitchFamily="18" charset="0"/>
-                              </a:rPr>
-                              <m:t>IE</m:t>
-                            </m:r>
-                            <m:r>
-                              <m:rPr>
-                                <m:sty m:val="p"/>
-                              </m:rPr>
-                              <a:rPr lang="en-US" sz="1400">
-                                <a:latin typeface="Cambria Math" panose="02040503050406030204" pitchFamily="18" charset="0"/>
-                                <a:ea typeface="Cambria Math" panose="02040503050406030204" pitchFamily="18" charset="0"/>
-                              </a:rPr>
-                              <m:t>Asm</m:t>
-                            </m:r>
-                          </m:sub>
-                        </m:sSub>
-                        <m:r>
-                          <a:rPr lang="en-US" sz="1400">
-                            <a:latin typeface="Cambria Math" panose="02040503050406030204" pitchFamily="18" charset="0"/>
-                            <a:ea typeface="Cambria Math" panose="02040503050406030204" pitchFamily="18" charset="0"/>
-                          </a:rPr>
-                          <m:t>(</m:t>
-                        </m:r>
-                        <m:r>
-                          <m:rPr>
-                            <m:sty m:val="p"/>
-                          </m:rPr>
-                          <a:rPr lang="en-US" sz="1400">
-                            <a:latin typeface="Cambria Math" panose="02040503050406030204" pitchFamily="18" charset="0"/>
-                            <a:ea typeface="Cambria Math" panose="02040503050406030204" pitchFamily="18" charset="0"/>
-                          </a:rPr>
-                          <m:t>C</m:t>
-                        </m:r>
-                        <m:r>
-                          <a:rPr lang="en-US" sz="1400">
-                            <a:latin typeface="Cambria Math" panose="02040503050406030204" pitchFamily="18" charset="0"/>
-                            <a:ea typeface="Cambria Math" panose="02040503050406030204" pitchFamily="18" charset="0"/>
-                          </a:rPr>
-                          <m:t>,</m:t>
-                        </m:r>
-                        <m:r>
-                          <a:rPr lang="en-US" sz="1400" i="1">
-                            <a:latin typeface="Cambria Math" panose="02040503050406030204" pitchFamily="18" charset="0"/>
-                            <a:ea typeface="Cambria Math" panose="02040503050406030204" pitchFamily="18" charset="0"/>
-                          </a:rPr>
-                          <m:t>∥</m:t>
-                        </m:r>
-                        <m:r>
-                          <a:rPr lang="en-US" sz="1400" i="1">
-                            <a:latin typeface="Cambria Math" panose="02040503050406030204" pitchFamily="18" charset="0"/>
-                            <a:ea typeface="Cambria Math" panose="02040503050406030204" pitchFamily="18" charset="0"/>
-                          </a:rPr>
-                          <m:t>𝑡𝑖𝑑</m:t>
-                        </m:r>
-                        <m:r>
-                          <a:rPr lang="en-US" sz="1400" i="1">
-                            <a:latin typeface="Cambria Math" panose="02040503050406030204" pitchFamily="18" charset="0"/>
-                            <a:ea typeface="Cambria Math" panose="02040503050406030204" pitchFamily="18" charset="0"/>
-                          </a:rPr>
-                          <m:t>∈</m:t>
-                        </m:r>
-                        <m:sSub>
-                          <m:sSubPr>
-                            <m:ctrlPr>
-                              <a:rPr lang="en-US" sz="1400" i="1">
-                                <a:latin typeface="Cambria Math" panose="02040503050406030204" pitchFamily="18" charset="0"/>
-                                <a:ea typeface="Cambria Math" panose="02040503050406030204" pitchFamily="18" charset="0"/>
-                              </a:rPr>
-                            </m:ctrlPr>
-                          </m:sSubPr>
-                          <m:e>
-                            <m:r>
-                              <a:rPr lang="en-US" sz="1400" i="1">
-                                <a:latin typeface="Cambria Math" panose="02040503050406030204" pitchFamily="18" charset="0"/>
-                                <a:ea typeface="Cambria Math" panose="02040503050406030204" pitchFamily="18" charset="0"/>
-                              </a:rPr>
-                              <m:t>𝑇</m:t>
-                            </m:r>
-                          </m:e>
-                          <m:sub>
-                            <m:r>
-                              <a:rPr lang="en-US" sz="1400" i="1">
-                                <a:latin typeface="Cambria Math" panose="02040503050406030204" pitchFamily="18" charset="0"/>
-                                <a:ea typeface="Cambria Math" panose="02040503050406030204" pitchFamily="18" charset="0"/>
-                              </a:rPr>
-                              <m:t>[</m:t>
-                            </m:r>
-                            <m:r>
-                              <a:rPr lang="en-US" sz="1400" i="1">
-                                <a:latin typeface="Cambria Math" panose="02040503050406030204" pitchFamily="18" charset="0"/>
-                                <a:ea typeface="Cambria Math" panose="02040503050406030204" pitchFamily="18" charset="0"/>
-                              </a:rPr>
-                              <m:t>𝑐𝑖𝑑</m:t>
-                            </m:r>
-                            <m:r>
-                              <a:rPr lang="en-US" sz="1400" i="1">
-                                <a:latin typeface="Cambria Math" panose="02040503050406030204" pitchFamily="18" charset="0"/>
-                                <a:ea typeface="Cambria Math" panose="02040503050406030204" pitchFamily="18" charset="0"/>
-                              </a:rPr>
-                              <m:t>]</m:t>
-                            </m:r>
-                          </m:sub>
-                        </m:sSub>
-                        <m:r>
-                          <m:rPr>
-                            <m:sty m:val="p"/>
-                          </m:rPr>
-                          <a:rPr lang="en-US" sz="1400" b="0" i="0" smtClean="0">
-                            <a:latin typeface="Cambria Math" panose="02040503050406030204" pitchFamily="18" charset="0"/>
-                            <a:ea typeface="Cambria Math" panose="02040503050406030204" pitchFamily="18" charset="0"/>
-                          </a:rPr>
-                          <m:t>TLink</m:t>
-                        </m:r>
-                        <m:d>
-                          <m:dPr>
-                            <m:begChr m:val="["/>
-                            <m:endChr m:val="]"/>
-                            <m:ctrlPr>
-                              <a:rPr lang="en-US" sz="1400" i="1">
-                                <a:latin typeface="Cambria Math" panose="02040503050406030204" pitchFamily="18" charset="0"/>
-                                <a:ea typeface="Cambria Math" panose="02040503050406030204" pitchFamily="18" charset="0"/>
-                              </a:rPr>
-                            </m:ctrlPr>
-                          </m:dPr>
-                          <m:e>
-                            <m:r>
-                              <a:rPr lang="en-US" sz="1400" b="0" i="1" smtClean="0">
-                                <a:latin typeface="Cambria Math" panose="02040503050406030204" pitchFamily="18" charset="0"/>
-                                <a:ea typeface="Cambria Math" panose="02040503050406030204" pitchFamily="18" charset="0"/>
-                              </a:rPr>
-                              <m:t>𝑐𝑖𝑑</m:t>
-                            </m:r>
-                            <m:r>
-                              <a:rPr lang="en-US" sz="1400" b="0" i="1" smtClean="0">
-                                <a:latin typeface="Cambria Math" panose="02040503050406030204" pitchFamily="18" charset="0"/>
-                                <a:ea typeface="Cambria Math" panose="02040503050406030204" pitchFamily="18" charset="0"/>
-                              </a:rPr>
-                              <m:t>,</m:t>
-                            </m:r>
-                            <m:sSubSup>
-                              <m:sSubSupPr>
-                                <m:ctrlPr>
-                                  <a:rPr lang="en-US" sz="1400" b="0" i="1" smtClean="0">
-                                    <a:latin typeface="Cambria Math" panose="02040503050406030204" pitchFamily="18" charset="0"/>
-                                    <a:ea typeface="Cambria Math" panose="02040503050406030204" pitchFamily="18" charset="0"/>
-                                  </a:rPr>
-                                </m:ctrlPr>
-                              </m:sSubSupPr>
-                              <m:e>
-                                <m:r>
-                                  <a:rPr lang="en-US" sz="1400" i="1">
-                                    <a:latin typeface="Cambria Math" panose="02040503050406030204" pitchFamily="18" charset="0"/>
-                                    <a:ea typeface="Cambria Math" panose="02040503050406030204" pitchFamily="18" charset="0"/>
-                                  </a:rPr>
-                                  <m:t>𝜀</m:t>
-                                </m:r>
-                              </m:e>
-                              <m:sub>
-                                <m:r>
-                                  <a:rPr lang="en-US" sz="1400" b="0" i="1" smtClean="0">
-                                    <a:latin typeface="Cambria Math" panose="02040503050406030204" pitchFamily="18" charset="0"/>
-                                    <a:ea typeface="Cambria Math" panose="02040503050406030204" pitchFamily="18" charset="0"/>
-                                  </a:rPr>
-                                  <m:t>𝑡</m:t>
-                                </m:r>
-                                <m:r>
-                                  <a:rPr lang="en-US" sz="1400" i="1">
-                                    <a:latin typeface="Cambria Math" panose="02040503050406030204" pitchFamily="18" charset="0"/>
-                                    <a:ea typeface="Cambria Math" panose="02040503050406030204" pitchFamily="18" charset="0"/>
-                                  </a:rPr>
-                                  <m:t>𝑖</m:t>
-                                </m:r>
-                                <m:r>
-                                  <a:rPr lang="en-US" sz="1400" b="0" i="1" smtClean="0">
-                                    <a:latin typeface="Cambria Math" panose="02040503050406030204" pitchFamily="18" charset="0"/>
-                                    <a:ea typeface="Cambria Math" panose="02040503050406030204" pitchFamily="18" charset="0"/>
-                                  </a:rPr>
-                                  <m:t>𝑑</m:t>
-                                </m:r>
-                              </m:sub>
-                              <m:sup>
-                                <m:r>
-                                  <a:rPr lang="en-US" sz="1400" b="0" i="1" smtClean="0">
-                                    <a:latin typeface="Cambria Math" panose="02040503050406030204" pitchFamily="18" charset="0"/>
-                                    <a:ea typeface="Cambria Math" panose="02040503050406030204" pitchFamily="18" charset="0"/>
-                                  </a:rPr>
-                                  <m:t>𝑀𝑇𝐿𝑖𝑛𝑘</m:t>
-                                </m:r>
-                              </m:sup>
-                            </m:sSubSup>
-                          </m:e>
-                        </m:d>
-                        <m:r>
-                          <a:rPr lang="en-US" sz="1400" i="1">
-                            <a:latin typeface="Cambria Math" panose="02040503050406030204" pitchFamily="18" charset="0"/>
-                            <a:ea typeface="Cambria Math" panose="02040503050406030204" pitchFamily="18" charset="0"/>
-                          </a:rPr>
-                          <m:t>)⊢</m:t>
-                        </m:r>
-                        <m:d>
-                          <m:dPr>
-                            <m:begChr m:val="⟦"/>
-                            <m:endChr m:val="⟧"/>
-                            <m:ctrlPr>
-                              <a:rPr lang="en-US" sz="1400" i="1" dirty="0">
-                                <a:latin typeface="Cambria Math" panose="02040503050406030204" pitchFamily="18" charset="0"/>
-                                <a:ea typeface="Cambria Math" panose="02040503050406030204" pitchFamily="18" charset="0"/>
-                              </a:rPr>
-                            </m:ctrlPr>
-                          </m:dPr>
-                          <m:e>
-                            <m:r>
-                              <a:rPr lang="en-US" sz="1400" b="1" dirty="0">
-                                <a:latin typeface="Cambria Math" panose="02040503050406030204" pitchFamily="18" charset="0"/>
-                                <a:ea typeface="Cambria Math" panose="02040503050406030204" pitchFamily="18" charset="0"/>
-                              </a:rPr>
-                              <m:t>𝐏𝐫𝐨𝐠</m:t>
-                            </m:r>
-                          </m:e>
-                        </m:d>
-                        <m:r>
-                          <a:rPr lang="en-US" sz="1400" i="1" dirty="0">
-                            <a:latin typeface="Cambria Math" panose="02040503050406030204" pitchFamily="18" charset="0"/>
-                            <a:ea typeface="Cambria Math" panose="02040503050406030204" pitchFamily="18" charset="0"/>
-                          </a:rPr>
-                          <m:t> </m:t>
-                        </m:r>
-                      </m:oMath>
-                    </m:oMathPara>
-                  </a14:m>
-                  <a:endParaRPr lang="en-US" sz="1400" baseline="30000" dirty="0">
-                    <a:latin typeface="Cambria Math" panose="02040503050406030204" pitchFamily="18" charset="0"/>
-                    <a:ea typeface="Cambria Math" panose="02040503050406030204" pitchFamily="18" charset="0"/>
-                  </a:endParaRPr>
-                </a:p>
-              </p:txBody>
-            </p:sp>
-          </mc:Choice>
-          <mc:Fallback xmlns="">
-            <p:sp>
-              <p:nvSpPr>
-                <p:cNvPr id="56" name="TextBox 55">
-                  <a:extLst>
-                    <a:ext uri="{FF2B5EF4-FFF2-40B4-BE49-F238E27FC236}">
-                      <a16:creationId xmlns:a16="http://schemas.microsoft.com/office/drawing/2014/main" id="{5AA5BA2F-A974-BE4B-AA80-F1688BA20308}"/>
-                    </a:ext>
-                  </a:extLst>
-                </p:cNvPr>
-                <p:cNvSpPr txBox="1">
-                  <a:spLocks noRot="1" noChangeAspect="1" noMove="1" noResize="1" noEditPoints="1" noAdjustHandles="1" noChangeArrowheads="1" noChangeShapeType="1" noTextEdit="1"/>
-                </p:cNvSpPr>
-                <p:nvPr/>
-              </p:nvSpPr>
-              <p:spPr>
-                <a:xfrm>
-                  <a:off x="4458008" y="3231031"/>
-                  <a:ext cx="4608249" cy="348493"/>
-                </a:xfrm>
-                <a:prstGeom prst="rect">
-                  <a:avLst/>
-                </a:prstGeom>
-                <a:blipFill>
-                  <a:blip r:embed="rId10"/>
-                  <a:stretch>
-                    <a:fillRect b="-3571"/>
-                  </a:stretch>
-                </a:blipFill>
-              </p:spPr>
-              <p:txBody>
-                <a:bodyPr/>
-                <a:lstStyle/>
-                <a:p>
-                  <a:r>
-                    <a:rPr lang="en-US">
-                      <a:noFill/>
-                    </a:rPr>
-                    <a:t> </a:t>
-                  </a:r>
-                </a:p>
-              </p:txBody>
-            </p:sp>
-          </mc:Fallback>
-        </mc:AlternateContent>
-        <mc:AlternateContent xmlns:mc="http://schemas.openxmlformats.org/markup-compatibility/2006" xmlns:a14="http://schemas.microsoft.com/office/drawing/2010/main">
-          <mc:Choice Requires="a14">
-            <p:sp>
-              <p:nvSpPr>
-                <p:cNvPr id="57" name="TextBox 56">
-                  <a:extLst>
-                    <a:ext uri="{FF2B5EF4-FFF2-40B4-BE49-F238E27FC236}">
-                      <a16:creationId xmlns:a16="http://schemas.microsoft.com/office/drawing/2014/main" id="{AAF83BE7-164A-0840-B467-EDBE615BE96D}"/>
-                    </a:ext>
-                  </a:extLst>
-                </p:cNvPr>
-                <p:cNvSpPr txBox="1"/>
-                <p:nvPr/>
-              </p:nvSpPr>
-              <p:spPr>
-                <a:xfrm rot="16200000">
-                  <a:off x="6504599" y="2994863"/>
-                  <a:ext cx="552669" cy="346249"/>
-                </a:xfrm>
-                <a:prstGeom prst="rect">
-                  <a:avLst/>
-                </a:prstGeom>
-                <a:noFill/>
-              </p:spPr>
-              <p:txBody>
-                <a:bodyPr wrap="square" lIns="0" tIns="0" rIns="0" bIns="0" rtlCol="0">
-                  <a:spAutoFit/>
-                </a:bodyPr>
-                <a:lstStyle/>
-                <a:p>
-                  <a:pPr/>
-                  <a14:m>
-                    <m:oMathPara xmlns:m="http://schemas.openxmlformats.org/officeDocument/2006/math">
-                      <m:oMathParaPr>
-                        <m:jc m:val="centerGroup"/>
-                      </m:oMathParaPr>
-                      <m:oMath xmlns:m="http://schemas.openxmlformats.org/officeDocument/2006/math">
-                        <m:r>
-                          <a:rPr lang="en-US" sz="2250" b="1" i="1">
-                            <a:latin typeface="Cambria Math" panose="02040503050406030204" pitchFamily="18" charset="0"/>
-                            <a:ea typeface="Cambria Math" panose="02040503050406030204" pitchFamily="18" charset="0"/>
-                            <a:cs typeface="Cambria Math" charset="0"/>
-                          </a:rPr>
-                          <m:t>⊑</m:t>
-                        </m:r>
-                      </m:oMath>
-                    </m:oMathPara>
-                  </a14:m>
-                  <a:endParaRPr lang="en-US" sz="2250" b="1" dirty="0">
-                    <a:latin typeface="Cambria Math" panose="02040503050406030204" pitchFamily="18" charset="0"/>
-                    <a:ea typeface="Cambria Math" panose="02040503050406030204" pitchFamily="18" charset="0"/>
-                  </a:endParaRPr>
-                </a:p>
-              </p:txBody>
-            </p:sp>
-          </mc:Choice>
-          <mc:Fallback xmlns="">
-            <p:sp>
-              <p:nvSpPr>
-                <p:cNvPr id="57" name="TextBox 56">
-                  <a:extLst>
-                    <a:ext uri="{FF2B5EF4-FFF2-40B4-BE49-F238E27FC236}">
-                      <a16:creationId xmlns:a16="http://schemas.microsoft.com/office/drawing/2014/main" id="{AAF83BE7-164A-0840-B467-EDBE615BE96D}"/>
-                    </a:ext>
-                  </a:extLst>
-                </p:cNvPr>
-                <p:cNvSpPr txBox="1">
-                  <a:spLocks noRot="1" noChangeAspect="1" noMove="1" noResize="1" noEditPoints="1" noAdjustHandles="1" noChangeArrowheads="1" noChangeShapeType="1" noTextEdit="1"/>
-                </p:cNvSpPr>
-                <p:nvPr/>
-              </p:nvSpPr>
-              <p:spPr>
-                <a:xfrm rot="16200000">
-                  <a:off x="6504599" y="2994863"/>
-                  <a:ext cx="552669" cy="346249"/>
-                </a:xfrm>
-                <a:prstGeom prst="rect">
-                  <a:avLst/>
-                </a:prstGeom>
-                <a:blipFill>
-                  <a:blip r:embed="rId11"/>
-                  <a:stretch>
-                    <a:fillRect/>
-                  </a:stretch>
-                </a:blipFill>
-              </p:spPr>
-              <p:txBody>
-                <a:bodyPr/>
-                <a:lstStyle/>
-                <a:p>
-                  <a:r>
-                    <a:rPr lang="en-US">
-                      <a:noFill/>
-                    </a:rPr>
-                    <a:t> </a:t>
-                  </a:r>
-                </a:p>
-              </p:txBody>
-            </p:sp>
-          </mc:Fallback>
-        </mc:AlternateContent>
-        <mc:AlternateContent xmlns:mc="http://schemas.openxmlformats.org/markup-compatibility/2006" xmlns:a14="http://schemas.microsoft.com/office/drawing/2010/main">
-          <mc:Choice Requires="a14">
-            <p:sp>
-              <p:nvSpPr>
-                <p:cNvPr id="58" name="TextBox 57">
-                  <a:extLst>
-                    <a:ext uri="{FF2B5EF4-FFF2-40B4-BE49-F238E27FC236}">
-                      <a16:creationId xmlns:a16="http://schemas.microsoft.com/office/drawing/2014/main" id="{CDB6750F-B87F-A348-9880-D146DDB4917F}"/>
-                    </a:ext>
-                  </a:extLst>
-                </p:cNvPr>
-                <p:cNvSpPr txBox="1"/>
-                <p:nvPr/>
-              </p:nvSpPr>
-              <p:spPr>
-                <a:xfrm>
-                  <a:off x="4953112" y="2710655"/>
-                  <a:ext cx="3641317" cy="339708"/>
-                </a:xfrm>
-                <a:prstGeom prst="rect">
-                  <a:avLst/>
-                </a:prstGeom>
-                <a:noFill/>
-              </p:spPr>
-              <p:txBody>
-                <a:bodyPr wrap="none" rtlCol="0">
-                  <a:spAutoFit/>
-                </a:bodyPr>
-                <a:lstStyle/>
-                <a:p>
-                  <a:pPr/>
-                  <a14:m>
-                    <m:oMathPara xmlns:m="http://schemas.openxmlformats.org/officeDocument/2006/math">
-                      <m:oMathParaPr>
-                        <m:jc m:val="centerGroup"/>
-                      </m:oMathParaPr>
-                      <m:oMath xmlns:m="http://schemas.openxmlformats.org/officeDocument/2006/math">
-                        <m:sSub>
-                          <m:sSubPr>
-                            <m:ctrlPr>
-                              <a:rPr lang="en-US" sz="1400" i="1" smtClean="0">
-                                <a:latin typeface="Cambria Math" panose="02040503050406030204" pitchFamily="18" charset="0"/>
-                                <a:ea typeface="Cambria Math" panose="02040503050406030204" pitchFamily="18" charset="0"/>
-                              </a:rPr>
-                            </m:ctrlPr>
-                          </m:sSubPr>
-                          <m:e>
-                            <m:r>
-                              <m:rPr>
-                                <m:sty m:val="p"/>
-                              </m:rPr>
-                              <a:rPr lang="en-US" sz="1400">
-                                <a:latin typeface="Cambria Math" panose="02040503050406030204" pitchFamily="18" charset="0"/>
-                                <a:ea typeface="Cambria Math" panose="02040503050406030204" pitchFamily="18" charset="0"/>
-                              </a:rPr>
-                              <m:t>Mach</m:t>
-                            </m:r>
-                          </m:e>
-                          <m:sub>
-                            <m:r>
-                              <m:rPr>
-                                <m:sty m:val="p"/>
-                              </m:rPr>
-                              <a:rPr lang="en-US" sz="1400" b="0" i="0" smtClean="0">
-                                <a:latin typeface="Cambria Math" panose="02040503050406030204" pitchFamily="18" charset="0"/>
-                                <a:ea typeface="Cambria Math" panose="02040503050406030204" pitchFamily="18" charset="0"/>
-                              </a:rPr>
-                              <m:t>IEAsm</m:t>
-                            </m:r>
-                          </m:sub>
-                        </m:sSub>
-                        <m:r>
-                          <a:rPr lang="en-US" sz="1400">
-                            <a:latin typeface="Cambria Math" panose="02040503050406030204" pitchFamily="18" charset="0"/>
-                            <a:ea typeface="Cambria Math" panose="02040503050406030204" pitchFamily="18" charset="0"/>
-                          </a:rPr>
-                          <m:t>(</m:t>
-                        </m:r>
-                        <m:r>
-                          <a:rPr lang="en-US" sz="1400" i="1">
-                            <a:latin typeface="Cambria Math" panose="02040503050406030204" pitchFamily="18" charset="0"/>
-                            <a:ea typeface="Cambria Math" panose="02040503050406030204" pitchFamily="18" charset="0"/>
-                          </a:rPr>
-                          <m:t>𝐶</m:t>
-                        </m:r>
-                        <m:r>
-                          <a:rPr lang="en-US" sz="1400" i="1">
-                            <a:latin typeface="Cambria Math" panose="02040503050406030204" pitchFamily="18" charset="0"/>
-                            <a:ea typeface="Cambria Math" panose="02040503050406030204" pitchFamily="18" charset="0"/>
-                          </a:rPr>
-                          <m:t>,</m:t>
-                        </m:r>
-                        <m:r>
-                          <m:rPr>
-                            <m:sty m:val="p"/>
-                          </m:rPr>
-                          <a:rPr lang="en-US" sz="1400" b="0" i="0" smtClean="0">
-                            <a:latin typeface="Cambria Math" panose="02040503050406030204" pitchFamily="18" charset="0"/>
-                            <a:ea typeface="Cambria Math" panose="02040503050406030204" pitchFamily="18" charset="0"/>
-                          </a:rPr>
-                          <m:t>TLink</m:t>
-                        </m:r>
-                        <m:d>
-                          <m:dPr>
-                            <m:begChr m:val="["/>
-                            <m:endChr m:val="]"/>
-                            <m:ctrlPr>
-                              <a:rPr lang="en-US" sz="1400" i="1">
-                                <a:latin typeface="Cambria Math" panose="02040503050406030204" pitchFamily="18" charset="0"/>
-                                <a:ea typeface="Cambria Math" panose="02040503050406030204" pitchFamily="18" charset="0"/>
-                              </a:rPr>
-                            </m:ctrlPr>
-                          </m:dPr>
-                          <m:e>
-                            <m:r>
-                              <a:rPr lang="en-US" sz="1400" b="0" i="1" smtClean="0">
-                                <a:latin typeface="Cambria Math" panose="02040503050406030204" pitchFamily="18" charset="0"/>
-                                <a:ea typeface="Cambria Math" panose="02040503050406030204" pitchFamily="18" charset="0"/>
-                              </a:rPr>
-                              <m:t>𝑡𝑖𝑑</m:t>
-                            </m:r>
-                            <m:r>
-                              <a:rPr lang="en-US" sz="1400" b="0" i="1" smtClean="0">
-                                <a:latin typeface="Cambria Math" panose="02040503050406030204" pitchFamily="18" charset="0"/>
-                                <a:ea typeface="Cambria Math" panose="02040503050406030204" pitchFamily="18" charset="0"/>
-                              </a:rPr>
-                              <m:t>,</m:t>
-                            </m:r>
-                            <m:sSubSup>
-                              <m:sSubSupPr>
-                                <m:ctrlPr>
-                                  <a:rPr lang="en-US" sz="1400" i="1">
-                                    <a:latin typeface="Cambria Math" panose="02040503050406030204" pitchFamily="18" charset="0"/>
-                                    <a:ea typeface="Cambria Math" panose="02040503050406030204" pitchFamily="18" charset="0"/>
-                                  </a:rPr>
-                                </m:ctrlPr>
-                              </m:sSubSupPr>
-                              <m:e>
-                                <m:r>
-                                  <a:rPr lang="en-US" sz="1400" i="1">
-                                    <a:latin typeface="Cambria Math" panose="02040503050406030204" pitchFamily="18" charset="0"/>
-                                    <a:ea typeface="Cambria Math" panose="02040503050406030204" pitchFamily="18" charset="0"/>
-                                  </a:rPr>
-                                  <m:t>𝜀</m:t>
-                                </m:r>
-                              </m:e>
-                              <m:sub>
-                                <m:r>
-                                  <a:rPr lang="en-US" sz="1400" i="1">
-                                    <a:latin typeface="Cambria Math" panose="02040503050406030204" pitchFamily="18" charset="0"/>
-                                    <a:ea typeface="Cambria Math" panose="02040503050406030204" pitchFamily="18" charset="0"/>
-                                  </a:rPr>
-                                  <m:t>𝑡𝑖</m:t>
-                                </m:r>
-                                <m:r>
-                                  <a:rPr lang="en-US" sz="1400" b="0" i="1" smtClean="0">
-                                    <a:latin typeface="Cambria Math" panose="02040503050406030204" pitchFamily="18" charset="0"/>
-                                    <a:ea typeface="Cambria Math" panose="02040503050406030204" pitchFamily="18" charset="0"/>
-                                  </a:rPr>
-                                  <m:t>𝑑</m:t>
-                                </m:r>
-                              </m:sub>
-                              <m:sup>
-                                <m:r>
-                                  <a:rPr lang="en-US" sz="1400" i="1">
-                                    <a:latin typeface="Cambria Math" panose="02040503050406030204" pitchFamily="18" charset="0"/>
-                                    <a:ea typeface="Cambria Math" panose="02040503050406030204" pitchFamily="18" charset="0"/>
-                                  </a:rPr>
-                                  <m:t>𝑀𝑇𝐿𝑖𝑛𝑘</m:t>
-                                </m:r>
-                              </m:sup>
-                            </m:sSubSup>
-                          </m:e>
-                        </m:d>
-                        <m:r>
-                          <a:rPr lang="en-US" sz="1400" i="1">
-                            <a:latin typeface="Cambria Math" panose="02040503050406030204" pitchFamily="18" charset="0"/>
-                            <a:ea typeface="Cambria Math" panose="02040503050406030204" pitchFamily="18" charset="0"/>
-                          </a:rPr>
-                          <m:t>)⊢</m:t>
-                        </m:r>
-                        <m:d>
-                          <m:dPr>
-                            <m:begChr m:val="⟦"/>
-                            <m:endChr m:val="⟧"/>
-                            <m:ctrlPr>
-                              <a:rPr lang="en-US" sz="1400" i="1" dirty="0">
-                                <a:latin typeface="Cambria Math" panose="02040503050406030204" pitchFamily="18" charset="0"/>
-                                <a:ea typeface="Cambria Math" panose="02040503050406030204" pitchFamily="18" charset="0"/>
-                              </a:rPr>
-                            </m:ctrlPr>
-                          </m:dPr>
-                          <m:e>
-                            <m:r>
-                              <a:rPr lang="en-US" sz="1400" b="1" dirty="0">
-                                <a:latin typeface="Cambria Math" panose="02040503050406030204" pitchFamily="18" charset="0"/>
-                                <a:ea typeface="Cambria Math" panose="02040503050406030204" pitchFamily="18" charset="0"/>
-                              </a:rPr>
-                              <m:t>𝐏𝐫𝐨𝐠</m:t>
-                            </m:r>
-                          </m:e>
-                        </m:d>
-                        <m:r>
-                          <a:rPr lang="en-US" sz="1400" i="1" dirty="0">
-                            <a:latin typeface="Cambria Math" panose="02040503050406030204" pitchFamily="18" charset="0"/>
-                            <a:ea typeface="Cambria Math" panose="02040503050406030204" pitchFamily="18" charset="0"/>
-                          </a:rPr>
-                          <m:t> </m:t>
-                        </m:r>
-                      </m:oMath>
-                    </m:oMathPara>
-                  </a14:m>
-                  <a:endParaRPr lang="en-US" sz="1400" baseline="30000" dirty="0">
-                    <a:latin typeface="Cambria Math" panose="02040503050406030204" pitchFamily="18" charset="0"/>
-                    <a:ea typeface="Cambria Math" panose="02040503050406030204" pitchFamily="18" charset="0"/>
-                  </a:endParaRPr>
-                </a:p>
-              </p:txBody>
-            </p:sp>
-          </mc:Choice>
-          <mc:Fallback xmlns="">
-            <p:sp>
-              <p:nvSpPr>
-                <p:cNvPr id="58" name="TextBox 57">
-                  <a:extLst>
-                    <a:ext uri="{FF2B5EF4-FFF2-40B4-BE49-F238E27FC236}">
-                      <a16:creationId xmlns:a16="http://schemas.microsoft.com/office/drawing/2014/main" id="{CDB6750F-B87F-A348-9880-D146DDB4917F}"/>
-                    </a:ext>
-                  </a:extLst>
-                </p:cNvPr>
-                <p:cNvSpPr txBox="1">
-                  <a:spLocks noRot="1" noChangeAspect="1" noMove="1" noResize="1" noEditPoints="1" noAdjustHandles="1" noChangeArrowheads="1" noChangeShapeType="1" noTextEdit="1"/>
-                </p:cNvSpPr>
-                <p:nvPr/>
-              </p:nvSpPr>
-              <p:spPr>
-                <a:xfrm>
-                  <a:off x="4953112" y="2710655"/>
-                  <a:ext cx="3641317" cy="339708"/>
-                </a:xfrm>
-                <a:prstGeom prst="rect">
-                  <a:avLst/>
-                </a:prstGeom>
-                <a:blipFill>
-                  <a:blip r:embed="rId12"/>
-                  <a:stretch>
-                    <a:fillRect b="-7407"/>
-                  </a:stretch>
-                </a:blipFill>
-              </p:spPr>
-              <p:txBody>
-                <a:bodyPr/>
-                <a:lstStyle/>
-                <a:p>
-                  <a:r>
-                    <a:rPr lang="en-US">
-                      <a:noFill/>
-                    </a:rPr>
-                    <a:t> </a:t>
-                  </a:r>
-                </a:p>
-              </p:txBody>
-            </p:sp>
-          </mc:Fallback>
-        </mc:AlternateContent>
-        <mc:AlternateContent xmlns:mc="http://schemas.openxmlformats.org/markup-compatibility/2006" xmlns:a14="http://schemas.microsoft.com/office/drawing/2010/main">
-          <mc:Choice Requires="a14">
-            <p:sp>
-              <p:nvSpPr>
-                <p:cNvPr id="59" name="TextBox 58">
-                  <a:extLst>
-                    <a:ext uri="{FF2B5EF4-FFF2-40B4-BE49-F238E27FC236}">
-                      <a16:creationId xmlns:a16="http://schemas.microsoft.com/office/drawing/2014/main" id="{7194CE62-850A-EB42-BCD6-38B28CA7FAA7}"/>
-                    </a:ext>
-                  </a:extLst>
-                </p:cNvPr>
-                <p:cNvSpPr txBox="1"/>
-                <p:nvPr/>
-              </p:nvSpPr>
-              <p:spPr>
-                <a:xfrm>
-                  <a:off x="4999599" y="2132937"/>
-                  <a:ext cx="3594830" cy="339708"/>
-                </a:xfrm>
-                <a:prstGeom prst="rect">
-                  <a:avLst/>
-                </a:prstGeom>
-                <a:noFill/>
-              </p:spPr>
-              <p:txBody>
-                <a:bodyPr wrap="none" rtlCol="0">
-                  <a:spAutoFit/>
-                </a:bodyPr>
-                <a:lstStyle/>
-                <a:p>
-                  <a:pPr/>
-                  <a14:m>
-                    <m:oMathPara xmlns:m="http://schemas.openxmlformats.org/officeDocument/2006/math">
-                      <m:oMathParaPr>
-                        <m:jc m:val="centerGroup"/>
-                      </m:oMathParaPr>
-                      <m:oMath xmlns:m="http://schemas.openxmlformats.org/officeDocument/2006/math">
-                        <m:sSub>
-                          <m:sSubPr>
-                            <m:ctrlPr>
-                              <a:rPr lang="en-US" sz="1400" i="1" smtClean="0">
-                                <a:latin typeface="Cambria Math" panose="02040503050406030204" pitchFamily="18" charset="0"/>
-                                <a:ea typeface="Cambria Math" panose="02040503050406030204" pitchFamily="18" charset="0"/>
-                              </a:rPr>
-                            </m:ctrlPr>
-                          </m:sSubPr>
-                          <m:e>
-                            <m:r>
-                              <m:rPr>
-                                <m:sty m:val="p"/>
-                              </m:rPr>
-                              <a:rPr lang="en-US" sz="1400">
-                                <a:latin typeface="Cambria Math" panose="02040503050406030204" pitchFamily="18" charset="0"/>
-                                <a:ea typeface="Cambria Math" panose="02040503050406030204" pitchFamily="18" charset="0"/>
-                              </a:rPr>
-                              <m:t>Mach</m:t>
-                            </m:r>
-                          </m:e>
-                          <m:sub>
-                            <m:r>
-                              <m:rPr>
-                                <m:sty m:val="p"/>
-                              </m:rPr>
-                              <a:rPr lang="en-US" sz="1400" b="0" i="0" smtClean="0">
-                                <a:latin typeface="Cambria Math" panose="02040503050406030204" pitchFamily="18" charset="0"/>
-                                <a:ea typeface="Cambria Math" panose="02040503050406030204" pitchFamily="18" charset="0"/>
-                              </a:rPr>
-                              <m:t>TAsm</m:t>
-                            </m:r>
-                          </m:sub>
-                        </m:sSub>
-                        <m:r>
-                          <a:rPr lang="en-US" sz="1400">
-                            <a:latin typeface="Cambria Math" panose="02040503050406030204" pitchFamily="18" charset="0"/>
-                            <a:ea typeface="Cambria Math" panose="02040503050406030204" pitchFamily="18" charset="0"/>
-                          </a:rPr>
-                          <m:t>(</m:t>
-                        </m:r>
-                        <m:r>
-                          <a:rPr lang="en-US" sz="1400" i="1">
-                            <a:latin typeface="Cambria Math" panose="02040503050406030204" pitchFamily="18" charset="0"/>
-                            <a:ea typeface="Cambria Math" panose="02040503050406030204" pitchFamily="18" charset="0"/>
-                          </a:rPr>
-                          <m:t>𝐶</m:t>
-                        </m:r>
-                        <m:r>
-                          <a:rPr lang="en-US" sz="1400" i="1">
-                            <a:latin typeface="Cambria Math" panose="02040503050406030204" pitchFamily="18" charset="0"/>
-                            <a:ea typeface="Cambria Math" panose="02040503050406030204" pitchFamily="18" charset="0"/>
-                          </a:rPr>
-                          <m:t>,</m:t>
-                        </m:r>
-                        <m:r>
-                          <m:rPr>
-                            <m:sty m:val="p"/>
-                          </m:rPr>
-                          <a:rPr lang="en-US" sz="1400" i="0">
-                            <a:latin typeface="Cambria Math" panose="02040503050406030204" pitchFamily="18" charset="0"/>
-                            <a:ea typeface="Cambria Math" panose="02040503050406030204" pitchFamily="18" charset="0"/>
-                          </a:rPr>
-                          <m:t>TLink</m:t>
-                        </m:r>
-                        <m:d>
-                          <m:dPr>
-                            <m:begChr m:val="["/>
-                            <m:endChr m:val="]"/>
-                            <m:ctrlPr>
-                              <a:rPr lang="en-US" sz="1400" i="1">
-                                <a:latin typeface="Cambria Math" panose="02040503050406030204" pitchFamily="18" charset="0"/>
-                                <a:ea typeface="Cambria Math" panose="02040503050406030204" pitchFamily="18" charset="0"/>
-                              </a:rPr>
-                            </m:ctrlPr>
-                          </m:dPr>
-                          <m:e>
-                            <m:r>
-                              <a:rPr lang="en-US" sz="1400" b="0" i="1" smtClean="0">
-                                <a:latin typeface="Cambria Math" panose="02040503050406030204" pitchFamily="18" charset="0"/>
-                                <a:ea typeface="Cambria Math" panose="02040503050406030204" pitchFamily="18" charset="0"/>
-                              </a:rPr>
-                              <m:t>𝑡𝑖𝑑</m:t>
-                            </m:r>
-                            <m:r>
-                              <a:rPr lang="en-US" sz="1400" b="0" i="1" smtClean="0">
-                                <a:latin typeface="Cambria Math" panose="02040503050406030204" pitchFamily="18" charset="0"/>
-                                <a:ea typeface="Cambria Math" panose="02040503050406030204" pitchFamily="18" charset="0"/>
-                              </a:rPr>
-                              <m:t>,</m:t>
-                            </m:r>
-                            <m:sSubSup>
-                              <m:sSubSupPr>
-                                <m:ctrlPr>
-                                  <a:rPr lang="en-US" sz="1400" i="1">
-                                    <a:latin typeface="Cambria Math" panose="02040503050406030204" pitchFamily="18" charset="0"/>
-                                    <a:ea typeface="Cambria Math" panose="02040503050406030204" pitchFamily="18" charset="0"/>
-                                  </a:rPr>
-                                </m:ctrlPr>
-                              </m:sSubSupPr>
-                              <m:e>
-                                <m:r>
-                                  <a:rPr lang="en-US" sz="1400" i="1">
-                                    <a:latin typeface="Cambria Math" panose="02040503050406030204" pitchFamily="18" charset="0"/>
-                                    <a:ea typeface="Cambria Math" panose="02040503050406030204" pitchFamily="18" charset="0"/>
-                                  </a:rPr>
-                                  <m:t>𝜀</m:t>
-                                </m:r>
-                              </m:e>
-                              <m:sub>
-                                <m:r>
-                                  <a:rPr lang="en-US" sz="1400" i="1">
-                                    <a:latin typeface="Cambria Math" panose="02040503050406030204" pitchFamily="18" charset="0"/>
-                                    <a:ea typeface="Cambria Math" panose="02040503050406030204" pitchFamily="18" charset="0"/>
-                                  </a:rPr>
-                                  <m:t>𝑡𝑖</m:t>
-                                </m:r>
-                                <m:r>
-                                  <a:rPr lang="en-US" sz="1400" b="0" i="1" smtClean="0">
-                                    <a:latin typeface="Cambria Math" panose="02040503050406030204" pitchFamily="18" charset="0"/>
-                                    <a:ea typeface="Cambria Math" panose="02040503050406030204" pitchFamily="18" charset="0"/>
-                                  </a:rPr>
-                                  <m:t>𝑑</m:t>
-                                </m:r>
-                              </m:sub>
-                              <m:sup>
-                                <m:r>
-                                  <a:rPr lang="en-US" sz="1400" i="1">
-                                    <a:latin typeface="Cambria Math" panose="02040503050406030204" pitchFamily="18" charset="0"/>
-                                    <a:ea typeface="Cambria Math" panose="02040503050406030204" pitchFamily="18" charset="0"/>
-                                  </a:rPr>
-                                  <m:t>𝑀𝑇𝐿𝑖𝑛𝑘</m:t>
-                                </m:r>
-                              </m:sup>
-                            </m:sSubSup>
-                          </m:e>
-                        </m:d>
-                        <m:r>
-                          <a:rPr lang="en-US" sz="1400" i="1">
-                            <a:latin typeface="Cambria Math" panose="02040503050406030204" pitchFamily="18" charset="0"/>
-                            <a:ea typeface="Cambria Math" panose="02040503050406030204" pitchFamily="18" charset="0"/>
-                          </a:rPr>
-                          <m:t>)⊢</m:t>
-                        </m:r>
-                        <m:d>
-                          <m:dPr>
-                            <m:begChr m:val="⟦"/>
-                            <m:endChr m:val="⟧"/>
-                            <m:ctrlPr>
-                              <a:rPr lang="en-US" sz="1400" i="1" dirty="0">
-                                <a:latin typeface="Cambria Math" panose="02040503050406030204" pitchFamily="18" charset="0"/>
-                                <a:ea typeface="Cambria Math" panose="02040503050406030204" pitchFamily="18" charset="0"/>
-                              </a:rPr>
-                            </m:ctrlPr>
-                          </m:dPr>
-                          <m:e>
-                            <m:r>
-                              <a:rPr lang="en-US" sz="1400" b="1" dirty="0">
-                                <a:latin typeface="Cambria Math" panose="02040503050406030204" pitchFamily="18" charset="0"/>
-                                <a:ea typeface="Cambria Math" panose="02040503050406030204" pitchFamily="18" charset="0"/>
-                              </a:rPr>
-                              <m:t>𝐏𝐫𝐨𝐠</m:t>
-                            </m:r>
-                          </m:e>
-                        </m:d>
-                        <m:r>
-                          <a:rPr lang="en-US" sz="1400" i="1" dirty="0">
-                            <a:latin typeface="Cambria Math" panose="02040503050406030204" pitchFamily="18" charset="0"/>
-                            <a:ea typeface="Cambria Math" panose="02040503050406030204" pitchFamily="18" charset="0"/>
-                          </a:rPr>
-                          <m:t> </m:t>
-                        </m:r>
-                      </m:oMath>
-                    </m:oMathPara>
-                  </a14:m>
-                  <a:endParaRPr lang="en-US" sz="1400" baseline="30000" dirty="0">
-                    <a:latin typeface="Cambria Math" panose="02040503050406030204" pitchFamily="18" charset="0"/>
-                    <a:ea typeface="Cambria Math" panose="02040503050406030204" pitchFamily="18" charset="0"/>
-                  </a:endParaRPr>
-                </a:p>
-              </p:txBody>
-            </p:sp>
-          </mc:Choice>
-          <mc:Fallback xmlns="">
-            <p:sp>
-              <p:nvSpPr>
-                <p:cNvPr id="59" name="TextBox 58">
-                  <a:extLst>
-                    <a:ext uri="{FF2B5EF4-FFF2-40B4-BE49-F238E27FC236}">
-                      <a16:creationId xmlns:a16="http://schemas.microsoft.com/office/drawing/2014/main" id="{7194CE62-850A-EB42-BCD6-38B28CA7FAA7}"/>
-                    </a:ext>
-                  </a:extLst>
-                </p:cNvPr>
-                <p:cNvSpPr txBox="1">
-                  <a:spLocks noRot="1" noChangeAspect="1" noMove="1" noResize="1" noEditPoints="1" noAdjustHandles="1" noChangeArrowheads="1" noChangeShapeType="1" noTextEdit="1"/>
-                </p:cNvSpPr>
-                <p:nvPr/>
-              </p:nvSpPr>
-              <p:spPr>
-                <a:xfrm>
-                  <a:off x="4999599" y="2132937"/>
-                  <a:ext cx="3594830" cy="339708"/>
-                </a:xfrm>
-                <a:prstGeom prst="rect">
-                  <a:avLst/>
-                </a:prstGeom>
-                <a:blipFill>
-                  <a:blip r:embed="rId13"/>
-                  <a:stretch>
-                    <a:fillRect b="-7407"/>
-                  </a:stretch>
-                </a:blipFill>
-              </p:spPr>
-              <p:txBody>
-                <a:bodyPr/>
-                <a:lstStyle/>
-                <a:p>
-                  <a:r>
-                    <a:rPr lang="en-US">
-                      <a:noFill/>
-                    </a:rPr>
-                    <a:t> </a:t>
-                  </a:r>
-                </a:p>
-              </p:txBody>
-            </p:sp>
-          </mc:Fallback>
-        </mc:AlternateContent>
-      </p:grpSp>
+      <mc:AlternateContent xmlns:mc="http://schemas.openxmlformats.org/markup-compatibility/2006" xmlns:a14="http://schemas.microsoft.com/office/drawing/2010/main">
+        <mc:Choice Requires="a14">
+          <p:sp>
+            <p:nvSpPr>
+              <p:cNvPr id="50" name="TextBox 49">
+                <a:extLst>
+                  <a:ext uri="{FF2B5EF4-FFF2-40B4-BE49-F238E27FC236}">
+                    <a16:creationId xmlns:a16="http://schemas.microsoft.com/office/drawing/2014/main" id="{5E562659-E130-0F4B-9614-545D7C02C94D}"/>
+                  </a:ext>
+                </a:extLst>
+              </p:cNvPr>
+              <p:cNvSpPr txBox="1"/>
+              <p:nvPr/>
+            </p:nvSpPr>
+            <p:spPr>
+              <a:xfrm rot="16200000">
+                <a:off x="6403525" y="2530489"/>
+                <a:ext cx="552669" cy="346249"/>
+              </a:xfrm>
+              <a:prstGeom prst="rect">
+                <a:avLst/>
+              </a:prstGeom>
+              <a:noFill/>
+            </p:spPr>
+            <p:txBody>
+              <a:bodyPr wrap="square" lIns="0" tIns="0" rIns="0" bIns="0" rtlCol="0">
+                <a:spAutoFit/>
+              </a:bodyPr>
+              <a:lstStyle/>
+              <a:p>
+                <a:pPr/>
+                <a14:m>
+                  <m:oMathPara xmlns:m="http://schemas.openxmlformats.org/officeDocument/2006/math">
+                    <m:oMathParaPr>
+                      <m:jc m:val="centerGroup"/>
+                    </m:oMathParaPr>
+                    <m:oMath xmlns:m="http://schemas.openxmlformats.org/officeDocument/2006/math">
+                      <m:r>
+                        <a:rPr lang="en-US" sz="2250" b="1" i="1">
+                          <a:latin typeface="Cambria Math" panose="02040503050406030204" pitchFamily="18" charset="0"/>
+                          <a:ea typeface="Cambria Math" panose="02040503050406030204" pitchFamily="18" charset="0"/>
+                          <a:cs typeface="Cambria Math" charset="0"/>
+                        </a:rPr>
+                        <m:t>⊑</m:t>
+                      </m:r>
+                    </m:oMath>
+                  </m:oMathPara>
+                </a14:m>
+                <a:endParaRPr lang="en-US" sz="2250" b="1" dirty="0">
+                  <a:latin typeface="Cambria Math" panose="02040503050406030204" pitchFamily="18" charset="0"/>
+                  <a:ea typeface="Cambria Math" panose="02040503050406030204" pitchFamily="18" charset="0"/>
+                </a:endParaRPr>
+              </a:p>
+            </p:txBody>
+          </p:sp>
+        </mc:Choice>
+        <mc:Fallback xmlns="">
+          <p:sp>
+            <p:nvSpPr>
+              <p:cNvPr id="50" name="TextBox 49">
+                <a:extLst>
+                  <a:ext uri="{FF2B5EF4-FFF2-40B4-BE49-F238E27FC236}">
+                    <a16:creationId xmlns:a16="http://schemas.microsoft.com/office/drawing/2014/main" id="{5E562659-E130-0F4B-9614-545D7C02C94D}"/>
+                  </a:ext>
+                </a:extLst>
+              </p:cNvPr>
+              <p:cNvSpPr txBox="1">
+                <a:spLocks noRot="1" noChangeAspect="1" noMove="1" noResize="1" noEditPoints="1" noAdjustHandles="1" noChangeArrowheads="1" noChangeShapeType="1" noTextEdit="1"/>
+              </p:cNvSpPr>
+              <p:nvPr/>
+            </p:nvSpPr>
+            <p:spPr>
+              <a:xfrm rot="16200000">
+                <a:off x="6403525" y="2530489"/>
+                <a:ext cx="552669" cy="346249"/>
+              </a:xfrm>
+              <a:prstGeom prst="rect">
+                <a:avLst/>
+              </a:prstGeom>
+              <a:blipFill>
+                <a:blip r:embed="rId5"/>
+                <a:stretch>
+                  <a:fillRect/>
+                </a:stretch>
+              </a:blipFill>
+            </p:spPr>
+            <p:txBody>
+              <a:bodyPr/>
+              <a:lstStyle/>
+              <a:p>
+                <a:r>
+                  <a:rPr lang="en-US">
+                    <a:noFill/>
+                  </a:rPr>
+                  <a:t> </a:t>
+                </a:r>
+              </a:p>
+            </p:txBody>
+          </p:sp>
+        </mc:Fallback>
+      </mc:AlternateContent>
+      <mc:AlternateContent xmlns:mc="http://schemas.openxmlformats.org/markup-compatibility/2006" xmlns:a14="http://schemas.microsoft.com/office/drawing/2010/main">
+        <mc:Choice Requires="a14">
+          <p:sp>
+            <p:nvSpPr>
+              <p:cNvPr id="51" name="TextBox 50">
+                <a:extLst>
+                  <a:ext uri="{FF2B5EF4-FFF2-40B4-BE49-F238E27FC236}">
+                    <a16:creationId xmlns:a16="http://schemas.microsoft.com/office/drawing/2014/main" id="{AA83BD1F-A2EC-E14E-AD06-CD4F0DAF8410}"/>
+                  </a:ext>
+                </a:extLst>
+              </p:cNvPr>
+              <p:cNvSpPr txBox="1"/>
+              <p:nvPr/>
+            </p:nvSpPr>
+            <p:spPr>
+              <a:xfrm rot="16200000">
+                <a:off x="6393916" y="2006031"/>
+                <a:ext cx="552669" cy="346249"/>
+              </a:xfrm>
+              <a:prstGeom prst="rect">
+                <a:avLst/>
+              </a:prstGeom>
+              <a:noFill/>
+            </p:spPr>
+            <p:txBody>
+              <a:bodyPr wrap="square" lIns="0" tIns="0" rIns="0" bIns="0" rtlCol="0">
+                <a:spAutoFit/>
+              </a:bodyPr>
+              <a:lstStyle/>
+              <a:p>
+                <a:pPr/>
+                <a14:m>
+                  <m:oMathPara xmlns:m="http://schemas.openxmlformats.org/officeDocument/2006/math">
+                    <m:oMathParaPr>
+                      <m:jc m:val="centerGroup"/>
+                    </m:oMathParaPr>
+                    <m:oMath xmlns:m="http://schemas.openxmlformats.org/officeDocument/2006/math">
+                      <m:r>
+                        <a:rPr lang="en-US" sz="2250" b="1" i="1">
+                          <a:latin typeface="Cambria Math" panose="02040503050406030204" pitchFamily="18" charset="0"/>
+                          <a:ea typeface="Cambria Math" panose="02040503050406030204" pitchFamily="18" charset="0"/>
+                          <a:cs typeface="Cambria Math" charset="0"/>
+                        </a:rPr>
+                        <m:t>⊑</m:t>
+                      </m:r>
+                    </m:oMath>
+                  </m:oMathPara>
+                </a14:m>
+                <a:endParaRPr lang="en-US" sz="2250" b="1" dirty="0">
+                  <a:latin typeface="Cambria Math" panose="02040503050406030204" pitchFamily="18" charset="0"/>
+                  <a:ea typeface="Cambria Math" panose="02040503050406030204" pitchFamily="18" charset="0"/>
+                </a:endParaRPr>
+              </a:p>
+            </p:txBody>
+          </p:sp>
+        </mc:Choice>
+        <mc:Fallback xmlns="">
+          <p:sp>
+            <p:nvSpPr>
+              <p:cNvPr id="51" name="TextBox 50">
+                <a:extLst>
+                  <a:ext uri="{FF2B5EF4-FFF2-40B4-BE49-F238E27FC236}">
+                    <a16:creationId xmlns:a16="http://schemas.microsoft.com/office/drawing/2014/main" id="{AA83BD1F-A2EC-E14E-AD06-CD4F0DAF8410}"/>
+                  </a:ext>
+                </a:extLst>
+              </p:cNvPr>
+              <p:cNvSpPr txBox="1">
+                <a:spLocks noRot="1" noChangeAspect="1" noMove="1" noResize="1" noEditPoints="1" noAdjustHandles="1" noChangeArrowheads="1" noChangeShapeType="1" noTextEdit="1"/>
+              </p:cNvSpPr>
+              <p:nvPr/>
+            </p:nvSpPr>
+            <p:spPr>
+              <a:xfrm rot="16200000">
+                <a:off x="6393916" y="2006031"/>
+                <a:ext cx="552669" cy="346249"/>
+              </a:xfrm>
+              <a:prstGeom prst="rect">
+                <a:avLst/>
+              </a:prstGeom>
+              <a:blipFill>
+                <a:blip r:embed="rId6"/>
+                <a:stretch>
+                  <a:fillRect/>
+                </a:stretch>
+              </a:blipFill>
+            </p:spPr>
+            <p:txBody>
+              <a:bodyPr/>
+              <a:lstStyle/>
+              <a:p>
+                <a:r>
+                  <a:rPr lang="en-US">
+                    <a:noFill/>
+                  </a:rPr>
+                  <a:t> </a:t>
+                </a:r>
+              </a:p>
+            </p:txBody>
+          </p:sp>
+        </mc:Fallback>
+      </mc:AlternateContent>
+      <mc:AlternateContent xmlns:mc="http://schemas.openxmlformats.org/markup-compatibility/2006" xmlns:a14="http://schemas.microsoft.com/office/drawing/2010/main">
+        <mc:Choice Requires="a14">
+          <p:sp>
+            <p:nvSpPr>
+              <p:cNvPr id="52" name="TextBox 51">
+                <a:extLst>
+                  <a:ext uri="{FF2B5EF4-FFF2-40B4-BE49-F238E27FC236}">
+                    <a16:creationId xmlns:a16="http://schemas.microsoft.com/office/drawing/2014/main" id="{25109834-2B25-184D-AAAA-907697571C73}"/>
+                  </a:ext>
+                </a:extLst>
+              </p:cNvPr>
+              <p:cNvSpPr txBox="1"/>
+              <p:nvPr/>
+            </p:nvSpPr>
+            <p:spPr>
+              <a:xfrm rot="16200000">
+                <a:off x="6384750" y="927993"/>
+                <a:ext cx="552669" cy="346249"/>
+              </a:xfrm>
+              <a:prstGeom prst="rect">
+                <a:avLst/>
+              </a:prstGeom>
+              <a:noFill/>
+            </p:spPr>
+            <p:txBody>
+              <a:bodyPr wrap="square" lIns="0" tIns="0" rIns="0" bIns="0" rtlCol="0">
+                <a:spAutoFit/>
+              </a:bodyPr>
+              <a:lstStyle/>
+              <a:p>
+                <a:pPr/>
+                <a14:m>
+                  <m:oMathPara xmlns:m="http://schemas.openxmlformats.org/officeDocument/2006/math">
+                    <m:oMathParaPr>
+                      <m:jc m:val="centerGroup"/>
+                    </m:oMathParaPr>
+                    <m:oMath xmlns:m="http://schemas.openxmlformats.org/officeDocument/2006/math">
+                      <m:r>
+                        <a:rPr lang="en-US" sz="2250" b="1" i="1">
+                          <a:latin typeface="Cambria Math" panose="02040503050406030204" pitchFamily="18" charset="0"/>
+                          <a:ea typeface="Cambria Math" panose="02040503050406030204" pitchFamily="18" charset="0"/>
+                          <a:cs typeface="Cambria Math" charset="0"/>
+                        </a:rPr>
+                        <m:t>⊑</m:t>
+                      </m:r>
+                    </m:oMath>
+                  </m:oMathPara>
+                </a14:m>
+                <a:endParaRPr lang="en-US" sz="2250" b="1" dirty="0">
+                  <a:latin typeface="Cambria Math" panose="02040503050406030204" pitchFamily="18" charset="0"/>
+                  <a:ea typeface="Cambria Math" panose="02040503050406030204" pitchFamily="18" charset="0"/>
+                </a:endParaRPr>
+              </a:p>
+            </p:txBody>
+          </p:sp>
+        </mc:Choice>
+        <mc:Fallback xmlns="">
+          <p:sp>
+            <p:nvSpPr>
+              <p:cNvPr id="52" name="TextBox 51">
+                <a:extLst>
+                  <a:ext uri="{FF2B5EF4-FFF2-40B4-BE49-F238E27FC236}">
+                    <a16:creationId xmlns:a16="http://schemas.microsoft.com/office/drawing/2014/main" id="{25109834-2B25-184D-AAAA-907697571C73}"/>
+                  </a:ext>
+                </a:extLst>
+              </p:cNvPr>
+              <p:cNvSpPr txBox="1">
+                <a:spLocks noRot="1" noChangeAspect="1" noMove="1" noResize="1" noEditPoints="1" noAdjustHandles="1" noChangeArrowheads="1" noChangeShapeType="1" noTextEdit="1"/>
+              </p:cNvSpPr>
+              <p:nvPr/>
+            </p:nvSpPr>
+            <p:spPr>
+              <a:xfrm rot="16200000">
+                <a:off x="6384750" y="927993"/>
+                <a:ext cx="552669" cy="346249"/>
+              </a:xfrm>
+              <a:prstGeom prst="rect">
+                <a:avLst/>
+              </a:prstGeom>
+              <a:blipFill>
+                <a:blip r:embed="rId7"/>
+                <a:stretch>
+                  <a:fillRect/>
+                </a:stretch>
+              </a:blipFill>
+            </p:spPr>
+            <p:txBody>
+              <a:bodyPr/>
+              <a:lstStyle/>
+              <a:p>
+                <a:r>
+                  <a:rPr lang="en-US">
+                    <a:noFill/>
+                  </a:rPr>
+                  <a:t> </a:t>
+                </a:r>
+              </a:p>
+            </p:txBody>
+          </p:sp>
+        </mc:Fallback>
+      </mc:AlternateContent>
+      <mc:AlternateContent xmlns:mc="http://schemas.openxmlformats.org/markup-compatibility/2006" xmlns:a14="http://schemas.microsoft.com/office/drawing/2010/main">
+        <mc:Choice Requires="a14">
+          <p:sp>
+            <p:nvSpPr>
+              <p:cNvPr id="53" name="TextBox 52">
+                <a:extLst>
+                  <a:ext uri="{FF2B5EF4-FFF2-40B4-BE49-F238E27FC236}">
+                    <a16:creationId xmlns:a16="http://schemas.microsoft.com/office/drawing/2014/main" id="{F2E580FB-B760-7C4A-92CB-D12D033767A2}"/>
+                  </a:ext>
+                </a:extLst>
+              </p:cNvPr>
+              <p:cNvSpPr txBox="1"/>
+              <p:nvPr/>
+            </p:nvSpPr>
+            <p:spPr>
+              <a:xfrm rot="16200000">
+                <a:off x="6384748" y="304446"/>
+                <a:ext cx="552669" cy="346249"/>
+              </a:xfrm>
+              <a:prstGeom prst="rect">
+                <a:avLst/>
+              </a:prstGeom>
+              <a:noFill/>
+            </p:spPr>
+            <p:txBody>
+              <a:bodyPr wrap="square" lIns="0" tIns="0" rIns="0" bIns="0" rtlCol="0">
+                <a:spAutoFit/>
+              </a:bodyPr>
+              <a:lstStyle/>
+              <a:p>
+                <a:pPr/>
+                <a14:m>
+                  <m:oMathPara xmlns:m="http://schemas.openxmlformats.org/officeDocument/2006/math">
+                    <m:oMathParaPr>
+                      <m:jc m:val="centerGroup"/>
+                    </m:oMathParaPr>
+                    <m:oMath xmlns:m="http://schemas.openxmlformats.org/officeDocument/2006/math">
+                      <m:r>
+                        <a:rPr lang="en-US" sz="2250" b="1" i="1">
+                          <a:latin typeface="Cambria Math" panose="02040503050406030204" pitchFamily="18" charset="0"/>
+                          <a:ea typeface="Cambria Math" panose="02040503050406030204" pitchFamily="18" charset="0"/>
+                          <a:cs typeface="Cambria Math" charset="0"/>
+                        </a:rPr>
+                        <m:t>⊑</m:t>
+                      </m:r>
+                    </m:oMath>
+                  </m:oMathPara>
+                </a14:m>
+                <a:endParaRPr lang="en-US" sz="2250" b="1" dirty="0">
+                  <a:latin typeface="Cambria Math" panose="02040503050406030204" pitchFamily="18" charset="0"/>
+                  <a:ea typeface="Cambria Math" panose="02040503050406030204" pitchFamily="18" charset="0"/>
+                </a:endParaRPr>
+              </a:p>
+            </p:txBody>
+          </p:sp>
+        </mc:Choice>
+        <mc:Fallback xmlns="">
+          <p:sp>
+            <p:nvSpPr>
+              <p:cNvPr id="53" name="TextBox 52">
+                <a:extLst>
+                  <a:ext uri="{FF2B5EF4-FFF2-40B4-BE49-F238E27FC236}">
+                    <a16:creationId xmlns:a16="http://schemas.microsoft.com/office/drawing/2014/main" id="{F2E580FB-B760-7C4A-92CB-D12D033767A2}"/>
+                  </a:ext>
+                </a:extLst>
+              </p:cNvPr>
+              <p:cNvSpPr txBox="1">
+                <a:spLocks noRot="1" noChangeAspect="1" noMove="1" noResize="1" noEditPoints="1" noAdjustHandles="1" noChangeArrowheads="1" noChangeShapeType="1" noTextEdit="1"/>
+              </p:cNvSpPr>
+              <p:nvPr/>
+            </p:nvSpPr>
+            <p:spPr>
+              <a:xfrm rot="16200000">
+                <a:off x="6384748" y="304446"/>
+                <a:ext cx="552669" cy="346249"/>
+              </a:xfrm>
+              <a:prstGeom prst="rect">
+                <a:avLst/>
+              </a:prstGeom>
+              <a:blipFill>
+                <a:blip r:embed="rId7"/>
+                <a:stretch>
+                  <a:fillRect/>
+                </a:stretch>
+              </a:blipFill>
+            </p:spPr>
+            <p:txBody>
+              <a:bodyPr/>
+              <a:lstStyle/>
+              <a:p>
+                <a:r>
+                  <a:rPr lang="en-US">
+                    <a:noFill/>
+                  </a:rPr>
+                  <a:t> </a:t>
+                </a:r>
+              </a:p>
+            </p:txBody>
+          </p:sp>
+        </mc:Fallback>
+      </mc:AlternateContent>
+      <mc:AlternateContent xmlns:mc="http://schemas.openxmlformats.org/markup-compatibility/2006" xmlns:a14="http://schemas.microsoft.com/office/drawing/2010/main">
+        <mc:Choice Requires="a14">
+          <p:sp>
+            <p:nvSpPr>
+              <p:cNvPr id="54" name="TextBox 53">
+                <a:extLst>
+                  <a:ext uri="{FF2B5EF4-FFF2-40B4-BE49-F238E27FC236}">
+                    <a16:creationId xmlns:a16="http://schemas.microsoft.com/office/drawing/2014/main" id="{83AA2853-6A23-2B41-82F0-03E77DFFF0CB}"/>
+                  </a:ext>
+                </a:extLst>
+              </p:cNvPr>
+              <p:cNvSpPr txBox="1"/>
+              <p:nvPr/>
+            </p:nvSpPr>
+            <p:spPr>
+              <a:xfrm>
+                <a:off x="4315579" y="2278959"/>
+                <a:ext cx="4723665" cy="351763"/>
+              </a:xfrm>
+              <a:prstGeom prst="rect">
+                <a:avLst/>
+              </a:prstGeom>
+              <a:noFill/>
+            </p:spPr>
+            <p:txBody>
+              <a:bodyPr wrap="none" rtlCol="0">
+                <a:spAutoFit/>
+              </a:bodyPr>
+              <a:lstStyle/>
+              <a:p>
+                <a:pPr/>
+                <a14:m>
+                  <m:oMathPara xmlns:m="http://schemas.openxmlformats.org/officeDocument/2006/math">
+                    <m:oMathParaPr>
+                      <m:jc m:val="centerGroup"/>
+                    </m:oMathParaPr>
+                    <m:oMath xmlns:m="http://schemas.openxmlformats.org/officeDocument/2006/math">
+                      <m:sSub>
+                        <m:sSubPr>
+                          <m:ctrlPr>
+                            <a:rPr lang="en-US" sz="1400" i="1" smtClean="0">
+                              <a:latin typeface="Cambria Math" panose="02040503050406030204" pitchFamily="18" charset="0"/>
+                              <a:ea typeface="Cambria Math" panose="02040503050406030204" pitchFamily="18" charset="0"/>
+                            </a:rPr>
+                          </m:ctrlPr>
+                        </m:sSubPr>
+                        <m:e>
+                          <m:r>
+                            <m:rPr>
+                              <m:sty m:val="p"/>
+                            </m:rPr>
+                            <a:rPr lang="en-US" sz="1400">
+                              <a:latin typeface="Cambria Math" panose="02040503050406030204" pitchFamily="18" charset="0"/>
+                              <a:ea typeface="Cambria Math" panose="02040503050406030204" pitchFamily="18" charset="0"/>
+                            </a:rPr>
+                            <m:t>Mach</m:t>
+                          </m:r>
+                        </m:e>
+                        <m:sub>
+                          <m:r>
+                            <m:rPr>
+                              <m:sty m:val="p"/>
+                            </m:rPr>
+                            <a:rPr lang="en-US" sz="1400" b="0" i="0" smtClean="0">
+                              <a:latin typeface="Cambria Math" panose="02040503050406030204" pitchFamily="18" charset="0"/>
+                              <a:ea typeface="Cambria Math" panose="02040503050406030204" pitchFamily="18" charset="0"/>
+                            </a:rPr>
+                            <m:t>E</m:t>
+                          </m:r>
+                          <m:r>
+                            <m:rPr>
+                              <m:sty m:val="p"/>
+                            </m:rPr>
+                            <a:rPr lang="en-US" sz="1400" b="0" i="1" smtClean="0">
+                              <a:latin typeface="Cambria Math" panose="02040503050406030204" pitchFamily="18" charset="0"/>
+                              <a:ea typeface="Cambria Math" panose="02040503050406030204" pitchFamily="18" charset="0"/>
+                            </a:rPr>
+                            <m:t>a</m:t>
+                          </m:r>
+                          <m:r>
+                            <m:rPr>
+                              <m:sty m:val="p"/>
+                            </m:rPr>
+                            <a:rPr lang="en-US" sz="1400" b="0" i="0" smtClean="0">
+                              <a:latin typeface="Cambria Math" panose="02040503050406030204" pitchFamily="18" charset="0"/>
+                              <a:ea typeface="Cambria Math" panose="02040503050406030204" pitchFamily="18" charset="0"/>
+                            </a:rPr>
+                            <m:t>sm</m:t>
+                          </m:r>
+                          <m:r>
+                            <a:rPr lang="en-US" sz="1400" b="0" i="1" smtClean="0">
+                              <a:latin typeface="Cambria Math" panose="02040503050406030204" pitchFamily="18" charset="0"/>
+                              <a:ea typeface="Cambria Math" panose="02040503050406030204" pitchFamily="18" charset="0"/>
+                            </a:rPr>
+                            <m:t>[</m:t>
+                          </m:r>
+                          <m:sSub>
+                            <m:sSubPr>
+                              <m:ctrlPr>
+                                <a:rPr lang="en-US" sz="1400" b="0" i="1" smtClean="0">
+                                  <a:latin typeface="Cambria Math" panose="02040503050406030204" pitchFamily="18" charset="0"/>
+                                  <a:ea typeface="Cambria Math" panose="02040503050406030204" pitchFamily="18" charset="0"/>
+                                </a:rPr>
+                              </m:ctrlPr>
+                            </m:sSubPr>
+                            <m:e>
+                              <m:r>
+                                <a:rPr lang="en-US" sz="1400" b="0" i="1" smtClean="0">
+                                  <a:latin typeface="Cambria Math" panose="02040503050406030204" pitchFamily="18" charset="0"/>
+                                  <a:ea typeface="Cambria Math" panose="02040503050406030204" pitchFamily="18" charset="0"/>
+                                </a:rPr>
+                                <m:t>𝑇</m:t>
+                              </m:r>
+                            </m:e>
+                            <m:sub>
+                              <m:r>
+                                <a:rPr lang="en-US" sz="1400" b="0" i="1" smtClean="0">
+                                  <a:latin typeface="Cambria Math" panose="02040503050406030204" pitchFamily="18" charset="0"/>
+                                  <a:ea typeface="Cambria Math" panose="02040503050406030204" pitchFamily="18" charset="0"/>
+                                </a:rPr>
+                                <m:t>[</m:t>
+                              </m:r>
+                              <m:r>
+                                <a:rPr lang="en-US" sz="1400" b="0" i="1" smtClean="0">
+                                  <a:latin typeface="Cambria Math" panose="02040503050406030204" pitchFamily="18" charset="0"/>
+                                  <a:ea typeface="Cambria Math" panose="02040503050406030204" pitchFamily="18" charset="0"/>
+                                </a:rPr>
+                                <m:t>𝑐𝑖𝑑</m:t>
+                              </m:r>
+                              <m:r>
+                                <a:rPr lang="en-US" sz="1400" b="0" i="1" smtClean="0">
+                                  <a:latin typeface="Cambria Math" panose="02040503050406030204" pitchFamily="18" charset="0"/>
+                                  <a:ea typeface="Cambria Math" panose="02040503050406030204" pitchFamily="18" charset="0"/>
+                                </a:rPr>
+                                <m:t>]</m:t>
+                              </m:r>
+                            </m:sub>
+                          </m:sSub>
+                          <m:r>
+                            <a:rPr lang="en-US" sz="1400" b="0" i="1" smtClean="0">
+                              <a:latin typeface="Cambria Math" panose="02040503050406030204" pitchFamily="18" charset="0"/>
+                              <a:ea typeface="Cambria Math" panose="02040503050406030204" pitchFamily="18" charset="0"/>
+                            </a:rPr>
+                            <m:t>]</m:t>
+                          </m:r>
+                        </m:sub>
+                      </m:sSub>
+                      <m:r>
+                        <a:rPr lang="en-US" sz="1400">
+                          <a:latin typeface="Cambria Math" panose="02040503050406030204" pitchFamily="18" charset="0"/>
+                          <a:ea typeface="Cambria Math" panose="02040503050406030204" pitchFamily="18" charset="0"/>
+                        </a:rPr>
+                        <m:t>(</m:t>
+                      </m:r>
+                      <m:r>
+                        <m:rPr>
+                          <m:sty m:val="p"/>
+                        </m:rPr>
+                        <a:rPr lang="en-US" sz="1400" b="0" i="0" smtClean="0">
+                          <a:latin typeface="Cambria Math" panose="02040503050406030204" pitchFamily="18" charset="0"/>
+                          <a:ea typeface="Cambria Math" panose="02040503050406030204" pitchFamily="18" charset="0"/>
+                        </a:rPr>
+                        <m:t>C</m:t>
+                      </m:r>
+                      <m:r>
+                        <a:rPr lang="en-US" sz="1400" b="0" i="0" smtClean="0">
+                          <a:latin typeface="Cambria Math" panose="02040503050406030204" pitchFamily="18" charset="0"/>
+                          <a:ea typeface="Cambria Math" panose="02040503050406030204" pitchFamily="18" charset="0"/>
+                        </a:rPr>
+                        <m:t>,</m:t>
+                      </m:r>
+                      <m:r>
+                        <a:rPr lang="en-US" sz="1400" i="1">
+                          <a:latin typeface="Cambria Math" panose="02040503050406030204" pitchFamily="18" charset="0"/>
+                          <a:ea typeface="Cambria Math" panose="02040503050406030204" pitchFamily="18" charset="0"/>
+                        </a:rPr>
+                        <m:t>∥</m:t>
+                      </m:r>
+                      <m:r>
+                        <a:rPr lang="en-US" sz="1400" i="1">
+                          <a:latin typeface="Cambria Math" panose="02040503050406030204" pitchFamily="18" charset="0"/>
+                          <a:ea typeface="Cambria Math" panose="02040503050406030204" pitchFamily="18" charset="0"/>
+                        </a:rPr>
+                        <m:t>𝑡𝑖𝑑</m:t>
+                      </m:r>
+                      <m:r>
+                        <a:rPr lang="en-US" sz="1400" i="1">
+                          <a:latin typeface="Cambria Math" panose="02040503050406030204" pitchFamily="18" charset="0"/>
+                          <a:ea typeface="Cambria Math" panose="02040503050406030204" pitchFamily="18" charset="0"/>
+                        </a:rPr>
+                        <m:t>∈</m:t>
+                      </m:r>
+                      <m:sSub>
+                        <m:sSubPr>
+                          <m:ctrlPr>
+                            <a:rPr lang="en-US" sz="1400" i="1">
+                              <a:latin typeface="Cambria Math" panose="02040503050406030204" pitchFamily="18" charset="0"/>
+                              <a:ea typeface="Cambria Math" panose="02040503050406030204" pitchFamily="18" charset="0"/>
+                            </a:rPr>
+                          </m:ctrlPr>
+                        </m:sSubPr>
+                        <m:e>
+                          <m:r>
+                            <a:rPr lang="en-US" sz="1400" i="1">
+                              <a:latin typeface="Cambria Math" panose="02040503050406030204" pitchFamily="18" charset="0"/>
+                              <a:ea typeface="Cambria Math" panose="02040503050406030204" pitchFamily="18" charset="0"/>
+                            </a:rPr>
+                            <m:t>𝑇</m:t>
+                          </m:r>
+                        </m:e>
+                        <m:sub>
+                          <m:r>
+                            <a:rPr lang="en-US" sz="1400" i="1">
+                              <a:latin typeface="Cambria Math" panose="02040503050406030204" pitchFamily="18" charset="0"/>
+                              <a:ea typeface="Cambria Math" panose="02040503050406030204" pitchFamily="18" charset="0"/>
+                            </a:rPr>
+                            <m:t>[</m:t>
+                          </m:r>
+                          <m:r>
+                            <a:rPr lang="en-US" sz="1400" i="1">
+                              <a:latin typeface="Cambria Math" panose="02040503050406030204" pitchFamily="18" charset="0"/>
+                              <a:ea typeface="Cambria Math" panose="02040503050406030204" pitchFamily="18" charset="0"/>
+                            </a:rPr>
+                            <m:t>𝑐𝑖𝑑</m:t>
+                          </m:r>
+                          <m:r>
+                            <a:rPr lang="en-US" sz="1400" i="1">
+                              <a:latin typeface="Cambria Math" panose="02040503050406030204" pitchFamily="18" charset="0"/>
+                              <a:ea typeface="Cambria Math" panose="02040503050406030204" pitchFamily="18" charset="0"/>
+                            </a:rPr>
+                            <m:t>]</m:t>
+                          </m:r>
+                        </m:sub>
+                      </m:sSub>
+                      <m:r>
+                        <m:rPr>
+                          <m:sty m:val="p"/>
+                        </m:rPr>
+                        <a:rPr lang="en-US" sz="1400" b="0" i="0" smtClean="0">
+                          <a:latin typeface="Cambria Math" panose="02040503050406030204" pitchFamily="18" charset="0"/>
+                          <a:ea typeface="Cambria Math" panose="02040503050406030204" pitchFamily="18" charset="0"/>
+                        </a:rPr>
+                        <m:t>TLink</m:t>
+                      </m:r>
+                      <m:d>
+                        <m:dPr>
+                          <m:begChr m:val="["/>
+                          <m:endChr m:val="]"/>
+                          <m:ctrlPr>
+                            <a:rPr lang="en-US" sz="1400" i="1">
+                              <a:latin typeface="Cambria Math" panose="02040503050406030204" pitchFamily="18" charset="0"/>
+                              <a:ea typeface="Cambria Math" panose="02040503050406030204" pitchFamily="18" charset="0"/>
+                            </a:rPr>
+                          </m:ctrlPr>
+                        </m:dPr>
+                        <m:e>
+                          <m:r>
+                            <a:rPr lang="en-US" sz="1400" b="0" i="1" smtClean="0">
+                              <a:latin typeface="Cambria Math" panose="02040503050406030204" pitchFamily="18" charset="0"/>
+                              <a:ea typeface="Cambria Math" panose="02040503050406030204" pitchFamily="18" charset="0"/>
+                            </a:rPr>
+                            <m:t>𝑐𝑖𝑑</m:t>
+                          </m:r>
+                          <m:r>
+                            <a:rPr lang="en-US" sz="1400" b="0" i="1" smtClean="0">
+                              <a:latin typeface="Cambria Math" panose="02040503050406030204" pitchFamily="18" charset="0"/>
+                              <a:ea typeface="Cambria Math" panose="02040503050406030204" pitchFamily="18" charset="0"/>
+                            </a:rPr>
+                            <m:t>,</m:t>
+                          </m:r>
+                          <m:sSub>
+                            <m:sSubPr>
+                              <m:ctrlPr>
+                                <a:rPr lang="en-US" sz="1400" b="0" i="1" smtClean="0">
+                                  <a:latin typeface="Cambria Math" panose="02040503050406030204" pitchFamily="18" charset="0"/>
+                                  <a:ea typeface="Cambria Math" panose="02040503050406030204" pitchFamily="18" charset="0"/>
+                                </a:rPr>
+                              </m:ctrlPr>
+                            </m:sSubPr>
+                            <m:e>
+                              <m:r>
+                                <a:rPr lang="en-US" sz="1400" i="1">
+                                  <a:latin typeface="Cambria Math" panose="02040503050406030204" pitchFamily="18" charset="0"/>
+                                  <a:ea typeface="Cambria Math" panose="02040503050406030204" pitchFamily="18" charset="0"/>
+                                </a:rPr>
+                                <m:t>𝜀</m:t>
+                              </m:r>
+                            </m:e>
+                            <m:sub>
+                              <m:r>
+                                <a:rPr lang="en-US" sz="1400" b="0" i="1" smtClean="0">
+                                  <a:latin typeface="Cambria Math" panose="02040503050406030204" pitchFamily="18" charset="0"/>
+                                  <a:ea typeface="Cambria Math" panose="02040503050406030204" pitchFamily="18" charset="0"/>
+                                </a:rPr>
+                                <m:t>𝑐𝑖𝑑</m:t>
+                              </m:r>
+                            </m:sub>
+                          </m:sSub>
+                        </m:e>
+                      </m:d>
+                      <m:r>
+                        <a:rPr lang="en-US" sz="1400" i="1">
+                          <a:latin typeface="Cambria Math" panose="02040503050406030204" pitchFamily="18" charset="0"/>
+                          <a:ea typeface="Cambria Math" panose="02040503050406030204" pitchFamily="18" charset="0"/>
+                        </a:rPr>
+                        <m:t>)⊢</m:t>
+                      </m:r>
+                      <m:d>
+                        <m:dPr>
+                          <m:begChr m:val="⟦"/>
+                          <m:endChr m:val="⟧"/>
+                          <m:ctrlPr>
+                            <a:rPr lang="en-US" sz="1400" i="1" dirty="0">
+                              <a:latin typeface="Cambria Math" panose="02040503050406030204" pitchFamily="18" charset="0"/>
+                              <a:ea typeface="Cambria Math" panose="02040503050406030204" pitchFamily="18" charset="0"/>
+                            </a:rPr>
+                          </m:ctrlPr>
+                        </m:dPr>
+                        <m:e>
+                          <m:r>
+                            <a:rPr lang="en-US" sz="1400" b="1" dirty="0">
+                              <a:latin typeface="Cambria Math" panose="02040503050406030204" pitchFamily="18" charset="0"/>
+                              <a:ea typeface="Cambria Math" panose="02040503050406030204" pitchFamily="18" charset="0"/>
+                            </a:rPr>
+                            <m:t>𝐏𝐫𝐨𝐠</m:t>
+                          </m:r>
+                        </m:e>
+                      </m:d>
+                      <m:r>
+                        <a:rPr lang="en-US" sz="1400" i="1" dirty="0">
+                          <a:latin typeface="Cambria Math" panose="02040503050406030204" pitchFamily="18" charset="0"/>
+                          <a:ea typeface="Cambria Math" panose="02040503050406030204" pitchFamily="18" charset="0"/>
+                        </a:rPr>
+                        <m:t> </m:t>
+                      </m:r>
+                    </m:oMath>
+                  </m:oMathPara>
+                </a14:m>
+                <a:endParaRPr lang="en-US" sz="1400" baseline="30000" dirty="0">
+                  <a:latin typeface="Cambria Math" panose="02040503050406030204" pitchFamily="18" charset="0"/>
+                  <a:ea typeface="Cambria Math" panose="02040503050406030204" pitchFamily="18" charset="0"/>
+                </a:endParaRPr>
+              </a:p>
+            </p:txBody>
+          </p:sp>
+        </mc:Choice>
+        <mc:Fallback xmlns="">
+          <p:sp>
+            <p:nvSpPr>
+              <p:cNvPr id="54" name="TextBox 53">
+                <a:extLst>
+                  <a:ext uri="{FF2B5EF4-FFF2-40B4-BE49-F238E27FC236}">
+                    <a16:creationId xmlns:a16="http://schemas.microsoft.com/office/drawing/2014/main" id="{83AA2853-6A23-2B41-82F0-03E77DFFF0CB}"/>
+                  </a:ext>
+                </a:extLst>
+              </p:cNvPr>
+              <p:cNvSpPr txBox="1">
+                <a:spLocks noRot="1" noChangeAspect="1" noMove="1" noResize="1" noEditPoints="1" noAdjustHandles="1" noChangeArrowheads="1" noChangeShapeType="1" noTextEdit="1"/>
+              </p:cNvSpPr>
+              <p:nvPr/>
+            </p:nvSpPr>
+            <p:spPr>
+              <a:xfrm>
+                <a:off x="4315579" y="2278959"/>
+                <a:ext cx="4723665" cy="351763"/>
+              </a:xfrm>
+              <a:prstGeom prst="rect">
+                <a:avLst/>
+              </a:prstGeom>
+              <a:blipFill>
+                <a:blip r:embed="rId8"/>
+                <a:stretch>
+                  <a:fillRect/>
+                </a:stretch>
+              </a:blipFill>
+            </p:spPr>
+            <p:txBody>
+              <a:bodyPr/>
+              <a:lstStyle/>
+              <a:p>
+                <a:r>
+                  <a:rPr lang="en-US">
+                    <a:noFill/>
+                  </a:rPr>
+                  <a:t> </a:t>
+                </a:r>
+              </a:p>
+            </p:txBody>
+          </p:sp>
+        </mc:Fallback>
+      </mc:AlternateContent>
+      <mc:AlternateContent xmlns:mc="http://schemas.openxmlformats.org/markup-compatibility/2006" xmlns:a14="http://schemas.microsoft.com/office/drawing/2010/main">
+        <mc:Choice Requires="a14">
+          <p:sp>
+            <p:nvSpPr>
+              <p:cNvPr id="56" name="TextBox 55">
+                <a:extLst>
+                  <a:ext uri="{FF2B5EF4-FFF2-40B4-BE49-F238E27FC236}">
+                    <a16:creationId xmlns:a16="http://schemas.microsoft.com/office/drawing/2014/main" id="{5AA5BA2F-A974-BE4B-AA80-F1688BA20308}"/>
+                  </a:ext>
+                </a:extLst>
+              </p:cNvPr>
+              <p:cNvSpPr txBox="1"/>
+              <p:nvPr/>
+            </p:nvSpPr>
+            <p:spPr>
+              <a:xfrm>
+                <a:off x="4114800" y="1679835"/>
+                <a:ext cx="5097806" cy="371384"/>
+              </a:xfrm>
+              <a:prstGeom prst="rect">
+                <a:avLst/>
+              </a:prstGeom>
+              <a:noFill/>
+            </p:spPr>
+            <p:txBody>
+              <a:bodyPr wrap="none" rtlCol="0">
+                <a:spAutoFit/>
+              </a:bodyPr>
+              <a:lstStyle/>
+              <a:p>
+                <a:pPr/>
+                <a14:m>
+                  <m:oMathPara xmlns:m="http://schemas.openxmlformats.org/officeDocument/2006/math">
+                    <m:oMathParaPr>
+                      <m:jc m:val="centerGroup"/>
+                    </m:oMathParaPr>
+                    <m:oMath xmlns:m="http://schemas.openxmlformats.org/officeDocument/2006/math">
+                      <m:sSub>
+                        <m:sSubPr>
+                          <m:ctrlPr>
+                            <a:rPr lang="en-US" sz="1400" i="1" smtClean="0">
+                              <a:latin typeface="Cambria Math" panose="02040503050406030204" pitchFamily="18" charset="0"/>
+                              <a:ea typeface="Cambria Math" panose="02040503050406030204" pitchFamily="18" charset="0"/>
+                            </a:rPr>
+                          </m:ctrlPr>
+                        </m:sSubPr>
+                        <m:e>
+                          <m:r>
+                            <m:rPr>
+                              <m:sty m:val="p"/>
+                            </m:rPr>
+                            <a:rPr lang="en-US" sz="1400">
+                              <a:latin typeface="Cambria Math" panose="02040503050406030204" pitchFamily="18" charset="0"/>
+                              <a:ea typeface="Cambria Math" panose="02040503050406030204" pitchFamily="18" charset="0"/>
+                            </a:rPr>
+                            <m:t>Mach</m:t>
+                          </m:r>
+                        </m:e>
+                        <m:sub>
+                          <m:r>
+                            <m:rPr>
+                              <m:sty m:val="p"/>
+                            </m:rPr>
+                            <a:rPr lang="en-US" sz="1400" b="0" i="0" smtClean="0">
+                              <a:latin typeface="Cambria Math" panose="02040503050406030204" pitchFamily="18" charset="0"/>
+                              <a:ea typeface="Cambria Math" panose="02040503050406030204" pitchFamily="18" charset="0"/>
+                            </a:rPr>
+                            <m:t>IE</m:t>
+                          </m:r>
+                          <m:r>
+                            <m:rPr>
+                              <m:sty m:val="p"/>
+                            </m:rPr>
+                            <a:rPr lang="en-US" sz="1400">
+                              <a:latin typeface="Cambria Math" panose="02040503050406030204" pitchFamily="18" charset="0"/>
+                              <a:ea typeface="Cambria Math" panose="02040503050406030204" pitchFamily="18" charset="0"/>
+                            </a:rPr>
+                            <m:t>Asm</m:t>
+                          </m:r>
+                          <m:sSub>
+                            <m:sSubPr>
+                              <m:ctrlPr>
+                                <a:rPr lang="en-US" sz="1400" i="1">
+                                  <a:latin typeface="Cambria Math" panose="02040503050406030204" pitchFamily="18" charset="0"/>
+                                  <a:ea typeface="Cambria Math" panose="02040503050406030204" pitchFamily="18" charset="0"/>
+                                </a:rPr>
+                              </m:ctrlPr>
+                            </m:sSubPr>
+                            <m:e>
+                              <m:r>
+                                <a:rPr lang="en-US" sz="1400" b="0" i="1" smtClean="0">
+                                  <a:latin typeface="Cambria Math" panose="02040503050406030204" pitchFamily="18" charset="0"/>
+                                  <a:ea typeface="Cambria Math" panose="02040503050406030204" pitchFamily="18" charset="0"/>
+                                </a:rPr>
+                                <m:t>[</m:t>
+                              </m:r>
+                              <m:r>
+                                <a:rPr lang="en-US" sz="1400" i="1">
+                                  <a:latin typeface="Cambria Math" panose="02040503050406030204" pitchFamily="18" charset="0"/>
+                                  <a:ea typeface="Cambria Math" panose="02040503050406030204" pitchFamily="18" charset="0"/>
+                                </a:rPr>
+                                <m:t>𝑇</m:t>
+                              </m:r>
+                            </m:e>
+                            <m:sub>
+                              <m:r>
+                                <a:rPr lang="en-US" sz="1400" i="1">
+                                  <a:latin typeface="Cambria Math" panose="02040503050406030204" pitchFamily="18" charset="0"/>
+                                  <a:ea typeface="Cambria Math" panose="02040503050406030204" pitchFamily="18" charset="0"/>
+                                </a:rPr>
+                                <m:t>[</m:t>
+                              </m:r>
+                              <m:r>
+                                <a:rPr lang="en-US" sz="1400" i="1">
+                                  <a:latin typeface="Cambria Math" panose="02040503050406030204" pitchFamily="18" charset="0"/>
+                                  <a:ea typeface="Cambria Math" panose="02040503050406030204" pitchFamily="18" charset="0"/>
+                                </a:rPr>
+                                <m:t>𝑐𝑖𝑑</m:t>
+                              </m:r>
+                              <m:r>
+                                <a:rPr lang="en-US" sz="1400" i="1">
+                                  <a:latin typeface="Cambria Math" panose="02040503050406030204" pitchFamily="18" charset="0"/>
+                                  <a:ea typeface="Cambria Math" panose="02040503050406030204" pitchFamily="18" charset="0"/>
+                                </a:rPr>
+                                <m:t>]</m:t>
+                              </m:r>
+                            </m:sub>
+                          </m:sSub>
+                          <m:r>
+                            <a:rPr lang="en-US" sz="1400" b="0" i="1" smtClean="0">
+                              <a:latin typeface="Cambria Math" panose="02040503050406030204" pitchFamily="18" charset="0"/>
+                              <a:ea typeface="Cambria Math" panose="02040503050406030204" pitchFamily="18" charset="0"/>
+                            </a:rPr>
+                            <m:t>]</m:t>
+                          </m:r>
+                        </m:sub>
+                      </m:sSub>
+                      <m:r>
+                        <a:rPr lang="en-US" sz="1400" b="0" i="0" smtClean="0">
+                          <a:latin typeface="Cambria Math" panose="02040503050406030204" pitchFamily="18" charset="0"/>
+                          <a:ea typeface="Cambria Math" panose="02040503050406030204" pitchFamily="18" charset="0"/>
+                        </a:rPr>
+                        <m:t>[</m:t>
+                      </m:r>
+                      <m:r>
+                        <a:rPr lang="en-US" sz="1400">
+                          <a:latin typeface="Cambria Math" panose="02040503050406030204" pitchFamily="18" charset="0"/>
+                          <a:ea typeface="Cambria Math" panose="02040503050406030204" pitchFamily="18" charset="0"/>
+                        </a:rPr>
+                        <m:t>(</m:t>
+                      </m:r>
+                      <m:r>
+                        <m:rPr>
+                          <m:sty m:val="p"/>
+                        </m:rPr>
+                        <a:rPr lang="en-US" sz="1400">
+                          <a:latin typeface="Cambria Math" panose="02040503050406030204" pitchFamily="18" charset="0"/>
+                          <a:ea typeface="Cambria Math" panose="02040503050406030204" pitchFamily="18" charset="0"/>
+                        </a:rPr>
+                        <m:t>C</m:t>
+                      </m:r>
+                      <m:r>
+                        <a:rPr lang="en-US" sz="1400">
+                          <a:latin typeface="Cambria Math" panose="02040503050406030204" pitchFamily="18" charset="0"/>
+                          <a:ea typeface="Cambria Math" panose="02040503050406030204" pitchFamily="18" charset="0"/>
+                        </a:rPr>
+                        <m:t>,</m:t>
+                      </m:r>
+                      <m:r>
+                        <a:rPr lang="en-US" sz="1400" i="1">
+                          <a:latin typeface="Cambria Math" panose="02040503050406030204" pitchFamily="18" charset="0"/>
+                          <a:ea typeface="Cambria Math" panose="02040503050406030204" pitchFamily="18" charset="0"/>
+                        </a:rPr>
+                        <m:t>∥</m:t>
+                      </m:r>
+                      <m:r>
+                        <a:rPr lang="en-US" sz="1400" i="1">
+                          <a:latin typeface="Cambria Math" panose="02040503050406030204" pitchFamily="18" charset="0"/>
+                          <a:ea typeface="Cambria Math" panose="02040503050406030204" pitchFamily="18" charset="0"/>
+                        </a:rPr>
+                        <m:t>𝑡𝑖𝑑</m:t>
+                      </m:r>
+                      <m:r>
+                        <a:rPr lang="en-US" sz="1400" i="1">
+                          <a:latin typeface="Cambria Math" panose="02040503050406030204" pitchFamily="18" charset="0"/>
+                          <a:ea typeface="Cambria Math" panose="02040503050406030204" pitchFamily="18" charset="0"/>
+                        </a:rPr>
+                        <m:t>∈</m:t>
+                      </m:r>
+                      <m:sSub>
+                        <m:sSubPr>
+                          <m:ctrlPr>
+                            <a:rPr lang="en-US" sz="1400" i="1">
+                              <a:latin typeface="Cambria Math" panose="02040503050406030204" pitchFamily="18" charset="0"/>
+                              <a:ea typeface="Cambria Math" panose="02040503050406030204" pitchFamily="18" charset="0"/>
+                            </a:rPr>
+                          </m:ctrlPr>
+                        </m:sSubPr>
+                        <m:e>
+                          <m:r>
+                            <a:rPr lang="en-US" sz="1400" i="1">
+                              <a:latin typeface="Cambria Math" panose="02040503050406030204" pitchFamily="18" charset="0"/>
+                              <a:ea typeface="Cambria Math" panose="02040503050406030204" pitchFamily="18" charset="0"/>
+                            </a:rPr>
+                            <m:t>𝑇</m:t>
+                          </m:r>
+                        </m:e>
+                        <m:sub>
+                          <m:r>
+                            <a:rPr lang="en-US" sz="1400" i="1">
+                              <a:latin typeface="Cambria Math" panose="02040503050406030204" pitchFamily="18" charset="0"/>
+                              <a:ea typeface="Cambria Math" panose="02040503050406030204" pitchFamily="18" charset="0"/>
+                            </a:rPr>
+                            <m:t>[</m:t>
+                          </m:r>
+                          <m:r>
+                            <a:rPr lang="en-US" sz="1400" i="1">
+                              <a:latin typeface="Cambria Math" panose="02040503050406030204" pitchFamily="18" charset="0"/>
+                              <a:ea typeface="Cambria Math" panose="02040503050406030204" pitchFamily="18" charset="0"/>
+                            </a:rPr>
+                            <m:t>𝑐𝑖𝑑</m:t>
+                          </m:r>
+                          <m:r>
+                            <a:rPr lang="en-US" sz="1400" i="1">
+                              <a:latin typeface="Cambria Math" panose="02040503050406030204" pitchFamily="18" charset="0"/>
+                              <a:ea typeface="Cambria Math" panose="02040503050406030204" pitchFamily="18" charset="0"/>
+                            </a:rPr>
+                            <m:t>]</m:t>
+                          </m:r>
+                        </m:sub>
+                      </m:sSub>
+                      <m:r>
+                        <m:rPr>
+                          <m:sty m:val="p"/>
+                        </m:rPr>
+                        <a:rPr lang="en-US" sz="1400" b="0" i="0" smtClean="0">
+                          <a:latin typeface="Cambria Math" panose="02040503050406030204" pitchFamily="18" charset="0"/>
+                          <a:ea typeface="Cambria Math" panose="02040503050406030204" pitchFamily="18" charset="0"/>
+                        </a:rPr>
+                        <m:t>TLink</m:t>
+                      </m:r>
+                      <m:d>
+                        <m:dPr>
+                          <m:begChr m:val="["/>
+                          <m:endChr m:val="]"/>
+                          <m:ctrlPr>
+                            <a:rPr lang="en-US" sz="1400" i="1">
+                              <a:latin typeface="Cambria Math" panose="02040503050406030204" pitchFamily="18" charset="0"/>
+                              <a:ea typeface="Cambria Math" panose="02040503050406030204" pitchFamily="18" charset="0"/>
+                            </a:rPr>
+                          </m:ctrlPr>
+                        </m:dPr>
+                        <m:e>
+                          <m:r>
+                            <a:rPr lang="en-US" sz="1400" b="0" i="1" smtClean="0">
+                              <a:latin typeface="Cambria Math" panose="02040503050406030204" pitchFamily="18" charset="0"/>
+                              <a:ea typeface="Cambria Math" panose="02040503050406030204" pitchFamily="18" charset="0"/>
+                            </a:rPr>
+                            <m:t>𝑐𝑖𝑑</m:t>
+                          </m:r>
+                          <m:r>
+                            <a:rPr lang="en-US" sz="1400" b="0" i="1" smtClean="0">
+                              <a:latin typeface="Cambria Math" panose="02040503050406030204" pitchFamily="18" charset="0"/>
+                              <a:ea typeface="Cambria Math" panose="02040503050406030204" pitchFamily="18" charset="0"/>
+                            </a:rPr>
+                            <m:t>,</m:t>
+                          </m:r>
+                          <m:sSubSup>
+                            <m:sSubSupPr>
+                              <m:ctrlPr>
+                                <a:rPr lang="en-US" sz="1400" b="0" i="1" smtClean="0">
+                                  <a:latin typeface="Cambria Math" panose="02040503050406030204" pitchFamily="18" charset="0"/>
+                                  <a:ea typeface="Cambria Math" panose="02040503050406030204" pitchFamily="18" charset="0"/>
+                                </a:rPr>
+                              </m:ctrlPr>
+                            </m:sSubSupPr>
+                            <m:e>
+                              <m:r>
+                                <a:rPr lang="en-US" sz="1400" i="1">
+                                  <a:latin typeface="Cambria Math" panose="02040503050406030204" pitchFamily="18" charset="0"/>
+                                  <a:ea typeface="Cambria Math" panose="02040503050406030204" pitchFamily="18" charset="0"/>
+                                </a:rPr>
+                                <m:t>𝜀</m:t>
+                              </m:r>
+                            </m:e>
+                            <m:sub>
+                              <m:r>
+                                <a:rPr lang="en-US" sz="1400" b="0" i="1" smtClean="0">
+                                  <a:latin typeface="Cambria Math" panose="02040503050406030204" pitchFamily="18" charset="0"/>
+                                  <a:ea typeface="Cambria Math" panose="02040503050406030204" pitchFamily="18" charset="0"/>
+                                </a:rPr>
+                                <m:t>𝑡</m:t>
+                              </m:r>
+                              <m:r>
+                                <a:rPr lang="en-US" sz="1400" i="1">
+                                  <a:latin typeface="Cambria Math" panose="02040503050406030204" pitchFamily="18" charset="0"/>
+                                  <a:ea typeface="Cambria Math" panose="02040503050406030204" pitchFamily="18" charset="0"/>
+                                </a:rPr>
+                                <m:t>𝑖</m:t>
+                              </m:r>
+                              <m:r>
+                                <a:rPr lang="en-US" sz="1400" b="0" i="1" smtClean="0">
+                                  <a:latin typeface="Cambria Math" panose="02040503050406030204" pitchFamily="18" charset="0"/>
+                                  <a:ea typeface="Cambria Math" panose="02040503050406030204" pitchFamily="18" charset="0"/>
+                                </a:rPr>
+                                <m:t>𝑑</m:t>
+                              </m:r>
+                            </m:sub>
+                            <m:sup>
+                              <m:r>
+                                <a:rPr lang="en-US" sz="1400" b="0" i="1" smtClean="0">
+                                  <a:latin typeface="Cambria Math" panose="02040503050406030204" pitchFamily="18" charset="0"/>
+                                  <a:ea typeface="Cambria Math" panose="02040503050406030204" pitchFamily="18" charset="0"/>
+                                </a:rPr>
+                                <m:t>𝑀𝑇𝐿𝑖𝑛𝑘</m:t>
+                              </m:r>
+                            </m:sup>
+                          </m:sSubSup>
+                        </m:e>
+                      </m:d>
+                      <m:r>
+                        <a:rPr lang="en-US" sz="1400" i="1">
+                          <a:latin typeface="Cambria Math" panose="02040503050406030204" pitchFamily="18" charset="0"/>
+                          <a:ea typeface="Cambria Math" panose="02040503050406030204" pitchFamily="18" charset="0"/>
+                        </a:rPr>
+                        <m:t>)⊢</m:t>
+                      </m:r>
+                      <m:d>
+                        <m:dPr>
+                          <m:begChr m:val="⟦"/>
+                          <m:endChr m:val="⟧"/>
+                          <m:ctrlPr>
+                            <a:rPr lang="en-US" sz="1400" i="1" dirty="0">
+                              <a:latin typeface="Cambria Math" panose="02040503050406030204" pitchFamily="18" charset="0"/>
+                              <a:ea typeface="Cambria Math" panose="02040503050406030204" pitchFamily="18" charset="0"/>
+                            </a:rPr>
+                          </m:ctrlPr>
+                        </m:dPr>
+                        <m:e>
+                          <m:r>
+                            <a:rPr lang="en-US" sz="1400" b="1" dirty="0">
+                              <a:latin typeface="Cambria Math" panose="02040503050406030204" pitchFamily="18" charset="0"/>
+                              <a:ea typeface="Cambria Math" panose="02040503050406030204" pitchFamily="18" charset="0"/>
+                            </a:rPr>
+                            <m:t>𝐏𝐫𝐨𝐠</m:t>
+                          </m:r>
+                        </m:e>
+                      </m:d>
+                      <m:r>
+                        <a:rPr lang="en-US" sz="1400" i="1" dirty="0">
+                          <a:latin typeface="Cambria Math" panose="02040503050406030204" pitchFamily="18" charset="0"/>
+                          <a:ea typeface="Cambria Math" panose="02040503050406030204" pitchFamily="18" charset="0"/>
+                        </a:rPr>
+                        <m:t> </m:t>
+                      </m:r>
+                    </m:oMath>
+                  </m:oMathPara>
+                </a14:m>
+                <a:endParaRPr lang="en-US" sz="1400" baseline="30000" dirty="0">
+                  <a:latin typeface="Cambria Math" panose="02040503050406030204" pitchFamily="18" charset="0"/>
+                  <a:ea typeface="Cambria Math" panose="02040503050406030204" pitchFamily="18" charset="0"/>
+                </a:endParaRPr>
+              </a:p>
+            </p:txBody>
+          </p:sp>
+        </mc:Choice>
+        <mc:Fallback xmlns="">
+          <p:sp>
+            <p:nvSpPr>
+              <p:cNvPr id="56" name="TextBox 55">
+                <a:extLst>
+                  <a:ext uri="{FF2B5EF4-FFF2-40B4-BE49-F238E27FC236}">
+                    <a16:creationId xmlns:a16="http://schemas.microsoft.com/office/drawing/2014/main" id="{5AA5BA2F-A974-BE4B-AA80-F1688BA20308}"/>
+                  </a:ext>
+                </a:extLst>
+              </p:cNvPr>
+              <p:cNvSpPr txBox="1">
+                <a:spLocks noRot="1" noChangeAspect="1" noMove="1" noResize="1" noEditPoints="1" noAdjustHandles="1" noChangeArrowheads="1" noChangeShapeType="1" noTextEdit="1"/>
+              </p:cNvSpPr>
+              <p:nvPr/>
+            </p:nvSpPr>
+            <p:spPr>
+              <a:xfrm>
+                <a:off x="4114800" y="1679835"/>
+                <a:ext cx="5097806" cy="371384"/>
+              </a:xfrm>
+              <a:prstGeom prst="rect">
+                <a:avLst/>
+              </a:prstGeom>
+              <a:blipFill>
+                <a:blip r:embed="rId9"/>
+                <a:stretch>
+                  <a:fillRect/>
+                </a:stretch>
+              </a:blipFill>
+            </p:spPr>
+            <p:txBody>
+              <a:bodyPr/>
+              <a:lstStyle/>
+              <a:p>
+                <a:r>
+                  <a:rPr lang="en-US">
+                    <a:noFill/>
+                  </a:rPr>
+                  <a:t> </a:t>
+                </a:r>
+              </a:p>
+            </p:txBody>
+          </p:sp>
+        </mc:Fallback>
+      </mc:AlternateContent>
+      <mc:AlternateContent xmlns:mc="http://schemas.openxmlformats.org/markup-compatibility/2006" xmlns:a14="http://schemas.microsoft.com/office/drawing/2010/main">
+        <mc:Choice Requires="a14">
+          <p:sp>
+            <p:nvSpPr>
+              <p:cNvPr id="57" name="TextBox 56">
+                <a:extLst>
+                  <a:ext uri="{FF2B5EF4-FFF2-40B4-BE49-F238E27FC236}">
+                    <a16:creationId xmlns:a16="http://schemas.microsoft.com/office/drawing/2014/main" id="{AAF83BE7-164A-0840-B467-EDBE615BE96D}"/>
+                  </a:ext>
+                </a:extLst>
+              </p:cNvPr>
+              <p:cNvSpPr txBox="1"/>
+              <p:nvPr/>
+            </p:nvSpPr>
+            <p:spPr>
+              <a:xfrm rot="16200000">
+                <a:off x="6401078" y="1495358"/>
+                <a:ext cx="552669" cy="346249"/>
+              </a:xfrm>
+              <a:prstGeom prst="rect">
+                <a:avLst/>
+              </a:prstGeom>
+              <a:noFill/>
+            </p:spPr>
+            <p:txBody>
+              <a:bodyPr wrap="square" lIns="0" tIns="0" rIns="0" bIns="0" rtlCol="0">
+                <a:spAutoFit/>
+              </a:bodyPr>
+              <a:lstStyle/>
+              <a:p>
+                <a:pPr/>
+                <a14:m>
+                  <m:oMathPara xmlns:m="http://schemas.openxmlformats.org/officeDocument/2006/math">
+                    <m:oMathParaPr>
+                      <m:jc m:val="centerGroup"/>
+                    </m:oMathParaPr>
+                    <m:oMath xmlns:m="http://schemas.openxmlformats.org/officeDocument/2006/math">
+                      <m:r>
+                        <a:rPr lang="en-US" sz="2250" b="1" i="1">
+                          <a:latin typeface="Cambria Math" panose="02040503050406030204" pitchFamily="18" charset="0"/>
+                          <a:ea typeface="Cambria Math" panose="02040503050406030204" pitchFamily="18" charset="0"/>
+                          <a:cs typeface="Cambria Math" charset="0"/>
+                        </a:rPr>
+                        <m:t>⊑</m:t>
+                      </m:r>
+                    </m:oMath>
+                  </m:oMathPara>
+                </a14:m>
+                <a:endParaRPr lang="en-US" sz="2250" b="1" dirty="0">
+                  <a:latin typeface="Cambria Math" panose="02040503050406030204" pitchFamily="18" charset="0"/>
+                  <a:ea typeface="Cambria Math" panose="02040503050406030204" pitchFamily="18" charset="0"/>
+                </a:endParaRPr>
+              </a:p>
+            </p:txBody>
+          </p:sp>
+        </mc:Choice>
+        <mc:Fallback xmlns="">
+          <p:sp>
+            <p:nvSpPr>
+              <p:cNvPr id="57" name="TextBox 56">
+                <a:extLst>
+                  <a:ext uri="{FF2B5EF4-FFF2-40B4-BE49-F238E27FC236}">
+                    <a16:creationId xmlns:a16="http://schemas.microsoft.com/office/drawing/2014/main" id="{AAF83BE7-164A-0840-B467-EDBE615BE96D}"/>
+                  </a:ext>
+                </a:extLst>
+              </p:cNvPr>
+              <p:cNvSpPr txBox="1">
+                <a:spLocks noRot="1" noChangeAspect="1" noMove="1" noResize="1" noEditPoints="1" noAdjustHandles="1" noChangeArrowheads="1" noChangeShapeType="1" noTextEdit="1"/>
+              </p:cNvSpPr>
+              <p:nvPr/>
+            </p:nvSpPr>
+            <p:spPr>
+              <a:xfrm rot="16200000">
+                <a:off x="6401078" y="1495358"/>
+                <a:ext cx="552669" cy="346249"/>
+              </a:xfrm>
+              <a:prstGeom prst="rect">
+                <a:avLst/>
+              </a:prstGeom>
+              <a:blipFill>
+                <a:blip r:embed="rId10"/>
+                <a:stretch>
+                  <a:fillRect r="-3571"/>
+                </a:stretch>
+              </a:blipFill>
+            </p:spPr>
+            <p:txBody>
+              <a:bodyPr/>
+              <a:lstStyle/>
+              <a:p>
+                <a:r>
+                  <a:rPr lang="en-US">
+                    <a:noFill/>
+                  </a:rPr>
+                  <a:t> </a:t>
+                </a:r>
+              </a:p>
+            </p:txBody>
+          </p:sp>
+        </mc:Fallback>
+      </mc:AlternateContent>
+      <mc:AlternateContent xmlns:mc="http://schemas.openxmlformats.org/markup-compatibility/2006" xmlns:a14="http://schemas.microsoft.com/office/drawing/2010/main">
+        <mc:Choice Requires="a14">
+          <p:sp>
+            <p:nvSpPr>
+              <p:cNvPr id="58" name="TextBox 57">
+                <a:extLst>
+                  <a:ext uri="{FF2B5EF4-FFF2-40B4-BE49-F238E27FC236}">
+                    <a16:creationId xmlns:a16="http://schemas.microsoft.com/office/drawing/2014/main" id="{CDB6750F-B87F-A348-9880-D146DDB4917F}"/>
+                  </a:ext>
+                </a:extLst>
+              </p:cNvPr>
+              <p:cNvSpPr txBox="1"/>
+              <p:nvPr/>
+            </p:nvSpPr>
+            <p:spPr>
+              <a:xfrm>
+                <a:off x="4729442" y="1196275"/>
+                <a:ext cx="3909019" cy="348493"/>
+              </a:xfrm>
+              <a:prstGeom prst="rect">
+                <a:avLst/>
+              </a:prstGeom>
+              <a:noFill/>
+            </p:spPr>
+            <p:txBody>
+              <a:bodyPr wrap="none" rtlCol="0">
+                <a:spAutoFit/>
+              </a:bodyPr>
+              <a:lstStyle/>
+              <a:p>
+                <a:pPr/>
+                <a14:m>
+                  <m:oMathPara xmlns:m="http://schemas.openxmlformats.org/officeDocument/2006/math">
+                    <m:oMathParaPr>
+                      <m:jc m:val="centerGroup"/>
+                    </m:oMathParaPr>
+                    <m:oMath xmlns:m="http://schemas.openxmlformats.org/officeDocument/2006/math">
+                      <m:sSub>
+                        <m:sSubPr>
+                          <m:ctrlPr>
+                            <a:rPr lang="en-US" sz="1400" i="1" smtClean="0">
+                              <a:latin typeface="Cambria Math" panose="02040503050406030204" pitchFamily="18" charset="0"/>
+                              <a:ea typeface="Cambria Math" panose="02040503050406030204" pitchFamily="18" charset="0"/>
+                            </a:rPr>
+                          </m:ctrlPr>
+                        </m:sSubPr>
+                        <m:e>
+                          <m:r>
+                            <m:rPr>
+                              <m:sty m:val="p"/>
+                            </m:rPr>
+                            <a:rPr lang="en-US" sz="1400">
+                              <a:latin typeface="Cambria Math" panose="02040503050406030204" pitchFamily="18" charset="0"/>
+                              <a:ea typeface="Cambria Math" panose="02040503050406030204" pitchFamily="18" charset="0"/>
+                            </a:rPr>
+                            <m:t>Mach</m:t>
+                          </m:r>
+                        </m:e>
+                        <m:sub>
+                          <m:r>
+                            <m:rPr>
+                              <m:sty m:val="p"/>
+                            </m:rPr>
+                            <a:rPr lang="en-US" sz="1400" b="0" i="0" smtClean="0">
+                              <a:latin typeface="Cambria Math" panose="02040503050406030204" pitchFamily="18" charset="0"/>
+                              <a:ea typeface="Cambria Math" panose="02040503050406030204" pitchFamily="18" charset="0"/>
+                            </a:rPr>
+                            <m:t>IEAsm</m:t>
+                          </m:r>
+                          <m:r>
+                            <a:rPr lang="en-US" sz="1400" b="0" i="0" smtClean="0">
+                              <a:latin typeface="Cambria Math" panose="02040503050406030204" pitchFamily="18" charset="0"/>
+                              <a:ea typeface="Cambria Math" panose="02040503050406030204" pitchFamily="18" charset="0"/>
+                            </a:rPr>
+                            <m:t>[</m:t>
+                          </m:r>
+                          <m:r>
+                            <a:rPr lang="en-US" sz="1400" b="0" i="1" smtClean="0">
+                              <a:latin typeface="Cambria Math" panose="02040503050406030204" pitchFamily="18" charset="0"/>
+                              <a:ea typeface="Cambria Math" panose="02040503050406030204" pitchFamily="18" charset="0"/>
+                            </a:rPr>
+                            <m:t>𝑡𝑖𝑑</m:t>
+                          </m:r>
+                          <m:r>
+                            <a:rPr lang="en-US" sz="1400" b="0" i="0" smtClean="0">
+                              <a:latin typeface="Cambria Math" panose="02040503050406030204" pitchFamily="18" charset="0"/>
+                              <a:ea typeface="Cambria Math" panose="02040503050406030204" pitchFamily="18" charset="0"/>
+                            </a:rPr>
+                            <m:t>]</m:t>
+                          </m:r>
+                        </m:sub>
+                      </m:sSub>
+                      <m:r>
+                        <a:rPr lang="en-US" sz="1400">
+                          <a:latin typeface="Cambria Math" panose="02040503050406030204" pitchFamily="18" charset="0"/>
+                          <a:ea typeface="Cambria Math" panose="02040503050406030204" pitchFamily="18" charset="0"/>
+                        </a:rPr>
+                        <m:t>(</m:t>
+                      </m:r>
+                      <m:r>
+                        <a:rPr lang="en-US" sz="1400" i="1">
+                          <a:latin typeface="Cambria Math" panose="02040503050406030204" pitchFamily="18" charset="0"/>
+                          <a:ea typeface="Cambria Math" panose="02040503050406030204" pitchFamily="18" charset="0"/>
+                        </a:rPr>
+                        <m:t>𝐶</m:t>
+                      </m:r>
+                      <m:r>
+                        <a:rPr lang="en-US" sz="1400" i="1">
+                          <a:latin typeface="Cambria Math" panose="02040503050406030204" pitchFamily="18" charset="0"/>
+                          <a:ea typeface="Cambria Math" panose="02040503050406030204" pitchFamily="18" charset="0"/>
+                        </a:rPr>
+                        <m:t>,</m:t>
+                      </m:r>
+                      <m:r>
+                        <m:rPr>
+                          <m:sty m:val="p"/>
+                        </m:rPr>
+                        <a:rPr lang="en-US" sz="1400" b="0" i="0" smtClean="0">
+                          <a:latin typeface="Cambria Math" panose="02040503050406030204" pitchFamily="18" charset="0"/>
+                          <a:ea typeface="Cambria Math" panose="02040503050406030204" pitchFamily="18" charset="0"/>
+                        </a:rPr>
+                        <m:t>TLink</m:t>
+                      </m:r>
+                      <m:d>
+                        <m:dPr>
+                          <m:begChr m:val="["/>
+                          <m:endChr m:val="]"/>
+                          <m:ctrlPr>
+                            <a:rPr lang="en-US" sz="1400" i="1">
+                              <a:latin typeface="Cambria Math" panose="02040503050406030204" pitchFamily="18" charset="0"/>
+                              <a:ea typeface="Cambria Math" panose="02040503050406030204" pitchFamily="18" charset="0"/>
+                            </a:rPr>
+                          </m:ctrlPr>
+                        </m:dPr>
+                        <m:e>
+                          <m:r>
+                            <a:rPr lang="en-US" sz="1400" b="0" i="1" smtClean="0">
+                              <a:latin typeface="Cambria Math" panose="02040503050406030204" pitchFamily="18" charset="0"/>
+                              <a:ea typeface="Cambria Math" panose="02040503050406030204" pitchFamily="18" charset="0"/>
+                            </a:rPr>
+                            <m:t>𝑡𝑖𝑑</m:t>
+                          </m:r>
+                          <m:r>
+                            <a:rPr lang="en-US" sz="1400" b="0" i="1" smtClean="0">
+                              <a:latin typeface="Cambria Math" panose="02040503050406030204" pitchFamily="18" charset="0"/>
+                              <a:ea typeface="Cambria Math" panose="02040503050406030204" pitchFamily="18" charset="0"/>
+                            </a:rPr>
+                            <m:t>,</m:t>
+                          </m:r>
+                          <m:sSubSup>
+                            <m:sSubSupPr>
+                              <m:ctrlPr>
+                                <a:rPr lang="en-US" sz="1400" i="1">
+                                  <a:latin typeface="Cambria Math" panose="02040503050406030204" pitchFamily="18" charset="0"/>
+                                  <a:ea typeface="Cambria Math" panose="02040503050406030204" pitchFamily="18" charset="0"/>
+                                </a:rPr>
+                              </m:ctrlPr>
+                            </m:sSubSupPr>
+                            <m:e>
+                              <m:r>
+                                <a:rPr lang="en-US" sz="1400" i="1">
+                                  <a:latin typeface="Cambria Math" panose="02040503050406030204" pitchFamily="18" charset="0"/>
+                                  <a:ea typeface="Cambria Math" panose="02040503050406030204" pitchFamily="18" charset="0"/>
+                                </a:rPr>
+                                <m:t>𝜀</m:t>
+                              </m:r>
+                            </m:e>
+                            <m:sub>
+                              <m:r>
+                                <a:rPr lang="en-US" sz="1400" i="1">
+                                  <a:latin typeface="Cambria Math" panose="02040503050406030204" pitchFamily="18" charset="0"/>
+                                  <a:ea typeface="Cambria Math" panose="02040503050406030204" pitchFamily="18" charset="0"/>
+                                </a:rPr>
+                                <m:t>𝑡𝑖</m:t>
+                              </m:r>
+                              <m:r>
+                                <a:rPr lang="en-US" sz="1400" b="0" i="1" smtClean="0">
+                                  <a:latin typeface="Cambria Math" panose="02040503050406030204" pitchFamily="18" charset="0"/>
+                                  <a:ea typeface="Cambria Math" panose="02040503050406030204" pitchFamily="18" charset="0"/>
+                                </a:rPr>
+                                <m:t>𝑑</m:t>
+                              </m:r>
+                            </m:sub>
+                            <m:sup>
+                              <m:r>
+                                <a:rPr lang="en-US" sz="1400" i="1">
+                                  <a:latin typeface="Cambria Math" panose="02040503050406030204" pitchFamily="18" charset="0"/>
+                                  <a:ea typeface="Cambria Math" panose="02040503050406030204" pitchFamily="18" charset="0"/>
+                                </a:rPr>
+                                <m:t>𝑀𝑇𝐿𝑖𝑛𝑘</m:t>
+                              </m:r>
+                            </m:sup>
+                          </m:sSubSup>
+                        </m:e>
+                      </m:d>
+                      <m:r>
+                        <a:rPr lang="en-US" sz="1400" i="1">
+                          <a:latin typeface="Cambria Math" panose="02040503050406030204" pitchFamily="18" charset="0"/>
+                          <a:ea typeface="Cambria Math" panose="02040503050406030204" pitchFamily="18" charset="0"/>
+                        </a:rPr>
+                        <m:t>)⊢</m:t>
+                      </m:r>
+                      <m:d>
+                        <m:dPr>
+                          <m:begChr m:val="⟦"/>
+                          <m:endChr m:val="⟧"/>
+                          <m:ctrlPr>
+                            <a:rPr lang="en-US" sz="1400" i="1" dirty="0">
+                              <a:latin typeface="Cambria Math" panose="02040503050406030204" pitchFamily="18" charset="0"/>
+                              <a:ea typeface="Cambria Math" panose="02040503050406030204" pitchFamily="18" charset="0"/>
+                            </a:rPr>
+                          </m:ctrlPr>
+                        </m:dPr>
+                        <m:e>
+                          <m:r>
+                            <a:rPr lang="en-US" sz="1400" b="1" dirty="0">
+                              <a:latin typeface="Cambria Math" panose="02040503050406030204" pitchFamily="18" charset="0"/>
+                              <a:ea typeface="Cambria Math" panose="02040503050406030204" pitchFamily="18" charset="0"/>
+                            </a:rPr>
+                            <m:t>𝐏𝐫𝐨𝐠</m:t>
+                          </m:r>
+                        </m:e>
+                      </m:d>
+                      <m:r>
+                        <a:rPr lang="en-US" sz="1400" i="1" dirty="0">
+                          <a:latin typeface="Cambria Math" panose="02040503050406030204" pitchFamily="18" charset="0"/>
+                          <a:ea typeface="Cambria Math" panose="02040503050406030204" pitchFamily="18" charset="0"/>
+                        </a:rPr>
+                        <m:t> </m:t>
+                      </m:r>
+                    </m:oMath>
+                  </m:oMathPara>
+                </a14:m>
+                <a:endParaRPr lang="en-US" sz="1400" baseline="30000" dirty="0">
+                  <a:latin typeface="Cambria Math" panose="02040503050406030204" pitchFamily="18" charset="0"/>
+                  <a:ea typeface="Cambria Math" panose="02040503050406030204" pitchFamily="18" charset="0"/>
+                </a:endParaRPr>
+              </a:p>
+            </p:txBody>
+          </p:sp>
+        </mc:Choice>
+        <mc:Fallback xmlns="">
+          <p:sp>
+            <p:nvSpPr>
+              <p:cNvPr id="58" name="TextBox 57">
+                <a:extLst>
+                  <a:ext uri="{FF2B5EF4-FFF2-40B4-BE49-F238E27FC236}">
+                    <a16:creationId xmlns:a16="http://schemas.microsoft.com/office/drawing/2014/main" id="{CDB6750F-B87F-A348-9880-D146DDB4917F}"/>
+                  </a:ext>
+                </a:extLst>
+              </p:cNvPr>
+              <p:cNvSpPr txBox="1">
+                <a:spLocks noRot="1" noChangeAspect="1" noMove="1" noResize="1" noEditPoints="1" noAdjustHandles="1" noChangeArrowheads="1" noChangeShapeType="1" noTextEdit="1"/>
+              </p:cNvSpPr>
+              <p:nvPr/>
+            </p:nvSpPr>
+            <p:spPr>
+              <a:xfrm>
+                <a:off x="4729442" y="1196275"/>
+                <a:ext cx="3909019" cy="348493"/>
+              </a:xfrm>
+              <a:prstGeom prst="rect">
+                <a:avLst/>
+              </a:prstGeom>
+              <a:blipFill>
+                <a:blip r:embed="rId11"/>
+                <a:stretch>
+                  <a:fillRect b="-3448"/>
+                </a:stretch>
+              </a:blipFill>
+            </p:spPr>
+            <p:txBody>
+              <a:bodyPr/>
+              <a:lstStyle/>
+              <a:p>
+                <a:r>
+                  <a:rPr lang="en-US">
+                    <a:noFill/>
+                  </a:rPr>
+                  <a:t> </a:t>
+                </a:r>
+              </a:p>
+            </p:txBody>
+          </p:sp>
+        </mc:Fallback>
+      </mc:AlternateContent>
+      <mc:AlternateContent xmlns:mc="http://schemas.openxmlformats.org/markup-compatibility/2006" xmlns:a14="http://schemas.microsoft.com/office/drawing/2010/main">
+        <mc:Choice Requires="a14">
+          <p:sp>
+            <p:nvSpPr>
+              <p:cNvPr id="59" name="TextBox 58">
+                <a:extLst>
+                  <a:ext uri="{FF2B5EF4-FFF2-40B4-BE49-F238E27FC236}">
+                    <a16:creationId xmlns:a16="http://schemas.microsoft.com/office/drawing/2014/main" id="{7194CE62-850A-EB42-BCD6-38B28CA7FAA7}"/>
+                  </a:ext>
+                </a:extLst>
+              </p:cNvPr>
+              <p:cNvSpPr txBox="1"/>
+              <p:nvPr/>
+            </p:nvSpPr>
+            <p:spPr>
+              <a:xfrm>
+                <a:off x="4896078" y="610947"/>
+                <a:ext cx="3594830" cy="339708"/>
+              </a:xfrm>
+              <a:prstGeom prst="rect">
+                <a:avLst/>
+              </a:prstGeom>
+              <a:noFill/>
+            </p:spPr>
+            <p:txBody>
+              <a:bodyPr wrap="none" rtlCol="0">
+                <a:spAutoFit/>
+              </a:bodyPr>
+              <a:lstStyle/>
+              <a:p>
+                <a:pPr/>
+                <a14:m>
+                  <m:oMathPara xmlns:m="http://schemas.openxmlformats.org/officeDocument/2006/math">
+                    <m:oMathParaPr>
+                      <m:jc m:val="centerGroup"/>
+                    </m:oMathParaPr>
+                    <m:oMath xmlns:m="http://schemas.openxmlformats.org/officeDocument/2006/math">
+                      <m:sSub>
+                        <m:sSubPr>
+                          <m:ctrlPr>
+                            <a:rPr lang="en-US" sz="1400" i="1" smtClean="0">
+                              <a:latin typeface="Cambria Math" panose="02040503050406030204" pitchFamily="18" charset="0"/>
+                              <a:ea typeface="Cambria Math" panose="02040503050406030204" pitchFamily="18" charset="0"/>
+                            </a:rPr>
+                          </m:ctrlPr>
+                        </m:sSubPr>
+                        <m:e>
+                          <m:r>
+                            <m:rPr>
+                              <m:sty m:val="p"/>
+                            </m:rPr>
+                            <a:rPr lang="en-US" sz="1400">
+                              <a:latin typeface="Cambria Math" panose="02040503050406030204" pitchFamily="18" charset="0"/>
+                              <a:ea typeface="Cambria Math" panose="02040503050406030204" pitchFamily="18" charset="0"/>
+                            </a:rPr>
+                            <m:t>Mach</m:t>
+                          </m:r>
+                        </m:e>
+                        <m:sub>
+                          <m:r>
+                            <m:rPr>
+                              <m:sty m:val="p"/>
+                            </m:rPr>
+                            <a:rPr lang="en-US" sz="1400" b="0" i="0" smtClean="0">
+                              <a:latin typeface="Cambria Math" panose="02040503050406030204" pitchFamily="18" charset="0"/>
+                              <a:ea typeface="Cambria Math" panose="02040503050406030204" pitchFamily="18" charset="0"/>
+                            </a:rPr>
+                            <m:t>TAsm</m:t>
+                          </m:r>
+                        </m:sub>
+                      </m:sSub>
+                      <m:r>
+                        <a:rPr lang="en-US" sz="1400">
+                          <a:latin typeface="Cambria Math" panose="02040503050406030204" pitchFamily="18" charset="0"/>
+                          <a:ea typeface="Cambria Math" panose="02040503050406030204" pitchFamily="18" charset="0"/>
+                        </a:rPr>
+                        <m:t>(</m:t>
+                      </m:r>
+                      <m:r>
+                        <a:rPr lang="en-US" sz="1400" i="1">
+                          <a:latin typeface="Cambria Math" panose="02040503050406030204" pitchFamily="18" charset="0"/>
+                          <a:ea typeface="Cambria Math" panose="02040503050406030204" pitchFamily="18" charset="0"/>
+                        </a:rPr>
+                        <m:t>𝐶</m:t>
+                      </m:r>
+                      <m:r>
+                        <a:rPr lang="en-US" sz="1400" i="1">
+                          <a:latin typeface="Cambria Math" panose="02040503050406030204" pitchFamily="18" charset="0"/>
+                          <a:ea typeface="Cambria Math" panose="02040503050406030204" pitchFamily="18" charset="0"/>
+                        </a:rPr>
+                        <m:t>,</m:t>
+                      </m:r>
+                      <m:r>
+                        <m:rPr>
+                          <m:sty m:val="p"/>
+                        </m:rPr>
+                        <a:rPr lang="en-US" sz="1400" i="0">
+                          <a:latin typeface="Cambria Math" panose="02040503050406030204" pitchFamily="18" charset="0"/>
+                          <a:ea typeface="Cambria Math" panose="02040503050406030204" pitchFamily="18" charset="0"/>
+                        </a:rPr>
+                        <m:t>TLink</m:t>
+                      </m:r>
+                      <m:d>
+                        <m:dPr>
+                          <m:begChr m:val="["/>
+                          <m:endChr m:val="]"/>
+                          <m:ctrlPr>
+                            <a:rPr lang="en-US" sz="1400" i="1">
+                              <a:latin typeface="Cambria Math" panose="02040503050406030204" pitchFamily="18" charset="0"/>
+                              <a:ea typeface="Cambria Math" panose="02040503050406030204" pitchFamily="18" charset="0"/>
+                            </a:rPr>
+                          </m:ctrlPr>
+                        </m:dPr>
+                        <m:e>
+                          <m:r>
+                            <a:rPr lang="en-US" sz="1400" b="0" i="1" smtClean="0">
+                              <a:latin typeface="Cambria Math" panose="02040503050406030204" pitchFamily="18" charset="0"/>
+                              <a:ea typeface="Cambria Math" panose="02040503050406030204" pitchFamily="18" charset="0"/>
+                            </a:rPr>
+                            <m:t>𝑡𝑖𝑑</m:t>
+                          </m:r>
+                          <m:r>
+                            <a:rPr lang="en-US" sz="1400" b="0" i="1" smtClean="0">
+                              <a:latin typeface="Cambria Math" panose="02040503050406030204" pitchFamily="18" charset="0"/>
+                              <a:ea typeface="Cambria Math" panose="02040503050406030204" pitchFamily="18" charset="0"/>
+                            </a:rPr>
+                            <m:t>,</m:t>
+                          </m:r>
+                          <m:sSubSup>
+                            <m:sSubSupPr>
+                              <m:ctrlPr>
+                                <a:rPr lang="en-US" sz="1400" i="1">
+                                  <a:latin typeface="Cambria Math" panose="02040503050406030204" pitchFamily="18" charset="0"/>
+                                  <a:ea typeface="Cambria Math" panose="02040503050406030204" pitchFamily="18" charset="0"/>
+                                </a:rPr>
+                              </m:ctrlPr>
+                            </m:sSubSupPr>
+                            <m:e>
+                              <m:r>
+                                <a:rPr lang="en-US" sz="1400" i="1">
+                                  <a:latin typeface="Cambria Math" panose="02040503050406030204" pitchFamily="18" charset="0"/>
+                                  <a:ea typeface="Cambria Math" panose="02040503050406030204" pitchFamily="18" charset="0"/>
+                                </a:rPr>
+                                <m:t>𝜀</m:t>
+                              </m:r>
+                            </m:e>
+                            <m:sub>
+                              <m:r>
+                                <a:rPr lang="en-US" sz="1400" i="1">
+                                  <a:latin typeface="Cambria Math" panose="02040503050406030204" pitchFamily="18" charset="0"/>
+                                  <a:ea typeface="Cambria Math" panose="02040503050406030204" pitchFamily="18" charset="0"/>
+                                </a:rPr>
+                                <m:t>𝑡𝑖</m:t>
+                              </m:r>
+                              <m:r>
+                                <a:rPr lang="en-US" sz="1400" b="0" i="1" smtClean="0">
+                                  <a:latin typeface="Cambria Math" panose="02040503050406030204" pitchFamily="18" charset="0"/>
+                                  <a:ea typeface="Cambria Math" panose="02040503050406030204" pitchFamily="18" charset="0"/>
+                                </a:rPr>
+                                <m:t>𝑑</m:t>
+                              </m:r>
+                            </m:sub>
+                            <m:sup>
+                              <m:r>
+                                <a:rPr lang="en-US" sz="1400" i="1">
+                                  <a:latin typeface="Cambria Math" panose="02040503050406030204" pitchFamily="18" charset="0"/>
+                                  <a:ea typeface="Cambria Math" panose="02040503050406030204" pitchFamily="18" charset="0"/>
+                                </a:rPr>
+                                <m:t>𝑀𝑇𝐿𝑖𝑛𝑘</m:t>
+                              </m:r>
+                            </m:sup>
+                          </m:sSubSup>
+                        </m:e>
+                      </m:d>
+                      <m:r>
+                        <a:rPr lang="en-US" sz="1400" i="1">
+                          <a:latin typeface="Cambria Math" panose="02040503050406030204" pitchFamily="18" charset="0"/>
+                          <a:ea typeface="Cambria Math" panose="02040503050406030204" pitchFamily="18" charset="0"/>
+                        </a:rPr>
+                        <m:t>)⊢</m:t>
+                      </m:r>
+                      <m:d>
+                        <m:dPr>
+                          <m:begChr m:val="⟦"/>
+                          <m:endChr m:val="⟧"/>
+                          <m:ctrlPr>
+                            <a:rPr lang="en-US" sz="1400" i="1" dirty="0">
+                              <a:latin typeface="Cambria Math" panose="02040503050406030204" pitchFamily="18" charset="0"/>
+                              <a:ea typeface="Cambria Math" panose="02040503050406030204" pitchFamily="18" charset="0"/>
+                            </a:rPr>
+                          </m:ctrlPr>
+                        </m:dPr>
+                        <m:e>
+                          <m:r>
+                            <a:rPr lang="en-US" sz="1400" b="1" dirty="0">
+                              <a:latin typeface="Cambria Math" panose="02040503050406030204" pitchFamily="18" charset="0"/>
+                              <a:ea typeface="Cambria Math" panose="02040503050406030204" pitchFamily="18" charset="0"/>
+                            </a:rPr>
+                            <m:t>𝐏𝐫𝐨𝐠</m:t>
+                          </m:r>
+                        </m:e>
+                      </m:d>
+                      <m:r>
+                        <a:rPr lang="en-US" sz="1400" i="1" dirty="0">
+                          <a:latin typeface="Cambria Math" panose="02040503050406030204" pitchFamily="18" charset="0"/>
+                          <a:ea typeface="Cambria Math" panose="02040503050406030204" pitchFamily="18" charset="0"/>
+                        </a:rPr>
+                        <m:t> </m:t>
+                      </m:r>
+                    </m:oMath>
+                  </m:oMathPara>
+                </a14:m>
+                <a:endParaRPr lang="en-US" sz="1400" baseline="30000" dirty="0">
+                  <a:latin typeface="Cambria Math" panose="02040503050406030204" pitchFamily="18" charset="0"/>
+                  <a:ea typeface="Cambria Math" panose="02040503050406030204" pitchFamily="18" charset="0"/>
+                </a:endParaRPr>
+              </a:p>
+            </p:txBody>
+          </p:sp>
+        </mc:Choice>
+        <mc:Fallback xmlns="">
+          <p:sp>
+            <p:nvSpPr>
+              <p:cNvPr id="59" name="TextBox 58">
+                <a:extLst>
+                  <a:ext uri="{FF2B5EF4-FFF2-40B4-BE49-F238E27FC236}">
+                    <a16:creationId xmlns:a16="http://schemas.microsoft.com/office/drawing/2014/main" id="{7194CE62-850A-EB42-BCD6-38B28CA7FAA7}"/>
+                  </a:ext>
+                </a:extLst>
+              </p:cNvPr>
+              <p:cNvSpPr txBox="1">
+                <a:spLocks noRot="1" noChangeAspect="1" noMove="1" noResize="1" noEditPoints="1" noAdjustHandles="1" noChangeArrowheads="1" noChangeShapeType="1" noTextEdit="1"/>
+              </p:cNvSpPr>
+              <p:nvPr/>
+            </p:nvSpPr>
+            <p:spPr>
+              <a:xfrm>
+                <a:off x="4896078" y="610947"/>
+                <a:ext cx="3594830" cy="339708"/>
+              </a:xfrm>
+              <a:prstGeom prst="rect">
+                <a:avLst/>
+              </a:prstGeom>
+              <a:blipFill>
+                <a:blip r:embed="rId12"/>
+                <a:stretch>
+                  <a:fillRect b="-7407"/>
+                </a:stretch>
+              </a:blipFill>
+            </p:spPr>
+            <p:txBody>
+              <a:bodyPr/>
+              <a:lstStyle/>
+              <a:p>
+                <a:r>
+                  <a:rPr lang="en-US">
+                    <a:noFill/>
+                  </a:rPr>
+                  <a:t> </a:t>
+                </a:r>
+              </a:p>
+            </p:txBody>
+          </p:sp>
+        </mc:Fallback>
+      </mc:AlternateContent>
       <p:grpSp>
         <p:nvGrpSpPr>
           <p:cNvPr id="29" name="Group 28">
@@ -14912,7 +14940,7 @@
           <a:effectLst/>
           <a:extLst>
             <a:ext uri="{AF507438-7753-43e0-B8FC-AC1667EBCBE1}">
-              <a14:hiddenEffects xmlns:a14="http://schemas.microsoft.com/office/drawing/2010/main" xmlns="">
+              <a14:hiddenEffects xmlns="" xmlns:a14="http://schemas.microsoft.com/office/drawing/2010/main">
                 <a:effectLst>
                   <a:outerShdw blurRad="63500" dist="38099" dir="2700000" algn="ctr" rotWithShape="0">
                     <a:schemeClr val="bg2">
@@ -14996,7 +15024,7 @@
           <a:effectLst/>
           <a:extLst>
             <a:ext uri="{AF507438-7753-43e0-B8FC-AC1667EBCBE1}">
-              <a14:hiddenEffects xmlns:a14="http://schemas.microsoft.com/office/drawing/2010/main" xmlns="">
+              <a14:hiddenEffects xmlns="" xmlns:a14="http://schemas.microsoft.com/office/drawing/2010/main">
                 <a:effectLst>
                   <a:outerShdw blurRad="63500" dist="38099" dir="2700000" algn="ctr" rotWithShape="0">
                     <a:schemeClr val="bg2">
@@ -15330,7 +15358,7 @@
           <a:effectLst/>
           <a:extLst>
             <a:ext uri="{AF507438-7753-43e0-B8FC-AC1667EBCBE1}">
-              <a14:hiddenEffects xmlns:a14="http://schemas.microsoft.com/office/drawing/2010/main" xmlns="">
+              <a14:hiddenEffects xmlns="" xmlns:a14="http://schemas.microsoft.com/office/drawing/2010/main">
                 <a:effectLst>
                   <a:outerShdw blurRad="63500" dist="38099" dir="2700000" algn="ctr" rotWithShape="0">
                     <a:schemeClr val="bg2">
@@ -15381,7 +15409,7 @@
           <a:effectLst/>
           <a:extLst>
             <a:ext uri="{AF507438-7753-43e0-B8FC-AC1667EBCBE1}">
-              <a14:hiddenEffects xmlns:a14="http://schemas.microsoft.com/office/drawing/2010/main" xmlns="">
+              <a14:hiddenEffects xmlns="" xmlns:a14="http://schemas.microsoft.com/office/drawing/2010/main">
                 <a:effectLst>
                   <a:outerShdw blurRad="63500" dist="38099" dir="2700000" algn="ctr" rotWithShape="0">
                     <a:schemeClr val="bg2">
@@ -15427,7 +15455,7 @@
           <a:effectLst/>
           <a:extLst>
             <a:ext uri="{AF507438-7753-43e0-B8FC-AC1667EBCBE1}">
-              <a14:hiddenEffects xmlns:a14="http://schemas.microsoft.com/office/drawing/2010/main" xmlns="">
+              <a14:hiddenEffects xmlns="" xmlns:a14="http://schemas.microsoft.com/office/drawing/2010/main">
                 <a:effectLst>
                   <a:outerShdw blurRad="63500" dist="38099" dir="2700000" algn="ctr" rotWithShape="0">
                     <a:schemeClr val="bg2">
@@ -15705,7 +15733,7 @@
           <a:effectLst/>
           <a:extLst>
             <a:ext uri="{AF507438-7753-43e0-B8FC-AC1667EBCBE1}">
-              <a14:hiddenEffects xmlns:a14="http://schemas.microsoft.com/office/drawing/2010/main" xmlns="">
+              <a14:hiddenEffects xmlns="" xmlns:a14="http://schemas.microsoft.com/office/drawing/2010/main">
                 <a:effectLst>
                   <a:outerShdw blurRad="63500" dist="38099" dir="2700000" algn="ctr" rotWithShape="0">
                     <a:schemeClr val="bg2">
@@ -15790,7 +15818,7 @@
           <a:effectLst/>
           <a:extLst>
             <a:ext uri="{AF507438-7753-43e0-B8FC-AC1667EBCBE1}">
-              <a14:hiddenEffects xmlns:a14="http://schemas.microsoft.com/office/drawing/2010/main" xmlns="">
+              <a14:hiddenEffects xmlns="" xmlns:a14="http://schemas.microsoft.com/office/drawing/2010/main">
                 <a:effectLst>
                   <a:outerShdw blurRad="63500" dist="38099" dir="2700000" algn="ctr" rotWithShape="0">
                     <a:schemeClr val="bg2">
@@ -15871,7 +15899,7 @@
           <a:effectLst/>
           <a:extLst>
             <a:ext uri="{AF507438-7753-43e0-B8FC-AC1667EBCBE1}">
-              <a14:hiddenEffects xmlns:a14="http://schemas.microsoft.com/office/drawing/2010/main" xmlns="">
+              <a14:hiddenEffects xmlns="" xmlns:a14="http://schemas.microsoft.com/office/drawing/2010/main">
                 <a:effectLst>
                   <a:outerShdw blurRad="63500" dist="38099" dir="2700000" algn="ctr" rotWithShape="0">
                     <a:schemeClr val="bg2">
@@ -15968,7 +15996,7 @@
           <a:effectLst/>
           <a:extLst>
             <a:ext uri="{AF507438-7753-43e0-B8FC-AC1667EBCBE1}">
-              <a14:hiddenEffects xmlns:a14="http://schemas.microsoft.com/office/drawing/2010/main" xmlns="">
+              <a14:hiddenEffects xmlns="" xmlns:a14="http://schemas.microsoft.com/office/drawing/2010/main">
                 <a:effectLst>
                   <a:outerShdw blurRad="63500" dist="38099" dir="2700000" algn="ctr" rotWithShape="0">
                     <a:schemeClr val="bg2">
@@ -16065,7 +16093,7 @@
           <a:effectLst/>
           <a:extLst>
             <a:ext uri="{AF507438-7753-43e0-B8FC-AC1667EBCBE1}">
-              <a14:hiddenEffects xmlns:a14="http://schemas.microsoft.com/office/drawing/2010/main" xmlns="">
+              <a14:hiddenEffects xmlns="" xmlns:a14="http://schemas.microsoft.com/office/drawing/2010/main">
                 <a:effectLst>
                   <a:outerShdw blurRad="63500" dist="38099" dir="2700000" algn="ctr" rotWithShape="0">
                     <a:schemeClr val="bg2">
@@ -16160,7 +16188,7 @@
           <a:effectLst/>
           <a:extLst>
             <a:ext uri="{AF507438-7753-43e0-B8FC-AC1667EBCBE1}">
-              <a14:hiddenEffects xmlns:a14="http://schemas.microsoft.com/office/drawing/2010/main" xmlns="">
+              <a14:hiddenEffects xmlns="" xmlns:a14="http://schemas.microsoft.com/office/drawing/2010/main">
                 <a:effectLst>
                   <a:outerShdw blurRad="63500" dist="38099" dir="2700000" algn="ctr" rotWithShape="0">
                     <a:schemeClr val="bg2">
@@ -16259,7 +16287,7 @@
           <a:effectLst/>
           <a:extLst>
             <a:ext uri="{AF507438-7753-43e0-B8FC-AC1667EBCBE1}">
-              <a14:hiddenEffects xmlns:a14="http://schemas.microsoft.com/office/drawing/2010/main" xmlns="">
+              <a14:hiddenEffects xmlns="" xmlns:a14="http://schemas.microsoft.com/office/drawing/2010/main">
                 <a:effectLst>
                   <a:outerShdw blurRad="63500" dist="38099" dir="2700000" algn="ctr" rotWithShape="0">
                     <a:schemeClr val="bg2">
@@ -16309,7 +16337,7 @@
           <a:effectLst/>
           <a:extLst>
             <a:ext uri="{AF507438-7753-43e0-B8FC-AC1667EBCBE1}">
-              <a14:hiddenEffects xmlns:a14="http://schemas.microsoft.com/office/drawing/2010/main" xmlns="">
+              <a14:hiddenEffects xmlns="" xmlns:a14="http://schemas.microsoft.com/office/drawing/2010/main">
                 <a:effectLst>
                   <a:outerShdw blurRad="63500" dist="38099" dir="2700000" algn="ctr" rotWithShape="0">
                     <a:schemeClr val="bg2">
@@ -16393,7 +16421,7 @@
           <a:effectLst/>
           <a:extLst>
             <a:ext uri="{AF507438-7753-43e0-B8FC-AC1667EBCBE1}">
-              <a14:hiddenEffects xmlns:a14="http://schemas.microsoft.com/office/drawing/2010/main" xmlns="">
+              <a14:hiddenEffects xmlns="" xmlns:a14="http://schemas.microsoft.com/office/drawing/2010/main">
                 <a:effectLst>
                   <a:outerShdw blurRad="63500" dist="38099" dir="2700000" algn="ctr" rotWithShape="0">
                     <a:schemeClr val="bg2">
@@ -16443,7 +16471,7 @@
           <a:effectLst/>
           <a:extLst>
             <a:ext uri="{AF507438-7753-43e0-B8FC-AC1667EBCBE1}">
-              <a14:hiddenEffects xmlns:a14="http://schemas.microsoft.com/office/drawing/2010/main" xmlns="">
+              <a14:hiddenEffects xmlns="" xmlns:a14="http://schemas.microsoft.com/office/drawing/2010/main">
                 <a:effectLst>
                   <a:outerShdw blurRad="63500" dist="38099" dir="2700000" algn="ctr" rotWithShape="0">
                     <a:schemeClr val="bg2">
@@ -16491,7 +16519,7 @@
           <a:effectLst/>
           <a:extLst>
             <a:ext uri="{AF507438-7753-43e0-B8FC-AC1667EBCBE1}">
-              <a14:hiddenEffects xmlns:a14="http://schemas.microsoft.com/office/drawing/2010/main" xmlns="">
+              <a14:hiddenEffects xmlns="" xmlns:a14="http://schemas.microsoft.com/office/drawing/2010/main">
                 <a:effectLst>
                   <a:outerShdw blurRad="63500" dist="38099" dir="2700000" algn="ctr" rotWithShape="0">
                     <a:schemeClr val="bg2">
@@ -16586,7 +16614,7 @@
           <a:effectLst/>
           <a:extLst>
             <a:ext uri="{AF507438-7753-43e0-B8FC-AC1667EBCBE1}">
-              <a14:hiddenEffects xmlns:a14="http://schemas.microsoft.com/office/drawing/2010/main" xmlns="">
+              <a14:hiddenEffects xmlns="" xmlns:a14="http://schemas.microsoft.com/office/drawing/2010/main">
                 <a:effectLst>
                   <a:outerShdw blurRad="63500" dist="38099" dir="2700000" algn="ctr" rotWithShape="0">
                     <a:schemeClr val="bg2">
@@ -16681,7 +16709,7 @@
           <a:effectLst/>
           <a:extLst>
             <a:ext uri="{AF507438-7753-43e0-B8FC-AC1667EBCBE1}">
-              <a14:hiddenEffects xmlns:a14="http://schemas.microsoft.com/office/drawing/2010/main" xmlns="">
+              <a14:hiddenEffects xmlns="" xmlns:a14="http://schemas.microsoft.com/office/drawing/2010/main">
                 <a:effectLst>
                   <a:outerShdw blurRad="63500" dist="38099" dir="2700000" algn="ctr" rotWithShape="0">
                     <a:schemeClr val="bg2">
@@ -16778,7 +16806,7 @@
           <a:effectLst/>
           <a:extLst>
             <a:ext uri="{AF507438-7753-43e0-B8FC-AC1667EBCBE1}">
-              <a14:hiddenEffects xmlns:a14="http://schemas.microsoft.com/office/drawing/2010/main" xmlns="">
+              <a14:hiddenEffects xmlns="" xmlns:a14="http://schemas.microsoft.com/office/drawing/2010/main">
                 <a:effectLst>
                   <a:outerShdw blurRad="63500" dist="38099" dir="2700000" algn="ctr" rotWithShape="0">
                     <a:schemeClr val="bg2">
@@ -16873,7 +16901,7 @@
           <a:effectLst/>
           <a:extLst>
             <a:ext uri="{AF507438-7753-43e0-B8FC-AC1667EBCBE1}">
-              <a14:hiddenEffects xmlns:a14="http://schemas.microsoft.com/office/drawing/2010/main" xmlns="">
+              <a14:hiddenEffects xmlns="" xmlns:a14="http://schemas.microsoft.com/office/drawing/2010/main">
                 <a:effectLst>
                   <a:outerShdw blurRad="63500" dist="38099" dir="2700000" algn="ctr" rotWithShape="0">
                     <a:schemeClr val="bg2">
@@ -17479,7 +17507,7 @@
           <a:effectLst/>
           <a:extLst>
             <a:ext uri="{AF507438-7753-43e0-B8FC-AC1667EBCBE1}">
-              <a14:hiddenEffects xmlns:a14="http://schemas.microsoft.com/office/drawing/2010/main" xmlns="">
+              <a14:hiddenEffects xmlns="" xmlns:a14="http://schemas.microsoft.com/office/drawing/2010/main">
                 <a:effectLst>
                   <a:outerShdw blurRad="63500" dist="38099" dir="2700000" algn="ctr" rotWithShape="0">
                     <a:schemeClr val="bg2">
@@ -17564,7 +17592,7 @@
           <a:effectLst/>
           <a:extLst>
             <a:ext uri="{AF507438-7753-43e0-B8FC-AC1667EBCBE1}">
-              <a14:hiddenEffects xmlns:a14="http://schemas.microsoft.com/office/drawing/2010/main" xmlns="">
+              <a14:hiddenEffects xmlns="" xmlns:a14="http://schemas.microsoft.com/office/drawing/2010/main">
                 <a:effectLst>
                   <a:outerShdw blurRad="63500" dist="38099" dir="2700000" algn="ctr" rotWithShape="0">
                     <a:schemeClr val="bg2">
@@ -17645,7 +17673,7 @@
           <a:effectLst/>
           <a:extLst>
             <a:ext uri="{AF507438-7753-43e0-B8FC-AC1667EBCBE1}">
-              <a14:hiddenEffects xmlns:a14="http://schemas.microsoft.com/office/drawing/2010/main" xmlns="">
+              <a14:hiddenEffects xmlns="" xmlns:a14="http://schemas.microsoft.com/office/drawing/2010/main">
                 <a:effectLst>
                   <a:outerShdw blurRad="63500" dist="38099" dir="2700000" algn="ctr" rotWithShape="0">
                     <a:schemeClr val="bg2">
@@ -17742,7 +17770,7 @@
           <a:effectLst/>
           <a:extLst>
             <a:ext uri="{AF507438-7753-43e0-B8FC-AC1667EBCBE1}">
-              <a14:hiddenEffects xmlns:a14="http://schemas.microsoft.com/office/drawing/2010/main" xmlns="">
+              <a14:hiddenEffects xmlns="" xmlns:a14="http://schemas.microsoft.com/office/drawing/2010/main">
                 <a:effectLst>
                   <a:outerShdw blurRad="63500" dist="38099" dir="2700000" algn="ctr" rotWithShape="0">
                     <a:schemeClr val="bg2">
@@ -17839,7 +17867,7 @@
           <a:effectLst/>
           <a:extLst>
             <a:ext uri="{AF507438-7753-43e0-B8FC-AC1667EBCBE1}">
-              <a14:hiddenEffects xmlns:a14="http://schemas.microsoft.com/office/drawing/2010/main" xmlns="">
+              <a14:hiddenEffects xmlns="" xmlns:a14="http://schemas.microsoft.com/office/drawing/2010/main">
                 <a:effectLst>
                   <a:outerShdw blurRad="63500" dist="38099" dir="2700000" algn="ctr" rotWithShape="0">
                     <a:schemeClr val="bg2">
@@ -17934,7 +17962,7 @@
           <a:effectLst/>
           <a:extLst>
             <a:ext uri="{AF507438-7753-43e0-B8FC-AC1667EBCBE1}">
-              <a14:hiddenEffects xmlns:a14="http://schemas.microsoft.com/office/drawing/2010/main" xmlns="">
+              <a14:hiddenEffects xmlns="" xmlns:a14="http://schemas.microsoft.com/office/drawing/2010/main">
                 <a:effectLst>
                   <a:outerShdw blurRad="63500" dist="38099" dir="2700000" algn="ctr" rotWithShape="0">
                     <a:schemeClr val="bg2">
@@ -18033,7 +18061,7 @@
           <a:effectLst/>
           <a:extLst>
             <a:ext uri="{AF507438-7753-43e0-B8FC-AC1667EBCBE1}">
-              <a14:hiddenEffects xmlns:a14="http://schemas.microsoft.com/office/drawing/2010/main" xmlns="">
+              <a14:hiddenEffects xmlns="" xmlns:a14="http://schemas.microsoft.com/office/drawing/2010/main">
                 <a:effectLst>
                   <a:outerShdw blurRad="63500" dist="38099" dir="2700000" algn="ctr" rotWithShape="0">
                     <a:schemeClr val="bg2">
@@ -18083,7 +18111,7 @@
           <a:effectLst/>
           <a:extLst>
             <a:ext uri="{AF507438-7753-43e0-B8FC-AC1667EBCBE1}">
-              <a14:hiddenEffects xmlns:a14="http://schemas.microsoft.com/office/drawing/2010/main" xmlns="">
+              <a14:hiddenEffects xmlns="" xmlns:a14="http://schemas.microsoft.com/office/drawing/2010/main">
                 <a:effectLst>
                   <a:outerShdw blurRad="63500" dist="38099" dir="2700000" algn="ctr" rotWithShape="0">
                     <a:schemeClr val="bg2">
@@ -18167,7 +18195,7 @@
           <a:effectLst/>
           <a:extLst>
             <a:ext uri="{AF507438-7753-43e0-B8FC-AC1667EBCBE1}">
-              <a14:hiddenEffects xmlns:a14="http://schemas.microsoft.com/office/drawing/2010/main" xmlns="">
+              <a14:hiddenEffects xmlns="" xmlns:a14="http://schemas.microsoft.com/office/drawing/2010/main">
                 <a:effectLst>
                   <a:outerShdw blurRad="63500" dist="38099" dir="2700000" algn="ctr" rotWithShape="0">
                     <a:schemeClr val="bg2">
@@ -18217,7 +18245,7 @@
           <a:effectLst/>
           <a:extLst>
             <a:ext uri="{AF507438-7753-43e0-B8FC-AC1667EBCBE1}">
-              <a14:hiddenEffects xmlns:a14="http://schemas.microsoft.com/office/drawing/2010/main" xmlns="">
+              <a14:hiddenEffects xmlns="" xmlns:a14="http://schemas.microsoft.com/office/drawing/2010/main">
                 <a:effectLst>
                   <a:outerShdw blurRad="63500" dist="38099" dir="2700000" algn="ctr" rotWithShape="0">
                     <a:schemeClr val="bg2">
@@ -18265,7 +18293,7 @@
           <a:effectLst/>
           <a:extLst>
             <a:ext uri="{AF507438-7753-43e0-B8FC-AC1667EBCBE1}">
-              <a14:hiddenEffects xmlns:a14="http://schemas.microsoft.com/office/drawing/2010/main" xmlns="">
+              <a14:hiddenEffects xmlns="" xmlns:a14="http://schemas.microsoft.com/office/drawing/2010/main">
                 <a:effectLst>
                   <a:outerShdw blurRad="63500" dist="38099" dir="2700000" algn="ctr" rotWithShape="0">
                     <a:schemeClr val="bg2">
@@ -18360,7 +18388,7 @@
           <a:effectLst/>
           <a:extLst>
             <a:ext uri="{AF507438-7753-43e0-B8FC-AC1667EBCBE1}">
-              <a14:hiddenEffects xmlns:a14="http://schemas.microsoft.com/office/drawing/2010/main" xmlns="">
+              <a14:hiddenEffects xmlns="" xmlns:a14="http://schemas.microsoft.com/office/drawing/2010/main">
                 <a:effectLst>
                   <a:outerShdw blurRad="63500" dist="38099" dir="2700000" algn="ctr" rotWithShape="0">
                     <a:schemeClr val="bg2">
@@ -18455,7 +18483,7 @@
           <a:effectLst/>
           <a:extLst>
             <a:ext uri="{AF507438-7753-43e0-B8FC-AC1667EBCBE1}">
-              <a14:hiddenEffects xmlns:a14="http://schemas.microsoft.com/office/drawing/2010/main" xmlns="">
+              <a14:hiddenEffects xmlns="" xmlns:a14="http://schemas.microsoft.com/office/drawing/2010/main">
                 <a:effectLst>
                   <a:outerShdw blurRad="63500" dist="38099" dir="2700000" algn="ctr" rotWithShape="0">
                     <a:schemeClr val="bg2">
@@ -18552,7 +18580,7 @@
           <a:effectLst/>
           <a:extLst>
             <a:ext uri="{AF507438-7753-43e0-B8FC-AC1667EBCBE1}">
-              <a14:hiddenEffects xmlns:a14="http://schemas.microsoft.com/office/drawing/2010/main" xmlns="">
+              <a14:hiddenEffects xmlns="" xmlns:a14="http://schemas.microsoft.com/office/drawing/2010/main">
                 <a:effectLst>
                   <a:outerShdw blurRad="63500" dist="38099" dir="2700000" algn="ctr" rotWithShape="0">
                     <a:schemeClr val="bg2">
@@ -18647,7 +18675,7 @@
           <a:effectLst/>
           <a:extLst>
             <a:ext uri="{AF507438-7753-43e0-B8FC-AC1667EBCBE1}">
-              <a14:hiddenEffects xmlns:a14="http://schemas.microsoft.com/office/drawing/2010/main" xmlns="">
+              <a14:hiddenEffects xmlns="" xmlns:a14="http://schemas.microsoft.com/office/drawing/2010/main">
                 <a:effectLst>
                   <a:outerShdw blurRad="63500" dist="38099" dir="2700000" algn="ctr" rotWithShape="0">
                     <a:schemeClr val="bg2">
@@ -19096,7 +19124,7 @@
           <a:effectLst/>
           <a:extLst>
             <a:ext uri="{AF507438-7753-43e0-B8FC-AC1667EBCBE1}">
-              <a14:hiddenEffects xmlns:a14="http://schemas.microsoft.com/office/drawing/2010/main" xmlns="">
+              <a14:hiddenEffects xmlns="" xmlns:a14="http://schemas.microsoft.com/office/drawing/2010/main">
                 <a:effectLst>
                   <a:outerShdw blurRad="63500" dist="38099" dir="2700000" algn="ctr" rotWithShape="0">
                     <a:schemeClr val="bg2">
@@ -19350,7 +19378,7 @@
           <a:effectLst/>
           <a:extLst>
             <a:ext uri="{AF507438-7753-43e0-B8FC-AC1667EBCBE1}">
-              <a14:hiddenEffects xmlns:a14="http://schemas.microsoft.com/office/drawing/2010/main" xmlns="">
+              <a14:hiddenEffects xmlns="" xmlns:a14="http://schemas.microsoft.com/office/drawing/2010/main">
                 <a:effectLst>
                   <a:outerShdw blurRad="63500" dist="38099" dir="2700000" algn="ctr" rotWithShape="0">
                     <a:schemeClr val="bg2">
@@ -19400,7 +19428,7 @@
           <a:effectLst/>
           <a:extLst>
             <a:ext uri="{AF507438-7753-43e0-B8FC-AC1667EBCBE1}">
-              <a14:hiddenEffects xmlns:a14="http://schemas.microsoft.com/office/drawing/2010/main" xmlns="">
+              <a14:hiddenEffects xmlns="" xmlns:a14="http://schemas.microsoft.com/office/drawing/2010/main">
                 <a:effectLst>
                   <a:outerShdw blurRad="63500" dist="38099" dir="2700000" algn="ctr" rotWithShape="0">
                     <a:schemeClr val="bg2">
@@ -19450,7 +19478,7 @@
           <a:effectLst/>
           <a:extLst>
             <a:ext uri="{AF507438-7753-43e0-B8FC-AC1667EBCBE1}">
-              <a14:hiddenEffects xmlns:a14="http://schemas.microsoft.com/office/drawing/2010/main" xmlns="">
+              <a14:hiddenEffects xmlns="" xmlns:a14="http://schemas.microsoft.com/office/drawing/2010/main">
                 <a:effectLst>
                   <a:outerShdw blurRad="63500" dist="38099" dir="2700000" algn="ctr" rotWithShape="0">
                     <a:schemeClr val="bg2">
@@ -19575,7 +19603,7 @@
           <a:effectLst/>
           <a:extLst>
             <a:ext uri="{AF507438-7753-43e0-B8FC-AC1667EBCBE1}">
-              <a14:hiddenEffects xmlns:a14="http://schemas.microsoft.com/office/drawing/2010/main" xmlns="">
+              <a14:hiddenEffects xmlns="" xmlns:a14="http://schemas.microsoft.com/office/drawing/2010/main">
                 <a:effectLst>
                   <a:outerShdw blurRad="63500" dist="38099" dir="2700000" algn="ctr" rotWithShape="0">
                     <a:schemeClr val="bg2">
@@ -19621,7 +19649,7 @@
           <a:effectLst/>
           <a:extLst>
             <a:ext uri="{AF507438-7753-43e0-B8FC-AC1667EBCBE1}">
-              <a14:hiddenEffects xmlns:a14="http://schemas.microsoft.com/office/drawing/2010/main" xmlns="">
+              <a14:hiddenEffects xmlns="" xmlns:a14="http://schemas.microsoft.com/office/drawing/2010/main">
                 <a:effectLst>
                   <a:outerShdw blurRad="63500" dist="38099" dir="2700000" algn="ctr" rotWithShape="0">
                     <a:schemeClr val="bg2">
@@ -19718,7 +19746,7 @@
           <a:effectLst/>
           <a:extLst>
             <a:ext uri="{AF507438-7753-43e0-B8FC-AC1667EBCBE1}">
-              <a14:hiddenEffects xmlns:a14="http://schemas.microsoft.com/office/drawing/2010/main" xmlns="">
+              <a14:hiddenEffects xmlns="" xmlns:a14="http://schemas.microsoft.com/office/drawing/2010/main">
                 <a:effectLst>
                   <a:outerShdw blurRad="63500" dist="38099" dir="2700000" algn="ctr" rotWithShape="0">
                     <a:schemeClr val="bg2">
@@ -19815,7 +19843,7 @@
           <a:effectLst/>
           <a:extLst>
             <a:ext uri="{AF507438-7753-43e0-B8FC-AC1667EBCBE1}">
-              <a14:hiddenEffects xmlns:a14="http://schemas.microsoft.com/office/drawing/2010/main" xmlns="">
+              <a14:hiddenEffects xmlns="" xmlns:a14="http://schemas.microsoft.com/office/drawing/2010/main">
                 <a:effectLst>
                   <a:outerShdw blurRad="63500" dist="38099" dir="2700000" algn="ctr" rotWithShape="0">
                     <a:schemeClr val="bg2">
@@ -19910,7 +19938,7 @@
           <a:effectLst/>
           <a:extLst>
             <a:ext uri="{AF507438-7753-43e0-B8FC-AC1667EBCBE1}">
-              <a14:hiddenEffects xmlns:a14="http://schemas.microsoft.com/office/drawing/2010/main" xmlns="">
+              <a14:hiddenEffects xmlns="" xmlns:a14="http://schemas.microsoft.com/office/drawing/2010/main">
                 <a:effectLst>
                   <a:outerShdw blurRad="63500" dist="38099" dir="2700000" algn="ctr" rotWithShape="0">
                     <a:schemeClr val="bg2">
@@ -20052,7 +20080,7 @@
           <a:effectLst/>
           <a:extLst>
             <a:ext uri="{AF507438-7753-43e0-B8FC-AC1667EBCBE1}">
-              <a14:hiddenEffects xmlns:a14="http://schemas.microsoft.com/office/drawing/2010/main" xmlns="">
+              <a14:hiddenEffects xmlns="" xmlns:a14="http://schemas.microsoft.com/office/drawing/2010/main">
                 <a:effectLst>
                   <a:outerShdw blurRad="63500" dist="38099" dir="2700000" algn="ctr" rotWithShape="0">
                     <a:schemeClr val="bg2">
@@ -20149,7 +20177,7 @@
           <a:effectLst/>
           <a:extLst>
             <a:ext uri="{AF507438-7753-43e0-B8FC-AC1667EBCBE1}">
-              <a14:hiddenEffects xmlns:a14="http://schemas.microsoft.com/office/drawing/2010/main" xmlns="">
+              <a14:hiddenEffects xmlns="" xmlns:a14="http://schemas.microsoft.com/office/drawing/2010/main">
                 <a:effectLst>
                   <a:outerShdw blurRad="63500" dist="38099" dir="2700000" algn="ctr" rotWithShape="0">
                     <a:schemeClr val="bg2">
@@ -20246,7 +20274,7 @@
           <a:effectLst/>
           <a:extLst>
             <a:ext uri="{AF507438-7753-43e0-B8FC-AC1667EBCBE1}">
-              <a14:hiddenEffects xmlns:a14="http://schemas.microsoft.com/office/drawing/2010/main" xmlns="">
+              <a14:hiddenEffects xmlns="" xmlns:a14="http://schemas.microsoft.com/office/drawing/2010/main">
                 <a:effectLst>
                   <a:outerShdw blurRad="63500" dist="38099" dir="2700000" algn="ctr" rotWithShape="0">
                     <a:schemeClr val="bg2">
@@ -20341,7 +20369,7 @@
           <a:effectLst/>
           <a:extLst>
             <a:ext uri="{AF507438-7753-43e0-B8FC-AC1667EBCBE1}">
-              <a14:hiddenEffects xmlns:a14="http://schemas.microsoft.com/office/drawing/2010/main" xmlns="">
+              <a14:hiddenEffects xmlns="" xmlns:a14="http://schemas.microsoft.com/office/drawing/2010/main">
                 <a:effectLst>
                   <a:outerShdw blurRad="63500" dist="38099" dir="2700000" algn="ctr" rotWithShape="0">
                     <a:schemeClr val="bg2">
@@ -20475,7 +20503,7 @@
           <a:effectLst/>
           <a:extLst>
             <a:ext uri="{AF507438-7753-43e0-B8FC-AC1667EBCBE1}">
-              <a14:hiddenEffects xmlns:a14="http://schemas.microsoft.com/office/drawing/2010/main" xmlns="">
+              <a14:hiddenEffects xmlns="" xmlns:a14="http://schemas.microsoft.com/office/drawing/2010/main">
                 <a:effectLst>
                   <a:outerShdw blurRad="63500" dist="38099" dir="2700000" algn="ctr" rotWithShape="0">
                     <a:schemeClr val="bg2">
@@ -20598,7 +20626,7 @@
             <a:effectLst/>
             <a:extLst>
               <a:ext uri="{AF507438-7753-43e0-B8FC-AC1667EBCBE1}">
-                <a14:hiddenEffects xmlns:a14="http://schemas.microsoft.com/office/drawing/2010/main" xmlns="">
+                <a14:hiddenEffects xmlns="" xmlns:a14="http://schemas.microsoft.com/office/drawing/2010/main">
                   <a:effectLst>
                     <a:outerShdw blurRad="63500" dist="38099" dir="2700000" algn="ctr" rotWithShape="0">
                       <a:schemeClr val="bg2">
@@ -20803,7 +20831,7 @@
           <a:effectLst/>
           <a:extLst>
             <a:ext uri="{AF507438-7753-43e0-B8FC-AC1667EBCBE1}">
-              <a14:hiddenEffects xmlns:a14="http://schemas.microsoft.com/office/drawing/2010/main" xmlns="">
+              <a14:hiddenEffects xmlns="" xmlns:a14="http://schemas.microsoft.com/office/drawing/2010/main">
                 <a:effectLst>
                   <a:outerShdw blurRad="63500" dist="38099" dir="2700000" algn="ctr" rotWithShape="0">
                     <a:schemeClr val="bg2">
@@ -20909,7 +20937,7 @@
             <a:effectLst/>
             <a:extLst>
               <a:ext uri="{AF507438-7753-43e0-B8FC-AC1667EBCBE1}">
-                <a14:hiddenEffects xmlns:a14="http://schemas.microsoft.com/office/drawing/2010/main" xmlns="">
+                <a14:hiddenEffects xmlns="" xmlns:a14="http://schemas.microsoft.com/office/drawing/2010/main">
                   <a:effectLst>
                     <a:outerShdw blurRad="63500" dist="38099" dir="2700000" algn="ctr" rotWithShape="0">
                       <a:schemeClr val="bg2">
@@ -21050,7 +21078,7 @@
             <a:effectLst/>
             <a:extLst>
               <a:ext uri="{AF507438-7753-43e0-B8FC-AC1667EBCBE1}">
-                <a14:hiddenEffects xmlns:a14="http://schemas.microsoft.com/office/drawing/2010/main" xmlns="">
+                <a14:hiddenEffects xmlns="" xmlns:a14="http://schemas.microsoft.com/office/drawing/2010/main">
                   <a:effectLst>
                     <a:outerShdw blurRad="63500" dist="38099" dir="2700000" algn="ctr" rotWithShape="0">
                       <a:schemeClr val="bg2">
@@ -21156,7 +21184,7 @@
               <a:effectLst/>
               <a:extLst>
                 <a:ext uri="{AF507438-7753-43e0-B8FC-AC1667EBCBE1}">
-                  <a14:hiddenEffects xmlns:a14="http://schemas.microsoft.com/office/drawing/2010/main" xmlns="">
+                  <a14:hiddenEffects xmlns="" xmlns:a14="http://schemas.microsoft.com/office/drawing/2010/main">
                     <a:effectLst>
                       <a:outerShdw blurRad="63500" dist="38099" dir="2700000" algn="ctr" rotWithShape="0">
                         <a:schemeClr val="bg2">
@@ -21284,7 +21312,7 @@
           <a:effectLst/>
           <a:extLst>
             <a:ext uri="{AF507438-7753-43e0-B8FC-AC1667EBCBE1}">
-              <a14:hiddenEffects xmlns:a14="http://schemas.microsoft.com/office/drawing/2010/main" xmlns="">
+              <a14:hiddenEffects xmlns="" xmlns:a14="http://schemas.microsoft.com/office/drawing/2010/main">
                 <a:effectLst>
                   <a:outerShdw blurRad="63500" dist="38099" dir="2700000" algn="ctr" rotWithShape="0">
                     <a:schemeClr val="bg2">
@@ -21632,7 +21660,7 @@
           <a:effectLst/>
           <a:extLst>
             <a:ext uri="{AF507438-7753-43e0-B8FC-AC1667EBCBE1}">
-              <a14:hiddenEffects xmlns:a14="http://schemas.microsoft.com/office/drawing/2010/main" xmlns="">
+              <a14:hiddenEffects xmlns="" xmlns:a14="http://schemas.microsoft.com/office/drawing/2010/main">
                 <a:effectLst>
                   <a:outerShdw blurRad="63500" dist="38099" dir="2700000" algn="ctr" rotWithShape="0">
                     <a:schemeClr val="bg2">
@@ -21682,7 +21710,7 @@
           <a:effectLst/>
           <a:extLst>
             <a:ext uri="{AF507438-7753-43e0-B8FC-AC1667EBCBE1}">
-              <a14:hiddenEffects xmlns:a14="http://schemas.microsoft.com/office/drawing/2010/main" xmlns="">
+              <a14:hiddenEffects xmlns="" xmlns:a14="http://schemas.microsoft.com/office/drawing/2010/main">
                 <a:effectLst>
                   <a:outerShdw blurRad="63500" dist="38099" dir="2700000" algn="ctr" rotWithShape="0">
                     <a:schemeClr val="bg2">
@@ -21732,7 +21760,7 @@
           <a:effectLst/>
           <a:extLst>
             <a:ext uri="{AF507438-7753-43e0-B8FC-AC1667EBCBE1}">
-              <a14:hiddenEffects xmlns:a14="http://schemas.microsoft.com/office/drawing/2010/main" xmlns="">
+              <a14:hiddenEffects xmlns="" xmlns:a14="http://schemas.microsoft.com/office/drawing/2010/main">
                 <a:effectLst>
                   <a:outerShdw blurRad="63500" dist="38099" dir="2700000" algn="ctr" rotWithShape="0">
                     <a:schemeClr val="bg2">
@@ -21782,7 +21810,7 @@
           <a:effectLst/>
           <a:extLst>
             <a:ext uri="{AF507438-7753-43e0-B8FC-AC1667EBCBE1}">
-              <a14:hiddenEffects xmlns:a14="http://schemas.microsoft.com/office/drawing/2010/main" xmlns="">
+              <a14:hiddenEffects xmlns="" xmlns:a14="http://schemas.microsoft.com/office/drawing/2010/main">
                 <a:effectLst>
                   <a:outerShdw blurRad="63500" dist="38099" dir="2700000" algn="ctr" rotWithShape="0">
                     <a:schemeClr val="bg2">
@@ -21832,7 +21860,7 @@
           <a:effectLst/>
           <a:extLst>
             <a:ext uri="{AF507438-7753-43e0-B8FC-AC1667EBCBE1}">
-              <a14:hiddenEffects xmlns:a14="http://schemas.microsoft.com/office/drawing/2010/main" xmlns="">
+              <a14:hiddenEffects xmlns="" xmlns:a14="http://schemas.microsoft.com/office/drawing/2010/main">
                 <a:effectLst>
                   <a:outerShdw blurRad="63500" dist="38099" dir="2700000" algn="ctr" rotWithShape="0">
                     <a:schemeClr val="bg2">
@@ -21954,7 +21982,7 @@
           <a:effectLst/>
           <a:extLst>
             <a:ext uri="{AF507438-7753-43e0-B8FC-AC1667EBCBE1}">
-              <a14:hiddenEffects xmlns:a14="http://schemas.microsoft.com/office/drawing/2010/main" xmlns="">
+              <a14:hiddenEffects xmlns="" xmlns:a14="http://schemas.microsoft.com/office/drawing/2010/main">
                 <a:effectLst>
                   <a:outerShdw blurRad="63500" dist="38099" dir="2700000" algn="ctr" rotWithShape="0">
                     <a:schemeClr val="bg2">
@@ -22049,7 +22077,7 @@
           <a:effectLst/>
           <a:extLst>
             <a:ext uri="{AF507438-7753-43e0-B8FC-AC1667EBCBE1}">
-              <a14:hiddenEffects xmlns:a14="http://schemas.microsoft.com/office/drawing/2010/main" xmlns="">
+              <a14:hiddenEffects xmlns="" xmlns:a14="http://schemas.microsoft.com/office/drawing/2010/main">
                 <a:effectLst>
                   <a:outerShdw blurRad="63500" dist="38099" dir="2700000" algn="ctr" rotWithShape="0">
                     <a:schemeClr val="bg2">
@@ -22144,7 +22172,7 @@
           <a:effectLst/>
           <a:extLst>
             <a:ext uri="{AF507438-7753-43e0-B8FC-AC1667EBCBE1}">
-              <a14:hiddenEffects xmlns:a14="http://schemas.microsoft.com/office/drawing/2010/main" xmlns="">
+              <a14:hiddenEffects xmlns="" xmlns:a14="http://schemas.microsoft.com/office/drawing/2010/main">
                 <a:effectLst>
                   <a:outerShdw blurRad="63500" dist="38099" dir="2700000" algn="ctr" rotWithShape="0">
                     <a:schemeClr val="bg2">
@@ -22241,7 +22269,7 @@
           <a:effectLst/>
           <a:extLst>
             <a:ext uri="{AF507438-7753-43e0-B8FC-AC1667EBCBE1}">
-              <a14:hiddenEffects xmlns:a14="http://schemas.microsoft.com/office/drawing/2010/main" xmlns="">
+              <a14:hiddenEffects xmlns="" xmlns:a14="http://schemas.microsoft.com/office/drawing/2010/main">
                 <a:effectLst>
                   <a:outerShdw blurRad="63500" dist="38099" dir="2700000" algn="ctr" rotWithShape="0">
                     <a:schemeClr val="bg2">
@@ -22338,7 +22366,7 @@
           <a:effectLst/>
           <a:extLst>
             <a:ext uri="{AF507438-7753-43e0-B8FC-AC1667EBCBE1}">
-              <a14:hiddenEffects xmlns:a14="http://schemas.microsoft.com/office/drawing/2010/main" xmlns="">
+              <a14:hiddenEffects xmlns="" xmlns:a14="http://schemas.microsoft.com/office/drawing/2010/main">
                 <a:effectLst>
                   <a:outerShdw blurRad="63500" dist="38099" dir="2700000" algn="ctr" rotWithShape="0">
                     <a:schemeClr val="bg2">
@@ -22433,7 +22461,7 @@
           <a:effectLst/>
           <a:extLst>
             <a:ext uri="{AF507438-7753-43e0-B8FC-AC1667EBCBE1}">
-              <a14:hiddenEffects xmlns:a14="http://schemas.microsoft.com/office/drawing/2010/main" xmlns="">
+              <a14:hiddenEffects xmlns="" xmlns:a14="http://schemas.microsoft.com/office/drawing/2010/main">
                 <a:effectLst>
                   <a:outerShdw blurRad="63500" dist="38099" dir="2700000" algn="ctr" rotWithShape="0">
                     <a:schemeClr val="bg2">
@@ -22639,7 +22667,7 @@
           <a:effectLst/>
           <a:extLst>
             <a:ext uri="{AF507438-7753-43e0-B8FC-AC1667EBCBE1}">
-              <a14:hiddenEffects xmlns:a14="http://schemas.microsoft.com/office/drawing/2010/main" xmlns="">
+              <a14:hiddenEffects xmlns="" xmlns:a14="http://schemas.microsoft.com/office/drawing/2010/main">
                 <a:effectLst>
                   <a:outerShdw blurRad="63500" dist="38099" dir="2700000" algn="ctr" rotWithShape="0">
                     <a:schemeClr val="bg2">
@@ -22736,7 +22764,7 @@
           <a:effectLst/>
           <a:extLst>
             <a:ext uri="{AF507438-7753-43e0-B8FC-AC1667EBCBE1}">
-              <a14:hiddenEffects xmlns:a14="http://schemas.microsoft.com/office/drawing/2010/main" xmlns="">
+              <a14:hiddenEffects xmlns="" xmlns:a14="http://schemas.microsoft.com/office/drawing/2010/main">
                 <a:effectLst>
                   <a:outerShdw blurRad="63500" dist="38099" dir="2700000" algn="ctr" rotWithShape="0">
                     <a:schemeClr val="bg2">
@@ -22831,7 +22859,7 @@
           <a:effectLst/>
           <a:extLst>
             <a:ext uri="{AF507438-7753-43e0-B8FC-AC1667EBCBE1}">
-              <a14:hiddenEffects xmlns:a14="http://schemas.microsoft.com/office/drawing/2010/main" xmlns="">
+              <a14:hiddenEffects xmlns="" xmlns:a14="http://schemas.microsoft.com/office/drawing/2010/main">
                 <a:effectLst>
                   <a:outerShdw blurRad="63500" dist="38099" dir="2700000" algn="ctr" rotWithShape="0">
                     <a:schemeClr val="bg2">
@@ -22915,7 +22943,7 @@
           <a:effectLst/>
           <a:extLst>
             <a:ext uri="{AF507438-7753-43e0-B8FC-AC1667EBCBE1}">
-              <a14:hiddenEffects xmlns:a14="http://schemas.microsoft.com/office/drawing/2010/main" xmlns="">
+              <a14:hiddenEffects xmlns="" xmlns:a14="http://schemas.microsoft.com/office/drawing/2010/main">
                 <a:effectLst>
                   <a:outerShdw blurRad="63500" dist="38099" dir="2700000" algn="ctr" rotWithShape="0">
                     <a:schemeClr val="bg2">
@@ -23001,7 +23029,7 @@
           <a:effectLst/>
           <a:extLst>
             <a:ext uri="{AF507438-7753-43e0-B8FC-AC1667EBCBE1}">
-              <a14:hiddenEffects xmlns:a14="http://schemas.microsoft.com/office/drawing/2010/main" xmlns="">
+              <a14:hiddenEffects xmlns="" xmlns:a14="http://schemas.microsoft.com/office/drawing/2010/main">
                 <a:effectLst>
                   <a:outerShdw blurRad="63500" dist="38099" dir="2700000" algn="ctr" rotWithShape="0">
                     <a:schemeClr val="bg2">
@@ -23102,7 +23130,7 @@
           <a:effectLst/>
           <a:extLst>
             <a:ext uri="{AF507438-7753-43e0-B8FC-AC1667EBCBE1}">
-              <a14:hiddenEffects xmlns:a14="http://schemas.microsoft.com/office/drawing/2010/main" xmlns="">
+              <a14:hiddenEffects xmlns="" xmlns:a14="http://schemas.microsoft.com/office/drawing/2010/main">
                 <a:effectLst>
                   <a:outerShdw blurRad="63500" dist="38099" dir="2700000" algn="ctr" rotWithShape="0">
                     <a:schemeClr val="bg2">
@@ -23188,7 +23216,7 @@
           <a:effectLst/>
           <a:extLst>
             <a:ext uri="{AF507438-7753-43e0-B8FC-AC1667EBCBE1}">
-              <a14:hiddenEffects xmlns:a14="http://schemas.microsoft.com/office/drawing/2010/main" xmlns="">
+              <a14:hiddenEffects xmlns="" xmlns:a14="http://schemas.microsoft.com/office/drawing/2010/main">
                 <a:effectLst>
                   <a:outerShdw blurRad="63500" dist="38099" dir="2700000" algn="ctr" rotWithShape="0">
                     <a:schemeClr val="bg2">
@@ -23277,7 +23305,7 @@
           <a:effectLst/>
           <a:extLst>
             <a:ext uri="{AF507438-7753-43e0-B8FC-AC1667EBCBE1}">
-              <a14:hiddenEffects xmlns:a14="http://schemas.microsoft.com/office/drawing/2010/main" xmlns="">
+              <a14:hiddenEffects xmlns="" xmlns:a14="http://schemas.microsoft.com/office/drawing/2010/main">
                 <a:effectLst>
                   <a:outerShdw blurRad="63500" dist="38099" dir="2700000" algn="ctr" rotWithShape="0">
                     <a:schemeClr val="bg2">
@@ -23328,7 +23356,7 @@
           <a:effectLst/>
           <a:extLst>
             <a:ext uri="{AF507438-7753-43e0-B8FC-AC1667EBCBE1}">
-              <a14:hiddenEffects xmlns:a14="http://schemas.microsoft.com/office/drawing/2010/main" xmlns="">
+              <a14:hiddenEffects xmlns="" xmlns:a14="http://schemas.microsoft.com/office/drawing/2010/main">
                 <a:effectLst>
                   <a:outerShdw blurRad="63500" dist="38099" dir="2700000" algn="ctr" rotWithShape="0">
                     <a:schemeClr val="bg2">
@@ -23861,7 +23889,7 @@
           <a:effectLst/>
           <a:extLst>
             <a:ext uri="{AF507438-7753-43e0-B8FC-AC1667EBCBE1}">
-              <a14:hiddenEffects xmlns:a14="http://schemas.microsoft.com/office/drawing/2010/main" xmlns="">
+              <a14:hiddenEffects xmlns="" xmlns:a14="http://schemas.microsoft.com/office/drawing/2010/main">
                 <a:effectLst>
                   <a:outerShdw blurRad="63500" dist="38099" dir="2700000" algn="ctr" rotWithShape="0">
                     <a:schemeClr val="bg2">
@@ -23949,7 +23977,7 @@
           <a:effectLst/>
           <a:extLst>
             <a:ext uri="{AF507438-7753-43e0-B8FC-AC1667EBCBE1}">
-              <a14:hiddenEffects xmlns:a14="http://schemas.microsoft.com/office/drawing/2010/main" xmlns="">
+              <a14:hiddenEffects xmlns="" xmlns:a14="http://schemas.microsoft.com/office/drawing/2010/main">
                 <a:effectLst>
                   <a:outerShdw blurRad="63500" dist="38099" dir="2700000" algn="ctr" rotWithShape="0">
                     <a:schemeClr val="bg2">
@@ -23995,7 +24023,7 @@
           <a:effectLst/>
           <a:extLst>
             <a:ext uri="{AF507438-7753-43e0-B8FC-AC1667EBCBE1}">
-              <a14:hiddenEffects xmlns:a14="http://schemas.microsoft.com/office/drawing/2010/main" xmlns="">
+              <a14:hiddenEffects xmlns="" xmlns:a14="http://schemas.microsoft.com/office/drawing/2010/main">
                 <a:effectLst>
                   <a:outerShdw blurRad="63500" dist="38099" dir="2700000" algn="ctr" rotWithShape="0">
                     <a:schemeClr val="bg2">
@@ -24092,7 +24120,7 @@
           <a:effectLst/>
           <a:extLst>
             <a:ext uri="{AF507438-7753-43e0-B8FC-AC1667EBCBE1}">
-              <a14:hiddenEffects xmlns:a14="http://schemas.microsoft.com/office/drawing/2010/main" xmlns="">
+              <a14:hiddenEffects xmlns="" xmlns:a14="http://schemas.microsoft.com/office/drawing/2010/main">
                 <a:effectLst>
                   <a:outerShdw blurRad="63500" dist="38099" dir="2700000" algn="ctr" rotWithShape="0">
                     <a:schemeClr val="bg2">
@@ -24207,7 +24235,7 @@
             <a:effectLst/>
             <a:extLst>
               <a:ext uri="{AF507438-7753-43e0-B8FC-AC1667EBCBE1}">
-                <a14:hiddenEffects xmlns:a14="http://schemas.microsoft.com/office/drawing/2010/main" xmlns="">
+                <a14:hiddenEffects xmlns="" xmlns:a14="http://schemas.microsoft.com/office/drawing/2010/main">
                   <a:effectLst>
                     <a:outerShdw blurRad="63500" dist="38099" dir="2700000" algn="ctr" rotWithShape="0">
                       <a:schemeClr val="bg2">
@@ -24294,7 +24322,7 @@
             <a:effectLst/>
             <a:extLst>
               <a:ext uri="{AF507438-7753-43e0-B8FC-AC1667EBCBE1}">
-                <a14:hiddenEffects xmlns:a14="http://schemas.microsoft.com/office/drawing/2010/main" xmlns="">
+                <a14:hiddenEffects xmlns="" xmlns:a14="http://schemas.microsoft.com/office/drawing/2010/main">
                   <a:effectLst>
                     <a:outerShdw blurRad="63500" dist="38099" dir="2700000" algn="ctr" rotWithShape="0">
                       <a:schemeClr val="bg2">
@@ -24401,7 +24429,7 @@
               <a:effectLst/>
               <a:extLst>
                 <a:ext uri="{AF507438-7753-43e0-B8FC-AC1667EBCBE1}">
-                  <a14:hiddenEffects xmlns:a14="http://schemas.microsoft.com/office/drawing/2010/main" xmlns="">
+                  <a14:hiddenEffects xmlns="" xmlns:a14="http://schemas.microsoft.com/office/drawing/2010/main">
                     <a:effectLst>
                       <a:outerShdw blurRad="63500" dist="38099" dir="2700000" algn="ctr" rotWithShape="0">
                         <a:schemeClr val="bg2">
@@ -24522,7 +24550,7 @@
             <a:effectLst/>
             <a:extLst>
               <a:ext uri="{AF507438-7753-43e0-B8FC-AC1667EBCBE1}">
-                <a14:hiddenEffects xmlns:a14="http://schemas.microsoft.com/office/drawing/2010/main" xmlns="">
+                <a14:hiddenEffects xmlns="" xmlns:a14="http://schemas.microsoft.com/office/drawing/2010/main">
                   <a:effectLst>
                     <a:outerShdw blurRad="63500" dist="38099" dir="2700000" algn="ctr" rotWithShape="0">
                       <a:schemeClr val="bg2">
@@ -24629,7 +24657,7 @@
             <a:effectLst/>
             <a:extLst>
               <a:ext uri="{AF507438-7753-43e0-B8FC-AC1667EBCBE1}">
-                <a14:hiddenEffects xmlns:a14="http://schemas.microsoft.com/office/drawing/2010/main" xmlns="">
+                <a14:hiddenEffects xmlns="" xmlns:a14="http://schemas.microsoft.com/office/drawing/2010/main">
                   <a:effectLst>
                     <a:outerShdw blurRad="63500" dist="38099" dir="2700000" algn="ctr" rotWithShape="0">
                       <a:schemeClr val="bg2">
@@ -24775,7 +24803,7 @@
           <a:effectLst/>
           <a:extLst>
             <a:ext uri="{AF507438-7753-43e0-B8FC-AC1667EBCBE1}">
-              <a14:hiddenEffects xmlns:a14="http://schemas.microsoft.com/office/drawing/2010/main" xmlns="">
+              <a14:hiddenEffects xmlns="" xmlns:a14="http://schemas.microsoft.com/office/drawing/2010/main">
                 <a:effectLst>
                   <a:outerShdw blurRad="63500" dist="38099" dir="2700000" algn="ctr" rotWithShape="0">
                     <a:schemeClr val="bg2">
@@ -24858,7 +24886,7 @@
           <a:effectLst/>
           <a:extLst>
             <a:ext uri="{AF507438-7753-43e0-B8FC-AC1667EBCBE1}">
-              <a14:hiddenEffects xmlns:a14="http://schemas.microsoft.com/office/drawing/2010/main" xmlns="">
+              <a14:hiddenEffects xmlns="" xmlns:a14="http://schemas.microsoft.com/office/drawing/2010/main">
                 <a:effectLst>
                   <a:outerShdw blurRad="63500" dist="38099" dir="2700000" algn="ctr" rotWithShape="0">
                     <a:schemeClr val="bg2">
@@ -24955,7 +24983,7 @@
           <a:effectLst/>
           <a:extLst>
             <a:ext uri="{AF507438-7753-43e0-B8FC-AC1667EBCBE1}">
-              <a14:hiddenEffects xmlns:a14="http://schemas.microsoft.com/office/drawing/2010/main" xmlns="">
+              <a14:hiddenEffects xmlns="" xmlns:a14="http://schemas.microsoft.com/office/drawing/2010/main">
                 <a:effectLst>
                   <a:outerShdw blurRad="63500" dist="38099" dir="2700000" algn="ctr" rotWithShape="0">
                     <a:schemeClr val="bg2">
@@ -25058,7 +25086,7 @@
           <a:effectLst/>
           <a:extLst>
             <a:ext uri="{AF507438-7753-43e0-B8FC-AC1667EBCBE1}">
-              <a14:hiddenEffects xmlns:a14="http://schemas.microsoft.com/office/drawing/2010/main" xmlns="">
+              <a14:hiddenEffects xmlns="" xmlns:a14="http://schemas.microsoft.com/office/drawing/2010/main">
                 <a:effectLst>
                   <a:outerShdw blurRad="63500" dist="38099" dir="2700000" algn="ctr" rotWithShape="0">
                     <a:schemeClr val="bg2">
@@ -25146,7 +25174,7 @@
           <a:effectLst/>
           <a:extLst>
             <a:ext uri="{AF507438-7753-43e0-B8FC-AC1667EBCBE1}">
-              <a14:hiddenEffects xmlns:a14="http://schemas.microsoft.com/office/drawing/2010/main" xmlns="">
+              <a14:hiddenEffects xmlns="" xmlns:a14="http://schemas.microsoft.com/office/drawing/2010/main">
                 <a:effectLst>
                   <a:outerShdw blurRad="63500" dist="38099" dir="2700000" algn="ctr" rotWithShape="0">
                     <a:schemeClr val="bg2">
@@ -25192,7 +25220,7 @@
           <a:effectLst/>
           <a:extLst>
             <a:ext uri="{AF507438-7753-43e0-B8FC-AC1667EBCBE1}">
-              <a14:hiddenEffects xmlns:a14="http://schemas.microsoft.com/office/drawing/2010/main" xmlns="">
+              <a14:hiddenEffects xmlns="" xmlns:a14="http://schemas.microsoft.com/office/drawing/2010/main">
                 <a:effectLst>
                   <a:outerShdw blurRad="63500" dist="38099" dir="2700000" algn="ctr" rotWithShape="0">
                     <a:schemeClr val="bg2">
@@ -25289,7 +25317,7 @@
           <a:effectLst/>
           <a:extLst>
             <a:ext uri="{AF507438-7753-43e0-B8FC-AC1667EBCBE1}">
-              <a14:hiddenEffects xmlns:a14="http://schemas.microsoft.com/office/drawing/2010/main" xmlns="">
+              <a14:hiddenEffects xmlns="" xmlns:a14="http://schemas.microsoft.com/office/drawing/2010/main">
                 <a:effectLst>
                   <a:outerShdw blurRad="63500" dist="38099" dir="2700000" algn="ctr" rotWithShape="0">
                     <a:schemeClr val="bg2">
@@ -25388,7 +25416,7 @@
           <a:effectLst/>
           <a:extLst>
             <a:ext uri="{AF507438-7753-43e0-B8FC-AC1667EBCBE1}">
-              <a14:hiddenEffects xmlns:a14="http://schemas.microsoft.com/office/drawing/2010/main" xmlns="">
+              <a14:hiddenEffects xmlns="" xmlns:a14="http://schemas.microsoft.com/office/drawing/2010/main">
                 <a:effectLst>
                   <a:outerShdw blurRad="63500" dist="38099" dir="2700000" algn="ctr" rotWithShape="0">
                     <a:schemeClr val="bg2">
@@ -25471,7 +25499,7 @@
           <a:effectLst/>
           <a:extLst>
             <a:ext uri="{AF507438-7753-43e0-B8FC-AC1667EBCBE1}">
-              <a14:hiddenEffects xmlns:a14="http://schemas.microsoft.com/office/drawing/2010/main" xmlns="">
+              <a14:hiddenEffects xmlns="" xmlns:a14="http://schemas.microsoft.com/office/drawing/2010/main">
                 <a:effectLst>
                   <a:outerShdw blurRad="63500" dist="38099" dir="2700000" algn="ctr" rotWithShape="0">
                     <a:schemeClr val="bg2">
@@ -25568,7 +25596,7 @@
           <a:effectLst/>
           <a:extLst>
             <a:ext uri="{AF507438-7753-43e0-B8FC-AC1667EBCBE1}">
-              <a14:hiddenEffects xmlns:a14="http://schemas.microsoft.com/office/drawing/2010/main" xmlns="">
+              <a14:hiddenEffects xmlns="" xmlns:a14="http://schemas.microsoft.com/office/drawing/2010/main">
                 <a:effectLst>
                   <a:outerShdw blurRad="63500" dist="38099" dir="2700000" algn="ctr" rotWithShape="0">
                     <a:schemeClr val="bg2">
@@ -25779,7 +25807,7 @@
           <a:effectLst/>
           <a:extLst>
             <a:ext uri="{AF507438-7753-43e0-B8FC-AC1667EBCBE1}">
-              <a14:hiddenEffects xmlns:a14="http://schemas.microsoft.com/office/drawing/2010/main" xmlns="">
+              <a14:hiddenEffects xmlns="" xmlns:a14="http://schemas.microsoft.com/office/drawing/2010/main">
                 <a:effectLst>
                   <a:outerShdw blurRad="63500" dist="38099" dir="2700000" algn="ctr" rotWithShape="0">
                     <a:schemeClr val="bg2">
@@ -25981,7 +26009,7 @@
           <a:effectLst/>
           <a:extLst>
             <a:ext uri="{AF507438-7753-43e0-B8FC-AC1667EBCBE1}">
-              <a14:hiddenEffects xmlns:a14="http://schemas.microsoft.com/office/drawing/2010/main" xmlns="">
+              <a14:hiddenEffects xmlns="" xmlns:a14="http://schemas.microsoft.com/office/drawing/2010/main">
                 <a:effectLst>
                   <a:outerShdw blurRad="63500" dist="38099" dir="2700000" algn="ctr" rotWithShape="0">
                     <a:schemeClr val="bg2">
@@ -26080,7 +26108,7 @@
           <a:effectLst/>
           <a:extLst>
             <a:ext uri="{AF507438-7753-43e0-B8FC-AC1667EBCBE1}">
-              <a14:hiddenEffects xmlns:a14="http://schemas.microsoft.com/office/drawing/2010/main" xmlns="">
+              <a14:hiddenEffects xmlns="" xmlns:a14="http://schemas.microsoft.com/office/drawing/2010/main">
                 <a:effectLst>
                   <a:outerShdw blurRad="63500" dist="38099" dir="2700000" algn="ctr" rotWithShape="0">
                     <a:schemeClr val="bg2">
@@ -26623,7 +26651,7 @@
           <a:effectLst/>
           <a:extLst>
             <a:ext uri="{AF507438-7753-43e0-B8FC-AC1667EBCBE1}">
-              <a14:hiddenEffects xmlns:a14="http://schemas.microsoft.com/office/drawing/2010/main" xmlns="">
+              <a14:hiddenEffects xmlns="" xmlns:a14="http://schemas.microsoft.com/office/drawing/2010/main">
                 <a:effectLst>
                   <a:outerShdw blurRad="63500" dist="38099" dir="2700000" algn="ctr" rotWithShape="0">
                     <a:schemeClr val="bg2">
@@ -26711,7 +26739,7 @@
           <a:effectLst/>
           <a:extLst>
             <a:ext uri="{AF507438-7753-43e0-B8FC-AC1667EBCBE1}">
-              <a14:hiddenEffects xmlns:a14="http://schemas.microsoft.com/office/drawing/2010/main" xmlns="">
+              <a14:hiddenEffects xmlns="" xmlns:a14="http://schemas.microsoft.com/office/drawing/2010/main">
                 <a:effectLst>
                   <a:outerShdw blurRad="63500" dist="38099" dir="2700000" algn="ctr" rotWithShape="0">
                     <a:schemeClr val="bg2">
@@ -26798,7 +26826,7 @@
           <a:effectLst/>
           <a:extLst>
             <a:ext uri="{AF507438-7753-43e0-B8FC-AC1667EBCBE1}">
-              <a14:hiddenEffects xmlns:a14="http://schemas.microsoft.com/office/drawing/2010/main" xmlns="">
+              <a14:hiddenEffects xmlns="" xmlns:a14="http://schemas.microsoft.com/office/drawing/2010/main">
                 <a:effectLst>
                   <a:outerShdw blurRad="63500" dist="38099" dir="2700000" algn="ctr" rotWithShape="0">
                     <a:schemeClr val="bg2">
@@ -26881,7 +26909,7 @@
           <a:effectLst/>
           <a:extLst>
             <a:ext uri="{AF507438-7753-43e0-B8FC-AC1667EBCBE1}">
-              <a14:hiddenEffects xmlns:a14="http://schemas.microsoft.com/office/drawing/2010/main" xmlns="">
+              <a14:hiddenEffects xmlns="" xmlns:a14="http://schemas.microsoft.com/office/drawing/2010/main">
                 <a:effectLst>
                   <a:outerShdw blurRad="63500" dist="38099" dir="2700000" algn="ctr" rotWithShape="0">
                     <a:schemeClr val="bg2">
@@ -26978,7 +27006,7 @@
           <a:effectLst/>
           <a:extLst>
             <a:ext uri="{AF507438-7753-43e0-B8FC-AC1667EBCBE1}">
-              <a14:hiddenEffects xmlns:a14="http://schemas.microsoft.com/office/drawing/2010/main" xmlns="">
+              <a14:hiddenEffects xmlns="" xmlns:a14="http://schemas.microsoft.com/office/drawing/2010/main">
                 <a:effectLst>
                   <a:outerShdw blurRad="63500" dist="38099" dir="2700000" algn="ctr" rotWithShape="0">
                     <a:schemeClr val="bg2">
@@ -27075,7 +27103,7 @@
           <a:effectLst/>
           <a:extLst>
             <a:ext uri="{AF507438-7753-43e0-B8FC-AC1667EBCBE1}">
-              <a14:hiddenEffects xmlns:a14="http://schemas.microsoft.com/office/drawing/2010/main" xmlns="">
+              <a14:hiddenEffects xmlns="" xmlns:a14="http://schemas.microsoft.com/office/drawing/2010/main">
                 <a:effectLst>
                   <a:outerShdw blurRad="63500" dist="38099" dir="2700000" algn="ctr" rotWithShape="0">
                     <a:schemeClr val="bg2">
@@ -27170,7 +27198,7 @@
           <a:effectLst/>
           <a:extLst>
             <a:ext uri="{AF507438-7753-43e0-B8FC-AC1667EBCBE1}">
-              <a14:hiddenEffects xmlns:a14="http://schemas.microsoft.com/office/drawing/2010/main" xmlns="">
+              <a14:hiddenEffects xmlns="" xmlns:a14="http://schemas.microsoft.com/office/drawing/2010/main">
                 <a:effectLst>
                   <a:outerShdw blurRad="63500" dist="38099" dir="2700000" algn="ctr" rotWithShape="0">
                     <a:schemeClr val="bg2">
@@ -27269,7 +27297,7 @@
           <a:effectLst/>
           <a:extLst>
             <a:ext uri="{AF507438-7753-43e0-B8FC-AC1667EBCBE1}">
-              <a14:hiddenEffects xmlns:a14="http://schemas.microsoft.com/office/drawing/2010/main" xmlns="">
+              <a14:hiddenEffects xmlns="" xmlns:a14="http://schemas.microsoft.com/office/drawing/2010/main">
                 <a:effectLst>
                   <a:outerShdw blurRad="63500" dist="38099" dir="2700000" algn="ctr" rotWithShape="0">
                     <a:schemeClr val="bg2">
@@ -27319,7 +27347,7 @@
           <a:effectLst/>
           <a:extLst>
             <a:ext uri="{AF507438-7753-43e0-B8FC-AC1667EBCBE1}">
-              <a14:hiddenEffects xmlns:a14="http://schemas.microsoft.com/office/drawing/2010/main" xmlns="">
+              <a14:hiddenEffects xmlns="" xmlns:a14="http://schemas.microsoft.com/office/drawing/2010/main">
                 <a:effectLst>
                   <a:outerShdw blurRad="63500" dist="38099" dir="2700000" algn="ctr" rotWithShape="0">
                     <a:schemeClr val="bg2">
@@ -27405,7 +27433,7 @@
           <a:effectLst/>
           <a:extLst>
             <a:ext uri="{AF507438-7753-43e0-B8FC-AC1667EBCBE1}">
-              <a14:hiddenEffects xmlns:a14="http://schemas.microsoft.com/office/drawing/2010/main" xmlns="">
+              <a14:hiddenEffects xmlns="" xmlns:a14="http://schemas.microsoft.com/office/drawing/2010/main">
                 <a:effectLst>
                   <a:outerShdw blurRad="63500" dist="38099" dir="2700000" algn="ctr" rotWithShape="0">
                     <a:schemeClr val="bg2">
@@ -27453,7 +27481,7 @@
           <a:effectLst/>
           <a:extLst>
             <a:ext uri="{AF507438-7753-43e0-B8FC-AC1667EBCBE1}">
-              <a14:hiddenEffects xmlns:a14="http://schemas.microsoft.com/office/drawing/2010/main" xmlns="">
+              <a14:hiddenEffects xmlns="" xmlns:a14="http://schemas.microsoft.com/office/drawing/2010/main">
                 <a:effectLst>
                   <a:outerShdw blurRad="63500" dist="38099" dir="2700000" algn="ctr" rotWithShape="0">
                     <a:schemeClr val="bg2">
@@ -27554,7 +27582,7 @@
           <a:effectLst/>
           <a:extLst>
             <a:ext uri="{AF507438-7753-43e0-B8FC-AC1667EBCBE1}">
-              <a14:hiddenEffects xmlns:a14="http://schemas.microsoft.com/office/drawing/2010/main" xmlns="">
+              <a14:hiddenEffects xmlns="" xmlns:a14="http://schemas.microsoft.com/office/drawing/2010/main">
                 <a:effectLst>
                   <a:outerShdw blurRad="63500" dist="38099" dir="2700000" algn="ctr" rotWithShape="0">
                     <a:schemeClr val="bg2">
@@ -27657,7 +27685,7 @@
           <a:effectLst/>
           <a:extLst>
             <a:ext uri="{AF507438-7753-43e0-B8FC-AC1667EBCBE1}">
-              <a14:hiddenEffects xmlns:a14="http://schemas.microsoft.com/office/drawing/2010/main" xmlns="">
+              <a14:hiddenEffects xmlns="" xmlns:a14="http://schemas.microsoft.com/office/drawing/2010/main">
                 <a:effectLst>
                   <a:outerShdw blurRad="63500" dist="38099" dir="2700000" algn="ctr" rotWithShape="0">
                     <a:schemeClr val="bg2">
@@ -27744,7 +27772,7 @@
           <a:effectLst/>
           <a:extLst>
             <a:ext uri="{AF507438-7753-43e0-B8FC-AC1667EBCBE1}">
-              <a14:hiddenEffects xmlns:a14="http://schemas.microsoft.com/office/drawing/2010/main" xmlns="">
+              <a14:hiddenEffects xmlns="" xmlns:a14="http://schemas.microsoft.com/office/drawing/2010/main">
                 <a:effectLst>
                   <a:outerShdw blurRad="63500" dist="38099" dir="2700000" algn="ctr" rotWithShape="0">
                     <a:schemeClr val="bg2">
@@ -27827,7 +27855,7 @@
           <a:effectLst/>
           <a:extLst>
             <a:ext uri="{AF507438-7753-43e0-B8FC-AC1667EBCBE1}">
-              <a14:hiddenEffects xmlns:a14="http://schemas.microsoft.com/office/drawing/2010/main" xmlns="">
+              <a14:hiddenEffects xmlns="" xmlns:a14="http://schemas.microsoft.com/office/drawing/2010/main">
                 <a:effectLst>
                   <a:outerShdw blurRad="63500" dist="38099" dir="2700000" algn="ctr" rotWithShape="0">
                     <a:schemeClr val="bg2">
@@ -27924,7 +27952,7 @@
           <a:effectLst/>
           <a:extLst>
             <a:ext uri="{AF507438-7753-43e0-B8FC-AC1667EBCBE1}">
-              <a14:hiddenEffects xmlns:a14="http://schemas.microsoft.com/office/drawing/2010/main" xmlns="">
+              <a14:hiddenEffects xmlns="" xmlns:a14="http://schemas.microsoft.com/office/drawing/2010/main">
                 <a:effectLst>
                   <a:outerShdw blurRad="63500" dist="38099" dir="2700000" algn="ctr" rotWithShape="0">
                     <a:schemeClr val="bg2">
@@ -28021,7 +28049,7 @@
           <a:effectLst/>
           <a:extLst>
             <a:ext uri="{AF507438-7753-43e0-B8FC-AC1667EBCBE1}">
-              <a14:hiddenEffects xmlns:a14="http://schemas.microsoft.com/office/drawing/2010/main" xmlns="">
+              <a14:hiddenEffects xmlns="" xmlns:a14="http://schemas.microsoft.com/office/drawing/2010/main">
                 <a:effectLst>
                   <a:outerShdw blurRad="63500" dist="38099" dir="2700000" algn="ctr" rotWithShape="0">
                     <a:schemeClr val="bg2">
@@ -28116,7 +28144,7 @@
           <a:effectLst/>
           <a:extLst>
             <a:ext uri="{AF507438-7753-43e0-B8FC-AC1667EBCBE1}">
-              <a14:hiddenEffects xmlns:a14="http://schemas.microsoft.com/office/drawing/2010/main" xmlns="">
+              <a14:hiddenEffects xmlns="" xmlns:a14="http://schemas.microsoft.com/office/drawing/2010/main">
                 <a:effectLst>
                   <a:outerShdw blurRad="63500" dist="38099" dir="2700000" algn="ctr" rotWithShape="0">
                     <a:schemeClr val="bg2">
@@ -28215,7 +28243,7 @@
           <a:effectLst/>
           <a:extLst>
             <a:ext uri="{AF507438-7753-43e0-B8FC-AC1667EBCBE1}">
-              <a14:hiddenEffects xmlns:a14="http://schemas.microsoft.com/office/drawing/2010/main" xmlns="">
+              <a14:hiddenEffects xmlns="" xmlns:a14="http://schemas.microsoft.com/office/drawing/2010/main">
                 <a:effectLst>
                   <a:outerShdw blurRad="63500" dist="38099" dir="2700000" algn="ctr" rotWithShape="0">
                     <a:schemeClr val="bg2">
@@ -28301,7 +28329,7 @@
           <a:effectLst/>
           <a:extLst>
             <a:ext uri="{AF507438-7753-43e0-B8FC-AC1667EBCBE1}">
-              <a14:hiddenEffects xmlns:a14="http://schemas.microsoft.com/office/drawing/2010/main" xmlns="">
+              <a14:hiddenEffects xmlns="" xmlns:a14="http://schemas.microsoft.com/office/drawing/2010/main">
                 <a:effectLst>
                   <a:outerShdw blurRad="63500" dist="38099" dir="2700000" algn="ctr" rotWithShape="0">
                     <a:schemeClr val="bg2">
@@ -28349,7 +28377,7 @@
           <a:effectLst/>
           <a:extLst>
             <a:ext uri="{AF507438-7753-43e0-B8FC-AC1667EBCBE1}">
-              <a14:hiddenEffects xmlns:a14="http://schemas.microsoft.com/office/drawing/2010/main" xmlns="">
+              <a14:hiddenEffects xmlns="" xmlns:a14="http://schemas.microsoft.com/office/drawing/2010/main">
                 <a:effectLst>
                   <a:outerShdw blurRad="63500" dist="38099" dir="2700000" algn="ctr" rotWithShape="0">
                     <a:schemeClr val="bg2">
@@ -28450,7 +28478,7 @@
           <a:effectLst/>
           <a:extLst>
             <a:ext uri="{AF507438-7753-43e0-B8FC-AC1667EBCBE1}">
-              <a14:hiddenEffects xmlns:a14="http://schemas.microsoft.com/office/drawing/2010/main" xmlns="">
+              <a14:hiddenEffects xmlns="" xmlns:a14="http://schemas.microsoft.com/office/drawing/2010/main">
                 <a:effectLst>
                   <a:outerShdw blurRad="63500" dist="38099" dir="2700000" algn="ctr" rotWithShape="0">
                     <a:schemeClr val="bg2">
@@ -28775,7 +28803,7 @@
           <a:effectLst/>
           <a:extLst>
             <a:ext uri="{AF507438-7753-43e0-B8FC-AC1667EBCBE1}">
-              <a14:hiddenEffects xmlns:a14="http://schemas.microsoft.com/office/drawing/2010/main" xmlns="">
+              <a14:hiddenEffects xmlns="" xmlns:a14="http://schemas.microsoft.com/office/drawing/2010/main">
                 <a:effectLst>
                   <a:outerShdw blurRad="63500" dist="38099" dir="2700000" algn="ctr" rotWithShape="0">
                     <a:schemeClr val="bg2">
@@ -28919,7 +28947,7 @@
           <a:effectLst/>
           <a:extLst>
             <a:ext uri="{AF507438-7753-43e0-B8FC-AC1667EBCBE1}">
-              <a14:hiddenEffects xmlns:a14="http://schemas.microsoft.com/office/drawing/2010/main" xmlns="">
+              <a14:hiddenEffects xmlns="" xmlns:a14="http://schemas.microsoft.com/office/drawing/2010/main">
                 <a:effectLst>
                   <a:outerShdw blurRad="63500" dist="38099" dir="2700000" algn="ctr" rotWithShape="0">
                     <a:schemeClr val="bg2">
@@ -28969,7 +28997,7 @@
           <a:effectLst/>
           <a:extLst>
             <a:ext uri="{AF507438-7753-43e0-B8FC-AC1667EBCBE1}">
-              <a14:hiddenEffects xmlns:a14="http://schemas.microsoft.com/office/drawing/2010/main" xmlns="">
+              <a14:hiddenEffects xmlns="" xmlns:a14="http://schemas.microsoft.com/office/drawing/2010/main">
                 <a:effectLst>
                   <a:outerShdw blurRad="63500" dist="38099" dir="2700000" algn="ctr" rotWithShape="0">
                     <a:schemeClr val="bg2">
@@ -29017,7 +29045,7 @@
           <a:effectLst/>
           <a:extLst>
             <a:ext uri="{AF507438-7753-43e0-B8FC-AC1667EBCBE1}">
-              <a14:hiddenEffects xmlns:a14="http://schemas.microsoft.com/office/drawing/2010/main" xmlns="">
+              <a14:hiddenEffects xmlns="" xmlns:a14="http://schemas.microsoft.com/office/drawing/2010/main">
                 <a:effectLst>
                   <a:outerShdw blurRad="63500" dist="38099" dir="2700000" algn="ctr" rotWithShape="0">
                     <a:schemeClr val="bg2">
@@ -29213,7 +29241,7 @@
           <a:effectLst/>
           <a:extLst>
             <a:ext uri="{AF507438-7753-43e0-B8FC-AC1667EBCBE1}">
-              <a14:hiddenEffects xmlns:a14="http://schemas.microsoft.com/office/drawing/2010/main" xmlns="">
+              <a14:hiddenEffects xmlns="" xmlns:a14="http://schemas.microsoft.com/office/drawing/2010/main">
                 <a:effectLst>
                   <a:outerShdw blurRad="63500" dist="38099" dir="2700000" algn="ctr" rotWithShape="0">
                     <a:schemeClr val="bg2">
@@ -30031,7 +30059,7 @@
         <a:effectLst/>
         <a:extLst>
           <a:ext uri="{AF507438-7753-43e0-B8FC-AC1667EBCBE1}">
-            <a14:hiddenEffects xmlns:a14="http://schemas.microsoft.com/office/drawing/2010/main" xmlns="">
+            <a14:hiddenEffects xmlns="" xmlns:a14="http://schemas.microsoft.com/office/drawing/2010/main">
               <a:effectLst>
                 <a:outerShdw blurRad="63500" dist="38099" dir="2700000" algn="ctr" rotWithShape="0">
                   <a:schemeClr val="bg2">
@@ -30108,7 +30136,7 @@
         <a:effectLst/>
         <a:extLst>
           <a:ext uri="{AF507438-7753-43e0-B8FC-AC1667EBCBE1}">
-            <a14:hiddenEffects xmlns:a14="http://schemas.microsoft.com/office/drawing/2010/main" xmlns="">
+            <a14:hiddenEffects xmlns="" xmlns:a14="http://schemas.microsoft.com/office/drawing/2010/main">
               <a:effectLst>
                 <a:outerShdw blurRad="63500" dist="38099" dir="2700000" algn="ctr" rotWithShape="0">
                   <a:schemeClr val="bg2">

--- a/figs/conlink/concurrent_linking.pptx
+++ b/figs/conlink/concurrent_linking.pptx
@@ -5,10 +5,10 @@
     <p:sldMasterId id="2147483660" r:id="rId1"/>
   </p:sldMasterIdLst>
   <p:notesMasterIdLst>
-    <p:notesMasterId r:id="rId10"/>
+    <p:notesMasterId r:id="rId11"/>
   </p:notesMasterIdLst>
   <p:handoutMasterIdLst>
-    <p:handoutMasterId r:id="rId11"/>
+    <p:handoutMasterId r:id="rId12"/>
   </p:handoutMasterIdLst>
   <p:sldIdLst>
     <p:sldId id="848" r:id="rId2"/>
@@ -19,6 +19,7 @@
     <p:sldId id="871" r:id="rId7"/>
     <p:sldId id="873" r:id="rId8"/>
     <p:sldId id="826" r:id="rId9"/>
+    <p:sldId id="890" r:id="rId10"/>
   </p:sldIdLst>
   <p:sldSz cx="9144000" cy="5143500" type="screen16x9"/>
   <p:notesSz cx="6858000" cy="9144000"/>
@@ -230,7 +231,7 @@
           <a:p>
             <a:fld id="{98CD50F9-C04E-0643-A81F-E269F6C4EDC0}" type="datetimeFigureOut">
               <a:rPr lang="en-US" smtClean="0"/>
-              <a:t>1/25/19</a:t>
+              <a:t>1/26/19</a:t>
             </a:fld>
             <a:endParaRPr lang="en-US"/>
           </a:p>
@@ -409,7 +410,7 @@
             <a:fld id="{17A7BBF0-95DB-485B-8F44-219DC193D725}" type="datetimeFigureOut">
               <a:rPr lang="en-US" smtClean="0"/>
               <a:pPr/>
-              <a:t>1/25/19</a:t>
+              <a:t>1/26/19</a:t>
             </a:fld>
             <a:endParaRPr lang="en-US"/>
           </a:p>
@@ -1037,6 +1038,67 @@
     <p:extLst>
       <p:ext uri="{BB962C8B-B14F-4D97-AF65-F5344CB8AC3E}">
         <p14:creationId xmlns:p14="http://schemas.microsoft.com/office/powerpoint/2010/main" val="3657797818"/>
+      </p:ext>
+    </p:extLst>
+  </p:cSld>
+  <p:clrMapOvr>
+    <a:masterClrMapping/>
+  </p:clrMapOvr>
+</p:notes>
+</file>
+
+<file path=ppt/notesSlides/notesSlide7.xml><?xml version="1.0" encoding="utf-8"?>
+<p:notes xmlns:a="http://schemas.openxmlformats.org/drawingml/2006/main" xmlns:r="http://schemas.openxmlformats.org/officeDocument/2006/relationships" xmlns:p="http://schemas.openxmlformats.org/presentationml/2006/main">
+  <p:cSld>
+    <p:spTree>
+      <p:nvGrpSpPr>
+        <p:cNvPr id="1" name=""/>
+        <p:cNvGrpSpPr/>
+        <p:nvPr/>
+      </p:nvGrpSpPr>
+      <p:grpSpPr>
+        <a:xfrm>
+          <a:off x="0" y="0"/>
+          <a:ext cx="0" cy="0"/>
+          <a:chOff x="0" y="0"/>
+          <a:chExt cx="0" cy="0"/>
+        </a:xfrm>
+      </p:grpSpPr>
+      <p:sp>
+        <p:nvSpPr>
+          <p:cNvPr id="2" name="Slide Image Placeholder 1"/>
+          <p:cNvSpPr>
+            <a:spLocks noGrp="1" noRot="1" noChangeAspect="1"/>
+          </p:cNvSpPr>
+          <p:nvPr>
+            <p:ph type="sldImg"/>
+          </p:nvPr>
+        </p:nvSpPr>
+        <p:spPr/>
+      </p:sp>
+      <p:sp>
+        <p:nvSpPr>
+          <p:cNvPr id="3" name="Notes Placeholder 2"/>
+          <p:cNvSpPr>
+            <a:spLocks noGrp="1"/>
+          </p:cNvSpPr>
+          <p:nvPr>
+            <p:ph type="body" idx="1"/>
+          </p:nvPr>
+        </p:nvSpPr>
+        <p:spPr/>
+        <p:txBody>
+          <a:bodyPr/>
+          <a:lstStyle/>
+          <a:p>
+            <a:endParaRPr lang="en-US" dirty="0"/>
+          </a:p>
+        </p:txBody>
+      </p:sp>
+    </p:spTree>
+    <p:extLst>
+      <p:ext uri="{BB962C8B-B14F-4D97-AF65-F5344CB8AC3E}">
+        <p14:creationId xmlns:p14="http://schemas.microsoft.com/office/powerpoint/2010/main" val="1030655672"/>
       </p:ext>
     </p:extLst>
   </p:cSld>
@@ -15587,7 +15649,7 @@
             </p:nvSpPr>
             <p:spPr>
               <a:xfrm>
-                <a:off x="1228837" y="3538949"/>
+                <a:off x="685800" y="3538949"/>
                 <a:ext cx="1132233" cy="369332"/>
               </a:xfrm>
               <a:prstGeom prst="rect">
@@ -15668,7 +15730,7 @@
             </p:nvSpPr>
             <p:spPr>
               <a:xfrm>
-                <a:off x="1228837" y="3538949"/>
+                <a:off x="685800" y="3538949"/>
                 <a:ext cx="1132233" cy="369332"/>
               </a:xfrm>
               <a:prstGeom prst="rect">
@@ -15712,7 +15774,7 @@
         </p:nvCxnSpPr>
         <p:spPr bwMode="auto">
           <a:xfrm>
-            <a:off x="2193266" y="1563936"/>
+            <a:off x="1650229" y="1563936"/>
             <a:ext cx="6553200" cy="0"/>
           </a:xfrm>
           <a:prstGeom prst="straightConnector1">
@@ -15760,7 +15822,7 @@
         </p:nvSpPr>
         <p:spPr>
           <a:xfrm>
-            <a:off x="1732039" y="1372405"/>
+            <a:off x="1189002" y="1372405"/>
             <a:ext cx="453970" cy="369332"/>
           </a:xfrm>
           <a:prstGeom prst="rect">
@@ -15797,7 +15859,7 @@
         </p:nvCxnSpPr>
         <p:spPr bwMode="auto">
           <a:xfrm>
-            <a:off x="2193266" y="2327059"/>
+            <a:off x="1650229" y="2327059"/>
             <a:ext cx="6553200" cy="0"/>
           </a:xfrm>
           <a:prstGeom prst="straightConnector1">
@@ -15845,7 +15907,7 @@
         </p:nvSpPr>
         <p:spPr>
           <a:xfrm>
-            <a:off x="1736066" y="2148919"/>
+            <a:off x="1193029" y="2148919"/>
             <a:ext cx="453970" cy="369332"/>
           </a:xfrm>
           <a:prstGeom prst="rect">
@@ -15880,7 +15942,7 @@
         </p:nvSpPr>
         <p:spPr bwMode="auto">
           <a:xfrm>
-            <a:off x="2785476" y="1463680"/>
+            <a:off x="2242439" y="1463680"/>
             <a:ext cx="984132" cy="217232"/>
           </a:xfrm>
           <a:prstGeom prst="rect">
@@ -15975,7 +16037,7 @@
         </p:nvSpPr>
         <p:spPr bwMode="auto">
           <a:xfrm>
-            <a:off x="3824042" y="1465090"/>
+            <a:off x="3281005" y="1465090"/>
             <a:ext cx="633453" cy="217232"/>
           </a:xfrm>
           <a:prstGeom prst="rect">
@@ -16072,7 +16134,7 @@
         </p:nvSpPr>
         <p:spPr bwMode="auto">
           <a:xfrm>
-            <a:off x="6612866" y="2215277"/>
+            <a:off x="6069829" y="2215277"/>
             <a:ext cx="569846" cy="217232"/>
           </a:xfrm>
           <a:prstGeom prst="rect">
@@ -16169,7 +16231,7 @@
         </p:nvSpPr>
         <p:spPr bwMode="auto">
           <a:xfrm>
-            <a:off x="5606506" y="2222534"/>
+            <a:off x="5063469" y="2222534"/>
             <a:ext cx="970075" cy="217232"/>
           </a:xfrm>
           <a:prstGeom prst="rect">
@@ -16266,7 +16328,7 @@
         </p:nvCxnSpPr>
         <p:spPr bwMode="auto">
           <a:xfrm>
-            <a:off x="4457495" y="1573706"/>
+            <a:off x="3914458" y="1573706"/>
             <a:ext cx="97971" cy="753353"/>
           </a:xfrm>
           <a:prstGeom prst="straightConnector1">
@@ -16316,7 +16378,7 @@
         </p:nvCxnSpPr>
         <p:spPr bwMode="auto">
           <a:xfrm flipV="1">
-            <a:off x="7679666" y="1563380"/>
+            <a:off x="7136629" y="1563380"/>
             <a:ext cx="297543" cy="1512293"/>
           </a:xfrm>
           <a:prstGeom prst="straightConnector1">
@@ -16364,7 +16426,7 @@
         </p:nvSpPr>
         <p:spPr>
           <a:xfrm>
-            <a:off x="7272358" y="2832890"/>
+            <a:off x="6729321" y="2832890"/>
             <a:ext cx="415498" cy="369332"/>
           </a:xfrm>
           <a:prstGeom prst="rect">
@@ -16400,7 +16462,7 @@
         </p:nvCxnSpPr>
         <p:spPr bwMode="auto">
           <a:xfrm>
-            <a:off x="7182712" y="2336625"/>
+            <a:off x="6639675" y="2336625"/>
             <a:ext cx="97971" cy="753353"/>
           </a:xfrm>
           <a:prstGeom prst="straightConnector1">
@@ -16450,7 +16512,7 @@
         </p:nvCxnSpPr>
         <p:spPr bwMode="auto">
           <a:xfrm>
-            <a:off x="2193266" y="3410803"/>
+            <a:off x="1650229" y="3410803"/>
             <a:ext cx="6553200" cy="0"/>
           </a:xfrm>
           <a:prstGeom prst="straightConnector1">
@@ -16498,7 +16560,7 @@
         </p:nvSpPr>
         <p:spPr bwMode="auto">
           <a:xfrm>
-            <a:off x="6500844" y="3309686"/>
+            <a:off x="5957807" y="3309686"/>
             <a:ext cx="569846" cy="217232"/>
           </a:xfrm>
           <a:prstGeom prst="rect">
@@ -16595,7 +16657,7 @@
         </p:nvSpPr>
         <p:spPr bwMode="auto">
           <a:xfrm>
-            <a:off x="5494484" y="3316943"/>
+            <a:off x="4951447" y="3316943"/>
             <a:ext cx="970075" cy="217232"/>
           </a:xfrm>
           <a:prstGeom prst="rect">
@@ -16690,7 +16752,7 @@
         </p:nvSpPr>
         <p:spPr bwMode="auto">
           <a:xfrm>
-            <a:off x="2785476" y="3330047"/>
+            <a:off x="2242439" y="3330047"/>
             <a:ext cx="984132" cy="217232"/>
           </a:xfrm>
           <a:prstGeom prst="rect">
@@ -16785,7 +16847,7 @@
         </p:nvSpPr>
         <p:spPr bwMode="auto">
           <a:xfrm>
-            <a:off x="3824042" y="3331457"/>
+            <a:off x="3281005" y="3331457"/>
             <a:ext cx="633453" cy="217232"/>
           </a:xfrm>
           <a:prstGeom prst="rect">
@@ -16882,7 +16944,7 @@
         </p:nvSpPr>
         <p:spPr bwMode="auto">
           <a:xfrm>
-            <a:off x="7222466" y="3319248"/>
+            <a:off x="6679429" y="3319248"/>
             <a:ext cx="553824" cy="217912"/>
           </a:xfrm>
           <a:prstGeom prst="ellipse">
@@ -16966,7 +17028,7 @@
         </p:nvSpPr>
         <p:spPr>
           <a:xfrm>
-            <a:off x="7291629" y="3168415"/>
+            <a:off x="6748592" y="3168415"/>
             <a:ext cx="415498" cy="369332"/>
           </a:xfrm>
           <a:prstGeom prst="rect">
@@ -17000,7 +17062,7 @@
         </p:nvSpPr>
         <p:spPr>
           <a:xfrm>
-            <a:off x="1375865" y="3218293"/>
+            <a:off x="832828" y="3218293"/>
             <a:ext cx="864339" cy="369332"/>
           </a:xfrm>
           <a:prstGeom prst="rect">
@@ -17025,10 +17087,10 @@
         <mc:Choice Requires="a14">
           <p:sp>
             <p:nvSpPr>
-              <p:cNvPr id="27" name="Rectangle 26">
+              <p:cNvPr id="26" name="Rectangle 25">
                 <a:extLst>
                   <a:ext uri="{FF2B5EF4-FFF2-40B4-BE49-F238E27FC236}">
-                    <a16:creationId xmlns:a16="http://schemas.microsoft.com/office/drawing/2014/main" id="{D9A2E125-7B44-FF45-92CA-2AF25684C3EA}"/>
+                    <a16:creationId xmlns:a16="http://schemas.microsoft.com/office/drawing/2014/main" id="{11530A73-3344-E548-BB94-D7D8B8DC0F69}"/>
                   </a:ext>
                 </a:extLst>
               </p:cNvPr>
@@ -17037,8 +17099,8 @@
             </p:nvSpPr>
             <p:spPr>
               <a:xfrm>
-                <a:off x="135866" y="868594"/>
-                <a:ext cx="5618782" cy="389337"/>
+                <a:off x="1725761" y="4118450"/>
+                <a:ext cx="5742662" cy="394019"/>
               </a:xfrm>
               <a:prstGeom prst="rect">
                 <a:avLst/>
@@ -17068,7 +17130,7 @@
                           <a:rPr lang="en-US" b="0" i="0" smtClean="0">
                             <a:latin typeface="Cambria Math" panose="02040503050406030204" pitchFamily="18" charset="0"/>
                           </a:rPr>
-                          <m:t>estate</m:t>
+                          <m:t>state</m:t>
                         </m:r>
                       </m:e>
                       <m:sub>
@@ -17079,7 +17141,322 @@
                           <a:rPr lang="en-US" b="0" i="0" smtClean="0">
                             <a:latin typeface="Cambria Math" panose="02040503050406030204" pitchFamily="18" charset="0"/>
                           </a:rPr>
-                          <m:t>mt</m:t>
+                          <m:t>LAsm</m:t>
+                        </m:r>
+                      </m:sub>
+                    </m:sSub>
+                    <m:r>
+                      <a:rPr lang="en-US" i="1">
+                        <a:latin typeface="Cambria Math" panose="02040503050406030204" pitchFamily="18" charset="0"/>
+                      </a:rPr>
+                      <m:t>≔(</m:t>
+                    </m:r>
+                    <m:r>
+                      <a:rPr lang="en-US" i="1">
+                        <a:latin typeface="Cambria Math" panose="02040503050406030204" pitchFamily="18" charset="0"/>
+                      </a:rPr>
+                      <m:t>𝑙𝑠</m:t>
+                    </m:r>
+                    <m:sSub>
+                      <m:sSubPr>
+                        <m:ctrlPr>
+                          <a:rPr lang="en-US" b="0" i="1" smtClean="0">
+                            <a:latin typeface="Cambria Math" panose="02040503050406030204" pitchFamily="18" charset="0"/>
+                          </a:rPr>
+                        </m:ctrlPr>
+                      </m:sSubPr>
+                      <m:e>
+                        <m:r>
+                          <a:rPr lang="en-US" b="0" i="1" smtClean="0">
+                            <a:latin typeface="Cambria Math" panose="02040503050406030204" pitchFamily="18" charset="0"/>
+                          </a:rPr>
+                          <m:t>𝑡</m:t>
+                        </m:r>
+                      </m:e>
+                      <m:sub>
+                        <m:r>
+                          <m:rPr>
+                            <m:sty m:val="p"/>
+                          </m:rPr>
+                          <a:rPr lang="en-US" b="0" i="0" smtClean="0">
+                            <a:latin typeface="Cambria Math" panose="02040503050406030204" pitchFamily="18" charset="0"/>
+                          </a:rPr>
+                          <m:t>cpu</m:t>
+                        </m:r>
+                      </m:sub>
+                    </m:sSub>
+                    <m:r>
+                      <a:rPr lang="en-US" i="1">
+                        <a:latin typeface="Cambria Math" panose="02040503050406030204" pitchFamily="18" charset="0"/>
+                        <a:ea typeface="Cambria Math" panose="02040503050406030204" pitchFamily="18" charset="0"/>
+                      </a:rPr>
+                      <m:t>, </m:t>
+                    </m:r>
+                    <m:r>
+                      <a:rPr lang="en-US" i="1">
+                        <a:latin typeface="Cambria Math" panose="02040503050406030204" pitchFamily="18" charset="0"/>
+                        <a:ea typeface="Cambria Math" panose="02040503050406030204" pitchFamily="18" charset="0"/>
+                      </a:rPr>
+                      <m:t>𝑙𝑜𝑔</m:t>
+                    </m:r>
+                    <m:r>
+                      <a:rPr lang="en-US" i="1">
+                        <a:latin typeface="Cambria Math" panose="02040503050406030204" pitchFamily="18" charset="0"/>
+                        <a:ea typeface="Cambria Math" panose="02040503050406030204" pitchFamily="18" charset="0"/>
+                      </a:rPr>
+                      <m:t>)</m:t>
+                    </m:r>
+                  </m:oMath>
+                </a14:m>
+                <a:r>
+                  <a:rPr lang="en-US" dirty="0"/>
+                  <a:t> (when </a:t>
+                </a:r>
+                <a14:m>
+                  <m:oMath xmlns:m="http://schemas.openxmlformats.org/officeDocument/2006/math">
+                    <m:r>
+                      <a:rPr lang="en-US" b="0" i="1" dirty="0" smtClean="0">
+                        <a:latin typeface="Cambria Math" panose="02040503050406030204" pitchFamily="18" charset="0"/>
+                      </a:rPr>
+                      <m:t>𝑙𝑠</m:t>
+                    </m:r>
+                    <m:sSub>
+                      <m:sSubPr>
+                        <m:ctrlPr>
+                          <a:rPr lang="en-US" b="0" i="1" dirty="0" smtClean="0">
+                            <a:latin typeface="Cambria Math" panose="02040503050406030204" pitchFamily="18" charset="0"/>
+                          </a:rPr>
+                        </m:ctrlPr>
+                      </m:sSubPr>
+                      <m:e>
+                        <m:r>
+                          <a:rPr lang="en-US" b="0" i="1" dirty="0" smtClean="0">
+                            <a:latin typeface="Cambria Math" panose="02040503050406030204" pitchFamily="18" charset="0"/>
+                          </a:rPr>
+                          <m:t>𝑡</m:t>
+                        </m:r>
+                      </m:e>
+                      <m:sub>
+                        <m:r>
+                          <m:rPr>
+                            <m:sty m:val="p"/>
+                          </m:rPr>
+                          <a:rPr lang="en-US" b="0" i="0" dirty="0" smtClean="0">
+                            <a:latin typeface="Cambria Math" panose="02040503050406030204" pitchFamily="18" charset="0"/>
+                          </a:rPr>
+                          <m:t>cpu</m:t>
+                        </m:r>
+                      </m:sub>
+                    </m:sSub>
+                    <m:r>
+                      <a:rPr lang="en-US" b="0" i="1" dirty="0" smtClean="0">
+                        <a:latin typeface="Cambria Math" panose="02040503050406030204" pitchFamily="18" charset="0"/>
+                      </a:rPr>
+                      <m:t>=(</m:t>
+                    </m:r>
+                    <m:r>
+                      <a:rPr lang="en-US" b="0" i="1" dirty="0" smtClean="0">
+                        <a:latin typeface="Cambria Math" panose="02040503050406030204" pitchFamily="18" charset="0"/>
+                      </a:rPr>
+                      <m:t>𝜌</m:t>
+                    </m:r>
+                    <m:r>
+                      <a:rPr lang="en-US" b="0" i="1" dirty="0" smtClean="0">
+                        <a:latin typeface="Cambria Math" panose="02040503050406030204" pitchFamily="18" charset="0"/>
+                      </a:rPr>
+                      <m:t>, </m:t>
+                    </m:r>
+                    <m:r>
+                      <a:rPr lang="en-US" b="0" i="1" dirty="0" smtClean="0">
+                        <a:latin typeface="Cambria Math" panose="02040503050406030204" pitchFamily="18" charset="0"/>
+                      </a:rPr>
+                      <m:t>𝑚𝑒𝑚</m:t>
+                    </m:r>
+                    <m:r>
+                      <a:rPr lang="en-US" b="0" i="1" dirty="0" smtClean="0">
+                        <a:latin typeface="Cambria Math" panose="02040503050406030204" pitchFamily="18" charset="0"/>
+                      </a:rPr>
+                      <m:t>, </m:t>
+                    </m:r>
+                    <m:r>
+                      <a:rPr lang="en-US" b="0" i="1" dirty="0" smtClean="0">
+                        <a:latin typeface="Cambria Math" panose="02040503050406030204" pitchFamily="18" charset="0"/>
+                      </a:rPr>
+                      <m:t>𝑎𝑏𝑠</m:t>
+                    </m:r>
+                    <m:r>
+                      <a:rPr lang="en-US" b="0" i="1" dirty="0" smtClean="0">
+                        <a:latin typeface="Cambria Math" panose="02040503050406030204" pitchFamily="18" charset="0"/>
+                      </a:rPr>
+                      <m:t>)</m:t>
+                    </m:r>
+                  </m:oMath>
+                </a14:m>
+                <a:r>
+                  <a:rPr lang="en-US" dirty="0"/>
+                  <a:t>)</a:t>
+                </a:r>
+              </a:p>
+            </p:txBody>
+          </p:sp>
+        </mc:Choice>
+        <mc:Fallback xmlns="">
+          <p:sp>
+            <p:nvSpPr>
+              <p:cNvPr id="26" name="Rectangle 25">
+                <a:extLst>
+                  <a:ext uri="{FF2B5EF4-FFF2-40B4-BE49-F238E27FC236}">
+                    <a16:creationId xmlns:a16="http://schemas.microsoft.com/office/drawing/2014/main" id="{11530A73-3344-E548-BB94-D7D8B8DC0F69}"/>
+                  </a:ext>
+                </a:extLst>
+              </p:cNvPr>
+              <p:cNvSpPr>
+                <a:spLocks noRot="1" noChangeAspect="1" noMove="1" noResize="1" noEditPoints="1" noAdjustHandles="1" noChangeArrowheads="1" noChangeShapeType="1" noTextEdit="1"/>
+              </p:cNvSpPr>
+              <p:nvPr/>
+            </p:nvSpPr>
+            <p:spPr>
+              <a:xfrm>
+                <a:off x="1725761" y="4118450"/>
+                <a:ext cx="5742662" cy="394019"/>
+              </a:xfrm>
+              <a:prstGeom prst="rect">
+                <a:avLst/>
+              </a:prstGeom>
+              <a:blipFill>
+                <a:blip r:embed="rId4"/>
+                <a:stretch>
+                  <a:fillRect t="-9677" b="-16129"/>
+                </a:stretch>
+              </a:blipFill>
+            </p:spPr>
+            <p:txBody>
+              <a:bodyPr/>
+              <a:lstStyle/>
+              <a:p>
+                <a:r>
+                  <a:rPr lang="en-US">
+                    <a:noFill/>
+                  </a:rPr>
+                  <a:t> </a:t>
+                </a:r>
+              </a:p>
+            </p:txBody>
+          </p:sp>
+        </mc:Fallback>
+      </mc:AlternateContent>
+      <mc:AlternateContent xmlns:mc="http://schemas.openxmlformats.org/markup-compatibility/2006">
+        <mc:Choice xmlns:a14="http://schemas.microsoft.com/office/drawing/2010/main" Requires="a14">
+          <p:sp>
+            <p:nvSpPr>
+              <p:cNvPr id="33" name="Rectangle 32">
+                <a:extLst>
+                  <a:ext uri="{FF2B5EF4-FFF2-40B4-BE49-F238E27FC236}">
+                    <a16:creationId xmlns:a16="http://schemas.microsoft.com/office/drawing/2014/main" id="{7E7F56A8-9541-2642-90A6-B33D42E3AAFC}"/>
+                  </a:ext>
+                </a:extLst>
+              </p:cNvPr>
+              <p:cNvSpPr/>
+              <p:nvPr/>
+            </p:nvSpPr>
+            <p:spPr>
+              <a:xfrm>
+                <a:off x="152400" y="850913"/>
+                <a:ext cx="9206495" cy="425437"/>
+              </a:xfrm>
+              <a:prstGeom prst="rect">
+                <a:avLst/>
+              </a:prstGeom>
+            </p:spPr>
+            <p:txBody>
+              <a:bodyPr wrap="none">
+                <a:spAutoFit/>
+              </a:bodyPr>
+              <a:lstStyle/>
+              <a:p>
+                <a14:m>
+                  <m:oMath xmlns:m="http://schemas.openxmlformats.org/officeDocument/2006/math">
+                    <m:sSub>
+                      <m:sSubPr>
+                        <m:ctrlPr>
+                          <a:rPr lang="en-US" b="0" i="1" smtClean="0">
+                            <a:latin typeface="Cambria Math" panose="02040503050406030204" pitchFamily="18" charset="0"/>
+                          </a:rPr>
+                        </m:ctrlPr>
+                      </m:sSubPr>
+                      <m:e>
+                        <m:r>
+                          <m:rPr>
+                            <m:sty m:val="p"/>
+                          </m:rPr>
+                          <a:rPr lang="en-US" b="0" i="0" smtClean="0">
+                            <a:latin typeface="Cambria Math" panose="02040503050406030204" pitchFamily="18" charset="0"/>
+                          </a:rPr>
+                          <m:t>State</m:t>
+                        </m:r>
+                      </m:e>
+                      <m:sub>
+                        <m:r>
+                          <m:rPr>
+                            <m:sty m:val="p"/>
+                          </m:rPr>
+                          <a:rPr lang="en-US" b="0" i="0" smtClean="0">
+                            <a:latin typeface="Cambria Math" panose="02040503050406030204" pitchFamily="18" charset="0"/>
+                          </a:rPr>
+                          <m:t>EAsm</m:t>
+                        </m:r>
+                        <m:r>
+                          <a:rPr lang="en-US" b="0" i="0" smtClean="0">
+                            <a:latin typeface="Cambria Math" panose="02040503050406030204" pitchFamily="18" charset="0"/>
+                          </a:rPr>
+                          <m:t>[</m:t>
+                        </m:r>
+                        <m:sSub>
+                          <m:sSubPr>
+                            <m:ctrlPr>
+                              <a:rPr lang="en-US" b="0" i="1" smtClean="0">
+                                <a:latin typeface="Cambria Math" panose="02040503050406030204" pitchFamily="18" charset="0"/>
+                              </a:rPr>
+                            </m:ctrlPr>
+                          </m:sSubPr>
+                          <m:e>
+                            <m:r>
+                              <m:rPr>
+                                <m:sty m:val="p"/>
+                              </m:rPr>
+                              <a:rPr lang="en-US" b="0" i="0" smtClean="0">
+                                <a:latin typeface="Cambria Math" panose="02040503050406030204" pitchFamily="18" charset="0"/>
+                              </a:rPr>
+                              <m:t>T</m:t>
+                            </m:r>
+                          </m:e>
+                          <m:sub>
+                            <m:d>
+                              <m:dPr>
+                                <m:begChr m:val="["/>
+                                <m:endChr m:val="]"/>
+                                <m:ctrlPr>
+                                  <a:rPr lang="en-US" b="0" i="1" smtClean="0">
+                                    <a:latin typeface="Cambria Math" panose="02040503050406030204" pitchFamily="18" charset="0"/>
+                                  </a:rPr>
+                                </m:ctrlPr>
+                              </m:dPr>
+                              <m:e>
+                                <m:r>
+                                  <a:rPr lang="en-US" b="0" i="0" smtClean="0">
+                                    <a:latin typeface="Cambria Math" panose="02040503050406030204" pitchFamily="18" charset="0"/>
+                                  </a:rPr>
+                                  <m:t>1</m:t>
+                                </m:r>
+                              </m:e>
+                            </m:d>
+                          </m:sub>
+                        </m:sSub>
+                        <m:r>
+                          <a:rPr lang="en-US" b="0" i="0" smtClean="0">
+                            <a:latin typeface="Cambria Math" panose="02040503050406030204" pitchFamily="18" charset="0"/>
+                          </a:rPr>
+                          <m:t>]</m:t>
                         </m:r>
                       </m:sub>
                     </m:sSub>
@@ -17188,7 +17565,7 @@
                 </a14:m>
                 <a:r>
                   <a:rPr lang="en-US" dirty="0"/>
-                  <a:t> (</a:t>
+                  <a:t> (when </a:t>
                 </a:r>
                 <a14:m>
                   <m:oMath xmlns:m="http://schemas.openxmlformats.org/officeDocument/2006/math">
@@ -17251,15 +17628,136 @@
                           </m:dPr>
                           <m:e>
                             <m:r>
-                              <a:rPr lang="en-US" b="0" i="1" dirty="0" smtClean="0">
+                              <a:rPr lang="en-US" b="0" i="0" dirty="0" smtClean="0">
                                 <a:latin typeface="Cambria Math" panose="02040503050406030204" pitchFamily="18" charset="0"/>
                               </a:rPr>
-                              <m:t>𝑐𝑖𝑑</m:t>
+                              <m:t>1</m:t>
                             </m:r>
                           </m:e>
                         </m:d>
                       </m:sub>
                     </m:sSub>
+                  </m:oMath>
+                </a14:m>
+                <a:r>
+                  <a:rPr lang="en-US" dirty="0"/>
+                  <a:t> and </a:t>
+                </a:r>
+                <a14:m>
+                  <m:oMath xmlns:m="http://schemas.openxmlformats.org/officeDocument/2006/math">
+                    <m:r>
+                      <a:rPr lang="en-US" i="1">
+                        <a:latin typeface="Cambria Math" panose="02040503050406030204" pitchFamily="18" charset="0"/>
+                      </a:rPr>
+                      <m:t>𝑙𝑠</m:t>
+                    </m:r>
+                    <m:sSub>
+                      <m:sSubPr>
+                        <m:ctrlPr>
+                          <a:rPr lang="en-US" b="0" i="1" smtClean="0">
+                            <a:latin typeface="Cambria Math" panose="02040503050406030204" pitchFamily="18" charset="0"/>
+                          </a:rPr>
+                        </m:ctrlPr>
+                      </m:sSubPr>
+                      <m:e>
+                        <m:r>
+                          <a:rPr lang="en-US" b="0" i="1" smtClean="0">
+                            <a:latin typeface="Cambria Math" panose="02040503050406030204" pitchFamily="18" charset="0"/>
+                          </a:rPr>
+                          <m:t>𝑡</m:t>
+                        </m:r>
+                      </m:e>
+                      <m:sub>
+                        <m:r>
+                          <a:rPr lang="en-US" b="0" i="1" smtClean="0">
+                            <a:latin typeface="Cambria Math" panose="02040503050406030204" pitchFamily="18" charset="0"/>
+                          </a:rPr>
+                          <m:t>𝑡𝑖</m:t>
+                        </m:r>
+                      </m:sub>
+                    </m:sSub>
+                    <m:r>
+                      <a:rPr lang="en-US" b="0" i="1" smtClean="0">
+                        <a:latin typeface="Cambria Math" panose="02040503050406030204" pitchFamily="18" charset="0"/>
+                      </a:rPr>
+                      <m:t>=(</m:t>
+                    </m:r>
+                    <m:sSub>
+                      <m:sSubPr>
+                        <m:ctrlPr>
+                          <a:rPr lang="en-US" b="0" i="1" smtClean="0">
+                            <a:latin typeface="Cambria Math" panose="02040503050406030204" pitchFamily="18" charset="0"/>
+                          </a:rPr>
+                        </m:ctrlPr>
+                      </m:sSubPr>
+                      <m:e>
+                        <m:r>
+                          <a:rPr lang="en-US" b="0" i="1" smtClean="0">
+                            <a:latin typeface="Cambria Math" panose="02040503050406030204" pitchFamily="18" charset="0"/>
+                          </a:rPr>
+                          <m:t>𝜌</m:t>
+                        </m:r>
+                      </m:e>
+                      <m:sub>
+                        <m:r>
+                          <a:rPr lang="en-US" b="0" i="1" smtClean="0">
+                            <a:latin typeface="Cambria Math" panose="02040503050406030204" pitchFamily="18" charset="0"/>
+                          </a:rPr>
+                          <m:t>𝑡𝑖</m:t>
+                        </m:r>
+                      </m:sub>
+                    </m:sSub>
+                    <m:r>
+                      <a:rPr lang="en-US" b="0" i="1" smtClean="0">
+                        <a:latin typeface="Cambria Math" panose="02040503050406030204" pitchFamily="18" charset="0"/>
+                      </a:rPr>
+                      <m:t>, </m:t>
+                    </m:r>
+                    <m:r>
+                      <a:rPr lang="en-US" b="0" i="1" smtClean="0">
+                        <a:latin typeface="Cambria Math" panose="02040503050406030204" pitchFamily="18" charset="0"/>
+                      </a:rPr>
+                      <m:t>𝑎𝑏</m:t>
+                    </m:r>
+                    <m:sSubSup>
+                      <m:sSubSupPr>
+                        <m:ctrlPr>
+                          <a:rPr lang="en-US" b="0" i="1" smtClean="0">
+                            <a:latin typeface="Cambria Math" panose="02040503050406030204" pitchFamily="18" charset="0"/>
+                          </a:rPr>
+                        </m:ctrlPr>
+                      </m:sSubSupPr>
+                      <m:e>
+                        <m:r>
+                          <a:rPr lang="en-US" b="0" i="1" smtClean="0">
+                            <a:latin typeface="Cambria Math" panose="02040503050406030204" pitchFamily="18" charset="0"/>
+                          </a:rPr>
+                          <m:t>𝑠</m:t>
+                        </m:r>
+                      </m:e>
+                      <m:sub>
+                        <m:r>
+                          <a:rPr lang="en-US" b="0" i="1" smtClean="0">
+                            <a:latin typeface="Cambria Math" panose="02040503050406030204" pitchFamily="18" charset="0"/>
+                          </a:rPr>
+                          <m:t>𝑡𝑖</m:t>
+                        </m:r>
+                      </m:sub>
+                      <m:sup>
+                        <m:r>
+                          <a:rPr lang="en-US" b="0" i="1" smtClean="0">
+                            <a:latin typeface="Cambria Math" panose="02040503050406030204" pitchFamily="18" charset="0"/>
+                          </a:rPr>
+                          <m:t>𝑇</m:t>
+                        </m:r>
+                      </m:sup>
+                    </m:sSubSup>
+                    <m:r>
+                      <a:rPr lang="en-US" b="0" i="1" smtClean="0">
+                        <a:latin typeface="Cambria Math" panose="02040503050406030204" pitchFamily="18" charset="0"/>
+                      </a:rPr>
+                      <m:t>)</m:t>
+                    </m:r>
                   </m:oMath>
                 </a14:m>
                 <a:r>
@@ -17270,13 +17768,13 @@
             </p:txBody>
           </p:sp>
         </mc:Choice>
-        <mc:Fallback xmlns="">
+        <mc:Fallback>
           <p:sp>
             <p:nvSpPr>
-              <p:cNvPr id="27" name="Rectangle 26">
+              <p:cNvPr id="33" name="Rectangle 32">
                 <a:extLst>
                   <a:ext uri="{FF2B5EF4-FFF2-40B4-BE49-F238E27FC236}">
-                    <a16:creationId xmlns:a16="http://schemas.microsoft.com/office/drawing/2014/main" id="{D9A2E125-7B44-FF45-92CA-2AF25684C3EA}"/>
+                    <a16:creationId xmlns:a16="http://schemas.microsoft.com/office/drawing/2014/main" id="{7E7F56A8-9541-2642-90A6-B33D42E3AAFC}"/>
                   </a:ext>
                 </a:extLst>
               </p:cNvPr>
@@ -17287,16 +17785,16 @@
             </p:nvSpPr>
             <p:spPr>
               <a:xfrm>
-                <a:off x="135866" y="868594"/>
-                <a:ext cx="5618782" cy="389337"/>
+                <a:off x="152400" y="850913"/>
+                <a:ext cx="9206495" cy="425437"/>
               </a:xfrm>
               <a:prstGeom prst="rect">
                 <a:avLst/>
               </a:prstGeom>
               <a:blipFill>
-                <a:blip r:embed="rId4"/>
+                <a:blip r:embed="rId5"/>
                 <a:stretch>
-                  <a:fillRect t="-6250" b="-15625"/>
+                  <a:fillRect t="-8571" b="-2857"/>
                 </a:stretch>
               </a:blipFill>
             </p:spPr>
@@ -17315,6 +17813,124 @@
           </p:sp>
         </mc:Fallback>
       </mc:AlternateContent>
+      <p:cxnSp>
+        <p:nvCxnSpPr>
+          <p:cNvPr id="37" name="Straight Connector 36">
+            <a:extLst>
+              <a:ext uri="{FF2B5EF4-FFF2-40B4-BE49-F238E27FC236}">
+                <a16:creationId xmlns:a16="http://schemas.microsoft.com/office/drawing/2014/main" id="{A91A415C-70A7-C544-B7C1-A66DA1B8A600}"/>
+              </a:ext>
+            </a:extLst>
+          </p:cNvPr>
+          <p:cNvCxnSpPr/>
+          <p:nvPr/>
+        </p:nvCxnSpPr>
+        <p:spPr bwMode="auto">
+          <a:xfrm>
+            <a:off x="0" y="2832890"/>
+            <a:ext cx="9144000" cy="0"/>
+          </a:xfrm>
+          <a:prstGeom prst="line">
+            <a:avLst/>
+          </a:prstGeom>
+          <a:solidFill>
+            <a:schemeClr val="accent1"/>
+          </a:solidFill>
+          <a:ln w="9525" cap="flat" cmpd="sng" algn="ctr">
+            <a:solidFill>
+              <a:schemeClr val="tx1"/>
+            </a:solidFill>
+            <a:prstDash val="solid"/>
+            <a:round/>
+            <a:headEnd type="none" w="med" len="med"/>
+            <a:tailEnd type="none" w="med" len="med"/>
+          </a:ln>
+          <a:effectLst/>
+          <a:extLst>
+            <a:ext uri="{AF507438-7753-43e0-B8FC-AC1667EBCBE1}">
+              <a14:hiddenEffects xmlns="" xmlns:a14="http://schemas.microsoft.com/office/drawing/2010/main">
+                <a:effectLst>
+                  <a:outerShdw blurRad="63500" dist="38099" dir="2700000" algn="ctr" rotWithShape="0">
+                    <a:schemeClr val="bg2">
+                      <a:alpha val="74998"/>
+                    </a:schemeClr>
+                  </a:outerShdw>
+                </a:effectLst>
+              </a14:hiddenEffects>
+            </a:ext>
+          </a:extLst>
+        </p:spPr>
+      </p:cxnSp>
+      <p:sp>
+        <p:nvSpPr>
+          <p:cNvPr id="38" name="TextBox 37">
+            <a:extLst>
+              <a:ext uri="{FF2B5EF4-FFF2-40B4-BE49-F238E27FC236}">
+                <a16:creationId xmlns:a16="http://schemas.microsoft.com/office/drawing/2014/main" id="{320A90AB-7B2D-E745-9C05-88A90AE95287}"/>
+              </a:ext>
+            </a:extLst>
+          </p:cNvPr>
+          <p:cNvSpPr txBox="1"/>
+          <p:nvPr/>
+        </p:nvSpPr>
+        <p:spPr>
+          <a:xfrm>
+            <a:off x="0" y="438150"/>
+            <a:ext cx="466794" cy="369332"/>
+          </a:xfrm>
+          <a:prstGeom prst="rect">
+            <a:avLst/>
+          </a:prstGeom>
+          <a:noFill/>
+        </p:spPr>
+        <p:txBody>
+          <a:bodyPr wrap="none" rtlCol="0">
+            <a:spAutoFit/>
+          </a:bodyPr>
+          <a:lstStyle/>
+          <a:p>
+            <a:r>
+              <a:rPr lang="en-US" dirty="0"/>
+              <a:t>(2)</a:t>
+            </a:r>
+          </a:p>
+        </p:txBody>
+      </p:sp>
+      <p:sp>
+        <p:nvSpPr>
+          <p:cNvPr id="39" name="TextBox 38">
+            <a:extLst>
+              <a:ext uri="{FF2B5EF4-FFF2-40B4-BE49-F238E27FC236}">
+                <a16:creationId xmlns:a16="http://schemas.microsoft.com/office/drawing/2014/main" id="{ACEF26CE-9E5A-714F-9D5F-122AF261D9A7}"/>
+              </a:ext>
+            </a:extLst>
+          </p:cNvPr>
+          <p:cNvSpPr txBox="1"/>
+          <p:nvPr/>
+        </p:nvSpPr>
+        <p:spPr>
+          <a:xfrm>
+            <a:off x="0" y="2905312"/>
+            <a:ext cx="466794" cy="369332"/>
+          </a:xfrm>
+          <a:prstGeom prst="rect">
+            <a:avLst/>
+          </a:prstGeom>
+          <a:noFill/>
+        </p:spPr>
+        <p:txBody>
+          <a:bodyPr wrap="none" rtlCol="0">
+            <a:spAutoFit/>
+          </a:bodyPr>
+          <a:lstStyle/>
+          <a:p>
+            <a:r>
+              <a:rPr lang="en-US" dirty="0"/>
+              <a:t>(1)</a:t>
+            </a:r>
+          </a:p>
+        </p:txBody>
+      </p:sp>
     </p:spTree>
     <p:extLst>
       <p:ext uri="{BB962C8B-B14F-4D97-AF65-F5344CB8AC3E}">
@@ -17361,7 +17977,7 @@
             </p:nvSpPr>
             <p:spPr>
               <a:xfrm>
-                <a:off x="1228837" y="3538949"/>
+                <a:off x="711971" y="3251363"/>
                 <a:ext cx="1132233" cy="369332"/>
               </a:xfrm>
               <a:prstGeom prst="rect">
@@ -17442,7 +18058,7 @@
             </p:nvSpPr>
             <p:spPr>
               <a:xfrm>
-                <a:off x="1228837" y="3538949"/>
+                <a:off x="711971" y="3251363"/>
                 <a:ext cx="1132233" cy="369332"/>
               </a:xfrm>
               <a:prstGeom prst="rect">
@@ -17486,7 +18102,7 @@
         </p:nvCxnSpPr>
         <p:spPr bwMode="auto">
           <a:xfrm>
-            <a:off x="2193266" y="1563936"/>
+            <a:off x="1676400" y="1276350"/>
             <a:ext cx="6553200" cy="0"/>
           </a:xfrm>
           <a:prstGeom prst="straightConnector1">
@@ -17534,7 +18150,7 @@
         </p:nvSpPr>
         <p:spPr>
           <a:xfrm>
-            <a:off x="1732039" y="1372405"/>
+            <a:off x="1215173" y="1084819"/>
             <a:ext cx="453970" cy="369332"/>
           </a:xfrm>
           <a:prstGeom prst="rect">
@@ -17571,7 +18187,7 @@
         </p:nvCxnSpPr>
         <p:spPr bwMode="auto">
           <a:xfrm>
-            <a:off x="2193266" y="2327059"/>
+            <a:off x="1676400" y="2039473"/>
             <a:ext cx="6553200" cy="0"/>
           </a:xfrm>
           <a:prstGeom prst="straightConnector1">
@@ -17619,7 +18235,7 @@
         </p:nvSpPr>
         <p:spPr>
           <a:xfrm>
-            <a:off x="1736066" y="2148919"/>
+            <a:off x="1219200" y="1861333"/>
             <a:ext cx="453970" cy="369332"/>
           </a:xfrm>
           <a:prstGeom prst="rect">
@@ -17654,7 +18270,7 @@
         </p:nvSpPr>
         <p:spPr bwMode="auto">
           <a:xfrm>
-            <a:off x="2785476" y="1463680"/>
+            <a:off x="2268610" y="1176094"/>
             <a:ext cx="984132" cy="217232"/>
           </a:xfrm>
           <a:prstGeom prst="rect">
@@ -17749,7 +18365,7 @@
         </p:nvSpPr>
         <p:spPr bwMode="auto">
           <a:xfrm>
-            <a:off x="3824042" y="1465090"/>
+            <a:off x="3307176" y="1177504"/>
             <a:ext cx="633453" cy="217232"/>
           </a:xfrm>
           <a:prstGeom prst="rect">
@@ -17846,7 +18462,7 @@
         </p:nvSpPr>
         <p:spPr bwMode="auto">
           <a:xfrm>
-            <a:off x="6612866" y="2215277"/>
+            <a:off x="6096000" y="1927691"/>
             <a:ext cx="569846" cy="217232"/>
           </a:xfrm>
           <a:prstGeom prst="rect">
@@ -17943,7 +18559,7 @@
         </p:nvSpPr>
         <p:spPr bwMode="auto">
           <a:xfrm>
-            <a:off x="5606506" y="2222534"/>
+            <a:off x="5089640" y="1934948"/>
             <a:ext cx="970075" cy="217232"/>
           </a:xfrm>
           <a:prstGeom prst="rect">
@@ -18040,7 +18656,7 @@
         </p:nvCxnSpPr>
         <p:spPr bwMode="auto">
           <a:xfrm>
-            <a:off x="4457495" y="1573706"/>
+            <a:off x="3940629" y="1286120"/>
             <a:ext cx="97971" cy="753353"/>
           </a:xfrm>
           <a:prstGeom prst="straightConnector1">
@@ -18090,7 +18706,7 @@
         </p:nvCxnSpPr>
         <p:spPr bwMode="auto">
           <a:xfrm flipV="1">
-            <a:off x="7679666" y="1563380"/>
+            <a:off x="7162800" y="1275794"/>
             <a:ext cx="297543" cy="1512293"/>
           </a:xfrm>
           <a:prstGeom prst="straightConnector1">
@@ -18138,7 +18754,7 @@
         </p:nvSpPr>
         <p:spPr>
           <a:xfrm>
-            <a:off x="7272358" y="2832890"/>
+            <a:off x="6755492" y="2545304"/>
             <a:ext cx="415498" cy="369332"/>
           </a:xfrm>
           <a:prstGeom prst="rect">
@@ -18174,7 +18790,7 @@
         </p:nvCxnSpPr>
         <p:spPr bwMode="auto">
           <a:xfrm>
-            <a:off x="7182712" y="2336625"/>
+            <a:off x="6665846" y="2049039"/>
             <a:ext cx="97971" cy="753353"/>
           </a:xfrm>
           <a:prstGeom prst="straightConnector1">
@@ -18224,7 +18840,7 @@
         </p:nvCxnSpPr>
         <p:spPr bwMode="auto">
           <a:xfrm>
-            <a:off x="2193266" y="3410803"/>
+            <a:off x="1676400" y="3123217"/>
             <a:ext cx="6553200" cy="0"/>
           </a:xfrm>
           <a:prstGeom prst="straightConnector1">
@@ -18272,7 +18888,7 @@
         </p:nvSpPr>
         <p:spPr bwMode="auto">
           <a:xfrm>
-            <a:off x="6500844" y="3309686"/>
+            <a:off x="5983978" y="3022100"/>
             <a:ext cx="569846" cy="217232"/>
           </a:xfrm>
           <a:prstGeom prst="rect">
@@ -18369,7 +18985,7 @@
         </p:nvSpPr>
         <p:spPr bwMode="auto">
           <a:xfrm>
-            <a:off x="5494484" y="3316943"/>
+            <a:off x="4977618" y="3029357"/>
             <a:ext cx="970075" cy="217232"/>
           </a:xfrm>
           <a:prstGeom prst="rect">
@@ -18464,7 +19080,7 @@
         </p:nvSpPr>
         <p:spPr bwMode="auto">
           <a:xfrm>
-            <a:off x="2785476" y="3330047"/>
+            <a:off x="2268610" y="3042461"/>
             <a:ext cx="984132" cy="217232"/>
           </a:xfrm>
           <a:prstGeom prst="rect">
@@ -18559,7 +19175,7 @@
         </p:nvSpPr>
         <p:spPr bwMode="auto">
           <a:xfrm>
-            <a:off x="3824042" y="3331457"/>
+            <a:off x="3307176" y="3043871"/>
             <a:ext cx="633453" cy="217232"/>
           </a:xfrm>
           <a:prstGeom prst="rect">
@@ -18656,7 +19272,7 @@
         </p:nvSpPr>
         <p:spPr bwMode="auto">
           <a:xfrm>
-            <a:off x="7222466" y="3319248"/>
+            <a:off x="6705600" y="3031662"/>
             <a:ext cx="553824" cy="217912"/>
           </a:xfrm>
           <a:prstGeom prst="ellipse">
@@ -18740,7 +19356,7 @@
         </p:nvSpPr>
         <p:spPr>
           <a:xfrm>
-            <a:off x="7291629" y="3168415"/>
+            <a:off x="6774763" y="2880829"/>
             <a:ext cx="415498" cy="369332"/>
           </a:xfrm>
           <a:prstGeom prst="rect">
@@ -18774,7 +19390,7 @@
         </p:nvSpPr>
         <p:spPr>
           <a:xfrm>
-            <a:off x="1375865" y="3218293"/>
+            <a:off x="858999" y="2930707"/>
             <a:ext cx="864339" cy="369332"/>
           </a:xfrm>
           <a:prstGeom prst="rect">
@@ -18795,300 +19411,6 @@
           </a:p>
         </p:txBody>
       </p:sp>
-      <mc:AlternateContent xmlns:mc="http://schemas.openxmlformats.org/markup-compatibility/2006" xmlns:a14="http://schemas.microsoft.com/office/drawing/2010/main">
-        <mc:Choice Requires="a14">
-          <p:sp>
-            <p:nvSpPr>
-              <p:cNvPr id="27" name="Rectangle 26">
-                <a:extLst>
-                  <a:ext uri="{FF2B5EF4-FFF2-40B4-BE49-F238E27FC236}">
-                    <a16:creationId xmlns:a16="http://schemas.microsoft.com/office/drawing/2014/main" id="{D9A2E125-7B44-FF45-92CA-2AF25684C3EA}"/>
-                  </a:ext>
-                </a:extLst>
-              </p:cNvPr>
-              <p:cNvSpPr/>
-              <p:nvPr/>
-            </p:nvSpPr>
-            <p:spPr>
-              <a:xfrm>
-                <a:off x="135866" y="868594"/>
-                <a:ext cx="5618782" cy="389337"/>
-              </a:xfrm>
-              <a:prstGeom prst="rect">
-                <a:avLst/>
-              </a:prstGeom>
-            </p:spPr>
-            <p:txBody>
-              <a:bodyPr wrap="none">
-                <a:spAutoFit/>
-              </a:bodyPr>
-              <a:lstStyle/>
-              <a:p>
-                <a14:m>
-                  <m:oMath xmlns:m="http://schemas.openxmlformats.org/officeDocument/2006/math">
-                    <m:sSub>
-                      <m:sSubPr>
-                        <m:ctrlPr>
-                          <a:rPr lang="en-US" b="0" i="1" smtClean="0">
-                            <a:latin typeface="Cambria Math" panose="02040503050406030204" pitchFamily="18" charset="0"/>
-                          </a:rPr>
-                        </m:ctrlPr>
-                      </m:sSubPr>
-                      <m:e>
-                        <m:r>
-                          <m:rPr>
-                            <m:sty m:val="p"/>
-                          </m:rPr>
-                          <a:rPr lang="en-US" b="0" i="0" smtClean="0">
-                            <a:latin typeface="Cambria Math" panose="02040503050406030204" pitchFamily="18" charset="0"/>
-                          </a:rPr>
-                          <m:t>estate</m:t>
-                        </m:r>
-                      </m:e>
-                      <m:sub>
-                        <m:r>
-                          <m:rPr>
-                            <m:sty m:val="p"/>
-                          </m:rPr>
-                          <a:rPr lang="en-US" b="0" i="0" smtClean="0">
-                            <a:latin typeface="Cambria Math" panose="02040503050406030204" pitchFamily="18" charset="0"/>
-                          </a:rPr>
-                          <m:t>mt</m:t>
-                        </m:r>
-                      </m:sub>
-                    </m:sSub>
-                    <m:r>
-                      <a:rPr lang="en-US" i="1">
-                        <a:latin typeface="Cambria Math" panose="02040503050406030204" pitchFamily="18" charset="0"/>
-                      </a:rPr>
-                      <m:t>≔(</m:t>
-                    </m:r>
-                    <m:r>
-                      <a:rPr lang="en-US" b="0" i="1" smtClean="0">
-                        <a:latin typeface="Cambria Math" panose="02040503050406030204" pitchFamily="18" charset="0"/>
-                      </a:rPr>
-                      <m:t>𝑡𝑖𝑑</m:t>
-                    </m:r>
-                    <m:r>
-                      <a:rPr lang="en-US" b="0" i="1" smtClean="0">
-                        <a:latin typeface="Cambria Math" panose="02040503050406030204" pitchFamily="18" charset="0"/>
-                      </a:rPr>
-                      <m:t>, </m:t>
-                    </m:r>
-                    <m:r>
-                      <a:rPr lang="en-US" b="0" i="1" smtClean="0">
-                        <a:latin typeface="Cambria Math" panose="02040503050406030204" pitchFamily="18" charset="0"/>
-                      </a:rPr>
-                      <m:t>𝑚𝑒𝑚</m:t>
-                    </m:r>
-                    <m:r>
-                      <a:rPr lang="en-US" b="0" i="1" smtClean="0">
-                        <a:latin typeface="Cambria Math" panose="02040503050406030204" pitchFamily="18" charset="0"/>
-                      </a:rPr>
-                      <m:t>, {</m:t>
-                    </m:r>
-                    <m:r>
-                      <a:rPr lang="en-US" b="0" i="1" smtClean="0">
-                        <a:latin typeface="Cambria Math" panose="02040503050406030204" pitchFamily="18" charset="0"/>
-                      </a:rPr>
-                      <m:t>𝑡𝑖</m:t>
-                    </m:r>
-                    <m:r>
-                      <a:rPr lang="en-US" i="1">
-                        <a:latin typeface="Cambria Math" panose="02040503050406030204" pitchFamily="18" charset="0"/>
-                      </a:rPr>
-                      <m:t>↦</m:t>
-                    </m:r>
-                    <m:r>
-                      <a:rPr lang="en-US" i="1">
-                        <a:latin typeface="Cambria Math" panose="02040503050406030204" pitchFamily="18" charset="0"/>
-                      </a:rPr>
-                      <m:t>𝑙𝑠</m:t>
-                    </m:r>
-                    <m:sSub>
-                      <m:sSubPr>
-                        <m:ctrlPr>
-                          <a:rPr lang="en-US" b="0" i="1" smtClean="0">
-                            <a:latin typeface="Cambria Math" panose="02040503050406030204" pitchFamily="18" charset="0"/>
-                          </a:rPr>
-                        </m:ctrlPr>
-                      </m:sSubPr>
-                      <m:e>
-                        <m:r>
-                          <a:rPr lang="en-US" i="1">
-                            <a:latin typeface="Cambria Math" panose="02040503050406030204" pitchFamily="18" charset="0"/>
-                          </a:rPr>
-                          <m:t>𝑡</m:t>
-                        </m:r>
-                      </m:e>
-                      <m:sub>
-                        <m:r>
-                          <a:rPr lang="en-US" b="0" i="1" smtClean="0">
-                            <a:latin typeface="Cambria Math" panose="02040503050406030204" pitchFamily="18" charset="0"/>
-                          </a:rPr>
-                          <m:t>𝑡𝑖</m:t>
-                        </m:r>
-                      </m:sub>
-                    </m:sSub>
-                    <m:r>
-                      <a:rPr lang="en-US" b="0" i="1" smtClean="0">
-                        <a:latin typeface="Cambria Math" panose="02040503050406030204" pitchFamily="18" charset="0"/>
-                        <a:ea typeface="Cambria Math" panose="02040503050406030204" pitchFamily="18" charset="0"/>
-                      </a:rPr>
-                      <m:t>}</m:t>
-                    </m:r>
-                    <m:r>
-                      <a:rPr lang="en-US" i="1">
-                        <a:latin typeface="Cambria Math" panose="02040503050406030204" pitchFamily="18" charset="0"/>
-                        <a:ea typeface="Cambria Math" panose="02040503050406030204" pitchFamily="18" charset="0"/>
-                      </a:rPr>
-                      <m:t>, </m:t>
-                    </m:r>
-                    <m:r>
-                      <a:rPr lang="en-US" i="1">
-                        <a:latin typeface="Cambria Math" panose="02040503050406030204" pitchFamily="18" charset="0"/>
-                        <a:ea typeface="Cambria Math" panose="02040503050406030204" pitchFamily="18" charset="0"/>
-                      </a:rPr>
-                      <m:t>𝑙𝑜𝑔</m:t>
-                    </m:r>
-                    <m:r>
-                      <a:rPr lang="en-US" i="1">
-                        <a:latin typeface="Cambria Math" panose="02040503050406030204" pitchFamily="18" charset="0"/>
-                        <a:ea typeface="Cambria Math" panose="02040503050406030204" pitchFamily="18" charset="0"/>
-                      </a:rPr>
-                      <m:t>)</m:t>
-                    </m:r>
-                  </m:oMath>
-                </a14:m>
-                <a:r>
-                  <a:rPr lang="en-US" dirty="0"/>
-                  <a:t> (</a:t>
-                </a:r>
-                <a14:m>
-                  <m:oMath xmlns:m="http://schemas.openxmlformats.org/officeDocument/2006/math">
-                    <m:r>
-                      <a:rPr lang="en-US" b="0" i="1" dirty="0" smtClean="0">
-                        <a:latin typeface="Cambria Math" panose="02040503050406030204" pitchFamily="18" charset="0"/>
-                      </a:rPr>
-                      <m:t>∀</m:t>
-                    </m:r>
-                    <m:r>
-                      <a:rPr lang="en-US" b="0" i="1" dirty="0" smtClean="0">
-                        <a:latin typeface="Cambria Math" panose="02040503050406030204" pitchFamily="18" charset="0"/>
-                      </a:rPr>
-                      <m:t>𝑡𝑖</m:t>
-                    </m:r>
-                    <m:r>
-                      <a:rPr lang="en-US" b="0" i="1" dirty="0" smtClean="0">
-                        <a:latin typeface="Cambria Math" panose="02040503050406030204" pitchFamily="18" charset="0"/>
-                      </a:rPr>
-                      <m:t>,</m:t>
-                    </m:r>
-                    <m:r>
-                      <a:rPr lang="en-US" b="0" i="1" dirty="0" smtClean="0">
-                        <a:latin typeface="Cambria Math" panose="02040503050406030204" pitchFamily="18" charset="0"/>
-                      </a:rPr>
-                      <m:t>𝑡𝑖</m:t>
-                    </m:r>
-                    <m:r>
-                      <a:rPr lang="en-US" b="0" i="1" dirty="0" smtClean="0">
-                        <a:latin typeface="Cambria Math" panose="02040503050406030204" pitchFamily="18" charset="0"/>
-                      </a:rPr>
-                      <m:t>∈</m:t>
-                    </m:r>
-                    <m:sSub>
-                      <m:sSubPr>
-                        <m:ctrlPr>
-                          <a:rPr lang="en-US" b="0" i="1" dirty="0" smtClean="0">
-                            <a:latin typeface="Cambria Math" panose="02040503050406030204" pitchFamily="18" charset="0"/>
-                          </a:rPr>
-                        </m:ctrlPr>
-                      </m:sSubPr>
-                      <m:e>
-                        <m:r>
-                          <a:rPr lang="en-US" b="0" i="1" dirty="0" smtClean="0">
-                            <a:latin typeface="Cambria Math" panose="02040503050406030204" pitchFamily="18" charset="0"/>
-                          </a:rPr>
-                          <m:t>𝑇</m:t>
-                        </m:r>
-                      </m:e>
-                      <m:sub>
-                        <m:d>
-                          <m:dPr>
-                            <m:begChr m:val="["/>
-                            <m:endChr m:val="]"/>
-                            <m:ctrlPr>
-                              <a:rPr lang="en-US" b="0" i="1" dirty="0" smtClean="0">
-                                <a:latin typeface="Cambria Math" panose="02040503050406030204" pitchFamily="18" charset="0"/>
-                              </a:rPr>
-                            </m:ctrlPr>
-                          </m:dPr>
-                          <m:e>
-                            <m:r>
-                              <a:rPr lang="en-US" b="0" i="1" dirty="0" smtClean="0">
-                                <a:latin typeface="Cambria Math" panose="02040503050406030204" pitchFamily="18" charset="0"/>
-                              </a:rPr>
-                              <m:t>𝑐𝑖𝑑</m:t>
-                            </m:r>
-                          </m:e>
-                        </m:d>
-                      </m:sub>
-                    </m:sSub>
-                  </m:oMath>
-                </a14:m>
-                <a:r>
-                  <a:rPr lang="en-US" dirty="0"/>
-                  <a:t>)</a:t>
-                </a:r>
-              </a:p>
-            </p:txBody>
-          </p:sp>
-        </mc:Choice>
-        <mc:Fallback xmlns="">
-          <p:sp>
-            <p:nvSpPr>
-              <p:cNvPr id="27" name="Rectangle 26">
-                <a:extLst>
-                  <a:ext uri="{FF2B5EF4-FFF2-40B4-BE49-F238E27FC236}">
-                    <a16:creationId xmlns:a16="http://schemas.microsoft.com/office/drawing/2014/main" id="{D9A2E125-7B44-FF45-92CA-2AF25684C3EA}"/>
-                  </a:ext>
-                </a:extLst>
-              </p:cNvPr>
-              <p:cNvSpPr>
-                <a:spLocks noRot="1" noChangeAspect="1" noMove="1" noResize="1" noEditPoints="1" noAdjustHandles="1" noChangeArrowheads="1" noChangeShapeType="1" noTextEdit="1"/>
-              </p:cNvSpPr>
-              <p:nvPr/>
-            </p:nvSpPr>
-            <p:spPr>
-              <a:xfrm>
-                <a:off x="135866" y="868594"/>
-                <a:ext cx="5618782" cy="389337"/>
-              </a:xfrm>
-              <a:prstGeom prst="rect">
-                <a:avLst/>
-              </a:prstGeom>
-              <a:blipFill>
-                <a:blip r:embed="rId4"/>
-                <a:stretch>
-                  <a:fillRect t="-6250" b="-15625"/>
-                </a:stretch>
-              </a:blipFill>
-            </p:spPr>
-            <p:txBody>
-              <a:bodyPr/>
-              <a:lstStyle/>
-              <a:p>
-                <a:r>
-                  <a:rPr lang="en-US">
-                    <a:noFill/>
-                  </a:rPr>
-                  <a:t> </a:t>
-                </a:r>
-              </a:p>
-            </p:txBody>
-          </p:sp>
-        </mc:Fallback>
-      </mc:AlternateContent>
       <p:sp>
         <p:nvSpPr>
           <p:cNvPr id="39" name="Rectangle 38">
@@ -19103,7 +19425,7 @@
         </p:nvSpPr>
         <p:spPr bwMode="auto">
           <a:xfrm>
-            <a:off x="1169171" y="1976047"/>
+            <a:off x="652305" y="1688461"/>
             <a:ext cx="7670029" cy="1967303"/>
           </a:xfrm>
           <a:prstGeom prst="rect">
@@ -19191,7 +19513,7 @@
             </p:nvSpPr>
             <p:spPr>
               <a:xfrm>
-                <a:off x="4445425" y="2592439"/>
+                <a:off x="3928559" y="2304853"/>
                 <a:ext cx="1264833" cy="489301"/>
               </a:xfrm>
               <a:prstGeom prst="rect">
@@ -19283,8 +19605,274 @@
             </p:nvSpPr>
             <p:spPr>
               <a:xfrm>
-                <a:off x="4445425" y="2592439"/>
+                <a:off x="3928559" y="2304853"/>
                 <a:ext cx="1264833" cy="489301"/>
+              </a:xfrm>
+              <a:prstGeom prst="rect">
+                <a:avLst/>
+              </a:prstGeom>
+              <a:blipFill>
+                <a:blip r:embed="rId4"/>
+                <a:stretch>
+                  <a:fillRect b="-2500"/>
+                </a:stretch>
+              </a:blipFill>
+            </p:spPr>
+            <p:txBody>
+              <a:bodyPr/>
+              <a:lstStyle/>
+              <a:p>
+                <a:r>
+                  <a:rPr lang="en-US">
+                    <a:noFill/>
+                  </a:rPr>
+                  <a:t> </a:t>
+                </a:r>
+              </a:p>
+            </p:txBody>
+          </p:sp>
+        </mc:Fallback>
+      </mc:AlternateContent>
+      <mc:AlternateContent xmlns:mc="http://schemas.openxmlformats.org/markup-compatibility/2006" xmlns:a14="http://schemas.microsoft.com/office/drawing/2010/main">
+        <mc:Choice Requires="a14">
+          <p:sp>
+            <p:nvSpPr>
+              <p:cNvPr id="37" name="Rectangle 36">
+                <a:extLst>
+                  <a:ext uri="{FF2B5EF4-FFF2-40B4-BE49-F238E27FC236}">
+                    <a16:creationId xmlns:a16="http://schemas.microsoft.com/office/drawing/2014/main" id="{D8AAE509-0602-C647-988A-969731C374F9}"/>
+                  </a:ext>
+                </a:extLst>
+              </p:cNvPr>
+              <p:cNvSpPr/>
+              <p:nvPr/>
+            </p:nvSpPr>
+            <p:spPr>
+              <a:xfrm>
+                <a:off x="1963807" y="589322"/>
+                <a:ext cx="5170453" cy="396519"/>
+              </a:xfrm>
+              <a:prstGeom prst="rect">
+                <a:avLst/>
+              </a:prstGeom>
+            </p:spPr>
+            <p:txBody>
+              <a:bodyPr wrap="none">
+                <a:spAutoFit/>
+              </a:bodyPr>
+              <a:lstStyle/>
+              <a:p>
+                <a:pPr/>
+                <a14:m>
+                  <m:oMathPara xmlns:m="http://schemas.openxmlformats.org/officeDocument/2006/math">
+                    <m:oMathParaPr>
+                      <m:jc m:val="centerGroup"/>
+                    </m:oMathParaPr>
+                    <m:oMath xmlns:m="http://schemas.openxmlformats.org/officeDocument/2006/math">
+                      <m:sSub>
+                        <m:sSubPr>
+                          <m:ctrlPr>
+                            <a:rPr lang="en-US" b="0" i="1" smtClean="0">
+                              <a:latin typeface="Cambria Math" panose="02040503050406030204" pitchFamily="18" charset="0"/>
+                            </a:rPr>
+                          </m:ctrlPr>
+                        </m:sSubPr>
+                        <m:e>
+                          <m:r>
+                            <m:rPr>
+                              <m:sty m:val="p"/>
+                            </m:rPr>
+                            <a:rPr lang="en-US" b="0" i="0" smtClean="0">
+                              <a:latin typeface="Cambria Math" panose="02040503050406030204" pitchFamily="18" charset="0"/>
+                            </a:rPr>
+                            <m:t>state</m:t>
+                          </m:r>
+                        </m:e>
+                        <m:sub>
+                          <m:r>
+                            <m:rPr>
+                              <m:sty m:val="p"/>
+                            </m:rPr>
+                            <a:rPr lang="en-US" b="0" i="0" smtClean="0">
+                              <a:latin typeface="Cambria Math" panose="02040503050406030204" pitchFamily="18" charset="0"/>
+                            </a:rPr>
+                            <m:t>EAsm</m:t>
+                          </m:r>
+                          <m:r>
+                            <a:rPr lang="en-US" b="0" i="0" smtClean="0">
+                              <a:latin typeface="Cambria Math" panose="02040503050406030204" pitchFamily="18" charset="0"/>
+                            </a:rPr>
+                            <m:t>[{</m:t>
+                          </m:r>
+                          <m:r>
+                            <m:rPr>
+                              <m:sty m:val="p"/>
+                            </m:rPr>
+                            <a:rPr lang="en-US" b="0" i="0" smtClean="0">
+                              <a:latin typeface="Cambria Math" panose="02040503050406030204" pitchFamily="18" charset="0"/>
+                            </a:rPr>
+                            <m:t>T</m:t>
+                          </m:r>
+                          <m:r>
+                            <a:rPr lang="en-US" b="0" i="0" smtClean="0">
+                              <a:latin typeface="Cambria Math" panose="02040503050406030204" pitchFamily="18" charset="0"/>
+                            </a:rPr>
+                            <m:t>1}]</m:t>
+                          </m:r>
+                        </m:sub>
+                      </m:sSub>
+                      <m:r>
+                        <a:rPr lang="en-US" i="1">
+                          <a:latin typeface="Cambria Math" panose="02040503050406030204" pitchFamily="18" charset="0"/>
+                        </a:rPr>
+                        <m:t>≔(</m:t>
+                      </m:r>
+                      <m:r>
+                        <a:rPr lang="en-US" b="0" i="1" smtClean="0">
+                          <a:latin typeface="Cambria Math" panose="02040503050406030204" pitchFamily="18" charset="0"/>
+                        </a:rPr>
+                        <m:t>𝑡𝑖𝑑</m:t>
+                      </m:r>
+                      <m:r>
+                        <a:rPr lang="en-US" b="0" i="1" smtClean="0">
+                          <a:latin typeface="Cambria Math" panose="02040503050406030204" pitchFamily="18" charset="0"/>
+                        </a:rPr>
+                        <m:t>, </m:t>
+                      </m:r>
+                      <m:r>
+                        <a:rPr lang="en-US" b="0" i="1" smtClean="0">
+                          <a:latin typeface="Cambria Math" panose="02040503050406030204" pitchFamily="18" charset="0"/>
+                        </a:rPr>
+                        <m:t>𝑚𝑒𝑚</m:t>
+                      </m:r>
+                      <m:r>
+                        <a:rPr lang="en-US" b="0" i="1" smtClean="0">
+                          <a:latin typeface="Cambria Math" panose="02040503050406030204" pitchFamily="18" charset="0"/>
+                        </a:rPr>
+                        <m:t>, {(</m:t>
+                      </m:r>
+                      <m:r>
+                        <m:rPr>
+                          <m:sty m:val="p"/>
+                        </m:rPr>
+                        <a:rPr lang="en-US" altLang="ko-KR" b="0" i="0" smtClean="0">
+                          <a:latin typeface="Cambria Math" panose="02040503050406030204" pitchFamily="18" charset="0"/>
+                        </a:rPr>
+                        <m:t>T</m:t>
+                      </m:r>
+                      <m:r>
+                        <a:rPr lang="en-US" altLang="ko-KR" b="0" i="0" smtClean="0">
+                          <a:latin typeface="Cambria Math" panose="02040503050406030204" pitchFamily="18" charset="0"/>
+                        </a:rPr>
+                        <m:t>1</m:t>
+                      </m:r>
+                      <m:r>
+                        <a:rPr lang="en-US" i="1">
+                          <a:latin typeface="Cambria Math" panose="02040503050406030204" pitchFamily="18" charset="0"/>
+                        </a:rPr>
+                        <m:t>↦</m:t>
+                      </m:r>
+                      <m:r>
+                        <a:rPr lang="en-US" i="1">
+                          <a:latin typeface="Cambria Math" panose="02040503050406030204" pitchFamily="18" charset="0"/>
+                        </a:rPr>
+                        <m:t>𝑙𝑠</m:t>
+                      </m:r>
+                      <m:sSub>
+                        <m:sSubPr>
+                          <m:ctrlPr>
+                            <a:rPr lang="en-US" b="0" i="1" smtClean="0">
+                              <a:latin typeface="Cambria Math" panose="02040503050406030204" pitchFamily="18" charset="0"/>
+                            </a:rPr>
+                          </m:ctrlPr>
+                        </m:sSubPr>
+                        <m:e>
+                          <m:r>
+                            <a:rPr lang="en-US" i="1">
+                              <a:latin typeface="Cambria Math" panose="02040503050406030204" pitchFamily="18" charset="0"/>
+                            </a:rPr>
+                            <m:t>𝑡</m:t>
+                          </m:r>
+                        </m:e>
+                        <m:sub>
+                          <m:r>
+                            <m:rPr>
+                              <m:sty m:val="p"/>
+                            </m:rPr>
+                            <a:rPr lang="en-US" b="0" i="0" smtClean="0">
+                              <a:latin typeface="Cambria Math" panose="02040503050406030204" pitchFamily="18" charset="0"/>
+                            </a:rPr>
+                            <m:t>T</m:t>
+                          </m:r>
+                          <m:r>
+                            <a:rPr lang="en-US" b="0" i="0" smtClean="0">
+                              <a:latin typeface="Cambria Math" panose="02040503050406030204" pitchFamily="18" charset="0"/>
+                            </a:rPr>
+                            <m:t>1</m:t>
+                          </m:r>
+                        </m:sub>
+                      </m:sSub>
+                      <m:r>
+                        <a:rPr lang="en-US" b="0" i="1" smtClean="0">
+                          <a:latin typeface="Cambria Math" panose="02040503050406030204" pitchFamily="18" charset="0"/>
+                        </a:rPr>
+                        <m:t>)</m:t>
+                      </m:r>
+                      <m:r>
+                        <a:rPr lang="en-US" b="0" i="1" smtClean="0">
+                          <a:latin typeface="Cambria Math" panose="02040503050406030204" pitchFamily="18" charset="0"/>
+                          <a:ea typeface="Cambria Math" panose="02040503050406030204" pitchFamily="18" charset="0"/>
+                        </a:rPr>
+                        <m:t>}</m:t>
+                      </m:r>
+                      <m:r>
+                        <a:rPr lang="en-US" i="1">
+                          <a:latin typeface="Cambria Math" panose="02040503050406030204" pitchFamily="18" charset="0"/>
+                          <a:ea typeface="Cambria Math" panose="02040503050406030204" pitchFamily="18" charset="0"/>
+                        </a:rPr>
+                        <m:t>, </m:t>
+                      </m:r>
+                      <m:r>
+                        <a:rPr lang="en-US" i="1">
+                          <a:latin typeface="Cambria Math" panose="02040503050406030204" pitchFamily="18" charset="0"/>
+                          <a:ea typeface="Cambria Math" panose="02040503050406030204" pitchFamily="18" charset="0"/>
+                        </a:rPr>
+                        <m:t>𝑙𝑜𝑔</m:t>
+                      </m:r>
+                      <m:r>
+                        <a:rPr lang="en-US" i="1">
+                          <a:latin typeface="Cambria Math" panose="02040503050406030204" pitchFamily="18" charset="0"/>
+                          <a:ea typeface="Cambria Math" panose="02040503050406030204" pitchFamily="18" charset="0"/>
+                        </a:rPr>
+                        <m:t>)</m:t>
+                      </m:r>
+                    </m:oMath>
+                  </m:oMathPara>
+                </a14:m>
+                <a:endParaRPr lang="en-US" dirty="0"/>
+              </a:p>
+            </p:txBody>
+          </p:sp>
+        </mc:Choice>
+        <mc:Fallback xmlns="">
+          <p:sp>
+            <p:nvSpPr>
+              <p:cNvPr id="37" name="Rectangle 36">
+                <a:extLst>
+                  <a:ext uri="{FF2B5EF4-FFF2-40B4-BE49-F238E27FC236}">
+                    <a16:creationId xmlns:a16="http://schemas.microsoft.com/office/drawing/2014/main" id="{D8AAE509-0602-C647-988A-969731C374F9}"/>
+                  </a:ext>
+                </a:extLst>
+              </p:cNvPr>
+              <p:cNvSpPr>
+                <a:spLocks noRot="1" noChangeAspect="1" noMove="1" noResize="1" noEditPoints="1" noAdjustHandles="1" noChangeArrowheads="1" noChangeShapeType="1" noTextEdit="1"/>
+              </p:cNvSpPr>
+              <p:nvPr/>
+            </p:nvSpPr>
+            <p:spPr>
+              <a:xfrm>
+                <a:off x="1963807" y="589322"/>
+                <a:ext cx="5170453" cy="396519"/>
               </a:xfrm>
               <a:prstGeom prst="rect">
                 <a:avLst/>
@@ -19292,7 +19880,7 @@
               <a:blipFill>
                 <a:blip r:embed="rId5"/>
                 <a:stretch>
-                  <a:fillRect b="-2564"/>
+                  <a:fillRect b="-3030"/>
                 </a:stretch>
               </a:blipFill>
             </p:spPr>
@@ -19357,7 +19945,7 @@
         </p:nvCxnSpPr>
         <p:spPr bwMode="auto">
           <a:xfrm>
-            <a:off x="1268790" y="1308770"/>
+            <a:off x="1347692" y="1791972"/>
             <a:ext cx="7037010" cy="0"/>
           </a:xfrm>
           <a:prstGeom prst="straightConnector1">
@@ -19407,57 +19995,7 @@
         </p:nvCxnSpPr>
         <p:spPr bwMode="auto">
           <a:xfrm>
-            <a:off x="1277391" y="2072985"/>
-            <a:ext cx="7037010" cy="0"/>
-          </a:xfrm>
-          <a:prstGeom prst="straightConnector1">
-            <a:avLst/>
-          </a:prstGeom>
-          <a:solidFill>
-            <a:schemeClr val="accent1"/>
-          </a:solidFill>
-          <a:ln w="9525" cap="flat" cmpd="sng" algn="ctr">
-            <a:solidFill>
-              <a:schemeClr val="tx1"/>
-            </a:solidFill>
-            <a:prstDash val="solid"/>
-            <a:round/>
-            <a:headEnd type="none" w="med" len="med"/>
-            <a:tailEnd type="triangle"/>
-          </a:ln>
-          <a:effectLst/>
-          <a:extLst>
-            <a:ext uri="{AF507438-7753-43e0-B8FC-AC1667EBCBE1}">
-              <a14:hiddenEffects xmlns="" xmlns:a14="http://schemas.microsoft.com/office/drawing/2010/main">
-                <a:effectLst>
-                  <a:outerShdw blurRad="63500" dist="38099" dir="2700000" algn="ctr" rotWithShape="0">
-                    <a:schemeClr val="bg2">
-                      <a:alpha val="74998"/>
-                    </a:schemeClr>
-                  </a:outerShdw>
-                </a:effectLst>
-              </a14:hiddenEffects>
-            </a:ext>
-          </a:extLst>
-        </p:spPr>
-      </p:cxnSp>
-      <p:cxnSp>
-        <p:nvCxnSpPr>
-          <p:cNvPr id="68" name="Straight Arrow Connector 67">
-            <a:extLst>
-              <a:ext uri="{FF2B5EF4-FFF2-40B4-BE49-F238E27FC236}">
-                <a16:creationId xmlns:a16="http://schemas.microsoft.com/office/drawing/2014/main" id="{F80A5217-66C4-EC40-9889-B3B07974647D}"/>
-              </a:ext>
-            </a:extLst>
-          </p:cNvPr>
-          <p:cNvCxnSpPr>
-            <a:cxnSpLocks/>
-          </p:cNvCxnSpPr>
-          <p:nvPr/>
-        </p:nvCxnSpPr>
-        <p:spPr bwMode="auto">
-          <a:xfrm>
-            <a:off x="1287087" y="4604211"/>
+            <a:off x="1356293" y="2556187"/>
             <a:ext cx="7037010" cy="0"/>
           </a:xfrm>
           <a:prstGeom prst="straightConnector1">
@@ -19505,7 +20043,7 @@
         </p:nvSpPr>
         <p:spPr>
           <a:xfrm>
-            <a:off x="807563" y="1117239"/>
+            <a:off x="886465" y="1600441"/>
             <a:ext cx="453970" cy="369332"/>
           </a:xfrm>
           <a:prstGeom prst="rect">
@@ -19542,7 +20080,7 @@
         </p:nvSpPr>
         <p:spPr>
           <a:xfrm>
-            <a:off x="811590" y="1893753"/>
+            <a:off x="890492" y="2376955"/>
             <a:ext cx="453970" cy="369332"/>
           </a:xfrm>
           <a:prstGeom prst="rect">
@@ -19582,7 +20120,7 @@
         </p:nvCxnSpPr>
         <p:spPr bwMode="auto">
           <a:xfrm>
-            <a:off x="3533019" y="1318540"/>
+            <a:off x="3611921" y="1801742"/>
             <a:ext cx="97971" cy="753353"/>
           </a:xfrm>
           <a:prstGeom prst="straightConnector1">
@@ -19630,7 +20168,7 @@
         </p:nvSpPr>
         <p:spPr bwMode="auto">
           <a:xfrm>
-            <a:off x="1861000" y="1208514"/>
+            <a:off x="1939902" y="1691716"/>
             <a:ext cx="984132" cy="217232"/>
           </a:xfrm>
           <a:prstGeom prst="rect">
@@ -19725,7 +20263,7 @@
         </p:nvSpPr>
         <p:spPr bwMode="auto">
           <a:xfrm>
-            <a:off x="2899566" y="1209924"/>
+            <a:off x="2978468" y="1693126"/>
             <a:ext cx="633453" cy="217232"/>
           </a:xfrm>
           <a:prstGeom prst="rect">
@@ -19822,7 +20360,7 @@
         </p:nvSpPr>
         <p:spPr bwMode="auto">
           <a:xfrm>
-            <a:off x="5688390" y="1960111"/>
+            <a:off x="5767292" y="2443313"/>
             <a:ext cx="569846" cy="217232"/>
           </a:xfrm>
           <a:prstGeom prst="rect">
@@ -19919,7 +20457,7 @@
         </p:nvSpPr>
         <p:spPr bwMode="auto">
           <a:xfrm>
-            <a:off x="4682030" y="1967368"/>
+            <a:off x="4760932" y="2450570"/>
             <a:ext cx="970075" cy="217232"/>
           </a:xfrm>
           <a:prstGeom prst="rect">
@@ -20002,474 +20540,6 @@
       </p:sp>
       <p:sp>
         <p:nvSpPr>
-          <p:cNvPr id="35" name="TextBox 34">
-            <a:extLst>
-              <a:ext uri="{FF2B5EF4-FFF2-40B4-BE49-F238E27FC236}">
-                <a16:creationId xmlns:a16="http://schemas.microsoft.com/office/drawing/2014/main" id="{66348028-0296-5D40-8880-F9CF74A3F64B}"/>
-              </a:ext>
-            </a:extLst>
-          </p:cNvPr>
-          <p:cNvSpPr txBox="1"/>
-          <p:nvPr/>
-        </p:nvSpPr>
-        <p:spPr>
-          <a:xfrm>
-            <a:off x="3101921" y="4095798"/>
-            <a:ext cx="1137619" cy="369332"/>
-          </a:xfrm>
-          <a:prstGeom prst="rect">
-            <a:avLst/>
-          </a:prstGeom>
-          <a:noFill/>
-        </p:spPr>
-        <p:txBody>
-          <a:bodyPr wrap="none" rtlCol="0">
-            <a:spAutoFit/>
-          </a:bodyPr>
-          <a:lstStyle/>
-          <a:p>
-            <a:r>
-              <a:rPr lang="en-US" dirty="0">
-                <a:latin typeface="Helvetica" pitchFamily="2" charset="0"/>
-              </a:rPr>
-              <a:t>T1 </a:t>
-            </a:r>
-            <a:r>
-              <a:rPr lang="en-US" dirty="0">
-                <a:latin typeface="Helvetica" pitchFamily="2" charset="0"/>
-                <a:sym typeface="Wingdings" pitchFamily="2" charset="2"/>
-              </a:rPr>
-              <a:t> T2 </a:t>
-            </a:r>
-            <a:endParaRPr lang="en-US" dirty="0">
-              <a:latin typeface="Helvetica" pitchFamily="2" charset="0"/>
-            </a:endParaRPr>
-          </a:p>
-        </p:txBody>
-      </p:sp>
-      <p:sp>
-        <p:nvSpPr>
-          <p:cNvPr id="37" name="Rectangle 36">
-            <a:extLst>
-              <a:ext uri="{FF2B5EF4-FFF2-40B4-BE49-F238E27FC236}">
-                <a16:creationId xmlns:a16="http://schemas.microsoft.com/office/drawing/2014/main" id="{70CFBCCF-1F52-7444-B9D7-1D232BE2A537}"/>
-              </a:ext>
-            </a:extLst>
-          </p:cNvPr>
-          <p:cNvSpPr/>
-          <p:nvPr/>
-        </p:nvSpPr>
-        <p:spPr bwMode="auto">
-          <a:xfrm>
-            <a:off x="1937200" y="4496932"/>
-            <a:ext cx="984132" cy="217232"/>
-          </a:xfrm>
-          <a:prstGeom prst="rect">
-            <a:avLst/>
-          </a:prstGeom>
-          <a:solidFill>
-            <a:srgbClr val="FFFF00"/>
-          </a:solidFill>
-          <a:ln w="9525" cap="flat" cmpd="sng" algn="ctr">
-            <a:noFill/>
-            <a:prstDash val="solid"/>
-            <a:round/>
-            <a:headEnd type="none" w="med" len="med"/>
-            <a:tailEnd type="none" w="med" len="med"/>
-          </a:ln>
-          <a:effectLst/>
-          <a:extLst>
-            <a:ext uri="{AF507438-7753-43e0-B8FC-AC1667EBCBE1}">
-              <a14:hiddenEffects xmlns="" xmlns:a14="http://schemas.microsoft.com/office/drawing/2010/main">
-                <a:effectLst>
-                  <a:outerShdw blurRad="63500" dist="38099" dir="2700000" algn="ctr" rotWithShape="0">
-                    <a:schemeClr val="bg2">
-                      <a:alpha val="74998"/>
-                    </a:schemeClr>
-                  </a:outerShdw>
-                </a:effectLst>
-              </a14:hiddenEffects>
-            </a:ext>
-          </a:extLst>
-        </p:spPr>
-        <p:txBody>
-          <a:bodyPr vert="horz" wrap="square" lIns="91440" tIns="45720" rIns="91440" bIns="45720" numCol="1" rtlCol="0" anchor="ctr" anchorCtr="0" compatLnSpc="1">
-            <a:prstTxWarp prst="textNoShape">
-              <a:avLst/>
-            </a:prstTxWarp>
-          </a:bodyPr>
-          <a:lstStyle/>
-          <a:p>
-            <a:pPr marL="0" marR="0" indent="0" algn="ctr" defTabSz="914400" rtl="0" eaLnBrk="1" fontAlgn="base" latinLnBrk="0" hangingPunct="1">
-              <a:lnSpc>
-                <a:spcPct val="100000"/>
-              </a:lnSpc>
-              <a:spcBef>
-                <a:spcPct val="0"/>
-              </a:spcBef>
-              <a:spcAft>
-                <a:spcPct val="0"/>
-              </a:spcAft>
-              <a:buClrTx/>
-              <a:buSzTx/>
-              <a:buFontTx/>
-              <a:buNone/>
-              <a:tabLst/>
-            </a:pPr>
-            <a:r>
-              <a:rPr lang="en-US" sz="1400" dirty="0">
-                <a:latin typeface="Helvetica" pitchFamily="2" charset="0"/>
-                <a:ea typeface="ＭＳ Ｐゴシック" charset="0"/>
-                <a:cs typeface="Arial" charset="0"/>
-              </a:rPr>
-              <a:t>s</a:t>
-            </a:r>
-            <a:r>
-              <a:rPr kumimoji="0" lang="en-US" sz="1400" b="0" i="0" u="none" strike="noStrike" cap="none" normalizeH="0" baseline="0" dirty="0">
-                <a:ln>
-                  <a:noFill/>
-                </a:ln>
-                <a:solidFill>
-                  <a:schemeClr val="tx1"/>
-                </a:solidFill>
-                <a:effectLst/>
-                <a:latin typeface="Helvetica" pitchFamily="2" charset="0"/>
-                <a:ea typeface="ＭＳ Ｐゴシック" charset="0"/>
-                <a:cs typeface="Arial" charset="0"/>
-              </a:rPr>
-              <a:t>pawn T2 </a:t>
-            </a:r>
-          </a:p>
-        </p:txBody>
-      </p:sp>
-      <p:sp>
-        <p:nvSpPr>
-          <p:cNvPr id="38" name="Rectangle 37">
-            <a:extLst>
-              <a:ext uri="{FF2B5EF4-FFF2-40B4-BE49-F238E27FC236}">
-                <a16:creationId xmlns:a16="http://schemas.microsoft.com/office/drawing/2014/main" id="{E16F172D-14E9-C044-94DF-6ADF0A02F395}"/>
-              </a:ext>
-            </a:extLst>
-          </p:cNvPr>
-          <p:cNvSpPr/>
-          <p:nvPr/>
-        </p:nvSpPr>
-        <p:spPr bwMode="auto">
-          <a:xfrm>
-            <a:off x="2975766" y="4498342"/>
-            <a:ext cx="633453" cy="217232"/>
-          </a:xfrm>
-          <a:prstGeom prst="rect">
-            <a:avLst/>
-          </a:prstGeom>
-          <a:solidFill>
-            <a:srgbClr val="FFFF00"/>
-          </a:solidFill>
-          <a:ln w="9525" cap="flat" cmpd="sng" algn="ctr">
-            <a:solidFill>
-              <a:schemeClr val="tx1"/>
-            </a:solidFill>
-            <a:prstDash val="solid"/>
-            <a:round/>
-            <a:headEnd type="none" w="med" len="med"/>
-            <a:tailEnd type="none" w="med" len="med"/>
-          </a:ln>
-          <a:effectLst/>
-          <a:extLst>
-            <a:ext uri="{AF507438-7753-43e0-B8FC-AC1667EBCBE1}">
-              <a14:hiddenEffects xmlns="" xmlns:a14="http://schemas.microsoft.com/office/drawing/2010/main">
-                <a:effectLst>
-                  <a:outerShdw blurRad="63500" dist="38099" dir="2700000" algn="ctr" rotWithShape="0">
-                    <a:schemeClr val="bg2">
-                      <a:alpha val="74998"/>
-                    </a:schemeClr>
-                  </a:outerShdw>
-                </a:effectLst>
-              </a14:hiddenEffects>
-            </a:ext>
-          </a:extLst>
-        </p:spPr>
-        <p:txBody>
-          <a:bodyPr vert="horz" wrap="square" lIns="91440" tIns="45720" rIns="91440" bIns="45720" numCol="1" rtlCol="0" anchor="ctr" anchorCtr="0" compatLnSpc="1">
-            <a:prstTxWarp prst="textNoShape">
-              <a:avLst/>
-            </a:prstTxWarp>
-          </a:bodyPr>
-          <a:lstStyle/>
-          <a:p>
-            <a:pPr marL="0" marR="0" indent="0" algn="ctr" defTabSz="914400" rtl="0" eaLnBrk="1" fontAlgn="base" latinLnBrk="0" hangingPunct="1">
-              <a:lnSpc>
-                <a:spcPct val="100000"/>
-              </a:lnSpc>
-              <a:spcBef>
-                <a:spcPct val="0"/>
-              </a:spcBef>
-              <a:spcAft>
-                <a:spcPct val="0"/>
-              </a:spcAft>
-              <a:buClrTx/>
-              <a:buSzTx/>
-              <a:buFontTx/>
-              <a:buNone/>
-              <a:tabLst/>
-            </a:pPr>
-            <a:r>
-              <a:rPr lang="en-US" sz="1400" dirty="0">
-                <a:latin typeface="Helvetica" pitchFamily="2" charset="0"/>
-                <a:ea typeface="ＭＳ Ｐゴシック" charset="0"/>
-                <a:cs typeface="Arial" charset="0"/>
-              </a:rPr>
-              <a:t>y</a:t>
-            </a:r>
-            <a:r>
-              <a:rPr kumimoji="0" lang="en-US" sz="1400" b="0" i="0" u="none" strike="noStrike" cap="none" normalizeH="0" baseline="0" dirty="0">
-                <a:ln>
-                  <a:noFill/>
-                </a:ln>
-                <a:solidFill>
-                  <a:schemeClr val="tx1"/>
-                </a:solidFill>
-                <a:effectLst/>
-                <a:latin typeface="Helvetica" pitchFamily="2" charset="0"/>
-                <a:ea typeface="ＭＳ Ｐゴシック" charset="0"/>
-                <a:cs typeface="Arial" charset="0"/>
-              </a:rPr>
-              <a:t>ield</a:t>
-            </a:r>
-          </a:p>
-        </p:txBody>
-      </p:sp>
-      <p:sp>
-        <p:nvSpPr>
-          <p:cNvPr id="39" name="Rectangle 38">
-            <a:extLst>
-              <a:ext uri="{FF2B5EF4-FFF2-40B4-BE49-F238E27FC236}">
-                <a16:creationId xmlns:a16="http://schemas.microsoft.com/office/drawing/2014/main" id="{0559FB5B-9BA8-334F-8666-DD9B77C5647A}"/>
-              </a:ext>
-            </a:extLst>
-          </p:cNvPr>
-          <p:cNvSpPr/>
-          <p:nvPr/>
-        </p:nvSpPr>
-        <p:spPr bwMode="auto">
-          <a:xfrm>
-            <a:off x="5764590" y="4496932"/>
-            <a:ext cx="569846" cy="217232"/>
-          </a:xfrm>
-          <a:prstGeom prst="rect">
-            <a:avLst/>
-          </a:prstGeom>
-          <a:solidFill>
-            <a:srgbClr val="FFFF00"/>
-          </a:solidFill>
-          <a:ln w="9525" cap="flat" cmpd="sng" algn="ctr">
-            <a:solidFill>
-              <a:schemeClr val="tx1"/>
-            </a:solidFill>
-            <a:prstDash val="solid"/>
-            <a:round/>
-            <a:headEnd type="none" w="med" len="med"/>
-            <a:tailEnd type="none" w="med" len="med"/>
-          </a:ln>
-          <a:effectLst/>
-          <a:extLst>
-            <a:ext uri="{AF507438-7753-43e0-B8FC-AC1667EBCBE1}">
-              <a14:hiddenEffects xmlns="" xmlns:a14="http://schemas.microsoft.com/office/drawing/2010/main">
-                <a:effectLst>
-                  <a:outerShdw blurRad="63500" dist="38099" dir="2700000" algn="ctr" rotWithShape="0">
-                    <a:schemeClr val="bg2">
-                      <a:alpha val="74998"/>
-                    </a:schemeClr>
-                  </a:outerShdw>
-                </a:effectLst>
-              </a14:hiddenEffects>
-            </a:ext>
-          </a:extLst>
-        </p:spPr>
-        <p:txBody>
-          <a:bodyPr vert="horz" wrap="square" lIns="91440" tIns="45720" rIns="91440" bIns="45720" numCol="1" rtlCol="0" anchor="ctr" anchorCtr="0" compatLnSpc="1">
-            <a:prstTxWarp prst="textNoShape">
-              <a:avLst/>
-            </a:prstTxWarp>
-          </a:bodyPr>
-          <a:lstStyle/>
-          <a:p>
-            <a:pPr marL="0" marR="0" indent="0" algn="ctr" defTabSz="914400" rtl="0" eaLnBrk="1" fontAlgn="base" latinLnBrk="0" hangingPunct="1">
-              <a:lnSpc>
-                <a:spcPct val="100000"/>
-              </a:lnSpc>
-              <a:spcBef>
-                <a:spcPct val="0"/>
-              </a:spcBef>
-              <a:spcAft>
-                <a:spcPct val="0"/>
-              </a:spcAft>
-              <a:buClrTx/>
-              <a:buSzTx/>
-              <a:buFontTx/>
-              <a:buNone/>
-              <a:tabLst/>
-            </a:pPr>
-            <a:r>
-              <a:rPr lang="en-US" sz="1400" dirty="0">
-                <a:latin typeface="Helvetica" pitchFamily="2" charset="0"/>
-                <a:ea typeface="ＭＳ Ｐゴシック" charset="0"/>
-                <a:cs typeface="Arial" charset="0"/>
-              </a:rPr>
-              <a:t>y</a:t>
-            </a:r>
-            <a:r>
-              <a:rPr kumimoji="0" lang="en-US" sz="1400" b="0" i="0" u="none" strike="noStrike" cap="none" normalizeH="0" baseline="0" dirty="0">
-                <a:ln>
-                  <a:noFill/>
-                </a:ln>
-                <a:solidFill>
-                  <a:schemeClr val="tx1"/>
-                </a:solidFill>
-                <a:effectLst/>
-                <a:latin typeface="Helvetica" pitchFamily="2" charset="0"/>
-                <a:ea typeface="ＭＳ Ｐゴシック" charset="0"/>
-                <a:cs typeface="Arial" charset="0"/>
-              </a:rPr>
-              <a:t>ield</a:t>
-            </a:r>
-          </a:p>
-        </p:txBody>
-      </p:sp>
-      <p:sp>
-        <p:nvSpPr>
-          <p:cNvPr id="42" name="Rectangle 41">
-            <a:extLst>
-              <a:ext uri="{FF2B5EF4-FFF2-40B4-BE49-F238E27FC236}">
-                <a16:creationId xmlns:a16="http://schemas.microsoft.com/office/drawing/2014/main" id="{3ADEE40C-6D39-3545-9D43-0D08CBB2F34C}"/>
-              </a:ext>
-            </a:extLst>
-          </p:cNvPr>
-          <p:cNvSpPr/>
-          <p:nvPr/>
-        </p:nvSpPr>
-        <p:spPr bwMode="auto">
-          <a:xfrm>
-            <a:off x="4758230" y="4504189"/>
-            <a:ext cx="970075" cy="217232"/>
-          </a:xfrm>
-          <a:prstGeom prst="rect">
-            <a:avLst/>
-          </a:prstGeom>
-          <a:solidFill>
-            <a:srgbClr val="FFFF00"/>
-          </a:solidFill>
-          <a:ln w="9525" cap="flat" cmpd="sng" algn="ctr">
-            <a:noFill/>
-            <a:prstDash val="solid"/>
-            <a:round/>
-            <a:headEnd type="none" w="med" len="med"/>
-            <a:tailEnd type="none" w="med" len="med"/>
-          </a:ln>
-          <a:effectLst/>
-          <a:extLst>
-            <a:ext uri="{AF507438-7753-43e0-B8FC-AC1667EBCBE1}">
-              <a14:hiddenEffects xmlns="" xmlns:a14="http://schemas.microsoft.com/office/drawing/2010/main">
-                <a:effectLst>
-                  <a:outerShdw blurRad="63500" dist="38099" dir="2700000" algn="ctr" rotWithShape="0">
-                    <a:schemeClr val="bg2">
-                      <a:alpha val="74998"/>
-                    </a:schemeClr>
-                  </a:outerShdw>
-                </a:effectLst>
-              </a14:hiddenEffects>
-            </a:ext>
-          </a:extLst>
-        </p:spPr>
-        <p:txBody>
-          <a:bodyPr vert="horz" wrap="square" lIns="91440" tIns="45720" rIns="91440" bIns="45720" numCol="1" rtlCol="0" anchor="ctr" anchorCtr="0" compatLnSpc="1">
-            <a:prstTxWarp prst="textNoShape">
-              <a:avLst/>
-            </a:prstTxWarp>
-          </a:bodyPr>
-          <a:lstStyle/>
-          <a:p>
-            <a:pPr marL="0" marR="0" indent="0" algn="ctr" defTabSz="914400" rtl="0" eaLnBrk="1" fontAlgn="base" latinLnBrk="0" hangingPunct="1">
-              <a:lnSpc>
-                <a:spcPct val="100000"/>
-              </a:lnSpc>
-              <a:spcBef>
-                <a:spcPct val="0"/>
-              </a:spcBef>
-              <a:spcAft>
-                <a:spcPct val="0"/>
-              </a:spcAft>
-              <a:buClrTx/>
-              <a:buSzTx/>
-              <a:buFontTx/>
-              <a:buNone/>
-              <a:tabLst/>
-            </a:pPr>
-            <a:r>
-              <a:rPr lang="en-US" sz="1400" dirty="0">
-                <a:latin typeface="Helvetica" pitchFamily="2" charset="0"/>
-                <a:ea typeface="ＭＳ Ｐゴシック" charset="0"/>
-                <a:cs typeface="Arial" charset="0"/>
-              </a:rPr>
-              <a:t>s</a:t>
-            </a:r>
-            <a:r>
-              <a:rPr kumimoji="0" lang="en-US" sz="1400" b="0" i="0" u="none" strike="noStrike" cap="none" normalizeH="0" baseline="0" dirty="0">
-                <a:ln>
-                  <a:noFill/>
-                </a:ln>
-                <a:solidFill>
-                  <a:schemeClr val="tx1"/>
-                </a:solidFill>
-                <a:effectLst/>
-                <a:latin typeface="Helvetica" pitchFamily="2" charset="0"/>
-                <a:ea typeface="ＭＳ Ｐゴシック" charset="0"/>
-                <a:cs typeface="Arial" charset="0"/>
-              </a:rPr>
-              <a:t>pawn T3 </a:t>
-            </a:r>
-          </a:p>
-        </p:txBody>
-      </p:sp>
-      <p:sp>
-        <p:nvSpPr>
-          <p:cNvPr id="44" name="TextBox 43">
-            <a:extLst>
-              <a:ext uri="{FF2B5EF4-FFF2-40B4-BE49-F238E27FC236}">
-                <a16:creationId xmlns:a16="http://schemas.microsoft.com/office/drawing/2014/main" id="{92DE4DBE-FE98-EF45-9764-19AD4C90D7DB}"/>
-              </a:ext>
-            </a:extLst>
-          </p:cNvPr>
-          <p:cNvSpPr txBox="1"/>
-          <p:nvPr/>
-        </p:nvSpPr>
-        <p:spPr>
-          <a:xfrm>
-            <a:off x="498355" y="4412218"/>
-            <a:ext cx="864339" cy="369332"/>
-          </a:xfrm>
-          <a:prstGeom prst="rect">
-            <a:avLst/>
-          </a:prstGeom>
-          <a:noFill/>
-        </p:spPr>
-        <p:txBody>
-          <a:bodyPr wrap="none" rtlCol="0">
-            <a:spAutoFit/>
-          </a:bodyPr>
-          <a:lstStyle/>
-          <a:p>
-            <a:r>
-              <a:rPr lang="en-US" dirty="0">
-                <a:latin typeface="Helvetica" pitchFamily="2" charset="0"/>
-              </a:rPr>
-              <a:t>CPU 1</a:t>
-            </a:r>
-          </a:p>
-        </p:txBody>
-      </p:sp>
-      <p:sp>
-        <p:nvSpPr>
           <p:cNvPr id="33" name="Rectangle 32">
             <a:extLst>
               <a:ext uri="{FF2B5EF4-FFF2-40B4-BE49-F238E27FC236}">
@@ -20482,7 +20552,7 @@
         </p:nvSpPr>
         <p:spPr bwMode="auto">
           <a:xfrm>
-            <a:off x="3928315" y="1963277"/>
+            <a:off x="4007217" y="2446479"/>
             <a:ext cx="667258" cy="217232"/>
           </a:xfrm>
           <a:prstGeom prst="rect">
@@ -20583,7 +20653,7 @@
         </p:nvGrpSpPr>
         <p:grpSpPr>
           <a:xfrm>
-            <a:off x="3886200" y="2176407"/>
+            <a:off x="3965102" y="2659609"/>
             <a:ext cx="3076321" cy="1378063"/>
             <a:chOff x="3886200" y="2176407"/>
             <a:chExt cx="3076321" cy="1378063"/>
@@ -20726,7 +20796,7 @@
         </p:nvSpPr>
         <p:spPr>
           <a:xfrm>
-            <a:off x="807781" y="2947972"/>
+            <a:off x="886683" y="3431174"/>
             <a:ext cx="2475037" cy="584775"/>
           </a:xfrm>
           <a:prstGeom prst="rect">
@@ -20810,7 +20880,7 @@
         </p:nvSpPr>
         <p:spPr bwMode="auto">
           <a:xfrm>
-            <a:off x="773694" y="1078185"/>
+            <a:off x="852596" y="1561387"/>
             <a:ext cx="7684508" cy="593054"/>
           </a:xfrm>
           <a:prstGeom prst="rect">
@@ -20896,10 +20966,10 @@
         </p:nvGrpSpPr>
         <p:grpSpPr>
           <a:xfrm>
-            <a:off x="2292834" y="73920"/>
-            <a:ext cx="2676310" cy="2878830"/>
-            <a:chOff x="2292834" y="73920"/>
-            <a:chExt cx="2676310" cy="2878830"/>
+            <a:off x="2371737" y="834020"/>
+            <a:ext cx="2676310" cy="2601932"/>
+            <a:chOff x="2292835" y="350818"/>
+            <a:chExt cx="2676310" cy="2601932"/>
           </a:xfrm>
         </p:grpSpPr>
         <p:cxnSp>
@@ -20964,7 +21034,7 @@
           </p:nvSpPr>
           <p:spPr>
             <a:xfrm>
-              <a:off x="2292834" y="73920"/>
+              <a:off x="2292835" y="350818"/>
               <a:ext cx="2676310" cy="584775"/>
             </a:xfrm>
             <a:prstGeom prst="rect">
@@ -21037,7 +21107,7 @@
         </p:nvGrpSpPr>
         <p:grpSpPr>
           <a:xfrm>
-            <a:off x="745432" y="1435561"/>
+            <a:off x="824334" y="1918763"/>
             <a:ext cx="3361617" cy="1288589"/>
             <a:chOff x="745432" y="1443223"/>
             <a:chExt cx="3361617" cy="1379622"/>
@@ -21291,8 +21361,8 @@
         </p:nvCxnSpPr>
         <p:spPr bwMode="auto">
           <a:xfrm>
-            <a:off x="3630989" y="658695"/>
-            <a:ext cx="1" cy="1447889"/>
+            <a:off x="3709892" y="1418795"/>
+            <a:ext cx="0" cy="1119589"/>
           </a:xfrm>
           <a:prstGeom prst="straightConnector1">
             <a:avLst/>
@@ -21341,7 +21411,7 @@
             </p:nvSpPr>
             <p:spPr>
               <a:xfrm>
-                <a:off x="4284153" y="1133877"/>
+                <a:off x="4363055" y="1617079"/>
                 <a:ext cx="1264833" cy="489301"/>
               </a:xfrm>
               <a:prstGeom prst="rect">
@@ -21435,7 +21505,7 @@
             </p:nvSpPr>
             <p:spPr>
               <a:xfrm>
-                <a:off x="4284153" y="1133877"/>
+                <a:off x="4363055" y="1617079"/>
                 <a:ext cx="1264833" cy="489301"/>
               </a:xfrm>
               <a:prstGeom prst="rect">
@@ -21467,53 +21537,150 @@
         <mc:Choice Requires="a14">
           <p:sp>
             <p:nvSpPr>
-              <p:cNvPr id="43" name="TextBox 42">
+              <p:cNvPr id="46" name="Rectangle 45">
                 <a:extLst>
                   <a:ext uri="{FF2B5EF4-FFF2-40B4-BE49-F238E27FC236}">
-                    <a16:creationId xmlns:a16="http://schemas.microsoft.com/office/drawing/2014/main" id="{36ABDC33-CC4F-FA4D-A9F4-5C3DFCFC85C6}"/>
+                    <a16:creationId xmlns:a16="http://schemas.microsoft.com/office/drawing/2014/main" id="{4119380A-A4CE-AB47-9A45-F5BB10ACAE01}"/>
                   </a:ext>
                 </a:extLst>
               </p:cNvPr>
-              <p:cNvSpPr txBox="1"/>
+              <p:cNvSpPr/>
               <p:nvPr/>
             </p:nvSpPr>
             <p:spPr>
               <a:xfrm>
-                <a:off x="358968" y="4679901"/>
-                <a:ext cx="1132233" cy="369332"/>
+                <a:off x="764786" y="239585"/>
+                <a:ext cx="7627473" cy="396519"/>
               </a:xfrm>
               <a:prstGeom prst="rect">
                 <a:avLst/>
               </a:prstGeom>
-              <a:noFill/>
             </p:spPr>
             <p:txBody>
-              <a:bodyPr wrap="none" rtlCol="0">
+              <a:bodyPr wrap="none">
                 <a:spAutoFit/>
               </a:bodyPr>
               <a:lstStyle/>
               <a:p>
-                <a:r>
-                  <a:rPr lang="en-US" dirty="0">
-                    <a:latin typeface="Helvetica" pitchFamily="2" charset="0"/>
-                  </a:rPr>
-                  <a:t>(With</a:t>
-                </a:r>
-                <a:r>
-                  <a:rPr lang="en-US" dirty="0">
-                    <a:latin typeface="Helvetica" pitchFamily="2" charset="0"/>
-                    <a:ea typeface="Cambria Math" panose="02040503050406030204" pitchFamily="18" charset="0"/>
-                  </a:rPr>
-                  <a:t> </a:t>
-                </a:r>
                 <a14:m>
                   <m:oMath xmlns:m="http://schemas.openxmlformats.org/officeDocument/2006/math">
                     <m:sSub>
                       <m:sSubPr>
                         <m:ctrlPr>
+                          <a:rPr lang="en-US" i="1" smtClean="0">
+                            <a:latin typeface="Cambria Math" panose="02040503050406030204" pitchFamily="18" charset="0"/>
+                          </a:rPr>
+                        </m:ctrlPr>
+                      </m:sSubPr>
+                      <m:e>
+                        <m:r>
+                          <m:rPr>
+                            <m:sty m:val="p"/>
+                          </m:rPr>
+                          <a:rPr lang="en-US" b="0" i="0" smtClean="0">
+                            <a:latin typeface="Cambria Math" panose="02040503050406030204" pitchFamily="18" charset="0"/>
+                          </a:rPr>
+                          <m:t>s</m:t>
+                        </m:r>
+                        <m:r>
+                          <m:rPr>
+                            <m:sty m:val="p"/>
+                          </m:rPr>
+                          <a:rPr lang="en-US">
+                            <a:latin typeface="Cambria Math" panose="02040503050406030204" pitchFamily="18" charset="0"/>
+                          </a:rPr>
+                          <m:t>tate</m:t>
+                        </m:r>
+                      </m:e>
+                      <m:sub>
+                        <m:r>
+                          <m:rPr>
+                            <m:sty m:val="p"/>
+                          </m:rPr>
+                          <a:rPr lang="en-US">
+                            <a:latin typeface="Cambria Math" panose="02040503050406030204" pitchFamily="18" charset="0"/>
+                          </a:rPr>
+                          <m:t>E</m:t>
+                        </m:r>
+                        <m:r>
+                          <m:rPr>
+                            <m:sty m:val="p"/>
+                          </m:rPr>
+                          <a:rPr lang="en-US" b="0" i="0" smtClean="0">
+                            <a:latin typeface="Cambria Math" panose="02040503050406030204" pitchFamily="18" charset="0"/>
+                          </a:rPr>
+                          <m:t>A</m:t>
+                        </m:r>
+                        <m:r>
+                          <m:rPr>
+                            <m:sty m:val="p"/>
+                          </m:rPr>
+                          <a:rPr lang="en-US">
+                            <a:latin typeface="Cambria Math" panose="02040503050406030204" pitchFamily="18" charset="0"/>
+                          </a:rPr>
+                          <m:t>sm</m:t>
+                        </m:r>
+                        <m:r>
+                          <a:rPr lang="en-US">
+                            <a:latin typeface="Cambria Math" panose="02040503050406030204" pitchFamily="18" charset="0"/>
+                          </a:rPr>
+                          <m:t>[…]</m:t>
+                        </m:r>
+                      </m:sub>
+                    </m:sSub>
+                    <m:r>
+                      <a:rPr lang="en-US" i="1">
+                        <a:latin typeface="Cambria Math" panose="02040503050406030204" pitchFamily="18" charset="0"/>
+                      </a:rPr>
+                      <m:t>≔(</m:t>
+                    </m:r>
+                    <m:r>
+                      <a:rPr lang="en-US" b="0" i="1" smtClean="0">
+                        <a:latin typeface="Cambria Math" panose="02040503050406030204" pitchFamily="18" charset="0"/>
+                      </a:rPr>
+                      <m:t>𝑡𝑖𝑑</m:t>
+                    </m:r>
+                    <m:r>
+                      <a:rPr lang="en-US" b="0" i="1" smtClean="0">
+                        <a:latin typeface="Cambria Math" panose="02040503050406030204" pitchFamily="18" charset="0"/>
+                      </a:rPr>
+                      <m:t>, </m:t>
+                    </m:r>
+                    <m:r>
+                      <a:rPr lang="en-US" b="0" i="1" smtClean="0">
+                        <a:latin typeface="Cambria Math" panose="02040503050406030204" pitchFamily="18" charset="0"/>
+                      </a:rPr>
+                      <m:t>𝑚𝑒𝑚</m:t>
+                    </m:r>
+                    <m:r>
+                      <a:rPr lang="en-US" b="0" i="1" smtClean="0">
+                        <a:latin typeface="Cambria Math" panose="02040503050406030204" pitchFamily="18" charset="0"/>
+                      </a:rPr>
+                      <m:t>, {</m:t>
+                    </m:r>
+                    <m:r>
+                      <a:rPr lang="en-US" b="0" i="1" smtClean="0">
+                        <a:latin typeface="Cambria Math" panose="02040503050406030204" pitchFamily="18" charset="0"/>
+                      </a:rPr>
+                      <m:t>𝑡𝑖</m:t>
+                    </m:r>
+                    <m:r>
+                      <a:rPr lang="en-US" i="1">
+                        <a:latin typeface="Cambria Math" panose="02040503050406030204" pitchFamily="18" charset="0"/>
+                      </a:rPr>
+                      <m:t>↦</m:t>
+                    </m:r>
+                    <m:r>
+                      <a:rPr lang="en-US" i="1">
+                        <a:latin typeface="Cambria Math" panose="02040503050406030204" pitchFamily="18" charset="0"/>
+                      </a:rPr>
+                      <m:t>𝑙𝑠</m:t>
+                    </m:r>
+                    <m:sSub>
+                      <m:sSubPr>
+                        <m:ctrlPr>
                           <a:rPr lang="en-US" b="0" i="1" smtClean="0">
                             <a:latin typeface="Cambria Math" panose="02040503050406030204" pitchFamily="18" charset="0"/>
-                            <a:ea typeface="Cambria Math" panose="02040503050406030204" pitchFamily="18" charset="0"/>
                           </a:rPr>
                         </m:ctrlPr>
                       </m:sSubPr>
@@ -21521,28 +21688,213 @@
                         <m:r>
                           <a:rPr lang="en-US" i="1">
                             <a:latin typeface="Cambria Math" panose="02040503050406030204" pitchFamily="18" charset="0"/>
-                            <a:ea typeface="Cambria Math" panose="02040503050406030204" pitchFamily="18" charset="0"/>
                           </a:rPr>
-                          <m:t>𝜀</m:t>
+                          <m:t>𝑡</m:t>
                         </m:r>
                       </m:e>
                       <m:sub>
                         <m:r>
                           <a:rPr lang="en-US" b="0" i="1" smtClean="0">
                             <a:latin typeface="Cambria Math" panose="02040503050406030204" pitchFamily="18" charset="0"/>
-                            <a:ea typeface="Cambria Math" panose="02040503050406030204" pitchFamily="18" charset="0"/>
                           </a:rPr>
-                          <m:t>1</m:t>
+                          <m:t>𝑡𝑖</m:t>
                         </m:r>
                       </m:sub>
                     </m:sSub>
+                    <m:r>
+                      <a:rPr lang="en-US" b="0" i="1" smtClean="0">
+                        <a:latin typeface="Cambria Math" panose="02040503050406030204" pitchFamily="18" charset="0"/>
+                        <a:ea typeface="Cambria Math" panose="02040503050406030204" pitchFamily="18" charset="0"/>
+                      </a:rPr>
+                      <m:t>}</m:t>
+                    </m:r>
+                    <m:r>
+                      <a:rPr lang="en-US" i="1">
+                        <a:latin typeface="Cambria Math" panose="02040503050406030204" pitchFamily="18" charset="0"/>
+                        <a:ea typeface="Cambria Math" panose="02040503050406030204" pitchFamily="18" charset="0"/>
+                      </a:rPr>
+                      <m:t>, </m:t>
+                    </m:r>
+                    <m:r>
+                      <a:rPr lang="en-US" i="1">
+                        <a:latin typeface="Cambria Math" panose="02040503050406030204" pitchFamily="18" charset="0"/>
+                        <a:ea typeface="Cambria Math" panose="02040503050406030204" pitchFamily="18" charset="0"/>
+                      </a:rPr>
+                      <m:t>𝑙𝑜𝑔</m:t>
+                    </m:r>
+                    <m:r>
+                      <a:rPr lang="en-US" i="1">
+                        <a:latin typeface="Cambria Math" panose="02040503050406030204" pitchFamily="18" charset="0"/>
+                        <a:ea typeface="Cambria Math" panose="02040503050406030204" pitchFamily="18" charset="0"/>
+                      </a:rPr>
+                      <m:t>)</m:t>
+                    </m:r>
                   </m:oMath>
                 </a14:m>
                 <a:r>
-                  <a:rPr lang="en-US" dirty="0">
-                    <a:latin typeface="Helvetica" pitchFamily="2" charset="0"/>
-                  </a:rPr>
-                  <a:t> )</a:t>
+                  <a:rPr lang="en-US" dirty="0"/>
+                  <a:t> (when </a:t>
+                </a:r>
+                <a14:m>
+                  <m:oMath xmlns:m="http://schemas.openxmlformats.org/officeDocument/2006/math">
+                    <m:r>
+                      <a:rPr lang="en-US" i="1">
+                        <a:latin typeface="Cambria Math" panose="02040503050406030204" pitchFamily="18" charset="0"/>
+                      </a:rPr>
+                      <m:t>𝑙𝑠</m:t>
+                    </m:r>
+                    <m:sSub>
+                      <m:sSubPr>
+                        <m:ctrlPr>
+                          <a:rPr lang="en-US" b="0" i="1" smtClean="0">
+                            <a:latin typeface="Cambria Math" panose="02040503050406030204" pitchFamily="18" charset="0"/>
+                          </a:rPr>
+                        </m:ctrlPr>
+                      </m:sSubPr>
+                      <m:e>
+                        <m:r>
+                          <a:rPr lang="en-US" b="0" i="1" smtClean="0">
+                            <a:latin typeface="Cambria Math" panose="02040503050406030204" pitchFamily="18" charset="0"/>
+                          </a:rPr>
+                          <m:t>𝑡</m:t>
+                        </m:r>
+                      </m:e>
+                      <m:sub>
+                        <m:r>
+                          <a:rPr lang="en-US" b="0" i="1" smtClean="0">
+                            <a:latin typeface="Cambria Math" panose="02040503050406030204" pitchFamily="18" charset="0"/>
+                          </a:rPr>
+                          <m:t>𝑡𝑖</m:t>
+                        </m:r>
+                      </m:sub>
+                    </m:sSub>
+                    <m:r>
+                      <a:rPr lang="en-US" b="0" i="1" smtClean="0">
+                        <a:latin typeface="Cambria Math" panose="02040503050406030204" pitchFamily="18" charset="0"/>
+                      </a:rPr>
+                      <m:t>=(</m:t>
+                    </m:r>
+                    <m:sSub>
+                      <m:sSubPr>
+                        <m:ctrlPr>
+                          <a:rPr lang="en-US" b="0" i="1" smtClean="0">
+                            <a:solidFill>
+                              <a:srgbClr val="FF0000"/>
+                            </a:solidFill>
+                            <a:latin typeface="Cambria Math" panose="02040503050406030204" pitchFamily="18" charset="0"/>
+                          </a:rPr>
+                        </m:ctrlPr>
+                      </m:sSubPr>
+                      <m:e>
+                        <m:r>
+                          <a:rPr lang="en-US" b="0" i="1" smtClean="0">
+                            <a:solidFill>
+                              <a:srgbClr val="FF0000"/>
+                            </a:solidFill>
+                            <a:latin typeface="Cambria Math" panose="02040503050406030204" pitchFamily="18" charset="0"/>
+                          </a:rPr>
+                          <m:t>𝑇𝑆</m:t>
+                        </m:r>
+                      </m:e>
+                      <m:sub>
+                        <m:r>
+                          <a:rPr lang="en-US" b="0" i="1" smtClean="0">
+                            <a:solidFill>
+                              <a:srgbClr val="FF0000"/>
+                            </a:solidFill>
+                            <a:latin typeface="Cambria Math" panose="02040503050406030204" pitchFamily="18" charset="0"/>
+                          </a:rPr>
+                          <m:t>𝑡𝑖</m:t>
+                        </m:r>
+                      </m:sub>
+                    </m:sSub>
+                    <m:r>
+                      <a:rPr lang="en-US" b="0" i="1" smtClean="0">
+                        <a:latin typeface="Cambria Math" panose="02040503050406030204" pitchFamily="18" charset="0"/>
+                      </a:rPr>
+                      <m:t>, </m:t>
+                    </m:r>
+                    <m:sSub>
+                      <m:sSubPr>
+                        <m:ctrlPr>
+                          <a:rPr lang="en-US" b="0" i="1" smtClean="0">
+                            <a:latin typeface="Cambria Math" panose="02040503050406030204" pitchFamily="18" charset="0"/>
+                          </a:rPr>
+                        </m:ctrlPr>
+                      </m:sSubPr>
+                      <m:e>
+                        <m:r>
+                          <a:rPr lang="en-US" b="0" i="1" smtClean="0">
+                            <a:latin typeface="Cambria Math" panose="02040503050406030204" pitchFamily="18" charset="0"/>
+                          </a:rPr>
+                          <m:t>𝜌</m:t>
+                        </m:r>
+                      </m:e>
+                      <m:sub>
+                        <m:r>
+                          <a:rPr lang="en-US" b="0" i="1" smtClean="0">
+                            <a:latin typeface="Cambria Math" panose="02040503050406030204" pitchFamily="18" charset="0"/>
+                          </a:rPr>
+                          <m:t>𝑡𝑖</m:t>
+                        </m:r>
+                      </m:sub>
+                    </m:sSub>
+                    <m:r>
+                      <a:rPr lang="en-US" b="0" i="1" smtClean="0">
+                        <a:latin typeface="Cambria Math" panose="02040503050406030204" pitchFamily="18" charset="0"/>
+                      </a:rPr>
+                      <m:t>, </m:t>
+                    </m:r>
+                    <m:r>
+                      <a:rPr lang="en-US" b="0" i="1" smtClean="0">
+                        <a:latin typeface="Cambria Math" panose="02040503050406030204" pitchFamily="18" charset="0"/>
+                      </a:rPr>
+                      <m:t>𝑎𝑏</m:t>
+                    </m:r>
+                    <m:sSubSup>
+                      <m:sSubSupPr>
+                        <m:ctrlPr>
+                          <a:rPr lang="en-US" b="0" i="1" smtClean="0">
+                            <a:latin typeface="Cambria Math" panose="02040503050406030204" pitchFamily="18" charset="0"/>
+                          </a:rPr>
+                        </m:ctrlPr>
+                      </m:sSubSupPr>
+                      <m:e>
+                        <m:r>
+                          <a:rPr lang="en-US" b="0" i="1" smtClean="0">
+                            <a:latin typeface="Cambria Math" panose="02040503050406030204" pitchFamily="18" charset="0"/>
+                          </a:rPr>
+                          <m:t>𝑠</m:t>
+                        </m:r>
+                      </m:e>
+                      <m:sub>
+                        <m:r>
+                          <a:rPr lang="en-US" b="0" i="1" smtClean="0">
+                            <a:latin typeface="Cambria Math" panose="02040503050406030204" pitchFamily="18" charset="0"/>
+                          </a:rPr>
+                          <m:t>𝑡𝑖</m:t>
+                        </m:r>
+                      </m:sub>
+                      <m:sup>
+                        <m:r>
+                          <a:rPr lang="en-US" b="0" i="1" smtClean="0">
+                            <a:latin typeface="Cambria Math" panose="02040503050406030204" pitchFamily="18" charset="0"/>
+                          </a:rPr>
+                          <m:t>𝑇</m:t>
+                        </m:r>
+                      </m:sup>
+                    </m:sSubSup>
+                    <m:r>
+                      <a:rPr lang="en-US" b="0" i="1" smtClean="0">
+                        <a:latin typeface="Cambria Math" panose="02040503050406030204" pitchFamily="18" charset="0"/>
+                      </a:rPr>
+                      <m:t>)</m:t>
+                    </m:r>
+                  </m:oMath>
+                </a14:m>
+                <a:r>
+                  <a:rPr lang="en-US" dirty="0"/>
+                  <a:t>)</a:t>
                 </a:r>
               </a:p>
             </p:txBody>
@@ -21551,22 +21903,22 @@
         <mc:Fallback xmlns="">
           <p:sp>
             <p:nvSpPr>
-              <p:cNvPr id="43" name="TextBox 42">
+              <p:cNvPr id="46" name="Rectangle 45">
                 <a:extLst>
                   <a:ext uri="{FF2B5EF4-FFF2-40B4-BE49-F238E27FC236}">
-                    <a16:creationId xmlns:a16="http://schemas.microsoft.com/office/drawing/2014/main" id="{36ABDC33-CC4F-FA4D-A9F4-5C3DFCFC85C6}"/>
+                    <a16:creationId xmlns:a16="http://schemas.microsoft.com/office/drawing/2014/main" id="{4119380A-A4CE-AB47-9A45-F5BB10ACAE01}"/>
                   </a:ext>
                 </a:extLst>
               </p:cNvPr>
-              <p:cNvSpPr txBox="1">
+              <p:cNvSpPr>
                 <a:spLocks noRot="1" noChangeAspect="1" noMove="1" noResize="1" noEditPoints="1" noAdjustHandles="1" noChangeArrowheads="1" noChangeShapeType="1" noTextEdit="1"/>
               </p:cNvSpPr>
               <p:nvPr/>
             </p:nvSpPr>
             <p:spPr>
               <a:xfrm>
-                <a:off x="358968" y="4679901"/>
-                <a:ext cx="1132233" cy="369332"/>
+                <a:off x="764786" y="239585"/>
+                <a:ext cx="7627473" cy="396519"/>
               </a:xfrm>
               <a:prstGeom prst="rect">
                 <a:avLst/>
@@ -21574,7 +21926,7 @@
               <a:blipFill>
                 <a:blip r:embed="rId3"/>
                 <a:stretch>
-                  <a:fillRect l="-3333" t="-3226" r="-3333" b="-22581"/>
+                  <a:fillRect t="-9375" b="-12500"/>
                 </a:stretch>
               </a:blipFill>
             </p:spPr>
@@ -23822,6 +24174,915 @@
           </p:sp>
         </mc:Fallback>
       </mc:AlternateContent>
+      <mc:AlternateContent xmlns:mc="http://schemas.openxmlformats.org/markup-compatibility/2006" xmlns:a14="http://schemas.microsoft.com/office/drawing/2010/main">
+        <mc:Choice Requires="a14">
+          <p:sp>
+            <p:nvSpPr>
+              <p:cNvPr id="35" name="Rectangle 34">
+                <a:extLst>
+                  <a:ext uri="{FF2B5EF4-FFF2-40B4-BE49-F238E27FC236}">
+                    <a16:creationId xmlns:a16="http://schemas.microsoft.com/office/drawing/2014/main" id="{E34DA12B-72F1-1745-9457-D7BAD93F8571}"/>
+                  </a:ext>
+                </a:extLst>
+              </p:cNvPr>
+              <p:cNvSpPr/>
+              <p:nvPr/>
+            </p:nvSpPr>
+            <p:spPr>
+              <a:xfrm>
+                <a:off x="840678" y="72082"/>
+                <a:ext cx="5042213" cy="396519"/>
+              </a:xfrm>
+              <a:prstGeom prst="rect">
+                <a:avLst/>
+              </a:prstGeom>
+            </p:spPr>
+            <p:txBody>
+              <a:bodyPr wrap="none">
+                <a:spAutoFit/>
+              </a:bodyPr>
+              <a:lstStyle/>
+              <a:p>
+                <a:pPr/>
+                <a14:m>
+                  <m:oMathPara xmlns:m="http://schemas.openxmlformats.org/officeDocument/2006/math">
+                    <m:oMathParaPr>
+                      <m:jc m:val="centerGroup"/>
+                    </m:oMathParaPr>
+                    <m:oMath xmlns:m="http://schemas.openxmlformats.org/officeDocument/2006/math">
+                      <m:sSub>
+                        <m:sSubPr>
+                          <m:ctrlPr>
+                            <a:rPr lang="en-US" i="1" smtClean="0">
+                              <a:latin typeface="Cambria Math" panose="02040503050406030204" pitchFamily="18" charset="0"/>
+                            </a:rPr>
+                          </m:ctrlPr>
+                        </m:sSubPr>
+                        <m:e>
+                          <m:r>
+                            <m:rPr>
+                              <m:sty m:val="p"/>
+                            </m:rPr>
+                            <a:rPr lang="en-US" b="0" i="0" smtClean="0">
+                              <a:latin typeface="Cambria Math" panose="02040503050406030204" pitchFamily="18" charset="0"/>
+                            </a:rPr>
+                            <m:t>s</m:t>
+                          </m:r>
+                          <m:r>
+                            <m:rPr>
+                              <m:sty m:val="p"/>
+                            </m:rPr>
+                            <a:rPr lang="en-US">
+                              <a:latin typeface="Cambria Math" panose="02040503050406030204" pitchFamily="18" charset="0"/>
+                            </a:rPr>
+                            <m:t>tate</m:t>
+                          </m:r>
+                        </m:e>
+                        <m:sub>
+                          <m:r>
+                            <m:rPr>
+                              <m:sty m:val="p"/>
+                            </m:rPr>
+                            <a:rPr lang="en-US">
+                              <a:latin typeface="Cambria Math" panose="02040503050406030204" pitchFamily="18" charset="0"/>
+                            </a:rPr>
+                            <m:t>E</m:t>
+                          </m:r>
+                          <m:r>
+                            <m:rPr>
+                              <m:sty m:val="p"/>
+                            </m:rPr>
+                            <a:rPr lang="en-US" b="0" i="0" smtClean="0">
+                              <a:latin typeface="Cambria Math" panose="02040503050406030204" pitchFamily="18" charset="0"/>
+                            </a:rPr>
+                            <m:t>A</m:t>
+                          </m:r>
+                          <m:r>
+                            <m:rPr>
+                              <m:sty m:val="p"/>
+                            </m:rPr>
+                            <a:rPr lang="en-US">
+                              <a:latin typeface="Cambria Math" panose="02040503050406030204" pitchFamily="18" charset="0"/>
+                            </a:rPr>
+                            <m:t>sm</m:t>
+                          </m:r>
+                          <m:r>
+                            <a:rPr lang="en-US">
+                              <a:latin typeface="Cambria Math" panose="02040503050406030204" pitchFamily="18" charset="0"/>
+                            </a:rPr>
+                            <m:t>[</m:t>
+                          </m:r>
+                          <m:r>
+                            <a:rPr lang="en-US" b="0" i="1" smtClean="0">
+                              <a:latin typeface="Cambria Math" panose="02040503050406030204" pitchFamily="18" charset="0"/>
+                            </a:rPr>
+                            <m:t>{</m:t>
+                          </m:r>
+                          <m:r>
+                            <m:rPr>
+                              <m:sty m:val="p"/>
+                            </m:rPr>
+                            <a:rPr lang="en-US" b="0" i="0" smtClean="0">
+                              <a:latin typeface="Cambria Math" panose="02040503050406030204" pitchFamily="18" charset="0"/>
+                            </a:rPr>
+                            <m:t>T</m:t>
+                          </m:r>
+                          <m:r>
+                            <a:rPr lang="en-US" b="0" i="1" smtClean="0">
+                              <a:latin typeface="Cambria Math" panose="02040503050406030204" pitchFamily="18" charset="0"/>
+                            </a:rPr>
+                            <m:t>1}</m:t>
+                          </m:r>
+                          <m:r>
+                            <a:rPr lang="en-US">
+                              <a:latin typeface="Cambria Math" panose="02040503050406030204" pitchFamily="18" charset="0"/>
+                            </a:rPr>
+                            <m:t>]</m:t>
+                          </m:r>
+                        </m:sub>
+                      </m:sSub>
+                      <m:r>
+                        <a:rPr lang="en-US" i="1">
+                          <a:latin typeface="Cambria Math" panose="02040503050406030204" pitchFamily="18" charset="0"/>
+                        </a:rPr>
+                        <m:t>≔(</m:t>
+                      </m:r>
+                      <m:r>
+                        <a:rPr lang="en-US" b="0" i="1" smtClean="0">
+                          <a:latin typeface="Cambria Math" panose="02040503050406030204" pitchFamily="18" charset="0"/>
+                        </a:rPr>
+                        <m:t>𝑡𝑖𝑑</m:t>
+                      </m:r>
+                      <m:r>
+                        <a:rPr lang="en-US" b="0" i="1" smtClean="0">
+                          <a:latin typeface="Cambria Math" panose="02040503050406030204" pitchFamily="18" charset="0"/>
+                        </a:rPr>
+                        <m:t>, </m:t>
+                      </m:r>
+                      <m:r>
+                        <a:rPr lang="en-US" b="0" i="1" smtClean="0">
+                          <a:latin typeface="Cambria Math" panose="02040503050406030204" pitchFamily="18" charset="0"/>
+                        </a:rPr>
+                        <m:t>𝑚𝑒𝑚</m:t>
+                      </m:r>
+                      <m:r>
+                        <a:rPr lang="en-US" b="0" i="1" smtClean="0">
+                          <a:latin typeface="Cambria Math" panose="02040503050406030204" pitchFamily="18" charset="0"/>
+                        </a:rPr>
+                        <m:t>, {(</m:t>
+                      </m:r>
+                      <m:r>
+                        <m:rPr>
+                          <m:sty m:val="p"/>
+                        </m:rPr>
+                        <a:rPr lang="en-US" b="0" i="0" smtClean="0">
+                          <a:latin typeface="Cambria Math" panose="02040503050406030204" pitchFamily="18" charset="0"/>
+                        </a:rPr>
+                        <m:t>T</m:t>
+                      </m:r>
+                      <m:r>
+                        <a:rPr lang="en-US" b="0" i="0" smtClean="0">
+                          <a:latin typeface="Cambria Math" panose="02040503050406030204" pitchFamily="18" charset="0"/>
+                        </a:rPr>
+                        <m:t>1</m:t>
+                      </m:r>
+                      <m:r>
+                        <a:rPr lang="en-US" i="1">
+                          <a:latin typeface="Cambria Math" panose="02040503050406030204" pitchFamily="18" charset="0"/>
+                        </a:rPr>
+                        <m:t>↦</m:t>
+                      </m:r>
+                      <m:r>
+                        <a:rPr lang="en-US" i="1">
+                          <a:latin typeface="Cambria Math" panose="02040503050406030204" pitchFamily="18" charset="0"/>
+                        </a:rPr>
+                        <m:t>𝑙𝑠</m:t>
+                      </m:r>
+                      <m:sSub>
+                        <m:sSubPr>
+                          <m:ctrlPr>
+                            <a:rPr lang="en-US" b="0" i="1" smtClean="0">
+                              <a:latin typeface="Cambria Math" panose="02040503050406030204" pitchFamily="18" charset="0"/>
+                            </a:rPr>
+                          </m:ctrlPr>
+                        </m:sSubPr>
+                        <m:e>
+                          <m:r>
+                            <a:rPr lang="en-US" i="1">
+                              <a:latin typeface="Cambria Math" panose="02040503050406030204" pitchFamily="18" charset="0"/>
+                            </a:rPr>
+                            <m:t>𝑡</m:t>
+                          </m:r>
+                        </m:e>
+                        <m:sub>
+                          <m:r>
+                            <m:rPr>
+                              <m:sty m:val="p"/>
+                            </m:rPr>
+                            <a:rPr lang="en-US" b="0" i="0" smtClean="0">
+                              <a:latin typeface="Cambria Math" panose="02040503050406030204" pitchFamily="18" charset="0"/>
+                            </a:rPr>
+                            <m:t>T</m:t>
+                          </m:r>
+                          <m:r>
+                            <a:rPr lang="en-US" b="0" i="0" smtClean="0">
+                              <a:latin typeface="Cambria Math" panose="02040503050406030204" pitchFamily="18" charset="0"/>
+                            </a:rPr>
+                            <m:t>1</m:t>
+                          </m:r>
+                        </m:sub>
+                      </m:sSub>
+                      <m:r>
+                        <a:rPr lang="en-US" b="0" i="1" smtClean="0">
+                          <a:latin typeface="Cambria Math" panose="02040503050406030204" pitchFamily="18" charset="0"/>
+                        </a:rPr>
+                        <m:t>)</m:t>
+                      </m:r>
+                      <m:r>
+                        <a:rPr lang="en-US" b="0" i="1" smtClean="0">
+                          <a:latin typeface="Cambria Math" panose="02040503050406030204" pitchFamily="18" charset="0"/>
+                          <a:ea typeface="Cambria Math" panose="02040503050406030204" pitchFamily="18" charset="0"/>
+                        </a:rPr>
+                        <m:t>}</m:t>
+                      </m:r>
+                      <m:r>
+                        <a:rPr lang="en-US" i="1">
+                          <a:latin typeface="Cambria Math" panose="02040503050406030204" pitchFamily="18" charset="0"/>
+                          <a:ea typeface="Cambria Math" panose="02040503050406030204" pitchFamily="18" charset="0"/>
+                        </a:rPr>
+                        <m:t>, </m:t>
+                      </m:r>
+                      <m:r>
+                        <a:rPr lang="en-US" i="1">
+                          <a:latin typeface="Cambria Math" panose="02040503050406030204" pitchFamily="18" charset="0"/>
+                          <a:ea typeface="Cambria Math" panose="02040503050406030204" pitchFamily="18" charset="0"/>
+                        </a:rPr>
+                        <m:t>𝑙𝑜𝑔</m:t>
+                      </m:r>
+                      <m:r>
+                        <a:rPr lang="en-US" i="1">
+                          <a:latin typeface="Cambria Math" panose="02040503050406030204" pitchFamily="18" charset="0"/>
+                          <a:ea typeface="Cambria Math" panose="02040503050406030204" pitchFamily="18" charset="0"/>
+                        </a:rPr>
+                        <m:t>)</m:t>
+                      </m:r>
+                    </m:oMath>
+                  </m:oMathPara>
+                </a14:m>
+                <a:endParaRPr lang="en-US" dirty="0"/>
+              </a:p>
+            </p:txBody>
+          </p:sp>
+        </mc:Choice>
+        <mc:Fallback xmlns="">
+          <p:sp>
+            <p:nvSpPr>
+              <p:cNvPr id="35" name="Rectangle 34">
+                <a:extLst>
+                  <a:ext uri="{FF2B5EF4-FFF2-40B4-BE49-F238E27FC236}">
+                    <a16:creationId xmlns:a16="http://schemas.microsoft.com/office/drawing/2014/main" id="{E34DA12B-72F1-1745-9457-D7BAD93F8571}"/>
+                  </a:ext>
+                </a:extLst>
+              </p:cNvPr>
+              <p:cNvSpPr>
+                <a:spLocks noRot="1" noChangeAspect="1" noMove="1" noResize="1" noEditPoints="1" noAdjustHandles="1" noChangeArrowheads="1" noChangeShapeType="1" noTextEdit="1"/>
+              </p:cNvSpPr>
+              <p:nvPr/>
+            </p:nvSpPr>
+            <p:spPr>
+              <a:xfrm>
+                <a:off x="840678" y="72082"/>
+                <a:ext cx="5042213" cy="396519"/>
+              </a:xfrm>
+              <a:prstGeom prst="rect">
+                <a:avLst/>
+              </a:prstGeom>
+              <a:blipFill>
+                <a:blip r:embed="rId5"/>
+                <a:stretch>
+                  <a:fillRect b="-6250"/>
+                </a:stretch>
+              </a:blipFill>
+            </p:spPr>
+            <p:txBody>
+              <a:bodyPr/>
+              <a:lstStyle/>
+              <a:p>
+                <a:r>
+                  <a:rPr lang="en-US">
+                    <a:noFill/>
+                  </a:rPr>
+                  <a:t> </a:t>
+                </a:r>
+              </a:p>
+            </p:txBody>
+          </p:sp>
+        </mc:Fallback>
+      </mc:AlternateContent>
+      <mc:AlternateContent xmlns:mc="http://schemas.openxmlformats.org/markup-compatibility/2006" xmlns:a14="http://schemas.microsoft.com/office/drawing/2010/main">
+        <mc:Choice Requires="a14">
+          <p:sp>
+            <p:nvSpPr>
+              <p:cNvPr id="46" name="Rectangle 45">
+                <a:extLst>
+                  <a:ext uri="{FF2B5EF4-FFF2-40B4-BE49-F238E27FC236}">
+                    <a16:creationId xmlns:a16="http://schemas.microsoft.com/office/drawing/2014/main" id="{2820E475-8E40-6740-AA39-F054CF179203}"/>
+                  </a:ext>
+                </a:extLst>
+              </p:cNvPr>
+              <p:cNvSpPr/>
+              <p:nvPr/>
+            </p:nvSpPr>
+            <p:spPr>
+              <a:xfrm>
+                <a:off x="842896" y="3123518"/>
+                <a:ext cx="5042213" cy="396519"/>
+              </a:xfrm>
+              <a:prstGeom prst="rect">
+                <a:avLst/>
+              </a:prstGeom>
+            </p:spPr>
+            <p:txBody>
+              <a:bodyPr wrap="none">
+                <a:spAutoFit/>
+              </a:bodyPr>
+              <a:lstStyle/>
+              <a:p>
+                <a:pPr/>
+                <a14:m>
+                  <m:oMathPara xmlns:m="http://schemas.openxmlformats.org/officeDocument/2006/math">
+                    <m:oMathParaPr>
+                      <m:jc m:val="centerGroup"/>
+                    </m:oMathParaPr>
+                    <m:oMath xmlns:m="http://schemas.openxmlformats.org/officeDocument/2006/math">
+                      <m:sSub>
+                        <m:sSubPr>
+                          <m:ctrlPr>
+                            <a:rPr lang="en-US" i="1" smtClean="0">
+                              <a:latin typeface="Cambria Math" panose="02040503050406030204" pitchFamily="18" charset="0"/>
+                            </a:rPr>
+                          </m:ctrlPr>
+                        </m:sSubPr>
+                        <m:e>
+                          <m:r>
+                            <m:rPr>
+                              <m:sty m:val="p"/>
+                            </m:rPr>
+                            <a:rPr lang="en-US" b="0" i="0" smtClean="0">
+                              <a:latin typeface="Cambria Math" panose="02040503050406030204" pitchFamily="18" charset="0"/>
+                            </a:rPr>
+                            <m:t>s</m:t>
+                          </m:r>
+                          <m:r>
+                            <m:rPr>
+                              <m:sty m:val="p"/>
+                            </m:rPr>
+                            <a:rPr lang="en-US">
+                              <a:latin typeface="Cambria Math" panose="02040503050406030204" pitchFamily="18" charset="0"/>
+                            </a:rPr>
+                            <m:t>tate</m:t>
+                          </m:r>
+                        </m:e>
+                        <m:sub>
+                          <m:r>
+                            <m:rPr>
+                              <m:sty m:val="p"/>
+                            </m:rPr>
+                            <a:rPr lang="en-US">
+                              <a:latin typeface="Cambria Math" panose="02040503050406030204" pitchFamily="18" charset="0"/>
+                            </a:rPr>
+                            <m:t>E</m:t>
+                          </m:r>
+                          <m:r>
+                            <m:rPr>
+                              <m:sty m:val="p"/>
+                            </m:rPr>
+                            <a:rPr lang="en-US" i="1">
+                              <a:latin typeface="Cambria Math" panose="02040503050406030204" pitchFamily="18" charset="0"/>
+                            </a:rPr>
+                            <m:t>a</m:t>
+                          </m:r>
+                          <m:r>
+                            <m:rPr>
+                              <m:sty m:val="p"/>
+                            </m:rPr>
+                            <a:rPr lang="en-US">
+                              <a:latin typeface="Cambria Math" panose="02040503050406030204" pitchFamily="18" charset="0"/>
+                            </a:rPr>
+                            <m:t>sm</m:t>
+                          </m:r>
+                          <m:r>
+                            <a:rPr lang="en-US">
+                              <a:latin typeface="Cambria Math" panose="02040503050406030204" pitchFamily="18" charset="0"/>
+                            </a:rPr>
+                            <m:t>[</m:t>
+                          </m:r>
+                          <m:r>
+                            <a:rPr lang="en-US" b="0" i="1" smtClean="0">
+                              <a:latin typeface="Cambria Math" panose="02040503050406030204" pitchFamily="18" charset="0"/>
+                            </a:rPr>
+                            <m:t>{</m:t>
+                          </m:r>
+                          <m:r>
+                            <m:rPr>
+                              <m:sty m:val="p"/>
+                            </m:rPr>
+                            <a:rPr lang="en-US" b="0" i="0" smtClean="0">
+                              <a:latin typeface="Cambria Math" panose="02040503050406030204" pitchFamily="18" charset="0"/>
+                            </a:rPr>
+                            <m:t>T</m:t>
+                          </m:r>
+                          <m:r>
+                            <a:rPr lang="en-US" b="0" i="1" smtClean="0">
+                              <a:latin typeface="Cambria Math" panose="02040503050406030204" pitchFamily="18" charset="0"/>
+                            </a:rPr>
+                            <m:t>2}</m:t>
+                          </m:r>
+                          <m:r>
+                            <a:rPr lang="en-US">
+                              <a:latin typeface="Cambria Math" panose="02040503050406030204" pitchFamily="18" charset="0"/>
+                            </a:rPr>
+                            <m:t>]</m:t>
+                          </m:r>
+                        </m:sub>
+                      </m:sSub>
+                      <m:r>
+                        <a:rPr lang="en-US" i="1">
+                          <a:latin typeface="Cambria Math" panose="02040503050406030204" pitchFamily="18" charset="0"/>
+                        </a:rPr>
+                        <m:t>≔(</m:t>
+                      </m:r>
+                      <m:r>
+                        <a:rPr lang="en-US" b="0" i="1" smtClean="0">
+                          <a:latin typeface="Cambria Math" panose="02040503050406030204" pitchFamily="18" charset="0"/>
+                        </a:rPr>
+                        <m:t>𝑡𝑖𝑑</m:t>
+                      </m:r>
+                      <m:r>
+                        <a:rPr lang="en-US" b="0" i="1" smtClean="0">
+                          <a:latin typeface="Cambria Math" panose="02040503050406030204" pitchFamily="18" charset="0"/>
+                        </a:rPr>
+                        <m:t>, </m:t>
+                      </m:r>
+                      <m:r>
+                        <a:rPr lang="en-US" b="0" i="1" smtClean="0">
+                          <a:latin typeface="Cambria Math" panose="02040503050406030204" pitchFamily="18" charset="0"/>
+                        </a:rPr>
+                        <m:t>𝑚𝑒𝑚</m:t>
+                      </m:r>
+                      <m:r>
+                        <a:rPr lang="en-US" b="0" i="1" smtClean="0">
+                          <a:latin typeface="Cambria Math" panose="02040503050406030204" pitchFamily="18" charset="0"/>
+                        </a:rPr>
+                        <m:t>, {(</m:t>
+                      </m:r>
+                      <m:r>
+                        <m:rPr>
+                          <m:sty m:val="p"/>
+                        </m:rPr>
+                        <a:rPr lang="en-US" b="0" i="0" smtClean="0">
+                          <a:latin typeface="Cambria Math" panose="02040503050406030204" pitchFamily="18" charset="0"/>
+                        </a:rPr>
+                        <m:t>T</m:t>
+                      </m:r>
+                      <m:r>
+                        <a:rPr lang="en-US" b="0" i="1" smtClean="0">
+                          <a:latin typeface="Cambria Math" panose="02040503050406030204" pitchFamily="18" charset="0"/>
+                        </a:rPr>
+                        <m:t>2</m:t>
+                      </m:r>
+                      <m:r>
+                        <a:rPr lang="en-US" i="1">
+                          <a:latin typeface="Cambria Math" panose="02040503050406030204" pitchFamily="18" charset="0"/>
+                        </a:rPr>
+                        <m:t>↦</m:t>
+                      </m:r>
+                      <m:r>
+                        <a:rPr lang="en-US" i="1">
+                          <a:latin typeface="Cambria Math" panose="02040503050406030204" pitchFamily="18" charset="0"/>
+                        </a:rPr>
+                        <m:t>𝑙𝑠</m:t>
+                      </m:r>
+                      <m:sSub>
+                        <m:sSubPr>
+                          <m:ctrlPr>
+                            <a:rPr lang="en-US" b="0" i="1" smtClean="0">
+                              <a:latin typeface="Cambria Math" panose="02040503050406030204" pitchFamily="18" charset="0"/>
+                            </a:rPr>
+                          </m:ctrlPr>
+                        </m:sSubPr>
+                        <m:e>
+                          <m:r>
+                            <a:rPr lang="en-US" i="1">
+                              <a:latin typeface="Cambria Math" panose="02040503050406030204" pitchFamily="18" charset="0"/>
+                            </a:rPr>
+                            <m:t>𝑡</m:t>
+                          </m:r>
+                        </m:e>
+                        <m:sub>
+                          <m:r>
+                            <m:rPr>
+                              <m:sty m:val="p"/>
+                            </m:rPr>
+                            <a:rPr lang="en-US" b="0" i="0" smtClean="0">
+                              <a:latin typeface="Cambria Math" panose="02040503050406030204" pitchFamily="18" charset="0"/>
+                            </a:rPr>
+                            <m:t>T</m:t>
+                          </m:r>
+                          <m:r>
+                            <a:rPr lang="en-US" b="0" i="1" smtClean="0">
+                              <a:latin typeface="Cambria Math" panose="02040503050406030204" pitchFamily="18" charset="0"/>
+                            </a:rPr>
+                            <m:t>2</m:t>
+                          </m:r>
+                        </m:sub>
+                      </m:sSub>
+                      <m:r>
+                        <a:rPr lang="en-US" b="0" i="1" smtClean="0">
+                          <a:latin typeface="Cambria Math" panose="02040503050406030204" pitchFamily="18" charset="0"/>
+                        </a:rPr>
+                        <m:t>)</m:t>
+                      </m:r>
+                      <m:r>
+                        <a:rPr lang="en-US" b="0" i="1" smtClean="0">
+                          <a:latin typeface="Cambria Math" panose="02040503050406030204" pitchFamily="18" charset="0"/>
+                          <a:ea typeface="Cambria Math" panose="02040503050406030204" pitchFamily="18" charset="0"/>
+                        </a:rPr>
+                        <m:t>}</m:t>
+                      </m:r>
+                      <m:r>
+                        <a:rPr lang="en-US" i="1">
+                          <a:latin typeface="Cambria Math" panose="02040503050406030204" pitchFamily="18" charset="0"/>
+                          <a:ea typeface="Cambria Math" panose="02040503050406030204" pitchFamily="18" charset="0"/>
+                        </a:rPr>
+                        <m:t>, </m:t>
+                      </m:r>
+                      <m:r>
+                        <a:rPr lang="en-US" i="1">
+                          <a:latin typeface="Cambria Math" panose="02040503050406030204" pitchFamily="18" charset="0"/>
+                          <a:ea typeface="Cambria Math" panose="02040503050406030204" pitchFamily="18" charset="0"/>
+                        </a:rPr>
+                        <m:t>𝑙𝑜𝑔</m:t>
+                      </m:r>
+                      <m:r>
+                        <a:rPr lang="en-US" i="1">
+                          <a:latin typeface="Cambria Math" panose="02040503050406030204" pitchFamily="18" charset="0"/>
+                          <a:ea typeface="Cambria Math" panose="02040503050406030204" pitchFamily="18" charset="0"/>
+                        </a:rPr>
+                        <m:t>)</m:t>
+                      </m:r>
+                    </m:oMath>
+                  </m:oMathPara>
+                </a14:m>
+                <a:endParaRPr lang="en-US" dirty="0"/>
+              </a:p>
+            </p:txBody>
+          </p:sp>
+        </mc:Choice>
+        <mc:Fallback xmlns="">
+          <p:sp>
+            <p:nvSpPr>
+              <p:cNvPr id="46" name="Rectangle 45">
+                <a:extLst>
+                  <a:ext uri="{FF2B5EF4-FFF2-40B4-BE49-F238E27FC236}">
+                    <a16:creationId xmlns:a16="http://schemas.microsoft.com/office/drawing/2014/main" id="{2820E475-8E40-6740-AA39-F054CF179203}"/>
+                  </a:ext>
+                </a:extLst>
+              </p:cNvPr>
+              <p:cNvSpPr>
+                <a:spLocks noRot="1" noChangeAspect="1" noMove="1" noResize="1" noEditPoints="1" noAdjustHandles="1" noChangeArrowheads="1" noChangeShapeType="1" noTextEdit="1"/>
+              </p:cNvSpPr>
+              <p:nvPr/>
+            </p:nvSpPr>
+            <p:spPr>
+              <a:xfrm>
+                <a:off x="842896" y="3123518"/>
+                <a:ext cx="5042213" cy="396519"/>
+              </a:xfrm>
+              <a:prstGeom prst="rect">
+                <a:avLst/>
+              </a:prstGeom>
+              <a:blipFill>
+                <a:blip r:embed="rId6"/>
+                <a:stretch>
+                  <a:fillRect b="-6250"/>
+                </a:stretch>
+              </a:blipFill>
+            </p:spPr>
+            <p:txBody>
+              <a:bodyPr/>
+              <a:lstStyle/>
+              <a:p>
+                <a:r>
+                  <a:rPr lang="en-US">
+                    <a:noFill/>
+                  </a:rPr>
+                  <a:t> </a:t>
+                </a:r>
+              </a:p>
+            </p:txBody>
+          </p:sp>
+        </mc:Fallback>
+      </mc:AlternateContent>
+      <mc:AlternateContent xmlns:mc="http://schemas.openxmlformats.org/markup-compatibility/2006" xmlns:a14="http://schemas.microsoft.com/office/drawing/2010/main">
+        <mc:Choice Requires="a14">
+          <p:sp>
+            <p:nvSpPr>
+              <p:cNvPr id="55" name="Rectangle 54">
+                <a:extLst>
+                  <a:ext uri="{FF2B5EF4-FFF2-40B4-BE49-F238E27FC236}">
+                    <a16:creationId xmlns:a16="http://schemas.microsoft.com/office/drawing/2014/main" id="{77AB5BA8-8357-4E4B-9D91-7EDDBEF5938A}"/>
+                  </a:ext>
+                </a:extLst>
+              </p:cNvPr>
+              <p:cNvSpPr/>
+              <p:nvPr/>
+            </p:nvSpPr>
+            <p:spPr>
+              <a:xfrm>
+                <a:off x="838200" y="4572406"/>
+                <a:ext cx="2729017" cy="394019"/>
+              </a:xfrm>
+              <a:prstGeom prst="rect">
+                <a:avLst/>
+              </a:prstGeom>
+            </p:spPr>
+            <p:txBody>
+              <a:bodyPr wrap="none">
+                <a:spAutoFit/>
+              </a:bodyPr>
+              <a:lstStyle/>
+              <a:p>
+                <a:pPr/>
+                <a14:m>
+                  <m:oMathPara xmlns:m="http://schemas.openxmlformats.org/officeDocument/2006/math">
+                    <m:oMathParaPr>
+                      <m:jc m:val="centerGroup"/>
+                    </m:oMathParaPr>
+                    <m:oMath xmlns:m="http://schemas.openxmlformats.org/officeDocument/2006/math">
+                      <m:sSub>
+                        <m:sSubPr>
+                          <m:ctrlPr>
+                            <a:rPr lang="en-US" b="0" i="1" smtClean="0">
+                              <a:latin typeface="Cambria Math" panose="02040503050406030204" pitchFamily="18" charset="0"/>
+                            </a:rPr>
+                          </m:ctrlPr>
+                        </m:sSubPr>
+                        <m:e>
+                          <m:r>
+                            <m:rPr>
+                              <m:sty m:val="p"/>
+                            </m:rPr>
+                            <a:rPr lang="en-US" b="0" i="0" smtClean="0">
+                              <a:latin typeface="Cambria Math" panose="02040503050406030204" pitchFamily="18" charset="0"/>
+                            </a:rPr>
+                            <m:t>state</m:t>
+                          </m:r>
+                        </m:e>
+                        <m:sub>
+                          <m:r>
+                            <m:rPr>
+                              <m:sty m:val="p"/>
+                            </m:rPr>
+                            <a:rPr lang="en-US" b="0" i="0" smtClean="0">
+                              <a:latin typeface="Cambria Math" panose="02040503050406030204" pitchFamily="18" charset="0"/>
+                            </a:rPr>
+                            <m:t>LAsm</m:t>
+                          </m:r>
+                        </m:sub>
+                      </m:sSub>
+                      <m:r>
+                        <a:rPr lang="en-US" i="1">
+                          <a:latin typeface="Cambria Math" panose="02040503050406030204" pitchFamily="18" charset="0"/>
+                        </a:rPr>
+                        <m:t>≔(</m:t>
+                      </m:r>
+                      <m:r>
+                        <a:rPr lang="en-US" i="1">
+                          <a:latin typeface="Cambria Math" panose="02040503050406030204" pitchFamily="18" charset="0"/>
+                        </a:rPr>
+                        <m:t>𝑙𝑠</m:t>
+                      </m:r>
+                      <m:sSub>
+                        <m:sSubPr>
+                          <m:ctrlPr>
+                            <a:rPr lang="en-US" b="0" i="1" smtClean="0">
+                              <a:latin typeface="Cambria Math" panose="02040503050406030204" pitchFamily="18" charset="0"/>
+                            </a:rPr>
+                          </m:ctrlPr>
+                        </m:sSubPr>
+                        <m:e>
+                          <m:r>
+                            <a:rPr lang="en-US" b="0" i="1" smtClean="0">
+                              <a:latin typeface="Cambria Math" panose="02040503050406030204" pitchFamily="18" charset="0"/>
+                            </a:rPr>
+                            <m:t>𝑡</m:t>
+                          </m:r>
+                        </m:e>
+                        <m:sub>
+                          <m:r>
+                            <m:rPr>
+                              <m:sty m:val="p"/>
+                            </m:rPr>
+                            <a:rPr lang="en-US" b="0" i="0" smtClean="0">
+                              <a:latin typeface="Cambria Math" panose="02040503050406030204" pitchFamily="18" charset="0"/>
+                            </a:rPr>
+                            <m:t>cpu</m:t>
+                          </m:r>
+                        </m:sub>
+                      </m:sSub>
+                      <m:r>
+                        <a:rPr lang="en-US" i="1">
+                          <a:latin typeface="Cambria Math" panose="02040503050406030204" pitchFamily="18" charset="0"/>
+                          <a:ea typeface="Cambria Math" panose="02040503050406030204" pitchFamily="18" charset="0"/>
+                        </a:rPr>
+                        <m:t>,</m:t>
+                      </m:r>
+                      <m:r>
+                        <a:rPr lang="en-US" b="0" i="1" smtClean="0">
+                          <a:latin typeface="Cambria Math" panose="02040503050406030204" pitchFamily="18" charset="0"/>
+                          <a:ea typeface="Cambria Math" panose="02040503050406030204" pitchFamily="18" charset="0"/>
+                        </a:rPr>
+                        <m:t>𝑙𝑜𝑔</m:t>
+                      </m:r>
+                      <m:r>
+                        <a:rPr lang="en-US" i="1" smtClean="0">
+                          <a:latin typeface="Cambria Math" panose="02040503050406030204" pitchFamily="18" charset="0"/>
+                          <a:ea typeface="Cambria Math" panose="02040503050406030204" pitchFamily="18" charset="0"/>
+                        </a:rPr>
+                        <m:t>)</m:t>
+                      </m:r>
+                    </m:oMath>
+                  </m:oMathPara>
+                </a14:m>
+                <a:endParaRPr lang="en-US" dirty="0"/>
+              </a:p>
+            </p:txBody>
+          </p:sp>
+        </mc:Choice>
+        <mc:Fallback xmlns="">
+          <p:sp>
+            <p:nvSpPr>
+              <p:cNvPr id="55" name="Rectangle 54">
+                <a:extLst>
+                  <a:ext uri="{FF2B5EF4-FFF2-40B4-BE49-F238E27FC236}">
+                    <a16:creationId xmlns:a16="http://schemas.microsoft.com/office/drawing/2014/main" id="{77AB5BA8-8357-4E4B-9D91-7EDDBEF5938A}"/>
+                  </a:ext>
+                </a:extLst>
+              </p:cNvPr>
+              <p:cNvSpPr>
+                <a:spLocks noRot="1" noChangeAspect="1" noMove="1" noResize="1" noEditPoints="1" noAdjustHandles="1" noChangeArrowheads="1" noChangeShapeType="1" noTextEdit="1"/>
+              </p:cNvSpPr>
+              <p:nvPr/>
+            </p:nvSpPr>
+            <p:spPr>
+              <a:xfrm>
+                <a:off x="838200" y="4572406"/>
+                <a:ext cx="2729017" cy="394019"/>
+              </a:xfrm>
+              <a:prstGeom prst="rect">
+                <a:avLst/>
+              </a:prstGeom>
+              <a:blipFill>
+                <a:blip r:embed="rId7"/>
+                <a:stretch>
+                  <a:fillRect b="-6452"/>
+                </a:stretch>
+              </a:blipFill>
+            </p:spPr>
+            <p:txBody>
+              <a:bodyPr/>
+              <a:lstStyle/>
+              <a:p>
+                <a:r>
+                  <a:rPr lang="en-US">
+                    <a:noFill/>
+                  </a:rPr>
+                  <a:t> </a:t>
+                </a:r>
+              </a:p>
+            </p:txBody>
+          </p:sp>
+        </mc:Fallback>
+      </mc:AlternateContent>
+      <p:cxnSp>
+        <p:nvCxnSpPr>
+          <p:cNvPr id="56" name="Straight Connector 55">
+            <a:extLst>
+              <a:ext uri="{FF2B5EF4-FFF2-40B4-BE49-F238E27FC236}">
+                <a16:creationId xmlns:a16="http://schemas.microsoft.com/office/drawing/2014/main" id="{322F86CE-A38F-0048-9038-7CDE10D4C129}"/>
+              </a:ext>
+            </a:extLst>
+          </p:cNvPr>
+          <p:cNvCxnSpPr/>
+          <p:nvPr/>
+        </p:nvCxnSpPr>
+        <p:spPr bwMode="auto">
+          <a:xfrm>
+            <a:off x="0" y="3578516"/>
+            <a:ext cx="9144000" cy="0"/>
+          </a:xfrm>
+          <a:prstGeom prst="line">
+            <a:avLst/>
+          </a:prstGeom>
+          <a:solidFill>
+            <a:schemeClr val="accent1"/>
+          </a:solidFill>
+          <a:ln w="9525" cap="flat" cmpd="sng" algn="ctr">
+            <a:solidFill>
+              <a:schemeClr val="tx1"/>
+            </a:solidFill>
+            <a:prstDash val="solid"/>
+            <a:round/>
+            <a:headEnd type="none" w="med" len="med"/>
+            <a:tailEnd type="none" w="med" len="med"/>
+          </a:ln>
+          <a:effectLst/>
+          <a:extLst>
+            <a:ext uri="{AF507438-7753-43e0-B8FC-AC1667EBCBE1}">
+              <a14:hiddenEffects xmlns="" xmlns:a14="http://schemas.microsoft.com/office/drawing/2010/main">
+                <a:effectLst>
+                  <a:outerShdw blurRad="63500" dist="38099" dir="2700000" algn="ctr" rotWithShape="0">
+                    <a:schemeClr val="bg2">
+                      <a:alpha val="74998"/>
+                    </a:schemeClr>
+                  </a:outerShdw>
+                </a:effectLst>
+              </a14:hiddenEffects>
+            </a:ext>
+          </a:extLst>
+        </p:spPr>
+      </p:cxnSp>
+      <p:sp>
+        <p:nvSpPr>
+          <p:cNvPr id="57" name="TextBox 56">
+            <a:extLst>
+              <a:ext uri="{FF2B5EF4-FFF2-40B4-BE49-F238E27FC236}">
+                <a16:creationId xmlns:a16="http://schemas.microsoft.com/office/drawing/2014/main" id="{21A68236-BF68-DD47-AE0C-A6F9C598B27B}"/>
+              </a:ext>
+            </a:extLst>
+          </p:cNvPr>
+          <p:cNvSpPr txBox="1"/>
+          <p:nvPr/>
+        </p:nvSpPr>
+        <p:spPr>
+          <a:xfrm>
+            <a:off x="0" y="68512"/>
+            <a:ext cx="466794" cy="369332"/>
+          </a:xfrm>
+          <a:prstGeom prst="rect">
+            <a:avLst/>
+          </a:prstGeom>
+          <a:noFill/>
+        </p:spPr>
+        <p:txBody>
+          <a:bodyPr wrap="none" rtlCol="0">
+            <a:spAutoFit/>
+          </a:bodyPr>
+          <a:lstStyle/>
+          <a:p>
+            <a:r>
+              <a:rPr lang="en-US" dirty="0"/>
+              <a:t>(2)</a:t>
+            </a:r>
+          </a:p>
+        </p:txBody>
+      </p:sp>
+      <p:sp>
+        <p:nvSpPr>
+          <p:cNvPr id="58" name="TextBox 57">
+            <a:extLst>
+              <a:ext uri="{FF2B5EF4-FFF2-40B4-BE49-F238E27FC236}">
+                <a16:creationId xmlns:a16="http://schemas.microsoft.com/office/drawing/2014/main" id="{598167C6-E1FB-BD46-9F6D-FDEBA2D22D0B}"/>
+              </a:ext>
+            </a:extLst>
+          </p:cNvPr>
+          <p:cNvSpPr txBox="1"/>
+          <p:nvPr/>
+        </p:nvSpPr>
+        <p:spPr>
+          <a:xfrm>
+            <a:off x="0" y="3651189"/>
+            <a:ext cx="466794" cy="369332"/>
+          </a:xfrm>
+          <a:prstGeom prst="rect">
+            <a:avLst/>
+          </a:prstGeom>
+          <a:noFill/>
+        </p:spPr>
+        <p:txBody>
+          <a:bodyPr wrap="none" rtlCol="0">
+            <a:spAutoFit/>
+          </a:bodyPr>
+          <a:lstStyle/>
+          <a:p>
+            <a:r>
+              <a:rPr lang="en-US" dirty="0"/>
+              <a:t>(1)</a:t>
+            </a:r>
+          </a:p>
+        </p:txBody>
+      </p:sp>
     </p:spTree>
     <p:extLst>
       <p:ext uri="{BB962C8B-B14F-4D97-AF65-F5344CB8AC3E}">
@@ -23868,7 +25129,7 @@
         </p:nvCxnSpPr>
         <p:spPr bwMode="auto">
           <a:xfrm>
-            <a:off x="1909027" y="899598"/>
+            <a:off x="2213827" y="685502"/>
             <a:ext cx="6732210" cy="0"/>
           </a:xfrm>
           <a:prstGeom prst="straightConnector1">
@@ -23916,7 +25177,7 @@
         </p:nvSpPr>
         <p:spPr>
           <a:xfrm>
-            <a:off x="1447800" y="708067"/>
+            <a:off x="1752600" y="493971"/>
             <a:ext cx="453970" cy="369332"/>
           </a:xfrm>
           <a:prstGeom prst="rect">
@@ -23956,7 +25217,7 @@
         </p:nvCxnSpPr>
         <p:spPr bwMode="auto">
           <a:xfrm>
-            <a:off x="4173256" y="909368"/>
+            <a:off x="4478056" y="695272"/>
             <a:ext cx="124752" cy="432198"/>
           </a:xfrm>
           <a:prstGeom prst="straightConnector1">
@@ -24004,7 +25265,7 @@
         </p:nvSpPr>
         <p:spPr bwMode="auto">
           <a:xfrm>
-            <a:off x="2501237" y="799342"/>
+            <a:off x="2806037" y="585246"/>
             <a:ext cx="984132" cy="217232"/>
           </a:xfrm>
           <a:prstGeom prst="rect">
@@ -24099,7 +25360,7 @@
         </p:nvSpPr>
         <p:spPr bwMode="auto">
           <a:xfrm>
-            <a:off x="3539803" y="800752"/>
+            <a:off x="3844603" y="586656"/>
             <a:ext cx="633453" cy="217232"/>
           </a:xfrm>
           <a:prstGeom prst="rect">
@@ -24196,7 +25457,7 @@
         </p:nvGrpSpPr>
         <p:grpSpPr>
           <a:xfrm>
-            <a:off x="3958402" y="3900439"/>
+            <a:off x="4263202" y="3079215"/>
             <a:ext cx="2519366" cy="497639"/>
             <a:chOff x="3208713" y="4556722"/>
             <a:chExt cx="2519366" cy="497639"/>
@@ -24616,7 +25877,7 @@
         </p:nvGrpSpPr>
         <p:grpSpPr>
           <a:xfrm>
-            <a:off x="3958402" y="4378614"/>
+            <a:off x="4263202" y="3497818"/>
             <a:ext cx="2519365" cy="369332"/>
             <a:chOff x="3318165" y="4673481"/>
             <a:chExt cx="2519365" cy="369332"/>
@@ -24782,7 +26043,7 @@
         </p:nvCxnSpPr>
         <p:spPr bwMode="auto">
           <a:xfrm>
-            <a:off x="1909027" y="1337475"/>
+            <a:off x="2213827" y="1123379"/>
             <a:ext cx="6732210" cy="0"/>
           </a:xfrm>
           <a:prstGeom prst="straightConnector1">
@@ -24830,7 +26091,7 @@
         </p:nvSpPr>
         <p:spPr>
           <a:xfrm>
-            <a:off x="1451827" y="1159335"/>
+            <a:off x="1756627" y="945239"/>
             <a:ext cx="453970" cy="369332"/>
           </a:xfrm>
           <a:prstGeom prst="rect">
@@ -24867,7 +26128,7 @@
         </p:nvSpPr>
         <p:spPr bwMode="auto">
           <a:xfrm>
-            <a:off x="5322267" y="1232950"/>
+            <a:off x="5627067" y="1018854"/>
             <a:ext cx="970075" cy="217232"/>
           </a:xfrm>
           <a:prstGeom prst="rect">
@@ -24962,7 +26223,7 @@
         </p:nvSpPr>
         <p:spPr bwMode="auto">
           <a:xfrm>
-            <a:off x="4452153" y="1223666"/>
+            <a:off x="4756953" y="1009570"/>
             <a:ext cx="667258" cy="217232"/>
           </a:xfrm>
           <a:prstGeom prst="rect">
@@ -25065,7 +26326,7 @@
         </p:nvCxnSpPr>
         <p:spPr bwMode="auto">
           <a:xfrm>
-            <a:off x="1909027" y="3353781"/>
+            <a:off x="2213827" y="2532557"/>
             <a:ext cx="6732210" cy="0"/>
           </a:xfrm>
           <a:prstGeom prst="straightConnector1">
@@ -25113,7 +26374,7 @@
         </p:nvSpPr>
         <p:spPr>
           <a:xfrm>
-            <a:off x="1447800" y="3162250"/>
+            <a:off x="1752600" y="2341026"/>
             <a:ext cx="453970" cy="369332"/>
           </a:xfrm>
           <a:prstGeom prst="rect">
@@ -25153,7 +26414,7 @@
         </p:nvCxnSpPr>
         <p:spPr bwMode="auto">
           <a:xfrm>
-            <a:off x="4173256" y="3363551"/>
+            <a:off x="4478056" y="2542327"/>
             <a:ext cx="124752" cy="432198"/>
           </a:xfrm>
           <a:prstGeom prst="straightConnector1">
@@ -25201,7 +26462,7 @@
         </p:nvSpPr>
         <p:spPr bwMode="auto">
           <a:xfrm>
-            <a:off x="2501237" y="3253525"/>
+            <a:off x="2806037" y="2432301"/>
             <a:ext cx="984132" cy="217232"/>
           </a:xfrm>
           <a:prstGeom prst="rect">
@@ -25296,7 +26557,7 @@
         </p:nvSpPr>
         <p:spPr bwMode="auto">
           <a:xfrm>
-            <a:off x="3539803" y="3254935"/>
+            <a:off x="3844603" y="2433711"/>
             <a:ext cx="633453" cy="217232"/>
           </a:xfrm>
           <a:prstGeom prst="rect">
@@ -25395,7 +26656,7 @@
         </p:nvCxnSpPr>
         <p:spPr bwMode="auto">
           <a:xfrm>
-            <a:off x="1909027" y="3791658"/>
+            <a:off x="2213827" y="2970434"/>
             <a:ext cx="6732210" cy="0"/>
           </a:xfrm>
           <a:prstGeom prst="straightConnector1">
@@ -25443,7 +26704,7 @@
         </p:nvSpPr>
         <p:spPr>
           <a:xfrm>
-            <a:off x="1451827" y="3613518"/>
+            <a:off x="1756627" y="2792294"/>
             <a:ext cx="453970" cy="369332"/>
           </a:xfrm>
           <a:prstGeom prst="rect">
@@ -25480,7 +26741,7 @@
         </p:nvSpPr>
         <p:spPr bwMode="auto">
           <a:xfrm>
-            <a:off x="5322267" y="3687133"/>
+            <a:off x="5627067" y="2865909"/>
             <a:ext cx="970075" cy="217232"/>
           </a:xfrm>
           <a:prstGeom prst="rect">
@@ -25575,7 +26836,7 @@
         </p:nvSpPr>
         <p:spPr bwMode="auto">
           <a:xfrm>
-            <a:off x="4452153" y="3677849"/>
+            <a:off x="4756953" y="2856625"/>
             <a:ext cx="667258" cy="217232"/>
           </a:xfrm>
           <a:prstGeom prst="rect">
@@ -25662,116 +26923,6 @@
           </a:p>
         </p:txBody>
       </p:sp>
-      <mc:AlternateContent xmlns:mc="http://schemas.openxmlformats.org/markup-compatibility/2006" xmlns:a14="http://schemas.microsoft.com/office/drawing/2010/main">
-        <mc:Choice Requires="a14">
-          <p:sp>
-            <p:nvSpPr>
-              <p:cNvPr id="147" name="TextBox 146">
-                <a:extLst>
-                  <a:ext uri="{FF2B5EF4-FFF2-40B4-BE49-F238E27FC236}">
-                    <a16:creationId xmlns:a16="http://schemas.microsoft.com/office/drawing/2014/main" id="{6C48B033-957F-3F4F-A1D5-7F307E6B209C}"/>
-                  </a:ext>
-                </a:extLst>
-              </p:cNvPr>
-              <p:cNvSpPr txBox="1"/>
-              <p:nvPr/>
-            </p:nvSpPr>
-            <p:spPr>
-              <a:xfrm>
-                <a:off x="4323655" y="2144818"/>
-                <a:ext cx="1468607" cy="338554"/>
-              </a:xfrm>
-              <a:prstGeom prst="rect">
-                <a:avLst/>
-              </a:prstGeom>
-              <a:noFill/>
-            </p:spPr>
-            <p:txBody>
-              <a:bodyPr wrap="none" rtlCol="0">
-                <a:spAutoFit/>
-              </a:bodyPr>
-              <a:lstStyle/>
-              <a:p>
-                <a:pPr/>
-                <a14:m>
-                  <m:oMathPara xmlns:m="http://schemas.openxmlformats.org/officeDocument/2006/math">
-                    <m:oMathParaPr>
-                      <m:jc m:val="centerGroup"/>
-                    </m:oMathParaPr>
-                    <m:oMath xmlns:m="http://schemas.openxmlformats.org/officeDocument/2006/math">
-                      <m:r>
-                        <a:rPr lang="en-US" sz="1600" i="1" smtClean="0">
-                          <a:latin typeface="Cambria Math" panose="02040503050406030204" pitchFamily="18" charset="0"/>
-                        </a:rPr>
-                        <m:t>𝑛</m:t>
-                      </m:r>
-                      <m:r>
-                        <a:rPr lang="en-US" sz="1600" b="0" i="0" smtClean="0">
-                          <a:latin typeface="Cambria Math" panose="02040503050406030204" pitchFamily="18" charset="0"/>
-                        </a:rPr>
-                        <m:t>&lt;</m:t>
-                      </m:r>
-                      <m:r>
-                        <a:rPr lang="en-US" sz="1600" b="0" i="1" smtClean="0">
-                          <a:latin typeface="Cambria Math" panose="02040503050406030204" pitchFamily="18" charset="0"/>
-                        </a:rPr>
-                        <m:t>𝑝𝑟𝑜𝑔𝑟𝑒𝑠𝑠</m:t>
-                      </m:r>
-                    </m:oMath>
-                  </m:oMathPara>
-                </a14:m>
-                <a:endParaRPr lang="en-US" sz="1600" i="1" dirty="0">
-                  <a:latin typeface="Helvetica" pitchFamily="2" charset="0"/>
-                </a:endParaRPr>
-              </a:p>
-            </p:txBody>
-          </p:sp>
-        </mc:Choice>
-        <mc:Fallback xmlns="">
-          <p:sp>
-            <p:nvSpPr>
-              <p:cNvPr id="147" name="TextBox 146">
-                <a:extLst>
-                  <a:ext uri="{FF2B5EF4-FFF2-40B4-BE49-F238E27FC236}">
-                    <a16:creationId xmlns:a16="http://schemas.microsoft.com/office/drawing/2014/main" id="{6C48B033-957F-3F4F-A1D5-7F307E6B209C}"/>
-                  </a:ext>
-                </a:extLst>
-              </p:cNvPr>
-              <p:cNvSpPr txBox="1">
-                <a:spLocks noRot="1" noChangeAspect="1" noMove="1" noResize="1" noEditPoints="1" noAdjustHandles="1" noChangeArrowheads="1" noChangeShapeType="1" noTextEdit="1"/>
-              </p:cNvSpPr>
-              <p:nvPr/>
-            </p:nvSpPr>
-            <p:spPr>
-              <a:xfrm>
-                <a:off x="4323655" y="2144818"/>
-                <a:ext cx="1468607" cy="338554"/>
-              </a:xfrm>
-              <a:prstGeom prst="rect">
-                <a:avLst/>
-              </a:prstGeom>
-              <a:blipFill>
-                <a:blip r:embed="rId4"/>
-                <a:stretch>
-                  <a:fillRect/>
-                </a:stretch>
-              </a:blipFill>
-            </p:spPr>
-            <p:txBody>
-              <a:bodyPr/>
-              <a:lstStyle/>
-              <a:p>
-                <a:r>
-                  <a:rPr lang="en-US">
-                    <a:noFill/>
-                  </a:rPr>
-                  <a:t> </a:t>
-                </a:r>
-              </a:p>
-            </p:txBody>
-          </p:sp>
-        </mc:Fallback>
-      </mc:AlternateContent>
       <p:sp>
         <p:nvSpPr>
           <p:cNvPr id="148" name="Rectangle 147">
@@ -25786,7 +26937,7 @@
         </p:nvSpPr>
         <p:spPr bwMode="auto">
           <a:xfrm>
-            <a:off x="1447800" y="1123950"/>
+            <a:off x="1752600" y="909854"/>
             <a:ext cx="7315200" cy="730014"/>
           </a:xfrm>
           <a:prstGeom prst="rect">
@@ -25858,122 +27009,6 @@
           </a:p>
         </p:txBody>
       </p:sp>
-      <mc:AlternateContent xmlns:mc="http://schemas.openxmlformats.org/markup-compatibility/2006" xmlns:a14="http://schemas.microsoft.com/office/drawing/2010/main">
-        <mc:Choice Requires="a14">
-          <p:sp>
-            <p:nvSpPr>
-              <p:cNvPr id="150" name="TextBox 149">
-                <a:extLst>
-                  <a:ext uri="{FF2B5EF4-FFF2-40B4-BE49-F238E27FC236}">
-                    <a16:creationId xmlns:a16="http://schemas.microsoft.com/office/drawing/2014/main" id="{87D61B00-8E3C-1A44-AD15-440F2E7C978D}"/>
-                  </a:ext>
-                </a:extLst>
-              </p:cNvPr>
-              <p:cNvSpPr txBox="1"/>
-              <p:nvPr/>
-            </p:nvSpPr>
-            <p:spPr>
-              <a:xfrm>
-                <a:off x="1796262" y="2410630"/>
-                <a:ext cx="6257867" cy="338554"/>
-              </a:xfrm>
-              <a:prstGeom prst="rect">
-                <a:avLst/>
-              </a:prstGeom>
-              <a:noFill/>
-            </p:spPr>
-            <p:txBody>
-              <a:bodyPr wrap="none" rtlCol="0">
-                <a:spAutoFit/>
-              </a:bodyPr>
-              <a:lstStyle/>
-              <a:p>
-                <a:r>
-                  <a:rPr lang="en-US" sz="1600" i="1" dirty="0">
-                    <a:latin typeface="Helvetica" pitchFamily="2" charset="0"/>
-                  </a:rPr>
-                  <a:t>Every thread will generate </a:t>
-                </a:r>
-                <a:r>
-                  <a:rPr lang="en-US" sz="1600" i="1" dirty="0">
-                    <a:solidFill>
-                      <a:srgbClr val="FF0000"/>
-                    </a:solidFill>
-                    <a:latin typeface="Helvetica" pitchFamily="2" charset="0"/>
-                  </a:rPr>
-                  <a:t>at least one event </a:t>
-                </a:r>
-                <a:r>
-                  <a:rPr lang="en-US" sz="1600" i="1" dirty="0">
-                    <a:latin typeface="Helvetica" pitchFamily="2" charset="0"/>
-                  </a:rPr>
-                  <a:t>within </a:t>
-                </a:r>
-                <a14:m>
-                  <m:oMath xmlns:m="http://schemas.openxmlformats.org/officeDocument/2006/math">
-                    <m:r>
-                      <a:rPr lang="en-US" sz="1600" i="1">
-                        <a:latin typeface="Cambria Math" panose="02040503050406030204" pitchFamily="18" charset="0"/>
-                      </a:rPr>
-                      <m:t>𝑝𝑟𝑜𝑔𝑟𝑒𝑠𝑠</m:t>
-                    </m:r>
-                  </m:oMath>
-                </a14:m>
-                <a:r>
-                  <a:rPr lang="en-US" sz="1600" i="1" dirty="0">
-                    <a:latin typeface="Helvetica" pitchFamily="2" charset="0"/>
-                  </a:rPr>
-                  <a:t> steps</a:t>
-                </a:r>
-              </a:p>
-            </p:txBody>
-          </p:sp>
-        </mc:Choice>
-        <mc:Fallback xmlns="">
-          <p:sp>
-            <p:nvSpPr>
-              <p:cNvPr id="150" name="TextBox 149">
-                <a:extLst>
-                  <a:ext uri="{FF2B5EF4-FFF2-40B4-BE49-F238E27FC236}">
-                    <a16:creationId xmlns:a16="http://schemas.microsoft.com/office/drawing/2014/main" id="{87D61B00-8E3C-1A44-AD15-440F2E7C978D}"/>
-                  </a:ext>
-                </a:extLst>
-              </p:cNvPr>
-              <p:cNvSpPr txBox="1">
-                <a:spLocks noRot="1" noChangeAspect="1" noMove="1" noResize="1" noEditPoints="1" noAdjustHandles="1" noChangeArrowheads="1" noChangeShapeType="1" noTextEdit="1"/>
-              </p:cNvSpPr>
-              <p:nvPr/>
-            </p:nvSpPr>
-            <p:spPr>
-              <a:xfrm>
-                <a:off x="1796262" y="2410630"/>
-                <a:ext cx="6257867" cy="338554"/>
-              </a:xfrm>
-              <a:prstGeom prst="rect">
-                <a:avLst/>
-              </a:prstGeom>
-              <a:blipFill>
-                <a:blip r:embed="rId5"/>
-                <a:stretch>
-                  <a:fillRect l="-405" t="-3704" b="-22222"/>
-                </a:stretch>
-              </a:blipFill>
-            </p:spPr>
-            <p:txBody>
-              <a:bodyPr/>
-              <a:lstStyle/>
-              <a:p>
-                <a:r>
-                  <a:rPr lang="en-US">
-                    <a:noFill/>
-                  </a:rPr>
-                  <a:t> </a:t>
-                </a:r>
-              </a:p>
-            </p:txBody>
-          </p:sp>
-        </mc:Fallback>
-      </mc:AlternateContent>
       <p:sp>
         <p:nvSpPr>
           <p:cNvPr id="155" name="Rectangle 154">
@@ -25988,7 +27023,7 @@
         </p:nvSpPr>
         <p:spPr bwMode="auto">
           <a:xfrm>
-            <a:off x="4454919" y="1225979"/>
+            <a:off x="4759719" y="1011883"/>
             <a:ext cx="667258" cy="217232"/>
           </a:xfrm>
           <a:prstGeom prst="rect">
@@ -26089,7 +27124,7 @@
         </p:nvSpPr>
         <p:spPr bwMode="auto">
           <a:xfrm>
-            <a:off x="5307830" y="1227403"/>
+            <a:off x="5612630" y="1013307"/>
             <a:ext cx="970075" cy="217232"/>
           </a:xfrm>
           <a:prstGeom prst="rect">
@@ -26186,7 +27221,7 @@
             </p:nvSpPr>
             <p:spPr>
               <a:xfrm>
-                <a:off x="169150" y="3324734"/>
+                <a:off x="473951" y="2503510"/>
                 <a:ext cx="1138773" cy="544316"/>
               </a:xfrm>
               <a:prstGeom prst="rect">
@@ -26202,24 +27237,50 @@
               <a:p>
                 <a:pPr algn="ctr"/>
                 <a14:m>
-                  <m:oMathPara xmlns:m="http://schemas.openxmlformats.org/officeDocument/2006/math">
-                    <m:oMathParaPr>
-                      <m:jc m:val="centerGroup"/>
-                    </m:oMathParaPr>
-                    <m:oMath xmlns:m="http://schemas.openxmlformats.org/officeDocument/2006/math">
-                      <m:r>
-                        <m:rPr>
-                          <m:sty m:val="p"/>
-                        </m:rPr>
-                        <a:rPr lang="en-US" sz="1400" smtClean="0">
-                          <a:latin typeface="Cambria Math" panose="02040503050406030204" pitchFamily="18" charset="0"/>
-                          <a:ea typeface="Cambria Math" panose="02040503050406030204" pitchFamily="18" charset="0"/>
-                        </a:rPr>
-                        <m:t>IEAsm</m:t>
-                      </m:r>
-                    </m:oMath>
-                  </m:oMathPara>
+                  <m:oMath xmlns:m="http://schemas.openxmlformats.org/officeDocument/2006/math">
+                    <m:sSub>
+                      <m:sSubPr>
+                        <m:ctrlPr>
+                          <a:rPr lang="en-US" sz="1400" b="0" i="1" smtClean="0">
+                            <a:latin typeface="Cambria Math" panose="02040503050406030204" pitchFamily="18" charset="0"/>
+                            <a:ea typeface="Cambria Math" panose="02040503050406030204" pitchFamily="18" charset="0"/>
+                          </a:rPr>
+                        </m:ctrlPr>
+                      </m:sSubPr>
+                      <m:e>
+                        <m:r>
+                          <m:rPr>
+                            <m:sty m:val="p"/>
+                          </m:rPr>
+                          <a:rPr lang="en-US" sz="1400" b="0" i="0" smtClean="0">
+                            <a:latin typeface="Cambria Math" panose="02040503050406030204" pitchFamily="18" charset="0"/>
+                            <a:ea typeface="Cambria Math" panose="02040503050406030204" pitchFamily="18" charset="0"/>
+                          </a:rPr>
+                          <m:t>Mach</m:t>
+                        </m:r>
+                      </m:e>
+                      <m:sub>
+                        <m:r>
+                          <m:rPr>
+                            <m:sty m:val="p"/>
+                          </m:rPr>
+                          <a:rPr lang="en-US" sz="1400">
+                            <a:latin typeface="Cambria Math" panose="02040503050406030204" pitchFamily="18" charset="0"/>
+                            <a:ea typeface="Cambria Math" panose="02040503050406030204" pitchFamily="18" charset="0"/>
+                          </a:rPr>
+                          <m:t>IEAsm</m:t>
+                        </m:r>
+                      </m:sub>
+                    </m:sSub>
+                  </m:oMath>
                 </a14:m>
+                <a:r>
+                  <a:rPr lang="en-US" sz="1400" dirty="0">
+                    <a:latin typeface="Helvetica" pitchFamily="2" charset="0"/>
+                    <a:ea typeface="Cambria Math" panose="02040503050406030204" pitchFamily="18" charset="0"/>
+                  </a:rPr>
+                  <a:t> </a:t>
+                </a:r>
                 <a:br>
                   <a:rPr lang="en-US" sz="1400" dirty="0">
                     <a:latin typeface="Helvetica" pitchFamily="2" charset="0"/>
@@ -26304,14 +27365,14 @@
             </p:nvSpPr>
             <p:spPr>
               <a:xfrm>
-                <a:off x="169150" y="3324734"/>
+                <a:off x="473951" y="2503510"/>
                 <a:ext cx="1138773" cy="544316"/>
               </a:xfrm>
               <a:prstGeom prst="rect">
                 <a:avLst/>
               </a:prstGeom>
               <a:blipFill>
-                <a:blip r:embed="rId6"/>
+                <a:blip r:embed="rId4"/>
                 <a:stretch>
                   <a:fillRect b="-6818"/>
                 </a:stretch>
@@ -26348,8 +27409,8 @@
             </p:nvSpPr>
             <p:spPr>
               <a:xfrm>
-                <a:off x="338281" y="955474"/>
-                <a:ext cx="808299" cy="523220"/>
+                <a:off x="493778" y="741378"/>
+                <a:ext cx="1106906" cy="523220"/>
               </a:xfrm>
               <a:prstGeom prst="rect">
                 <a:avLst/>
@@ -26364,26 +27425,48 @@
               <a:p>
                 <a:pPr algn="ctr"/>
                 <a14:m>
-                  <m:oMath xmlns:m="http://schemas.openxmlformats.org/officeDocument/2006/math">
-                    <m:r>
-                      <m:rPr>
-                        <m:sty m:val="p"/>
-                      </m:rPr>
-                      <a:rPr lang="en-US" sz="1400" b="0" i="0" smtClean="0">
-                        <a:latin typeface="Cambria Math" panose="02040503050406030204" pitchFamily="18" charset="0"/>
-                        <a:ea typeface="Cambria Math" panose="02040503050406030204" pitchFamily="18" charset="0"/>
-                      </a:rPr>
-                      <m:t>IEAsm</m:t>
-                    </m:r>
-                  </m:oMath>
+                  <m:oMathPara xmlns:m="http://schemas.openxmlformats.org/officeDocument/2006/math">
+                    <m:oMathParaPr>
+                      <m:jc m:val="centerGroup"/>
+                    </m:oMathParaPr>
+                    <m:oMath xmlns:m="http://schemas.openxmlformats.org/officeDocument/2006/math">
+                      <m:sSub>
+                        <m:sSubPr>
+                          <m:ctrlPr>
+                            <a:rPr lang="en-US" sz="1400" i="1">
+                              <a:latin typeface="Cambria Math" panose="02040503050406030204" pitchFamily="18" charset="0"/>
+                              <a:ea typeface="Cambria Math" panose="02040503050406030204" pitchFamily="18" charset="0"/>
+                            </a:rPr>
+                          </m:ctrlPr>
+                        </m:sSubPr>
+                        <m:e>
+                          <m:r>
+                            <m:rPr>
+                              <m:sty m:val="p"/>
+                            </m:rPr>
+                            <a:rPr lang="en-US" sz="1400">
+                              <a:latin typeface="Cambria Math" panose="02040503050406030204" pitchFamily="18" charset="0"/>
+                              <a:ea typeface="Cambria Math" panose="02040503050406030204" pitchFamily="18" charset="0"/>
+                            </a:rPr>
+                            <m:t>Mach</m:t>
+                          </m:r>
+                        </m:e>
+                        <m:sub>
+                          <m:r>
+                            <m:rPr>
+                              <m:sty m:val="p"/>
+                            </m:rPr>
+                            <a:rPr lang="en-US" sz="1400">
+                              <a:latin typeface="Cambria Math" panose="02040503050406030204" pitchFamily="18" charset="0"/>
+                              <a:ea typeface="Cambria Math" panose="02040503050406030204" pitchFamily="18" charset="0"/>
+                            </a:rPr>
+                            <m:t>IEAsm</m:t>
+                          </m:r>
+                        </m:sub>
+                      </m:sSub>
+                    </m:oMath>
+                  </m:oMathPara>
                 </a14:m>
-                <a:r>
-                  <a:rPr lang="en-US" sz="1400" dirty="0">
-                    <a:latin typeface="Helvetica" pitchFamily="2" charset="0"/>
-                    <a:ea typeface="Cambria Math" panose="02040503050406030204" pitchFamily="18" charset="0"/>
-                  </a:rPr>
-                  <a:t> </a:t>
-                </a:r>
                 <a:br>
                   <a:rPr lang="en-US" sz="1400" dirty="0">
                     <a:latin typeface="Helvetica" pitchFamily="2" charset="0"/>
@@ -26422,16 +27505,16 @@
             </p:nvSpPr>
             <p:spPr>
               <a:xfrm>
-                <a:off x="338281" y="955474"/>
-                <a:ext cx="808299" cy="523220"/>
+                <a:off x="493778" y="741378"/>
+                <a:ext cx="1106906" cy="523220"/>
               </a:xfrm>
               <a:prstGeom prst="rect">
                 <a:avLst/>
               </a:prstGeom>
               <a:blipFill>
-                <a:blip r:embed="rId7"/>
+                <a:blip r:embed="rId5"/>
                 <a:stretch>
-                  <a:fillRect l="-1563" r="-1563" b="-11905"/>
+                  <a:fillRect b="-9302"/>
                 </a:stretch>
               </a:blipFill>
             </p:spPr>
@@ -26466,7 +27549,7 @@
             </p:nvSpPr>
             <p:spPr>
               <a:xfrm>
-                <a:off x="2952788" y="1238244"/>
+                <a:off x="3257588" y="1024148"/>
                 <a:ext cx="1264833" cy="489301"/>
               </a:xfrm>
               <a:prstGeom prst="rect">
@@ -26560,16 +27643,16 @@
             </p:nvSpPr>
             <p:spPr>
               <a:xfrm>
-                <a:off x="2952788" y="1238244"/>
+                <a:off x="3257588" y="1024148"/>
                 <a:ext cx="1264833" cy="489301"/>
               </a:xfrm>
               <a:prstGeom prst="rect">
                 <a:avLst/>
               </a:prstGeom>
               <a:blipFill>
-                <a:blip r:embed="rId8"/>
+                <a:blip r:embed="rId6"/>
                 <a:stretch>
-                  <a:fillRect b="-2500"/>
+                  <a:fillRect b="-2564"/>
                 </a:stretch>
               </a:blipFill>
             </p:spPr>
@@ -26588,6 +27671,2044 @@
           </p:sp>
         </mc:Fallback>
       </mc:AlternateContent>
+      <mc:AlternateContent xmlns:mc="http://schemas.openxmlformats.org/markup-compatibility/2006" xmlns:a14="http://schemas.microsoft.com/office/drawing/2010/main">
+        <mc:Choice Requires="a14">
+          <p:sp>
+            <p:nvSpPr>
+              <p:cNvPr id="38" name="Rectangle 37">
+                <a:extLst>
+                  <a:ext uri="{FF2B5EF4-FFF2-40B4-BE49-F238E27FC236}">
+                    <a16:creationId xmlns:a16="http://schemas.microsoft.com/office/drawing/2014/main" id="{A92F3B28-9348-7A46-9B09-A3D783132B48}"/>
+                  </a:ext>
+                </a:extLst>
+              </p:cNvPr>
+              <p:cNvSpPr/>
+              <p:nvPr/>
+            </p:nvSpPr>
+            <p:spPr>
+              <a:xfrm>
+                <a:off x="539535" y="28030"/>
+                <a:ext cx="6700937" cy="396519"/>
+              </a:xfrm>
+              <a:prstGeom prst="rect">
+                <a:avLst/>
+              </a:prstGeom>
+            </p:spPr>
+            <p:txBody>
+              <a:bodyPr wrap="none">
+                <a:spAutoFit/>
+              </a:bodyPr>
+              <a:lstStyle/>
+              <a:p>
+                <a:pPr/>
+                <a14:m>
+                  <m:oMathPara xmlns:m="http://schemas.openxmlformats.org/officeDocument/2006/math">
+                    <m:oMathParaPr>
+                      <m:jc m:val="centerGroup"/>
+                    </m:oMathParaPr>
+                    <m:oMath xmlns:m="http://schemas.openxmlformats.org/officeDocument/2006/math">
+                      <m:sSub>
+                        <m:sSubPr>
+                          <m:ctrlPr>
+                            <a:rPr lang="en-US" i="1" smtClean="0">
+                              <a:latin typeface="Cambria Math" panose="02040503050406030204" pitchFamily="18" charset="0"/>
+                            </a:rPr>
+                          </m:ctrlPr>
+                        </m:sSubPr>
+                        <m:e>
+                          <m:r>
+                            <m:rPr>
+                              <m:sty m:val="p"/>
+                            </m:rPr>
+                            <a:rPr lang="en-US" b="0" i="0" smtClean="0">
+                              <a:latin typeface="Cambria Math" panose="02040503050406030204" pitchFamily="18" charset="0"/>
+                            </a:rPr>
+                            <m:t>s</m:t>
+                          </m:r>
+                          <m:r>
+                            <m:rPr>
+                              <m:sty m:val="p"/>
+                            </m:rPr>
+                            <a:rPr lang="en-US">
+                              <a:latin typeface="Cambria Math" panose="02040503050406030204" pitchFamily="18" charset="0"/>
+                            </a:rPr>
+                            <m:t>tate</m:t>
+                          </m:r>
+                        </m:e>
+                        <m:sub>
+                          <m:r>
+                            <m:rPr>
+                              <m:sty m:val="p"/>
+                            </m:rPr>
+                            <a:rPr lang="en-US" b="0" i="0" smtClean="0">
+                              <a:latin typeface="Cambria Math" panose="02040503050406030204" pitchFamily="18" charset="0"/>
+                            </a:rPr>
+                            <m:t>IEA</m:t>
+                          </m:r>
+                          <m:r>
+                            <m:rPr>
+                              <m:sty m:val="p"/>
+                            </m:rPr>
+                            <a:rPr lang="en-US">
+                              <a:latin typeface="Cambria Math" panose="02040503050406030204" pitchFamily="18" charset="0"/>
+                            </a:rPr>
+                            <m:t>sm</m:t>
+                          </m:r>
+                          <m:r>
+                            <a:rPr lang="en-US" b="0" i="0" smtClean="0">
+                              <a:latin typeface="Cambria Math" panose="02040503050406030204" pitchFamily="18" charset="0"/>
+                            </a:rPr>
+                            <m:t>[{</m:t>
+                          </m:r>
+                          <m:r>
+                            <m:rPr>
+                              <m:sty m:val="p"/>
+                            </m:rPr>
+                            <a:rPr lang="en-US" b="0" i="0" smtClean="0">
+                              <a:latin typeface="Cambria Math" panose="02040503050406030204" pitchFamily="18" charset="0"/>
+                            </a:rPr>
+                            <m:t>T</m:t>
+                          </m:r>
+                          <m:r>
+                            <a:rPr lang="en-US" b="0" i="0" smtClean="0">
+                              <a:latin typeface="Cambria Math" panose="02040503050406030204" pitchFamily="18" charset="0"/>
+                            </a:rPr>
+                            <m:t>1}]</m:t>
+                          </m:r>
+                        </m:sub>
+                      </m:sSub>
+                      <m:r>
+                        <a:rPr lang="en-US" i="1">
+                          <a:latin typeface="Cambria Math" panose="02040503050406030204" pitchFamily="18" charset="0"/>
+                        </a:rPr>
+                        <m:t> ≔(</m:t>
+                      </m:r>
+                      <m:r>
+                        <a:rPr lang="en-US" b="0" i="1" smtClean="0">
+                          <a:latin typeface="Cambria Math" panose="02040503050406030204" pitchFamily="18" charset="0"/>
+                        </a:rPr>
+                        <m:t>𝑡𝑖𝑑</m:t>
+                      </m:r>
+                      <m:r>
+                        <a:rPr lang="en-US" b="0" i="1" smtClean="0">
+                          <a:latin typeface="Cambria Math" panose="02040503050406030204" pitchFamily="18" charset="0"/>
+                        </a:rPr>
+                        <m:t>, (</m:t>
+                      </m:r>
+                      <m:r>
+                        <a:rPr lang="en-US" b="0" i="1" smtClean="0">
+                          <a:solidFill>
+                            <a:srgbClr val="FF0000"/>
+                          </a:solidFill>
+                          <a:latin typeface="Cambria Math" panose="02040503050406030204" pitchFamily="18" charset="0"/>
+                        </a:rPr>
+                        <m:t>𝑚𝑒</m:t>
+                      </m:r>
+                      <m:sSub>
+                        <m:sSubPr>
+                          <m:ctrlPr>
+                            <a:rPr lang="en-US" b="0" i="1" smtClean="0">
+                              <a:solidFill>
+                                <a:srgbClr val="FF0000"/>
+                              </a:solidFill>
+                              <a:latin typeface="Cambria Math" panose="02040503050406030204" pitchFamily="18" charset="0"/>
+                            </a:rPr>
+                          </m:ctrlPr>
+                        </m:sSubPr>
+                        <m:e>
+                          <m:r>
+                            <a:rPr lang="en-US" b="0" i="1" smtClean="0">
+                              <a:solidFill>
+                                <a:srgbClr val="FF0000"/>
+                              </a:solidFill>
+                              <a:latin typeface="Cambria Math" panose="02040503050406030204" pitchFamily="18" charset="0"/>
+                            </a:rPr>
+                            <m:t>𝑚</m:t>
+                          </m:r>
+                        </m:e>
+                        <m:sub>
+                          <m:r>
+                            <m:rPr>
+                              <m:sty m:val="p"/>
+                            </m:rPr>
+                            <a:rPr lang="en-US" b="0" i="0" smtClean="0">
+                              <a:solidFill>
+                                <a:srgbClr val="FF0000"/>
+                              </a:solidFill>
+                              <a:latin typeface="Cambria Math" panose="02040503050406030204" pitchFamily="18" charset="0"/>
+                            </a:rPr>
+                            <m:t>T</m:t>
+                          </m:r>
+                          <m:r>
+                            <a:rPr lang="en-US" b="0" i="0" smtClean="0">
+                              <a:solidFill>
+                                <a:srgbClr val="FF0000"/>
+                              </a:solidFill>
+                              <a:latin typeface="Cambria Math" panose="02040503050406030204" pitchFamily="18" charset="0"/>
+                            </a:rPr>
+                            <m:t>1</m:t>
+                          </m:r>
+                        </m:sub>
+                      </m:sSub>
+                      <m:r>
+                        <a:rPr lang="en-US" b="0" i="1" smtClean="0">
+                          <a:solidFill>
+                            <a:srgbClr val="FF0000"/>
+                          </a:solidFill>
+                          <a:latin typeface="Cambria Math" panose="02040503050406030204" pitchFamily="18" charset="0"/>
+                        </a:rPr>
+                        <m:t>, </m:t>
+                      </m:r>
+                      <m:r>
+                        <a:rPr lang="en-US" b="0" i="1" smtClean="0">
+                          <a:solidFill>
+                            <a:srgbClr val="FF0000"/>
+                          </a:solidFill>
+                          <a:latin typeface="Cambria Math" panose="02040503050406030204" pitchFamily="18" charset="0"/>
+                        </a:rPr>
+                        <m:t>𝑚𝑒</m:t>
+                      </m:r>
+                      <m:sSub>
+                        <m:sSubPr>
+                          <m:ctrlPr>
+                            <a:rPr lang="en-US" b="0" i="1" smtClean="0">
+                              <a:solidFill>
+                                <a:srgbClr val="FF0000"/>
+                              </a:solidFill>
+                              <a:latin typeface="Cambria Math" panose="02040503050406030204" pitchFamily="18" charset="0"/>
+                            </a:rPr>
+                          </m:ctrlPr>
+                        </m:sSubPr>
+                        <m:e>
+                          <m:r>
+                            <a:rPr lang="en-US" b="0" i="1" smtClean="0">
+                              <a:solidFill>
+                                <a:srgbClr val="FF0000"/>
+                              </a:solidFill>
+                              <a:latin typeface="Cambria Math" panose="02040503050406030204" pitchFamily="18" charset="0"/>
+                            </a:rPr>
+                            <m:t>𝑚</m:t>
+                          </m:r>
+                        </m:e>
+                        <m:sub>
+                          <m:r>
+                            <m:rPr>
+                              <m:sty m:val="p"/>
+                            </m:rPr>
+                            <a:rPr lang="en-US" b="0" i="0" smtClean="0">
+                              <a:solidFill>
+                                <a:srgbClr val="FF0000"/>
+                              </a:solidFill>
+                              <a:latin typeface="Cambria Math" panose="02040503050406030204" pitchFamily="18" charset="0"/>
+                            </a:rPr>
+                            <m:t>others</m:t>
+                          </m:r>
+                        </m:sub>
+                      </m:sSub>
+                      <m:r>
+                        <a:rPr lang="en-US" b="0" i="1" smtClean="0">
+                          <a:latin typeface="Cambria Math" panose="02040503050406030204" pitchFamily="18" charset="0"/>
+                        </a:rPr>
+                        <m:t>), {(</m:t>
+                      </m:r>
+                      <m:r>
+                        <m:rPr>
+                          <m:sty m:val="p"/>
+                        </m:rPr>
+                        <a:rPr lang="en-US" b="0" i="0" smtClean="0">
+                          <a:latin typeface="Cambria Math" panose="02040503050406030204" pitchFamily="18" charset="0"/>
+                        </a:rPr>
+                        <m:t>T</m:t>
+                      </m:r>
+                      <m:r>
+                        <a:rPr lang="en-US" b="0" i="1" smtClean="0">
+                          <a:latin typeface="Cambria Math" panose="02040503050406030204" pitchFamily="18" charset="0"/>
+                        </a:rPr>
+                        <m:t>1</m:t>
+                      </m:r>
+                      <m:r>
+                        <a:rPr lang="en-US" i="1" smtClean="0">
+                          <a:latin typeface="Cambria Math" panose="02040503050406030204" pitchFamily="18" charset="0"/>
+                        </a:rPr>
+                        <m:t>↦</m:t>
+                      </m:r>
+                      <m:r>
+                        <a:rPr lang="en-US" i="1">
+                          <a:latin typeface="Cambria Math" panose="02040503050406030204" pitchFamily="18" charset="0"/>
+                        </a:rPr>
+                        <m:t>𝑙𝑠</m:t>
+                      </m:r>
+                      <m:sSub>
+                        <m:sSubPr>
+                          <m:ctrlPr>
+                            <a:rPr lang="en-US" b="0" i="1" smtClean="0">
+                              <a:latin typeface="Cambria Math" panose="02040503050406030204" pitchFamily="18" charset="0"/>
+                            </a:rPr>
+                          </m:ctrlPr>
+                        </m:sSubPr>
+                        <m:e>
+                          <m:r>
+                            <a:rPr lang="en-US" i="1">
+                              <a:latin typeface="Cambria Math" panose="02040503050406030204" pitchFamily="18" charset="0"/>
+                            </a:rPr>
+                            <m:t>𝑡</m:t>
+                          </m:r>
+                        </m:e>
+                        <m:sub>
+                          <m:r>
+                            <m:rPr>
+                              <m:sty m:val="p"/>
+                            </m:rPr>
+                            <a:rPr lang="en-US" b="0" i="0" smtClean="0">
+                              <a:latin typeface="Cambria Math" panose="02040503050406030204" pitchFamily="18" charset="0"/>
+                            </a:rPr>
+                            <m:t>T</m:t>
+                          </m:r>
+                          <m:r>
+                            <a:rPr lang="en-US" b="0" i="0" smtClean="0">
+                              <a:latin typeface="Cambria Math" panose="02040503050406030204" pitchFamily="18" charset="0"/>
+                            </a:rPr>
+                            <m:t>1</m:t>
+                          </m:r>
+                        </m:sub>
+                      </m:sSub>
+                      <m:r>
+                        <a:rPr lang="en-US" b="0" i="1" smtClean="0">
+                          <a:latin typeface="Cambria Math" panose="02040503050406030204" pitchFamily="18" charset="0"/>
+                        </a:rPr>
+                        <m:t>)</m:t>
+                      </m:r>
+                      <m:r>
+                        <a:rPr lang="en-US" b="0" i="1" smtClean="0">
+                          <a:latin typeface="Cambria Math" panose="02040503050406030204" pitchFamily="18" charset="0"/>
+                          <a:ea typeface="Cambria Math" panose="02040503050406030204" pitchFamily="18" charset="0"/>
+                        </a:rPr>
+                        <m:t>}</m:t>
+                      </m:r>
+                      <m:r>
+                        <a:rPr lang="en-US" i="1">
+                          <a:latin typeface="Cambria Math" panose="02040503050406030204" pitchFamily="18" charset="0"/>
+                          <a:ea typeface="Cambria Math" panose="02040503050406030204" pitchFamily="18" charset="0"/>
+                        </a:rPr>
+                        <m:t>, </m:t>
+                      </m:r>
+                      <m:r>
+                        <a:rPr lang="en-US" i="1">
+                          <a:latin typeface="Cambria Math" panose="02040503050406030204" pitchFamily="18" charset="0"/>
+                          <a:ea typeface="Cambria Math" panose="02040503050406030204" pitchFamily="18" charset="0"/>
+                        </a:rPr>
+                        <m:t>𝑙𝑜𝑔</m:t>
+                      </m:r>
+                      <m:r>
+                        <a:rPr lang="en-US" i="1">
+                          <a:latin typeface="Cambria Math" panose="02040503050406030204" pitchFamily="18" charset="0"/>
+                          <a:ea typeface="Cambria Math" panose="02040503050406030204" pitchFamily="18" charset="0"/>
+                        </a:rPr>
+                        <m:t>)</m:t>
+                      </m:r>
+                    </m:oMath>
+                  </m:oMathPara>
+                </a14:m>
+                <a:endParaRPr lang="en-US" dirty="0"/>
+              </a:p>
+            </p:txBody>
+          </p:sp>
+        </mc:Choice>
+        <mc:Fallback xmlns="">
+          <p:sp>
+            <p:nvSpPr>
+              <p:cNvPr id="38" name="Rectangle 37">
+                <a:extLst>
+                  <a:ext uri="{FF2B5EF4-FFF2-40B4-BE49-F238E27FC236}">
+                    <a16:creationId xmlns:a16="http://schemas.microsoft.com/office/drawing/2014/main" id="{A92F3B28-9348-7A46-9B09-A3D783132B48}"/>
+                  </a:ext>
+                </a:extLst>
+              </p:cNvPr>
+              <p:cNvSpPr>
+                <a:spLocks noRot="1" noChangeAspect="1" noMove="1" noResize="1" noEditPoints="1" noAdjustHandles="1" noChangeArrowheads="1" noChangeShapeType="1" noTextEdit="1"/>
+              </p:cNvSpPr>
+              <p:nvPr/>
+            </p:nvSpPr>
+            <p:spPr>
+              <a:xfrm>
+                <a:off x="539535" y="28030"/>
+                <a:ext cx="6700937" cy="396519"/>
+              </a:xfrm>
+              <a:prstGeom prst="rect">
+                <a:avLst/>
+              </a:prstGeom>
+              <a:blipFill>
+                <a:blip r:embed="rId7"/>
+                <a:stretch>
+                  <a:fillRect b="-9375"/>
+                </a:stretch>
+              </a:blipFill>
+            </p:spPr>
+            <p:txBody>
+              <a:bodyPr/>
+              <a:lstStyle/>
+              <a:p>
+                <a:r>
+                  <a:rPr lang="en-US">
+                    <a:noFill/>
+                  </a:rPr>
+                  <a:t> </a:t>
+                </a:r>
+              </a:p>
+            </p:txBody>
+          </p:sp>
+        </mc:Fallback>
+      </mc:AlternateContent>
+      <p:cxnSp>
+        <p:nvCxnSpPr>
+          <p:cNvPr id="50" name="Straight Arrow Connector 49">
+            <a:extLst>
+              <a:ext uri="{FF2B5EF4-FFF2-40B4-BE49-F238E27FC236}">
+                <a16:creationId xmlns:a16="http://schemas.microsoft.com/office/drawing/2014/main" id="{FFD57685-96EF-F04E-9F4D-BE1F4C31DCF0}"/>
+              </a:ext>
+            </a:extLst>
+          </p:cNvPr>
+          <p:cNvCxnSpPr>
+            <a:cxnSpLocks/>
+          </p:cNvCxnSpPr>
+          <p:nvPr/>
+        </p:nvCxnSpPr>
+        <p:spPr bwMode="auto">
+          <a:xfrm>
+            <a:off x="2158926" y="4000081"/>
+            <a:ext cx="6732210" cy="0"/>
+          </a:xfrm>
+          <a:prstGeom prst="straightConnector1">
+            <a:avLst/>
+          </a:prstGeom>
+          <a:solidFill>
+            <a:schemeClr val="accent1"/>
+          </a:solidFill>
+          <a:ln w="9525" cap="flat" cmpd="sng" algn="ctr">
+            <a:solidFill>
+              <a:schemeClr val="tx1"/>
+            </a:solidFill>
+            <a:prstDash val="solid"/>
+            <a:round/>
+            <a:headEnd type="none" w="med" len="med"/>
+            <a:tailEnd type="triangle"/>
+          </a:ln>
+          <a:effectLst/>
+          <a:extLst>
+            <a:ext uri="{AF507438-7753-43e0-B8FC-AC1667EBCBE1}">
+              <a14:hiddenEffects xmlns="" xmlns:a14="http://schemas.microsoft.com/office/drawing/2010/main">
+                <a:effectLst>
+                  <a:outerShdw blurRad="63500" dist="38099" dir="2700000" algn="ctr" rotWithShape="0">
+                    <a:schemeClr val="bg2">
+                      <a:alpha val="74998"/>
+                    </a:schemeClr>
+                  </a:outerShdw>
+                </a:effectLst>
+              </a14:hiddenEffects>
+            </a:ext>
+          </a:extLst>
+        </p:spPr>
+      </p:cxnSp>
+      <p:sp>
+        <p:nvSpPr>
+          <p:cNvPr id="51" name="TextBox 50">
+            <a:extLst>
+              <a:ext uri="{FF2B5EF4-FFF2-40B4-BE49-F238E27FC236}">
+                <a16:creationId xmlns:a16="http://schemas.microsoft.com/office/drawing/2014/main" id="{98F0A009-2EF3-E248-AA17-6E872ADFF951}"/>
+              </a:ext>
+            </a:extLst>
+          </p:cNvPr>
+          <p:cNvSpPr txBox="1"/>
+          <p:nvPr/>
+        </p:nvSpPr>
+        <p:spPr>
+          <a:xfrm>
+            <a:off x="1697699" y="3808550"/>
+            <a:ext cx="453970" cy="369332"/>
+          </a:xfrm>
+          <a:prstGeom prst="rect">
+            <a:avLst/>
+          </a:prstGeom>
+          <a:noFill/>
+        </p:spPr>
+        <p:txBody>
+          <a:bodyPr wrap="none" rtlCol="0">
+            <a:spAutoFit/>
+          </a:bodyPr>
+          <a:lstStyle/>
+          <a:p>
+            <a:r>
+              <a:rPr lang="en-US" dirty="0">
+                <a:latin typeface="Helvetica" pitchFamily="2" charset="0"/>
+              </a:rPr>
+              <a:t>T1</a:t>
+            </a:r>
+          </a:p>
+        </p:txBody>
+      </p:sp>
+      <p:cxnSp>
+        <p:nvCxnSpPr>
+          <p:cNvPr id="52" name="Straight Arrow Connector 51">
+            <a:extLst>
+              <a:ext uri="{FF2B5EF4-FFF2-40B4-BE49-F238E27FC236}">
+                <a16:creationId xmlns:a16="http://schemas.microsoft.com/office/drawing/2014/main" id="{F2F1B3D9-4B02-BF4A-ACF1-E75DDC8CD747}"/>
+              </a:ext>
+            </a:extLst>
+          </p:cNvPr>
+          <p:cNvCxnSpPr>
+            <a:cxnSpLocks/>
+            <a:stCxn id="54" idx="3"/>
+          </p:cNvCxnSpPr>
+          <p:nvPr/>
+        </p:nvCxnSpPr>
+        <p:spPr bwMode="auto">
+          <a:xfrm>
+            <a:off x="4423155" y="4009851"/>
+            <a:ext cx="124752" cy="432198"/>
+          </a:xfrm>
+          <a:prstGeom prst="straightConnector1">
+            <a:avLst/>
+          </a:prstGeom>
+          <a:solidFill>
+            <a:schemeClr val="accent1"/>
+          </a:solidFill>
+          <a:ln w="9525" cap="flat" cmpd="sng" algn="ctr">
+            <a:solidFill>
+              <a:schemeClr val="tx1"/>
+            </a:solidFill>
+            <a:prstDash val="solid"/>
+            <a:round/>
+            <a:headEnd type="none" w="med" len="med"/>
+            <a:tailEnd type="triangle"/>
+          </a:ln>
+          <a:effectLst/>
+          <a:extLst>
+            <a:ext uri="{AF507438-7753-43e0-B8FC-AC1667EBCBE1}">
+              <a14:hiddenEffects xmlns="" xmlns:a14="http://schemas.microsoft.com/office/drawing/2010/main">
+                <a:effectLst>
+                  <a:outerShdw blurRad="63500" dist="38099" dir="2700000" algn="ctr" rotWithShape="0">
+                    <a:schemeClr val="bg2">
+                      <a:alpha val="74998"/>
+                    </a:schemeClr>
+                  </a:outerShdw>
+                </a:effectLst>
+              </a14:hiddenEffects>
+            </a:ext>
+          </a:extLst>
+        </p:spPr>
+      </p:cxnSp>
+      <p:sp>
+        <p:nvSpPr>
+          <p:cNvPr id="53" name="Rectangle 52">
+            <a:extLst>
+              <a:ext uri="{FF2B5EF4-FFF2-40B4-BE49-F238E27FC236}">
+                <a16:creationId xmlns:a16="http://schemas.microsoft.com/office/drawing/2014/main" id="{F7D60A7F-8C14-8A4C-A587-C9379700B9AE}"/>
+              </a:ext>
+            </a:extLst>
+          </p:cNvPr>
+          <p:cNvSpPr/>
+          <p:nvPr/>
+        </p:nvSpPr>
+        <p:spPr bwMode="auto">
+          <a:xfrm>
+            <a:off x="2751136" y="3899825"/>
+            <a:ext cx="984132" cy="217232"/>
+          </a:xfrm>
+          <a:prstGeom prst="rect">
+            <a:avLst/>
+          </a:prstGeom>
+          <a:solidFill>
+            <a:srgbClr val="FFFF00"/>
+          </a:solidFill>
+          <a:ln w="9525" cap="flat" cmpd="sng" algn="ctr">
+            <a:noFill/>
+            <a:prstDash val="solid"/>
+            <a:round/>
+            <a:headEnd type="none" w="med" len="med"/>
+            <a:tailEnd type="none" w="med" len="med"/>
+          </a:ln>
+          <a:effectLst/>
+          <a:extLst>
+            <a:ext uri="{AF507438-7753-43e0-B8FC-AC1667EBCBE1}">
+              <a14:hiddenEffects xmlns="" xmlns:a14="http://schemas.microsoft.com/office/drawing/2010/main">
+                <a:effectLst>
+                  <a:outerShdw blurRad="63500" dist="38099" dir="2700000" algn="ctr" rotWithShape="0">
+                    <a:schemeClr val="bg2">
+                      <a:alpha val="74998"/>
+                    </a:schemeClr>
+                  </a:outerShdw>
+                </a:effectLst>
+              </a14:hiddenEffects>
+            </a:ext>
+          </a:extLst>
+        </p:spPr>
+        <p:txBody>
+          <a:bodyPr vert="horz" wrap="square" lIns="91440" tIns="45720" rIns="91440" bIns="45720" numCol="1" rtlCol="0" anchor="ctr" anchorCtr="0" compatLnSpc="1">
+            <a:prstTxWarp prst="textNoShape">
+              <a:avLst/>
+            </a:prstTxWarp>
+          </a:bodyPr>
+          <a:lstStyle/>
+          <a:p>
+            <a:pPr marL="0" marR="0" indent="0" algn="ctr" defTabSz="914400" rtl="0" eaLnBrk="1" fontAlgn="base" latinLnBrk="0" hangingPunct="1">
+              <a:lnSpc>
+                <a:spcPct val="100000"/>
+              </a:lnSpc>
+              <a:spcBef>
+                <a:spcPct val="0"/>
+              </a:spcBef>
+              <a:spcAft>
+                <a:spcPct val="0"/>
+              </a:spcAft>
+              <a:buClrTx/>
+              <a:buSzTx/>
+              <a:buFontTx/>
+              <a:buNone/>
+              <a:tabLst/>
+            </a:pPr>
+            <a:r>
+              <a:rPr lang="en-US" sz="1400" dirty="0">
+                <a:latin typeface="Helvetica" pitchFamily="2" charset="0"/>
+                <a:ea typeface="ＭＳ Ｐゴシック" charset="0"/>
+                <a:cs typeface="Arial" charset="0"/>
+              </a:rPr>
+              <a:t>s</a:t>
+            </a:r>
+            <a:r>
+              <a:rPr kumimoji="0" lang="en-US" sz="1400" b="0" i="0" u="none" strike="noStrike" cap="none" normalizeH="0" baseline="0" dirty="0">
+                <a:ln>
+                  <a:noFill/>
+                </a:ln>
+                <a:solidFill>
+                  <a:schemeClr val="tx1"/>
+                </a:solidFill>
+                <a:effectLst/>
+                <a:latin typeface="Helvetica" pitchFamily="2" charset="0"/>
+                <a:ea typeface="ＭＳ Ｐゴシック" charset="0"/>
+                <a:cs typeface="Arial" charset="0"/>
+              </a:rPr>
+              <a:t>pawn T2 </a:t>
+            </a:r>
+          </a:p>
+        </p:txBody>
+      </p:sp>
+      <p:sp>
+        <p:nvSpPr>
+          <p:cNvPr id="54" name="Rectangle 53">
+            <a:extLst>
+              <a:ext uri="{FF2B5EF4-FFF2-40B4-BE49-F238E27FC236}">
+                <a16:creationId xmlns:a16="http://schemas.microsoft.com/office/drawing/2014/main" id="{0C477270-10CA-BC4D-9218-EE471470B02A}"/>
+              </a:ext>
+            </a:extLst>
+          </p:cNvPr>
+          <p:cNvSpPr/>
+          <p:nvPr/>
+        </p:nvSpPr>
+        <p:spPr bwMode="auto">
+          <a:xfrm>
+            <a:off x="3789702" y="3901235"/>
+            <a:ext cx="633453" cy="217232"/>
+          </a:xfrm>
+          <a:prstGeom prst="rect">
+            <a:avLst/>
+          </a:prstGeom>
+          <a:solidFill>
+            <a:srgbClr val="FFFF00"/>
+          </a:solidFill>
+          <a:ln w="9525" cap="flat" cmpd="sng" algn="ctr">
+            <a:solidFill>
+              <a:schemeClr val="tx1"/>
+            </a:solidFill>
+            <a:prstDash val="solid"/>
+            <a:round/>
+            <a:headEnd type="none" w="med" len="med"/>
+            <a:tailEnd type="none" w="med" len="med"/>
+          </a:ln>
+          <a:effectLst/>
+          <a:extLst>
+            <a:ext uri="{AF507438-7753-43e0-B8FC-AC1667EBCBE1}">
+              <a14:hiddenEffects xmlns="" xmlns:a14="http://schemas.microsoft.com/office/drawing/2010/main">
+                <a:effectLst>
+                  <a:outerShdw blurRad="63500" dist="38099" dir="2700000" algn="ctr" rotWithShape="0">
+                    <a:schemeClr val="bg2">
+                      <a:alpha val="74998"/>
+                    </a:schemeClr>
+                  </a:outerShdw>
+                </a:effectLst>
+              </a14:hiddenEffects>
+            </a:ext>
+          </a:extLst>
+        </p:spPr>
+        <p:txBody>
+          <a:bodyPr vert="horz" wrap="square" lIns="91440" tIns="45720" rIns="91440" bIns="45720" numCol="1" rtlCol="0" anchor="ctr" anchorCtr="0" compatLnSpc="1">
+            <a:prstTxWarp prst="textNoShape">
+              <a:avLst/>
+            </a:prstTxWarp>
+          </a:bodyPr>
+          <a:lstStyle/>
+          <a:p>
+            <a:pPr marL="0" marR="0" indent="0" algn="ctr" defTabSz="914400" rtl="0" eaLnBrk="1" fontAlgn="base" latinLnBrk="0" hangingPunct="1">
+              <a:lnSpc>
+                <a:spcPct val="100000"/>
+              </a:lnSpc>
+              <a:spcBef>
+                <a:spcPct val="0"/>
+              </a:spcBef>
+              <a:spcAft>
+                <a:spcPct val="0"/>
+              </a:spcAft>
+              <a:buClrTx/>
+              <a:buSzTx/>
+              <a:buFontTx/>
+              <a:buNone/>
+              <a:tabLst/>
+            </a:pPr>
+            <a:r>
+              <a:rPr lang="en-US" sz="1400" dirty="0">
+                <a:latin typeface="Helvetica" pitchFamily="2" charset="0"/>
+                <a:ea typeface="ＭＳ Ｐゴシック" charset="0"/>
+                <a:cs typeface="Arial" charset="0"/>
+              </a:rPr>
+              <a:t>y</a:t>
+            </a:r>
+            <a:r>
+              <a:rPr kumimoji="0" lang="en-US" sz="1400" b="0" i="0" u="none" strike="noStrike" cap="none" normalizeH="0" baseline="0" dirty="0">
+                <a:ln>
+                  <a:noFill/>
+                </a:ln>
+                <a:solidFill>
+                  <a:schemeClr val="tx1"/>
+                </a:solidFill>
+                <a:effectLst/>
+                <a:latin typeface="Helvetica" pitchFamily="2" charset="0"/>
+                <a:ea typeface="ＭＳ Ｐゴシック" charset="0"/>
+                <a:cs typeface="Arial" charset="0"/>
+              </a:rPr>
+              <a:t>ield</a:t>
+            </a:r>
+          </a:p>
+        </p:txBody>
+      </p:sp>
+      <p:cxnSp>
+        <p:nvCxnSpPr>
+          <p:cNvPr id="55" name="Straight Arrow Connector 54">
+            <a:extLst>
+              <a:ext uri="{FF2B5EF4-FFF2-40B4-BE49-F238E27FC236}">
+                <a16:creationId xmlns:a16="http://schemas.microsoft.com/office/drawing/2014/main" id="{30FD1534-716E-8C41-81CE-EB92FEDBC48E}"/>
+              </a:ext>
+            </a:extLst>
+          </p:cNvPr>
+          <p:cNvCxnSpPr>
+            <a:cxnSpLocks/>
+          </p:cNvCxnSpPr>
+          <p:nvPr/>
+        </p:nvCxnSpPr>
+        <p:spPr bwMode="auto">
+          <a:xfrm>
+            <a:off x="2158926" y="4437958"/>
+            <a:ext cx="6732210" cy="0"/>
+          </a:xfrm>
+          <a:prstGeom prst="straightConnector1">
+            <a:avLst/>
+          </a:prstGeom>
+          <a:solidFill>
+            <a:schemeClr val="accent1"/>
+          </a:solidFill>
+          <a:ln w="9525" cap="flat" cmpd="sng" algn="ctr">
+            <a:solidFill>
+              <a:schemeClr val="tx1"/>
+            </a:solidFill>
+            <a:prstDash val="solid"/>
+            <a:round/>
+            <a:headEnd type="none" w="med" len="med"/>
+            <a:tailEnd type="triangle"/>
+          </a:ln>
+          <a:effectLst/>
+          <a:extLst>
+            <a:ext uri="{AF507438-7753-43e0-B8FC-AC1667EBCBE1}">
+              <a14:hiddenEffects xmlns="" xmlns:a14="http://schemas.microsoft.com/office/drawing/2010/main">
+                <a:effectLst>
+                  <a:outerShdw blurRad="63500" dist="38099" dir="2700000" algn="ctr" rotWithShape="0">
+                    <a:schemeClr val="bg2">
+                      <a:alpha val="74998"/>
+                    </a:schemeClr>
+                  </a:outerShdw>
+                </a:effectLst>
+              </a14:hiddenEffects>
+            </a:ext>
+          </a:extLst>
+        </p:spPr>
+      </p:cxnSp>
+      <p:sp>
+        <p:nvSpPr>
+          <p:cNvPr id="58" name="TextBox 57">
+            <a:extLst>
+              <a:ext uri="{FF2B5EF4-FFF2-40B4-BE49-F238E27FC236}">
+                <a16:creationId xmlns:a16="http://schemas.microsoft.com/office/drawing/2014/main" id="{F9BE9DD3-502C-9442-B8F4-2499C3224703}"/>
+              </a:ext>
+            </a:extLst>
+          </p:cNvPr>
+          <p:cNvSpPr txBox="1"/>
+          <p:nvPr/>
+        </p:nvSpPr>
+        <p:spPr>
+          <a:xfrm>
+            <a:off x="1701726" y="4259818"/>
+            <a:ext cx="453970" cy="369332"/>
+          </a:xfrm>
+          <a:prstGeom prst="rect">
+            <a:avLst/>
+          </a:prstGeom>
+          <a:noFill/>
+        </p:spPr>
+        <p:txBody>
+          <a:bodyPr wrap="none" rtlCol="0">
+            <a:spAutoFit/>
+          </a:bodyPr>
+          <a:lstStyle/>
+          <a:p>
+            <a:r>
+              <a:rPr lang="en-US" dirty="0">
+                <a:latin typeface="Helvetica" pitchFamily="2" charset="0"/>
+              </a:rPr>
+              <a:t>T2</a:t>
+            </a:r>
+          </a:p>
+        </p:txBody>
+      </p:sp>
+      <p:sp>
+        <p:nvSpPr>
+          <p:cNvPr id="60" name="Rectangle 59">
+            <a:extLst>
+              <a:ext uri="{FF2B5EF4-FFF2-40B4-BE49-F238E27FC236}">
+                <a16:creationId xmlns:a16="http://schemas.microsoft.com/office/drawing/2014/main" id="{17265356-19F3-EE49-A70D-ECDD6B08B1A2}"/>
+              </a:ext>
+            </a:extLst>
+          </p:cNvPr>
+          <p:cNvSpPr/>
+          <p:nvPr/>
+        </p:nvSpPr>
+        <p:spPr bwMode="auto">
+          <a:xfrm>
+            <a:off x="5572166" y="4333433"/>
+            <a:ext cx="970075" cy="217232"/>
+          </a:xfrm>
+          <a:prstGeom prst="rect">
+            <a:avLst/>
+          </a:prstGeom>
+          <a:solidFill>
+            <a:srgbClr val="FFFF00"/>
+          </a:solidFill>
+          <a:ln w="9525" cap="flat" cmpd="sng" algn="ctr">
+            <a:noFill/>
+            <a:prstDash val="solid"/>
+            <a:round/>
+            <a:headEnd type="none" w="med" len="med"/>
+            <a:tailEnd type="none" w="med" len="med"/>
+          </a:ln>
+          <a:effectLst/>
+          <a:extLst>
+            <a:ext uri="{AF507438-7753-43e0-B8FC-AC1667EBCBE1}">
+              <a14:hiddenEffects xmlns="" xmlns:a14="http://schemas.microsoft.com/office/drawing/2010/main">
+                <a:effectLst>
+                  <a:outerShdw blurRad="63500" dist="38099" dir="2700000" algn="ctr" rotWithShape="0">
+                    <a:schemeClr val="bg2">
+                      <a:alpha val="74998"/>
+                    </a:schemeClr>
+                  </a:outerShdw>
+                </a:effectLst>
+              </a14:hiddenEffects>
+            </a:ext>
+          </a:extLst>
+        </p:spPr>
+        <p:txBody>
+          <a:bodyPr vert="horz" wrap="square" lIns="91440" tIns="45720" rIns="91440" bIns="45720" numCol="1" rtlCol="0" anchor="ctr" anchorCtr="0" compatLnSpc="1">
+            <a:prstTxWarp prst="textNoShape">
+              <a:avLst/>
+            </a:prstTxWarp>
+          </a:bodyPr>
+          <a:lstStyle/>
+          <a:p>
+            <a:pPr marL="0" marR="0" indent="0" algn="ctr" defTabSz="914400" rtl="0" eaLnBrk="1" fontAlgn="base" latinLnBrk="0" hangingPunct="1">
+              <a:lnSpc>
+                <a:spcPct val="100000"/>
+              </a:lnSpc>
+              <a:spcBef>
+                <a:spcPct val="0"/>
+              </a:spcBef>
+              <a:spcAft>
+                <a:spcPct val="0"/>
+              </a:spcAft>
+              <a:buClrTx/>
+              <a:buSzTx/>
+              <a:buFontTx/>
+              <a:buNone/>
+              <a:tabLst/>
+            </a:pPr>
+            <a:r>
+              <a:rPr lang="en-US" sz="1400" dirty="0">
+                <a:latin typeface="Helvetica" pitchFamily="2" charset="0"/>
+                <a:ea typeface="ＭＳ Ｐゴシック" charset="0"/>
+                <a:cs typeface="Arial" charset="0"/>
+              </a:rPr>
+              <a:t>s</a:t>
+            </a:r>
+            <a:r>
+              <a:rPr kumimoji="0" lang="en-US" sz="1400" b="0" i="0" u="none" strike="noStrike" cap="none" normalizeH="0" baseline="0" dirty="0">
+                <a:ln>
+                  <a:noFill/>
+                </a:ln>
+                <a:solidFill>
+                  <a:schemeClr val="tx1"/>
+                </a:solidFill>
+                <a:effectLst/>
+                <a:latin typeface="Helvetica" pitchFamily="2" charset="0"/>
+                <a:ea typeface="ＭＳ Ｐゴシック" charset="0"/>
+                <a:cs typeface="Arial" charset="0"/>
+              </a:rPr>
+              <a:t>pawn T3 </a:t>
+            </a:r>
+          </a:p>
+        </p:txBody>
+      </p:sp>
+      <p:sp>
+        <p:nvSpPr>
+          <p:cNvPr id="61" name="Rectangle 60">
+            <a:extLst>
+              <a:ext uri="{FF2B5EF4-FFF2-40B4-BE49-F238E27FC236}">
+                <a16:creationId xmlns:a16="http://schemas.microsoft.com/office/drawing/2014/main" id="{AA5B9008-00B7-9441-B643-861684BC0284}"/>
+              </a:ext>
+            </a:extLst>
+          </p:cNvPr>
+          <p:cNvSpPr/>
+          <p:nvPr/>
+        </p:nvSpPr>
+        <p:spPr bwMode="auto">
+          <a:xfrm>
+            <a:off x="4702052" y="4324149"/>
+            <a:ext cx="667258" cy="217232"/>
+          </a:xfrm>
+          <a:prstGeom prst="rect">
+            <a:avLst/>
+          </a:prstGeom>
+          <a:solidFill>
+            <a:srgbClr val="FFFF00"/>
+          </a:solidFill>
+          <a:ln w="9525" cap="flat" cmpd="sng" algn="ctr">
+            <a:solidFill>
+              <a:schemeClr val="tx1"/>
+            </a:solidFill>
+            <a:prstDash val="solid"/>
+            <a:round/>
+            <a:headEnd type="none" w="med" len="med"/>
+            <a:tailEnd type="none" w="med" len="med"/>
+          </a:ln>
+          <a:effectLst/>
+          <a:extLst>
+            <a:ext uri="{AF507438-7753-43e0-B8FC-AC1667EBCBE1}">
+              <a14:hiddenEffects xmlns="" xmlns:a14="http://schemas.microsoft.com/office/drawing/2010/main">
+                <a:effectLst>
+                  <a:outerShdw blurRad="63500" dist="38099" dir="2700000" algn="ctr" rotWithShape="0">
+                    <a:schemeClr val="bg2">
+                      <a:alpha val="74998"/>
+                    </a:schemeClr>
+                  </a:outerShdw>
+                </a:effectLst>
+              </a14:hiddenEffects>
+            </a:ext>
+          </a:extLst>
+        </p:spPr>
+        <p:txBody>
+          <a:bodyPr vert="horz" wrap="square" lIns="91440" tIns="45720" rIns="91440" bIns="45720" numCol="1" rtlCol="0" anchor="ctr" anchorCtr="0" compatLnSpc="1">
+            <a:prstTxWarp prst="textNoShape">
+              <a:avLst/>
+            </a:prstTxWarp>
+          </a:bodyPr>
+          <a:lstStyle/>
+          <a:p>
+            <a:pPr marL="0" marR="0" indent="0" algn="ctr" defTabSz="914400" rtl="0" eaLnBrk="1" fontAlgn="base" latinLnBrk="0" hangingPunct="1">
+              <a:lnSpc>
+                <a:spcPct val="100000"/>
+              </a:lnSpc>
+              <a:spcBef>
+                <a:spcPct val="0"/>
+              </a:spcBef>
+              <a:spcAft>
+                <a:spcPct val="0"/>
+              </a:spcAft>
+              <a:buClrTx/>
+              <a:buSzTx/>
+              <a:buFontTx/>
+              <a:buNone/>
+              <a:tabLst/>
+            </a:pPr>
+            <a:r>
+              <a:rPr kumimoji="0" lang="en-US" sz="1400" b="0" i="0" u="none" strike="noStrike" cap="none" normalizeH="0" baseline="0" dirty="0" err="1">
+                <a:ln>
+                  <a:noFill/>
+                </a:ln>
+                <a:solidFill>
+                  <a:schemeClr val="tx1"/>
+                </a:solidFill>
+                <a:effectLst/>
+                <a:latin typeface="Helvetica" pitchFamily="2" charset="0"/>
+                <a:ea typeface="ＭＳ Ｐゴシック" charset="0"/>
+                <a:cs typeface="Arial" charset="0"/>
+              </a:rPr>
+              <a:t>yback</a:t>
+            </a:r>
+            <a:endParaRPr kumimoji="0" lang="en-US" sz="1400" b="0" i="0" u="none" strike="noStrike" cap="none" normalizeH="0" baseline="0" dirty="0">
+              <a:ln>
+                <a:noFill/>
+              </a:ln>
+              <a:solidFill>
+                <a:schemeClr val="tx1"/>
+              </a:solidFill>
+              <a:effectLst/>
+              <a:latin typeface="Helvetica" pitchFamily="2" charset="0"/>
+              <a:ea typeface="ＭＳ Ｐゴシック" charset="0"/>
+              <a:cs typeface="Arial" charset="0"/>
+            </a:endParaRPr>
+          </a:p>
+        </p:txBody>
+      </p:sp>
+      <mc:AlternateContent xmlns:mc="http://schemas.openxmlformats.org/markup-compatibility/2006" xmlns:a14="http://schemas.microsoft.com/office/drawing/2010/main">
+        <mc:Choice Requires="a14">
+          <p:sp>
+            <p:nvSpPr>
+              <p:cNvPr id="64" name="TextBox 63">
+                <a:extLst>
+                  <a:ext uri="{FF2B5EF4-FFF2-40B4-BE49-F238E27FC236}">
+                    <a16:creationId xmlns:a16="http://schemas.microsoft.com/office/drawing/2014/main" id="{4D6CB40A-4B70-8D40-ADE7-0F065D89779C}"/>
+                  </a:ext>
+                </a:extLst>
+              </p:cNvPr>
+              <p:cNvSpPr txBox="1"/>
+              <p:nvPr/>
+            </p:nvSpPr>
+            <p:spPr>
+              <a:xfrm>
+                <a:off x="419050" y="3971034"/>
+                <a:ext cx="1138773" cy="544316"/>
+              </a:xfrm>
+              <a:prstGeom prst="rect">
+                <a:avLst/>
+              </a:prstGeom>
+              <a:noFill/>
+            </p:spPr>
+            <p:txBody>
+              <a:bodyPr wrap="none" rtlCol="0">
+                <a:spAutoFit/>
+              </a:bodyPr>
+              <a:lstStyle/>
+              <a:p>
+                <a:pPr algn="ctr"/>
+                <a14:m>
+                  <m:oMath xmlns:m="http://schemas.openxmlformats.org/officeDocument/2006/math">
+                    <m:sSub>
+                      <m:sSubPr>
+                        <m:ctrlPr>
+                          <a:rPr lang="en-US" sz="1400" b="0" i="1" smtClean="0">
+                            <a:latin typeface="Cambria Math" panose="02040503050406030204" pitchFamily="18" charset="0"/>
+                            <a:ea typeface="Cambria Math" panose="02040503050406030204" pitchFamily="18" charset="0"/>
+                          </a:rPr>
+                        </m:ctrlPr>
+                      </m:sSubPr>
+                      <m:e>
+                        <m:r>
+                          <m:rPr>
+                            <m:sty m:val="p"/>
+                          </m:rPr>
+                          <a:rPr lang="en-US" sz="1400" b="0" i="0" smtClean="0">
+                            <a:latin typeface="Cambria Math" panose="02040503050406030204" pitchFamily="18" charset="0"/>
+                            <a:ea typeface="Cambria Math" panose="02040503050406030204" pitchFamily="18" charset="0"/>
+                          </a:rPr>
+                          <m:t>Mach</m:t>
+                        </m:r>
+                      </m:e>
+                      <m:sub>
+                        <m:r>
+                          <m:rPr>
+                            <m:sty m:val="p"/>
+                          </m:rPr>
+                          <a:rPr lang="en-US" sz="1400">
+                            <a:latin typeface="Cambria Math" panose="02040503050406030204" pitchFamily="18" charset="0"/>
+                            <a:ea typeface="Cambria Math" panose="02040503050406030204" pitchFamily="18" charset="0"/>
+                          </a:rPr>
+                          <m:t>EAsm</m:t>
+                        </m:r>
+                      </m:sub>
+                    </m:sSub>
+                  </m:oMath>
+                </a14:m>
+                <a:r>
+                  <a:rPr lang="en-US" sz="1400" dirty="0">
+                    <a:latin typeface="Helvetica" pitchFamily="2" charset="0"/>
+                    <a:ea typeface="Cambria Math" panose="02040503050406030204" pitchFamily="18" charset="0"/>
+                  </a:rPr>
+                  <a:t> </a:t>
+                </a:r>
+                <a:br>
+                  <a:rPr lang="en-US" sz="1400" dirty="0">
+                    <a:latin typeface="Helvetica" pitchFamily="2" charset="0"/>
+                    <a:ea typeface="Cambria Math" panose="02040503050406030204" pitchFamily="18" charset="0"/>
+                  </a:rPr>
+                </a:br>
+                <a:r>
+                  <a:rPr lang="en-US" sz="1400" dirty="0">
+                    <a:latin typeface="Helvetica" pitchFamily="2" charset="0"/>
+                    <a:ea typeface="Cambria Math" panose="02040503050406030204" pitchFamily="18" charset="0"/>
+                  </a:rPr>
+                  <a:t>with </a:t>
+                </a:r>
+                <a14:m>
+                  <m:oMath xmlns:m="http://schemas.openxmlformats.org/officeDocument/2006/math">
+                    <m:sSub>
+                      <m:sSubPr>
+                        <m:ctrlPr>
+                          <a:rPr lang="en-US" sz="1400" b="0" i="1" smtClean="0">
+                            <a:latin typeface="Cambria Math" panose="02040503050406030204" pitchFamily="18" charset="0"/>
+                            <a:ea typeface="Cambria Math" panose="02040503050406030204" pitchFamily="18" charset="0"/>
+                          </a:rPr>
+                        </m:ctrlPr>
+                      </m:sSubPr>
+                      <m:e>
+                        <m:r>
+                          <a:rPr lang="en-US" sz="1400" b="0" i="1" smtClean="0">
+                            <a:latin typeface="Cambria Math" panose="02040503050406030204" pitchFamily="18" charset="0"/>
+                            <a:ea typeface="Cambria Math" panose="02040503050406030204" pitchFamily="18" charset="0"/>
+                          </a:rPr>
+                          <m:t>𝑇</m:t>
+                        </m:r>
+                      </m:e>
+                      <m:sub>
+                        <m:r>
+                          <a:rPr lang="en-US" sz="1400" b="0" i="1" smtClean="0">
+                            <a:latin typeface="Cambria Math" panose="02040503050406030204" pitchFamily="18" charset="0"/>
+                            <a:ea typeface="Cambria Math" panose="02040503050406030204" pitchFamily="18" charset="0"/>
+                          </a:rPr>
+                          <m:t>[</m:t>
+                        </m:r>
+                        <m:r>
+                          <a:rPr lang="en-US" sz="1400" b="0" i="1" smtClean="0">
+                            <a:latin typeface="Cambria Math" panose="02040503050406030204" pitchFamily="18" charset="0"/>
+                            <a:ea typeface="Cambria Math" panose="02040503050406030204" pitchFamily="18" charset="0"/>
+                          </a:rPr>
+                          <m:t>𝑐𝑖𝑑</m:t>
+                        </m:r>
+                        <m:r>
+                          <a:rPr lang="en-US" sz="1400" b="0" i="1" smtClean="0">
+                            <a:latin typeface="Cambria Math" panose="02040503050406030204" pitchFamily="18" charset="0"/>
+                            <a:ea typeface="Cambria Math" panose="02040503050406030204" pitchFamily="18" charset="0"/>
+                          </a:rPr>
+                          <m:t>≔1]</m:t>
+                        </m:r>
+                      </m:sub>
+                    </m:sSub>
+                  </m:oMath>
+                </a14:m>
+                <a:endParaRPr lang="en-US" sz="1400" baseline="30000" dirty="0">
+                  <a:latin typeface="Helvetica" pitchFamily="2" charset="0"/>
+                  <a:ea typeface="Cambria Math" panose="02040503050406030204" pitchFamily="18" charset="0"/>
+                </a:endParaRPr>
+              </a:p>
+            </p:txBody>
+          </p:sp>
+        </mc:Choice>
+        <mc:Fallback xmlns="">
+          <p:sp>
+            <p:nvSpPr>
+              <p:cNvPr id="64" name="TextBox 63">
+                <a:extLst>
+                  <a:ext uri="{FF2B5EF4-FFF2-40B4-BE49-F238E27FC236}">
+                    <a16:creationId xmlns:a16="http://schemas.microsoft.com/office/drawing/2014/main" id="{4D6CB40A-4B70-8D40-ADE7-0F065D89779C}"/>
+                  </a:ext>
+                </a:extLst>
+              </p:cNvPr>
+              <p:cNvSpPr txBox="1">
+                <a:spLocks noRot="1" noChangeAspect="1" noMove="1" noResize="1" noEditPoints="1" noAdjustHandles="1" noChangeArrowheads="1" noChangeShapeType="1" noTextEdit="1"/>
+              </p:cNvSpPr>
+              <p:nvPr/>
+            </p:nvSpPr>
+            <p:spPr>
+              <a:xfrm>
+                <a:off x="419050" y="3971034"/>
+                <a:ext cx="1138773" cy="544316"/>
+              </a:xfrm>
+              <a:prstGeom prst="rect">
+                <a:avLst/>
+              </a:prstGeom>
+              <a:blipFill>
+                <a:blip r:embed="rId8"/>
+                <a:stretch>
+                  <a:fillRect l="-1099" b="-6818"/>
+                </a:stretch>
+              </a:blipFill>
+            </p:spPr>
+            <p:txBody>
+              <a:bodyPr/>
+              <a:lstStyle/>
+              <a:p>
+                <a:r>
+                  <a:rPr lang="en-US">
+                    <a:noFill/>
+                  </a:rPr>
+                  <a:t> </a:t>
+                </a:r>
+              </a:p>
+            </p:txBody>
+          </p:sp>
+        </mc:Fallback>
+      </mc:AlternateContent>
+      <mc:AlternateContent xmlns:mc="http://schemas.openxmlformats.org/markup-compatibility/2006" xmlns:a14="http://schemas.microsoft.com/office/drawing/2010/main">
+        <mc:Choice Requires="a14">
+          <p:sp>
+            <p:nvSpPr>
+              <p:cNvPr id="65" name="TextBox 64">
+                <a:extLst>
+                  <a:ext uri="{FF2B5EF4-FFF2-40B4-BE49-F238E27FC236}">
+                    <a16:creationId xmlns:a16="http://schemas.microsoft.com/office/drawing/2014/main" id="{8A481C54-A283-4048-8A4F-7B13E1E98D4B}"/>
+                  </a:ext>
+                </a:extLst>
+              </p:cNvPr>
+              <p:cNvSpPr txBox="1"/>
+              <p:nvPr/>
+            </p:nvSpPr>
+            <p:spPr>
+              <a:xfrm>
+                <a:off x="4628455" y="1586384"/>
+                <a:ext cx="1468607" cy="338554"/>
+              </a:xfrm>
+              <a:prstGeom prst="rect">
+                <a:avLst/>
+              </a:prstGeom>
+              <a:noFill/>
+            </p:spPr>
+            <p:txBody>
+              <a:bodyPr wrap="none" rtlCol="0">
+                <a:spAutoFit/>
+              </a:bodyPr>
+              <a:lstStyle/>
+              <a:p>
+                <a:pPr/>
+                <a14:m>
+                  <m:oMathPara xmlns:m="http://schemas.openxmlformats.org/officeDocument/2006/math">
+                    <m:oMathParaPr>
+                      <m:jc m:val="centerGroup"/>
+                    </m:oMathParaPr>
+                    <m:oMath xmlns:m="http://schemas.openxmlformats.org/officeDocument/2006/math">
+                      <m:r>
+                        <a:rPr lang="en-US" sz="1600" i="1" smtClean="0">
+                          <a:latin typeface="Cambria Math" panose="02040503050406030204" pitchFamily="18" charset="0"/>
+                        </a:rPr>
+                        <m:t>𝑛</m:t>
+                      </m:r>
+                      <m:r>
+                        <a:rPr lang="en-US" sz="1600" b="0" i="0" smtClean="0">
+                          <a:latin typeface="Cambria Math" panose="02040503050406030204" pitchFamily="18" charset="0"/>
+                        </a:rPr>
+                        <m:t>&lt;</m:t>
+                      </m:r>
+                      <m:r>
+                        <a:rPr lang="en-US" sz="1600" b="0" i="1" smtClean="0">
+                          <a:latin typeface="Cambria Math" panose="02040503050406030204" pitchFamily="18" charset="0"/>
+                        </a:rPr>
+                        <m:t>𝑝𝑟𝑜𝑔𝑟𝑒𝑠𝑠</m:t>
+                      </m:r>
+                    </m:oMath>
+                  </m:oMathPara>
+                </a14:m>
+                <a:endParaRPr lang="en-US" sz="1600" i="1" dirty="0">
+                  <a:latin typeface="Helvetica" pitchFamily="2" charset="0"/>
+                </a:endParaRPr>
+              </a:p>
+            </p:txBody>
+          </p:sp>
+        </mc:Choice>
+        <mc:Fallback xmlns="">
+          <p:sp>
+            <p:nvSpPr>
+              <p:cNvPr id="65" name="TextBox 64">
+                <a:extLst>
+                  <a:ext uri="{FF2B5EF4-FFF2-40B4-BE49-F238E27FC236}">
+                    <a16:creationId xmlns:a16="http://schemas.microsoft.com/office/drawing/2014/main" id="{8A481C54-A283-4048-8A4F-7B13E1E98D4B}"/>
+                  </a:ext>
+                </a:extLst>
+              </p:cNvPr>
+              <p:cNvSpPr txBox="1">
+                <a:spLocks noRot="1" noChangeAspect="1" noMove="1" noResize="1" noEditPoints="1" noAdjustHandles="1" noChangeArrowheads="1" noChangeShapeType="1" noTextEdit="1"/>
+              </p:cNvSpPr>
+              <p:nvPr/>
+            </p:nvSpPr>
+            <p:spPr>
+              <a:xfrm>
+                <a:off x="4628455" y="1586384"/>
+                <a:ext cx="1468607" cy="338554"/>
+              </a:xfrm>
+              <a:prstGeom prst="rect">
+                <a:avLst/>
+              </a:prstGeom>
+              <a:blipFill>
+                <a:blip r:embed="rId9"/>
+                <a:stretch>
+                  <a:fillRect/>
+                </a:stretch>
+              </a:blipFill>
+            </p:spPr>
+            <p:txBody>
+              <a:bodyPr/>
+              <a:lstStyle/>
+              <a:p>
+                <a:r>
+                  <a:rPr lang="en-US">
+                    <a:noFill/>
+                  </a:rPr>
+                  <a:t> </a:t>
+                </a:r>
+              </a:p>
+            </p:txBody>
+          </p:sp>
+        </mc:Fallback>
+      </mc:AlternateContent>
+      <mc:AlternateContent xmlns:mc="http://schemas.openxmlformats.org/markup-compatibility/2006" xmlns:a14="http://schemas.microsoft.com/office/drawing/2010/main">
+        <mc:Choice Requires="a14">
+          <p:sp>
+            <p:nvSpPr>
+              <p:cNvPr id="66" name="TextBox 65">
+                <a:extLst>
+                  <a:ext uri="{FF2B5EF4-FFF2-40B4-BE49-F238E27FC236}">
+                    <a16:creationId xmlns:a16="http://schemas.microsoft.com/office/drawing/2014/main" id="{4A140EC7-A9A2-064F-8F27-403430A45357}"/>
+                  </a:ext>
+                </a:extLst>
+              </p:cNvPr>
+              <p:cNvSpPr txBox="1"/>
+              <p:nvPr/>
+            </p:nvSpPr>
+            <p:spPr>
+              <a:xfrm>
+                <a:off x="2134929" y="1839535"/>
+                <a:ext cx="6257867" cy="338554"/>
+              </a:xfrm>
+              <a:prstGeom prst="rect">
+                <a:avLst/>
+              </a:prstGeom>
+              <a:noFill/>
+            </p:spPr>
+            <p:txBody>
+              <a:bodyPr wrap="none" rtlCol="0">
+                <a:spAutoFit/>
+              </a:bodyPr>
+              <a:lstStyle/>
+              <a:p>
+                <a:r>
+                  <a:rPr lang="en-US" sz="1600" i="1" dirty="0">
+                    <a:latin typeface="Helvetica" pitchFamily="2" charset="0"/>
+                  </a:rPr>
+                  <a:t>Every thread will generate </a:t>
+                </a:r>
+                <a:r>
+                  <a:rPr lang="en-US" sz="1600" i="1" dirty="0">
+                    <a:solidFill>
+                      <a:srgbClr val="FF0000"/>
+                    </a:solidFill>
+                    <a:latin typeface="Helvetica" pitchFamily="2" charset="0"/>
+                  </a:rPr>
+                  <a:t>at least one event </a:t>
+                </a:r>
+                <a:r>
+                  <a:rPr lang="en-US" sz="1600" i="1" dirty="0">
+                    <a:latin typeface="Helvetica" pitchFamily="2" charset="0"/>
+                  </a:rPr>
+                  <a:t>within </a:t>
+                </a:r>
+                <a14:m>
+                  <m:oMath xmlns:m="http://schemas.openxmlformats.org/officeDocument/2006/math">
+                    <m:r>
+                      <a:rPr lang="en-US" sz="1600" i="1">
+                        <a:latin typeface="Cambria Math" panose="02040503050406030204" pitchFamily="18" charset="0"/>
+                      </a:rPr>
+                      <m:t>𝑝𝑟𝑜𝑔𝑟𝑒𝑠𝑠</m:t>
+                    </m:r>
+                  </m:oMath>
+                </a14:m>
+                <a:r>
+                  <a:rPr lang="en-US" sz="1600" i="1" dirty="0">
+                    <a:latin typeface="Helvetica" pitchFamily="2" charset="0"/>
+                  </a:rPr>
+                  <a:t> steps</a:t>
+                </a:r>
+              </a:p>
+            </p:txBody>
+          </p:sp>
+        </mc:Choice>
+        <mc:Fallback xmlns="">
+          <p:sp>
+            <p:nvSpPr>
+              <p:cNvPr id="66" name="TextBox 65">
+                <a:extLst>
+                  <a:ext uri="{FF2B5EF4-FFF2-40B4-BE49-F238E27FC236}">
+                    <a16:creationId xmlns:a16="http://schemas.microsoft.com/office/drawing/2014/main" id="{4A140EC7-A9A2-064F-8F27-403430A45357}"/>
+                  </a:ext>
+                </a:extLst>
+              </p:cNvPr>
+              <p:cNvSpPr txBox="1">
+                <a:spLocks noRot="1" noChangeAspect="1" noMove="1" noResize="1" noEditPoints="1" noAdjustHandles="1" noChangeArrowheads="1" noChangeShapeType="1" noTextEdit="1"/>
+              </p:cNvSpPr>
+              <p:nvPr/>
+            </p:nvSpPr>
+            <p:spPr>
+              <a:xfrm>
+                <a:off x="2134929" y="1839535"/>
+                <a:ext cx="6257867" cy="338554"/>
+              </a:xfrm>
+              <a:prstGeom prst="rect">
+                <a:avLst/>
+              </a:prstGeom>
+              <a:blipFill>
+                <a:blip r:embed="rId10"/>
+                <a:stretch>
+                  <a:fillRect l="-609" t="-3571" b="-17857"/>
+                </a:stretch>
+              </a:blipFill>
+            </p:spPr>
+            <p:txBody>
+              <a:bodyPr/>
+              <a:lstStyle/>
+              <a:p>
+                <a:r>
+                  <a:rPr lang="en-US">
+                    <a:noFill/>
+                  </a:rPr>
+                  <a:t> </a:t>
+                </a:r>
+              </a:p>
+            </p:txBody>
+          </p:sp>
+        </mc:Fallback>
+      </mc:AlternateContent>
+      <mc:AlternateContent xmlns:mc="http://schemas.openxmlformats.org/markup-compatibility/2006" xmlns:a14="http://schemas.microsoft.com/office/drawing/2010/main">
+        <mc:Choice Requires="a14">
+          <p:sp>
+            <p:nvSpPr>
+              <p:cNvPr id="67" name="Rectangle 66">
+                <a:extLst>
+                  <a:ext uri="{FF2B5EF4-FFF2-40B4-BE49-F238E27FC236}">
+                    <a16:creationId xmlns:a16="http://schemas.microsoft.com/office/drawing/2014/main" id="{77F0FB84-2614-9F45-95BF-61D48B2E61BB}"/>
+                  </a:ext>
+                </a:extLst>
+              </p:cNvPr>
+              <p:cNvSpPr/>
+              <p:nvPr/>
+            </p:nvSpPr>
+            <p:spPr>
+              <a:xfrm>
+                <a:off x="1015353" y="4726576"/>
+                <a:ext cx="7462492" cy="425437"/>
+              </a:xfrm>
+              <a:prstGeom prst="rect">
+                <a:avLst/>
+              </a:prstGeom>
+            </p:spPr>
+            <p:txBody>
+              <a:bodyPr wrap="none">
+                <a:spAutoFit/>
+              </a:bodyPr>
+              <a:lstStyle/>
+              <a:p>
+                <a14:m>
+                  <m:oMath xmlns:m="http://schemas.openxmlformats.org/officeDocument/2006/math">
+                    <m:sSub>
+                      <m:sSubPr>
+                        <m:ctrlPr>
+                          <a:rPr lang="en-US" i="1" smtClean="0">
+                            <a:latin typeface="Cambria Math" panose="02040503050406030204" pitchFamily="18" charset="0"/>
+                          </a:rPr>
+                        </m:ctrlPr>
+                      </m:sSubPr>
+                      <m:e>
+                        <m:r>
+                          <m:rPr>
+                            <m:sty m:val="p"/>
+                          </m:rPr>
+                          <a:rPr lang="en-US" b="0" i="0" smtClean="0">
+                            <a:latin typeface="Cambria Math" panose="02040503050406030204" pitchFamily="18" charset="0"/>
+                          </a:rPr>
+                          <m:t>s</m:t>
+                        </m:r>
+                        <m:r>
+                          <m:rPr>
+                            <m:sty m:val="p"/>
+                          </m:rPr>
+                          <a:rPr lang="en-US">
+                            <a:latin typeface="Cambria Math" panose="02040503050406030204" pitchFamily="18" charset="0"/>
+                          </a:rPr>
+                          <m:t>tate</m:t>
+                        </m:r>
+                      </m:e>
+                      <m:sub>
+                        <m:r>
+                          <m:rPr>
+                            <m:sty m:val="p"/>
+                          </m:rPr>
+                          <a:rPr lang="en-US">
+                            <a:latin typeface="Cambria Math" panose="02040503050406030204" pitchFamily="18" charset="0"/>
+                          </a:rPr>
+                          <m:t>E</m:t>
+                        </m:r>
+                        <m:r>
+                          <m:rPr>
+                            <m:sty m:val="p"/>
+                          </m:rPr>
+                          <a:rPr lang="en-US" b="0" i="0" smtClean="0">
+                            <a:latin typeface="Cambria Math" panose="02040503050406030204" pitchFamily="18" charset="0"/>
+                          </a:rPr>
+                          <m:t>A</m:t>
+                        </m:r>
+                        <m:r>
+                          <m:rPr>
+                            <m:sty m:val="p"/>
+                          </m:rPr>
+                          <a:rPr lang="en-US">
+                            <a:latin typeface="Cambria Math" panose="02040503050406030204" pitchFamily="18" charset="0"/>
+                          </a:rPr>
+                          <m:t>sm</m:t>
+                        </m:r>
+                        <m:r>
+                          <a:rPr lang="en-US">
+                            <a:latin typeface="Cambria Math" panose="02040503050406030204" pitchFamily="18" charset="0"/>
+                          </a:rPr>
+                          <m:t>[</m:t>
+                        </m:r>
+                        <m:sSub>
+                          <m:sSubPr>
+                            <m:ctrlPr>
+                              <a:rPr lang="en-US" i="1">
+                                <a:latin typeface="Cambria Math" panose="02040503050406030204" pitchFamily="18" charset="0"/>
+                              </a:rPr>
+                            </m:ctrlPr>
+                          </m:sSubPr>
+                          <m:e>
+                            <m:r>
+                              <m:rPr>
+                                <m:sty m:val="p"/>
+                              </m:rPr>
+                              <a:rPr lang="en-US">
+                                <a:latin typeface="Cambria Math" panose="02040503050406030204" pitchFamily="18" charset="0"/>
+                              </a:rPr>
+                              <m:t>T</m:t>
+                            </m:r>
+                          </m:e>
+                          <m:sub>
+                            <m:d>
+                              <m:dPr>
+                                <m:begChr m:val="["/>
+                                <m:endChr m:val="]"/>
+                                <m:ctrlPr>
+                                  <a:rPr lang="en-US" i="1">
+                                    <a:latin typeface="Cambria Math" panose="02040503050406030204" pitchFamily="18" charset="0"/>
+                                  </a:rPr>
+                                </m:ctrlPr>
+                              </m:dPr>
+                              <m:e>
+                                <m:r>
+                                  <a:rPr lang="en-US" b="0" i="0" smtClean="0">
+                                    <a:latin typeface="Cambria Math" panose="02040503050406030204" pitchFamily="18" charset="0"/>
+                                  </a:rPr>
+                                  <m:t>1</m:t>
+                                </m:r>
+                              </m:e>
+                            </m:d>
+                          </m:sub>
+                        </m:sSub>
+                        <m:r>
+                          <a:rPr lang="en-US">
+                            <a:latin typeface="Cambria Math" panose="02040503050406030204" pitchFamily="18" charset="0"/>
+                          </a:rPr>
+                          <m:t>]</m:t>
+                        </m:r>
+                      </m:sub>
+                    </m:sSub>
+                    <m:r>
+                      <a:rPr lang="en-US" i="1">
+                        <a:latin typeface="Cambria Math" panose="02040503050406030204" pitchFamily="18" charset="0"/>
+                      </a:rPr>
+                      <m:t>≔(</m:t>
+                    </m:r>
+                    <m:r>
+                      <a:rPr lang="en-US" b="0" i="1" smtClean="0">
+                        <a:latin typeface="Cambria Math" panose="02040503050406030204" pitchFamily="18" charset="0"/>
+                      </a:rPr>
+                      <m:t>𝑡𝑖𝑑</m:t>
+                    </m:r>
+                    <m:r>
+                      <a:rPr lang="en-US" b="0" i="1" smtClean="0">
+                        <a:latin typeface="Cambria Math" panose="02040503050406030204" pitchFamily="18" charset="0"/>
+                      </a:rPr>
+                      <m:t>, </m:t>
+                    </m:r>
+                    <m:r>
+                      <a:rPr lang="en-US" b="0" i="1" smtClean="0">
+                        <a:solidFill>
+                          <a:srgbClr val="FF0000"/>
+                        </a:solidFill>
+                        <a:latin typeface="Cambria Math" panose="02040503050406030204" pitchFamily="18" charset="0"/>
+                      </a:rPr>
+                      <m:t>𝑚𝑒𝑚</m:t>
+                    </m:r>
+                    <m:r>
+                      <a:rPr lang="en-US" b="0" i="1" smtClean="0">
+                        <a:latin typeface="Cambria Math" panose="02040503050406030204" pitchFamily="18" charset="0"/>
+                      </a:rPr>
+                      <m:t>, {</m:t>
+                    </m:r>
+                    <m:r>
+                      <a:rPr lang="en-US" b="0" i="1" smtClean="0">
+                        <a:latin typeface="Cambria Math" panose="02040503050406030204" pitchFamily="18" charset="0"/>
+                      </a:rPr>
+                      <m:t>𝑡𝑖</m:t>
+                    </m:r>
+                    <m:r>
+                      <a:rPr lang="en-US" i="1">
+                        <a:latin typeface="Cambria Math" panose="02040503050406030204" pitchFamily="18" charset="0"/>
+                      </a:rPr>
+                      <m:t>↦</m:t>
+                    </m:r>
+                    <m:r>
+                      <a:rPr lang="en-US" i="1">
+                        <a:latin typeface="Cambria Math" panose="02040503050406030204" pitchFamily="18" charset="0"/>
+                      </a:rPr>
+                      <m:t>𝑙𝑠</m:t>
+                    </m:r>
+                    <m:sSub>
+                      <m:sSubPr>
+                        <m:ctrlPr>
+                          <a:rPr lang="en-US" b="0" i="1" smtClean="0">
+                            <a:latin typeface="Cambria Math" panose="02040503050406030204" pitchFamily="18" charset="0"/>
+                          </a:rPr>
+                        </m:ctrlPr>
+                      </m:sSubPr>
+                      <m:e>
+                        <m:r>
+                          <a:rPr lang="en-US" i="1">
+                            <a:latin typeface="Cambria Math" panose="02040503050406030204" pitchFamily="18" charset="0"/>
+                          </a:rPr>
+                          <m:t>𝑡</m:t>
+                        </m:r>
+                      </m:e>
+                      <m:sub>
+                        <m:r>
+                          <a:rPr lang="en-US" b="0" i="1" smtClean="0">
+                            <a:latin typeface="Cambria Math" panose="02040503050406030204" pitchFamily="18" charset="0"/>
+                          </a:rPr>
+                          <m:t>𝑡𝑖</m:t>
+                        </m:r>
+                      </m:sub>
+                    </m:sSub>
+                    <m:r>
+                      <a:rPr lang="en-US" b="0" i="1" smtClean="0">
+                        <a:latin typeface="Cambria Math" panose="02040503050406030204" pitchFamily="18" charset="0"/>
+                        <a:ea typeface="Cambria Math" panose="02040503050406030204" pitchFamily="18" charset="0"/>
+                      </a:rPr>
+                      <m:t>}</m:t>
+                    </m:r>
+                    <m:r>
+                      <a:rPr lang="en-US" i="1">
+                        <a:latin typeface="Cambria Math" panose="02040503050406030204" pitchFamily="18" charset="0"/>
+                        <a:ea typeface="Cambria Math" panose="02040503050406030204" pitchFamily="18" charset="0"/>
+                      </a:rPr>
+                      <m:t>, </m:t>
+                    </m:r>
+                    <m:r>
+                      <a:rPr lang="en-US" i="1">
+                        <a:latin typeface="Cambria Math" panose="02040503050406030204" pitchFamily="18" charset="0"/>
+                        <a:ea typeface="Cambria Math" panose="02040503050406030204" pitchFamily="18" charset="0"/>
+                      </a:rPr>
+                      <m:t>𝑙𝑜𝑔</m:t>
+                    </m:r>
+                    <m:r>
+                      <a:rPr lang="en-US" i="1">
+                        <a:latin typeface="Cambria Math" panose="02040503050406030204" pitchFamily="18" charset="0"/>
+                        <a:ea typeface="Cambria Math" panose="02040503050406030204" pitchFamily="18" charset="0"/>
+                      </a:rPr>
+                      <m:t>)</m:t>
+                    </m:r>
+                  </m:oMath>
+                </a14:m>
+                <a:r>
+                  <a:rPr lang="en-US" dirty="0"/>
+                  <a:t> (when </a:t>
+                </a:r>
+                <a14:m>
+                  <m:oMath xmlns:m="http://schemas.openxmlformats.org/officeDocument/2006/math">
+                    <m:r>
+                      <a:rPr lang="en-US" i="1">
+                        <a:latin typeface="Cambria Math" panose="02040503050406030204" pitchFamily="18" charset="0"/>
+                      </a:rPr>
+                      <m:t>𝑙𝑠</m:t>
+                    </m:r>
+                    <m:sSub>
+                      <m:sSubPr>
+                        <m:ctrlPr>
+                          <a:rPr lang="en-US" b="0" i="1" smtClean="0">
+                            <a:latin typeface="Cambria Math" panose="02040503050406030204" pitchFamily="18" charset="0"/>
+                          </a:rPr>
+                        </m:ctrlPr>
+                      </m:sSubPr>
+                      <m:e>
+                        <m:r>
+                          <a:rPr lang="en-US" b="0" i="1" smtClean="0">
+                            <a:latin typeface="Cambria Math" panose="02040503050406030204" pitchFamily="18" charset="0"/>
+                          </a:rPr>
+                          <m:t>𝑡</m:t>
+                        </m:r>
+                      </m:e>
+                      <m:sub>
+                        <m:r>
+                          <a:rPr lang="en-US" b="0" i="1" smtClean="0">
+                            <a:latin typeface="Cambria Math" panose="02040503050406030204" pitchFamily="18" charset="0"/>
+                          </a:rPr>
+                          <m:t>𝑡𝑖</m:t>
+                        </m:r>
+                      </m:sub>
+                    </m:sSub>
+                    <m:r>
+                      <a:rPr lang="en-US" b="0" i="1" smtClean="0">
+                        <a:latin typeface="Cambria Math" panose="02040503050406030204" pitchFamily="18" charset="0"/>
+                      </a:rPr>
+                      <m:t>=(</m:t>
+                    </m:r>
+                    <m:sSub>
+                      <m:sSubPr>
+                        <m:ctrlPr>
+                          <a:rPr lang="en-US" b="0" i="1" smtClean="0">
+                            <a:latin typeface="Cambria Math" panose="02040503050406030204" pitchFamily="18" charset="0"/>
+                          </a:rPr>
+                        </m:ctrlPr>
+                      </m:sSubPr>
+                      <m:e>
+                        <m:r>
+                          <a:rPr lang="en-US" b="0" i="1" smtClean="0">
+                            <a:latin typeface="Cambria Math" panose="02040503050406030204" pitchFamily="18" charset="0"/>
+                          </a:rPr>
+                          <m:t>𝑇𝑆</m:t>
+                        </m:r>
+                      </m:e>
+                      <m:sub>
+                        <m:r>
+                          <a:rPr lang="en-US" b="0" i="1" smtClean="0">
+                            <a:latin typeface="Cambria Math" panose="02040503050406030204" pitchFamily="18" charset="0"/>
+                          </a:rPr>
+                          <m:t>𝑡𝑖</m:t>
+                        </m:r>
+                      </m:sub>
+                    </m:sSub>
+                    <m:r>
+                      <a:rPr lang="en-US" b="0" i="1" smtClean="0">
+                        <a:latin typeface="Cambria Math" panose="02040503050406030204" pitchFamily="18" charset="0"/>
+                      </a:rPr>
+                      <m:t>, </m:t>
+                    </m:r>
+                    <m:r>
+                      <a:rPr lang="en-US" b="0" i="1" smtClean="0">
+                        <a:latin typeface="Cambria Math" panose="02040503050406030204" pitchFamily="18" charset="0"/>
+                      </a:rPr>
+                      <m:t>𝑎𝑏</m:t>
+                    </m:r>
+                    <m:sSubSup>
+                      <m:sSubSupPr>
+                        <m:ctrlPr>
+                          <a:rPr lang="en-US" b="0" i="1" smtClean="0">
+                            <a:latin typeface="Cambria Math" panose="02040503050406030204" pitchFamily="18" charset="0"/>
+                          </a:rPr>
+                        </m:ctrlPr>
+                      </m:sSubSupPr>
+                      <m:e>
+                        <m:r>
+                          <a:rPr lang="en-US" b="0" i="1" smtClean="0">
+                            <a:latin typeface="Cambria Math" panose="02040503050406030204" pitchFamily="18" charset="0"/>
+                          </a:rPr>
+                          <m:t>𝑠</m:t>
+                        </m:r>
+                      </m:e>
+                      <m:sub>
+                        <m:r>
+                          <a:rPr lang="en-US" b="0" i="1" smtClean="0">
+                            <a:latin typeface="Cambria Math" panose="02040503050406030204" pitchFamily="18" charset="0"/>
+                          </a:rPr>
+                          <m:t>𝑡𝑖</m:t>
+                        </m:r>
+                      </m:sub>
+                      <m:sup>
+                        <m:r>
+                          <a:rPr lang="en-US" b="0" i="1" smtClean="0">
+                            <a:latin typeface="Cambria Math" panose="02040503050406030204" pitchFamily="18" charset="0"/>
+                          </a:rPr>
+                          <m:t>𝑇</m:t>
+                        </m:r>
+                      </m:sup>
+                    </m:sSubSup>
+                    <m:r>
+                      <a:rPr lang="en-US" b="0" i="1" smtClean="0">
+                        <a:latin typeface="Cambria Math" panose="02040503050406030204" pitchFamily="18" charset="0"/>
+                      </a:rPr>
+                      <m:t>)</m:t>
+                    </m:r>
+                  </m:oMath>
+                </a14:m>
+                <a:r>
+                  <a:rPr lang="en-US" dirty="0"/>
+                  <a:t>)</a:t>
+                </a:r>
+              </a:p>
+            </p:txBody>
+          </p:sp>
+        </mc:Choice>
+        <mc:Fallback xmlns="">
+          <p:sp>
+            <p:nvSpPr>
+              <p:cNvPr id="67" name="Rectangle 66">
+                <a:extLst>
+                  <a:ext uri="{FF2B5EF4-FFF2-40B4-BE49-F238E27FC236}">
+                    <a16:creationId xmlns:a16="http://schemas.microsoft.com/office/drawing/2014/main" id="{77F0FB84-2614-9F45-95BF-61D48B2E61BB}"/>
+                  </a:ext>
+                </a:extLst>
+              </p:cNvPr>
+              <p:cNvSpPr>
+                <a:spLocks noRot="1" noChangeAspect="1" noMove="1" noResize="1" noEditPoints="1" noAdjustHandles="1" noChangeArrowheads="1" noChangeShapeType="1" noTextEdit="1"/>
+              </p:cNvSpPr>
+              <p:nvPr/>
+            </p:nvSpPr>
+            <p:spPr>
+              <a:xfrm>
+                <a:off x="1015353" y="4726576"/>
+                <a:ext cx="7462492" cy="425437"/>
+              </a:xfrm>
+              <a:prstGeom prst="rect">
+                <a:avLst/>
+              </a:prstGeom>
+              <a:blipFill>
+                <a:blip r:embed="rId11"/>
+                <a:stretch>
+                  <a:fillRect t="-8824" b="-5882"/>
+                </a:stretch>
+              </a:blipFill>
+            </p:spPr>
+            <p:txBody>
+              <a:bodyPr/>
+              <a:lstStyle/>
+              <a:p>
+                <a:r>
+                  <a:rPr lang="en-US">
+                    <a:noFill/>
+                  </a:rPr>
+                  <a:t> </a:t>
+                </a:r>
+              </a:p>
+            </p:txBody>
+          </p:sp>
+        </mc:Fallback>
+      </mc:AlternateContent>
+      <p:cxnSp>
+        <p:nvCxnSpPr>
+          <p:cNvPr id="3" name="Straight Connector 2">
+            <a:extLst>
+              <a:ext uri="{FF2B5EF4-FFF2-40B4-BE49-F238E27FC236}">
+                <a16:creationId xmlns:a16="http://schemas.microsoft.com/office/drawing/2014/main" id="{70499A60-ACC8-D24F-8AC6-9335F19B3DB3}"/>
+              </a:ext>
+            </a:extLst>
+          </p:cNvPr>
+          <p:cNvCxnSpPr/>
+          <p:nvPr/>
+        </p:nvCxnSpPr>
+        <p:spPr bwMode="auto">
+          <a:xfrm>
+            <a:off x="0" y="2178089"/>
+            <a:ext cx="9144000" cy="0"/>
+          </a:xfrm>
+          <a:prstGeom prst="line">
+            <a:avLst/>
+          </a:prstGeom>
+          <a:solidFill>
+            <a:schemeClr val="accent1"/>
+          </a:solidFill>
+          <a:ln w="9525" cap="flat" cmpd="sng" algn="ctr">
+            <a:solidFill>
+              <a:schemeClr val="tx1"/>
+            </a:solidFill>
+            <a:prstDash val="solid"/>
+            <a:round/>
+            <a:headEnd type="none" w="med" len="med"/>
+            <a:tailEnd type="none" w="med" len="med"/>
+          </a:ln>
+          <a:effectLst/>
+          <a:extLst>
+            <a:ext uri="{AF507438-7753-43e0-B8FC-AC1667EBCBE1}">
+              <a14:hiddenEffects xmlns="" xmlns:a14="http://schemas.microsoft.com/office/drawing/2010/main">
+                <a:effectLst>
+                  <a:outerShdw blurRad="63500" dist="38099" dir="2700000" algn="ctr" rotWithShape="0">
+                    <a:schemeClr val="bg2">
+                      <a:alpha val="74998"/>
+                    </a:schemeClr>
+                  </a:outerShdw>
+                </a:effectLst>
+              </a14:hiddenEffects>
+            </a:ext>
+          </a:extLst>
+        </p:spPr>
+      </p:cxnSp>
+      <p:cxnSp>
+        <p:nvCxnSpPr>
+          <p:cNvPr id="68" name="Straight Connector 67">
+            <a:extLst>
+              <a:ext uri="{FF2B5EF4-FFF2-40B4-BE49-F238E27FC236}">
+                <a16:creationId xmlns:a16="http://schemas.microsoft.com/office/drawing/2014/main" id="{6863FE07-0EE2-A04D-83AA-A1F5CCAF8377}"/>
+              </a:ext>
+            </a:extLst>
+          </p:cNvPr>
+          <p:cNvCxnSpPr/>
+          <p:nvPr/>
+        </p:nvCxnSpPr>
+        <p:spPr bwMode="auto">
+          <a:xfrm>
+            <a:off x="0" y="3809198"/>
+            <a:ext cx="9144000" cy="0"/>
+          </a:xfrm>
+          <a:prstGeom prst="line">
+            <a:avLst/>
+          </a:prstGeom>
+          <a:solidFill>
+            <a:schemeClr val="accent1"/>
+          </a:solidFill>
+          <a:ln w="9525" cap="flat" cmpd="sng" algn="ctr">
+            <a:solidFill>
+              <a:schemeClr val="tx1"/>
+            </a:solidFill>
+            <a:prstDash val="solid"/>
+            <a:round/>
+            <a:headEnd type="none" w="med" len="med"/>
+            <a:tailEnd type="none" w="med" len="med"/>
+          </a:ln>
+          <a:effectLst/>
+          <a:extLst>
+            <a:ext uri="{AF507438-7753-43e0-B8FC-AC1667EBCBE1}">
+              <a14:hiddenEffects xmlns="" xmlns:a14="http://schemas.microsoft.com/office/drawing/2010/main">
+                <a:effectLst>
+                  <a:outerShdw blurRad="63500" dist="38099" dir="2700000" algn="ctr" rotWithShape="0">
+                    <a:schemeClr val="bg2">
+                      <a:alpha val="74998"/>
+                    </a:schemeClr>
+                  </a:outerShdw>
+                </a:effectLst>
+              </a14:hiddenEffects>
+            </a:ext>
+          </a:extLst>
+        </p:spPr>
+      </p:cxnSp>
+      <p:sp>
+        <p:nvSpPr>
+          <p:cNvPr id="69" name="TextBox 68">
+            <a:extLst>
+              <a:ext uri="{FF2B5EF4-FFF2-40B4-BE49-F238E27FC236}">
+                <a16:creationId xmlns:a16="http://schemas.microsoft.com/office/drawing/2014/main" id="{64F65208-D2AE-4341-B462-BE48FFFD444C}"/>
+              </a:ext>
+            </a:extLst>
+          </p:cNvPr>
+          <p:cNvSpPr txBox="1"/>
+          <p:nvPr/>
+        </p:nvSpPr>
+        <p:spPr>
+          <a:xfrm>
+            <a:off x="0" y="-19050"/>
+            <a:ext cx="466794" cy="369332"/>
+          </a:xfrm>
+          <a:prstGeom prst="rect">
+            <a:avLst/>
+          </a:prstGeom>
+          <a:noFill/>
+        </p:spPr>
+        <p:txBody>
+          <a:bodyPr wrap="none" rtlCol="0">
+            <a:spAutoFit/>
+          </a:bodyPr>
+          <a:lstStyle/>
+          <a:p>
+            <a:r>
+              <a:rPr lang="en-US" dirty="0"/>
+              <a:t>(3)</a:t>
+            </a:r>
+          </a:p>
+        </p:txBody>
+      </p:sp>
+      <p:sp>
+        <p:nvSpPr>
+          <p:cNvPr id="70" name="TextBox 69">
+            <a:extLst>
+              <a:ext uri="{FF2B5EF4-FFF2-40B4-BE49-F238E27FC236}">
+                <a16:creationId xmlns:a16="http://schemas.microsoft.com/office/drawing/2014/main" id="{552C873D-1134-B04C-B62F-0BA5DF3E35CA}"/>
+              </a:ext>
+            </a:extLst>
+          </p:cNvPr>
+          <p:cNvSpPr txBox="1"/>
+          <p:nvPr/>
+        </p:nvSpPr>
+        <p:spPr>
+          <a:xfrm>
+            <a:off x="-2138" y="2204930"/>
+            <a:ext cx="466794" cy="369332"/>
+          </a:xfrm>
+          <a:prstGeom prst="rect">
+            <a:avLst/>
+          </a:prstGeom>
+          <a:noFill/>
+        </p:spPr>
+        <p:txBody>
+          <a:bodyPr wrap="none" rtlCol="0">
+            <a:spAutoFit/>
+          </a:bodyPr>
+          <a:lstStyle/>
+          <a:p>
+            <a:r>
+              <a:rPr lang="en-US" dirty="0"/>
+              <a:t>(2)</a:t>
+            </a:r>
+          </a:p>
+        </p:txBody>
+      </p:sp>
+      <p:sp>
+        <p:nvSpPr>
+          <p:cNvPr id="72" name="TextBox 71">
+            <a:extLst>
+              <a:ext uri="{FF2B5EF4-FFF2-40B4-BE49-F238E27FC236}">
+                <a16:creationId xmlns:a16="http://schemas.microsoft.com/office/drawing/2014/main" id="{46FB2D13-9BED-784A-8442-B1EA77D537F9}"/>
+              </a:ext>
+            </a:extLst>
+          </p:cNvPr>
+          <p:cNvSpPr txBox="1"/>
+          <p:nvPr/>
+        </p:nvSpPr>
+        <p:spPr>
+          <a:xfrm>
+            <a:off x="0" y="3857681"/>
+            <a:ext cx="466794" cy="369332"/>
+          </a:xfrm>
+          <a:prstGeom prst="rect">
+            <a:avLst/>
+          </a:prstGeom>
+          <a:noFill/>
+        </p:spPr>
+        <p:txBody>
+          <a:bodyPr wrap="none" rtlCol="0">
+            <a:spAutoFit/>
+          </a:bodyPr>
+          <a:lstStyle/>
+          <a:p>
+            <a:r>
+              <a:rPr lang="en-US" dirty="0"/>
+              <a:t>(1)</a:t>
+            </a:r>
+          </a:p>
+        </p:txBody>
+      </p:sp>
     </p:spTree>
     <p:extLst>
       <p:ext uri="{BB962C8B-B14F-4D97-AF65-F5344CB8AC3E}">
@@ -26632,7 +29753,7 @@
         </p:nvSpPr>
         <p:spPr bwMode="auto">
           <a:xfrm>
-            <a:off x="3658997" y="617697"/>
+            <a:off x="3944173" y="617697"/>
             <a:ext cx="4896195" cy="1164597"/>
           </a:xfrm>
           <a:prstGeom prst="roundRect">
@@ -26718,7 +29839,7 @@
         </p:nvCxnSpPr>
         <p:spPr bwMode="auto">
           <a:xfrm>
-            <a:off x="2051278" y="3312160"/>
+            <a:off x="2336454" y="3312160"/>
             <a:ext cx="6553200" cy="0"/>
           </a:xfrm>
           <a:prstGeom prst="straightConnector1">
@@ -26766,7 +29887,7 @@
         </p:nvSpPr>
         <p:spPr>
           <a:xfrm>
-            <a:off x="1590051" y="3120629"/>
+            <a:off x="1875227" y="3120629"/>
             <a:ext cx="453970" cy="369332"/>
           </a:xfrm>
           <a:prstGeom prst="rect">
@@ -26805,7 +29926,7 @@
         </p:nvCxnSpPr>
         <p:spPr bwMode="auto">
           <a:xfrm>
-            <a:off x="2051278" y="3718900"/>
+            <a:off x="2336454" y="3718900"/>
             <a:ext cx="6553200" cy="0"/>
           </a:xfrm>
           <a:prstGeom prst="straightConnector1">
@@ -26853,7 +29974,7 @@
         </p:nvSpPr>
         <p:spPr>
           <a:xfrm>
-            <a:off x="1594078" y="3540760"/>
+            <a:off x="1879254" y="3540760"/>
             <a:ext cx="453970" cy="369332"/>
           </a:xfrm>
           <a:prstGeom prst="rect">
@@ -26890,7 +30011,7 @@
         </p:nvSpPr>
         <p:spPr bwMode="auto">
           <a:xfrm>
-            <a:off x="2643488" y="3211904"/>
+            <a:off x="2928664" y="3211904"/>
             <a:ext cx="984132" cy="217232"/>
           </a:xfrm>
           <a:prstGeom prst="rect">
@@ -26985,7 +30106,7 @@
         </p:nvSpPr>
         <p:spPr bwMode="auto">
           <a:xfrm>
-            <a:off x="3682054" y="3213314"/>
+            <a:off x="3967230" y="3213314"/>
             <a:ext cx="633453" cy="217232"/>
           </a:xfrm>
           <a:prstGeom prst="rect">
@@ -27082,7 +30203,7 @@
         </p:nvSpPr>
         <p:spPr bwMode="auto">
           <a:xfrm>
-            <a:off x="6470878" y="3607118"/>
+            <a:off x="6756054" y="3607118"/>
             <a:ext cx="569846" cy="217232"/>
           </a:xfrm>
           <a:prstGeom prst="rect">
@@ -27179,7 +30300,7 @@
         </p:nvSpPr>
         <p:spPr bwMode="auto">
           <a:xfrm>
-            <a:off x="5464518" y="3614375"/>
+            <a:off x="5749694" y="3614375"/>
             <a:ext cx="970075" cy="217232"/>
           </a:xfrm>
           <a:prstGeom prst="rect">
@@ -27276,7 +30397,7 @@
         </p:nvCxnSpPr>
         <p:spPr bwMode="auto">
           <a:xfrm>
-            <a:off x="4315507" y="3321930"/>
+            <a:off x="4600683" y="3321930"/>
             <a:ext cx="108934" cy="393804"/>
           </a:xfrm>
           <a:prstGeom prst="straightConnector1">
@@ -27326,7 +30447,7 @@
         </p:nvCxnSpPr>
         <p:spPr bwMode="auto">
           <a:xfrm flipV="1">
-            <a:off x="7653765" y="3311606"/>
+            <a:off x="7938941" y="3311606"/>
             <a:ext cx="181456" cy="829715"/>
           </a:xfrm>
           <a:prstGeom prst="straightConnector1">
@@ -27374,7 +30495,7 @@
         </p:nvSpPr>
         <p:spPr>
           <a:xfrm>
-            <a:off x="7198380" y="3845560"/>
+            <a:off x="7483556" y="3845560"/>
             <a:ext cx="415498" cy="369332"/>
           </a:xfrm>
           <a:prstGeom prst="rect">
@@ -27412,7 +30533,7 @@
         </p:nvCxnSpPr>
         <p:spPr bwMode="auto">
           <a:xfrm>
-            <a:off x="7047634" y="3730643"/>
+            <a:off x="7332810" y="3730643"/>
             <a:ext cx="108934" cy="393804"/>
           </a:xfrm>
           <a:prstGeom prst="straightConnector1">
@@ -27460,7 +30581,7 @@
         </p:nvSpPr>
         <p:spPr bwMode="auto">
           <a:xfrm>
-            <a:off x="7839113" y="3217610"/>
+            <a:off x="8124289" y="3217610"/>
             <a:ext cx="667258" cy="217232"/>
           </a:xfrm>
           <a:prstGeom prst="rect">
@@ -27561,7 +30682,7 @@
         </p:nvSpPr>
         <p:spPr bwMode="auto">
           <a:xfrm>
-            <a:off x="4642078" y="3613023"/>
+            <a:off x="4927254" y="3613023"/>
             <a:ext cx="667258" cy="217232"/>
           </a:xfrm>
           <a:prstGeom prst="rect">
@@ -27664,7 +30785,7 @@
         </p:nvCxnSpPr>
         <p:spPr bwMode="auto">
           <a:xfrm>
-            <a:off x="2057400" y="839498"/>
+            <a:off x="2342576" y="839498"/>
             <a:ext cx="6553200" cy="0"/>
           </a:xfrm>
           <a:prstGeom prst="straightConnector1">
@@ -27712,7 +30833,7 @@
         </p:nvSpPr>
         <p:spPr>
           <a:xfrm>
-            <a:off x="1596173" y="647967"/>
+            <a:off x="1881349" y="647967"/>
             <a:ext cx="453970" cy="369332"/>
           </a:xfrm>
           <a:prstGeom prst="rect">
@@ -27751,7 +30872,7 @@
         </p:nvCxnSpPr>
         <p:spPr bwMode="auto">
           <a:xfrm>
-            <a:off x="2057400" y="1246238"/>
+            <a:off x="2342576" y="1246238"/>
             <a:ext cx="6553200" cy="0"/>
           </a:xfrm>
           <a:prstGeom prst="straightConnector1">
@@ -27799,7 +30920,7 @@
         </p:nvSpPr>
         <p:spPr>
           <a:xfrm>
-            <a:off x="1600200" y="1068098"/>
+            <a:off x="1885376" y="1068098"/>
             <a:ext cx="453970" cy="369332"/>
           </a:xfrm>
           <a:prstGeom prst="rect">
@@ -27836,7 +30957,7 @@
         </p:nvSpPr>
         <p:spPr bwMode="auto">
           <a:xfrm>
-            <a:off x="2649610" y="739242"/>
+            <a:off x="2934786" y="739242"/>
             <a:ext cx="984132" cy="217232"/>
           </a:xfrm>
           <a:prstGeom prst="rect">
@@ -27931,7 +31052,7 @@
         </p:nvSpPr>
         <p:spPr bwMode="auto">
           <a:xfrm>
-            <a:off x="3688176" y="740652"/>
+            <a:off x="3973352" y="740652"/>
             <a:ext cx="633453" cy="217232"/>
           </a:xfrm>
           <a:prstGeom prst="rect">
@@ -28028,7 +31149,7 @@
         </p:nvSpPr>
         <p:spPr bwMode="auto">
           <a:xfrm>
-            <a:off x="6477000" y="1134456"/>
+            <a:off x="6762176" y="1134456"/>
             <a:ext cx="569846" cy="217232"/>
           </a:xfrm>
           <a:prstGeom prst="rect">
@@ -28125,7 +31246,7 @@
         </p:nvSpPr>
         <p:spPr bwMode="auto">
           <a:xfrm>
-            <a:off x="5470640" y="1141713"/>
+            <a:off x="5755816" y="1141713"/>
             <a:ext cx="970075" cy="217232"/>
           </a:xfrm>
           <a:prstGeom prst="rect">
@@ -28222,7 +31343,7 @@
         </p:nvCxnSpPr>
         <p:spPr bwMode="auto">
           <a:xfrm flipV="1">
-            <a:off x="7659887" y="838944"/>
+            <a:off x="7945063" y="838944"/>
             <a:ext cx="181456" cy="829715"/>
           </a:xfrm>
           <a:prstGeom prst="straightConnector1">
@@ -28270,7 +31391,7 @@
         </p:nvSpPr>
         <p:spPr>
           <a:xfrm>
-            <a:off x="7204502" y="1372898"/>
+            <a:off x="7489678" y="1372898"/>
             <a:ext cx="415498" cy="369332"/>
           </a:xfrm>
           <a:prstGeom prst="rect">
@@ -28308,7 +31429,7 @@
         </p:nvCxnSpPr>
         <p:spPr bwMode="auto">
           <a:xfrm>
-            <a:off x="7053756" y="1257981"/>
+            <a:off x="7338932" y="1257981"/>
             <a:ext cx="108934" cy="393804"/>
           </a:xfrm>
           <a:prstGeom prst="straightConnector1">
@@ -28356,7 +31477,7 @@
         </p:nvSpPr>
         <p:spPr bwMode="auto">
           <a:xfrm>
-            <a:off x="7845235" y="744948"/>
+            <a:off x="8130411" y="744948"/>
             <a:ext cx="667258" cy="217232"/>
           </a:xfrm>
           <a:prstGeom prst="rect">
@@ -28457,7 +31578,7 @@
         </p:nvSpPr>
         <p:spPr bwMode="auto">
           <a:xfrm>
-            <a:off x="4648200" y="1140361"/>
+            <a:off x="4933376" y="1140361"/>
             <a:ext cx="667258" cy="217232"/>
           </a:xfrm>
           <a:prstGeom prst="rect">
@@ -28560,7 +31681,7 @@
             </p:nvSpPr>
             <p:spPr>
               <a:xfrm>
-                <a:off x="1647904" y="2640744"/>
+                <a:off x="1933080" y="2640744"/>
                 <a:ext cx="6655605" cy="338554"/>
               </a:xfrm>
               <a:prstGeom prst="rect">
@@ -28644,7 +31765,7 @@
             </p:nvSpPr>
             <p:spPr>
               <a:xfrm>
-                <a:off x="1647904" y="2640744"/>
+                <a:off x="1933080" y="2640744"/>
                 <a:ext cx="6655605" cy="338554"/>
               </a:xfrm>
               <a:prstGeom prst="rect">
@@ -28688,7 +31809,7 @@
             </p:nvSpPr>
             <p:spPr>
               <a:xfrm>
-                <a:off x="5840979" y="4412185"/>
+                <a:off x="6126155" y="4412185"/>
                 <a:ext cx="967252" cy="338554"/>
               </a:xfrm>
               <a:prstGeom prst="rect">
@@ -28738,7 +31859,7 @@
             </p:nvSpPr>
             <p:spPr>
               <a:xfrm>
-                <a:off x="5840979" y="4412185"/>
+                <a:off x="6126155" y="4412185"/>
                 <a:ext cx="967252" cy="338554"/>
               </a:xfrm>
               <a:prstGeom prst="rect">
@@ -28747,7 +31868,7 @@
               <a:blipFill>
                 <a:blip r:embed="rId4"/>
                 <a:stretch>
-                  <a:fillRect r="-2597" b="-17857"/>
+                  <a:fillRect r="-1282" b="-17857"/>
                 </a:stretch>
               </a:blipFill>
             </p:spPr>
@@ -28782,7 +31903,7 @@
         </p:nvCxnSpPr>
         <p:spPr bwMode="auto">
           <a:xfrm>
-            <a:off x="4466645" y="4412185"/>
+            <a:off x="4751821" y="4412185"/>
             <a:ext cx="3378590" cy="0"/>
           </a:xfrm>
           <a:prstGeom prst="straightConnector1">
@@ -28832,7 +31953,7 @@
             </p:nvSpPr>
             <p:spPr>
               <a:xfrm>
-                <a:off x="5711400" y="2014502"/>
+                <a:off x="5996576" y="2014502"/>
                 <a:ext cx="744114" cy="338554"/>
               </a:xfrm>
               <a:prstGeom prst="rect">
@@ -28882,7 +32003,7 @@
             </p:nvSpPr>
             <p:spPr>
               <a:xfrm>
-                <a:off x="5711400" y="2014502"/>
+                <a:off x="5996576" y="2014502"/>
                 <a:ext cx="744114" cy="338554"/>
               </a:xfrm>
               <a:prstGeom prst="rect">
@@ -28891,7 +32012,7 @@
               <a:blipFill>
                 <a:blip r:embed="rId5"/>
                 <a:stretch>
-                  <a:fillRect t="-3704" r="-3390" b="-22222"/>
+                  <a:fillRect t="-3704" r="-1667" b="-22222"/>
                 </a:stretch>
               </a:blipFill>
             </p:spPr>
@@ -28926,7 +32047,7 @@
         </p:nvCxnSpPr>
         <p:spPr bwMode="auto">
           <a:xfrm>
-            <a:off x="3682054" y="2014502"/>
+            <a:off x="3967230" y="2014502"/>
             <a:ext cx="4824317" cy="0"/>
           </a:xfrm>
           <a:prstGeom prst="straightConnector1">
@@ -28976,7 +32097,7 @@
         </p:nvCxnSpPr>
         <p:spPr bwMode="auto">
           <a:xfrm>
-            <a:off x="4325401" y="851628"/>
+            <a:off x="4610577" y="851628"/>
             <a:ext cx="108934" cy="393804"/>
           </a:xfrm>
           <a:prstGeom prst="straightConnector1">
@@ -29024,7 +32145,7 @@
         </p:nvSpPr>
         <p:spPr bwMode="auto">
           <a:xfrm>
-            <a:off x="1447800" y="1047750"/>
+            <a:off x="1732976" y="1047750"/>
             <a:ext cx="7315200" cy="839600"/>
           </a:xfrm>
           <a:prstGeom prst="rect">
@@ -29112,7 +32233,7 @@
             </p:nvSpPr>
             <p:spPr>
               <a:xfrm>
-                <a:off x="4556406" y="2351572"/>
+                <a:off x="4841582" y="2351572"/>
                 <a:ext cx="1083053" cy="338554"/>
               </a:xfrm>
               <a:prstGeom prst="rect">
@@ -29178,7 +32299,7 @@
             </p:nvSpPr>
             <p:spPr>
               <a:xfrm>
-                <a:off x="4556406" y="2351572"/>
+                <a:off x="4841582" y="2351572"/>
                 <a:ext cx="1083053" cy="338554"/>
               </a:xfrm>
               <a:prstGeom prst="rect">
@@ -29220,7 +32341,7 @@
         </p:nvSpPr>
         <p:spPr bwMode="auto">
           <a:xfrm>
-            <a:off x="1441678" y="3520412"/>
+            <a:off x="1726854" y="3520412"/>
             <a:ext cx="7315200" cy="839600"/>
           </a:xfrm>
           <a:prstGeom prst="rect">
@@ -29308,8 +32429,8 @@
             </p:nvSpPr>
             <p:spPr>
               <a:xfrm>
-                <a:off x="337666" y="3447277"/>
-                <a:ext cx="801758" cy="523220"/>
+                <a:off x="492454" y="3447277"/>
+                <a:ext cx="1062535" cy="523220"/>
               </a:xfrm>
               <a:prstGeom prst="rect">
                 <a:avLst/>
@@ -29329,25 +32450,50 @@
                       <m:jc m:val="centerGroup"/>
                     </m:oMathParaPr>
                     <m:oMath xmlns:m="http://schemas.openxmlformats.org/officeDocument/2006/math">
-                      <m:r>
-                        <m:rPr>
-                          <m:sty m:val="p"/>
-                        </m:rPr>
-                        <a:rPr lang="en-US" sz="1400" b="0" i="0" smtClean="0">
-                          <a:latin typeface="Cambria Math" panose="02040503050406030204" pitchFamily="18" charset="0"/>
-                          <a:ea typeface="Cambria Math" panose="02040503050406030204" pitchFamily="18" charset="0"/>
-                        </a:rPr>
-                        <m:t>IEAsm</m:t>
-                      </m:r>
+                      <m:sSub>
+                        <m:sSubPr>
+                          <m:ctrlPr>
+                            <a:rPr lang="en-US" sz="1400" b="0" i="1" smtClean="0">
+                              <a:latin typeface="Cambria Math" panose="02040503050406030204" pitchFamily="18" charset="0"/>
+                              <a:ea typeface="Cambria Math" panose="02040503050406030204" pitchFamily="18" charset="0"/>
+                            </a:rPr>
+                          </m:ctrlPr>
+                        </m:sSubPr>
+                        <m:e>
+                          <m:r>
+                            <m:rPr>
+                              <m:sty m:val="p"/>
+                            </m:rPr>
+                            <a:rPr lang="en-US" sz="1400" b="0" i="0" smtClean="0">
+                              <a:latin typeface="Cambria Math" panose="02040503050406030204" pitchFamily="18" charset="0"/>
+                              <a:ea typeface="Cambria Math" panose="02040503050406030204" pitchFamily="18" charset="0"/>
+                            </a:rPr>
+                            <m:t>Mach</m:t>
+                          </m:r>
+                        </m:e>
+                        <m:sub>
+                          <m:r>
+                            <m:rPr>
+                              <m:sty m:val="p"/>
+                            </m:rPr>
+                            <a:rPr lang="en-US" sz="1400" b="0" i="0" smtClean="0">
+                              <a:latin typeface="Cambria Math" panose="02040503050406030204" pitchFamily="18" charset="0"/>
+                              <a:ea typeface="Cambria Math" panose="02040503050406030204" pitchFamily="18" charset="0"/>
+                            </a:rPr>
+                            <m:t>IEAsm</m:t>
+                          </m:r>
+                        </m:sub>
+                      </m:sSub>
                     </m:oMath>
                   </m:oMathPara>
                 </a14:m>
-                <a:br>
-                  <a:rPr lang="en-US" sz="1400" dirty="0">
-                    <a:latin typeface="Helvetica" pitchFamily="2" charset="0"/>
-                    <a:ea typeface="Cambria Math" panose="02040503050406030204" pitchFamily="18" charset="0"/>
-                  </a:rPr>
-                </a:br>
+                <a:endParaRPr lang="en-US" sz="1400" b="0" dirty="0">
+                  <a:latin typeface="Helvetica" pitchFamily="2" charset="0"/>
+                  <a:ea typeface="Cambria Math" panose="02040503050406030204" pitchFamily="18" charset="0"/>
+                </a:endParaRPr>
+              </a:p>
+              <a:p>
+                <a:pPr algn="ctr"/>
                 <a:r>
                   <a:rPr lang="en-US" sz="1400" dirty="0">
                     <a:latin typeface="Helvetica" pitchFamily="2" charset="0"/>
@@ -29380,8 +32526,8 @@
             </p:nvSpPr>
             <p:spPr>
               <a:xfrm>
-                <a:off x="337666" y="3447277"/>
-                <a:ext cx="801758" cy="523220"/>
+                <a:off x="492454" y="3447277"/>
+                <a:ext cx="1062535" cy="523220"/>
               </a:xfrm>
               <a:prstGeom prst="rect">
                 <a:avLst/>
@@ -29424,8 +32570,8 @@
             </p:nvSpPr>
             <p:spPr>
               <a:xfrm>
-                <a:off x="339505" y="855993"/>
-                <a:ext cx="808298" cy="523220"/>
+                <a:off x="457200" y="855993"/>
+                <a:ext cx="1143262" cy="523220"/>
               </a:xfrm>
               <a:prstGeom prst="rect">
                 <a:avLst/>
@@ -29445,16 +32591,40 @@
                       <m:jc m:val="centerGroup"/>
                     </m:oMathParaPr>
                     <m:oMath xmlns:m="http://schemas.openxmlformats.org/officeDocument/2006/math">
-                      <m:r>
-                        <m:rPr>
-                          <m:sty m:val="p"/>
-                        </m:rPr>
-                        <a:rPr lang="en-US" sz="1400" b="0" i="0" smtClean="0">
-                          <a:latin typeface="Cambria Math" panose="02040503050406030204" pitchFamily="18" charset="0"/>
-                          <a:ea typeface="Cambria Math" panose="02040503050406030204" pitchFamily="18" charset="0"/>
-                        </a:rPr>
-                        <m:t>TAsm</m:t>
-                      </m:r>
+                      <m:sSub>
+                        <m:sSubPr>
+                          <m:ctrlPr>
+                            <a:rPr lang="en-US" sz="1400" b="0" i="1" smtClean="0">
+                              <a:latin typeface="Cambria Math" panose="02040503050406030204" pitchFamily="18" charset="0"/>
+                              <a:ea typeface="Cambria Math" panose="02040503050406030204" pitchFamily="18" charset="0"/>
+                            </a:rPr>
+                          </m:ctrlPr>
+                        </m:sSubPr>
+                        <m:e>
+                          <m:r>
+                            <m:rPr>
+                              <m:sty m:val="p"/>
+                            </m:rPr>
+                            <a:rPr lang="en-US" sz="1400" b="0" i="0" smtClean="0">
+                              <a:latin typeface="Cambria Math" panose="02040503050406030204" pitchFamily="18" charset="0"/>
+                              <a:ea typeface="Cambria Math" panose="02040503050406030204" pitchFamily="18" charset="0"/>
+                            </a:rPr>
+                            <m:t>Mach</m:t>
+                          </m:r>
+                        </m:e>
+                        <m:sub>
+                          <m:r>
+                            <m:rPr>
+                              <m:sty m:val="p"/>
+                            </m:rPr>
+                            <a:rPr lang="en-US" sz="1400" b="0" i="0" smtClean="0">
+                              <a:latin typeface="Cambria Math" panose="02040503050406030204" pitchFamily="18" charset="0"/>
+                              <a:ea typeface="Cambria Math" panose="02040503050406030204" pitchFamily="18" charset="0"/>
+                            </a:rPr>
+                            <m:t>TAsm</m:t>
+                          </m:r>
+                        </m:sub>
+                      </m:sSub>
                     </m:oMath>
                   </m:oMathPara>
                 </a14:m>
@@ -29496,8 +32666,8 @@
             </p:nvSpPr>
             <p:spPr>
               <a:xfrm>
-                <a:off x="339505" y="855993"/>
-                <a:ext cx="808298" cy="523220"/>
+                <a:off x="457200" y="855993"/>
+                <a:ext cx="1143262" cy="523220"/>
               </a:xfrm>
               <a:prstGeom prst="rect">
                 <a:avLst/>
@@ -29505,7 +32675,7 @@
               <a:blipFill>
                 <a:blip r:embed="rId8"/>
                 <a:stretch>
-                  <a:fillRect l="-1563" r="-1563" b="-9302"/>
+                  <a:fillRect b="-9302"/>
                 </a:stretch>
               </a:blipFill>
             </p:spPr>
@@ -29540,7 +32710,7 @@
             </p:nvSpPr>
             <p:spPr>
               <a:xfrm>
-                <a:off x="2270547" y="1199995"/>
+                <a:off x="2231428" y="1264433"/>
                 <a:ext cx="1264833" cy="489301"/>
               </a:xfrm>
               <a:prstGeom prst="rect">
@@ -29634,7 +32804,7 @@
             </p:nvSpPr>
             <p:spPr>
               <a:xfrm>
-                <a:off x="2270547" y="1199995"/>
+                <a:off x="2231428" y="1264433"/>
                 <a:ext cx="1264833" cy="489301"/>
               </a:xfrm>
               <a:prstGeom prst="rect">
@@ -29643,7 +32813,7 @@
               <a:blipFill>
                 <a:blip r:embed="rId9"/>
                 <a:stretch>
-                  <a:fillRect b="-2500"/>
+                  <a:fillRect b="-2564"/>
                 </a:stretch>
               </a:blipFill>
             </p:spPr>
@@ -29678,7 +32848,7 @@
             </p:nvSpPr>
             <p:spPr>
               <a:xfrm>
-                <a:off x="2049084" y="3660420"/>
+                <a:off x="2334260" y="3660420"/>
                 <a:ext cx="1264833" cy="489301"/>
               </a:xfrm>
               <a:prstGeom prst="rect">
@@ -29772,7 +32942,7 @@
             </p:nvSpPr>
             <p:spPr>
               <a:xfrm>
-                <a:off x="2049084" y="3660420"/>
+                <a:off x="2334260" y="3660420"/>
                 <a:ext cx="1264833" cy="489301"/>
               </a:xfrm>
               <a:prstGeom prst="rect">
@@ -29800,10 +32970,2218 @@
           </p:sp>
         </mc:Fallback>
       </mc:AlternateContent>
+      <mc:AlternateContent xmlns:mc="http://schemas.openxmlformats.org/markup-compatibility/2006" xmlns:a14="http://schemas.microsoft.com/office/drawing/2010/main">
+        <mc:Choice Requires="a14">
+          <p:sp>
+            <p:nvSpPr>
+              <p:cNvPr id="45" name="Rectangle 44">
+                <a:extLst>
+                  <a:ext uri="{FF2B5EF4-FFF2-40B4-BE49-F238E27FC236}">
+                    <a16:creationId xmlns:a16="http://schemas.microsoft.com/office/drawing/2014/main" id="{71AB6C28-55C2-B14B-BC21-4BFDA25F6ABA}"/>
+                  </a:ext>
+                </a:extLst>
+              </p:cNvPr>
+              <p:cNvSpPr/>
+              <p:nvPr/>
+            </p:nvSpPr>
+            <p:spPr>
+              <a:xfrm>
+                <a:off x="1422195" y="130514"/>
+                <a:ext cx="3422732" cy="369332"/>
+              </a:xfrm>
+              <a:prstGeom prst="rect">
+                <a:avLst/>
+              </a:prstGeom>
+            </p:spPr>
+            <p:txBody>
+              <a:bodyPr wrap="none">
+                <a:spAutoFit/>
+              </a:bodyPr>
+              <a:lstStyle/>
+              <a:p>
+                <a:pPr/>
+                <a14:m>
+                  <m:oMathPara xmlns:m="http://schemas.openxmlformats.org/officeDocument/2006/math">
+                    <m:oMathParaPr>
+                      <m:jc m:val="centerGroup"/>
+                    </m:oMathParaPr>
+                    <m:oMath xmlns:m="http://schemas.openxmlformats.org/officeDocument/2006/math">
+                      <m:sSub>
+                        <m:sSubPr>
+                          <m:ctrlPr>
+                            <a:rPr lang="en-US" b="0" i="1" smtClean="0">
+                              <a:latin typeface="Cambria Math" panose="02040503050406030204" pitchFamily="18" charset="0"/>
+                            </a:rPr>
+                          </m:ctrlPr>
+                        </m:sSubPr>
+                        <m:e>
+                          <m:r>
+                            <m:rPr>
+                              <m:sty m:val="p"/>
+                            </m:rPr>
+                            <a:rPr lang="en-US" b="0" i="0" smtClean="0">
+                              <a:latin typeface="Cambria Math" panose="02040503050406030204" pitchFamily="18" charset="0"/>
+                            </a:rPr>
+                            <m:t>state</m:t>
+                          </m:r>
+                        </m:e>
+                        <m:sub>
+                          <m:r>
+                            <m:rPr>
+                              <m:sty m:val="p"/>
+                            </m:rPr>
+                            <a:rPr lang="en-US" b="0" i="0" smtClean="0">
+                              <a:latin typeface="Cambria Math" panose="02040503050406030204" pitchFamily="18" charset="0"/>
+                            </a:rPr>
+                            <m:t>TAsm</m:t>
+                          </m:r>
+                        </m:sub>
+                      </m:sSub>
+                      <m:r>
+                        <a:rPr lang="en-US" i="1">
+                          <a:latin typeface="Cambria Math" panose="02040503050406030204" pitchFamily="18" charset="0"/>
+                        </a:rPr>
+                        <m:t>≔(</m:t>
+                      </m:r>
+                      <m:r>
+                        <a:rPr lang="en-US" b="0" i="1" smtClean="0">
+                          <a:latin typeface="Cambria Math" panose="02040503050406030204" pitchFamily="18" charset="0"/>
+                        </a:rPr>
+                        <m:t>𝑡𝑖𝑑</m:t>
+                      </m:r>
+                      <m:r>
+                        <a:rPr lang="en-US" b="0" i="1" smtClean="0">
+                          <a:latin typeface="Cambria Math" panose="02040503050406030204" pitchFamily="18" charset="0"/>
+                        </a:rPr>
+                        <m:t>, </m:t>
+                      </m:r>
+                      <m:r>
+                        <a:rPr lang="en-US" b="0" i="1" smtClean="0">
+                          <a:latin typeface="Cambria Math" panose="02040503050406030204" pitchFamily="18" charset="0"/>
+                        </a:rPr>
+                        <m:t>𝑚𝑒𝑚</m:t>
+                      </m:r>
+                      <m:r>
+                        <a:rPr lang="en-US" b="0" i="1" smtClean="0">
+                          <a:latin typeface="Cambria Math" panose="02040503050406030204" pitchFamily="18" charset="0"/>
+                        </a:rPr>
+                        <m:t>, </m:t>
+                      </m:r>
+                      <m:r>
+                        <a:rPr lang="en-US" b="0" i="1" smtClean="0">
+                          <a:latin typeface="Cambria Math" panose="02040503050406030204" pitchFamily="18" charset="0"/>
+                        </a:rPr>
+                        <m:t>𝑙𝑠𝑡</m:t>
+                      </m:r>
+                      <m:r>
+                        <a:rPr lang="en-US" b="0" i="1" smtClean="0">
+                          <a:latin typeface="Cambria Math" panose="02040503050406030204" pitchFamily="18" charset="0"/>
+                        </a:rPr>
+                        <m:t>,</m:t>
+                      </m:r>
+                      <m:r>
+                        <a:rPr lang="en-US" i="1">
+                          <a:latin typeface="Cambria Math" panose="02040503050406030204" pitchFamily="18" charset="0"/>
+                          <a:ea typeface="Cambria Math" panose="02040503050406030204" pitchFamily="18" charset="0"/>
+                        </a:rPr>
+                        <m:t>𝑙𝑜𝑔</m:t>
+                      </m:r>
+                      <m:r>
+                        <a:rPr lang="en-US" i="1">
+                          <a:latin typeface="Cambria Math" panose="02040503050406030204" pitchFamily="18" charset="0"/>
+                          <a:ea typeface="Cambria Math" panose="02040503050406030204" pitchFamily="18" charset="0"/>
+                        </a:rPr>
+                        <m:t>)</m:t>
+                      </m:r>
+                    </m:oMath>
+                  </m:oMathPara>
+                </a14:m>
+                <a:endParaRPr lang="en-US" dirty="0"/>
+              </a:p>
+            </p:txBody>
+          </p:sp>
+        </mc:Choice>
+        <mc:Fallback xmlns="">
+          <p:sp>
+            <p:nvSpPr>
+              <p:cNvPr id="45" name="Rectangle 44">
+                <a:extLst>
+                  <a:ext uri="{FF2B5EF4-FFF2-40B4-BE49-F238E27FC236}">
+                    <a16:creationId xmlns:a16="http://schemas.microsoft.com/office/drawing/2014/main" id="{71AB6C28-55C2-B14B-BC21-4BFDA25F6ABA}"/>
+                  </a:ext>
+                </a:extLst>
+              </p:cNvPr>
+              <p:cNvSpPr>
+                <a:spLocks noRot="1" noChangeAspect="1" noMove="1" noResize="1" noEditPoints="1" noAdjustHandles="1" noChangeArrowheads="1" noChangeShapeType="1" noTextEdit="1"/>
+              </p:cNvSpPr>
+              <p:nvPr/>
+            </p:nvSpPr>
+            <p:spPr>
+              <a:xfrm>
+                <a:off x="1422195" y="130514"/>
+                <a:ext cx="3422732" cy="369332"/>
+              </a:xfrm>
+              <a:prstGeom prst="rect">
+                <a:avLst/>
+              </a:prstGeom>
+              <a:blipFill>
+                <a:blip r:embed="rId11"/>
+                <a:stretch>
+                  <a:fillRect b="-16667"/>
+                </a:stretch>
+              </a:blipFill>
+            </p:spPr>
+            <p:txBody>
+              <a:bodyPr/>
+              <a:lstStyle/>
+              <a:p>
+                <a:r>
+                  <a:rPr lang="en-US">
+                    <a:noFill/>
+                  </a:rPr>
+                  <a:t> </a:t>
+                </a:r>
+              </a:p>
+            </p:txBody>
+          </p:sp>
+        </mc:Fallback>
+      </mc:AlternateContent>
+      <p:cxnSp>
+        <p:nvCxnSpPr>
+          <p:cNvPr id="46" name="Straight Connector 45">
+            <a:extLst>
+              <a:ext uri="{FF2B5EF4-FFF2-40B4-BE49-F238E27FC236}">
+                <a16:creationId xmlns:a16="http://schemas.microsoft.com/office/drawing/2014/main" id="{F6282A1D-64E4-F84B-86ED-E862A2019F22}"/>
+              </a:ext>
+            </a:extLst>
+          </p:cNvPr>
+          <p:cNvCxnSpPr/>
+          <p:nvPr/>
+        </p:nvCxnSpPr>
+        <p:spPr bwMode="auto">
+          <a:xfrm>
+            <a:off x="0" y="3028950"/>
+            <a:ext cx="9144000" cy="0"/>
+          </a:xfrm>
+          <a:prstGeom prst="line">
+            <a:avLst/>
+          </a:prstGeom>
+          <a:solidFill>
+            <a:schemeClr val="accent1"/>
+          </a:solidFill>
+          <a:ln w="9525" cap="flat" cmpd="sng" algn="ctr">
+            <a:solidFill>
+              <a:schemeClr val="tx1"/>
+            </a:solidFill>
+            <a:prstDash val="solid"/>
+            <a:round/>
+            <a:headEnd type="none" w="med" len="med"/>
+            <a:tailEnd type="none" w="med" len="med"/>
+          </a:ln>
+          <a:effectLst/>
+          <a:extLst>
+            <a:ext uri="{AF507438-7753-43e0-B8FC-AC1667EBCBE1}">
+              <a14:hiddenEffects xmlns="" xmlns:a14="http://schemas.microsoft.com/office/drawing/2010/main">
+                <a:effectLst>
+                  <a:outerShdw blurRad="63500" dist="38099" dir="2700000" algn="ctr" rotWithShape="0">
+                    <a:schemeClr val="bg2">
+                      <a:alpha val="74998"/>
+                    </a:schemeClr>
+                  </a:outerShdw>
+                </a:effectLst>
+              </a14:hiddenEffects>
+            </a:ext>
+          </a:extLst>
+        </p:spPr>
+      </p:cxnSp>
+      <p:sp>
+        <p:nvSpPr>
+          <p:cNvPr id="47" name="TextBox 46">
+            <a:extLst>
+              <a:ext uri="{FF2B5EF4-FFF2-40B4-BE49-F238E27FC236}">
+                <a16:creationId xmlns:a16="http://schemas.microsoft.com/office/drawing/2014/main" id="{0A0CB7D2-AB48-A94D-80B7-D9E9EAB95F16}"/>
+              </a:ext>
+            </a:extLst>
+          </p:cNvPr>
+          <p:cNvSpPr txBox="1"/>
+          <p:nvPr/>
+        </p:nvSpPr>
+        <p:spPr>
+          <a:xfrm>
+            <a:off x="0" y="-19050"/>
+            <a:ext cx="466794" cy="369332"/>
+          </a:xfrm>
+          <a:prstGeom prst="rect">
+            <a:avLst/>
+          </a:prstGeom>
+          <a:noFill/>
+        </p:spPr>
+        <p:txBody>
+          <a:bodyPr wrap="none" rtlCol="0">
+            <a:spAutoFit/>
+          </a:bodyPr>
+          <a:lstStyle/>
+          <a:p>
+            <a:r>
+              <a:rPr lang="en-US" dirty="0"/>
+              <a:t>(2)</a:t>
+            </a:r>
+          </a:p>
+        </p:txBody>
+      </p:sp>
+      <p:sp>
+        <p:nvSpPr>
+          <p:cNvPr id="48" name="TextBox 47">
+            <a:extLst>
+              <a:ext uri="{FF2B5EF4-FFF2-40B4-BE49-F238E27FC236}">
+                <a16:creationId xmlns:a16="http://schemas.microsoft.com/office/drawing/2014/main" id="{1406E1B2-4108-D347-8AB7-1DFB08FE4FB3}"/>
+              </a:ext>
+            </a:extLst>
+          </p:cNvPr>
+          <p:cNvSpPr txBox="1"/>
+          <p:nvPr/>
+        </p:nvSpPr>
+        <p:spPr>
+          <a:xfrm>
+            <a:off x="0" y="3077945"/>
+            <a:ext cx="466794" cy="369332"/>
+          </a:xfrm>
+          <a:prstGeom prst="rect">
+            <a:avLst/>
+          </a:prstGeom>
+          <a:noFill/>
+        </p:spPr>
+        <p:txBody>
+          <a:bodyPr wrap="none" rtlCol="0">
+            <a:spAutoFit/>
+          </a:bodyPr>
+          <a:lstStyle/>
+          <a:p>
+            <a:r>
+              <a:rPr lang="en-US" dirty="0"/>
+              <a:t>(1)</a:t>
+            </a:r>
+          </a:p>
+        </p:txBody>
+      </p:sp>
     </p:spTree>
     <p:extLst>
       <p:ext uri="{BB962C8B-B14F-4D97-AF65-F5344CB8AC3E}">
         <p14:creationId xmlns:p14="http://schemas.microsoft.com/office/powerpoint/2010/main" val="25193016"/>
+      </p:ext>
+    </p:extLst>
+  </p:cSld>
+  <p:clrMapOvr>
+    <a:masterClrMapping/>
+  </p:clrMapOvr>
+</p:sld>
+</file>
+
+<file path=ppt/slides/slide9.xml><?xml version="1.0" encoding="utf-8"?>
+<p:sld xmlns:a="http://schemas.openxmlformats.org/drawingml/2006/main" xmlns:r="http://schemas.openxmlformats.org/officeDocument/2006/relationships" xmlns:p="http://schemas.openxmlformats.org/presentationml/2006/main">
+  <p:cSld>
+    <p:spTree>
+      <p:nvGrpSpPr>
+        <p:cNvPr id="1" name=""/>
+        <p:cNvGrpSpPr/>
+        <p:nvPr/>
+      </p:nvGrpSpPr>
+      <p:grpSpPr>
+        <a:xfrm>
+          <a:off x="0" y="0"/>
+          <a:ext cx="0" cy="0"/>
+          <a:chOff x="0" y="0"/>
+          <a:chExt cx="0" cy="0"/>
+        </a:xfrm>
+      </p:grpSpPr>
+      <p:sp>
+        <p:nvSpPr>
+          <p:cNvPr id="117" name="Rounded Rectangle 116">
+            <a:extLst>
+              <a:ext uri="{FF2B5EF4-FFF2-40B4-BE49-F238E27FC236}">
+                <a16:creationId xmlns:a16="http://schemas.microsoft.com/office/drawing/2014/main" id="{CC6D0877-6067-564C-B1DC-DBE373B34B13}"/>
+              </a:ext>
+            </a:extLst>
+          </p:cNvPr>
+          <p:cNvSpPr/>
+          <p:nvPr/>
+        </p:nvSpPr>
+        <p:spPr bwMode="auto">
+          <a:xfrm>
+            <a:off x="3657600" y="1352550"/>
+            <a:ext cx="4896195" cy="1164597"/>
+          </a:xfrm>
+          <a:prstGeom prst="roundRect">
+            <a:avLst/>
+          </a:prstGeom>
+          <a:solidFill>
+            <a:srgbClr val="FF0000"/>
+          </a:solidFill>
+          <a:ln w="9525" cap="flat" cmpd="sng" algn="ctr">
+            <a:noFill/>
+            <a:prstDash val="solid"/>
+            <a:round/>
+            <a:headEnd type="none" w="med" len="med"/>
+            <a:tailEnd type="none" w="med" len="med"/>
+          </a:ln>
+          <a:effectLst/>
+          <a:extLst>
+            <a:ext uri="{AF507438-7753-43e0-B8FC-AC1667EBCBE1}">
+              <a14:hiddenEffects xmlns="" xmlns:a14="http://schemas.microsoft.com/office/drawing/2010/main">
+                <a:effectLst>
+                  <a:outerShdw blurRad="63500" dist="38099" dir="2700000" algn="ctr" rotWithShape="0">
+                    <a:schemeClr val="bg2">
+                      <a:alpha val="74998"/>
+                    </a:schemeClr>
+                  </a:outerShdw>
+                </a:effectLst>
+              </a14:hiddenEffects>
+            </a:ext>
+          </a:extLst>
+        </p:spPr>
+        <p:txBody>
+          <a:bodyPr vert="horz" wrap="square" lIns="91440" tIns="45720" rIns="91440" bIns="45720" numCol="1" rtlCol="0" anchor="t" anchorCtr="0" compatLnSpc="1">
+            <a:prstTxWarp prst="textNoShape">
+              <a:avLst/>
+            </a:prstTxWarp>
+          </a:bodyPr>
+          <a:lstStyle/>
+          <a:p>
+            <a:pPr marL="0" marR="0" indent="0" algn="l" defTabSz="914400" rtl="0" eaLnBrk="1" fontAlgn="base" latinLnBrk="0" hangingPunct="1">
+              <a:lnSpc>
+                <a:spcPct val="100000"/>
+              </a:lnSpc>
+              <a:spcBef>
+                <a:spcPct val="0"/>
+              </a:spcBef>
+              <a:spcAft>
+                <a:spcPct val="0"/>
+              </a:spcAft>
+              <a:buClrTx/>
+              <a:buSzTx/>
+              <a:buFontTx/>
+              <a:buNone/>
+              <a:tabLst/>
+            </a:pPr>
+            <a:endParaRPr kumimoji="0" lang="en-US" sz="1600" b="0" i="0" u="none" strike="noStrike" cap="none" normalizeH="0" baseline="0">
+              <a:ln>
+                <a:noFill/>
+              </a:ln>
+              <a:solidFill>
+                <a:schemeClr val="tx1"/>
+              </a:solidFill>
+              <a:effectLst/>
+              <a:latin typeface="Helvetica" pitchFamily="2" charset="0"/>
+              <a:ea typeface="ＭＳ Ｐゴシック" charset="0"/>
+              <a:cs typeface="Arial" charset="0"/>
+            </a:endParaRPr>
+          </a:p>
+        </p:txBody>
+      </p:sp>
+      <p:cxnSp>
+        <p:nvCxnSpPr>
+          <p:cNvPr id="138" name="Straight Arrow Connector 137">
+            <a:extLst>
+              <a:ext uri="{FF2B5EF4-FFF2-40B4-BE49-F238E27FC236}">
+                <a16:creationId xmlns:a16="http://schemas.microsoft.com/office/drawing/2014/main" id="{35CF0618-3DB7-B543-A5D3-991E546BC0F8}"/>
+              </a:ext>
+            </a:extLst>
+          </p:cNvPr>
+          <p:cNvCxnSpPr>
+            <a:cxnSpLocks/>
+          </p:cNvCxnSpPr>
+          <p:nvPr/>
+        </p:nvCxnSpPr>
+        <p:spPr bwMode="auto">
+          <a:xfrm>
+            <a:off x="2056003" y="1574351"/>
+            <a:ext cx="6553200" cy="0"/>
+          </a:xfrm>
+          <a:prstGeom prst="straightConnector1">
+            <a:avLst/>
+          </a:prstGeom>
+          <a:solidFill>
+            <a:schemeClr val="accent1"/>
+          </a:solidFill>
+          <a:ln w="9525" cap="flat" cmpd="sng" algn="ctr">
+            <a:solidFill>
+              <a:schemeClr val="tx1"/>
+            </a:solidFill>
+            <a:prstDash val="solid"/>
+            <a:round/>
+            <a:headEnd type="none" w="med" len="med"/>
+            <a:tailEnd type="triangle"/>
+          </a:ln>
+          <a:effectLst/>
+          <a:extLst>
+            <a:ext uri="{AF507438-7753-43e0-B8FC-AC1667EBCBE1}">
+              <a14:hiddenEffects xmlns="" xmlns:a14="http://schemas.microsoft.com/office/drawing/2010/main">
+                <a:effectLst>
+                  <a:outerShdw blurRad="63500" dist="38099" dir="2700000" algn="ctr" rotWithShape="0">
+                    <a:schemeClr val="bg2">
+                      <a:alpha val="74998"/>
+                    </a:schemeClr>
+                  </a:outerShdw>
+                </a:effectLst>
+              </a14:hiddenEffects>
+            </a:ext>
+          </a:extLst>
+        </p:spPr>
+      </p:cxnSp>
+      <p:sp>
+        <p:nvSpPr>
+          <p:cNvPr id="139" name="TextBox 138">
+            <a:extLst>
+              <a:ext uri="{FF2B5EF4-FFF2-40B4-BE49-F238E27FC236}">
+                <a16:creationId xmlns:a16="http://schemas.microsoft.com/office/drawing/2014/main" id="{9801B7D0-D8D5-9942-84D6-43A5E2A47870}"/>
+              </a:ext>
+            </a:extLst>
+          </p:cNvPr>
+          <p:cNvSpPr txBox="1"/>
+          <p:nvPr/>
+        </p:nvSpPr>
+        <p:spPr>
+          <a:xfrm>
+            <a:off x="1594776" y="1382820"/>
+            <a:ext cx="453970" cy="369332"/>
+          </a:xfrm>
+          <a:prstGeom prst="rect">
+            <a:avLst/>
+          </a:prstGeom>
+          <a:noFill/>
+        </p:spPr>
+        <p:txBody>
+          <a:bodyPr wrap="none" rtlCol="0">
+            <a:spAutoFit/>
+          </a:bodyPr>
+          <a:lstStyle/>
+          <a:p>
+            <a:r>
+              <a:rPr lang="en-US" dirty="0">
+                <a:latin typeface="Helvetica" pitchFamily="2" charset="0"/>
+              </a:rPr>
+              <a:t>T1</a:t>
+            </a:r>
+          </a:p>
+        </p:txBody>
+      </p:sp>
+      <p:cxnSp>
+        <p:nvCxnSpPr>
+          <p:cNvPr id="140" name="Straight Arrow Connector 139">
+            <a:extLst>
+              <a:ext uri="{FF2B5EF4-FFF2-40B4-BE49-F238E27FC236}">
+                <a16:creationId xmlns:a16="http://schemas.microsoft.com/office/drawing/2014/main" id="{4BD4597B-F3A6-6145-9C72-49A216D13DE0}"/>
+              </a:ext>
+            </a:extLst>
+          </p:cNvPr>
+          <p:cNvCxnSpPr>
+            <a:cxnSpLocks/>
+          </p:cNvCxnSpPr>
+          <p:nvPr/>
+        </p:nvCxnSpPr>
+        <p:spPr bwMode="auto">
+          <a:xfrm>
+            <a:off x="2056003" y="1981091"/>
+            <a:ext cx="6553200" cy="0"/>
+          </a:xfrm>
+          <a:prstGeom prst="straightConnector1">
+            <a:avLst/>
+          </a:prstGeom>
+          <a:solidFill>
+            <a:schemeClr val="accent1"/>
+          </a:solidFill>
+          <a:ln w="9525" cap="flat" cmpd="sng" algn="ctr">
+            <a:solidFill>
+              <a:schemeClr val="tx1"/>
+            </a:solidFill>
+            <a:prstDash val="solid"/>
+            <a:round/>
+            <a:headEnd type="none" w="med" len="med"/>
+            <a:tailEnd type="triangle"/>
+          </a:ln>
+          <a:effectLst/>
+          <a:extLst>
+            <a:ext uri="{AF507438-7753-43e0-B8FC-AC1667EBCBE1}">
+              <a14:hiddenEffects xmlns="" xmlns:a14="http://schemas.microsoft.com/office/drawing/2010/main">
+                <a:effectLst>
+                  <a:outerShdw blurRad="63500" dist="38099" dir="2700000" algn="ctr" rotWithShape="0">
+                    <a:schemeClr val="bg2">
+                      <a:alpha val="74998"/>
+                    </a:schemeClr>
+                  </a:outerShdw>
+                </a:effectLst>
+              </a14:hiddenEffects>
+            </a:ext>
+          </a:extLst>
+        </p:spPr>
+      </p:cxnSp>
+      <p:sp>
+        <p:nvSpPr>
+          <p:cNvPr id="166" name="TextBox 165">
+            <a:extLst>
+              <a:ext uri="{FF2B5EF4-FFF2-40B4-BE49-F238E27FC236}">
+                <a16:creationId xmlns:a16="http://schemas.microsoft.com/office/drawing/2014/main" id="{AB2365AC-9D0B-074A-93E3-76BF7FD45CCC}"/>
+              </a:ext>
+            </a:extLst>
+          </p:cNvPr>
+          <p:cNvSpPr txBox="1"/>
+          <p:nvPr/>
+        </p:nvSpPr>
+        <p:spPr>
+          <a:xfrm>
+            <a:off x="1598803" y="1802951"/>
+            <a:ext cx="453970" cy="369332"/>
+          </a:xfrm>
+          <a:prstGeom prst="rect">
+            <a:avLst/>
+          </a:prstGeom>
+          <a:noFill/>
+        </p:spPr>
+        <p:txBody>
+          <a:bodyPr wrap="none" rtlCol="0">
+            <a:spAutoFit/>
+          </a:bodyPr>
+          <a:lstStyle/>
+          <a:p>
+            <a:r>
+              <a:rPr lang="en-US" dirty="0">
+                <a:latin typeface="Helvetica" pitchFamily="2" charset="0"/>
+              </a:rPr>
+              <a:t>T2</a:t>
+            </a:r>
+          </a:p>
+        </p:txBody>
+      </p:sp>
+      <p:sp>
+        <p:nvSpPr>
+          <p:cNvPr id="167" name="Rectangle 166">
+            <a:extLst>
+              <a:ext uri="{FF2B5EF4-FFF2-40B4-BE49-F238E27FC236}">
+                <a16:creationId xmlns:a16="http://schemas.microsoft.com/office/drawing/2014/main" id="{E5C7D463-D3EA-9C49-BAD1-95C9D56CD7FD}"/>
+              </a:ext>
+            </a:extLst>
+          </p:cNvPr>
+          <p:cNvSpPr/>
+          <p:nvPr/>
+        </p:nvSpPr>
+        <p:spPr bwMode="auto">
+          <a:xfrm>
+            <a:off x="2648213" y="1474095"/>
+            <a:ext cx="984132" cy="217232"/>
+          </a:xfrm>
+          <a:prstGeom prst="rect">
+            <a:avLst/>
+          </a:prstGeom>
+          <a:solidFill>
+            <a:srgbClr val="FFFF00"/>
+          </a:solidFill>
+          <a:ln w="9525" cap="flat" cmpd="sng" algn="ctr">
+            <a:noFill/>
+            <a:prstDash val="solid"/>
+            <a:round/>
+            <a:headEnd type="none" w="med" len="med"/>
+            <a:tailEnd type="none" w="med" len="med"/>
+          </a:ln>
+          <a:effectLst/>
+          <a:extLst>
+            <a:ext uri="{AF507438-7753-43e0-B8FC-AC1667EBCBE1}">
+              <a14:hiddenEffects xmlns="" xmlns:a14="http://schemas.microsoft.com/office/drawing/2010/main">
+                <a:effectLst>
+                  <a:outerShdw blurRad="63500" dist="38099" dir="2700000" algn="ctr" rotWithShape="0">
+                    <a:schemeClr val="bg2">
+                      <a:alpha val="74998"/>
+                    </a:schemeClr>
+                  </a:outerShdw>
+                </a:effectLst>
+              </a14:hiddenEffects>
+            </a:ext>
+          </a:extLst>
+        </p:spPr>
+        <p:txBody>
+          <a:bodyPr vert="horz" wrap="square" lIns="91440" tIns="45720" rIns="91440" bIns="45720" numCol="1" rtlCol="0" anchor="ctr" anchorCtr="0" compatLnSpc="1">
+            <a:prstTxWarp prst="textNoShape">
+              <a:avLst/>
+            </a:prstTxWarp>
+          </a:bodyPr>
+          <a:lstStyle/>
+          <a:p>
+            <a:pPr marL="0" marR="0" indent="0" algn="ctr" defTabSz="914400" rtl="0" eaLnBrk="1" fontAlgn="base" latinLnBrk="0" hangingPunct="1">
+              <a:lnSpc>
+                <a:spcPct val="100000"/>
+              </a:lnSpc>
+              <a:spcBef>
+                <a:spcPct val="0"/>
+              </a:spcBef>
+              <a:spcAft>
+                <a:spcPct val="0"/>
+              </a:spcAft>
+              <a:buClrTx/>
+              <a:buSzTx/>
+              <a:buFontTx/>
+              <a:buNone/>
+              <a:tabLst/>
+            </a:pPr>
+            <a:r>
+              <a:rPr lang="en-US" sz="1400" dirty="0">
+                <a:latin typeface="Helvetica" pitchFamily="2" charset="0"/>
+                <a:ea typeface="ＭＳ Ｐゴシック" charset="0"/>
+                <a:cs typeface="Arial" charset="0"/>
+              </a:rPr>
+              <a:t>s</a:t>
+            </a:r>
+            <a:r>
+              <a:rPr kumimoji="0" lang="en-US" sz="1400" b="0" i="0" u="none" strike="noStrike" cap="none" normalizeH="0" baseline="0" dirty="0">
+                <a:ln>
+                  <a:noFill/>
+                </a:ln>
+                <a:solidFill>
+                  <a:schemeClr val="tx1"/>
+                </a:solidFill>
+                <a:effectLst/>
+                <a:latin typeface="Helvetica" pitchFamily="2" charset="0"/>
+                <a:ea typeface="ＭＳ Ｐゴシック" charset="0"/>
+                <a:cs typeface="Arial" charset="0"/>
+              </a:rPr>
+              <a:t>pawn T2 </a:t>
+            </a:r>
+          </a:p>
+        </p:txBody>
+      </p:sp>
+      <p:sp>
+        <p:nvSpPr>
+          <p:cNvPr id="170" name="Rectangle 169">
+            <a:extLst>
+              <a:ext uri="{FF2B5EF4-FFF2-40B4-BE49-F238E27FC236}">
+                <a16:creationId xmlns:a16="http://schemas.microsoft.com/office/drawing/2014/main" id="{85755C02-4FEA-524F-B252-B0A5DED2E721}"/>
+              </a:ext>
+            </a:extLst>
+          </p:cNvPr>
+          <p:cNvSpPr/>
+          <p:nvPr/>
+        </p:nvSpPr>
+        <p:spPr bwMode="auto">
+          <a:xfrm>
+            <a:off x="3686779" y="1475505"/>
+            <a:ext cx="633453" cy="217232"/>
+          </a:xfrm>
+          <a:prstGeom prst="rect">
+            <a:avLst/>
+          </a:prstGeom>
+          <a:solidFill>
+            <a:srgbClr val="FFFF00"/>
+          </a:solidFill>
+          <a:ln w="9525" cap="flat" cmpd="sng" algn="ctr">
+            <a:solidFill>
+              <a:schemeClr val="tx1"/>
+            </a:solidFill>
+            <a:prstDash val="solid"/>
+            <a:round/>
+            <a:headEnd type="none" w="med" len="med"/>
+            <a:tailEnd type="none" w="med" len="med"/>
+          </a:ln>
+          <a:effectLst/>
+          <a:extLst>
+            <a:ext uri="{AF507438-7753-43e0-B8FC-AC1667EBCBE1}">
+              <a14:hiddenEffects xmlns="" xmlns:a14="http://schemas.microsoft.com/office/drawing/2010/main">
+                <a:effectLst>
+                  <a:outerShdw blurRad="63500" dist="38099" dir="2700000" algn="ctr" rotWithShape="0">
+                    <a:schemeClr val="bg2">
+                      <a:alpha val="74998"/>
+                    </a:schemeClr>
+                  </a:outerShdw>
+                </a:effectLst>
+              </a14:hiddenEffects>
+            </a:ext>
+          </a:extLst>
+        </p:spPr>
+        <p:txBody>
+          <a:bodyPr vert="horz" wrap="square" lIns="91440" tIns="45720" rIns="91440" bIns="45720" numCol="1" rtlCol="0" anchor="ctr" anchorCtr="0" compatLnSpc="1">
+            <a:prstTxWarp prst="textNoShape">
+              <a:avLst/>
+            </a:prstTxWarp>
+          </a:bodyPr>
+          <a:lstStyle/>
+          <a:p>
+            <a:pPr marL="0" marR="0" indent="0" algn="ctr" defTabSz="914400" rtl="0" eaLnBrk="1" fontAlgn="base" latinLnBrk="0" hangingPunct="1">
+              <a:lnSpc>
+                <a:spcPct val="100000"/>
+              </a:lnSpc>
+              <a:spcBef>
+                <a:spcPct val="0"/>
+              </a:spcBef>
+              <a:spcAft>
+                <a:spcPct val="0"/>
+              </a:spcAft>
+              <a:buClrTx/>
+              <a:buSzTx/>
+              <a:buFontTx/>
+              <a:buNone/>
+              <a:tabLst/>
+            </a:pPr>
+            <a:r>
+              <a:rPr lang="en-US" sz="1400" dirty="0">
+                <a:latin typeface="Helvetica" pitchFamily="2" charset="0"/>
+                <a:ea typeface="ＭＳ Ｐゴシック" charset="0"/>
+                <a:cs typeface="Arial" charset="0"/>
+              </a:rPr>
+              <a:t>y</a:t>
+            </a:r>
+            <a:r>
+              <a:rPr kumimoji="0" lang="en-US" sz="1400" b="0" i="0" u="none" strike="noStrike" cap="none" normalizeH="0" baseline="0" dirty="0">
+                <a:ln>
+                  <a:noFill/>
+                </a:ln>
+                <a:solidFill>
+                  <a:schemeClr val="tx1"/>
+                </a:solidFill>
+                <a:effectLst/>
+                <a:latin typeface="Helvetica" pitchFamily="2" charset="0"/>
+                <a:ea typeface="ＭＳ Ｐゴシック" charset="0"/>
+                <a:cs typeface="Arial" charset="0"/>
+              </a:rPr>
+              <a:t>ield</a:t>
+            </a:r>
+          </a:p>
+        </p:txBody>
+      </p:sp>
+      <p:sp>
+        <p:nvSpPr>
+          <p:cNvPr id="171" name="Rectangle 170">
+            <a:extLst>
+              <a:ext uri="{FF2B5EF4-FFF2-40B4-BE49-F238E27FC236}">
+                <a16:creationId xmlns:a16="http://schemas.microsoft.com/office/drawing/2014/main" id="{B2D5E520-7D47-574F-ACA5-2CAB9510F6F0}"/>
+              </a:ext>
+            </a:extLst>
+          </p:cNvPr>
+          <p:cNvSpPr/>
+          <p:nvPr/>
+        </p:nvSpPr>
+        <p:spPr bwMode="auto">
+          <a:xfrm>
+            <a:off x="6475603" y="1869309"/>
+            <a:ext cx="569846" cy="217232"/>
+          </a:xfrm>
+          <a:prstGeom prst="rect">
+            <a:avLst/>
+          </a:prstGeom>
+          <a:solidFill>
+            <a:srgbClr val="FFFF00"/>
+          </a:solidFill>
+          <a:ln w="9525" cap="flat" cmpd="sng" algn="ctr">
+            <a:solidFill>
+              <a:schemeClr val="tx1"/>
+            </a:solidFill>
+            <a:prstDash val="solid"/>
+            <a:round/>
+            <a:headEnd type="none" w="med" len="med"/>
+            <a:tailEnd type="none" w="med" len="med"/>
+          </a:ln>
+          <a:effectLst/>
+          <a:extLst>
+            <a:ext uri="{AF507438-7753-43e0-B8FC-AC1667EBCBE1}">
+              <a14:hiddenEffects xmlns="" xmlns:a14="http://schemas.microsoft.com/office/drawing/2010/main">
+                <a:effectLst>
+                  <a:outerShdw blurRad="63500" dist="38099" dir="2700000" algn="ctr" rotWithShape="0">
+                    <a:schemeClr val="bg2">
+                      <a:alpha val="74998"/>
+                    </a:schemeClr>
+                  </a:outerShdw>
+                </a:effectLst>
+              </a14:hiddenEffects>
+            </a:ext>
+          </a:extLst>
+        </p:spPr>
+        <p:txBody>
+          <a:bodyPr vert="horz" wrap="square" lIns="91440" tIns="45720" rIns="91440" bIns="45720" numCol="1" rtlCol="0" anchor="ctr" anchorCtr="0" compatLnSpc="1">
+            <a:prstTxWarp prst="textNoShape">
+              <a:avLst/>
+            </a:prstTxWarp>
+          </a:bodyPr>
+          <a:lstStyle/>
+          <a:p>
+            <a:pPr marL="0" marR="0" indent="0" algn="ctr" defTabSz="914400" rtl="0" eaLnBrk="1" fontAlgn="base" latinLnBrk="0" hangingPunct="1">
+              <a:lnSpc>
+                <a:spcPct val="100000"/>
+              </a:lnSpc>
+              <a:spcBef>
+                <a:spcPct val="0"/>
+              </a:spcBef>
+              <a:spcAft>
+                <a:spcPct val="0"/>
+              </a:spcAft>
+              <a:buClrTx/>
+              <a:buSzTx/>
+              <a:buFontTx/>
+              <a:buNone/>
+              <a:tabLst/>
+            </a:pPr>
+            <a:r>
+              <a:rPr lang="en-US" sz="1400" dirty="0">
+                <a:latin typeface="Helvetica" pitchFamily="2" charset="0"/>
+                <a:ea typeface="ＭＳ Ｐゴシック" charset="0"/>
+                <a:cs typeface="Arial" charset="0"/>
+              </a:rPr>
+              <a:t>y</a:t>
+            </a:r>
+            <a:r>
+              <a:rPr kumimoji="0" lang="en-US" sz="1400" b="0" i="0" u="none" strike="noStrike" cap="none" normalizeH="0" baseline="0" dirty="0">
+                <a:ln>
+                  <a:noFill/>
+                </a:ln>
+                <a:solidFill>
+                  <a:schemeClr val="tx1"/>
+                </a:solidFill>
+                <a:effectLst/>
+                <a:latin typeface="Helvetica" pitchFamily="2" charset="0"/>
+                <a:ea typeface="ＭＳ Ｐゴシック" charset="0"/>
+                <a:cs typeface="Arial" charset="0"/>
+              </a:rPr>
+              <a:t>ield</a:t>
+            </a:r>
+          </a:p>
+        </p:txBody>
+      </p:sp>
+      <p:sp>
+        <p:nvSpPr>
+          <p:cNvPr id="172" name="Rectangle 171">
+            <a:extLst>
+              <a:ext uri="{FF2B5EF4-FFF2-40B4-BE49-F238E27FC236}">
+                <a16:creationId xmlns:a16="http://schemas.microsoft.com/office/drawing/2014/main" id="{7B8FB068-D39F-934A-8D8D-2E34D90D5350}"/>
+              </a:ext>
+            </a:extLst>
+          </p:cNvPr>
+          <p:cNvSpPr/>
+          <p:nvPr/>
+        </p:nvSpPr>
+        <p:spPr bwMode="auto">
+          <a:xfrm>
+            <a:off x="5469243" y="1876566"/>
+            <a:ext cx="970075" cy="217232"/>
+          </a:xfrm>
+          <a:prstGeom prst="rect">
+            <a:avLst/>
+          </a:prstGeom>
+          <a:solidFill>
+            <a:srgbClr val="FFFF00"/>
+          </a:solidFill>
+          <a:ln w="9525" cap="flat" cmpd="sng" algn="ctr">
+            <a:noFill/>
+            <a:prstDash val="solid"/>
+            <a:round/>
+            <a:headEnd type="none" w="med" len="med"/>
+            <a:tailEnd type="none" w="med" len="med"/>
+          </a:ln>
+          <a:effectLst/>
+          <a:extLst>
+            <a:ext uri="{AF507438-7753-43e0-B8FC-AC1667EBCBE1}">
+              <a14:hiddenEffects xmlns="" xmlns:a14="http://schemas.microsoft.com/office/drawing/2010/main">
+                <a:effectLst>
+                  <a:outerShdw blurRad="63500" dist="38099" dir="2700000" algn="ctr" rotWithShape="0">
+                    <a:schemeClr val="bg2">
+                      <a:alpha val="74998"/>
+                    </a:schemeClr>
+                  </a:outerShdw>
+                </a:effectLst>
+              </a14:hiddenEffects>
+            </a:ext>
+          </a:extLst>
+        </p:spPr>
+        <p:txBody>
+          <a:bodyPr vert="horz" wrap="square" lIns="91440" tIns="45720" rIns="91440" bIns="45720" numCol="1" rtlCol="0" anchor="ctr" anchorCtr="0" compatLnSpc="1">
+            <a:prstTxWarp prst="textNoShape">
+              <a:avLst/>
+            </a:prstTxWarp>
+          </a:bodyPr>
+          <a:lstStyle/>
+          <a:p>
+            <a:pPr marL="0" marR="0" indent="0" algn="ctr" defTabSz="914400" rtl="0" eaLnBrk="1" fontAlgn="base" latinLnBrk="0" hangingPunct="1">
+              <a:lnSpc>
+                <a:spcPct val="100000"/>
+              </a:lnSpc>
+              <a:spcBef>
+                <a:spcPct val="0"/>
+              </a:spcBef>
+              <a:spcAft>
+                <a:spcPct val="0"/>
+              </a:spcAft>
+              <a:buClrTx/>
+              <a:buSzTx/>
+              <a:buFontTx/>
+              <a:buNone/>
+              <a:tabLst/>
+            </a:pPr>
+            <a:r>
+              <a:rPr lang="en-US" sz="1400" dirty="0">
+                <a:latin typeface="Helvetica" pitchFamily="2" charset="0"/>
+                <a:ea typeface="ＭＳ Ｐゴシック" charset="0"/>
+                <a:cs typeface="Arial" charset="0"/>
+              </a:rPr>
+              <a:t>s</a:t>
+            </a:r>
+            <a:r>
+              <a:rPr kumimoji="0" lang="en-US" sz="1400" b="0" i="0" u="none" strike="noStrike" cap="none" normalizeH="0" baseline="0" dirty="0">
+                <a:ln>
+                  <a:noFill/>
+                </a:ln>
+                <a:solidFill>
+                  <a:schemeClr val="tx1"/>
+                </a:solidFill>
+                <a:effectLst/>
+                <a:latin typeface="Helvetica" pitchFamily="2" charset="0"/>
+                <a:ea typeface="ＭＳ Ｐゴシック" charset="0"/>
+                <a:cs typeface="Arial" charset="0"/>
+              </a:rPr>
+              <a:t>pawn T3 </a:t>
+            </a:r>
+          </a:p>
+        </p:txBody>
+      </p:sp>
+      <p:cxnSp>
+        <p:nvCxnSpPr>
+          <p:cNvPr id="173" name="Straight Arrow Connector 172">
+            <a:extLst>
+              <a:ext uri="{FF2B5EF4-FFF2-40B4-BE49-F238E27FC236}">
+                <a16:creationId xmlns:a16="http://schemas.microsoft.com/office/drawing/2014/main" id="{FA74A781-B386-DF42-A35E-6D7F503FDA25}"/>
+              </a:ext>
+            </a:extLst>
+          </p:cNvPr>
+          <p:cNvCxnSpPr>
+            <a:cxnSpLocks/>
+          </p:cNvCxnSpPr>
+          <p:nvPr/>
+        </p:nvCxnSpPr>
+        <p:spPr bwMode="auto">
+          <a:xfrm flipV="1">
+            <a:off x="7658490" y="1573797"/>
+            <a:ext cx="181456" cy="829715"/>
+          </a:xfrm>
+          <a:prstGeom prst="straightConnector1">
+            <a:avLst/>
+          </a:prstGeom>
+          <a:solidFill>
+            <a:schemeClr val="accent1"/>
+          </a:solidFill>
+          <a:ln w="9525" cap="flat" cmpd="sng" algn="ctr">
+            <a:solidFill>
+              <a:schemeClr val="tx1"/>
+            </a:solidFill>
+            <a:prstDash val="solid"/>
+            <a:round/>
+            <a:headEnd type="none" w="med" len="med"/>
+            <a:tailEnd type="triangle"/>
+          </a:ln>
+          <a:effectLst/>
+          <a:extLst>
+            <a:ext uri="{AF507438-7753-43e0-B8FC-AC1667EBCBE1}">
+              <a14:hiddenEffects xmlns="" xmlns:a14="http://schemas.microsoft.com/office/drawing/2010/main">
+                <a:effectLst>
+                  <a:outerShdw blurRad="63500" dist="38099" dir="2700000" algn="ctr" rotWithShape="0">
+                    <a:schemeClr val="bg2">
+                      <a:alpha val="74998"/>
+                    </a:schemeClr>
+                  </a:outerShdw>
+                </a:effectLst>
+              </a14:hiddenEffects>
+            </a:ext>
+          </a:extLst>
+        </p:spPr>
+      </p:cxnSp>
+      <p:sp>
+        <p:nvSpPr>
+          <p:cNvPr id="176" name="Rectangle 175">
+            <a:extLst>
+              <a:ext uri="{FF2B5EF4-FFF2-40B4-BE49-F238E27FC236}">
+                <a16:creationId xmlns:a16="http://schemas.microsoft.com/office/drawing/2014/main" id="{1BA388B2-9C4E-5E4E-9D44-F235C50992E9}"/>
+              </a:ext>
+            </a:extLst>
+          </p:cNvPr>
+          <p:cNvSpPr/>
+          <p:nvPr/>
+        </p:nvSpPr>
+        <p:spPr>
+          <a:xfrm>
+            <a:off x="7203105" y="2107751"/>
+            <a:ext cx="415498" cy="369332"/>
+          </a:xfrm>
+          <a:prstGeom prst="rect">
+            <a:avLst/>
+          </a:prstGeom>
+        </p:spPr>
+        <p:txBody>
+          <a:bodyPr wrap="none">
+            <a:spAutoFit/>
+          </a:bodyPr>
+          <a:lstStyle/>
+          <a:p>
+            <a:r>
+              <a:rPr lang="en-US" dirty="0">
+                <a:latin typeface="Helvetica" pitchFamily="2" charset="0"/>
+              </a:rPr>
+              <a:t>…</a:t>
+            </a:r>
+          </a:p>
+        </p:txBody>
+      </p:sp>
+      <p:cxnSp>
+        <p:nvCxnSpPr>
+          <p:cNvPr id="177" name="Straight Arrow Connector 176">
+            <a:extLst>
+              <a:ext uri="{FF2B5EF4-FFF2-40B4-BE49-F238E27FC236}">
+                <a16:creationId xmlns:a16="http://schemas.microsoft.com/office/drawing/2014/main" id="{49FCDB20-2E4D-8247-A2B7-85A0F9C12AA6}"/>
+              </a:ext>
+            </a:extLst>
+          </p:cNvPr>
+          <p:cNvCxnSpPr>
+            <a:cxnSpLocks/>
+          </p:cNvCxnSpPr>
+          <p:nvPr/>
+        </p:nvCxnSpPr>
+        <p:spPr bwMode="auto">
+          <a:xfrm>
+            <a:off x="7052359" y="1992834"/>
+            <a:ext cx="108934" cy="393804"/>
+          </a:xfrm>
+          <a:prstGeom prst="straightConnector1">
+            <a:avLst/>
+          </a:prstGeom>
+          <a:solidFill>
+            <a:schemeClr val="accent1"/>
+          </a:solidFill>
+          <a:ln w="9525" cap="flat" cmpd="sng" algn="ctr">
+            <a:solidFill>
+              <a:schemeClr val="tx1"/>
+            </a:solidFill>
+            <a:prstDash val="solid"/>
+            <a:round/>
+            <a:headEnd type="none" w="med" len="med"/>
+            <a:tailEnd type="triangle"/>
+          </a:ln>
+          <a:effectLst/>
+          <a:extLst>
+            <a:ext uri="{AF507438-7753-43e0-B8FC-AC1667EBCBE1}">
+              <a14:hiddenEffects xmlns="" xmlns:a14="http://schemas.microsoft.com/office/drawing/2010/main">
+                <a:effectLst>
+                  <a:outerShdw blurRad="63500" dist="38099" dir="2700000" algn="ctr" rotWithShape="0">
+                    <a:schemeClr val="bg2">
+                      <a:alpha val="74998"/>
+                    </a:schemeClr>
+                  </a:outerShdw>
+                </a:effectLst>
+              </a14:hiddenEffects>
+            </a:ext>
+          </a:extLst>
+        </p:spPr>
+      </p:cxnSp>
+      <p:sp>
+        <p:nvSpPr>
+          <p:cNvPr id="180" name="Rectangle 179">
+            <a:extLst>
+              <a:ext uri="{FF2B5EF4-FFF2-40B4-BE49-F238E27FC236}">
+                <a16:creationId xmlns:a16="http://schemas.microsoft.com/office/drawing/2014/main" id="{B1B17224-C7CC-1146-879B-50EABCE28B35}"/>
+              </a:ext>
+            </a:extLst>
+          </p:cNvPr>
+          <p:cNvSpPr/>
+          <p:nvPr/>
+        </p:nvSpPr>
+        <p:spPr bwMode="auto">
+          <a:xfrm>
+            <a:off x="7843838" y="1479801"/>
+            <a:ext cx="667258" cy="217232"/>
+          </a:xfrm>
+          <a:prstGeom prst="rect">
+            <a:avLst/>
+          </a:prstGeom>
+          <a:solidFill>
+            <a:srgbClr val="FFFF00"/>
+          </a:solidFill>
+          <a:ln w="9525" cap="flat" cmpd="sng" algn="ctr">
+            <a:solidFill>
+              <a:schemeClr val="tx1"/>
+            </a:solidFill>
+            <a:prstDash val="solid"/>
+            <a:round/>
+            <a:headEnd type="none" w="med" len="med"/>
+            <a:tailEnd type="none" w="med" len="med"/>
+          </a:ln>
+          <a:effectLst/>
+          <a:extLst>
+            <a:ext uri="{AF507438-7753-43e0-B8FC-AC1667EBCBE1}">
+              <a14:hiddenEffects xmlns="" xmlns:a14="http://schemas.microsoft.com/office/drawing/2010/main">
+                <a:effectLst>
+                  <a:outerShdw blurRad="63500" dist="38099" dir="2700000" algn="ctr" rotWithShape="0">
+                    <a:schemeClr val="bg2">
+                      <a:alpha val="74998"/>
+                    </a:schemeClr>
+                  </a:outerShdw>
+                </a:effectLst>
+              </a14:hiddenEffects>
+            </a:ext>
+          </a:extLst>
+        </p:spPr>
+        <p:txBody>
+          <a:bodyPr vert="horz" wrap="square" lIns="91440" tIns="45720" rIns="91440" bIns="45720" numCol="1" rtlCol="0" anchor="ctr" anchorCtr="0" compatLnSpc="1">
+            <a:prstTxWarp prst="textNoShape">
+              <a:avLst/>
+            </a:prstTxWarp>
+          </a:bodyPr>
+          <a:lstStyle/>
+          <a:p>
+            <a:pPr marL="0" marR="0" indent="0" algn="ctr" defTabSz="914400" rtl="0" eaLnBrk="1" fontAlgn="base" latinLnBrk="0" hangingPunct="1">
+              <a:lnSpc>
+                <a:spcPct val="100000"/>
+              </a:lnSpc>
+              <a:spcBef>
+                <a:spcPct val="0"/>
+              </a:spcBef>
+              <a:spcAft>
+                <a:spcPct val="0"/>
+              </a:spcAft>
+              <a:buClrTx/>
+              <a:buSzTx/>
+              <a:buFontTx/>
+              <a:buNone/>
+              <a:tabLst/>
+            </a:pPr>
+            <a:r>
+              <a:rPr kumimoji="0" lang="en-US" sz="1400" b="0" i="0" u="none" strike="noStrike" cap="none" normalizeH="0" baseline="0" dirty="0" err="1">
+                <a:ln>
+                  <a:noFill/>
+                </a:ln>
+                <a:solidFill>
+                  <a:schemeClr val="tx1"/>
+                </a:solidFill>
+                <a:effectLst/>
+                <a:latin typeface="Helvetica" pitchFamily="2" charset="0"/>
+                <a:ea typeface="ＭＳ Ｐゴシック" charset="0"/>
+                <a:cs typeface="Arial" charset="0"/>
+              </a:rPr>
+              <a:t>yback</a:t>
+            </a:r>
+            <a:endParaRPr kumimoji="0" lang="en-US" sz="1400" b="0" i="0" u="none" strike="noStrike" cap="none" normalizeH="0" baseline="0" dirty="0">
+              <a:ln>
+                <a:noFill/>
+              </a:ln>
+              <a:solidFill>
+                <a:schemeClr val="tx1"/>
+              </a:solidFill>
+              <a:effectLst/>
+              <a:latin typeface="Helvetica" pitchFamily="2" charset="0"/>
+              <a:ea typeface="ＭＳ Ｐゴシック" charset="0"/>
+              <a:cs typeface="Arial" charset="0"/>
+            </a:endParaRPr>
+          </a:p>
+        </p:txBody>
+      </p:sp>
+      <p:sp>
+        <p:nvSpPr>
+          <p:cNvPr id="181" name="Rectangle 180">
+            <a:extLst>
+              <a:ext uri="{FF2B5EF4-FFF2-40B4-BE49-F238E27FC236}">
+                <a16:creationId xmlns:a16="http://schemas.microsoft.com/office/drawing/2014/main" id="{6C2084A7-243B-3241-A45C-7804B3F39617}"/>
+              </a:ext>
+            </a:extLst>
+          </p:cNvPr>
+          <p:cNvSpPr/>
+          <p:nvPr/>
+        </p:nvSpPr>
+        <p:spPr bwMode="auto">
+          <a:xfrm>
+            <a:off x="4646803" y="1875214"/>
+            <a:ext cx="667258" cy="217232"/>
+          </a:xfrm>
+          <a:prstGeom prst="rect">
+            <a:avLst/>
+          </a:prstGeom>
+          <a:solidFill>
+            <a:srgbClr val="FFFF00"/>
+          </a:solidFill>
+          <a:ln w="9525" cap="flat" cmpd="sng" algn="ctr">
+            <a:solidFill>
+              <a:schemeClr val="tx1"/>
+            </a:solidFill>
+            <a:prstDash val="solid"/>
+            <a:round/>
+            <a:headEnd type="none" w="med" len="med"/>
+            <a:tailEnd type="none" w="med" len="med"/>
+          </a:ln>
+          <a:effectLst/>
+          <a:extLst>
+            <a:ext uri="{AF507438-7753-43e0-B8FC-AC1667EBCBE1}">
+              <a14:hiddenEffects xmlns="" xmlns:a14="http://schemas.microsoft.com/office/drawing/2010/main">
+                <a:effectLst>
+                  <a:outerShdw blurRad="63500" dist="38099" dir="2700000" algn="ctr" rotWithShape="0">
+                    <a:schemeClr val="bg2">
+                      <a:alpha val="74998"/>
+                    </a:schemeClr>
+                  </a:outerShdw>
+                </a:effectLst>
+              </a14:hiddenEffects>
+            </a:ext>
+          </a:extLst>
+        </p:spPr>
+        <p:txBody>
+          <a:bodyPr vert="horz" wrap="square" lIns="91440" tIns="45720" rIns="91440" bIns="45720" numCol="1" rtlCol="0" anchor="ctr" anchorCtr="0" compatLnSpc="1">
+            <a:prstTxWarp prst="textNoShape">
+              <a:avLst/>
+            </a:prstTxWarp>
+          </a:bodyPr>
+          <a:lstStyle/>
+          <a:p>
+            <a:pPr marL="0" marR="0" indent="0" algn="ctr" defTabSz="914400" rtl="0" eaLnBrk="1" fontAlgn="base" latinLnBrk="0" hangingPunct="1">
+              <a:lnSpc>
+                <a:spcPct val="100000"/>
+              </a:lnSpc>
+              <a:spcBef>
+                <a:spcPct val="0"/>
+              </a:spcBef>
+              <a:spcAft>
+                <a:spcPct val="0"/>
+              </a:spcAft>
+              <a:buClrTx/>
+              <a:buSzTx/>
+              <a:buFontTx/>
+              <a:buNone/>
+              <a:tabLst/>
+            </a:pPr>
+            <a:r>
+              <a:rPr kumimoji="0" lang="en-US" sz="1400" b="0" i="0" u="none" strike="noStrike" cap="none" normalizeH="0" baseline="0" dirty="0" err="1">
+                <a:ln>
+                  <a:noFill/>
+                </a:ln>
+                <a:solidFill>
+                  <a:schemeClr val="tx1"/>
+                </a:solidFill>
+                <a:effectLst/>
+                <a:latin typeface="Helvetica" pitchFamily="2" charset="0"/>
+                <a:ea typeface="ＭＳ Ｐゴシック" charset="0"/>
+                <a:cs typeface="Arial" charset="0"/>
+              </a:rPr>
+              <a:t>yback</a:t>
+            </a:r>
+            <a:endParaRPr kumimoji="0" lang="en-US" sz="1400" b="0" i="0" u="none" strike="noStrike" cap="none" normalizeH="0" baseline="0" dirty="0">
+              <a:ln>
+                <a:noFill/>
+              </a:ln>
+              <a:solidFill>
+                <a:schemeClr val="tx1"/>
+              </a:solidFill>
+              <a:effectLst/>
+              <a:latin typeface="Helvetica" pitchFamily="2" charset="0"/>
+              <a:ea typeface="ＭＳ Ｐゴシック" charset="0"/>
+              <a:cs typeface="Arial" charset="0"/>
+            </a:endParaRPr>
+          </a:p>
+        </p:txBody>
+      </p:sp>
+      <p:sp>
+        <p:nvSpPr>
+          <p:cNvPr id="190" name="Rectangle 189">
+            <a:extLst>
+              <a:ext uri="{FF2B5EF4-FFF2-40B4-BE49-F238E27FC236}">
+                <a16:creationId xmlns:a16="http://schemas.microsoft.com/office/drawing/2014/main" id="{27F93D70-CE4A-E444-98DD-157EC5AD4034}"/>
+              </a:ext>
+            </a:extLst>
+          </p:cNvPr>
+          <p:cNvSpPr/>
+          <p:nvPr/>
+        </p:nvSpPr>
+        <p:spPr>
+          <a:xfrm>
+            <a:off x="5340103" y="2801395"/>
+            <a:ext cx="1531188" cy="338554"/>
+          </a:xfrm>
+          <a:prstGeom prst="rect">
+            <a:avLst/>
+          </a:prstGeom>
+        </p:spPr>
+        <p:txBody>
+          <a:bodyPr wrap="none">
+            <a:spAutoFit/>
+          </a:bodyPr>
+          <a:lstStyle/>
+          <a:p>
+            <a:r>
+              <a:rPr lang="en-US" sz="1600" dirty="0">
+                <a:latin typeface="Helvetica" pitchFamily="2" charset="0"/>
+              </a:rPr>
+              <a:t>atomic update</a:t>
+            </a:r>
+          </a:p>
+        </p:txBody>
+      </p:sp>
+      <p:cxnSp>
+        <p:nvCxnSpPr>
+          <p:cNvPr id="192" name="Straight Arrow Connector 191">
+            <a:extLst>
+              <a:ext uri="{FF2B5EF4-FFF2-40B4-BE49-F238E27FC236}">
+                <a16:creationId xmlns:a16="http://schemas.microsoft.com/office/drawing/2014/main" id="{89BC20FF-6145-4148-AF7D-FDC1279FCCF0}"/>
+              </a:ext>
+            </a:extLst>
+          </p:cNvPr>
+          <p:cNvCxnSpPr>
+            <a:cxnSpLocks/>
+          </p:cNvCxnSpPr>
+          <p:nvPr/>
+        </p:nvCxnSpPr>
+        <p:spPr bwMode="auto">
+          <a:xfrm>
+            <a:off x="3680657" y="2749355"/>
+            <a:ext cx="4824317" cy="0"/>
+          </a:xfrm>
+          <a:prstGeom prst="straightConnector1">
+            <a:avLst/>
+          </a:prstGeom>
+          <a:solidFill>
+            <a:schemeClr val="accent1"/>
+          </a:solidFill>
+          <a:ln w="9525" cap="flat" cmpd="sng" algn="ctr">
+            <a:solidFill>
+              <a:schemeClr val="tx1"/>
+            </a:solidFill>
+            <a:prstDash val="solid"/>
+            <a:round/>
+            <a:headEnd type="triangle"/>
+            <a:tailEnd type="triangle"/>
+          </a:ln>
+          <a:effectLst/>
+          <a:extLst>
+            <a:ext uri="{AF507438-7753-43e0-B8FC-AC1667EBCBE1}">
+              <a14:hiddenEffects xmlns="" xmlns:a14="http://schemas.microsoft.com/office/drawing/2010/main">
+                <a:effectLst>
+                  <a:outerShdw blurRad="63500" dist="38099" dir="2700000" algn="ctr" rotWithShape="0">
+                    <a:schemeClr val="bg2">
+                      <a:alpha val="74998"/>
+                    </a:schemeClr>
+                  </a:outerShdw>
+                </a:effectLst>
+              </a14:hiddenEffects>
+            </a:ext>
+          </a:extLst>
+        </p:spPr>
+      </p:cxnSp>
+      <p:cxnSp>
+        <p:nvCxnSpPr>
+          <p:cNvPr id="193" name="Straight Arrow Connector 192">
+            <a:extLst>
+              <a:ext uri="{FF2B5EF4-FFF2-40B4-BE49-F238E27FC236}">
+                <a16:creationId xmlns:a16="http://schemas.microsoft.com/office/drawing/2014/main" id="{E1DE5534-A1E5-6A4D-84AE-3BB4A679D034}"/>
+              </a:ext>
+            </a:extLst>
+          </p:cNvPr>
+          <p:cNvCxnSpPr>
+            <a:cxnSpLocks/>
+          </p:cNvCxnSpPr>
+          <p:nvPr/>
+        </p:nvCxnSpPr>
+        <p:spPr bwMode="auto">
+          <a:xfrm>
+            <a:off x="4324004" y="1586481"/>
+            <a:ext cx="108934" cy="393804"/>
+          </a:xfrm>
+          <a:prstGeom prst="straightConnector1">
+            <a:avLst/>
+          </a:prstGeom>
+          <a:solidFill>
+            <a:schemeClr val="accent1"/>
+          </a:solidFill>
+          <a:ln w="9525" cap="flat" cmpd="sng" algn="ctr">
+            <a:solidFill>
+              <a:schemeClr val="tx1"/>
+            </a:solidFill>
+            <a:prstDash val="solid"/>
+            <a:round/>
+            <a:headEnd type="none" w="med" len="med"/>
+            <a:tailEnd type="triangle"/>
+          </a:ln>
+          <a:effectLst/>
+          <a:extLst>
+            <a:ext uri="{AF507438-7753-43e0-B8FC-AC1667EBCBE1}">
+              <a14:hiddenEffects xmlns="" xmlns:a14="http://schemas.microsoft.com/office/drawing/2010/main">
+                <a:effectLst>
+                  <a:outerShdw blurRad="63500" dist="38099" dir="2700000" algn="ctr" rotWithShape="0">
+                    <a:schemeClr val="bg2">
+                      <a:alpha val="74998"/>
+                    </a:schemeClr>
+                  </a:outerShdw>
+                </a:effectLst>
+              </a14:hiddenEffects>
+            </a:ext>
+          </a:extLst>
+        </p:spPr>
+      </p:cxnSp>
+      <p:sp>
+        <p:nvSpPr>
+          <p:cNvPr id="195" name="Rectangle 194">
+            <a:extLst>
+              <a:ext uri="{FF2B5EF4-FFF2-40B4-BE49-F238E27FC236}">
+                <a16:creationId xmlns:a16="http://schemas.microsoft.com/office/drawing/2014/main" id="{8822E6E7-FE49-4845-9151-EE9090EC36EB}"/>
+              </a:ext>
+            </a:extLst>
+          </p:cNvPr>
+          <p:cNvSpPr/>
+          <p:nvPr/>
+        </p:nvSpPr>
+        <p:spPr bwMode="auto">
+          <a:xfrm>
+            <a:off x="1446403" y="1782603"/>
+            <a:ext cx="7315200" cy="839600"/>
+          </a:xfrm>
+          <a:prstGeom prst="rect">
+            <a:avLst/>
+          </a:prstGeom>
+          <a:solidFill>
+            <a:schemeClr val="accent1">
+              <a:alpha val="80000"/>
+            </a:schemeClr>
+          </a:solidFill>
+          <a:ln w="9525" cap="flat" cmpd="sng" algn="ctr">
+            <a:noFill/>
+            <a:prstDash val="solid"/>
+            <a:round/>
+            <a:headEnd type="none" w="med" len="med"/>
+            <a:tailEnd type="none" w="med" len="med"/>
+          </a:ln>
+          <a:effectLst/>
+          <a:extLst>
+            <a:ext uri="{AF507438-7753-43e0-B8FC-AC1667EBCBE1}">
+              <a14:hiddenEffects xmlns="" xmlns:a14="http://schemas.microsoft.com/office/drawing/2010/main">
+                <a:effectLst>
+                  <a:outerShdw blurRad="63500" dist="38099" dir="2700000" algn="ctr" rotWithShape="0">
+                    <a:schemeClr val="bg2">
+                      <a:alpha val="74998"/>
+                    </a:schemeClr>
+                  </a:outerShdw>
+                </a:effectLst>
+              </a14:hiddenEffects>
+            </a:ext>
+          </a:extLst>
+        </p:spPr>
+        <p:txBody>
+          <a:bodyPr vert="horz" wrap="square" lIns="91440" tIns="45720" rIns="91440" bIns="45720" numCol="1" rtlCol="0" anchor="t" anchorCtr="0" compatLnSpc="1">
+            <a:prstTxWarp prst="textNoShape">
+              <a:avLst/>
+            </a:prstTxWarp>
+          </a:bodyPr>
+          <a:lstStyle/>
+          <a:p>
+            <a:pPr marL="0" marR="0" indent="0" algn="l" defTabSz="914400" rtl="0" eaLnBrk="1" fontAlgn="base" latinLnBrk="0" hangingPunct="1">
+              <a:lnSpc>
+                <a:spcPct val="100000"/>
+              </a:lnSpc>
+              <a:spcBef>
+                <a:spcPct val="0"/>
+              </a:spcBef>
+              <a:spcAft>
+                <a:spcPct val="0"/>
+              </a:spcAft>
+              <a:buClrTx/>
+              <a:buSzTx/>
+              <a:buFontTx/>
+              <a:buNone/>
+              <a:tabLst/>
+            </a:pPr>
+            <a:endParaRPr kumimoji="0" lang="en-US" sz="1600" b="0" i="0" u="none" strike="noStrike" cap="none" normalizeH="0" baseline="0" dirty="0">
+              <a:ln>
+                <a:noFill/>
+              </a:ln>
+              <a:solidFill>
+                <a:schemeClr val="tx1"/>
+              </a:solidFill>
+              <a:effectLst/>
+              <a:latin typeface="Helvetica" pitchFamily="2" charset="0"/>
+              <a:ea typeface="ＭＳ Ｐゴシック" charset="0"/>
+              <a:cs typeface="Arial" charset="0"/>
+            </a:endParaRPr>
+          </a:p>
+        </p:txBody>
+      </p:sp>
+      <mc:AlternateContent xmlns:mc="http://schemas.openxmlformats.org/markup-compatibility/2006" xmlns:a14="http://schemas.microsoft.com/office/drawing/2010/main">
+        <mc:Choice Requires="a14">
+          <p:sp>
+            <p:nvSpPr>
+              <p:cNvPr id="202" name="TextBox 201">
+                <a:extLst>
+                  <a:ext uri="{FF2B5EF4-FFF2-40B4-BE49-F238E27FC236}">
+                    <a16:creationId xmlns:a16="http://schemas.microsoft.com/office/drawing/2014/main" id="{E9EE5B4F-068A-D74F-A0BB-534CD2AA97D5}"/>
+                  </a:ext>
+                </a:extLst>
+              </p:cNvPr>
+              <p:cNvSpPr txBox="1"/>
+              <p:nvPr/>
+            </p:nvSpPr>
+            <p:spPr>
+              <a:xfrm>
+                <a:off x="205636" y="1590846"/>
+                <a:ext cx="1073243" cy="523220"/>
+              </a:xfrm>
+              <a:prstGeom prst="rect">
+                <a:avLst/>
+              </a:prstGeom>
+              <a:noFill/>
+            </p:spPr>
+            <p:txBody>
+              <a:bodyPr wrap="none" rtlCol="0">
+                <a:spAutoFit/>
+              </a:bodyPr>
+              <a:lstStyle/>
+              <a:p>
+                <a:pPr algn="ctr"/>
+                <a14:m>
+                  <m:oMathPara xmlns:m="http://schemas.openxmlformats.org/officeDocument/2006/math">
+                    <m:oMathParaPr>
+                      <m:jc m:val="centerGroup"/>
+                    </m:oMathParaPr>
+                    <m:oMath xmlns:m="http://schemas.openxmlformats.org/officeDocument/2006/math">
+                      <m:sSub>
+                        <m:sSubPr>
+                          <m:ctrlPr>
+                            <a:rPr lang="en-US" sz="1400" b="0" i="1" smtClean="0">
+                              <a:latin typeface="Cambria Math" panose="02040503050406030204" pitchFamily="18" charset="0"/>
+                              <a:ea typeface="Cambria Math" panose="02040503050406030204" pitchFamily="18" charset="0"/>
+                            </a:rPr>
+                          </m:ctrlPr>
+                        </m:sSubPr>
+                        <m:e>
+                          <m:r>
+                            <m:rPr>
+                              <m:sty m:val="p"/>
+                            </m:rPr>
+                            <a:rPr lang="en-US" sz="1400" b="0" i="0" smtClean="0">
+                              <a:latin typeface="Cambria Math" panose="02040503050406030204" pitchFamily="18" charset="0"/>
+                              <a:ea typeface="Cambria Math" panose="02040503050406030204" pitchFamily="18" charset="0"/>
+                            </a:rPr>
+                            <m:t>Mach</m:t>
+                          </m:r>
+                        </m:e>
+                        <m:sub>
+                          <m:r>
+                            <m:rPr>
+                              <m:sty m:val="p"/>
+                            </m:rPr>
+                            <a:rPr lang="en-US" sz="1400" b="0" i="0" smtClean="0">
+                              <a:latin typeface="Cambria Math" panose="02040503050406030204" pitchFamily="18" charset="0"/>
+                              <a:ea typeface="Cambria Math" panose="02040503050406030204" pitchFamily="18" charset="0"/>
+                            </a:rPr>
+                            <m:t>HAsm</m:t>
+                          </m:r>
+                        </m:sub>
+                      </m:sSub>
+                    </m:oMath>
+                  </m:oMathPara>
+                </a14:m>
+                <a:br>
+                  <a:rPr lang="en-US" sz="1400" dirty="0">
+                    <a:latin typeface="Helvetica" pitchFamily="2" charset="0"/>
+                    <a:ea typeface="Cambria Math" panose="02040503050406030204" pitchFamily="18" charset="0"/>
+                  </a:rPr>
+                </a:br>
+                <a:r>
+                  <a:rPr lang="en-US" sz="1400" dirty="0">
+                    <a:latin typeface="Helvetica" pitchFamily="2" charset="0"/>
+                    <a:ea typeface="Cambria Math" panose="02040503050406030204" pitchFamily="18" charset="0"/>
+                  </a:rPr>
+                  <a:t>with T1 </a:t>
+                </a:r>
+                <a:endParaRPr lang="en-US" sz="1400" baseline="30000" dirty="0">
+                  <a:latin typeface="Helvetica" pitchFamily="2" charset="0"/>
+                  <a:ea typeface="Cambria Math" panose="02040503050406030204" pitchFamily="18" charset="0"/>
+                </a:endParaRPr>
+              </a:p>
+            </p:txBody>
+          </p:sp>
+        </mc:Choice>
+        <mc:Fallback xmlns="">
+          <p:sp>
+            <p:nvSpPr>
+              <p:cNvPr id="202" name="TextBox 201">
+                <a:extLst>
+                  <a:ext uri="{FF2B5EF4-FFF2-40B4-BE49-F238E27FC236}">
+                    <a16:creationId xmlns:a16="http://schemas.microsoft.com/office/drawing/2014/main" id="{E9EE5B4F-068A-D74F-A0BB-534CD2AA97D5}"/>
+                  </a:ext>
+                </a:extLst>
+              </p:cNvPr>
+              <p:cNvSpPr txBox="1">
+                <a:spLocks noRot="1" noChangeAspect="1" noMove="1" noResize="1" noEditPoints="1" noAdjustHandles="1" noChangeArrowheads="1" noChangeShapeType="1" noTextEdit="1"/>
+              </p:cNvSpPr>
+              <p:nvPr/>
+            </p:nvSpPr>
+            <p:spPr>
+              <a:xfrm>
+                <a:off x="205636" y="1590846"/>
+                <a:ext cx="1073243" cy="523220"/>
+              </a:xfrm>
+              <a:prstGeom prst="rect">
+                <a:avLst/>
+              </a:prstGeom>
+              <a:blipFill>
+                <a:blip r:embed="rId3"/>
+                <a:stretch>
+                  <a:fillRect b="-11905"/>
+                </a:stretch>
+              </a:blipFill>
+            </p:spPr>
+            <p:txBody>
+              <a:bodyPr/>
+              <a:lstStyle/>
+              <a:p>
+                <a:r>
+                  <a:rPr lang="en-US">
+                    <a:noFill/>
+                  </a:rPr>
+                  <a:t> </a:t>
+                </a:r>
+              </a:p>
+            </p:txBody>
+          </p:sp>
+        </mc:Fallback>
+      </mc:AlternateContent>
+      <mc:AlternateContent xmlns:mc="http://schemas.openxmlformats.org/markup-compatibility/2006" xmlns:a14="http://schemas.microsoft.com/office/drawing/2010/main">
+        <mc:Choice Requires="a14">
+          <p:sp>
+            <p:nvSpPr>
+              <p:cNvPr id="43" name="Rectangle 42">
+                <a:extLst>
+                  <a:ext uri="{FF2B5EF4-FFF2-40B4-BE49-F238E27FC236}">
+                    <a16:creationId xmlns:a16="http://schemas.microsoft.com/office/drawing/2014/main" id="{59E21113-F5FA-3146-9A24-4960A42BEA9E}"/>
+                  </a:ext>
+                </a:extLst>
+              </p:cNvPr>
+              <p:cNvSpPr/>
+              <p:nvPr/>
+            </p:nvSpPr>
+            <p:spPr>
+              <a:xfrm>
+                <a:off x="2269150" y="1934848"/>
+                <a:ext cx="1264833" cy="489301"/>
+              </a:xfrm>
+              <a:prstGeom prst="rect">
+                <a:avLst/>
+              </a:prstGeom>
+            </p:spPr>
+            <p:txBody>
+              <a:bodyPr wrap="none">
+                <a:spAutoFit/>
+              </a:bodyPr>
+              <a:lstStyle/>
+              <a:p>
+                <a:pPr/>
+                <a14:m>
+                  <m:oMathPara xmlns:m="http://schemas.openxmlformats.org/officeDocument/2006/math">
+                    <m:oMathParaPr>
+                      <m:jc m:val="centerGroup"/>
+                    </m:oMathParaPr>
+                    <m:oMath xmlns:m="http://schemas.openxmlformats.org/officeDocument/2006/math">
+                      <m:sSubSup>
+                        <m:sSubSupPr>
+                          <m:ctrlPr>
+                            <a:rPr lang="en-US" sz="2400" b="0" i="1" smtClean="0">
+                              <a:latin typeface="Cambria Math" panose="02040503050406030204" pitchFamily="18" charset="0"/>
+                              <a:ea typeface="Cambria Math" panose="02040503050406030204" pitchFamily="18" charset="0"/>
+                            </a:rPr>
+                          </m:ctrlPr>
+                        </m:sSubSupPr>
+                        <m:e>
+                          <m:r>
+                            <a:rPr lang="en-US" sz="2400" i="1" smtClean="0">
+                              <a:latin typeface="Cambria Math" panose="02040503050406030204" pitchFamily="18" charset="0"/>
+                              <a:ea typeface="Cambria Math" panose="02040503050406030204" pitchFamily="18" charset="0"/>
+                            </a:rPr>
+                            <m:t>𝜀</m:t>
+                          </m:r>
+                        </m:e>
+                        <m:sub>
+                          <m:r>
+                            <m:rPr>
+                              <m:sty m:val="p"/>
+                            </m:rPr>
+                            <a:rPr lang="en-US" sz="2400" b="0" i="0" smtClean="0">
+                              <a:latin typeface="Cambria Math" panose="02040503050406030204" pitchFamily="18" charset="0"/>
+                              <a:ea typeface="Cambria Math" panose="02040503050406030204" pitchFamily="18" charset="0"/>
+                            </a:rPr>
+                            <m:t>T</m:t>
+                          </m:r>
+                          <m:r>
+                            <a:rPr lang="en-US" sz="2400" b="0" i="1" smtClean="0">
+                              <a:latin typeface="Cambria Math" panose="02040503050406030204" pitchFamily="18" charset="0"/>
+                              <a:ea typeface="Cambria Math" panose="02040503050406030204" pitchFamily="18" charset="0"/>
+                            </a:rPr>
+                            <m:t>1</m:t>
+                          </m:r>
+                        </m:sub>
+                        <m:sup>
+                          <m:r>
+                            <a:rPr lang="en-US" sz="2400" b="0" i="1" smtClean="0">
+                              <a:latin typeface="Cambria Math" panose="02040503050406030204" pitchFamily="18" charset="0"/>
+                              <a:ea typeface="Cambria Math" panose="02040503050406030204" pitchFamily="18" charset="0"/>
+                            </a:rPr>
+                            <m:t>𝑀𝑇𝐿𝑖𝑛𝑘</m:t>
+                          </m:r>
+                        </m:sup>
+                      </m:sSubSup>
+                    </m:oMath>
+                  </m:oMathPara>
+                </a14:m>
+                <a:endParaRPr lang="en-US" sz="2400" dirty="0">
+                  <a:latin typeface="Helvetica" pitchFamily="2" charset="0"/>
+                </a:endParaRPr>
+              </a:p>
+            </p:txBody>
+          </p:sp>
+        </mc:Choice>
+        <mc:Fallback xmlns="">
+          <p:sp>
+            <p:nvSpPr>
+              <p:cNvPr id="43" name="Rectangle 42">
+                <a:extLst>
+                  <a:ext uri="{FF2B5EF4-FFF2-40B4-BE49-F238E27FC236}">
+                    <a16:creationId xmlns:a16="http://schemas.microsoft.com/office/drawing/2014/main" id="{59E21113-F5FA-3146-9A24-4960A42BEA9E}"/>
+                  </a:ext>
+                </a:extLst>
+              </p:cNvPr>
+              <p:cNvSpPr>
+                <a:spLocks noRot="1" noChangeAspect="1" noMove="1" noResize="1" noEditPoints="1" noAdjustHandles="1" noChangeArrowheads="1" noChangeShapeType="1" noTextEdit="1"/>
+              </p:cNvSpPr>
+              <p:nvPr/>
+            </p:nvSpPr>
+            <p:spPr>
+              <a:xfrm>
+                <a:off x="2269150" y="1934848"/>
+                <a:ext cx="1264833" cy="489301"/>
+              </a:xfrm>
+              <a:prstGeom prst="rect">
+                <a:avLst/>
+              </a:prstGeom>
+              <a:blipFill>
+                <a:blip r:embed="rId4"/>
+                <a:stretch>
+                  <a:fillRect b="-2500"/>
+                </a:stretch>
+              </a:blipFill>
+            </p:spPr>
+            <p:txBody>
+              <a:bodyPr/>
+              <a:lstStyle/>
+              <a:p>
+                <a:r>
+                  <a:rPr lang="en-US">
+                    <a:noFill/>
+                  </a:rPr>
+                  <a:t> </a:t>
+                </a:r>
+              </a:p>
+            </p:txBody>
+          </p:sp>
+        </mc:Fallback>
+      </mc:AlternateContent>
+      <mc:AlternateContent xmlns:mc="http://schemas.openxmlformats.org/markup-compatibility/2006" xmlns:a14="http://schemas.microsoft.com/office/drawing/2010/main">
+        <mc:Choice Requires="a14">
+          <p:sp>
+            <p:nvSpPr>
+              <p:cNvPr id="46" name="Rectangle 45">
+                <a:extLst>
+                  <a:ext uri="{FF2B5EF4-FFF2-40B4-BE49-F238E27FC236}">
+                    <a16:creationId xmlns:a16="http://schemas.microsoft.com/office/drawing/2014/main" id="{433B97AB-5AE9-F440-8515-A3147D5DEFFC}"/>
+                  </a:ext>
+                </a:extLst>
+              </p:cNvPr>
+              <p:cNvSpPr/>
+              <p:nvPr/>
+            </p:nvSpPr>
+            <p:spPr>
+              <a:xfrm>
+                <a:off x="742257" y="3611783"/>
+                <a:ext cx="5277791" cy="369332"/>
+              </a:xfrm>
+              <a:prstGeom prst="rect">
+                <a:avLst/>
+              </a:prstGeom>
+            </p:spPr>
+            <p:txBody>
+              <a:bodyPr wrap="none">
+                <a:spAutoFit/>
+              </a:bodyPr>
+              <a:lstStyle/>
+              <a:p>
+                <a14:m>
+                  <m:oMath xmlns:m="http://schemas.openxmlformats.org/officeDocument/2006/math">
+                    <m:sSub>
+                      <m:sSubPr>
+                        <m:ctrlPr>
+                          <a:rPr lang="en-US" b="0" i="1" smtClean="0">
+                            <a:latin typeface="Cambria Math" panose="02040503050406030204" pitchFamily="18" charset="0"/>
+                          </a:rPr>
+                        </m:ctrlPr>
+                      </m:sSubPr>
+                      <m:e>
+                        <m:r>
+                          <m:rPr>
+                            <m:sty m:val="p"/>
+                          </m:rPr>
+                          <a:rPr lang="en-US" b="0" i="0" smtClean="0">
+                            <a:latin typeface="Cambria Math" panose="02040503050406030204" pitchFamily="18" charset="0"/>
+                          </a:rPr>
+                          <m:t>state</m:t>
+                        </m:r>
+                      </m:e>
+                      <m:sub>
+                        <m:r>
+                          <m:rPr>
+                            <m:sty m:val="p"/>
+                          </m:rPr>
+                          <a:rPr lang="en-US" b="0" i="0" smtClean="0">
+                            <a:latin typeface="Cambria Math" panose="02040503050406030204" pitchFamily="18" charset="0"/>
+                          </a:rPr>
+                          <m:t>HAsm</m:t>
+                        </m:r>
+                      </m:sub>
+                    </m:sSub>
+                    <m:r>
+                      <a:rPr lang="en-US" i="1">
+                        <a:latin typeface="Cambria Math" panose="02040503050406030204" pitchFamily="18" charset="0"/>
+                      </a:rPr>
+                      <m:t>≔(</m:t>
+                    </m:r>
+                    <m:r>
+                      <a:rPr lang="en-US" i="1">
+                        <a:latin typeface="Cambria Math" panose="02040503050406030204" pitchFamily="18" charset="0"/>
+                      </a:rPr>
+                      <m:t>𝑙𝑠</m:t>
+                    </m:r>
+                    <m:sSub>
+                      <m:sSubPr>
+                        <m:ctrlPr>
+                          <a:rPr lang="en-US" b="0" i="1" smtClean="0">
+                            <a:latin typeface="Cambria Math" panose="02040503050406030204" pitchFamily="18" charset="0"/>
+                          </a:rPr>
+                        </m:ctrlPr>
+                      </m:sSubPr>
+                      <m:e>
+                        <m:r>
+                          <a:rPr lang="en-US" b="0" i="1" smtClean="0">
+                            <a:latin typeface="Cambria Math" panose="02040503050406030204" pitchFamily="18" charset="0"/>
+                          </a:rPr>
+                          <m:t>𝑡</m:t>
+                        </m:r>
+                      </m:e>
+                      <m:sub>
+                        <m:r>
+                          <m:rPr>
+                            <m:sty m:val="p"/>
+                          </m:rPr>
+                          <a:rPr lang="en-US" b="0" i="0" smtClean="0">
+                            <a:latin typeface="Cambria Math" panose="02040503050406030204" pitchFamily="18" charset="0"/>
+                          </a:rPr>
+                          <m:t>thrd</m:t>
+                        </m:r>
+                      </m:sub>
+                    </m:sSub>
+                    <m:r>
+                      <a:rPr lang="en-US" i="1">
+                        <a:latin typeface="Cambria Math" panose="02040503050406030204" pitchFamily="18" charset="0"/>
+                        <a:ea typeface="Cambria Math" panose="02040503050406030204" pitchFamily="18" charset="0"/>
+                      </a:rPr>
+                      <m:t>, </m:t>
+                    </m:r>
+                    <m:r>
+                      <a:rPr lang="en-US" i="1">
+                        <a:latin typeface="Cambria Math" panose="02040503050406030204" pitchFamily="18" charset="0"/>
+                        <a:ea typeface="Cambria Math" panose="02040503050406030204" pitchFamily="18" charset="0"/>
+                      </a:rPr>
+                      <m:t>𝑙𝑜𝑔</m:t>
+                    </m:r>
+                    <m:r>
+                      <a:rPr lang="en-US" i="1">
+                        <a:latin typeface="Cambria Math" panose="02040503050406030204" pitchFamily="18" charset="0"/>
+                        <a:ea typeface="Cambria Math" panose="02040503050406030204" pitchFamily="18" charset="0"/>
+                      </a:rPr>
+                      <m:t>)</m:t>
+                    </m:r>
+                  </m:oMath>
+                </a14:m>
+                <a:r>
+                  <a:rPr lang="en-US" dirty="0"/>
+                  <a:t> (</a:t>
+                </a:r>
+                <a14:m>
+                  <m:oMath xmlns:m="http://schemas.openxmlformats.org/officeDocument/2006/math">
+                    <m:r>
+                      <a:rPr lang="en-US" b="0" i="1" dirty="0" smtClean="0">
+                        <a:latin typeface="Cambria Math" panose="02040503050406030204" pitchFamily="18" charset="0"/>
+                      </a:rPr>
+                      <m:t>𝑙𝑠</m:t>
+                    </m:r>
+                    <m:sSub>
+                      <m:sSubPr>
+                        <m:ctrlPr>
+                          <a:rPr lang="en-US" b="0" i="1" dirty="0" smtClean="0">
+                            <a:latin typeface="Cambria Math" panose="02040503050406030204" pitchFamily="18" charset="0"/>
+                          </a:rPr>
+                        </m:ctrlPr>
+                      </m:sSubPr>
+                      <m:e>
+                        <m:r>
+                          <a:rPr lang="en-US" b="0" i="1" dirty="0" smtClean="0">
+                            <a:latin typeface="Cambria Math" panose="02040503050406030204" pitchFamily="18" charset="0"/>
+                          </a:rPr>
+                          <m:t>𝑡</m:t>
+                        </m:r>
+                      </m:e>
+                      <m:sub>
+                        <m:r>
+                          <m:rPr>
+                            <m:sty m:val="p"/>
+                          </m:rPr>
+                          <a:rPr lang="en-US" b="0" i="0" dirty="0" smtClean="0">
+                            <a:latin typeface="Cambria Math" panose="02040503050406030204" pitchFamily="18" charset="0"/>
+                          </a:rPr>
+                          <m:t>thrd</m:t>
+                        </m:r>
+                      </m:sub>
+                    </m:sSub>
+                    <m:r>
+                      <a:rPr lang="en-US" b="0" i="1" dirty="0" smtClean="0">
+                        <a:latin typeface="Cambria Math" panose="02040503050406030204" pitchFamily="18" charset="0"/>
+                      </a:rPr>
+                      <m:t>=(</m:t>
+                    </m:r>
+                    <m:r>
+                      <a:rPr lang="en-US" b="0" i="1" dirty="0" smtClean="0">
+                        <a:latin typeface="Cambria Math" panose="02040503050406030204" pitchFamily="18" charset="0"/>
+                      </a:rPr>
+                      <m:t>𝜌</m:t>
+                    </m:r>
+                    <m:r>
+                      <a:rPr lang="en-US" b="0" i="1" dirty="0" smtClean="0">
+                        <a:latin typeface="Cambria Math" panose="02040503050406030204" pitchFamily="18" charset="0"/>
+                      </a:rPr>
+                      <m:t>, </m:t>
+                    </m:r>
+                    <m:r>
+                      <a:rPr lang="en-US" b="0" i="1" dirty="0" smtClean="0">
+                        <a:latin typeface="Cambria Math" panose="02040503050406030204" pitchFamily="18" charset="0"/>
+                      </a:rPr>
+                      <m:t>𝑚𝑒𝑚</m:t>
+                    </m:r>
+                    <m:r>
+                      <a:rPr lang="en-US" b="0" i="1" dirty="0" smtClean="0">
+                        <a:latin typeface="Cambria Math" panose="02040503050406030204" pitchFamily="18" charset="0"/>
+                      </a:rPr>
+                      <m:t>, </m:t>
+                    </m:r>
+                    <m:r>
+                      <a:rPr lang="en-US" b="0" i="1" dirty="0" smtClean="0">
+                        <a:latin typeface="Cambria Math" panose="02040503050406030204" pitchFamily="18" charset="0"/>
+                      </a:rPr>
+                      <m:t>𝑎𝑏𝑠</m:t>
+                    </m:r>
+                    <m:r>
+                      <a:rPr lang="en-US" b="0" i="1" dirty="0" smtClean="0">
+                        <a:latin typeface="Cambria Math" panose="02040503050406030204" pitchFamily="18" charset="0"/>
+                      </a:rPr>
+                      <m:t>)</m:t>
+                    </m:r>
+                  </m:oMath>
+                </a14:m>
+                <a:r>
+                  <a:rPr lang="en-US" dirty="0"/>
+                  <a:t>)</a:t>
+                </a:r>
+              </a:p>
+            </p:txBody>
+          </p:sp>
+        </mc:Choice>
+        <mc:Fallback xmlns="">
+          <p:sp>
+            <p:nvSpPr>
+              <p:cNvPr id="46" name="Rectangle 45">
+                <a:extLst>
+                  <a:ext uri="{FF2B5EF4-FFF2-40B4-BE49-F238E27FC236}">
+                    <a16:creationId xmlns:a16="http://schemas.microsoft.com/office/drawing/2014/main" id="{433B97AB-5AE9-F440-8515-A3147D5DEFFC}"/>
+                  </a:ext>
+                </a:extLst>
+              </p:cNvPr>
+              <p:cNvSpPr>
+                <a:spLocks noRot="1" noChangeAspect="1" noMove="1" noResize="1" noEditPoints="1" noAdjustHandles="1" noChangeArrowheads="1" noChangeShapeType="1" noTextEdit="1"/>
+              </p:cNvSpPr>
+              <p:nvPr/>
+            </p:nvSpPr>
+            <p:spPr>
+              <a:xfrm>
+                <a:off x="742257" y="3611783"/>
+                <a:ext cx="5277791" cy="369332"/>
+              </a:xfrm>
+              <a:prstGeom prst="rect">
+                <a:avLst/>
+              </a:prstGeom>
+              <a:blipFill>
+                <a:blip r:embed="rId5"/>
+                <a:stretch>
+                  <a:fillRect t="-3333" b="-26667"/>
+                </a:stretch>
+              </a:blipFill>
+            </p:spPr>
+            <p:txBody>
+              <a:bodyPr/>
+              <a:lstStyle/>
+              <a:p>
+                <a:r>
+                  <a:rPr lang="en-US">
+                    <a:noFill/>
+                  </a:rPr>
+                  <a:t> </a:t>
+                </a:r>
+              </a:p>
+            </p:txBody>
+          </p:sp>
+        </mc:Fallback>
+      </mc:AlternateContent>
+      <mc:AlternateContent xmlns:mc="http://schemas.openxmlformats.org/markup-compatibility/2006" xmlns:a14="http://schemas.microsoft.com/office/drawing/2010/main">
+        <mc:Choice Requires="a14">
+          <p:sp>
+            <p:nvSpPr>
+              <p:cNvPr id="47" name="Rectangle 46">
+                <a:extLst>
+                  <a:ext uri="{FF2B5EF4-FFF2-40B4-BE49-F238E27FC236}">
+                    <a16:creationId xmlns:a16="http://schemas.microsoft.com/office/drawing/2014/main" id="{AF0F9CA1-E7B8-284E-A1AF-E0A022E5B1BC}"/>
+                  </a:ext>
+                </a:extLst>
+              </p:cNvPr>
+              <p:cNvSpPr/>
+              <p:nvPr/>
+            </p:nvSpPr>
+            <p:spPr>
+              <a:xfrm>
+                <a:off x="5062548" y="944046"/>
+                <a:ext cx="2044278" cy="369332"/>
+              </a:xfrm>
+              <a:prstGeom prst="rect">
+                <a:avLst/>
+              </a:prstGeom>
+            </p:spPr>
+            <p:txBody>
+              <a:bodyPr wrap="none">
+                <a:spAutoFit/>
+              </a:bodyPr>
+              <a:lstStyle/>
+              <a:p>
+                <a14:m>
+                  <m:oMath xmlns:m="http://schemas.openxmlformats.org/officeDocument/2006/math">
+                    <m:r>
+                      <a:rPr lang="en-US" b="0" i="1" smtClean="0">
+                        <a:latin typeface="Cambria Math" panose="02040503050406030204" pitchFamily="18" charset="0"/>
+                      </a:rPr>
+                      <m:t>𝜎</m:t>
+                    </m:r>
+                    <m:r>
+                      <a:rPr lang="en-US" b="0" i="1" smtClean="0">
+                        <a:latin typeface="Cambria Math" panose="02040503050406030204" pitchFamily="18" charset="0"/>
+                      </a:rPr>
+                      <m:t>(</m:t>
+                    </m:r>
+                    <m:r>
+                      <a:rPr lang="en-US" b="0" i="1" smtClean="0">
+                        <a:latin typeface="Cambria Math" panose="02040503050406030204" pitchFamily="18" charset="0"/>
+                      </a:rPr>
+                      <m:t>𝑦𝑖𝑒𝑙𝑑</m:t>
+                    </m:r>
+                    <m:r>
+                      <a:rPr lang="en-US" b="0" i="1" smtClean="0">
+                        <a:latin typeface="Cambria Math" panose="02040503050406030204" pitchFamily="18" charset="0"/>
+                      </a:rPr>
+                      <m:t>)</m:t>
+                    </m:r>
+                  </m:oMath>
+                </a14:m>
+                <a:r>
+                  <a:rPr lang="en-US" dirty="0"/>
+                  <a:t> in </a:t>
+                </a:r>
+                <a14:m>
+                  <m:oMath xmlns:m="http://schemas.openxmlformats.org/officeDocument/2006/math">
+                    <m:r>
+                      <m:rPr>
+                        <m:sty m:val="p"/>
+                      </m:rPr>
+                      <a:rPr lang="en-US" b="0" i="0" smtClean="0">
+                        <a:latin typeface="Cambria Math" panose="02040503050406030204" pitchFamily="18" charset="0"/>
+                      </a:rPr>
+                      <m:t>T</m:t>
+                    </m:r>
+                    <m:r>
+                      <m:rPr>
+                        <m:sty m:val="p"/>
+                      </m:rPr>
+                      <a:rPr lang="en-US" b="0" i="1" smtClean="0">
+                        <a:latin typeface="Cambria Math" panose="02040503050406030204" pitchFamily="18" charset="0"/>
+                      </a:rPr>
+                      <m:t>s</m:t>
+                    </m:r>
+                    <m:r>
+                      <m:rPr>
+                        <m:sty m:val="p"/>
+                      </m:rPr>
+                      <a:rPr lang="en-US" b="0" i="0" smtClean="0">
+                        <a:latin typeface="Cambria Math" panose="02040503050406030204" pitchFamily="18" charset="0"/>
+                      </a:rPr>
+                      <m:t>ched</m:t>
+                    </m:r>
+                  </m:oMath>
+                </a14:m>
+                <a:endParaRPr lang="en-US" dirty="0"/>
+              </a:p>
+            </p:txBody>
+          </p:sp>
+        </mc:Choice>
+        <mc:Fallback xmlns="">
+          <p:sp>
+            <p:nvSpPr>
+              <p:cNvPr id="47" name="Rectangle 46">
+                <a:extLst>
+                  <a:ext uri="{FF2B5EF4-FFF2-40B4-BE49-F238E27FC236}">
+                    <a16:creationId xmlns:a16="http://schemas.microsoft.com/office/drawing/2014/main" id="{AF0F9CA1-E7B8-284E-A1AF-E0A022E5B1BC}"/>
+                  </a:ext>
+                </a:extLst>
+              </p:cNvPr>
+              <p:cNvSpPr>
+                <a:spLocks noRot="1" noChangeAspect="1" noMove="1" noResize="1" noEditPoints="1" noAdjustHandles="1" noChangeArrowheads="1" noChangeShapeType="1" noTextEdit="1"/>
+              </p:cNvSpPr>
+              <p:nvPr/>
+            </p:nvSpPr>
+            <p:spPr>
+              <a:xfrm>
+                <a:off x="5062548" y="944046"/>
+                <a:ext cx="2044278" cy="369332"/>
+              </a:xfrm>
+              <a:prstGeom prst="rect">
+                <a:avLst/>
+              </a:prstGeom>
+              <a:blipFill>
+                <a:blip r:embed="rId6"/>
+                <a:stretch>
+                  <a:fillRect t="-3333" b="-26667"/>
+                </a:stretch>
+              </a:blipFill>
+            </p:spPr>
+            <p:txBody>
+              <a:bodyPr/>
+              <a:lstStyle/>
+              <a:p>
+                <a:r>
+                  <a:rPr lang="en-US">
+                    <a:noFill/>
+                  </a:rPr>
+                  <a:t> </a:t>
+                </a:r>
+              </a:p>
+            </p:txBody>
+          </p:sp>
+        </mc:Fallback>
+      </mc:AlternateContent>
+    </p:spTree>
+    <p:extLst>
+      <p:ext uri="{BB962C8B-B14F-4D97-AF65-F5344CB8AC3E}">
+        <p14:creationId xmlns:p14="http://schemas.microsoft.com/office/powerpoint/2010/main" val="2707264713"/>
       </p:ext>
     </p:extLst>
   </p:cSld>

--- a/figs/conlink/concurrent_linking.pptx
+++ b/figs/conlink/concurrent_linking.pptx
@@ -231,7 +231,7 @@
           <a:p>
             <a:fld id="{98CD50F9-C04E-0643-A81F-E269F6C4EDC0}" type="datetimeFigureOut">
               <a:rPr lang="en-US" smtClean="0"/>
-              <a:t>1/26/19</a:t>
+              <a:t>1/27/19</a:t>
             </a:fld>
             <a:endParaRPr lang="en-US"/>
           </a:p>
@@ -410,7 +410,7 @@
             <a:fld id="{17A7BBF0-95DB-485B-8F44-219DC193D725}" type="datetimeFigureOut">
               <a:rPr lang="en-US" smtClean="0"/>
               <a:pPr/>
-              <a:t>1/26/19</a:t>
+              <a:t>1/27/19</a:t>
             </a:fld>
             <a:endParaRPr lang="en-US"/>
           </a:p>
@@ -1313,17 +1313,17 @@
           <a:effectLst/>
           <a:extLst>
             <a:ext uri="{FAA26D3D-D897-4be2-8F04-BA451C77F1D7}">
-              <ma14:placeholderFlag xmlns="" xmlns:ma14="http://schemas.microsoft.com/office/mac/drawingml/2011/main" val="1"/>
+              <ma14:placeholderFlag xmlns:ma14="http://schemas.microsoft.com/office/mac/drawingml/2011/main" xmlns="" val="1"/>
             </a:ext>
             <a:ext uri="{909E8E84-426E-40dd-AFC4-6F175D3DCCD1}">
-              <a14:hiddenFill xmlns="" xmlns:a14="http://schemas.microsoft.com/office/drawing/2010/main">
+              <a14:hiddenFill xmlns:a14="http://schemas.microsoft.com/office/drawing/2010/main" xmlns="">
                 <a:solidFill>
                   <a:schemeClr val="accent1"/>
                 </a:solidFill>
               </a14:hiddenFill>
             </a:ext>
             <a:ext uri="{91240B29-F687-4f45-9708-019B960494DF}">
-              <a14:hiddenLine xmlns="" xmlns:a14="http://schemas.microsoft.com/office/drawing/2010/main" w="9525">
+              <a14:hiddenLine xmlns:a14="http://schemas.microsoft.com/office/drawing/2010/main" xmlns="" w="9525">
                 <a:solidFill>
                   <a:schemeClr val="tx1"/>
                 </a:solidFill>
@@ -1333,7 +1333,7 @@
               </a14:hiddenLine>
             </a:ext>
             <a:ext uri="{AF507438-7753-43e0-B8FC-AC1667EBCBE1}">
-              <a14:hiddenEffects xmlns="" xmlns:a14="http://schemas.microsoft.com/office/drawing/2010/main">
+              <a14:hiddenEffects xmlns:a14="http://schemas.microsoft.com/office/drawing/2010/main" xmlns="">
                 <a:effectLst>
                   <a:outerShdw blurRad="63500" dist="38099" dir="2700000" algn="ctr" rotWithShape="0">
                     <a:schemeClr val="bg2">
@@ -1597,17 +1597,17 @@
           <a:effectLst/>
           <a:extLst>
             <a:ext uri="{FAA26D3D-D897-4be2-8F04-BA451C77F1D7}">
-              <ma14:placeholderFlag xmlns="" xmlns:ma14="http://schemas.microsoft.com/office/mac/drawingml/2011/main" val="1"/>
+              <ma14:placeholderFlag xmlns:ma14="http://schemas.microsoft.com/office/mac/drawingml/2011/main" xmlns="" val="1"/>
             </a:ext>
             <a:ext uri="{909E8E84-426E-40dd-AFC4-6F175D3DCCD1}">
-              <a14:hiddenFill xmlns="" xmlns:a14="http://schemas.microsoft.com/office/drawing/2010/main">
+              <a14:hiddenFill xmlns:a14="http://schemas.microsoft.com/office/drawing/2010/main" xmlns="">
                 <a:solidFill>
                   <a:schemeClr val="accent1"/>
                 </a:solidFill>
               </a14:hiddenFill>
             </a:ext>
             <a:ext uri="{91240B29-F687-4f45-9708-019B960494DF}">
-              <a14:hiddenLine xmlns="" xmlns:a14="http://schemas.microsoft.com/office/drawing/2010/main" w="9525">
+              <a14:hiddenLine xmlns:a14="http://schemas.microsoft.com/office/drawing/2010/main" xmlns="" w="9525">
                 <a:solidFill>
                   <a:schemeClr val="tx1"/>
                 </a:solidFill>
@@ -1617,7 +1617,7 @@
               </a14:hiddenLine>
             </a:ext>
             <a:ext uri="{AF507438-7753-43e0-B8FC-AC1667EBCBE1}">
-              <a14:hiddenEffects xmlns="" xmlns:a14="http://schemas.microsoft.com/office/drawing/2010/main">
+              <a14:hiddenEffects xmlns:a14="http://schemas.microsoft.com/office/drawing/2010/main" xmlns="">
                 <a:effectLst>
                   <a:outerShdw blurRad="63500" dist="38099" dir="2700000" algn="ctr" rotWithShape="0">
                     <a:schemeClr val="bg2">
@@ -1891,17 +1891,17 @@
           <a:effectLst/>
           <a:extLst>
             <a:ext uri="{FAA26D3D-D897-4be2-8F04-BA451C77F1D7}">
-              <ma14:placeholderFlag xmlns="" xmlns:ma14="http://schemas.microsoft.com/office/mac/drawingml/2011/main" val="1"/>
+              <ma14:placeholderFlag xmlns:ma14="http://schemas.microsoft.com/office/mac/drawingml/2011/main" xmlns="" val="1"/>
             </a:ext>
             <a:ext uri="{909E8E84-426E-40dd-AFC4-6F175D3DCCD1}">
-              <a14:hiddenFill xmlns="" xmlns:a14="http://schemas.microsoft.com/office/drawing/2010/main">
+              <a14:hiddenFill xmlns:a14="http://schemas.microsoft.com/office/drawing/2010/main" xmlns="">
                 <a:solidFill>
                   <a:schemeClr val="accent1"/>
                 </a:solidFill>
               </a14:hiddenFill>
             </a:ext>
             <a:ext uri="{91240B29-F687-4f45-9708-019B960494DF}">
-              <a14:hiddenLine xmlns="" xmlns:a14="http://schemas.microsoft.com/office/drawing/2010/main" w="9525">
+              <a14:hiddenLine xmlns:a14="http://schemas.microsoft.com/office/drawing/2010/main" xmlns="" w="9525">
                 <a:solidFill>
                   <a:schemeClr val="tx1"/>
                 </a:solidFill>
@@ -1911,7 +1911,7 @@
               </a14:hiddenLine>
             </a:ext>
             <a:ext uri="{AF507438-7753-43e0-B8FC-AC1667EBCBE1}">
-              <a14:hiddenEffects xmlns="" xmlns:a14="http://schemas.microsoft.com/office/drawing/2010/main">
+              <a14:hiddenEffects xmlns:a14="http://schemas.microsoft.com/office/drawing/2010/main" xmlns="">
                 <a:effectLst>
                   <a:outerShdw blurRad="63500" dist="38099" dir="2700000" algn="ctr" rotWithShape="0">
                     <a:schemeClr val="bg2">
@@ -2175,17 +2175,17 @@
           <a:effectLst/>
           <a:extLst>
             <a:ext uri="{FAA26D3D-D897-4be2-8F04-BA451C77F1D7}">
-              <ma14:placeholderFlag xmlns="" xmlns:ma14="http://schemas.microsoft.com/office/mac/drawingml/2011/main" val="1"/>
+              <ma14:placeholderFlag xmlns:ma14="http://schemas.microsoft.com/office/mac/drawingml/2011/main" xmlns="" val="1"/>
             </a:ext>
             <a:ext uri="{909E8E84-426E-40dd-AFC4-6F175D3DCCD1}">
-              <a14:hiddenFill xmlns="" xmlns:a14="http://schemas.microsoft.com/office/drawing/2010/main">
+              <a14:hiddenFill xmlns:a14="http://schemas.microsoft.com/office/drawing/2010/main" xmlns="">
                 <a:solidFill>
                   <a:schemeClr val="accent1"/>
                 </a:solidFill>
               </a14:hiddenFill>
             </a:ext>
             <a:ext uri="{91240B29-F687-4f45-9708-019B960494DF}">
-              <a14:hiddenLine xmlns="" xmlns:a14="http://schemas.microsoft.com/office/drawing/2010/main" w="9525">
+              <a14:hiddenLine xmlns:a14="http://schemas.microsoft.com/office/drawing/2010/main" xmlns="" w="9525">
                 <a:solidFill>
                   <a:schemeClr val="tx1"/>
                 </a:solidFill>
@@ -2195,7 +2195,7 @@
               </a14:hiddenLine>
             </a:ext>
             <a:ext uri="{AF507438-7753-43e0-B8FC-AC1667EBCBE1}">
-              <a14:hiddenEffects xmlns="" xmlns:a14="http://schemas.microsoft.com/office/drawing/2010/main">
+              <a14:hiddenEffects xmlns:a14="http://schemas.microsoft.com/office/drawing/2010/main" xmlns="">
                 <a:effectLst>
                   <a:outerShdw blurRad="63500" dist="38099" dir="2700000" algn="ctr" rotWithShape="0">
                     <a:schemeClr val="bg2">
@@ -2481,17 +2481,17 @@
           <a:effectLst/>
           <a:extLst>
             <a:ext uri="{FAA26D3D-D897-4be2-8F04-BA451C77F1D7}">
-              <ma14:placeholderFlag xmlns="" xmlns:ma14="http://schemas.microsoft.com/office/mac/drawingml/2011/main" val="1"/>
+              <ma14:placeholderFlag xmlns:ma14="http://schemas.microsoft.com/office/mac/drawingml/2011/main" xmlns="" val="1"/>
             </a:ext>
             <a:ext uri="{909E8E84-426E-40dd-AFC4-6F175D3DCCD1}">
-              <a14:hiddenFill xmlns="" xmlns:a14="http://schemas.microsoft.com/office/drawing/2010/main">
+              <a14:hiddenFill xmlns:a14="http://schemas.microsoft.com/office/drawing/2010/main" xmlns="">
                 <a:solidFill>
                   <a:schemeClr val="accent1"/>
                 </a:solidFill>
               </a14:hiddenFill>
             </a:ext>
             <a:ext uri="{91240B29-F687-4f45-9708-019B960494DF}">
-              <a14:hiddenLine xmlns="" xmlns:a14="http://schemas.microsoft.com/office/drawing/2010/main" w="9525">
+              <a14:hiddenLine xmlns:a14="http://schemas.microsoft.com/office/drawing/2010/main" xmlns="" w="9525">
                 <a:solidFill>
                   <a:schemeClr val="tx1"/>
                 </a:solidFill>
@@ -2501,7 +2501,7 @@
               </a14:hiddenLine>
             </a:ext>
             <a:ext uri="{AF507438-7753-43e0-B8FC-AC1667EBCBE1}">
-              <a14:hiddenEffects xmlns="" xmlns:a14="http://schemas.microsoft.com/office/drawing/2010/main">
+              <a14:hiddenEffects xmlns:a14="http://schemas.microsoft.com/office/drawing/2010/main" xmlns="">
                 <a:effectLst>
                   <a:outerShdw blurRad="63500" dist="38099" dir="2700000" algn="ctr" rotWithShape="0">
                     <a:schemeClr val="bg2">
@@ -2883,17 +2883,17 @@
           <a:effectLst/>
           <a:extLst>
             <a:ext uri="{FAA26D3D-D897-4be2-8F04-BA451C77F1D7}">
-              <ma14:placeholderFlag xmlns="" xmlns:ma14="http://schemas.microsoft.com/office/mac/drawingml/2011/main" val="1"/>
+              <ma14:placeholderFlag xmlns:ma14="http://schemas.microsoft.com/office/mac/drawingml/2011/main" xmlns="" val="1"/>
             </a:ext>
             <a:ext uri="{909E8E84-426E-40dd-AFC4-6F175D3DCCD1}">
-              <a14:hiddenFill xmlns="" xmlns:a14="http://schemas.microsoft.com/office/drawing/2010/main">
+              <a14:hiddenFill xmlns:a14="http://schemas.microsoft.com/office/drawing/2010/main" xmlns="">
                 <a:solidFill>
                   <a:schemeClr val="accent1"/>
                 </a:solidFill>
               </a14:hiddenFill>
             </a:ext>
             <a:ext uri="{91240B29-F687-4f45-9708-019B960494DF}">
-              <a14:hiddenLine xmlns="" xmlns:a14="http://schemas.microsoft.com/office/drawing/2010/main" w="9525">
+              <a14:hiddenLine xmlns:a14="http://schemas.microsoft.com/office/drawing/2010/main" xmlns="" w="9525">
                 <a:solidFill>
                   <a:schemeClr val="tx1"/>
                 </a:solidFill>
@@ -2903,7 +2903,7 @@
               </a14:hiddenLine>
             </a:ext>
             <a:ext uri="{AF507438-7753-43e0-B8FC-AC1667EBCBE1}">
-              <a14:hiddenEffects xmlns="" xmlns:a14="http://schemas.microsoft.com/office/drawing/2010/main">
+              <a14:hiddenEffects xmlns:a14="http://schemas.microsoft.com/office/drawing/2010/main" xmlns="">
                 <a:effectLst>
                   <a:outerShdw blurRad="63500" dist="38099" dir="2700000" algn="ctr" rotWithShape="0">
                     <a:schemeClr val="bg2">
@@ -3419,17 +3419,17 @@
           <a:effectLst/>
           <a:extLst>
             <a:ext uri="{FAA26D3D-D897-4be2-8F04-BA451C77F1D7}">
-              <ma14:placeholderFlag xmlns="" xmlns:ma14="http://schemas.microsoft.com/office/mac/drawingml/2011/main" val="1"/>
+              <ma14:placeholderFlag xmlns:ma14="http://schemas.microsoft.com/office/mac/drawingml/2011/main" xmlns="" val="1"/>
             </a:ext>
             <a:ext uri="{909E8E84-426E-40dd-AFC4-6F175D3DCCD1}">
-              <a14:hiddenFill xmlns="" xmlns:a14="http://schemas.microsoft.com/office/drawing/2010/main">
+              <a14:hiddenFill xmlns:a14="http://schemas.microsoft.com/office/drawing/2010/main" xmlns="">
                 <a:solidFill>
                   <a:schemeClr val="accent1"/>
                 </a:solidFill>
               </a14:hiddenFill>
             </a:ext>
             <a:ext uri="{91240B29-F687-4f45-9708-019B960494DF}">
-              <a14:hiddenLine xmlns="" xmlns:a14="http://schemas.microsoft.com/office/drawing/2010/main" w="9525">
+              <a14:hiddenLine xmlns:a14="http://schemas.microsoft.com/office/drawing/2010/main" xmlns="" w="9525">
                 <a:solidFill>
                   <a:schemeClr val="tx1"/>
                 </a:solidFill>
@@ -3439,7 +3439,7 @@
               </a14:hiddenLine>
             </a:ext>
             <a:ext uri="{AF507438-7753-43e0-B8FC-AC1667EBCBE1}">
-              <a14:hiddenEffects xmlns="" xmlns:a14="http://schemas.microsoft.com/office/drawing/2010/main">
+              <a14:hiddenEffects xmlns:a14="http://schemas.microsoft.com/office/drawing/2010/main" xmlns="">
                 <a:effectLst>
                   <a:outerShdw blurRad="63500" dist="38099" dir="2700000" algn="ctr" rotWithShape="0">
                     <a:schemeClr val="bg2">
@@ -3651,17 +3651,17 @@
           <a:effectLst/>
           <a:extLst>
             <a:ext uri="{FAA26D3D-D897-4be2-8F04-BA451C77F1D7}">
-              <ma14:placeholderFlag xmlns="" xmlns:ma14="http://schemas.microsoft.com/office/mac/drawingml/2011/main" val="1"/>
+              <ma14:placeholderFlag xmlns:ma14="http://schemas.microsoft.com/office/mac/drawingml/2011/main" xmlns="" val="1"/>
             </a:ext>
             <a:ext uri="{909E8E84-426E-40dd-AFC4-6F175D3DCCD1}">
-              <a14:hiddenFill xmlns="" xmlns:a14="http://schemas.microsoft.com/office/drawing/2010/main">
+              <a14:hiddenFill xmlns:a14="http://schemas.microsoft.com/office/drawing/2010/main" xmlns="">
                 <a:solidFill>
                   <a:schemeClr val="accent1"/>
                 </a:solidFill>
               </a14:hiddenFill>
             </a:ext>
             <a:ext uri="{91240B29-F687-4f45-9708-019B960494DF}">
-              <a14:hiddenLine xmlns="" xmlns:a14="http://schemas.microsoft.com/office/drawing/2010/main" w="9525">
+              <a14:hiddenLine xmlns:a14="http://schemas.microsoft.com/office/drawing/2010/main" xmlns="" w="9525">
                 <a:solidFill>
                   <a:schemeClr val="tx1"/>
                 </a:solidFill>
@@ -3671,7 +3671,7 @@
               </a14:hiddenLine>
             </a:ext>
             <a:ext uri="{AF507438-7753-43e0-B8FC-AC1667EBCBE1}">
-              <a14:hiddenEffects xmlns="" xmlns:a14="http://schemas.microsoft.com/office/drawing/2010/main">
+              <a14:hiddenEffects xmlns:a14="http://schemas.microsoft.com/office/drawing/2010/main" xmlns="">
                 <a:effectLst>
                   <a:outerShdw blurRad="63500" dist="38099" dir="2700000" algn="ctr" rotWithShape="0">
                     <a:schemeClr val="bg2">
@@ -3860,17 +3860,17 @@
           <a:effectLst/>
           <a:extLst>
             <a:ext uri="{FAA26D3D-D897-4be2-8F04-BA451C77F1D7}">
-              <ma14:placeholderFlag xmlns="" xmlns:ma14="http://schemas.microsoft.com/office/mac/drawingml/2011/main" val="1"/>
+              <ma14:placeholderFlag xmlns:ma14="http://schemas.microsoft.com/office/mac/drawingml/2011/main" xmlns="" val="1"/>
             </a:ext>
             <a:ext uri="{909E8E84-426E-40dd-AFC4-6F175D3DCCD1}">
-              <a14:hiddenFill xmlns="" xmlns:a14="http://schemas.microsoft.com/office/drawing/2010/main">
+              <a14:hiddenFill xmlns:a14="http://schemas.microsoft.com/office/drawing/2010/main" xmlns="">
                 <a:solidFill>
                   <a:schemeClr val="accent1"/>
                 </a:solidFill>
               </a14:hiddenFill>
             </a:ext>
             <a:ext uri="{91240B29-F687-4f45-9708-019B960494DF}">
-              <a14:hiddenLine xmlns="" xmlns:a14="http://schemas.microsoft.com/office/drawing/2010/main" w="9525">
+              <a14:hiddenLine xmlns:a14="http://schemas.microsoft.com/office/drawing/2010/main" xmlns="" w="9525">
                 <a:solidFill>
                   <a:schemeClr val="tx1"/>
                 </a:solidFill>
@@ -3880,7 +3880,7 @@
               </a14:hiddenLine>
             </a:ext>
             <a:ext uri="{AF507438-7753-43e0-B8FC-AC1667EBCBE1}">
-              <a14:hiddenEffects xmlns="" xmlns:a14="http://schemas.microsoft.com/office/drawing/2010/main">
+              <a14:hiddenEffects xmlns:a14="http://schemas.microsoft.com/office/drawing/2010/main" xmlns="">
                 <a:effectLst>
                   <a:outerShdw blurRad="63500" dist="38099" dir="2700000" algn="ctr" rotWithShape="0">
                     <a:schemeClr val="bg2">
@@ -4251,17 +4251,17 @@
           <a:effectLst/>
           <a:extLst>
             <a:ext uri="{FAA26D3D-D897-4be2-8F04-BA451C77F1D7}">
-              <ma14:placeholderFlag xmlns="" xmlns:ma14="http://schemas.microsoft.com/office/mac/drawingml/2011/main" val="1"/>
+              <ma14:placeholderFlag xmlns:ma14="http://schemas.microsoft.com/office/mac/drawingml/2011/main" xmlns="" val="1"/>
             </a:ext>
             <a:ext uri="{909E8E84-426E-40dd-AFC4-6F175D3DCCD1}">
-              <a14:hiddenFill xmlns="" xmlns:a14="http://schemas.microsoft.com/office/drawing/2010/main">
+              <a14:hiddenFill xmlns:a14="http://schemas.microsoft.com/office/drawing/2010/main" xmlns="">
                 <a:solidFill>
                   <a:schemeClr val="accent1"/>
                 </a:solidFill>
               </a14:hiddenFill>
             </a:ext>
             <a:ext uri="{91240B29-F687-4f45-9708-019B960494DF}">
-              <a14:hiddenLine xmlns="" xmlns:a14="http://schemas.microsoft.com/office/drawing/2010/main" w="9525">
+              <a14:hiddenLine xmlns:a14="http://schemas.microsoft.com/office/drawing/2010/main" xmlns="" w="9525">
                 <a:solidFill>
                   <a:schemeClr val="tx1"/>
                 </a:solidFill>
@@ -4271,7 +4271,7 @@
               </a14:hiddenLine>
             </a:ext>
             <a:ext uri="{AF507438-7753-43e0-B8FC-AC1667EBCBE1}">
-              <a14:hiddenEffects xmlns="" xmlns:a14="http://schemas.microsoft.com/office/drawing/2010/main">
+              <a14:hiddenEffects xmlns:a14="http://schemas.microsoft.com/office/drawing/2010/main" xmlns="">
                 <a:effectLst>
                   <a:outerShdw blurRad="63500" dist="38099" dir="2700000" algn="ctr" rotWithShape="0">
                     <a:schemeClr val="bg2">
@@ -4619,17 +4619,17 @@
           <a:effectLst/>
           <a:extLst>
             <a:ext uri="{FAA26D3D-D897-4be2-8F04-BA451C77F1D7}">
-              <ma14:placeholderFlag xmlns="" xmlns:ma14="http://schemas.microsoft.com/office/mac/drawingml/2011/main" val="1"/>
+              <ma14:placeholderFlag xmlns:ma14="http://schemas.microsoft.com/office/mac/drawingml/2011/main" xmlns="" val="1"/>
             </a:ext>
             <a:ext uri="{909E8E84-426E-40dd-AFC4-6F175D3DCCD1}">
-              <a14:hiddenFill xmlns="" xmlns:a14="http://schemas.microsoft.com/office/drawing/2010/main">
+              <a14:hiddenFill xmlns:a14="http://schemas.microsoft.com/office/drawing/2010/main" xmlns="">
                 <a:solidFill>
                   <a:schemeClr val="accent1"/>
                 </a:solidFill>
               </a14:hiddenFill>
             </a:ext>
             <a:ext uri="{91240B29-F687-4f45-9708-019B960494DF}">
-              <a14:hiddenLine xmlns="" xmlns:a14="http://schemas.microsoft.com/office/drawing/2010/main" w="9525">
+              <a14:hiddenLine xmlns:a14="http://schemas.microsoft.com/office/drawing/2010/main" xmlns="" w="9525">
                 <a:solidFill>
                   <a:schemeClr val="tx1"/>
                 </a:solidFill>
@@ -4639,7 +4639,7 @@
               </a14:hiddenLine>
             </a:ext>
             <a:ext uri="{AF507438-7753-43e0-B8FC-AC1667EBCBE1}">
-              <a14:hiddenEffects xmlns="" xmlns:a14="http://schemas.microsoft.com/office/drawing/2010/main">
+              <a14:hiddenEffects xmlns:a14="http://schemas.microsoft.com/office/drawing/2010/main" xmlns="">
                 <a:effectLst>
                   <a:outerShdw blurRad="63500" dist="38099" dir="2700000" algn="ctr" rotWithShape="0">
                     <a:schemeClr val="bg2">
@@ -4766,17 +4766,17 @@
           <a:effectLst/>
           <a:extLst>
             <a:ext uri="{FAA26D3D-D897-4be2-8F04-BA451C77F1D7}">
-              <ma14:placeholderFlag xmlns="" xmlns:ma14="http://schemas.microsoft.com/office/mac/drawingml/2011/main" val="1"/>
+              <ma14:placeholderFlag xmlns:ma14="http://schemas.microsoft.com/office/mac/drawingml/2011/main" xmlns="" val="1"/>
             </a:ext>
             <a:ext uri="{909E8E84-426E-40dd-AFC4-6F175D3DCCD1}">
-              <a14:hiddenFill xmlns="" xmlns:a14="http://schemas.microsoft.com/office/drawing/2010/main">
+              <a14:hiddenFill xmlns:a14="http://schemas.microsoft.com/office/drawing/2010/main" xmlns="">
                 <a:solidFill>
                   <a:schemeClr val="accent1"/>
                 </a:solidFill>
               </a14:hiddenFill>
             </a:ext>
             <a:ext uri="{91240B29-F687-4f45-9708-019B960494DF}">
-              <a14:hiddenLine xmlns="" xmlns:a14="http://schemas.microsoft.com/office/drawing/2010/main" w="9525">
+              <a14:hiddenLine xmlns:a14="http://schemas.microsoft.com/office/drawing/2010/main" xmlns="" w="9525">
                 <a:solidFill>
                   <a:schemeClr val="tx1"/>
                 </a:solidFill>
@@ -4786,7 +4786,7 @@
               </a14:hiddenLine>
             </a:ext>
             <a:ext uri="{AF507438-7753-43e0-B8FC-AC1667EBCBE1}">
-              <a14:hiddenEffects xmlns="" xmlns:a14="http://schemas.microsoft.com/office/drawing/2010/main">
+              <a14:hiddenEffects xmlns:a14="http://schemas.microsoft.com/office/drawing/2010/main" xmlns="">
                 <a:effectLst>
                   <a:outerShdw blurRad="63500" dist="38099" dir="2700000" algn="ctr" rotWithShape="0">
                     <a:schemeClr val="bg2">
@@ -4839,17 +4839,17 @@
           <a:effectLst/>
           <a:extLst>
             <a:ext uri="{FAA26D3D-D897-4be2-8F04-BA451C77F1D7}">
-              <ma14:placeholderFlag xmlns="" xmlns:ma14="http://schemas.microsoft.com/office/mac/drawingml/2011/main" val="1"/>
+              <ma14:placeholderFlag xmlns:ma14="http://schemas.microsoft.com/office/mac/drawingml/2011/main" xmlns="" val="1"/>
             </a:ext>
             <a:ext uri="{909E8E84-426E-40dd-AFC4-6F175D3DCCD1}">
-              <a14:hiddenFill xmlns="" xmlns:a14="http://schemas.microsoft.com/office/drawing/2010/main">
+              <a14:hiddenFill xmlns:a14="http://schemas.microsoft.com/office/drawing/2010/main" xmlns="">
                 <a:solidFill>
                   <a:schemeClr val="accent1"/>
                 </a:solidFill>
               </a14:hiddenFill>
             </a:ext>
             <a:ext uri="{91240B29-F687-4f45-9708-019B960494DF}">
-              <a14:hiddenLine xmlns="" xmlns:a14="http://schemas.microsoft.com/office/drawing/2010/main" w="9525">
+              <a14:hiddenLine xmlns:a14="http://schemas.microsoft.com/office/drawing/2010/main" xmlns="" w="9525">
                 <a:solidFill>
                   <a:schemeClr val="tx1"/>
                 </a:solidFill>
@@ -4859,7 +4859,7 @@
               </a14:hiddenLine>
             </a:ext>
             <a:ext uri="{AF507438-7753-43e0-B8FC-AC1667EBCBE1}">
-              <a14:hiddenEffects xmlns="" xmlns:a14="http://schemas.microsoft.com/office/drawing/2010/main">
+              <a14:hiddenEffects xmlns:a14="http://schemas.microsoft.com/office/drawing/2010/main" xmlns="">
                 <a:effectLst>
                   <a:outerShdw blurRad="63500" dist="38099" dir="2700000" algn="ctr" rotWithShape="0">
                     <a:schemeClr val="bg2">
@@ -4940,17 +4940,17 @@
           <a:effectLst/>
           <a:extLst>
             <a:ext uri="{FAA26D3D-D897-4be2-8F04-BA451C77F1D7}">
-              <ma14:placeholderFlag xmlns="" xmlns:ma14="http://schemas.microsoft.com/office/mac/drawingml/2011/main" val="1"/>
+              <ma14:placeholderFlag xmlns:ma14="http://schemas.microsoft.com/office/mac/drawingml/2011/main" xmlns="" val="1"/>
             </a:ext>
             <a:ext uri="{909E8E84-426E-40dd-AFC4-6F175D3DCCD1}">
-              <a14:hiddenFill xmlns="" xmlns:a14="http://schemas.microsoft.com/office/drawing/2010/main">
+              <a14:hiddenFill xmlns:a14="http://schemas.microsoft.com/office/drawing/2010/main" xmlns="">
                 <a:solidFill>
                   <a:schemeClr val="accent1"/>
                 </a:solidFill>
               </a14:hiddenFill>
             </a:ext>
             <a:ext uri="{91240B29-F687-4f45-9708-019B960494DF}">
-              <a14:hiddenLine xmlns="" xmlns:a14="http://schemas.microsoft.com/office/drawing/2010/main" w="9525">
+              <a14:hiddenLine xmlns:a14="http://schemas.microsoft.com/office/drawing/2010/main" xmlns="" w="9525">
                 <a:solidFill>
                   <a:schemeClr val="tx1"/>
                 </a:solidFill>
@@ -4960,7 +4960,7 @@
               </a14:hiddenLine>
             </a:ext>
             <a:ext uri="{AF507438-7753-43e0-B8FC-AC1667EBCBE1}">
-              <a14:hiddenEffects xmlns="" xmlns:a14="http://schemas.microsoft.com/office/drawing/2010/main">
+              <a14:hiddenEffects xmlns:a14="http://schemas.microsoft.com/office/drawing/2010/main" xmlns="">
                 <a:effectLst>
                   <a:outerShdw blurRad="63500" dist="38099" dir="2700000" algn="ctr" rotWithShape="0">
                     <a:schemeClr val="bg2">
@@ -5030,17 +5030,17 @@
           <a:effectLst/>
           <a:extLst>
             <a:ext uri="{FAA26D3D-D897-4be2-8F04-BA451C77F1D7}">
-              <ma14:placeholderFlag xmlns="" xmlns:ma14="http://schemas.microsoft.com/office/mac/drawingml/2011/main" val="1"/>
+              <ma14:placeholderFlag xmlns:ma14="http://schemas.microsoft.com/office/mac/drawingml/2011/main" xmlns="" val="1"/>
             </a:ext>
             <a:ext uri="{909E8E84-426E-40dd-AFC4-6F175D3DCCD1}">
-              <a14:hiddenFill xmlns="" xmlns:a14="http://schemas.microsoft.com/office/drawing/2010/main">
+              <a14:hiddenFill xmlns:a14="http://schemas.microsoft.com/office/drawing/2010/main" xmlns="">
                 <a:solidFill>
                   <a:schemeClr val="accent1"/>
                 </a:solidFill>
               </a14:hiddenFill>
             </a:ext>
             <a:ext uri="{91240B29-F687-4f45-9708-019B960494DF}">
-              <a14:hiddenLine xmlns="" xmlns:a14="http://schemas.microsoft.com/office/drawing/2010/main" w="9525">
+              <a14:hiddenLine xmlns:a14="http://schemas.microsoft.com/office/drawing/2010/main" xmlns="" w="9525">
                 <a:solidFill>
                   <a:schemeClr val="tx1"/>
                 </a:solidFill>
@@ -5050,7 +5050,7 @@
               </a14:hiddenLine>
             </a:ext>
             <a:ext uri="{AF507438-7753-43e0-B8FC-AC1667EBCBE1}">
-              <a14:hiddenEffects xmlns="" xmlns:a14="http://schemas.microsoft.com/office/drawing/2010/main">
+              <a14:hiddenEffects xmlns:a14="http://schemas.microsoft.com/office/drawing/2010/main" xmlns="">
                 <a:effectLst>
                   <a:outerShdw blurRad="63500" dist="38099" dir="2700000" algn="ctr" rotWithShape="0">
                     <a:schemeClr val="bg2">
@@ -5126,17 +5126,17 @@
           <a:effectLst/>
           <a:extLst>
             <a:ext uri="{FAA26D3D-D897-4be2-8F04-BA451C77F1D7}">
-              <ma14:placeholderFlag xmlns="" xmlns:ma14="http://schemas.microsoft.com/office/mac/drawingml/2011/main" val="1"/>
+              <ma14:placeholderFlag xmlns:ma14="http://schemas.microsoft.com/office/mac/drawingml/2011/main" xmlns="" val="1"/>
             </a:ext>
             <a:ext uri="{909E8E84-426E-40dd-AFC4-6F175D3DCCD1}">
-              <a14:hiddenFill xmlns="" xmlns:a14="http://schemas.microsoft.com/office/drawing/2010/main">
+              <a14:hiddenFill xmlns:a14="http://schemas.microsoft.com/office/drawing/2010/main" xmlns="">
                 <a:solidFill>
                   <a:schemeClr val="accent1"/>
                 </a:solidFill>
               </a14:hiddenFill>
             </a:ext>
             <a:ext uri="{91240B29-F687-4f45-9708-019B960494DF}">
-              <a14:hiddenLine xmlns="" xmlns:a14="http://schemas.microsoft.com/office/drawing/2010/main" w="9525">
+              <a14:hiddenLine xmlns:a14="http://schemas.microsoft.com/office/drawing/2010/main" xmlns="" w="9525">
                 <a:solidFill>
                   <a:schemeClr val="tx1"/>
                 </a:solidFill>
@@ -5146,7 +5146,7 @@
               </a14:hiddenLine>
             </a:ext>
             <a:ext uri="{AF507438-7753-43e0-B8FC-AC1667EBCBE1}">
-              <a14:hiddenEffects xmlns="" xmlns:a14="http://schemas.microsoft.com/office/drawing/2010/main">
+              <a14:hiddenEffects xmlns:a14="http://schemas.microsoft.com/office/drawing/2010/main" xmlns="">
                 <a:effectLst>
                   <a:outerShdw blurRad="63500" dist="38099" dir="2700000" algn="ctr" rotWithShape="0">
                     <a:schemeClr val="bg2">
@@ -10831,7 +10831,44 @@
                 </a:effectLst>
                 <a:latin typeface="Helvetica" pitchFamily="2" charset="0"/>
               </a:rPr>
-              <a:t>Connect local layer interface (Manually proof required)</a:t>
+              <a:t>Connect local layer interface </a:t>
+            </a:r>
+          </a:p>
+          <a:p>
+            <a:pPr algn="ctr"/>
+            <a:r>
+              <a:rPr lang="en-US" sz="1600" cap="none" spc="0">
+                <a:ln w="0"/>
+                <a:solidFill>
+                  <a:schemeClr val="tx1"/>
+                </a:solidFill>
+                <a:effectLst>
+                  <a:outerShdw blurRad="38100" dist="19050" dir="2700000" algn="tl" rotWithShape="0">
+                    <a:schemeClr val="dk1">
+                      <a:alpha val="40000"/>
+                    </a:schemeClr>
+                  </a:outerShdw>
+                </a:effectLst>
+                <a:latin typeface="Helvetica" pitchFamily="2" charset="0"/>
+              </a:rPr>
+              <a:t>(manual </a:t>
+            </a:r>
+            <a:r>
+              <a:rPr lang="en-US" sz="1600" cap="none" spc="0" dirty="0">
+                <a:ln w="0"/>
+                <a:solidFill>
+                  <a:schemeClr val="tx1"/>
+                </a:solidFill>
+                <a:effectLst>
+                  <a:outerShdw blurRad="38100" dist="19050" dir="2700000" algn="tl" rotWithShape="0">
+                    <a:schemeClr val="dk1">
+                      <a:alpha val="40000"/>
+                    </a:schemeClr>
+                  </a:outerShdw>
+                </a:effectLst>
+                <a:latin typeface="Helvetica" pitchFamily="2" charset="0"/>
+              </a:rPr>
+              <a:t>proof required)</a:t>
             </a:r>
           </a:p>
         </p:txBody>
@@ -11002,7 +11039,7 @@
           <a:effectLst/>
           <a:extLst>
             <a:ext uri="{AF507438-7753-43e0-B8FC-AC1667EBCBE1}">
-              <a14:hiddenEffects xmlns="" xmlns:a14="http://schemas.microsoft.com/office/drawing/2010/main">
+              <a14:hiddenEffects xmlns:a14="http://schemas.microsoft.com/office/drawing/2010/main" xmlns="">
                 <a:effectLst>
                   <a:outerShdw blurRad="63500" dist="38099" dir="2700000" algn="ctr" rotWithShape="0">
                     <a:schemeClr val="bg2">
@@ -11121,7 +11158,7 @@
           <a:effectLst/>
           <a:extLst>
             <a:ext uri="{AF507438-7753-43e0-B8FC-AC1667EBCBE1}">
-              <a14:hiddenEffects xmlns="" xmlns:a14="http://schemas.microsoft.com/office/drawing/2010/main">
+              <a14:hiddenEffects xmlns:a14="http://schemas.microsoft.com/office/drawing/2010/main" xmlns="">
                 <a:effectLst>
                   <a:outerShdw blurRad="63500" dist="38099" dir="2700000" algn="ctr" rotWithShape="0">
                     <a:schemeClr val="bg2">
@@ -15002,7 +15039,7 @@
           <a:effectLst/>
           <a:extLst>
             <a:ext uri="{AF507438-7753-43e0-B8FC-AC1667EBCBE1}">
-              <a14:hiddenEffects xmlns="" xmlns:a14="http://schemas.microsoft.com/office/drawing/2010/main">
+              <a14:hiddenEffects xmlns:a14="http://schemas.microsoft.com/office/drawing/2010/main" xmlns="">
                 <a:effectLst>
                   <a:outerShdw blurRad="63500" dist="38099" dir="2700000" algn="ctr" rotWithShape="0">
                     <a:schemeClr val="bg2">
@@ -15086,7 +15123,7 @@
           <a:effectLst/>
           <a:extLst>
             <a:ext uri="{AF507438-7753-43e0-B8FC-AC1667EBCBE1}">
-              <a14:hiddenEffects xmlns="" xmlns:a14="http://schemas.microsoft.com/office/drawing/2010/main">
+              <a14:hiddenEffects xmlns:a14="http://schemas.microsoft.com/office/drawing/2010/main" xmlns="">
                 <a:effectLst>
                   <a:outerShdw blurRad="63500" dist="38099" dir="2700000" algn="ctr" rotWithShape="0">
                     <a:schemeClr val="bg2">
@@ -15420,7 +15457,7 @@
           <a:effectLst/>
           <a:extLst>
             <a:ext uri="{AF507438-7753-43e0-B8FC-AC1667EBCBE1}">
-              <a14:hiddenEffects xmlns="" xmlns:a14="http://schemas.microsoft.com/office/drawing/2010/main">
+              <a14:hiddenEffects xmlns:a14="http://schemas.microsoft.com/office/drawing/2010/main" xmlns="">
                 <a:effectLst>
                   <a:outerShdw blurRad="63500" dist="38099" dir="2700000" algn="ctr" rotWithShape="0">
                     <a:schemeClr val="bg2">
@@ -15471,7 +15508,7 @@
           <a:effectLst/>
           <a:extLst>
             <a:ext uri="{AF507438-7753-43e0-B8FC-AC1667EBCBE1}">
-              <a14:hiddenEffects xmlns="" xmlns:a14="http://schemas.microsoft.com/office/drawing/2010/main">
+              <a14:hiddenEffects xmlns:a14="http://schemas.microsoft.com/office/drawing/2010/main" xmlns="">
                 <a:effectLst>
                   <a:outerShdw blurRad="63500" dist="38099" dir="2700000" algn="ctr" rotWithShape="0">
                     <a:schemeClr val="bg2">
@@ -15517,7 +15554,7 @@
           <a:effectLst/>
           <a:extLst>
             <a:ext uri="{AF507438-7753-43e0-B8FC-AC1667EBCBE1}">
-              <a14:hiddenEffects xmlns="" xmlns:a14="http://schemas.microsoft.com/office/drawing/2010/main">
+              <a14:hiddenEffects xmlns:a14="http://schemas.microsoft.com/office/drawing/2010/main" xmlns="">
                 <a:effectLst>
                   <a:outerShdw blurRad="63500" dist="38099" dir="2700000" algn="ctr" rotWithShape="0">
                     <a:schemeClr val="bg2">
@@ -15795,7 +15832,7 @@
           <a:effectLst/>
           <a:extLst>
             <a:ext uri="{AF507438-7753-43e0-B8FC-AC1667EBCBE1}">
-              <a14:hiddenEffects xmlns="" xmlns:a14="http://schemas.microsoft.com/office/drawing/2010/main">
+              <a14:hiddenEffects xmlns:a14="http://schemas.microsoft.com/office/drawing/2010/main" xmlns="">
                 <a:effectLst>
                   <a:outerShdw blurRad="63500" dist="38099" dir="2700000" algn="ctr" rotWithShape="0">
                     <a:schemeClr val="bg2">
@@ -15880,7 +15917,7 @@
           <a:effectLst/>
           <a:extLst>
             <a:ext uri="{AF507438-7753-43e0-B8FC-AC1667EBCBE1}">
-              <a14:hiddenEffects xmlns="" xmlns:a14="http://schemas.microsoft.com/office/drawing/2010/main">
+              <a14:hiddenEffects xmlns:a14="http://schemas.microsoft.com/office/drawing/2010/main" xmlns="">
                 <a:effectLst>
                   <a:outerShdw blurRad="63500" dist="38099" dir="2700000" algn="ctr" rotWithShape="0">
                     <a:schemeClr val="bg2">
@@ -15961,7 +15998,7 @@
           <a:effectLst/>
           <a:extLst>
             <a:ext uri="{AF507438-7753-43e0-B8FC-AC1667EBCBE1}">
-              <a14:hiddenEffects xmlns="" xmlns:a14="http://schemas.microsoft.com/office/drawing/2010/main">
+              <a14:hiddenEffects xmlns:a14="http://schemas.microsoft.com/office/drawing/2010/main" xmlns="">
                 <a:effectLst>
                   <a:outerShdw blurRad="63500" dist="38099" dir="2700000" algn="ctr" rotWithShape="0">
                     <a:schemeClr val="bg2">
@@ -16058,7 +16095,7 @@
           <a:effectLst/>
           <a:extLst>
             <a:ext uri="{AF507438-7753-43e0-B8FC-AC1667EBCBE1}">
-              <a14:hiddenEffects xmlns="" xmlns:a14="http://schemas.microsoft.com/office/drawing/2010/main">
+              <a14:hiddenEffects xmlns:a14="http://schemas.microsoft.com/office/drawing/2010/main" xmlns="">
                 <a:effectLst>
                   <a:outerShdw blurRad="63500" dist="38099" dir="2700000" algn="ctr" rotWithShape="0">
                     <a:schemeClr val="bg2">
@@ -16155,7 +16192,7 @@
           <a:effectLst/>
           <a:extLst>
             <a:ext uri="{AF507438-7753-43e0-B8FC-AC1667EBCBE1}">
-              <a14:hiddenEffects xmlns="" xmlns:a14="http://schemas.microsoft.com/office/drawing/2010/main">
+              <a14:hiddenEffects xmlns:a14="http://schemas.microsoft.com/office/drawing/2010/main" xmlns="">
                 <a:effectLst>
                   <a:outerShdw blurRad="63500" dist="38099" dir="2700000" algn="ctr" rotWithShape="0">
                     <a:schemeClr val="bg2">
@@ -16250,7 +16287,7 @@
           <a:effectLst/>
           <a:extLst>
             <a:ext uri="{AF507438-7753-43e0-B8FC-AC1667EBCBE1}">
-              <a14:hiddenEffects xmlns="" xmlns:a14="http://schemas.microsoft.com/office/drawing/2010/main">
+              <a14:hiddenEffects xmlns:a14="http://schemas.microsoft.com/office/drawing/2010/main" xmlns="">
                 <a:effectLst>
                   <a:outerShdw blurRad="63500" dist="38099" dir="2700000" algn="ctr" rotWithShape="0">
                     <a:schemeClr val="bg2">
@@ -16349,7 +16386,7 @@
           <a:effectLst/>
           <a:extLst>
             <a:ext uri="{AF507438-7753-43e0-B8FC-AC1667EBCBE1}">
-              <a14:hiddenEffects xmlns="" xmlns:a14="http://schemas.microsoft.com/office/drawing/2010/main">
+              <a14:hiddenEffects xmlns:a14="http://schemas.microsoft.com/office/drawing/2010/main" xmlns="">
                 <a:effectLst>
                   <a:outerShdw blurRad="63500" dist="38099" dir="2700000" algn="ctr" rotWithShape="0">
                     <a:schemeClr val="bg2">
@@ -16399,7 +16436,7 @@
           <a:effectLst/>
           <a:extLst>
             <a:ext uri="{AF507438-7753-43e0-B8FC-AC1667EBCBE1}">
-              <a14:hiddenEffects xmlns="" xmlns:a14="http://schemas.microsoft.com/office/drawing/2010/main">
+              <a14:hiddenEffects xmlns:a14="http://schemas.microsoft.com/office/drawing/2010/main" xmlns="">
                 <a:effectLst>
                   <a:outerShdw blurRad="63500" dist="38099" dir="2700000" algn="ctr" rotWithShape="0">
                     <a:schemeClr val="bg2">
@@ -16483,7 +16520,7 @@
           <a:effectLst/>
           <a:extLst>
             <a:ext uri="{AF507438-7753-43e0-B8FC-AC1667EBCBE1}">
-              <a14:hiddenEffects xmlns="" xmlns:a14="http://schemas.microsoft.com/office/drawing/2010/main">
+              <a14:hiddenEffects xmlns:a14="http://schemas.microsoft.com/office/drawing/2010/main" xmlns="">
                 <a:effectLst>
                   <a:outerShdw blurRad="63500" dist="38099" dir="2700000" algn="ctr" rotWithShape="0">
                     <a:schemeClr val="bg2">
@@ -16533,7 +16570,7 @@
           <a:effectLst/>
           <a:extLst>
             <a:ext uri="{AF507438-7753-43e0-B8FC-AC1667EBCBE1}">
-              <a14:hiddenEffects xmlns="" xmlns:a14="http://schemas.microsoft.com/office/drawing/2010/main">
+              <a14:hiddenEffects xmlns:a14="http://schemas.microsoft.com/office/drawing/2010/main" xmlns="">
                 <a:effectLst>
                   <a:outerShdw blurRad="63500" dist="38099" dir="2700000" algn="ctr" rotWithShape="0">
                     <a:schemeClr val="bg2">
@@ -16581,7 +16618,7 @@
           <a:effectLst/>
           <a:extLst>
             <a:ext uri="{AF507438-7753-43e0-B8FC-AC1667EBCBE1}">
-              <a14:hiddenEffects xmlns="" xmlns:a14="http://schemas.microsoft.com/office/drawing/2010/main">
+              <a14:hiddenEffects xmlns:a14="http://schemas.microsoft.com/office/drawing/2010/main" xmlns="">
                 <a:effectLst>
                   <a:outerShdw blurRad="63500" dist="38099" dir="2700000" algn="ctr" rotWithShape="0">
                     <a:schemeClr val="bg2">
@@ -16676,7 +16713,7 @@
           <a:effectLst/>
           <a:extLst>
             <a:ext uri="{AF507438-7753-43e0-B8FC-AC1667EBCBE1}">
-              <a14:hiddenEffects xmlns="" xmlns:a14="http://schemas.microsoft.com/office/drawing/2010/main">
+              <a14:hiddenEffects xmlns:a14="http://schemas.microsoft.com/office/drawing/2010/main" xmlns="">
                 <a:effectLst>
                   <a:outerShdw blurRad="63500" dist="38099" dir="2700000" algn="ctr" rotWithShape="0">
                     <a:schemeClr val="bg2">
@@ -16771,7 +16808,7 @@
           <a:effectLst/>
           <a:extLst>
             <a:ext uri="{AF507438-7753-43e0-B8FC-AC1667EBCBE1}">
-              <a14:hiddenEffects xmlns="" xmlns:a14="http://schemas.microsoft.com/office/drawing/2010/main">
+              <a14:hiddenEffects xmlns:a14="http://schemas.microsoft.com/office/drawing/2010/main" xmlns="">
                 <a:effectLst>
                   <a:outerShdw blurRad="63500" dist="38099" dir="2700000" algn="ctr" rotWithShape="0">
                     <a:schemeClr val="bg2">
@@ -16868,7 +16905,7 @@
           <a:effectLst/>
           <a:extLst>
             <a:ext uri="{AF507438-7753-43e0-B8FC-AC1667EBCBE1}">
-              <a14:hiddenEffects xmlns="" xmlns:a14="http://schemas.microsoft.com/office/drawing/2010/main">
+              <a14:hiddenEffects xmlns:a14="http://schemas.microsoft.com/office/drawing/2010/main" xmlns="">
                 <a:effectLst>
                   <a:outerShdw blurRad="63500" dist="38099" dir="2700000" algn="ctr" rotWithShape="0">
                     <a:schemeClr val="bg2">
@@ -16963,7 +17000,7 @@
           <a:effectLst/>
           <a:extLst>
             <a:ext uri="{AF507438-7753-43e0-B8FC-AC1667EBCBE1}">
-              <a14:hiddenEffects xmlns="" xmlns:a14="http://schemas.microsoft.com/office/drawing/2010/main">
+              <a14:hiddenEffects xmlns:a14="http://schemas.microsoft.com/office/drawing/2010/main" xmlns="">
                 <a:effectLst>
                   <a:outerShdw blurRad="63500" dist="38099" dir="2700000" algn="ctr" rotWithShape="0">
                     <a:schemeClr val="bg2">
@@ -17345,8 +17382,8 @@
           </p:sp>
         </mc:Fallback>
       </mc:AlternateContent>
-      <mc:AlternateContent xmlns:mc="http://schemas.openxmlformats.org/markup-compatibility/2006">
-        <mc:Choice xmlns:a14="http://schemas.microsoft.com/office/drawing/2010/main" Requires="a14">
+      <mc:AlternateContent xmlns:mc="http://schemas.openxmlformats.org/markup-compatibility/2006" xmlns:a14="http://schemas.microsoft.com/office/drawing/2010/main">
+        <mc:Choice Requires="a14">
           <p:sp>
             <p:nvSpPr>
               <p:cNvPr id="33" name="Rectangle 32">
@@ -17768,7 +17805,7 @@
             </p:txBody>
           </p:sp>
         </mc:Choice>
-        <mc:Fallback>
+        <mc:Fallback xmlns="">
           <p:sp>
             <p:nvSpPr>
               <p:cNvPr id="33" name="Rectangle 32">
@@ -17848,7 +17885,7 @@
           <a:effectLst/>
           <a:extLst>
             <a:ext uri="{AF507438-7753-43e0-B8FC-AC1667EBCBE1}">
-              <a14:hiddenEffects xmlns="" xmlns:a14="http://schemas.microsoft.com/office/drawing/2010/main">
+              <a14:hiddenEffects xmlns:a14="http://schemas.microsoft.com/office/drawing/2010/main" xmlns="">
                 <a:effectLst>
                   <a:outerShdw blurRad="63500" dist="38099" dir="2700000" algn="ctr" rotWithShape="0">
                     <a:schemeClr val="bg2">
@@ -18123,7 +18160,7 @@
           <a:effectLst/>
           <a:extLst>
             <a:ext uri="{AF507438-7753-43e0-B8FC-AC1667EBCBE1}">
-              <a14:hiddenEffects xmlns="" xmlns:a14="http://schemas.microsoft.com/office/drawing/2010/main">
+              <a14:hiddenEffects xmlns:a14="http://schemas.microsoft.com/office/drawing/2010/main" xmlns="">
                 <a:effectLst>
                   <a:outerShdw blurRad="63500" dist="38099" dir="2700000" algn="ctr" rotWithShape="0">
                     <a:schemeClr val="bg2">
@@ -18208,7 +18245,7 @@
           <a:effectLst/>
           <a:extLst>
             <a:ext uri="{AF507438-7753-43e0-B8FC-AC1667EBCBE1}">
-              <a14:hiddenEffects xmlns="" xmlns:a14="http://schemas.microsoft.com/office/drawing/2010/main">
+              <a14:hiddenEffects xmlns:a14="http://schemas.microsoft.com/office/drawing/2010/main" xmlns="">
                 <a:effectLst>
                   <a:outerShdw blurRad="63500" dist="38099" dir="2700000" algn="ctr" rotWithShape="0">
                     <a:schemeClr val="bg2">
@@ -18289,7 +18326,7 @@
           <a:effectLst/>
           <a:extLst>
             <a:ext uri="{AF507438-7753-43e0-B8FC-AC1667EBCBE1}">
-              <a14:hiddenEffects xmlns="" xmlns:a14="http://schemas.microsoft.com/office/drawing/2010/main">
+              <a14:hiddenEffects xmlns:a14="http://schemas.microsoft.com/office/drawing/2010/main" xmlns="">
                 <a:effectLst>
                   <a:outerShdw blurRad="63500" dist="38099" dir="2700000" algn="ctr" rotWithShape="0">
                     <a:schemeClr val="bg2">
@@ -18386,7 +18423,7 @@
           <a:effectLst/>
           <a:extLst>
             <a:ext uri="{AF507438-7753-43e0-B8FC-AC1667EBCBE1}">
-              <a14:hiddenEffects xmlns="" xmlns:a14="http://schemas.microsoft.com/office/drawing/2010/main">
+              <a14:hiddenEffects xmlns:a14="http://schemas.microsoft.com/office/drawing/2010/main" xmlns="">
                 <a:effectLst>
                   <a:outerShdw blurRad="63500" dist="38099" dir="2700000" algn="ctr" rotWithShape="0">
                     <a:schemeClr val="bg2">
@@ -18483,7 +18520,7 @@
           <a:effectLst/>
           <a:extLst>
             <a:ext uri="{AF507438-7753-43e0-B8FC-AC1667EBCBE1}">
-              <a14:hiddenEffects xmlns="" xmlns:a14="http://schemas.microsoft.com/office/drawing/2010/main">
+              <a14:hiddenEffects xmlns:a14="http://schemas.microsoft.com/office/drawing/2010/main" xmlns="">
                 <a:effectLst>
                   <a:outerShdw blurRad="63500" dist="38099" dir="2700000" algn="ctr" rotWithShape="0">
                     <a:schemeClr val="bg2">
@@ -18578,7 +18615,7 @@
           <a:effectLst/>
           <a:extLst>
             <a:ext uri="{AF507438-7753-43e0-B8FC-AC1667EBCBE1}">
-              <a14:hiddenEffects xmlns="" xmlns:a14="http://schemas.microsoft.com/office/drawing/2010/main">
+              <a14:hiddenEffects xmlns:a14="http://schemas.microsoft.com/office/drawing/2010/main" xmlns="">
                 <a:effectLst>
                   <a:outerShdw blurRad="63500" dist="38099" dir="2700000" algn="ctr" rotWithShape="0">
                     <a:schemeClr val="bg2">
@@ -18677,7 +18714,7 @@
           <a:effectLst/>
           <a:extLst>
             <a:ext uri="{AF507438-7753-43e0-B8FC-AC1667EBCBE1}">
-              <a14:hiddenEffects xmlns="" xmlns:a14="http://schemas.microsoft.com/office/drawing/2010/main">
+              <a14:hiddenEffects xmlns:a14="http://schemas.microsoft.com/office/drawing/2010/main" xmlns="">
                 <a:effectLst>
                   <a:outerShdw blurRad="63500" dist="38099" dir="2700000" algn="ctr" rotWithShape="0">
                     <a:schemeClr val="bg2">
@@ -18727,7 +18764,7 @@
           <a:effectLst/>
           <a:extLst>
             <a:ext uri="{AF507438-7753-43e0-B8FC-AC1667EBCBE1}">
-              <a14:hiddenEffects xmlns="" xmlns:a14="http://schemas.microsoft.com/office/drawing/2010/main">
+              <a14:hiddenEffects xmlns:a14="http://schemas.microsoft.com/office/drawing/2010/main" xmlns="">
                 <a:effectLst>
                   <a:outerShdw blurRad="63500" dist="38099" dir="2700000" algn="ctr" rotWithShape="0">
                     <a:schemeClr val="bg2">
@@ -18811,7 +18848,7 @@
           <a:effectLst/>
           <a:extLst>
             <a:ext uri="{AF507438-7753-43e0-B8FC-AC1667EBCBE1}">
-              <a14:hiddenEffects xmlns="" xmlns:a14="http://schemas.microsoft.com/office/drawing/2010/main">
+              <a14:hiddenEffects xmlns:a14="http://schemas.microsoft.com/office/drawing/2010/main" xmlns="">
                 <a:effectLst>
                   <a:outerShdw blurRad="63500" dist="38099" dir="2700000" algn="ctr" rotWithShape="0">
                     <a:schemeClr val="bg2">
@@ -18861,7 +18898,7 @@
           <a:effectLst/>
           <a:extLst>
             <a:ext uri="{AF507438-7753-43e0-B8FC-AC1667EBCBE1}">
-              <a14:hiddenEffects xmlns="" xmlns:a14="http://schemas.microsoft.com/office/drawing/2010/main">
+              <a14:hiddenEffects xmlns:a14="http://schemas.microsoft.com/office/drawing/2010/main" xmlns="">
                 <a:effectLst>
                   <a:outerShdw blurRad="63500" dist="38099" dir="2700000" algn="ctr" rotWithShape="0">
                     <a:schemeClr val="bg2">
@@ -18909,7 +18946,7 @@
           <a:effectLst/>
           <a:extLst>
             <a:ext uri="{AF507438-7753-43e0-B8FC-AC1667EBCBE1}">
-              <a14:hiddenEffects xmlns="" xmlns:a14="http://schemas.microsoft.com/office/drawing/2010/main">
+              <a14:hiddenEffects xmlns:a14="http://schemas.microsoft.com/office/drawing/2010/main" xmlns="">
                 <a:effectLst>
                   <a:outerShdw blurRad="63500" dist="38099" dir="2700000" algn="ctr" rotWithShape="0">
                     <a:schemeClr val="bg2">
@@ -19004,7 +19041,7 @@
           <a:effectLst/>
           <a:extLst>
             <a:ext uri="{AF507438-7753-43e0-B8FC-AC1667EBCBE1}">
-              <a14:hiddenEffects xmlns="" xmlns:a14="http://schemas.microsoft.com/office/drawing/2010/main">
+              <a14:hiddenEffects xmlns:a14="http://schemas.microsoft.com/office/drawing/2010/main" xmlns="">
                 <a:effectLst>
                   <a:outerShdw blurRad="63500" dist="38099" dir="2700000" algn="ctr" rotWithShape="0">
                     <a:schemeClr val="bg2">
@@ -19099,7 +19136,7 @@
           <a:effectLst/>
           <a:extLst>
             <a:ext uri="{AF507438-7753-43e0-B8FC-AC1667EBCBE1}">
-              <a14:hiddenEffects xmlns="" xmlns:a14="http://schemas.microsoft.com/office/drawing/2010/main">
+              <a14:hiddenEffects xmlns:a14="http://schemas.microsoft.com/office/drawing/2010/main" xmlns="">
                 <a:effectLst>
                   <a:outerShdw blurRad="63500" dist="38099" dir="2700000" algn="ctr" rotWithShape="0">
                     <a:schemeClr val="bg2">
@@ -19196,7 +19233,7 @@
           <a:effectLst/>
           <a:extLst>
             <a:ext uri="{AF507438-7753-43e0-B8FC-AC1667EBCBE1}">
-              <a14:hiddenEffects xmlns="" xmlns:a14="http://schemas.microsoft.com/office/drawing/2010/main">
+              <a14:hiddenEffects xmlns:a14="http://schemas.microsoft.com/office/drawing/2010/main" xmlns="">
                 <a:effectLst>
                   <a:outerShdw blurRad="63500" dist="38099" dir="2700000" algn="ctr" rotWithShape="0">
                     <a:schemeClr val="bg2">
@@ -19291,7 +19328,7 @@
           <a:effectLst/>
           <a:extLst>
             <a:ext uri="{AF507438-7753-43e0-B8FC-AC1667EBCBE1}">
-              <a14:hiddenEffects xmlns="" xmlns:a14="http://schemas.microsoft.com/office/drawing/2010/main">
+              <a14:hiddenEffects xmlns:a14="http://schemas.microsoft.com/office/drawing/2010/main" xmlns="">
                 <a:effectLst>
                   <a:outerShdw blurRad="63500" dist="38099" dir="2700000" algn="ctr" rotWithShape="0">
                     <a:schemeClr val="bg2">
@@ -19446,7 +19483,7 @@
           <a:effectLst/>
           <a:extLst>
             <a:ext uri="{AF507438-7753-43e0-B8FC-AC1667EBCBE1}">
-              <a14:hiddenEffects xmlns="" xmlns:a14="http://schemas.microsoft.com/office/drawing/2010/main">
+              <a14:hiddenEffects xmlns:a14="http://schemas.microsoft.com/office/drawing/2010/main" xmlns="">
                 <a:effectLst>
                   <a:outerShdw blurRad="63500" dist="38099" dir="2700000" algn="ctr" rotWithShape="0">
                     <a:schemeClr val="bg2">
@@ -19966,7 +20003,7 @@
           <a:effectLst/>
           <a:extLst>
             <a:ext uri="{AF507438-7753-43e0-B8FC-AC1667EBCBE1}">
-              <a14:hiddenEffects xmlns="" xmlns:a14="http://schemas.microsoft.com/office/drawing/2010/main">
+              <a14:hiddenEffects xmlns:a14="http://schemas.microsoft.com/office/drawing/2010/main" xmlns="">
                 <a:effectLst>
                   <a:outerShdw blurRad="63500" dist="38099" dir="2700000" algn="ctr" rotWithShape="0">
                     <a:schemeClr val="bg2">
@@ -20016,7 +20053,7 @@
           <a:effectLst/>
           <a:extLst>
             <a:ext uri="{AF507438-7753-43e0-B8FC-AC1667EBCBE1}">
-              <a14:hiddenEffects xmlns="" xmlns:a14="http://schemas.microsoft.com/office/drawing/2010/main">
+              <a14:hiddenEffects xmlns:a14="http://schemas.microsoft.com/office/drawing/2010/main" xmlns="">
                 <a:effectLst>
                   <a:outerShdw blurRad="63500" dist="38099" dir="2700000" algn="ctr" rotWithShape="0">
                     <a:schemeClr val="bg2">
@@ -20141,7 +20178,7 @@
           <a:effectLst/>
           <a:extLst>
             <a:ext uri="{AF507438-7753-43e0-B8FC-AC1667EBCBE1}">
-              <a14:hiddenEffects xmlns="" xmlns:a14="http://schemas.microsoft.com/office/drawing/2010/main">
+              <a14:hiddenEffects xmlns:a14="http://schemas.microsoft.com/office/drawing/2010/main" xmlns="">
                 <a:effectLst>
                   <a:outerShdw blurRad="63500" dist="38099" dir="2700000" algn="ctr" rotWithShape="0">
                     <a:schemeClr val="bg2">
@@ -20187,7 +20224,7 @@
           <a:effectLst/>
           <a:extLst>
             <a:ext uri="{AF507438-7753-43e0-B8FC-AC1667EBCBE1}">
-              <a14:hiddenEffects xmlns="" xmlns:a14="http://schemas.microsoft.com/office/drawing/2010/main">
+              <a14:hiddenEffects xmlns:a14="http://schemas.microsoft.com/office/drawing/2010/main" xmlns="">
                 <a:effectLst>
                   <a:outerShdw blurRad="63500" dist="38099" dir="2700000" algn="ctr" rotWithShape="0">
                     <a:schemeClr val="bg2">
@@ -20284,7 +20321,7 @@
           <a:effectLst/>
           <a:extLst>
             <a:ext uri="{AF507438-7753-43e0-B8FC-AC1667EBCBE1}">
-              <a14:hiddenEffects xmlns="" xmlns:a14="http://schemas.microsoft.com/office/drawing/2010/main">
+              <a14:hiddenEffects xmlns:a14="http://schemas.microsoft.com/office/drawing/2010/main" xmlns="">
                 <a:effectLst>
                   <a:outerShdw blurRad="63500" dist="38099" dir="2700000" algn="ctr" rotWithShape="0">
                     <a:schemeClr val="bg2">
@@ -20381,7 +20418,7 @@
           <a:effectLst/>
           <a:extLst>
             <a:ext uri="{AF507438-7753-43e0-B8FC-AC1667EBCBE1}">
-              <a14:hiddenEffects xmlns="" xmlns:a14="http://schemas.microsoft.com/office/drawing/2010/main">
+              <a14:hiddenEffects xmlns:a14="http://schemas.microsoft.com/office/drawing/2010/main" xmlns="">
                 <a:effectLst>
                   <a:outerShdw blurRad="63500" dist="38099" dir="2700000" algn="ctr" rotWithShape="0">
                     <a:schemeClr val="bg2">
@@ -20476,7 +20513,7 @@
           <a:effectLst/>
           <a:extLst>
             <a:ext uri="{AF507438-7753-43e0-B8FC-AC1667EBCBE1}">
-              <a14:hiddenEffects xmlns="" xmlns:a14="http://schemas.microsoft.com/office/drawing/2010/main">
+              <a14:hiddenEffects xmlns:a14="http://schemas.microsoft.com/office/drawing/2010/main" xmlns="">
                 <a:effectLst>
                   <a:outerShdw blurRad="63500" dist="38099" dir="2700000" algn="ctr" rotWithShape="0">
                     <a:schemeClr val="bg2">
@@ -20573,7 +20610,7 @@
           <a:effectLst/>
           <a:extLst>
             <a:ext uri="{AF507438-7753-43e0-B8FC-AC1667EBCBE1}">
-              <a14:hiddenEffects xmlns="" xmlns:a14="http://schemas.microsoft.com/office/drawing/2010/main">
+              <a14:hiddenEffects xmlns:a14="http://schemas.microsoft.com/office/drawing/2010/main" xmlns="">
                 <a:effectLst>
                   <a:outerShdw blurRad="63500" dist="38099" dir="2700000" algn="ctr" rotWithShape="0">
                     <a:schemeClr val="bg2">
@@ -20696,7 +20733,7 @@
             <a:effectLst/>
             <a:extLst>
               <a:ext uri="{AF507438-7753-43e0-B8FC-AC1667EBCBE1}">
-                <a14:hiddenEffects xmlns="" xmlns:a14="http://schemas.microsoft.com/office/drawing/2010/main">
+                <a14:hiddenEffects xmlns:a14="http://schemas.microsoft.com/office/drawing/2010/main" xmlns="">
                   <a:effectLst>
                     <a:outerShdw blurRad="63500" dist="38099" dir="2700000" algn="ctr" rotWithShape="0">
                       <a:schemeClr val="bg2">
@@ -20901,7 +20938,7 @@
           <a:effectLst/>
           <a:extLst>
             <a:ext uri="{AF507438-7753-43e0-B8FC-AC1667EBCBE1}">
-              <a14:hiddenEffects xmlns="" xmlns:a14="http://schemas.microsoft.com/office/drawing/2010/main">
+              <a14:hiddenEffects xmlns:a14="http://schemas.microsoft.com/office/drawing/2010/main" xmlns="">
                 <a:effectLst>
                   <a:outerShdw blurRad="63500" dist="38099" dir="2700000" algn="ctr" rotWithShape="0">
                     <a:schemeClr val="bg2">
@@ -21007,7 +21044,7 @@
             <a:effectLst/>
             <a:extLst>
               <a:ext uri="{AF507438-7753-43e0-B8FC-AC1667EBCBE1}">
-                <a14:hiddenEffects xmlns="" xmlns:a14="http://schemas.microsoft.com/office/drawing/2010/main">
+                <a14:hiddenEffects xmlns:a14="http://schemas.microsoft.com/office/drawing/2010/main" xmlns="">
                   <a:effectLst>
                     <a:outerShdw blurRad="63500" dist="38099" dir="2700000" algn="ctr" rotWithShape="0">
                       <a:schemeClr val="bg2">
@@ -21148,7 +21185,7 @@
             <a:effectLst/>
             <a:extLst>
               <a:ext uri="{AF507438-7753-43e0-B8FC-AC1667EBCBE1}">
-                <a14:hiddenEffects xmlns="" xmlns:a14="http://schemas.microsoft.com/office/drawing/2010/main">
+                <a14:hiddenEffects xmlns:a14="http://schemas.microsoft.com/office/drawing/2010/main" xmlns="">
                   <a:effectLst>
                     <a:outerShdw blurRad="63500" dist="38099" dir="2700000" algn="ctr" rotWithShape="0">
                       <a:schemeClr val="bg2">
@@ -21254,7 +21291,7 @@
               <a:effectLst/>
               <a:extLst>
                 <a:ext uri="{AF507438-7753-43e0-B8FC-AC1667EBCBE1}">
-                  <a14:hiddenEffects xmlns="" xmlns:a14="http://schemas.microsoft.com/office/drawing/2010/main">
+                  <a14:hiddenEffects xmlns:a14="http://schemas.microsoft.com/office/drawing/2010/main" xmlns="">
                     <a:effectLst>
                       <a:outerShdw blurRad="63500" dist="38099" dir="2700000" algn="ctr" rotWithShape="0">
                         <a:schemeClr val="bg2">
@@ -21382,7 +21419,7 @@
           <a:effectLst/>
           <a:extLst>
             <a:ext uri="{AF507438-7753-43e0-B8FC-AC1667EBCBE1}">
-              <a14:hiddenEffects xmlns="" xmlns:a14="http://schemas.microsoft.com/office/drawing/2010/main">
+              <a14:hiddenEffects xmlns:a14="http://schemas.microsoft.com/office/drawing/2010/main" xmlns="">
                 <a:effectLst>
                   <a:outerShdw blurRad="63500" dist="38099" dir="2700000" algn="ctr" rotWithShape="0">
                     <a:schemeClr val="bg2">
@@ -22012,7 +22049,7 @@
           <a:effectLst/>
           <a:extLst>
             <a:ext uri="{AF507438-7753-43e0-B8FC-AC1667EBCBE1}">
-              <a14:hiddenEffects xmlns="" xmlns:a14="http://schemas.microsoft.com/office/drawing/2010/main">
+              <a14:hiddenEffects xmlns:a14="http://schemas.microsoft.com/office/drawing/2010/main" xmlns="">
                 <a:effectLst>
                   <a:outerShdw blurRad="63500" dist="38099" dir="2700000" algn="ctr" rotWithShape="0">
                     <a:schemeClr val="bg2">
@@ -22062,7 +22099,7 @@
           <a:effectLst/>
           <a:extLst>
             <a:ext uri="{AF507438-7753-43e0-B8FC-AC1667EBCBE1}">
-              <a14:hiddenEffects xmlns="" xmlns:a14="http://schemas.microsoft.com/office/drawing/2010/main">
+              <a14:hiddenEffects xmlns:a14="http://schemas.microsoft.com/office/drawing/2010/main" xmlns="">
                 <a:effectLst>
                   <a:outerShdw blurRad="63500" dist="38099" dir="2700000" algn="ctr" rotWithShape="0">
                     <a:schemeClr val="bg2">
@@ -22112,7 +22149,7 @@
           <a:effectLst/>
           <a:extLst>
             <a:ext uri="{AF507438-7753-43e0-B8FC-AC1667EBCBE1}">
-              <a14:hiddenEffects xmlns="" xmlns:a14="http://schemas.microsoft.com/office/drawing/2010/main">
+              <a14:hiddenEffects xmlns:a14="http://schemas.microsoft.com/office/drawing/2010/main" xmlns="">
                 <a:effectLst>
                   <a:outerShdw blurRad="63500" dist="38099" dir="2700000" algn="ctr" rotWithShape="0">
                     <a:schemeClr val="bg2">
@@ -22162,7 +22199,7 @@
           <a:effectLst/>
           <a:extLst>
             <a:ext uri="{AF507438-7753-43e0-B8FC-AC1667EBCBE1}">
-              <a14:hiddenEffects xmlns="" xmlns:a14="http://schemas.microsoft.com/office/drawing/2010/main">
+              <a14:hiddenEffects xmlns:a14="http://schemas.microsoft.com/office/drawing/2010/main" xmlns="">
                 <a:effectLst>
                   <a:outerShdw blurRad="63500" dist="38099" dir="2700000" algn="ctr" rotWithShape="0">
                     <a:schemeClr val="bg2">
@@ -22212,7 +22249,7 @@
           <a:effectLst/>
           <a:extLst>
             <a:ext uri="{AF507438-7753-43e0-B8FC-AC1667EBCBE1}">
-              <a14:hiddenEffects xmlns="" xmlns:a14="http://schemas.microsoft.com/office/drawing/2010/main">
+              <a14:hiddenEffects xmlns:a14="http://schemas.microsoft.com/office/drawing/2010/main" xmlns="">
                 <a:effectLst>
                   <a:outerShdw blurRad="63500" dist="38099" dir="2700000" algn="ctr" rotWithShape="0">
                     <a:schemeClr val="bg2">
@@ -22334,7 +22371,7 @@
           <a:effectLst/>
           <a:extLst>
             <a:ext uri="{AF507438-7753-43e0-B8FC-AC1667EBCBE1}">
-              <a14:hiddenEffects xmlns="" xmlns:a14="http://schemas.microsoft.com/office/drawing/2010/main">
+              <a14:hiddenEffects xmlns:a14="http://schemas.microsoft.com/office/drawing/2010/main" xmlns="">
                 <a:effectLst>
                   <a:outerShdw blurRad="63500" dist="38099" dir="2700000" algn="ctr" rotWithShape="0">
                     <a:schemeClr val="bg2">
@@ -22429,7 +22466,7 @@
           <a:effectLst/>
           <a:extLst>
             <a:ext uri="{AF507438-7753-43e0-B8FC-AC1667EBCBE1}">
-              <a14:hiddenEffects xmlns="" xmlns:a14="http://schemas.microsoft.com/office/drawing/2010/main">
+              <a14:hiddenEffects xmlns:a14="http://schemas.microsoft.com/office/drawing/2010/main" xmlns="">
                 <a:effectLst>
                   <a:outerShdw blurRad="63500" dist="38099" dir="2700000" algn="ctr" rotWithShape="0">
                     <a:schemeClr val="bg2">
@@ -22524,7 +22561,7 @@
           <a:effectLst/>
           <a:extLst>
             <a:ext uri="{AF507438-7753-43e0-B8FC-AC1667EBCBE1}">
-              <a14:hiddenEffects xmlns="" xmlns:a14="http://schemas.microsoft.com/office/drawing/2010/main">
+              <a14:hiddenEffects xmlns:a14="http://schemas.microsoft.com/office/drawing/2010/main" xmlns="">
                 <a:effectLst>
                   <a:outerShdw blurRad="63500" dist="38099" dir="2700000" algn="ctr" rotWithShape="0">
                     <a:schemeClr val="bg2">
@@ -22621,7 +22658,7 @@
           <a:effectLst/>
           <a:extLst>
             <a:ext uri="{AF507438-7753-43e0-B8FC-AC1667EBCBE1}">
-              <a14:hiddenEffects xmlns="" xmlns:a14="http://schemas.microsoft.com/office/drawing/2010/main">
+              <a14:hiddenEffects xmlns:a14="http://schemas.microsoft.com/office/drawing/2010/main" xmlns="">
                 <a:effectLst>
                   <a:outerShdw blurRad="63500" dist="38099" dir="2700000" algn="ctr" rotWithShape="0">
                     <a:schemeClr val="bg2">
@@ -22718,7 +22755,7 @@
           <a:effectLst/>
           <a:extLst>
             <a:ext uri="{AF507438-7753-43e0-B8FC-AC1667EBCBE1}">
-              <a14:hiddenEffects xmlns="" xmlns:a14="http://schemas.microsoft.com/office/drawing/2010/main">
+              <a14:hiddenEffects xmlns:a14="http://schemas.microsoft.com/office/drawing/2010/main" xmlns="">
                 <a:effectLst>
                   <a:outerShdw blurRad="63500" dist="38099" dir="2700000" algn="ctr" rotWithShape="0">
                     <a:schemeClr val="bg2">
@@ -22813,7 +22850,7 @@
           <a:effectLst/>
           <a:extLst>
             <a:ext uri="{AF507438-7753-43e0-B8FC-AC1667EBCBE1}">
-              <a14:hiddenEffects xmlns="" xmlns:a14="http://schemas.microsoft.com/office/drawing/2010/main">
+              <a14:hiddenEffects xmlns:a14="http://schemas.microsoft.com/office/drawing/2010/main" xmlns="">
                 <a:effectLst>
                   <a:outerShdw blurRad="63500" dist="38099" dir="2700000" algn="ctr" rotWithShape="0">
                     <a:schemeClr val="bg2">
@@ -23019,7 +23056,7 @@
           <a:effectLst/>
           <a:extLst>
             <a:ext uri="{AF507438-7753-43e0-B8FC-AC1667EBCBE1}">
-              <a14:hiddenEffects xmlns="" xmlns:a14="http://schemas.microsoft.com/office/drawing/2010/main">
+              <a14:hiddenEffects xmlns:a14="http://schemas.microsoft.com/office/drawing/2010/main" xmlns="">
                 <a:effectLst>
                   <a:outerShdw blurRad="63500" dist="38099" dir="2700000" algn="ctr" rotWithShape="0">
                     <a:schemeClr val="bg2">
@@ -23116,7 +23153,7 @@
           <a:effectLst/>
           <a:extLst>
             <a:ext uri="{AF507438-7753-43e0-B8FC-AC1667EBCBE1}">
-              <a14:hiddenEffects xmlns="" xmlns:a14="http://schemas.microsoft.com/office/drawing/2010/main">
+              <a14:hiddenEffects xmlns:a14="http://schemas.microsoft.com/office/drawing/2010/main" xmlns="">
                 <a:effectLst>
                   <a:outerShdw blurRad="63500" dist="38099" dir="2700000" algn="ctr" rotWithShape="0">
                     <a:schemeClr val="bg2">
@@ -23211,7 +23248,7 @@
           <a:effectLst/>
           <a:extLst>
             <a:ext uri="{AF507438-7753-43e0-B8FC-AC1667EBCBE1}">
-              <a14:hiddenEffects xmlns="" xmlns:a14="http://schemas.microsoft.com/office/drawing/2010/main">
+              <a14:hiddenEffects xmlns:a14="http://schemas.microsoft.com/office/drawing/2010/main" xmlns="">
                 <a:effectLst>
                   <a:outerShdw blurRad="63500" dist="38099" dir="2700000" algn="ctr" rotWithShape="0">
                     <a:schemeClr val="bg2">
@@ -23295,7 +23332,7 @@
           <a:effectLst/>
           <a:extLst>
             <a:ext uri="{AF507438-7753-43e0-B8FC-AC1667EBCBE1}">
-              <a14:hiddenEffects xmlns="" xmlns:a14="http://schemas.microsoft.com/office/drawing/2010/main">
+              <a14:hiddenEffects xmlns:a14="http://schemas.microsoft.com/office/drawing/2010/main" xmlns="">
                 <a:effectLst>
                   <a:outerShdw blurRad="63500" dist="38099" dir="2700000" algn="ctr" rotWithShape="0">
                     <a:schemeClr val="bg2">
@@ -23381,7 +23418,7 @@
           <a:effectLst/>
           <a:extLst>
             <a:ext uri="{AF507438-7753-43e0-B8FC-AC1667EBCBE1}">
-              <a14:hiddenEffects xmlns="" xmlns:a14="http://schemas.microsoft.com/office/drawing/2010/main">
+              <a14:hiddenEffects xmlns:a14="http://schemas.microsoft.com/office/drawing/2010/main" xmlns="">
                 <a:effectLst>
                   <a:outerShdw blurRad="63500" dist="38099" dir="2700000" algn="ctr" rotWithShape="0">
                     <a:schemeClr val="bg2">
@@ -23482,7 +23519,7 @@
           <a:effectLst/>
           <a:extLst>
             <a:ext uri="{AF507438-7753-43e0-B8FC-AC1667EBCBE1}">
-              <a14:hiddenEffects xmlns="" xmlns:a14="http://schemas.microsoft.com/office/drawing/2010/main">
+              <a14:hiddenEffects xmlns:a14="http://schemas.microsoft.com/office/drawing/2010/main" xmlns="">
                 <a:effectLst>
                   <a:outerShdw blurRad="63500" dist="38099" dir="2700000" algn="ctr" rotWithShape="0">
                     <a:schemeClr val="bg2">
@@ -23568,7 +23605,7 @@
           <a:effectLst/>
           <a:extLst>
             <a:ext uri="{AF507438-7753-43e0-B8FC-AC1667EBCBE1}">
-              <a14:hiddenEffects xmlns="" xmlns:a14="http://schemas.microsoft.com/office/drawing/2010/main">
+              <a14:hiddenEffects xmlns:a14="http://schemas.microsoft.com/office/drawing/2010/main" xmlns="">
                 <a:effectLst>
                   <a:outerShdw blurRad="63500" dist="38099" dir="2700000" algn="ctr" rotWithShape="0">
                     <a:schemeClr val="bg2">
@@ -23657,7 +23694,7 @@
           <a:effectLst/>
           <a:extLst>
             <a:ext uri="{AF507438-7753-43e0-B8FC-AC1667EBCBE1}">
-              <a14:hiddenEffects xmlns="" xmlns:a14="http://schemas.microsoft.com/office/drawing/2010/main">
+              <a14:hiddenEffects xmlns:a14="http://schemas.microsoft.com/office/drawing/2010/main" xmlns="">
                 <a:effectLst>
                   <a:outerShdw blurRad="63500" dist="38099" dir="2700000" algn="ctr" rotWithShape="0">
                     <a:schemeClr val="bg2">
@@ -23708,7 +23745,7 @@
           <a:effectLst/>
           <a:extLst>
             <a:ext uri="{AF507438-7753-43e0-B8FC-AC1667EBCBE1}">
-              <a14:hiddenEffects xmlns="" xmlns:a14="http://schemas.microsoft.com/office/drawing/2010/main">
+              <a14:hiddenEffects xmlns:a14="http://schemas.microsoft.com/office/drawing/2010/main" xmlns="">
                 <a:effectLst>
                   <a:outerShdw blurRad="63500" dist="38099" dir="2700000" algn="ctr" rotWithShape="0">
                     <a:schemeClr val="bg2">
@@ -25000,7 +25037,7 @@
           <a:effectLst/>
           <a:extLst>
             <a:ext uri="{AF507438-7753-43e0-B8FC-AC1667EBCBE1}">
-              <a14:hiddenEffects xmlns="" xmlns:a14="http://schemas.microsoft.com/office/drawing/2010/main">
+              <a14:hiddenEffects xmlns:a14="http://schemas.microsoft.com/office/drawing/2010/main" xmlns="">
                 <a:effectLst>
                   <a:outerShdw blurRad="63500" dist="38099" dir="2700000" algn="ctr" rotWithShape="0">
                     <a:schemeClr val="bg2">
@@ -25150,7 +25187,7 @@
           <a:effectLst/>
           <a:extLst>
             <a:ext uri="{AF507438-7753-43e0-B8FC-AC1667EBCBE1}">
-              <a14:hiddenEffects xmlns="" xmlns:a14="http://schemas.microsoft.com/office/drawing/2010/main">
+              <a14:hiddenEffects xmlns:a14="http://schemas.microsoft.com/office/drawing/2010/main" xmlns="">
                 <a:effectLst>
                   <a:outerShdw blurRad="63500" dist="38099" dir="2700000" algn="ctr" rotWithShape="0">
                     <a:schemeClr val="bg2">
@@ -25238,7 +25275,7 @@
           <a:effectLst/>
           <a:extLst>
             <a:ext uri="{AF507438-7753-43e0-B8FC-AC1667EBCBE1}">
-              <a14:hiddenEffects xmlns="" xmlns:a14="http://schemas.microsoft.com/office/drawing/2010/main">
+              <a14:hiddenEffects xmlns:a14="http://schemas.microsoft.com/office/drawing/2010/main" xmlns="">
                 <a:effectLst>
                   <a:outerShdw blurRad="63500" dist="38099" dir="2700000" algn="ctr" rotWithShape="0">
                     <a:schemeClr val="bg2">
@@ -25284,7 +25321,7 @@
           <a:effectLst/>
           <a:extLst>
             <a:ext uri="{AF507438-7753-43e0-B8FC-AC1667EBCBE1}">
-              <a14:hiddenEffects xmlns="" xmlns:a14="http://schemas.microsoft.com/office/drawing/2010/main">
+              <a14:hiddenEffects xmlns:a14="http://schemas.microsoft.com/office/drawing/2010/main" xmlns="">
                 <a:effectLst>
                   <a:outerShdw blurRad="63500" dist="38099" dir="2700000" algn="ctr" rotWithShape="0">
                     <a:schemeClr val="bg2">
@@ -25381,7 +25418,7 @@
           <a:effectLst/>
           <a:extLst>
             <a:ext uri="{AF507438-7753-43e0-B8FC-AC1667EBCBE1}">
-              <a14:hiddenEffects xmlns="" xmlns:a14="http://schemas.microsoft.com/office/drawing/2010/main">
+              <a14:hiddenEffects xmlns:a14="http://schemas.microsoft.com/office/drawing/2010/main" xmlns="">
                 <a:effectLst>
                   <a:outerShdw blurRad="63500" dist="38099" dir="2700000" algn="ctr" rotWithShape="0">
                     <a:schemeClr val="bg2">
@@ -25496,7 +25533,7 @@
             <a:effectLst/>
             <a:extLst>
               <a:ext uri="{AF507438-7753-43e0-B8FC-AC1667EBCBE1}">
-                <a14:hiddenEffects xmlns="" xmlns:a14="http://schemas.microsoft.com/office/drawing/2010/main">
+                <a14:hiddenEffects xmlns:a14="http://schemas.microsoft.com/office/drawing/2010/main" xmlns="">
                   <a:effectLst>
                     <a:outerShdw blurRad="63500" dist="38099" dir="2700000" algn="ctr" rotWithShape="0">
                       <a:schemeClr val="bg2">
@@ -25583,7 +25620,7 @@
             <a:effectLst/>
             <a:extLst>
               <a:ext uri="{AF507438-7753-43e0-B8FC-AC1667EBCBE1}">
-                <a14:hiddenEffects xmlns="" xmlns:a14="http://schemas.microsoft.com/office/drawing/2010/main">
+                <a14:hiddenEffects xmlns:a14="http://schemas.microsoft.com/office/drawing/2010/main" xmlns="">
                   <a:effectLst>
                     <a:outerShdw blurRad="63500" dist="38099" dir="2700000" algn="ctr" rotWithShape="0">
                       <a:schemeClr val="bg2">
@@ -25690,7 +25727,7 @@
               <a:effectLst/>
               <a:extLst>
                 <a:ext uri="{AF507438-7753-43e0-B8FC-AC1667EBCBE1}">
-                  <a14:hiddenEffects xmlns="" xmlns:a14="http://schemas.microsoft.com/office/drawing/2010/main">
+                  <a14:hiddenEffects xmlns:a14="http://schemas.microsoft.com/office/drawing/2010/main" xmlns="">
                     <a:effectLst>
                       <a:outerShdw blurRad="63500" dist="38099" dir="2700000" algn="ctr" rotWithShape="0">
                         <a:schemeClr val="bg2">
@@ -25811,7 +25848,7 @@
             <a:effectLst/>
             <a:extLst>
               <a:ext uri="{AF507438-7753-43e0-B8FC-AC1667EBCBE1}">
-                <a14:hiddenEffects xmlns="" xmlns:a14="http://schemas.microsoft.com/office/drawing/2010/main">
+                <a14:hiddenEffects xmlns:a14="http://schemas.microsoft.com/office/drawing/2010/main" xmlns="">
                   <a:effectLst>
                     <a:outerShdw blurRad="63500" dist="38099" dir="2700000" algn="ctr" rotWithShape="0">
                       <a:schemeClr val="bg2">
@@ -25918,7 +25955,7 @@
             <a:effectLst/>
             <a:extLst>
               <a:ext uri="{AF507438-7753-43e0-B8FC-AC1667EBCBE1}">
-                <a14:hiddenEffects xmlns="" xmlns:a14="http://schemas.microsoft.com/office/drawing/2010/main">
+                <a14:hiddenEffects xmlns:a14="http://schemas.microsoft.com/office/drawing/2010/main" xmlns="">
                   <a:effectLst>
                     <a:outerShdw blurRad="63500" dist="38099" dir="2700000" algn="ctr" rotWithShape="0">
                       <a:schemeClr val="bg2">
@@ -26064,7 +26101,7 @@
           <a:effectLst/>
           <a:extLst>
             <a:ext uri="{AF507438-7753-43e0-B8FC-AC1667EBCBE1}">
-              <a14:hiddenEffects xmlns="" xmlns:a14="http://schemas.microsoft.com/office/drawing/2010/main">
+              <a14:hiddenEffects xmlns:a14="http://schemas.microsoft.com/office/drawing/2010/main" xmlns="">
                 <a:effectLst>
                   <a:outerShdw blurRad="63500" dist="38099" dir="2700000" algn="ctr" rotWithShape="0">
                     <a:schemeClr val="bg2">
@@ -26147,7 +26184,7 @@
           <a:effectLst/>
           <a:extLst>
             <a:ext uri="{AF507438-7753-43e0-B8FC-AC1667EBCBE1}">
-              <a14:hiddenEffects xmlns="" xmlns:a14="http://schemas.microsoft.com/office/drawing/2010/main">
+              <a14:hiddenEffects xmlns:a14="http://schemas.microsoft.com/office/drawing/2010/main" xmlns="">
                 <a:effectLst>
                   <a:outerShdw blurRad="63500" dist="38099" dir="2700000" algn="ctr" rotWithShape="0">
                     <a:schemeClr val="bg2">
@@ -26244,7 +26281,7 @@
           <a:effectLst/>
           <a:extLst>
             <a:ext uri="{AF507438-7753-43e0-B8FC-AC1667EBCBE1}">
-              <a14:hiddenEffects xmlns="" xmlns:a14="http://schemas.microsoft.com/office/drawing/2010/main">
+              <a14:hiddenEffects xmlns:a14="http://schemas.microsoft.com/office/drawing/2010/main" xmlns="">
                 <a:effectLst>
                   <a:outerShdw blurRad="63500" dist="38099" dir="2700000" algn="ctr" rotWithShape="0">
                     <a:schemeClr val="bg2">
@@ -26347,7 +26384,7 @@
           <a:effectLst/>
           <a:extLst>
             <a:ext uri="{AF507438-7753-43e0-B8FC-AC1667EBCBE1}">
-              <a14:hiddenEffects xmlns="" xmlns:a14="http://schemas.microsoft.com/office/drawing/2010/main">
+              <a14:hiddenEffects xmlns:a14="http://schemas.microsoft.com/office/drawing/2010/main" xmlns="">
                 <a:effectLst>
                   <a:outerShdw blurRad="63500" dist="38099" dir="2700000" algn="ctr" rotWithShape="0">
                     <a:schemeClr val="bg2">
@@ -26435,7 +26472,7 @@
           <a:effectLst/>
           <a:extLst>
             <a:ext uri="{AF507438-7753-43e0-B8FC-AC1667EBCBE1}">
-              <a14:hiddenEffects xmlns="" xmlns:a14="http://schemas.microsoft.com/office/drawing/2010/main">
+              <a14:hiddenEffects xmlns:a14="http://schemas.microsoft.com/office/drawing/2010/main" xmlns="">
                 <a:effectLst>
                   <a:outerShdw blurRad="63500" dist="38099" dir="2700000" algn="ctr" rotWithShape="0">
                     <a:schemeClr val="bg2">
@@ -26481,7 +26518,7 @@
           <a:effectLst/>
           <a:extLst>
             <a:ext uri="{AF507438-7753-43e0-B8FC-AC1667EBCBE1}">
-              <a14:hiddenEffects xmlns="" xmlns:a14="http://schemas.microsoft.com/office/drawing/2010/main">
+              <a14:hiddenEffects xmlns:a14="http://schemas.microsoft.com/office/drawing/2010/main" xmlns="">
                 <a:effectLst>
                   <a:outerShdw blurRad="63500" dist="38099" dir="2700000" algn="ctr" rotWithShape="0">
                     <a:schemeClr val="bg2">
@@ -26578,7 +26615,7 @@
           <a:effectLst/>
           <a:extLst>
             <a:ext uri="{AF507438-7753-43e0-B8FC-AC1667EBCBE1}">
-              <a14:hiddenEffects xmlns="" xmlns:a14="http://schemas.microsoft.com/office/drawing/2010/main">
+              <a14:hiddenEffects xmlns:a14="http://schemas.microsoft.com/office/drawing/2010/main" xmlns="">
                 <a:effectLst>
                   <a:outerShdw blurRad="63500" dist="38099" dir="2700000" algn="ctr" rotWithShape="0">
                     <a:schemeClr val="bg2">
@@ -26677,7 +26714,7 @@
           <a:effectLst/>
           <a:extLst>
             <a:ext uri="{AF507438-7753-43e0-B8FC-AC1667EBCBE1}">
-              <a14:hiddenEffects xmlns="" xmlns:a14="http://schemas.microsoft.com/office/drawing/2010/main">
+              <a14:hiddenEffects xmlns:a14="http://schemas.microsoft.com/office/drawing/2010/main" xmlns="">
                 <a:effectLst>
                   <a:outerShdw blurRad="63500" dist="38099" dir="2700000" algn="ctr" rotWithShape="0">
                     <a:schemeClr val="bg2">
@@ -26760,7 +26797,7 @@
           <a:effectLst/>
           <a:extLst>
             <a:ext uri="{AF507438-7753-43e0-B8FC-AC1667EBCBE1}">
-              <a14:hiddenEffects xmlns="" xmlns:a14="http://schemas.microsoft.com/office/drawing/2010/main">
+              <a14:hiddenEffects xmlns:a14="http://schemas.microsoft.com/office/drawing/2010/main" xmlns="">
                 <a:effectLst>
                   <a:outerShdw blurRad="63500" dist="38099" dir="2700000" algn="ctr" rotWithShape="0">
                     <a:schemeClr val="bg2">
@@ -26857,7 +26894,7 @@
           <a:effectLst/>
           <a:extLst>
             <a:ext uri="{AF507438-7753-43e0-B8FC-AC1667EBCBE1}">
-              <a14:hiddenEffects xmlns="" xmlns:a14="http://schemas.microsoft.com/office/drawing/2010/main">
+              <a14:hiddenEffects xmlns:a14="http://schemas.microsoft.com/office/drawing/2010/main" xmlns="">
                 <a:effectLst>
                   <a:outerShdw blurRad="63500" dist="38099" dir="2700000" algn="ctr" rotWithShape="0">
                     <a:schemeClr val="bg2">
@@ -26958,7 +26995,7 @@
           <a:effectLst/>
           <a:extLst>
             <a:ext uri="{AF507438-7753-43e0-B8FC-AC1667EBCBE1}">
-              <a14:hiddenEffects xmlns="" xmlns:a14="http://schemas.microsoft.com/office/drawing/2010/main">
+              <a14:hiddenEffects xmlns:a14="http://schemas.microsoft.com/office/drawing/2010/main" xmlns="">
                 <a:effectLst>
                   <a:outerShdw blurRad="63500" dist="38099" dir="2700000" algn="ctr" rotWithShape="0">
                     <a:schemeClr val="bg2">
@@ -27044,7 +27081,7 @@
           <a:effectLst/>
           <a:extLst>
             <a:ext uri="{AF507438-7753-43e0-B8FC-AC1667EBCBE1}">
-              <a14:hiddenEffects xmlns="" xmlns:a14="http://schemas.microsoft.com/office/drawing/2010/main">
+              <a14:hiddenEffects xmlns:a14="http://schemas.microsoft.com/office/drawing/2010/main" xmlns="">
                 <a:effectLst>
                   <a:outerShdw blurRad="63500" dist="38099" dir="2700000" algn="ctr" rotWithShape="0">
                     <a:schemeClr val="bg2">
@@ -27143,7 +27180,7 @@
           <a:effectLst/>
           <a:extLst>
             <a:ext uri="{AF507438-7753-43e0-B8FC-AC1667EBCBE1}">
-              <a14:hiddenEffects xmlns="" xmlns:a14="http://schemas.microsoft.com/office/drawing/2010/main">
+              <a14:hiddenEffects xmlns:a14="http://schemas.microsoft.com/office/drawing/2010/main" xmlns="">
                 <a:effectLst>
                   <a:outerShdw blurRad="63500" dist="38099" dir="2700000" algn="ctr" rotWithShape="0">
                     <a:schemeClr val="bg2">
@@ -28096,7 +28133,7 @@
           <a:effectLst/>
           <a:extLst>
             <a:ext uri="{AF507438-7753-43e0-B8FC-AC1667EBCBE1}">
-              <a14:hiddenEffects xmlns="" xmlns:a14="http://schemas.microsoft.com/office/drawing/2010/main">
+              <a14:hiddenEffects xmlns:a14="http://schemas.microsoft.com/office/drawing/2010/main" xmlns="">
                 <a:effectLst>
                   <a:outerShdw blurRad="63500" dist="38099" dir="2700000" algn="ctr" rotWithShape="0">
                     <a:schemeClr val="bg2">
@@ -28184,7 +28221,7 @@
           <a:effectLst/>
           <a:extLst>
             <a:ext uri="{AF507438-7753-43e0-B8FC-AC1667EBCBE1}">
-              <a14:hiddenEffects xmlns="" xmlns:a14="http://schemas.microsoft.com/office/drawing/2010/main">
+              <a14:hiddenEffects xmlns:a14="http://schemas.microsoft.com/office/drawing/2010/main" xmlns="">
                 <a:effectLst>
                   <a:outerShdw blurRad="63500" dist="38099" dir="2700000" algn="ctr" rotWithShape="0">
                     <a:schemeClr val="bg2">
@@ -28230,7 +28267,7 @@
           <a:effectLst/>
           <a:extLst>
             <a:ext uri="{AF507438-7753-43e0-B8FC-AC1667EBCBE1}">
-              <a14:hiddenEffects xmlns="" xmlns:a14="http://schemas.microsoft.com/office/drawing/2010/main">
+              <a14:hiddenEffects xmlns:a14="http://schemas.microsoft.com/office/drawing/2010/main" xmlns="">
                 <a:effectLst>
                   <a:outerShdw blurRad="63500" dist="38099" dir="2700000" algn="ctr" rotWithShape="0">
                     <a:schemeClr val="bg2">
@@ -28327,7 +28364,7 @@
           <a:effectLst/>
           <a:extLst>
             <a:ext uri="{AF507438-7753-43e0-B8FC-AC1667EBCBE1}">
-              <a14:hiddenEffects xmlns="" xmlns:a14="http://schemas.microsoft.com/office/drawing/2010/main">
+              <a14:hiddenEffects xmlns:a14="http://schemas.microsoft.com/office/drawing/2010/main" xmlns="">
                 <a:effectLst>
                   <a:outerShdw blurRad="63500" dist="38099" dir="2700000" algn="ctr" rotWithShape="0">
                     <a:schemeClr val="bg2">
@@ -28426,7 +28463,7 @@
           <a:effectLst/>
           <a:extLst>
             <a:ext uri="{AF507438-7753-43e0-B8FC-AC1667EBCBE1}">
-              <a14:hiddenEffects xmlns="" xmlns:a14="http://schemas.microsoft.com/office/drawing/2010/main">
+              <a14:hiddenEffects xmlns:a14="http://schemas.microsoft.com/office/drawing/2010/main" xmlns="">
                 <a:effectLst>
                   <a:outerShdw blurRad="63500" dist="38099" dir="2700000" algn="ctr" rotWithShape="0">
                     <a:schemeClr val="bg2">
@@ -28509,7 +28546,7 @@
           <a:effectLst/>
           <a:extLst>
             <a:ext uri="{AF507438-7753-43e0-B8FC-AC1667EBCBE1}">
-              <a14:hiddenEffects xmlns="" xmlns:a14="http://schemas.microsoft.com/office/drawing/2010/main">
+              <a14:hiddenEffects xmlns:a14="http://schemas.microsoft.com/office/drawing/2010/main" xmlns="">
                 <a:effectLst>
                   <a:outerShdw blurRad="63500" dist="38099" dir="2700000" algn="ctr" rotWithShape="0">
                     <a:schemeClr val="bg2">
@@ -28606,7 +28643,7 @@
           <a:effectLst/>
           <a:extLst>
             <a:ext uri="{AF507438-7753-43e0-B8FC-AC1667EBCBE1}">
-              <a14:hiddenEffects xmlns="" xmlns:a14="http://schemas.microsoft.com/office/drawing/2010/main">
+              <a14:hiddenEffects xmlns:a14="http://schemas.microsoft.com/office/drawing/2010/main" xmlns="">
                 <a:effectLst>
                   <a:outerShdw blurRad="63500" dist="38099" dir="2700000" algn="ctr" rotWithShape="0">
                     <a:schemeClr val="bg2">
@@ -29543,7 +29580,7 @@
           <a:effectLst/>
           <a:extLst>
             <a:ext uri="{AF507438-7753-43e0-B8FC-AC1667EBCBE1}">
-              <a14:hiddenEffects xmlns="" xmlns:a14="http://schemas.microsoft.com/office/drawing/2010/main">
+              <a14:hiddenEffects xmlns:a14="http://schemas.microsoft.com/office/drawing/2010/main" xmlns="">
                 <a:effectLst>
                   <a:outerShdw blurRad="63500" dist="38099" dir="2700000" algn="ctr" rotWithShape="0">
                     <a:schemeClr val="bg2">
@@ -29591,7 +29628,7 @@
           <a:effectLst/>
           <a:extLst>
             <a:ext uri="{AF507438-7753-43e0-B8FC-AC1667EBCBE1}">
-              <a14:hiddenEffects xmlns="" xmlns:a14="http://schemas.microsoft.com/office/drawing/2010/main">
+              <a14:hiddenEffects xmlns:a14="http://schemas.microsoft.com/office/drawing/2010/main" xmlns="">
                 <a:effectLst>
                   <a:outerShdw blurRad="63500" dist="38099" dir="2700000" algn="ctr" rotWithShape="0">
                     <a:schemeClr val="bg2">
@@ -29772,7 +29809,7 @@
           <a:effectLst/>
           <a:extLst>
             <a:ext uri="{AF507438-7753-43e0-B8FC-AC1667EBCBE1}">
-              <a14:hiddenEffects xmlns="" xmlns:a14="http://schemas.microsoft.com/office/drawing/2010/main">
+              <a14:hiddenEffects xmlns:a14="http://schemas.microsoft.com/office/drawing/2010/main" xmlns="">
                 <a:effectLst>
                   <a:outerShdw blurRad="63500" dist="38099" dir="2700000" algn="ctr" rotWithShape="0">
                     <a:schemeClr val="bg2">
@@ -29860,7 +29897,7 @@
           <a:effectLst/>
           <a:extLst>
             <a:ext uri="{AF507438-7753-43e0-B8FC-AC1667EBCBE1}">
-              <a14:hiddenEffects xmlns="" xmlns:a14="http://schemas.microsoft.com/office/drawing/2010/main">
+              <a14:hiddenEffects xmlns:a14="http://schemas.microsoft.com/office/drawing/2010/main" xmlns="">
                 <a:effectLst>
                   <a:outerShdw blurRad="63500" dist="38099" dir="2700000" algn="ctr" rotWithShape="0">
                     <a:schemeClr val="bg2">
@@ -29947,7 +29984,7 @@
           <a:effectLst/>
           <a:extLst>
             <a:ext uri="{AF507438-7753-43e0-B8FC-AC1667EBCBE1}">
-              <a14:hiddenEffects xmlns="" xmlns:a14="http://schemas.microsoft.com/office/drawing/2010/main">
+              <a14:hiddenEffects xmlns:a14="http://schemas.microsoft.com/office/drawing/2010/main" xmlns="">
                 <a:effectLst>
                   <a:outerShdw blurRad="63500" dist="38099" dir="2700000" algn="ctr" rotWithShape="0">
                     <a:schemeClr val="bg2">
@@ -30030,7 +30067,7 @@
           <a:effectLst/>
           <a:extLst>
             <a:ext uri="{AF507438-7753-43e0-B8FC-AC1667EBCBE1}">
-              <a14:hiddenEffects xmlns="" xmlns:a14="http://schemas.microsoft.com/office/drawing/2010/main">
+              <a14:hiddenEffects xmlns:a14="http://schemas.microsoft.com/office/drawing/2010/main" xmlns="">
                 <a:effectLst>
                   <a:outerShdw blurRad="63500" dist="38099" dir="2700000" algn="ctr" rotWithShape="0">
                     <a:schemeClr val="bg2">
@@ -30127,7 +30164,7 @@
           <a:effectLst/>
           <a:extLst>
             <a:ext uri="{AF507438-7753-43e0-B8FC-AC1667EBCBE1}">
-              <a14:hiddenEffects xmlns="" xmlns:a14="http://schemas.microsoft.com/office/drawing/2010/main">
+              <a14:hiddenEffects xmlns:a14="http://schemas.microsoft.com/office/drawing/2010/main" xmlns="">
                 <a:effectLst>
                   <a:outerShdw blurRad="63500" dist="38099" dir="2700000" algn="ctr" rotWithShape="0">
                     <a:schemeClr val="bg2">
@@ -30224,7 +30261,7 @@
           <a:effectLst/>
           <a:extLst>
             <a:ext uri="{AF507438-7753-43e0-B8FC-AC1667EBCBE1}">
-              <a14:hiddenEffects xmlns="" xmlns:a14="http://schemas.microsoft.com/office/drawing/2010/main">
+              <a14:hiddenEffects xmlns:a14="http://schemas.microsoft.com/office/drawing/2010/main" xmlns="">
                 <a:effectLst>
                   <a:outerShdw blurRad="63500" dist="38099" dir="2700000" algn="ctr" rotWithShape="0">
                     <a:schemeClr val="bg2">
@@ -30319,7 +30356,7 @@
           <a:effectLst/>
           <a:extLst>
             <a:ext uri="{AF507438-7753-43e0-B8FC-AC1667EBCBE1}">
-              <a14:hiddenEffects xmlns="" xmlns:a14="http://schemas.microsoft.com/office/drawing/2010/main">
+              <a14:hiddenEffects xmlns:a14="http://schemas.microsoft.com/office/drawing/2010/main" xmlns="">
                 <a:effectLst>
                   <a:outerShdw blurRad="63500" dist="38099" dir="2700000" algn="ctr" rotWithShape="0">
                     <a:schemeClr val="bg2">
@@ -30418,7 +30455,7 @@
           <a:effectLst/>
           <a:extLst>
             <a:ext uri="{AF507438-7753-43e0-B8FC-AC1667EBCBE1}">
-              <a14:hiddenEffects xmlns="" xmlns:a14="http://schemas.microsoft.com/office/drawing/2010/main">
+              <a14:hiddenEffects xmlns:a14="http://schemas.microsoft.com/office/drawing/2010/main" xmlns="">
                 <a:effectLst>
                   <a:outerShdw blurRad="63500" dist="38099" dir="2700000" algn="ctr" rotWithShape="0">
                     <a:schemeClr val="bg2">
@@ -30468,7 +30505,7 @@
           <a:effectLst/>
           <a:extLst>
             <a:ext uri="{AF507438-7753-43e0-B8FC-AC1667EBCBE1}">
-              <a14:hiddenEffects xmlns="" xmlns:a14="http://schemas.microsoft.com/office/drawing/2010/main">
+              <a14:hiddenEffects xmlns:a14="http://schemas.microsoft.com/office/drawing/2010/main" xmlns="">
                 <a:effectLst>
                   <a:outerShdw blurRad="63500" dist="38099" dir="2700000" algn="ctr" rotWithShape="0">
                     <a:schemeClr val="bg2">
@@ -30554,7 +30591,7 @@
           <a:effectLst/>
           <a:extLst>
             <a:ext uri="{AF507438-7753-43e0-B8FC-AC1667EBCBE1}">
-              <a14:hiddenEffects xmlns="" xmlns:a14="http://schemas.microsoft.com/office/drawing/2010/main">
+              <a14:hiddenEffects xmlns:a14="http://schemas.microsoft.com/office/drawing/2010/main" xmlns="">
                 <a:effectLst>
                   <a:outerShdw blurRad="63500" dist="38099" dir="2700000" algn="ctr" rotWithShape="0">
                     <a:schemeClr val="bg2">
@@ -30602,7 +30639,7 @@
           <a:effectLst/>
           <a:extLst>
             <a:ext uri="{AF507438-7753-43e0-B8FC-AC1667EBCBE1}">
-              <a14:hiddenEffects xmlns="" xmlns:a14="http://schemas.microsoft.com/office/drawing/2010/main">
+              <a14:hiddenEffects xmlns:a14="http://schemas.microsoft.com/office/drawing/2010/main" xmlns="">
                 <a:effectLst>
                   <a:outerShdw blurRad="63500" dist="38099" dir="2700000" algn="ctr" rotWithShape="0">
                     <a:schemeClr val="bg2">
@@ -30703,7 +30740,7 @@
           <a:effectLst/>
           <a:extLst>
             <a:ext uri="{AF507438-7753-43e0-B8FC-AC1667EBCBE1}">
-              <a14:hiddenEffects xmlns="" xmlns:a14="http://schemas.microsoft.com/office/drawing/2010/main">
+              <a14:hiddenEffects xmlns:a14="http://schemas.microsoft.com/office/drawing/2010/main" xmlns="">
                 <a:effectLst>
                   <a:outerShdw blurRad="63500" dist="38099" dir="2700000" algn="ctr" rotWithShape="0">
                     <a:schemeClr val="bg2">
@@ -30806,7 +30843,7 @@
           <a:effectLst/>
           <a:extLst>
             <a:ext uri="{AF507438-7753-43e0-B8FC-AC1667EBCBE1}">
-              <a14:hiddenEffects xmlns="" xmlns:a14="http://schemas.microsoft.com/office/drawing/2010/main">
+              <a14:hiddenEffects xmlns:a14="http://schemas.microsoft.com/office/drawing/2010/main" xmlns="">
                 <a:effectLst>
                   <a:outerShdw blurRad="63500" dist="38099" dir="2700000" algn="ctr" rotWithShape="0">
                     <a:schemeClr val="bg2">
@@ -30893,7 +30930,7 @@
           <a:effectLst/>
           <a:extLst>
             <a:ext uri="{AF507438-7753-43e0-B8FC-AC1667EBCBE1}">
-              <a14:hiddenEffects xmlns="" xmlns:a14="http://schemas.microsoft.com/office/drawing/2010/main">
+              <a14:hiddenEffects xmlns:a14="http://schemas.microsoft.com/office/drawing/2010/main" xmlns="">
                 <a:effectLst>
                   <a:outerShdw blurRad="63500" dist="38099" dir="2700000" algn="ctr" rotWithShape="0">
                     <a:schemeClr val="bg2">
@@ -30976,7 +31013,7 @@
           <a:effectLst/>
           <a:extLst>
             <a:ext uri="{AF507438-7753-43e0-B8FC-AC1667EBCBE1}">
-              <a14:hiddenEffects xmlns="" xmlns:a14="http://schemas.microsoft.com/office/drawing/2010/main">
+              <a14:hiddenEffects xmlns:a14="http://schemas.microsoft.com/office/drawing/2010/main" xmlns="">
                 <a:effectLst>
                   <a:outerShdw blurRad="63500" dist="38099" dir="2700000" algn="ctr" rotWithShape="0">
                     <a:schemeClr val="bg2">
@@ -31073,7 +31110,7 @@
           <a:effectLst/>
           <a:extLst>
             <a:ext uri="{AF507438-7753-43e0-B8FC-AC1667EBCBE1}">
-              <a14:hiddenEffects xmlns="" xmlns:a14="http://schemas.microsoft.com/office/drawing/2010/main">
+              <a14:hiddenEffects xmlns:a14="http://schemas.microsoft.com/office/drawing/2010/main" xmlns="">
                 <a:effectLst>
                   <a:outerShdw blurRad="63500" dist="38099" dir="2700000" algn="ctr" rotWithShape="0">
                     <a:schemeClr val="bg2">
@@ -31170,7 +31207,7 @@
           <a:effectLst/>
           <a:extLst>
             <a:ext uri="{AF507438-7753-43e0-B8FC-AC1667EBCBE1}">
-              <a14:hiddenEffects xmlns="" xmlns:a14="http://schemas.microsoft.com/office/drawing/2010/main">
+              <a14:hiddenEffects xmlns:a14="http://schemas.microsoft.com/office/drawing/2010/main" xmlns="">
                 <a:effectLst>
                   <a:outerShdw blurRad="63500" dist="38099" dir="2700000" algn="ctr" rotWithShape="0">
                     <a:schemeClr val="bg2">
@@ -31265,7 +31302,7 @@
           <a:effectLst/>
           <a:extLst>
             <a:ext uri="{AF507438-7753-43e0-B8FC-AC1667EBCBE1}">
-              <a14:hiddenEffects xmlns="" xmlns:a14="http://schemas.microsoft.com/office/drawing/2010/main">
+              <a14:hiddenEffects xmlns:a14="http://schemas.microsoft.com/office/drawing/2010/main" xmlns="">
                 <a:effectLst>
                   <a:outerShdw blurRad="63500" dist="38099" dir="2700000" algn="ctr" rotWithShape="0">
                     <a:schemeClr val="bg2">
@@ -31364,7 +31401,7 @@
           <a:effectLst/>
           <a:extLst>
             <a:ext uri="{AF507438-7753-43e0-B8FC-AC1667EBCBE1}">
-              <a14:hiddenEffects xmlns="" xmlns:a14="http://schemas.microsoft.com/office/drawing/2010/main">
+              <a14:hiddenEffects xmlns:a14="http://schemas.microsoft.com/office/drawing/2010/main" xmlns="">
                 <a:effectLst>
                   <a:outerShdw blurRad="63500" dist="38099" dir="2700000" algn="ctr" rotWithShape="0">
                     <a:schemeClr val="bg2">
@@ -31450,7 +31487,7 @@
           <a:effectLst/>
           <a:extLst>
             <a:ext uri="{AF507438-7753-43e0-B8FC-AC1667EBCBE1}">
-              <a14:hiddenEffects xmlns="" xmlns:a14="http://schemas.microsoft.com/office/drawing/2010/main">
+              <a14:hiddenEffects xmlns:a14="http://schemas.microsoft.com/office/drawing/2010/main" xmlns="">
                 <a:effectLst>
                   <a:outerShdw blurRad="63500" dist="38099" dir="2700000" algn="ctr" rotWithShape="0">
                     <a:schemeClr val="bg2">
@@ -31498,7 +31535,7 @@
           <a:effectLst/>
           <a:extLst>
             <a:ext uri="{AF507438-7753-43e0-B8FC-AC1667EBCBE1}">
-              <a14:hiddenEffects xmlns="" xmlns:a14="http://schemas.microsoft.com/office/drawing/2010/main">
+              <a14:hiddenEffects xmlns:a14="http://schemas.microsoft.com/office/drawing/2010/main" xmlns="">
                 <a:effectLst>
                   <a:outerShdw blurRad="63500" dist="38099" dir="2700000" algn="ctr" rotWithShape="0">
                     <a:schemeClr val="bg2">
@@ -31599,7 +31636,7 @@
           <a:effectLst/>
           <a:extLst>
             <a:ext uri="{AF507438-7753-43e0-B8FC-AC1667EBCBE1}">
-              <a14:hiddenEffects xmlns="" xmlns:a14="http://schemas.microsoft.com/office/drawing/2010/main">
+              <a14:hiddenEffects xmlns:a14="http://schemas.microsoft.com/office/drawing/2010/main" xmlns="">
                 <a:effectLst>
                   <a:outerShdw blurRad="63500" dist="38099" dir="2700000" algn="ctr" rotWithShape="0">
                     <a:schemeClr val="bg2">
@@ -31924,7 +31961,7 @@
           <a:effectLst/>
           <a:extLst>
             <a:ext uri="{AF507438-7753-43e0-B8FC-AC1667EBCBE1}">
-              <a14:hiddenEffects xmlns="" xmlns:a14="http://schemas.microsoft.com/office/drawing/2010/main">
+              <a14:hiddenEffects xmlns:a14="http://schemas.microsoft.com/office/drawing/2010/main" xmlns="">
                 <a:effectLst>
                   <a:outerShdw blurRad="63500" dist="38099" dir="2700000" algn="ctr" rotWithShape="0">
                     <a:schemeClr val="bg2">
@@ -32068,7 +32105,7 @@
           <a:effectLst/>
           <a:extLst>
             <a:ext uri="{AF507438-7753-43e0-B8FC-AC1667EBCBE1}">
-              <a14:hiddenEffects xmlns="" xmlns:a14="http://schemas.microsoft.com/office/drawing/2010/main">
+              <a14:hiddenEffects xmlns:a14="http://schemas.microsoft.com/office/drawing/2010/main" xmlns="">
                 <a:effectLst>
                   <a:outerShdw blurRad="63500" dist="38099" dir="2700000" algn="ctr" rotWithShape="0">
                     <a:schemeClr val="bg2">
@@ -32118,7 +32155,7 @@
           <a:effectLst/>
           <a:extLst>
             <a:ext uri="{AF507438-7753-43e0-B8FC-AC1667EBCBE1}">
-              <a14:hiddenEffects xmlns="" xmlns:a14="http://schemas.microsoft.com/office/drawing/2010/main">
+              <a14:hiddenEffects xmlns:a14="http://schemas.microsoft.com/office/drawing/2010/main" xmlns="">
                 <a:effectLst>
                   <a:outerShdw blurRad="63500" dist="38099" dir="2700000" algn="ctr" rotWithShape="0">
                     <a:schemeClr val="bg2">
@@ -32166,7 +32203,7 @@
           <a:effectLst/>
           <a:extLst>
             <a:ext uri="{AF507438-7753-43e0-B8FC-AC1667EBCBE1}">
-              <a14:hiddenEffects xmlns="" xmlns:a14="http://schemas.microsoft.com/office/drawing/2010/main">
+              <a14:hiddenEffects xmlns:a14="http://schemas.microsoft.com/office/drawing/2010/main" xmlns="">
                 <a:effectLst>
                   <a:outerShdw blurRad="63500" dist="38099" dir="2700000" algn="ctr" rotWithShape="0">
                     <a:schemeClr val="bg2">
@@ -32362,7 +32399,7 @@
           <a:effectLst/>
           <a:extLst>
             <a:ext uri="{AF507438-7753-43e0-B8FC-AC1667EBCBE1}">
-              <a14:hiddenEffects xmlns="" xmlns:a14="http://schemas.microsoft.com/office/drawing/2010/main">
+              <a14:hiddenEffects xmlns:a14="http://schemas.microsoft.com/office/drawing/2010/main" xmlns="">
                 <a:effectLst>
                   <a:outerShdw blurRad="63500" dist="38099" dir="2700000" algn="ctr" rotWithShape="0">
                     <a:schemeClr val="bg2">
@@ -33181,7 +33218,7 @@
           <a:effectLst/>
           <a:extLst>
             <a:ext uri="{AF507438-7753-43e0-B8FC-AC1667EBCBE1}">
-              <a14:hiddenEffects xmlns="" xmlns:a14="http://schemas.microsoft.com/office/drawing/2010/main">
+              <a14:hiddenEffects xmlns:a14="http://schemas.microsoft.com/office/drawing/2010/main" xmlns="">
                 <a:effectLst>
                   <a:outerShdw blurRad="63500" dist="38099" dir="2700000" algn="ctr" rotWithShape="0">
                     <a:schemeClr val="bg2">
@@ -33327,7 +33364,7 @@
           <a:effectLst/>
           <a:extLst>
             <a:ext uri="{AF507438-7753-43e0-B8FC-AC1667EBCBE1}">
-              <a14:hiddenEffects xmlns="" xmlns:a14="http://schemas.microsoft.com/office/drawing/2010/main">
+              <a14:hiddenEffects xmlns:a14="http://schemas.microsoft.com/office/drawing/2010/main" xmlns="">
                 <a:effectLst>
                   <a:outerShdw blurRad="63500" dist="38099" dir="2700000" algn="ctr" rotWithShape="0">
                     <a:schemeClr val="bg2">
@@ -33415,7 +33452,7 @@
           <a:effectLst/>
           <a:extLst>
             <a:ext uri="{AF507438-7753-43e0-B8FC-AC1667EBCBE1}">
-              <a14:hiddenEffects xmlns="" xmlns:a14="http://schemas.microsoft.com/office/drawing/2010/main">
+              <a14:hiddenEffects xmlns:a14="http://schemas.microsoft.com/office/drawing/2010/main" xmlns="">
                 <a:effectLst>
                   <a:outerShdw blurRad="63500" dist="38099" dir="2700000" algn="ctr" rotWithShape="0">
                     <a:schemeClr val="bg2">
@@ -33502,7 +33539,7 @@
           <a:effectLst/>
           <a:extLst>
             <a:ext uri="{AF507438-7753-43e0-B8FC-AC1667EBCBE1}">
-              <a14:hiddenEffects xmlns="" xmlns:a14="http://schemas.microsoft.com/office/drawing/2010/main">
+              <a14:hiddenEffects xmlns:a14="http://schemas.microsoft.com/office/drawing/2010/main" xmlns="">
                 <a:effectLst>
                   <a:outerShdw blurRad="63500" dist="38099" dir="2700000" algn="ctr" rotWithShape="0">
                     <a:schemeClr val="bg2">
@@ -33585,7 +33622,7 @@
           <a:effectLst/>
           <a:extLst>
             <a:ext uri="{AF507438-7753-43e0-B8FC-AC1667EBCBE1}">
-              <a14:hiddenEffects xmlns="" xmlns:a14="http://schemas.microsoft.com/office/drawing/2010/main">
+              <a14:hiddenEffects xmlns:a14="http://schemas.microsoft.com/office/drawing/2010/main" xmlns="">
                 <a:effectLst>
                   <a:outerShdw blurRad="63500" dist="38099" dir="2700000" algn="ctr" rotWithShape="0">
                     <a:schemeClr val="bg2">
@@ -33682,7 +33719,7 @@
           <a:effectLst/>
           <a:extLst>
             <a:ext uri="{AF507438-7753-43e0-B8FC-AC1667EBCBE1}">
-              <a14:hiddenEffects xmlns="" xmlns:a14="http://schemas.microsoft.com/office/drawing/2010/main">
+              <a14:hiddenEffects xmlns:a14="http://schemas.microsoft.com/office/drawing/2010/main" xmlns="">
                 <a:effectLst>
                   <a:outerShdw blurRad="63500" dist="38099" dir="2700000" algn="ctr" rotWithShape="0">
                     <a:schemeClr val="bg2">
@@ -33779,7 +33816,7 @@
           <a:effectLst/>
           <a:extLst>
             <a:ext uri="{AF507438-7753-43e0-B8FC-AC1667EBCBE1}">
-              <a14:hiddenEffects xmlns="" xmlns:a14="http://schemas.microsoft.com/office/drawing/2010/main">
+              <a14:hiddenEffects xmlns:a14="http://schemas.microsoft.com/office/drawing/2010/main" xmlns="">
                 <a:effectLst>
                   <a:outerShdw blurRad="63500" dist="38099" dir="2700000" algn="ctr" rotWithShape="0">
                     <a:schemeClr val="bg2">
@@ -33874,7 +33911,7 @@
           <a:effectLst/>
           <a:extLst>
             <a:ext uri="{AF507438-7753-43e0-B8FC-AC1667EBCBE1}">
-              <a14:hiddenEffects xmlns="" xmlns:a14="http://schemas.microsoft.com/office/drawing/2010/main">
+              <a14:hiddenEffects xmlns:a14="http://schemas.microsoft.com/office/drawing/2010/main" xmlns="">
                 <a:effectLst>
                   <a:outerShdw blurRad="63500" dist="38099" dir="2700000" algn="ctr" rotWithShape="0">
                     <a:schemeClr val="bg2">
@@ -33973,7 +34010,7 @@
           <a:effectLst/>
           <a:extLst>
             <a:ext uri="{AF507438-7753-43e0-B8FC-AC1667EBCBE1}">
-              <a14:hiddenEffects xmlns="" xmlns:a14="http://schemas.microsoft.com/office/drawing/2010/main">
+              <a14:hiddenEffects xmlns:a14="http://schemas.microsoft.com/office/drawing/2010/main" xmlns="">
                 <a:effectLst>
                   <a:outerShdw blurRad="63500" dist="38099" dir="2700000" algn="ctr" rotWithShape="0">
                     <a:schemeClr val="bg2">
@@ -34059,7 +34096,7 @@
           <a:effectLst/>
           <a:extLst>
             <a:ext uri="{AF507438-7753-43e0-B8FC-AC1667EBCBE1}">
-              <a14:hiddenEffects xmlns="" xmlns:a14="http://schemas.microsoft.com/office/drawing/2010/main">
+              <a14:hiddenEffects xmlns:a14="http://schemas.microsoft.com/office/drawing/2010/main" xmlns="">
                 <a:effectLst>
                   <a:outerShdw blurRad="63500" dist="38099" dir="2700000" algn="ctr" rotWithShape="0">
                     <a:schemeClr val="bg2">
@@ -34107,7 +34144,7 @@
           <a:effectLst/>
           <a:extLst>
             <a:ext uri="{AF507438-7753-43e0-B8FC-AC1667EBCBE1}">
-              <a14:hiddenEffects xmlns="" xmlns:a14="http://schemas.microsoft.com/office/drawing/2010/main">
+              <a14:hiddenEffects xmlns:a14="http://schemas.microsoft.com/office/drawing/2010/main" xmlns="">
                 <a:effectLst>
                   <a:outerShdw blurRad="63500" dist="38099" dir="2700000" algn="ctr" rotWithShape="0">
                     <a:schemeClr val="bg2">
@@ -34208,7 +34245,7 @@
           <a:effectLst/>
           <a:extLst>
             <a:ext uri="{AF507438-7753-43e0-B8FC-AC1667EBCBE1}">
-              <a14:hiddenEffects xmlns="" xmlns:a14="http://schemas.microsoft.com/office/drawing/2010/main">
+              <a14:hiddenEffects xmlns:a14="http://schemas.microsoft.com/office/drawing/2010/main" xmlns="">
                 <a:effectLst>
                   <a:outerShdw blurRad="63500" dist="38099" dir="2700000" algn="ctr" rotWithShape="0">
                     <a:schemeClr val="bg2">
@@ -34347,7 +34384,7 @@
           <a:effectLst/>
           <a:extLst>
             <a:ext uri="{AF507438-7753-43e0-B8FC-AC1667EBCBE1}">
-              <a14:hiddenEffects xmlns="" xmlns:a14="http://schemas.microsoft.com/office/drawing/2010/main">
+              <a14:hiddenEffects xmlns:a14="http://schemas.microsoft.com/office/drawing/2010/main" xmlns="">
                 <a:effectLst>
                   <a:outerShdw blurRad="63500" dist="38099" dir="2700000" algn="ctr" rotWithShape="0">
                     <a:schemeClr val="bg2">
@@ -34397,7 +34434,7 @@
           <a:effectLst/>
           <a:extLst>
             <a:ext uri="{AF507438-7753-43e0-B8FC-AC1667EBCBE1}">
-              <a14:hiddenEffects xmlns="" xmlns:a14="http://schemas.microsoft.com/office/drawing/2010/main">
+              <a14:hiddenEffects xmlns:a14="http://schemas.microsoft.com/office/drawing/2010/main" xmlns="">
                 <a:effectLst>
                   <a:outerShdw blurRad="63500" dist="38099" dir="2700000" algn="ctr" rotWithShape="0">
                     <a:schemeClr val="bg2">
@@ -34445,7 +34482,7 @@
           <a:effectLst/>
           <a:extLst>
             <a:ext uri="{AF507438-7753-43e0-B8FC-AC1667EBCBE1}">
-              <a14:hiddenEffects xmlns="" xmlns:a14="http://schemas.microsoft.com/office/drawing/2010/main">
+              <a14:hiddenEffects xmlns:a14="http://schemas.microsoft.com/office/drawing/2010/main" xmlns="">
                 <a:effectLst>
                   <a:outerShdw blurRad="63500" dist="38099" dir="2700000" algn="ctr" rotWithShape="0">
                     <a:schemeClr val="bg2">
@@ -35437,7 +35474,7 @@
         <a:effectLst/>
         <a:extLst>
           <a:ext uri="{AF507438-7753-43e0-B8FC-AC1667EBCBE1}">
-            <a14:hiddenEffects xmlns="" xmlns:a14="http://schemas.microsoft.com/office/drawing/2010/main">
+            <a14:hiddenEffects xmlns:a14="http://schemas.microsoft.com/office/drawing/2010/main" xmlns="">
               <a:effectLst>
                 <a:outerShdw blurRad="63500" dist="38099" dir="2700000" algn="ctr" rotWithShape="0">
                   <a:schemeClr val="bg2">
@@ -35514,7 +35551,7 @@
         <a:effectLst/>
         <a:extLst>
           <a:ext uri="{AF507438-7753-43e0-B8FC-AC1667EBCBE1}">
-            <a14:hiddenEffects xmlns="" xmlns:a14="http://schemas.microsoft.com/office/drawing/2010/main">
+            <a14:hiddenEffects xmlns:a14="http://schemas.microsoft.com/office/drawing/2010/main" xmlns="">
               <a:effectLst>
                 <a:outerShdw blurRad="63500" dist="38099" dir="2700000" algn="ctr" rotWithShape="0">
                   <a:schemeClr val="bg2">

--- a/figs/conlink/concurrent_linking.pptx
+++ b/figs/conlink/concurrent_linking.pptx
@@ -231,7 +231,7 @@
           <a:p>
             <a:fld id="{98CD50F9-C04E-0643-A81F-E269F6C4EDC0}" type="datetimeFigureOut">
               <a:rPr lang="en-US" smtClean="0"/>
-              <a:t>1/27/19</a:t>
+              <a:t>2/15/19</a:t>
             </a:fld>
             <a:endParaRPr lang="en-US"/>
           </a:p>
@@ -410,7 +410,7 @@
             <a:fld id="{17A7BBF0-95DB-485B-8F44-219DC193D725}" type="datetimeFigureOut">
               <a:rPr lang="en-US" smtClean="0"/>
               <a:pPr/>
-              <a:t>1/27/19</a:t>
+              <a:t>2/15/19</a:t>
             </a:fld>
             <a:endParaRPr lang="en-US"/>
           </a:p>
@@ -1313,17 +1313,17 @@
           <a:effectLst/>
           <a:extLst>
             <a:ext uri="{FAA26D3D-D897-4be2-8F04-BA451C77F1D7}">
-              <ma14:placeholderFlag xmlns:ma14="http://schemas.microsoft.com/office/mac/drawingml/2011/main" xmlns="" val="1"/>
+              <ma14:placeholderFlag xmlns="" xmlns:ma14="http://schemas.microsoft.com/office/mac/drawingml/2011/main" val="1"/>
             </a:ext>
             <a:ext uri="{909E8E84-426E-40dd-AFC4-6F175D3DCCD1}">
-              <a14:hiddenFill xmlns:a14="http://schemas.microsoft.com/office/drawing/2010/main" xmlns="">
+              <a14:hiddenFill xmlns="" xmlns:a14="http://schemas.microsoft.com/office/drawing/2010/main">
                 <a:solidFill>
                   <a:schemeClr val="accent1"/>
                 </a:solidFill>
               </a14:hiddenFill>
             </a:ext>
             <a:ext uri="{91240B29-F687-4f45-9708-019B960494DF}">
-              <a14:hiddenLine xmlns:a14="http://schemas.microsoft.com/office/drawing/2010/main" xmlns="" w="9525">
+              <a14:hiddenLine xmlns="" xmlns:a14="http://schemas.microsoft.com/office/drawing/2010/main" w="9525">
                 <a:solidFill>
                   <a:schemeClr val="tx1"/>
                 </a:solidFill>
@@ -1333,7 +1333,7 @@
               </a14:hiddenLine>
             </a:ext>
             <a:ext uri="{AF507438-7753-43e0-B8FC-AC1667EBCBE1}">
-              <a14:hiddenEffects xmlns:a14="http://schemas.microsoft.com/office/drawing/2010/main" xmlns="">
+              <a14:hiddenEffects xmlns="" xmlns:a14="http://schemas.microsoft.com/office/drawing/2010/main">
                 <a:effectLst>
                   <a:outerShdw blurRad="63500" dist="38099" dir="2700000" algn="ctr" rotWithShape="0">
                     <a:schemeClr val="bg2">
@@ -1597,17 +1597,17 @@
           <a:effectLst/>
           <a:extLst>
             <a:ext uri="{FAA26D3D-D897-4be2-8F04-BA451C77F1D7}">
-              <ma14:placeholderFlag xmlns:ma14="http://schemas.microsoft.com/office/mac/drawingml/2011/main" xmlns="" val="1"/>
+              <ma14:placeholderFlag xmlns="" xmlns:ma14="http://schemas.microsoft.com/office/mac/drawingml/2011/main" val="1"/>
             </a:ext>
             <a:ext uri="{909E8E84-426E-40dd-AFC4-6F175D3DCCD1}">
-              <a14:hiddenFill xmlns:a14="http://schemas.microsoft.com/office/drawing/2010/main" xmlns="">
+              <a14:hiddenFill xmlns="" xmlns:a14="http://schemas.microsoft.com/office/drawing/2010/main">
                 <a:solidFill>
                   <a:schemeClr val="accent1"/>
                 </a:solidFill>
               </a14:hiddenFill>
             </a:ext>
             <a:ext uri="{91240B29-F687-4f45-9708-019B960494DF}">
-              <a14:hiddenLine xmlns:a14="http://schemas.microsoft.com/office/drawing/2010/main" xmlns="" w="9525">
+              <a14:hiddenLine xmlns="" xmlns:a14="http://schemas.microsoft.com/office/drawing/2010/main" w="9525">
                 <a:solidFill>
                   <a:schemeClr val="tx1"/>
                 </a:solidFill>
@@ -1617,7 +1617,7 @@
               </a14:hiddenLine>
             </a:ext>
             <a:ext uri="{AF507438-7753-43e0-B8FC-AC1667EBCBE1}">
-              <a14:hiddenEffects xmlns:a14="http://schemas.microsoft.com/office/drawing/2010/main" xmlns="">
+              <a14:hiddenEffects xmlns="" xmlns:a14="http://schemas.microsoft.com/office/drawing/2010/main">
                 <a:effectLst>
                   <a:outerShdw blurRad="63500" dist="38099" dir="2700000" algn="ctr" rotWithShape="0">
                     <a:schemeClr val="bg2">
@@ -1891,17 +1891,17 @@
           <a:effectLst/>
           <a:extLst>
             <a:ext uri="{FAA26D3D-D897-4be2-8F04-BA451C77F1D7}">
-              <ma14:placeholderFlag xmlns:ma14="http://schemas.microsoft.com/office/mac/drawingml/2011/main" xmlns="" val="1"/>
+              <ma14:placeholderFlag xmlns="" xmlns:ma14="http://schemas.microsoft.com/office/mac/drawingml/2011/main" val="1"/>
             </a:ext>
             <a:ext uri="{909E8E84-426E-40dd-AFC4-6F175D3DCCD1}">
-              <a14:hiddenFill xmlns:a14="http://schemas.microsoft.com/office/drawing/2010/main" xmlns="">
+              <a14:hiddenFill xmlns="" xmlns:a14="http://schemas.microsoft.com/office/drawing/2010/main">
                 <a:solidFill>
                   <a:schemeClr val="accent1"/>
                 </a:solidFill>
               </a14:hiddenFill>
             </a:ext>
             <a:ext uri="{91240B29-F687-4f45-9708-019B960494DF}">
-              <a14:hiddenLine xmlns:a14="http://schemas.microsoft.com/office/drawing/2010/main" xmlns="" w="9525">
+              <a14:hiddenLine xmlns="" xmlns:a14="http://schemas.microsoft.com/office/drawing/2010/main" w="9525">
                 <a:solidFill>
                   <a:schemeClr val="tx1"/>
                 </a:solidFill>
@@ -1911,7 +1911,7 @@
               </a14:hiddenLine>
             </a:ext>
             <a:ext uri="{AF507438-7753-43e0-B8FC-AC1667EBCBE1}">
-              <a14:hiddenEffects xmlns:a14="http://schemas.microsoft.com/office/drawing/2010/main" xmlns="">
+              <a14:hiddenEffects xmlns="" xmlns:a14="http://schemas.microsoft.com/office/drawing/2010/main">
                 <a:effectLst>
                   <a:outerShdw blurRad="63500" dist="38099" dir="2700000" algn="ctr" rotWithShape="0">
                     <a:schemeClr val="bg2">
@@ -2175,17 +2175,17 @@
           <a:effectLst/>
           <a:extLst>
             <a:ext uri="{FAA26D3D-D897-4be2-8F04-BA451C77F1D7}">
-              <ma14:placeholderFlag xmlns:ma14="http://schemas.microsoft.com/office/mac/drawingml/2011/main" xmlns="" val="1"/>
+              <ma14:placeholderFlag xmlns="" xmlns:ma14="http://schemas.microsoft.com/office/mac/drawingml/2011/main" val="1"/>
             </a:ext>
             <a:ext uri="{909E8E84-426E-40dd-AFC4-6F175D3DCCD1}">
-              <a14:hiddenFill xmlns:a14="http://schemas.microsoft.com/office/drawing/2010/main" xmlns="">
+              <a14:hiddenFill xmlns="" xmlns:a14="http://schemas.microsoft.com/office/drawing/2010/main">
                 <a:solidFill>
                   <a:schemeClr val="accent1"/>
                 </a:solidFill>
               </a14:hiddenFill>
             </a:ext>
             <a:ext uri="{91240B29-F687-4f45-9708-019B960494DF}">
-              <a14:hiddenLine xmlns:a14="http://schemas.microsoft.com/office/drawing/2010/main" xmlns="" w="9525">
+              <a14:hiddenLine xmlns="" xmlns:a14="http://schemas.microsoft.com/office/drawing/2010/main" w="9525">
                 <a:solidFill>
                   <a:schemeClr val="tx1"/>
                 </a:solidFill>
@@ -2195,7 +2195,7 @@
               </a14:hiddenLine>
             </a:ext>
             <a:ext uri="{AF507438-7753-43e0-B8FC-AC1667EBCBE1}">
-              <a14:hiddenEffects xmlns:a14="http://schemas.microsoft.com/office/drawing/2010/main" xmlns="">
+              <a14:hiddenEffects xmlns="" xmlns:a14="http://schemas.microsoft.com/office/drawing/2010/main">
                 <a:effectLst>
                   <a:outerShdw blurRad="63500" dist="38099" dir="2700000" algn="ctr" rotWithShape="0">
                     <a:schemeClr val="bg2">
@@ -2481,17 +2481,17 @@
           <a:effectLst/>
           <a:extLst>
             <a:ext uri="{FAA26D3D-D897-4be2-8F04-BA451C77F1D7}">
-              <ma14:placeholderFlag xmlns:ma14="http://schemas.microsoft.com/office/mac/drawingml/2011/main" xmlns="" val="1"/>
+              <ma14:placeholderFlag xmlns="" xmlns:ma14="http://schemas.microsoft.com/office/mac/drawingml/2011/main" val="1"/>
             </a:ext>
             <a:ext uri="{909E8E84-426E-40dd-AFC4-6F175D3DCCD1}">
-              <a14:hiddenFill xmlns:a14="http://schemas.microsoft.com/office/drawing/2010/main" xmlns="">
+              <a14:hiddenFill xmlns="" xmlns:a14="http://schemas.microsoft.com/office/drawing/2010/main">
                 <a:solidFill>
                   <a:schemeClr val="accent1"/>
                 </a:solidFill>
               </a14:hiddenFill>
             </a:ext>
             <a:ext uri="{91240B29-F687-4f45-9708-019B960494DF}">
-              <a14:hiddenLine xmlns:a14="http://schemas.microsoft.com/office/drawing/2010/main" xmlns="" w="9525">
+              <a14:hiddenLine xmlns="" xmlns:a14="http://schemas.microsoft.com/office/drawing/2010/main" w="9525">
                 <a:solidFill>
                   <a:schemeClr val="tx1"/>
                 </a:solidFill>
@@ -2501,7 +2501,7 @@
               </a14:hiddenLine>
             </a:ext>
             <a:ext uri="{AF507438-7753-43e0-B8FC-AC1667EBCBE1}">
-              <a14:hiddenEffects xmlns:a14="http://schemas.microsoft.com/office/drawing/2010/main" xmlns="">
+              <a14:hiddenEffects xmlns="" xmlns:a14="http://schemas.microsoft.com/office/drawing/2010/main">
                 <a:effectLst>
                   <a:outerShdw blurRad="63500" dist="38099" dir="2700000" algn="ctr" rotWithShape="0">
                     <a:schemeClr val="bg2">
@@ -2883,17 +2883,17 @@
           <a:effectLst/>
           <a:extLst>
             <a:ext uri="{FAA26D3D-D897-4be2-8F04-BA451C77F1D7}">
-              <ma14:placeholderFlag xmlns:ma14="http://schemas.microsoft.com/office/mac/drawingml/2011/main" xmlns="" val="1"/>
+              <ma14:placeholderFlag xmlns="" xmlns:ma14="http://schemas.microsoft.com/office/mac/drawingml/2011/main" val="1"/>
             </a:ext>
             <a:ext uri="{909E8E84-426E-40dd-AFC4-6F175D3DCCD1}">
-              <a14:hiddenFill xmlns:a14="http://schemas.microsoft.com/office/drawing/2010/main" xmlns="">
+              <a14:hiddenFill xmlns="" xmlns:a14="http://schemas.microsoft.com/office/drawing/2010/main">
                 <a:solidFill>
                   <a:schemeClr val="accent1"/>
                 </a:solidFill>
               </a14:hiddenFill>
             </a:ext>
             <a:ext uri="{91240B29-F687-4f45-9708-019B960494DF}">
-              <a14:hiddenLine xmlns:a14="http://schemas.microsoft.com/office/drawing/2010/main" xmlns="" w="9525">
+              <a14:hiddenLine xmlns="" xmlns:a14="http://schemas.microsoft.com/office/drawing/2010/main" w="9525">
                 <a:solidFill>
                   <a:schemeClr val="tx1"/>
                 </a:solidFill>
@@ -2903,7 +2903,7 @@
               </a14:hiddenLine>
             </a:ext>
             <a:ext uri="{AF507438-7753-43e0-B8FC-AC1667EBCBE1}">
-              <a14:hiddenEffects xmlns:a14="http://schemas.microsoft.com/office/drawing/2010/main" xmlns="">
+              <a14:hiddenEffects xmlns="" xmlns:a14="http://schemas.microsoft.com/office/drawing/2010/main">
                 <a:effectLst>
                   <a:outerShdw blurRad="63500" dist="38099" dir="2700000" algn="ctr" rotWithShape="0">
                     <a:schemeClr val="bg2">
@@ -3419,17 +3419,17 @@
           <a:effectLst/>
           <a:extLst>
             <a:ext uri="{FAA26D3D-D897-4be2-8F04-BA451C77F1D7}">
-              <ma14:placeholderFlag xmlns:ma14="http://schemas.microsoft.com/office/mac/drawingml/2011/main" xmlns="" val="1"/>
+              <ma14:placeholderFlag xmlns="" xmlns:ma14="http://schemas.microsoft.com/office/mac/drawingml/2011/main" val="1"/>
             </a:ext>
             <a:ext uri="{909E8E84-426E-40dd-AFC4-6F175D3DCCD1}">
-              <a14:hiddenFill xmlns:a14="http://schemas.microsoft.com/office/drawing/2010/main" xmlns="">
+              <a14:hiddenFill xmlns="" xmlns:a14="http://schemas.microsoft.com/office/drawing/2010/main">
                 <a:solidFill>
                   <a:schemeClr val="accent1"/>
                 </a:solidFill>
               </a14:hiddenFill>
             </a:ext>
             <a:ext uri="{91240B29-F687-4f45-9708-019B960494DF}">
-              <a14:hiddenLine xmlns:a14="http://schemas.microsoft.com/office/drawing/2010/main" xmlns="" w="9525">
+              <a14:hiddenLine xmlns="" xmlns:a14="http://schemas.microsoft.com/office/drawing/2010/main" w="9525">
                 <a:solidFill>
                   <a:schemeClr val="tx1"/>
                 </a:solidFill>
@@ -3439,7 +3439,7 @@
               </a14:hiddenLine>
             </a:ext>
             <a:ext uri="{AF507438-7753-43e0-B8FC-AC1667EBCBE1}">
-              <a14:hiddenEffects xmlns:a14="http://schemas.microsoft.com/office/drawing/2010/main" xmlns="">
+              <a14:hiddenEffects xmlns="" xmlns:a14="http://schemas.microsoft.com/office/drawing/2010/main">
                 <a:effectLst>
                   <a:outerShdw blurRad="63500" dist="38099" dir="2700000" algn="ctr" rotWithShape="0">
                     <a:schemeClr val="bg2">
@@ -3651,17 +3651,17 @@
           <a:effectLst/>
           <a:extLst>
             <a:ext uri="{FAA26D3D-D897-4be2-8F04-BA451C77F1D7}">
-              <ma14:placeholderFlag xmlns:ma14="http://schemas.microsoft.com/office/mac/drawingml/2011/main" xmlns="" val="1"/>
+              <ma14:placeholderFlag xmlns="" xmlns:ma14="http://schemas.microsoft.com/office/mac/drawingml/2011/main" val="1"/>
             </a:ext>
             <a:ext uri="{909E8E84-426E-40dd-AFC4-6F175D3DCCD1}">
-              <a14:hiddenFill xmlns:a14="http://schemas.microsoft.com/office/drawing/2010/main" xmlns="">
+              <a14:hiddenFill xmlns="" xmlns:a14="http://schemas.microsoft.com/office/drawing/2010/main">
                 <a:solidFill>
                   <a:schemeClr val="accent1"/>
                 </a:solidFill>
               </a14:hiddenFill>
             </a:ext>
             <a:ext uri="{91240B29-F687-4f45-9708-019B960494DF}">
-              <a14:hiddenLine xmlns:a14="http://schemas.microsoft.com/office/drawing/2010/main" xmlns="" w="9525">
+              <a14:hiddenLine xmlns="" xmlns:a14="http://schemas.microsoft.com/office/drawing/2010/main" w="9525">
                 <a:solidFill>
                   <a:schemeClr val="tx1"/>
                 </a:solidFill>
@@ -3671,7 +3671,7 @@
               </a14:hiddenLine>
             </a:ext>
             <a:ext uri="{AF507438-7753-43e0-B8FC-AC1667EBCBE1}">
-              <a14:hiddenEffects xmlns:a14="http://schemas.microsoft.com/office/drawing/2010/main" xmlns="">
+              <a14:hiddenEffects xmlns="" xmlns:a14="http://schemas.microsoft.com/office/drawing/2010/main">
                 <a:effectLst>
                   <a:outerShdw blurRad="63500" dist="38099" dir="2700000" algn="ctr" rotWithShape="0">
                     <a:schemeClr val="bg2">
@@ -3860,17 +3860,17 @@
           <a:effectLst/>
           <a:extLst>
             <a:ext uri="{FAA26D3D-D897-4be2-8F04-BA451C77F1D7}">
-              <ma14:placeholderFlag xmlns:ma14="http://schemas.microsoft.com/office/mac/drawingml/2011/main" xmlns="" val="1"/>
+              <ma14:placeholderFlag xmlns="" xmlns:ma14="http://schemas.microsoft.com/office/mac/drawingml/2011/main" val="1"/>
             </a:ext>
             <a:ext uri="{909E8E84-426E-40dd-AFC4-6F175D3DCCD1}">
-              <a14:hiddenFill xmlns:a14="http://schemas.microsoft.com/office/drawing/2010/main" xmlns="">
+              <a14:hiddenFill xmlns="" xmlns:a14="http://schemas.microsoft.com/office/drawing/2010/main">
                 <a:solidFill>
                   <a:schemeClr val="accent1"/>
                 </a:solidFill>
               </a14:hiddenFill>
             </a:ext>
             <a:ext uri="{91240B29-F687-4f45-9708-019B960494DF}">
-              <a14:hiddenLine xmlns:a14="http://schemas.microsoft.com/office/drawing/2010/main" xmlns="" w="9525">
+              <a14:hiddenLine xmlns="" xmlns:a14="http://schemas.microsoft.com/office/drawing/2010/main" w="9525">
                 <a:solidFill>
                   <a:schemeClr val="tx1"/>
                 </a:solidFill>
@@ -3880,7 +3880,7 @@
               </a14:hiddenLine>
             </a:ext>
             <a:ext uri="{AF507438-7753-43e0-B8FC-AC1667EBCBE1}">
-              <a14:hiddenEffects xmlns:a14="http://schemas.microsoft.com/office/drawing/2010/main" xmlns="">
+              <a14:hiddenEffects xmlns="" xmlns:a14="http://schemas.microsoft.com/office/drawing/2010/main">
                 <a:effectLst>
                   <a:outerShdw blurRad="63500" dist="38099" dir="2700000" algn="ctr" rotWithShape="0">
                     <a:schemeClr val="bg2">
@@ -4251,17 +4251,17 @@
           <a:effectLst/>
           <a:extLst>
             <a:ext uri="{FAA26D3D-D897-4be2-8F04-BA451C77F1D7}">
-              <ma14:placeholderFlag xmlns:ma14="http://schemas.microsoft.com/office/mac/drawingml/2011/main" xmlns="" val="1"/>
+              <ma14:placeholderFlag xmlns="" xmlns:ma14="http://schemas.microsoft.com/office/mac/drawingml/2011/main" val="1"/>
             </a:ext>
             <a:ext uri="{909E8E84-426E-40dd-AFC4-6F175D3DCCD1}">
-              <a14:hiddenFill xmlns:a14="http://schemas.microsoft.com/office/drawing/2010/main" xmlns="">
+              <a14:hiddenFill xmlns="" xmlns:a14="http://schemas.microsoft.com/office/drawing/2010/main">
                 <a:solidFill>
                   <a:schemeClr val="accent1"/>
                 </a:solidFill>
               </a14:hiddenFill>
             </a:ext>
             <a:ext uri="{91240B29-F687-4f45-9708-019B960494DF}">
-              <a14:hiddenLine xmlns:a14="http://schemas.microsoft.com/office/drawing/2010/main" xmlns="" w="9525">
+              <a14:hiddenLine xmlns="" xmlns:a14="http://schemas.microsoft.com/office/drawing/2010/main" w="9525">
                 <a:solidFill>
                   <a:schemeClr val="tx1"/>
                 </a:solidFill>
@@ -4271,7 +4271,7 @@
               </a14:hiddenLine>
             </a:ext>
             <a:ext uri="{AF507438-7753-43e0-B8FC-AC1667EBCBE1}">
-              <a14:hiddenEffects xmlns:a14="http://schemas.microsoft.com/office/drawing/2010/main" xmlns="">
+              <a14:hiddenEffects xmlns="" xmlns:a14="http://schemas.microsoft.com/office/drawing/2010/main">
                 <a:effectLst>
                   <a:outerShdw blurRad="63500" dist="38099" dir="2700000" algn="ctr" rotWithShape="0">
                     <a:schemeClr val="bg2">
@@ -4619,17 +4619,17 @@
           <a:effectLst/>
           <a:extLst>
             <a:ext uri="{FAA26D3D-D897-4be2-8F04-BA451C77F1D7}">
-              <ma14:placeholderFlag xmlns:ma14="http://schemas.microsoft.com/office/mac/drawingml/2011/main" xmlns="" val="1"/>
+              <ma14:placeholderFlag xmlns="" xmlns:ma14="http://schemas.microsoft.com/office/mac/drawingml/2011/main" val="1"/>
             </a:ext>
             <a:ext uri="{909E8E84-426E-40dd-AFC4-6F175D3DCCD1}">
-              <a14:hiddenFill xmlns:a14="http://schemas.microsoft.com/office/drawing/2010/main" xmlns="">
+              <a14:hiddenFill xmlns="" xmlns:a14="http://schemas.microsoft.com/office/drawing/2010/main">
                 <a:solidFill>
                   <a:schemeClr val="accent1"/>
                 </a:solidFill>
               </a14:hiddenFill>
             </a:ext>
             <a:ext uri="{91240B29-F687-4f45-9708-019B960494DF}">
-              <a14:hiddenLine xmlns:a14="http://schemas.microsoft.com/office/drawing/2010/main" xmlns="" w="9525">
+              <a14:hiddenLine xmlns="" xmlns:a14="http://schemas.microsoft.com/office/drawing/2010/main" w="9525">
                 <a:solidFill>
                   <a:schemeClr val="tx1"/>
                 </a:solidFill>
@@ -4639,7 +4639,7 @@
               </a14:hiddenLine>
             </a:ext>
             <a:ext uri="{AF507438-7753-43e0-B8FC-AC1667EBCBE1}">
-              <a14:hiddenEffects xmlns:a14="http://schemas.microsoft.com/office/drawing/2010/main" xmlns="">
+              <a14:hiddenEffects xmlns="" xmlns:a14="http://schemas.microsoft.com/office/drawing/2010/main">
                 <a:effectLst>
                   <a:outerShdw blurRad="63500" dist="38099" dir="2700000" algn="ctr" rotWithShape="0">
                     <a:schemeClr val="bg2">
@@ -4766,17 +4766,17 @@
           <a:effectLst/>
           <a:extLst>
             <a:ext uri="{FAA26D3D-D897-4be2-8F04-BA451C77F1D7}">
-              <ma14:placeholderFlag xmlns:ma14="http://schemas.microsoft.com/office/mac/drawingml/2011/main" xmlns="" val="1"/>
+              <ma14:placeholderFlag xmlns="" xmlns:ma14="http://schemas.microsoft.com/office/mac/drawingml/2011/main" val="1"/>
             </a:ext>
             <a:ext uri="{909E8E84-426E-40dd-AFC4-6F175D3DCCD1}">
-              <a14:hiddenFill xmlns:a14="http://schemas.microsoft.com/office/drawing/2010/main" xmlns="">
+              <a14:hiddenFill xmlns="" xmlns:a14="http://schemas.microsoft.com/office/drawing/2010/main">
                 <a:solidFill>
                   <a:schemeClr val="accent1"/>
                 </a:solidFill>
               </a14:hiddenFill>
             </a:ext>
             <a:ext uri="{91240B29-F687-4f45-9708-019B960494DF}">
-              <a14:hiddenLine xmlns:a14="http://schemas.microsoft.com/office/drawing/2010/main" xmlns="" w="9525">
+              <a14:hiddenLine xmlns="" xmlns:a14="http://schemas.microsoft.com/office/drawing/2010/main" w="9525">
                 <a:solidFill>
                   <a:schemeClr val="tx1"/>
                 </a:solidFill>
@@ -4786,7 +4786,7 @@
               </a14:hiddenLine>
             </a:ext>
             <a:ext uri="{AF507438-7753-43e0-B8FC-AC1667EBCBE1}">
-              <a14:hiddenEffects xmlns:a14="http://schemas.microsoft.com/office/drawing/2010/main" xmlns="">
+              <a14:hiddenEffects xmlns="" xmlns:a14="http://schemas.microsoft.com/office/drawing/2010/main">
                 <a:effectLst>
                   <a:outerShdw blurRad="63500" dist="38099" dir="2700000" algn="ctr" rotWithShape="0">
                     <a:schemeClr val="bg2">
@@ -4839,17 +4839,17 @@
           <a:effectLst/>
           <a:extLst>
             <a:ext uri="{FAA26D3D-D897-4be2-8F04-BA451C77F1D7}">
-              <ma14:placeholderFlag xmlns:ma14="http://schemas.microsoft.com/office/mac/drawingml/2011/main" xmlns="" val="1"/>
+              <ma14:placeholderFlag xmlns="" xmlns:ma14="http://schemas.microsoft.com/office/mac/drawingml/2011/main" val="1"/>
             </a:ext>
             <a:ext uri="{909E8E84-426E-40dd-AFC4-6F175D3DCCD1}">
-              <a14:hiddenFill xmlns:a14="http://schemas.microsoft.com/office/drawing/2010/main" xmlns="">
+              <a14:hiddenFill xmlns="" xmlns:a14="http://schemas.microsoft.com/office/drawing/2010/main">
                 <a:solidFill>
                   <a:schemeClr val="accent1"/>
                 </a:solidFill>
               </a14:hiddenFill>
             </a:ext>
             <a:ext uri="{91240B29-F687-4f45-9708-019B960494DF}">
-              <a14:hiddenLine xmlns:a14="http://schemas.microsoft.com/office/drawing/2010/main" xmlns="" w="9525">
+              <a14:hiddenLine xmlns="" xmlns:a14="http://schemas.microsoft.com/office/drawing/2010/main" w="9525">
                 <a:solidFill>
                   <a:schemeClr val="tx1"/>
                 </a:solidFill>
@@ -4859,7 +4859,7 @@
               </a14:hiddenLine>
             </a:ext>
             <a:ext uri="{AF507438-7753-43e0-B8FC-AC1667EBCBE1}">
-              <a14:hiddenEffects xmlns:a14="http://schemas.microsoft.com/office/drawing/2010/main" xmlns="">
+              <a14:hiddenEffects xmlns="" xmlns:a14="http://schemas.microsoft.com/office/drawing/2010/main">
                 <a:effectLst>
                   <a:outerShdw blurRad="63500" dist="38099" dir="2700000" algn="ctr" rotWithShape="0">
                     <a:schemeClr val="bg2">
@@ -4940,17 +4940,17 @@
           <a:effectLst/>
           <a:extLst>
             <a:ext uri="{FAA26D3D-D897-4be2-8F04-BA451C77F1D7}">
-              <ma14:placeholderFlag xmlns:ma14="http://schemas.microsoft.com/office/mac/drawingml/2011/main" xmlns="" val="1"/>
+              <ma14:placeholderFlag xmlns="" xmlns:ma14="http://schemas.microsoft.com/office/mac/drawingml/2011/main" val="1"/>
             </a:ext>
             <a:ext uri="{909E8E84-426E-40dd-AFC4-6F175D3DCCD1}">
-              <a14:hiddenFill xmlns:a14="http://schemas.microsoft.com/office/drawing/2010/main" xmlns="">
+              <a14:hiddenFill xmlns="" xmlns:a14="http://schemas.microsoft.com/office/drawing/2010/main">
                 <a:solidFill>
                   <a:schemeClr val="accent1"/>
                 </a:solidFill>
               </a14:hiddenFill>
             </a:ext>
             <a:ext uri="{91240B29-F687-4f45-9708-019B960494DF}">
-              <a14:hiddenLine xmlns:a14="http://schemas.microsoft.com/office/drawing/2010/main" xmlns="" w="9525">
+              <a14:hiddenLine xmlns="" xmlns:a14="http://schemas.microsoft.com/office/drawing/2010/main" w="9525">
                 <a:solidFill>
                   <a:schemeClr val="tx1"/>
                 </a:solidFill>
@@ -4960,7 +4960,7 @@
               </a14:hiddenLine>
             </a:ext>
             <a:ext uri="{AF507438-7753-43e0-B8FC-AC1667EBCBE1}">
-              <a14:hiddenEffects xmlns:a14="http://schemas.microsoft.com/office/drawing/2010/main" xmlns="">
+              <a14:hiddenEffects xmlns="" xmlns:a14="http://schemas.microsoft.com/office/drawing/2010/main">
                 <a:effectLst>
                   <a:outerShdw blurRad="63500" dist="38099" dir="2700000" algn="ctr" rotWithShape="0">
                     <a:schemeClr val="bg2">
@@ -5030,17 +5030,17 @@
           <a:effectLst/>
           <a:extLst>
             <a:ext uri="{FAA26D3D-D897-4be2-8F04-BA451C77F1D7}">
-              <ma14:placeholderFlag xmlns:ma14="http://schemas.microsoft.com/office/mac/drawingml/2011/main" xmlns="" val="1"/>
+              <ma14:placeholderFlag xmlns="" xmlns:ma14="http://schemas.microsoft.com/office/mac/drawingml/2011/main" val="1"/>
             </a:ext>
             <a:ext uri="{909E8E84-426E-40dd-AFC4-6F175D3DCCD1}">
-              <a14:hiddenFill xmlns:a14="http://schemas.microsoft.com/office/drawing/2010/main" xmlns="">
+              <a14:hiddenFill xmlns="" xmlns:a14="http://schemas.microsoft.com/office/drawing/2010/main">
                 <a:solidFill>
                   <a:schemeClr val="accent1"/>
                 </a:solidFill>
               </a14:hiddenFill>
             </a:ext>
             <a:ext uri="{91240B29-F687-4f45-9708-019B960494DF}">
-              <a14:hiddenLine xmlns:a14="http://schemas.microsoft.com/office/drawing/2010/main" xmlns="" w="9525">
+              <a14:hiddenLine xmlns="" xmlns:a14="http://schemas.microsoft.com/office/drawing/2010/main" w="9525">
                 <a:solidFill>
                   <a:schemeClr val="tx1"/>
                 </a:solidFill>
@@ -5050,7 +5050,7 @@
               </a14:hiddenLine>
             </a:ext>
             <a:ext uri="{AF507438-7753-43e0-B8FC-AC1667EBCBE1}">
-              <a14:hiddenEffects xmlns:a14="http://schemas.microsoft.com/office/drawing/2010/main" xmlns="">
+              <a14:hiddenEffects xmlns="" xmlns:a14="http://schemas.microsoft.com/office/drawing/2010/main">
                 <a:effectLst>
                   <a:outerShdw blurRad="63500" dist="38099" dir="2700000" algn="ctr" rotWithShape="0">
                     <a:schemeClr val="bg2">
@@ -5126,17 +5126,17 @@
           <a:effectLst/>
           <a:extLst>
             <a:ext uri="{FAA26D3D-D897-4be2-8F04-BA451C77F1D7}">
-              <ma14:placeholderFlag xmlns:ma14="http://schemas.microsoft.com/office/mac/drawingml/2011/main" xmlns="" val="1"/>
+              <ma14:placeholderFlag xmlns="" xmlns:ma14="http://schemas.microsoft.com/office/mac/drawingml/2011/main" val="1"/>
             </a:ext>
             <a:ext uri="{909E8E84-426E-40dd-AFC4-6F175D3DCCD1}">
-              <a14:hiddenFill xmlns:a14="http://schemas.microsoft.com/office/drawing/2010/main" xmlns="">
+              <a14:hiddenFill xmlns="" xmlns:a14="http://schemas.microsoft.com/office/drawing/2010/main">
                 <a:solidFill>
                   <a:schemeClr val="accent1"/>
                 </a:solidFill>
               </a14:hiddenFill>
             </a:ext>
             <a:ext uri="{91240B29-F687-4f45-9708-019B960494DF}">
-              <a14:hiddenLine xmlns:a14="http://schemas.microsoft.com/office/drawing/2010/main" xmlns="" w="9525">
+              <a14:hiddenLine xmlns="" xmlns:a14="http://schemas.microsoft.com/office/drawing/2010/main" w="9525">
                 <a:solidFill>
                   <a:schemeClr val="tx1"/>
                 </a:solidFill>
@@ -5146,7 +5146,7 @@
               </a14:hiddenLine>
             </a:ext>
             <a:ext uri="{AF507438-7753-43e0-B8FC-AC1667EBCBE1}">
-              <a14:hiddenEffects xmlns:a14="http://schemas.microsoft.com/office/drawing/2010/main" xmlns="">
+              <a14:hiddenEffects xmlns="" xmlns:a14="http://schemas.microsoft.com/office/drawing/2010/main">
                 <a:effectLst>
                   <a:outerShdw blurRad="63500" dist="38099" dir="2700000" algn="ctr" rotWithShape="0">
                     <a:schemeClr val="bg2">
@@ -11039,7 +11039,7 @@
           <a:effectLst/>
           <a:extLst>
             <a:ext uri="{AF507438-7753-43e0-B8FC-AC1667EBCBE1}">
-              <a14:hiddenEffects xmlns:a14="http://schemas.microsoft.com/office/drawing/2010/main" xmlns="">
+              <a14:hiddenEffects xmlns="" xmlns:a14="http://schemas.microsoft.com/office/drawing/2010/main">
                 <a:effectLst>
                   <a:outerShdw blurRad="63500" dist="38099" dir="2700000" algn="ctr" rotWithShape="0">
                     <a:schemeClr val="bg2">
@@ -11119,8 +11119,12 @@
           <a:lstStyle/>
           <a:p>
             <a:r>
+              <a:rPr lang="en-US"/>
+              <a:t>Multicore-Linking </a:t>
+            </a:r>
+            <a:r>
               <a:rPr lang="en-US" dirty="0"/>
-              <a:t>Multicore Linking Framework</a:t>
+              <a:t>Framework</a:t>
             </a:r>
           </a:p>
         </p:txBody>
@@ -11158,7 +11162,7 @@
           <a:effectLst/>
           <a:extLst>
             <a:ext uri="{AF507438-7753-43e0-B8FC-AC1667EBCBE1}">
-              <a14:hiddenEffects xmlns:a14="http://schemas.microsoft.com/office/drawing/2010/main" xmlns="">
+              <a14:hiddenEffects xmlns="" xmlns:a14="http://schemas.microsoft.com/office/drawing/2010/main">
                 <a:effectLst>
                   <a:outerShdw blurRad="63500" dist="38099" dir="2700000" algn="ctr" rotWithShape="0">
                     <a:schemeClr val="bg2">
@@ -14669,8 +14673,8 @@
           </p:sp>
         </mc:Fallback>
       </mc:AlternateContent>
-      <mc:AlternateContent xmlns:mc="http://schemas.openxmlformats.org/markup-compatibility/2006" xmlns:a14="http://schemas.microsoft.com/office/drawing/2010/main">
-        <mc:Choice Requires="a14">
+      <mc:AlternateContent xmlns:mc="http://schemas.openxmlformats.org/markup-compatibility/2006">
+        <mc:Choice xmlns:a14="http://schemas.microsoft.com/office/drawing/2010/main" Requires="a14">
           <p:sp>
             <p:nvSpPr>
               <p:cNvPr id="22" name="Rectangle 21">
@@ -14737,13 +14741,13 @@
                   <a:rPr lang="en-US" sz="1600" dirty="0">
                     <a:latin typeface="Helvetica" pitchFamily="2" charset="0"/>
                   </a:rPr>
-                  <a:t>(context switching incl.)</a:t>
+                  <a:t>(context switching primitives are included)</a:t>
                 </a:r>
               </a:p>
             </p:txBody>
           </p:sp>
         </mc:Choice>
-        <mc:Fallback xmlns="">
+        <mc:Fallback>
           <p:sp>
             <p:nvSpPr>
               <p:cNvPr id="22" name="Rectangle 21">
@@ -14788,8 +14792,8 @@
           </p:sp>
         </mc:Fallback>
       </mc:AlternateContent>
-      <mc:AlternateContent xmlns:mc="http://schemas.openxmlformats.org/markup-compatibility/2006" xmlns:a14="http://schemas.microsoft.com/office/drawing/2010/main">
-        <mc:Choice Requires="a14">
+      <mc:AlternateContent xmlns:mc="http://schemas.openxmlformats.org/markup-compatibility/2006">
+        <mc:Choice xmlns:a14="http://schemas.microsoft.com/office/drawing/2010/main" Requires="a14">
           <p:sp>
             <p:nvSpPr>
               <p:cNvPr id="23" name="Rectangle 22">
@@ -14846,13 +14850,13 @@
                   <a:rPr lang="en-US" sz="1600" dirty="0">
                     <a:latin typeface="Helvetica" pitchFamily="2" charset="0"/>
                   </a:rPr>
-                  <a:t>(Scheduling has a identity behavior)</a:t>
+                  <a:t>(scheduling has a identity behavior)</a:t>
                 </a:r>
               </a:p>
             </p:txBody>
           </p:sp>
         </mc:Choice>
-        <mc:Fallback xmlns="">
+        <mc:Fallback>
           <p:sp>
             <p:nvSpPr>
               <p:cNvPr id="23" name="Rectangle 22">
@@ -15039,7 +15043,7 @@
           <a:effectLst/>
           <a:extLst>
             <a:ext uri="{AF507438-7753-43e0-B8FC-AC1667EBCBE1}">
-              <a14:hiddenEffects xmlns:a14="http://schemas.microsoft.com/office/drawing/2010/main" xmlns="">
+              <a14:hiddenEffects xmlns="" xmlns:a14="http://schemas.microsoft.com/office/drawing/2010/main">
                 <a:effectLst>
                   <a:outerShdw blurRad="63500" dist="38099" dir="2700000" algn="ctr" rotWithShape="0">
                     <a:schemeClr val="bg2">
@@ -15123,7 +15127,7 @@
           <a:effectLst/>
           <a:extLst>
             <a:ext uri="{AF507438-7753-43e0-B8FC-AC1667EBCBE1}">
-              <a14:hiddenEffects xmlns:a14="http://schemas.microsoft.com/office/drawing/2010/main" xmlns="">
+              <a14:hiddenEffects xmlns="" xmlns:a14="http://schemas.microsoft.com/office/drawing/2010/main">
                 <a:effectLst>
                   <a:outerShdw blurRad="63500" dist="38099" dir="2700000" algn="ctr" rotWithShape="0">
                     <a:schemeClr val="bg2">
@@ -15457,7 +15461,7 @@
           <a:effectLst/>
           <a:extLst>
             <a:ext uri="{AF507438-7753-43e0-B8FC-AC1667EBCBE1}">
-              <a14:hiddenEffects xmlns:a14="http://schemas.microsoft.com/office/drawing/2010/main" xmlns="">
+              <a14:hiddenEffects xmlns="" xmlns:a14="http://schemas.microsoft.com/office/drawing/2010/main">
                 <a:effectLst>
                   <a:outerShdw blurRad="63500" dist="38099" dir="2700000" algn="ctr" rotWithShape="0">
                     <a:schemeClr val="bg2">
@@ -15508,7 +15512,7 @@
           <a:effectLst/>
           <a:extLst>
             <a:ext uri="{AF507438-7753-43e0-B8FC-AC1667EBCBE1}">
-              <a14:hiddenEffects xmlns:a14="http://schemas.microsoft.com/office/drawing/2010/main" xmlns="">
+              <a14:hiddenEffects xmlns="" xmlns:a14="http://schemas.microsoft.com/office/drawing/2010/main">
                 <a:effectLst>
                   <a:outerShdw blurRad="63500" dist="38099" dir="2700000" algn="ctr" rotWithShape="0">
                     <a:schemeClr val="bg2">
@@ -15554,7 +15558,7 @@
           <a:effectLst/>
           <a:extLst>
             <a:ext uri="{AF507438-7753-43e0-B8FC-AC1667EBCBE1}">
-              <a14:hiddenEffects xmlns:a14="http://schemas.microsoft.com/office/drawing/2010/main" xmlns="">
+              <a14:hiddenEffects xmlns="" xmlns:a14="http://schemas.microsoft.com/office/drawing/2010/main">
                 <a:effectLst>
                   <a:outerShdw blurRad="63500" dist="38099" dir="2700000" algn="ctr" rotWithShape="0">
                     <a:schemeClr val="bg2">
@@ -15635,7 +15639,7 @@
           <a:p>
             <a:r>
               <a:rPr lang="en-US" dirty="0"/>
-              <a:t>Multithreaded Linking Framework</a:t>
+              <a:t>Multithreaded-Linking Framework</a:t>
             </a:r>
           </a:p>
         </p:txBody>
@@ -15832,7 +15836,7 @@
           <a:effectLst/>
           <a:extLst>
             <a:ext uri="{AF507438-7753-43e0-B8FC-AC1667EBCBE1}">
-              <a14:hiddenEffects xmlns:a14="http://schemas.microsoft.com/office/drawing/2010/main" xmlns="">
+              <a14:hiddenEffects xmlns="" xmlns:a14="http://schemas.microsoft.com/office/drawing/2010/main">
                 <a:effectLst>
                   <a:outerShdw blurRad="63500" dist="38099" dir="2700000" algn="ctr" rotWithShape="0">
                     <a:schemeClr val="bg2">
@@ -15917,7 +15921,7 @@
           <a:effectLst/>
           <a:extLst>
             <a:ext uri="{AF507438-7753-43e0-B8FC-AC1667EBCBE1}">
-              <a14:hiddenEffects xmlns:a14="http://schemas.microsoft.com/office/drawing/2010/main" xmlns="">
+              <a14:hiddenEffects xmlns="" xmlns:a14="http://schemas.microsoft.com/office/drawing/2010/main">
                 <a:effectLst>
                   <a:outerShdw blurRad="63500" dist="38099" dir="2700000" algn="ctr" rotWithShape="0">
                     <a:schemeClr val="bg2">
@@ -15998,7 +16002,7 @@
           <a:effectLst/>
           <a:extLst>
             <a:ext uri="{AF507438-7753-43e0-B8FC-AC1667EBCBE1}">
-              <a14:hiddenEffects xmlns:a14="http://schemas.microsoft.com/office/drawing/2010/main" xmlns="">
+              <a14:hiddenEffects xmlns="" xmlns:a14="http://schemas.microsoft.com/office/drawing/2010/main">
                 <a:effectLst>
                   <a:outerShdw blurRad="63500" dist="38099" dir="2700000" algn="ctr" rotWithShape="0">
                     <a:schemeClr val="bg2">
@@ -16095,7 +16099,7 @@
           <a:effectLst/>
           <a:extLst>
             <a:ext uri="{AF507438-7753-43e0-B8FC-AC1667EBCBE1}">
-              <a14:hiddenEffects xmlns:a14="http://schemas.microsoft.com/office/drawing/2010/main" xmlns="">
+              <a14:hiddenEffects xmlns="" xmlns:a14="http://schemas.microsoft.com/office/drawing/2010/main">
                 <a:effectLst>
                   <a:outerShdw blurRad="63500" dist="38099" dir="2700000" algn="ctr" rotWithShape="0">
                     <a:schemeClr val="bg2">
@@ -16192,7 +16196,7 @@
           <a:effectLst/>
           <a:extLst>
             <a:ext uri="{AF507438-7753-43e0-B8FC-AC1667EBCBE1}">
-              <a14:hiddenEffects xmlns:a14="http://schemas.microsoft.com/office/drawing/2010/main" xmlns="">
+              <a14:hiddenEffects xmlns="" xmlns:a14="http://schemas.microsoft.com/office/drawing/2010/main">
                 <a:effectLst>
                   <a:outerShdw blurRad="63500" dist="38099" dir="2700000" algn="ctr" rotWithShape="0">
                     <a:schemeClr val="bg2">
@@ -16287,7 +16291,7 @@
           <a:effectLst/>
           <a:extLst>
             <a:ext uri="{AF507438-7753-43e0-B8FC-AC1667EBCBE1}">
-              <a14:hiddenEffects xmlns:a14="http://schemas.microsoft.com/office/drawing/2010/main" xmlns="">
+              <a14:hiddenEffects xmlns="" xmlns:a14="http://schemas.microsoft.com/office/drawing/2010/main">
                 <a:effectLst>
                   <a:outerShdw blurRad="63500" dist="38099" dir="2700000" algn="ctr" rotWithShape="0">
                     <a:schemeClr val="bg2">
@@ -16386,7 +16390,7 @@
           <a:effectLst/>
           <a:extLst>
             <a:ext uri="{AF507438-7753-43e0-B8FC-AC1667EBCBE1}">
-              <a14:hiddenEffects xmlns:a14="http://schemas.microsoft.com/office/drawing/2010/main" xmlns="">
+              <a14:hiddenEffects xmlns="" xmlns:a14="http://schemas.microsoft.com/office/drawing/2010/main">
                 <a:effectLst>
                   <a:outerShdw blurRad="63500" dist="38099" dir="2700000" algn="ctr" rotWithShape="0">
                     <a:schemeClr val="bg2">
@@ -16436,7 +16440,7 @@
           <a:effectLst/>
           <a:extLst>
             <a:ext uri="{AF507438-7753-43e0-B8FC-AC1667EBCBE1}">
-              <a14:hiddenEffects xmlns:a14="http://schemas.microsoft.com/office/drawing/2010/main" xmlns="">
+              <a14:hiddenEffects xmlns="" xmlns:a14="http://schemas.microsoft.com/office/drawing/2010/main">
                 <a:effectLst>
                   <a:outerShdw blurRad="63500" dist="38099" dir="2700000" algn="ctr" rotWithShape="0">
                     <a:schemeClr val="bg2">
@@ -16520,7 +16524,7 @@
           <a:effectLst/>
           <a:extLst>
             <a:ext uri="{AF507438-7753-43e0-B8FC-AC1667EBCBE1}">
-              <a14:hiddenEffects xmlns:a14="http://schemas.microsoft.com/office/drawing/2010/main" xmlns="">
+              <a14:hiddenEffects xmlns="" xmlns:a14="http://schemas.microsoft.com/office/drawing/2010/main">
                 <a:effectLst>
                   <a:outerShdw blurRad="63500" dist="38099" dir="2700000" algn="ctr" rotWithShape="0">
                     <a:schemeClr val="bg2">
@@ -16570,7 +16574,7 @@
           <a:effectLst/>
           <a:extLst>
             <a:ext uri="{AF507438-7753-43e0-B8FC-AC1667EBCBE1}">
-              <a14:hiddenEffects xmlns:a14="http://schemas.microsoft.com/office/drawing/2010/main" xmlns="">
+              <a14:hiddenEffects xmlns="" xmlns:a14="http://schemas.microsoft.com/office/drawing/2010/main">
                 <a:effectLst>
                   <a:outerShdw blurRad="63500" dist="38099" dir="2700000" algn="ctr" rotWithShape="0">
                     <a:schemeClr val="bg2">
@@ -16618,7 +16622,7 @@
           <a:effectLst/>
           <a:extLst>
             <a:ext uri="{AF507438-7753-43e0-B8FC-AC1667EBCBE1}">
-              <a14:hiddenEffects xmlns:a14="http://schemas.microsoft.com/office/drawing/2010/main" xmlns="">
+              <a14:hiddenEffects xmlns="" xmlns:a14="http://schemas.microsoft.com/office/drawing/2010/main">
                 <a:effectLst>
                   <a:outerShdw blurRad="63500" dist="38099" dir="2700000" algn="ctr" rotWithShape="0">
                     <a:schemeClr val="bg2">
@@ -16713,7 +16717,7 @@
           <a:effectLst/>
           <a:extLst>
             <a:ext uri="{AF507438-7753-43e0-B8FC-AC1667EBCBE1}">
-              <a14:hiddenEffects xmlns:a14="http://schemas.microsoft.com/office/drawing/2010/main" xmlns="">
+              <a14:hiddenEffects xmlns="" xmlns:a14="http://schemas.microsoft.com/office/drawing/2010/main">
                 <a:effectLst>
                   <a:outerShdw blurRad="63500" dist="38099" dir="2700000" algn="ctr" rotWithShape="0">
                     <a:schemeClr val="bg2">
@@ -16808,7 +16812,7 @@
           <a:effectLst/>
           <a:extLst>
             <a:ext uri="{AF507438-7753-43e0-B8FC-AC1667EBCBE1}">
-              <a14:hiddenEffects xmlns:a14="http://schemas.microsoft.com/office/drawing/2010/main" xmlns="">
+              <a14:hiddenEffects xmlns="" xmlns:a14="http://schemas.microsoft.com/office/drawing/2010/main">
                 <a:effectLst>
                   <a:outerShdw blurRad="63500" dist="38099" dir="2700000" algn="ctr" rotWithShape="0">
                     <a:schemeClr val="bg2">
@@ -16905,7 +16909,7 @@
           <a:effectLst/>
           <a:extLst>
             <a:ext uri="{AF507438-7753-43e0-B8FC-AC1667EBCBE1}">
-              <a14:hiddenEffects xmlns:a14="http://schemas.microsoft.com/office/drawing/2010/main" xmlns="">
+              <a14:hiddenEffects xmlns="" xmlns:a14="http://schemas.microsoft.com/office/drawing/2010/main">
                 <a:effectLst>
                   <a:outerShdw blurRad="63500" dist="38099" dir="2700000" algn="ctr" rotWithShape="0">
                     <a:schemeClr val="bg2">
@@ -17000,7 +17004,7 @@
           <a:effectLst/>
           <a:extLst>
             <a:ext uri="{AF507438-7753-43e0-B8FC-AC1667EBCBE1}">
-              <a14:hiddenEffects xmlns:a14="http://schemas.microsoft.com/office/drawing/2010/main" xmlns="">
+              <a14:hiddenEffects xmlns="" xmlns:a14="http://schemas.microsoft.com/office/drawing/2010/main">
                 <a:effectLst>
                   <a:outerShdw blurRad="63500" dist="38099" dir="2700000" algn="ctr" rotWithShape="0">
                     <a:schemeClr val="bg2">
@@ -17885,7 +17889,7 @@
           <a:effectLst/>
           <a:extLst>
             <a:ext uri="{AF507438-7753-43e0-B8FC-AC1667EBCBE1}">
-              <a14:hiddenEffects xmlns:a14="http://schemas.microsoft.com/office/drawing/2010/main" xmlns="">
+              <a14:hiddenEffects xmlns="" xmlns:a14="http://schemas.microsoft.com/office/drawing/2010/main">
                 <a:effectLst>
                   <a:outerShdw blurRad="63500" dist="38099" dir="2700000" algn="ctr" rotWithShape="0">
                     <a:schemeClr val="bg2">
@@ -18160,7 +18164,7 @@
           <a:effectLst/>
           <a:extLst>
             <a:ext uri="{AF507438-7753-43e0-B8FC-AC1667EBCBE1}">
-              <a14:hiddenEffects xmlns:a14="http://schemas.microsoft.com/office/drawing/2010/main" xmlns="">
+              <a14:hiddenEffects xmlns="" xmlns:a14="http://schemas.microsoft.com/office/drawing/2010/main">
                 <a:effectLst>
                   <a:outerShdw blurRad="63500" dist="38099" dir="2700000" algn="ctr" rotWithShape="0">
                     <a:schemeClr val="bg2">
@@ -18245,7 +18249,7 @@
           <a:effectLst/>
           <a:extLst>
             <a:ext uri="{AF507438-7753-43e0-B8FC-AC1667EBCBE1}">
-              <a14:hiddenEffects xmlns:a14="http://schemas.microsoft.com/office/drawing/2010/main" xmlns="">
+              <a14:hiddenEffects xmlns="" xmlns:a14="http://schemas.microsoft.com/office/drawing/2010/main">
                 <a:effectLst>
                   <a:outerShdw blurRad="63500" dist="38099" dir="2700000" algn="ctr" rotWithShape="0">
                     <a:schemeClr val="bg2">
@@ -18326,7 +18330,7 @@
           <a:effectLst/>
           <a:extLst>
             <a:ext uri="{AF507438-7753-43e0-B8FC-AC1667EBCBE1}">
-              <a14:hiddenEffects xmlns:a14="http://schemas.microsoft.com/office/drawing/2010/main" xmlns="">
+              <a14:hiddenEffects xmlns="" xmlns:a14="http://schemas.microsoft.com/office/drawing/2010/main">
                 <a:effectLst>
                   <a:outerShdw blurRad="63500" dist="38099" dir="2700000" algn="ctr" rotWithShape="0">
                     <a:schemeClr val="bg2">
@@ -18423,7 +18427,7 @@
           <a:effectLst/>
           <a:extLst>
             <a:ext uri="{AF507438-7753-43e0-B8FC-AC1667EBCBE1}">
-              <a14:hiddenEffects xmlns:a14="http://schemas.microsoft.com/office/drawing/2010/main" xmlns="">
+              <a14:hiddenEffects xmlns="" xmlns:a14="http://schemas.microsoft.com/office/drawing/2010/main">
                 <a:effectLst>
                   <a:outerShdw blurRad="63500" dist="38099" dir="2700000" algn="ctr" rotWithShape="0">
                     <a:schemeClr val="bg2">
@@ -18520,7 +18524,7 @@
           <a:effectLst/>
           <a:extLst>
             <a:ext uri="{AF507438-7753-43e0-B8FC-AC1667EBCBE1}">
-              <a14:hiddenEffects xmlns:a14="http://schemas.microsoft.com/office/drawing/2010/main" xmlns="">
+              <a14:hiddenEffects xmlns="" xmlns:a14="http://schemas.microsoft.com/office/drawing/2010/main">
                 <a:effectLst>
                   <a:outerShdw blurRad="63500" dist="38099" dir="2700000" algn="ctr" rotWithShape="0">
                     <a:schemeClr val="bg2">
@@ -18615,7 +18619,7 @@
           <a:effectLst/>
           <a:extLst>
             <a:ext uri="{AF507438-7753-43e0-B8FC-AC1667EBCBE1}">
-              <a14:hiddenEffects xmlns:a14="http://schemas.microsoft.com/office/drawing/2010/main" xmlns="">
+              <a14:hiddenEffects xmlns="" xmlns:a14="http://schemas.microsoft.com/office/drawing/2010/main">
                 <a:effectLst>
                   <a:outerShdw blurRad="63500" dist="38099" dir="2700000" algn="ctr" rotWithShape="0">
                     <a:schemeClr val="bg2">
@@ -18714,7 +18718,7 @@
           <a:effectLst/>
           <a:extLst>
             <a:ext uri="{AF507438-7753-43e0-B8FC-AC1667EBCBE1}">
-              <a14:hiddenEffects xmlns:a14="http://schemas.microsoft.com/office/drawing/2010/main" xmlns="">
+              <a14:hiddenEffects xmlns="" xmlns:a14="http://schemas.microsoft.com/office/drawing/2010/main">
                 <a:effectLst>
                   <a:outerShdw blurRad="63500" dist="38099" dir="2700000" algn="ctr" rotWithShape="0">
                     <a:schemeClr val="bg2">
@@ -18764,7 +18768,7 @@
           <a:effectLst/>
           <a:extLst>
             <a:ext uri="{AF507438-7753-43e0-B8FC-AC1667EBCBE1}">
-              <a14:hiddenEffects xmlns:a14="http://schemas.microsoft.com/office/drawing/2010/main" xmlns="">
+              <a14:hiddenEffects xmlns="" xmlns:a14="http://schemas.microsoft.com/office/drawing/2010/main">
                 <a:effectLst>
                   <a:outerShdw blurRad="63500" dist="38099" dir="2700000" algn="ctr" rotWithShape="0">
                     <a:schemeClr val="bg2">
@@ -18848,7 +18852,7 @@
           <a:effectLst/>
           <a:extLst>
             <a:ext uri="{AF507438-7753-43e0-B8FC-AC1667EBCBE1}">
-              <a14:hiddenEffects xmlns:a14="http://schemas.microsoft.com/office/drawing/2010/main" xmlns="">
+              <a14:hiddenEffects xmlns="" xmlns:a14="http://schemas.microsoft.com/office/drawing/2010/main">
                 <a:effectLst>
                   <a:outerShdw blurRad="63500" dist="38099" dir="2700000" algn="ctr" rotWithShape="0">
                     <a:schemeClr val="bg2">
@@ -18898,7 +18902,7 @@
           <a:effectLst/>
           <a:extLst>
             <a:ext uri="{AF507438-7753-43e0-B8FC-AC1667EBCBE1}">
-              <a14:hiddenEffects xmlns:a14="http://schemas.microsoft.com/office/drawing/2010/main" xmlns="">
+              <a14:hiddenEffects xmlns="" xmlns:a14="http://schemas.microsoft.com/office/drawing/2010/main">
                 <a:effectLst>
                   <a:outerShdw blurRad="63500" dist="38099" dir="2700000" algn="ctr" rotWithShape="0">
                     <a:schemeClr val="bg2">
@@ -18946,7 +18950,7 @@
           <a:effectLst/>
           <a:extLst>
             <a:ext uri="{AF507438-7753-43e0-B8FC-AC1667EBCBE1}">
-              <a14:hiddenEffects xmlns:a14="http://schemas.microsoft.com/office/drawing/2010/main" xmlns="">
+              <a14:hiddenEffects xmlns="" xmlns:a14="http://schemas.microsoft.com/office/drawing/2010/main">
                 <a:effectLst>
                   <a:outerShdw blurRad="63500" dist="38099" dir="2700000" algn="ctr" rotWithShape="0">
                     <a:schemeClr val="bg2">
@@ -19041,7 +19045,7 @@
           <a:effectLst/>
           <a:extLst>
             <a:ext uri="{AF507438-7753-43e0-B8FC-AC1667EBCBE1}">
-              <a14:hiddenEffects xmlns:a14="http://schemas.microsoft.com/office/drawing/2010/main" xmlns="">
+              <a14:hiddenEffects xmlns="" xmlns:a14="http://schemas.microsoft.com/office/drawing/2010/main">
                 <a:effectLst>
                   <a:outerShdw blurRad="63500" dist="38099" dir="2700000" algn="ctr" rotWithShape="0">
                     <a:schemeClr val="bg2">
@@ -19136,7 +19140,7 @@
           <a:effectLst/>
           <a:extLst>
             <a:ext uri="{AF507438-7753-43e0-B8FC-AC1667EBCBE1}">
-              <a14:hiddenEffects xmlns:a14="http://schemas.microsoft.com/office/drawing/2010/main" xmlns="">
+              <a14:hiddenEffects xmlns="" xmlns:a14="http://schemas.microsoft.com/office/drawing/2010/main">
                 <a:effectLst>
                   <a:outerShdw blurRad="63500" dist="38099" dir="2700000" algn="ctr" rotWithShape="0">
                     <a:schemeClr val="bg2">
@@ -19233,7 +19237,7 @@
           <a:effectLst/>
           <a:extLst>
             <a:ext uri="{AF507438-7753-43e0-B8FC-AC1667EBCBE1}">
-              <a14:hiddenEffects xmlns:a14="http://schemas.microsoft.com/office/drawing/2010/main" xmlns="">
+              <a14:hiddenEffects xmlns="" xmlns:a14="http://schemas.microsoft.com/office/drawing/2010/main">
                 <a:effectLst>
                   <a:outerShdw blurRad="63500" dist="38099" dir="2700000" algn="ctr" rotWithShape="0">
                     <a:schemeClr val="bg2">
@@ -19328,7 +19332,7 @@
           <a:effectLst/>
           <a:extLst>
             <a:ext uri="{AF507438-7753-43e0-B8FC-AC1667EBCBE1}">
-              <a14:hiddenEffects xmlns:a14="http://schemas.microsoft.com/office/drawing/2010/main" xmlns="">
+              <a14:hiddenEffects xmlns="" xmlns:a14="http://schemas.microsoft.com/office/drawing/2010/main">
                 <a:effectLst>
                   <a:outerShdw blurRad="63500" dist="38099" dir="2700000" algn="ctr" rotWithShape="0">
                     <a:schemeClr val="bg2">
@@ -19483,7 +19487,7 @@
           <a:effectLst/>
           <a:extLst>
             <a:ext uri="{AF507438-7753-43e0-B8FC-AC1667EBCBE1}">
-              <a14:hiddenEffects xmlns:a14="http://schemas.microsoft.com/office/drawing/2010/main" xmlns="">
+              <a14:hiddenEffects xmlns="" xmlns:a14="http://schemas.microsoft.com/office/drawing/2010/main">
                 <a:effectLst>
                   <a:outerShdw blurRad="63500" dist="38099" dir="2700000" algn="ctr" rotWithShape="0">
                     <a:schemeClr val="bg2">
@@ -20003,7 +20007,7 @@
           <a:effectLst/>
           <a:extLst>
             <a:ext uri="{AF507438-7753-43e0-B8FC-AC1667EBCBE1}">
-              <a14:hiddenEffects xmlns:a14="http://schemas.microsoft.com/office/drawing/2010/main" xmlns="">
+              <a14:hiddenEffects xmlns="" xmlns:a14="http://schemas.microsoft.com/office/drawing/2010/main">
                 <a:effectLst>
                   <a:outerShdw blurRad="63500" dist="38099" dir="2700000" algn="ctr" rotWithShape="0">
                     <a:schemeClr val="bg2">
@@ -20053,7 +20057,7 @@
           <a:effectLst/>
           <a:extLst>
             <a:ext uri="{AF507438-7753-43e0-B8FC-AC1667EBCBE1}">
-              <a14:hiddenEffects xmlns:a14="http://schemas.microsoft.com/office/drawing/2010/main" xmlns="">
+              <a14:hiddenEffects xmlns="" xmlns:a14="http://schemas.microsoft.com/office/drawing/2010/main">
                 <a:effectLst>
                   <a:outerShdw blurRad="63500" dist="38099" dir="2700000" algn="ctr" rotWithShape="0">
                     <a:schemeClr val="bg2">
@@ -20178,7 +20182,7 @@
           <a:effectLst/>
           <a:extLst>
             <a:ext uri="{AF507438-7753-43e0-B8FC-AC1667EBCBE1}">
-              <a14:hiddenEffects xmlns:a14="http://schemas.microsoft.com/office/drawing/2010/main" xmlns="">
+              <a14:hiddenEffects xmlns="" xmlns:a14="http://schemas.microsoft.com/office/drawing/2010/main">
                 <a:effectLst>
                   <a:outerShdw blurRad="63500" dist="38099" dir="2700000" algn="ctr" rotWithShape="0">
                     <a:schemeClr val="bg2">
@@ -20224,7 +20228,7 @@
           <a:effectLst/>
           <a:extLst>
             <a:ext uri="{AF507438-7753-43e0-B8FC-AC1667EBCBE1}">
-              <a14:hiddenEffects xmlns:a14="http://schemas.microsoft.com/office/drawing/2010/main" xmlns="">
+              <a14:hiddenEffects xmlns="" xmlns:a14="http://schemas.microsoft.com/office/drawing/2010/main">
                 <a:effectLst>
                   <a:outerShdw blurRad="63500" dist="38099" dir="2700000" algn="ctr" rotWithShape="0">
                     <a:schemeClr val="bg2">
@@ -20321,7 +20325,7 @@
           <a:effectLst/>
           <a:extLst>
             <a:ext uri="{AF507438-7753-43e0-B8FC-AC1667EBCBE1}">
-              <a14:hiddenEffects xmlns:a14="http://schemas.microsoft.com/office/drawing/2010/main" xmlns="">
+              <a14:hiddenEffects xmlns="" xmlns:a14="http://schemas.microsoft.com/office/drawing/2010/main">
                 <a:effectLst>
                   <a:outerShdw blurRad="63500" dist="38099" dir="2700000" algn="ctr" rotWithShape="0">
                     <a:schemeClr val="bg2">
@@ -20418,7 +20422,7 @@
           <a:effectLst/>
           <a:extLst>
             <a:ext uri="{AF507438-7753-43e0-B8FC-AC1667EBCBE1}">
-              <a14:hiddenEffects xmlns:a14="http://schemas.microsoft.com/office/drawing/2010/main" xmlns="">
+              <a14:hiddenEffects xmlns="" xmlns:a14="http://schemas.microsoft.com/office/drawing/2010/main">
                 <a:effectLst>
                   <a:outerShdw blurRad="63500" dist="38099" dir="2700000" algn="ctr" rotWithShape="0">
                     <a:schemeClr val="bg2">
@@ -20513,7 +20517,7 @@
           <a:effectLst/>
           <a:extLst>
             <a:ext uri="{AF507438-7753-43e0-B8FC-AC1667EBCBE1}">
-              <a14:hiddenEffects xmlns:a14="http://schemas.microsoft.com/office/drawing/2010/main" xmlns="">
+              <a14:hiddenEffects xmlns="" xmlns:a14="http://schemas.microsoft.com/office/drawing/2010/main">
                 <a:effectLst>
                   <a:outerShdw blurRad="63500" dist="38099" dir="2700000" algn="ctr" rotWithShape="0">
                     <a:schemeClr val="bg2">
@@ -20610,7 +20614,7 @@
           <a:effectLst/>
           <a:extLst>
             <a:ext uri="{AF507438-7753-43e0-B8FC-AC1667EBCBE1}">
-              <a14:hiddenEffects xmlns:a14="http://schemas.microsoft.com/office/drawing/2010/main" xmlns="">
+              <a14:hiddenEffects xmlns="" xmlns:a14="http://schemas.microsoft.com/office/drawing/2010/main">
                 <a:effectLst>
                   <a:outerShdw blurRad="63500" dist="38099" dir="2700000" algn="ctr" rotWithShape="0">
                     <a:schemeClr val="bg2">
@@ -20733,7 +20737,7 @@
             <a:effectLst/>
             <a:extLst>
               <a:ext uri="{AF507438-7753-43e0-B8FC-AC1667EBCBE1}">
-                <a14:hiddenEffects xmlns:a14="http://schemas.microsoft.com/office/drawing/2010/main" xmlns="">
+                <a14:hiddenEffects xmlns="" xmlns:a14="http://schemas.microsoft.com/office/drawing/2010/main">
                   <a:effectLst>
                     <a:outerShdw blurRad="63500" dist="38099" dir="2700000" algn="ctr" rotWithShape="0">
                       <a:schemeClr val="bg2">
@@ -20938,7 +20942,7 @@
           <a:effectLst/>
           <a:extLst>
             <a:ext uri="{AF507438-7753-43e0-B8FC-AC1667EBCBE1}">
-              <a14:hiddenEffects xmlns:a14="http://schemas.microsoft.com/office/drawing/2010/main" xmlns="">
+              <a14:hiddenEffects xmlns="" xmlns:a14="http://schemas.microsoft.com/office/drawing/2010/main">
                 <a:effectLst>
                   <a:outerShdw blurRad="63500" dist="38099" dir="2700000" algn="ctr" rotWithShape="0">
                     <a:schemeClr val="bg2">
@@ -21044,7 +21048,7 @@
             <a:effectLst/>
             <a:extLst>
               <a:ext uri="{AF507438-7753-43e0-B8FC-AC1667EBCBE1}">
-                <a14:hiddenEffects xmlns:a14="http://schemas.microsoft.com/office/drawing/2010/main" xmlns="">
+                <a14:hiddenEffects xmlns="" xmlns:a14="http://schemas.microsoft.com/office/drawing/2010/main">
                   <a:effectLst>
                     <a:outerShdw blurRad="63500" dist="38099" dir="2700000" algn="ctr" rotWithShape="0">
                       <a:schemeClr val="bg2">
@@ -21185,7 +21189,7 @@
             <a:effectLst/>
             <a:extLst>
               <a:ext uri="{AF507438-7753-43e0-B8FC-AC1667EBCBE1}">
-                <a14:hiddenEffects xmlns:a14="http://schemas.microsoft.com/office/drawing/2010/main" xmlns="">
+                <a14:hiddenEffects xmlns="" xmlns:a14="http://schemas.microsoft.com/office/drawing/2010/main">
                   <a:effectLst>
                     <a:outerShdw blurRad="63500" dist="38099" dir="2700000" algn="ctr" rotWithShape="0">
                       <a:schemeClr val="bg2">
@@ -21291,7 +21295,7 @@
               <a:effectLst/>
               <a:extLst>
                 <a:ext uri="{AF507438-7753-43e0-B8FC-AC1667EBCBE1}">
-                  <a14:hiddenEffects xmlns:a14="http://schemas.microsoft.com/office/drawing/2010/main" xmlns="">
+                  <a14:hiddenEffects xmlns="" xmlns:a14="http://schemas.microsoft.com/office/drawing/2010/main">
                     <a:effectLst>
                       <a:outerShdw blurRad="63500" dist="38099" dir="2700000" algn="ctr" rotWithShape="0">
                         <a:schemeClr val="bg2">
@@ -21419,7 +21423,7 @@
           <a:effectLst/>
           <a:extLst>
             <a:ext uri="{AF507438-7753-43e0-B8FC-AC1667EBCBE1}">
-              <a14:hiddenEffects xmlns:a14="http://schemas.microsoft.com/office/drawing/2010/main" xmlns="">
+              <a14:hiddenEffects xmlns="" xmlns:a14="http://schemas.microsoft.com/office/drawing/2010/main">
                 <a:effectLst>
                   <a:outerShdw blurRad="63500" dist="38099" dir="2700000" algn="ctr" rotWithShape="0">
                     <a:schemeClr val="bg2">
@@ -22049,7 +22053,7 @@
           <a:effectLst/>
           <a:extLst>
             <a:ext uri="{AF507438-7753-43e0-B8FC-AC1667EBCBE1}">
-              <a14:hiddenEffects xmlns:a14="http://schemas.microsoft.com/office/drawing/2010/main" xmlns="">
+              <a14:hiddenEffects xmlns="" xmlns:a14="http://schemas.microsoft.com/office/drawing/2010/main">
                 <a:effectLst>
                   <a:outerShdw blurRad="63500" dist="38099" dir="2700000" algn="ctr" rotWithShape="0">
                     <a:schemeClr val="bg2">
@@ -22099,7 +22103,7 @@
           <a:effectLst/>
           <a:extLst>
             <a:ext uri="{AF507438-7753-43e0-B8FC-AC1667EBCBE1}">
-              <a14:hiddenEffects xmlns:a14="http://schemas.microsoft.com/office/drawing/2010/main" xmlns="">
+              <a14:hiddenEffects xmlns="" xmlns:a14="http://schemas.microsoft.com/office/drawing/2010/main">
                 <a:effectLst>
                   <a:outerShdw blurRad="63500" dist="38099" dir="2700000" algn="ctr" rotWithShape="0">
                     <a:schemeClr val="bg2">
@@ -22149,7 +22153,7 @@
           <a:effectLst/>
           <a:extLst>
             <a:ext uri="{AF507438-7753-43e0-B8FC-AC1667EBCBE1}">
-              <a14:hiddenEffects xmlns:a14="http://schemas.microsoft.com/office/drawing/2010/main" xmlns="">
+              <a14:hiddenEffects xmlns="" xmlns:a14="http://schemas.microsoft.com/office/drawing/2010/main">
                 <a:effectLst>
                   <a:outerShdw blurRad="63500" dist="38099" dir="2700000" algn="ctr" rotWithShape="0">
                     <a:schemeClr val="bg2">
@@ -22199,7 +22203,7 @@
           <a:effectLst/>
           <a:extLst>
             <a:ext uri="{AF507438-7753-43e0-B8FC-AC1667EBCBE1}">
-              <a14:hiddenEffects xmlns:a14="http://schemas.microsoft.com/office/drawing/2010/main" xmlns="">
+              <a14:hiddenEffects xmlns="" xmlns:a14="http://schemas.microsoft.com/office/drawing/2010/main">
                 <a:effectLst>
                   <a:outerShdw blurRad="63500" dist="38099" dir="2700000" algn="ctr" rotWithShape="0">
                     <a:schemeClr val="bg2">
@@ -22249,7 +22253,7 @@
           <a:effectLst/>
           <a:extLst>
             <a:ext uri="{AF507438-7753-43e0-B8FC-AC1667EBCBE1}">
-              <a14:hiddenEffects xmlns:a14="http://schemas.microsoft.com/office/drawing/2010/main" xmlns="">
+              <a14:hiddenEffects xmlns="" xmlns:a14="http://schemas.microsoft.com/office/drawing/2010/main">
                 <a:effectLst>
                   <a:outerShdw blurRad="63500" dist="38099" dir="2700000" algn="ctr" rotWithShape="0">
                     <a:schemeClr val="bg2">
@@ -22371,7 +22375,7 @@
           <a:effectLst/>
           <a:extLst>
             <a:ext uri="{AF507438-7753-43e0-B8FC-AC1667EBCBE1}">
-              <a14:hiddenEffects xmlns:a14="http://schemas.microsoft.com/office/drawing/2010/main" xmlns="">
+              <a14:hiddenEffects xmlns="" xmlns:a14="http://schemas.microsoft.com/office/drawing/2010/main">
                 <a:effectLst>
                   <a:outerShdw blurRad="63500" dist="38099" dir="2700000" algn="ctr" rotWithShape="0">
                     <a:schemeClr val="bg2">
@@ -22466,7 +22470,7 @@
           <a:effectLst/>
           <a:extLst>
             <a:ext uri="{AF507438-7753-43e0-B8FC-AC1667EBCBE1}">
-              <a14:hiddenEffects xmlns:a14="http://schemas.microsoft.com/office/drawing/2010/main" xmlns="">
+              <a14:hiddenEffects xmlns="" xmlns:a14="http://schemas.microsoft.com/office/drawing/2010/main">
                 <a:effectLst>
                   <a:outerShdw blurRad="63500" dist="38099" dir="2700000" algn="ctr" rotWithShape="0">
                     <a:schemeClr val="bg2">
@@ -22561,7 +22565,7 @@
           <a:effectLst/>
           <a:extLst>
             <a:ext uri="{AF507438-7753-43e0-B8FC-AC1667EBCBE1}">
-              <a14:hiddenEffects xmlns:a14="http://schemas.microsoft.com/office/drawing/2010/main" xmlns="">
+              <a14:hiddenEffects xmlns="" xmlns:a14="http://schemas.microsoft.com/office/drawing/2010/main">
                 <a:effectLst>
                   <a:outerShdw blurRad="63500" dist="38099" dir="2700000" algn="ctr" rotWithShape="0">
                     <a:schemeClr val="bg2">
@@ -22658,7 +22662,7 @@
           <a:effectLst/>
           <a:extLst>
             <a:ext uri="{AF507438-7753-43e0-B8FC-AC1667EBCBE1}">
-              <a14:hiddenEffects xmlns:a14="http://schemas.microsoft.com/office/drawing/2010/main" xmlns="">
+              <a14:hiddenEffects xmlns="" xmlns:a14="http://schemas.microsoft.com/office/drawing/2010/main">
                 <a:effectLst>
                   <a:outerShdw blurRad="63500" dist="38099" dir="2700000" algn="ctr" rotWithShape="0">
                     <a:schemeClr val="bg2">
@@ -22755,7 +22759,7 @@
           <a:effectLst/>
           <a:extLst>
             <a:ext uri="{AF507438-7753-43e0-B8FC-AC1667EBCBE1}">
-              <a14:hiddenEffects xmlns:a14="http://schemas.microsoft.com/office/drawing/2010/main" xmlns="">
+              <a14:hiddenEffects xmlns="" xmlns:a14="http://schemas.microsoft.com/office/drawing/2010/main">
                 <a:effectLst>
                   <a:outerShdw blurRad="63500" dist="38099" dir="2700000" algn="ctr" rotWithShape="0">
                     <a:schemeClr val="bg2">
@@ -22850,7 +22854,7 @@
           <a:effectLst/>
           <a:extLst>
             <a:ext uri="{AF507438-7753-43e0-B8FC-AC1667EBCBE1}">
-              <a14:hiddenEffects xmlns:a14="http://schemas.microsoft.com/office/drawing/2010/main" xmlns="">
+              <a14:hiddenEffects xmlns="" xmlns:a14="http://schemas.microsoft.com/office/drawing/2010/main">
                 <a:effectLst>
                   <a:outerShdw blurRad="63500" dist="38099" dir="2700000" algn="ctr" rotWithShape="0">
                     <a:schemeClr val="bg2">
@@ -23056,7 +23060,7 @@
           <a:effectLst/>
           <a:extLst>
             <a:ext uri="{AF507438-7753-43e0-B8FC-AC1667EBCBE1}">
-              <a14:hiddenEffects xmlns:a14="http://schemas.microsoft.com/office/drawing/2010/main" xmlns="">
+              <a14:hiddenEffects xmlns="" xmlns:a14="http://schemas.microsoft.com/office/drawing/2010/main">
                 <a:effectLst>
                   <a:outerShdw blurRad="63500" dist="38099" dir="2700000" algn="ctr" rotWithShape="0">
                     <a:schemeClr val="bg2">
@@ -23153,7 +23157,7 @@
           <a:effectLst/>
           <a:extLst>
             <a:ext uri="{AF507438-7753-43e0-B8FC-AC1667EBCBE1}">
-              <a14:hiddenEffects xmlns:a14="http://schemas.microsoft.com/office/drawing/2010/main" xmlns="">
+              <a14:hiddenEffects xmlns="" xmlns:a14="http://schemas.microsoft.com/office/drawing/2010/main">
                 <a:effectLst>
                   <a:outerShdw blurRad="63500" dist="38099" dir="2700000" algn="ctr" rotWithShape="0">
                     <a:schemeClr val="bg2">
@@ -23248,7 +23252,7 @@
           <a:effectLst/>
           <a:extLst>
             <a:ext uri="{AF507438-7753-43e0-B8FC-AC1667EBCBE1}">
-              <a14:hiddenEffects xmlns:a14="http://schemas.microsoft.com/office/drawing/2010/main" xmlns="">
+              <a14:hiddenEffects xmlns="" xmlns:a14="http://schemas.microsoft.com/office/drawing/2010/main">
                 <a:effectLst>
                   <a:outerShdw blurRad="63500" dist="38099" dir="2700000" algn="ctr" rotWithShape="0">
                     <a:schemeClr val="bg2">
@@ -23332,7 +23336,7 @@
           <a:effectLst/>
           <a:extLst>
             <a:ext uri="{AF507438-7753-43e0-B8FC-AC1667EBCBE1}">
-              <a14:hiddenEffects xmlns:a14="http://schemas.microsoft.com/office/drawing/2010/main" xmlns="">
+              <a14:hiddenEffects xmlns="" xmlns:a14="http://schemas.microsoft.com/office/drawing/2010/main">
                 <a:effectLst>
                   <a:outerShdw blurRad="63500" dist="38099" dir="2700000" algn="ctr" rotWithShape="0">
                     <a:schemeClr val="bg2">
@@ -23418,7 +23422,7 @@
           <a:effectLst/>
           <a:extLst>
             <a:ext uri="{AF507438-7753-43e0-B8FC-AC1667EBCBE1}">
-              <a14:hiddenEffects xmlns:a14="http://schemas.microsoft.com/office/drawing/2010/main" xmlns="">
+              <a14:hiddenEffects xmlns="" xmlns:a14="http://schemas.microsoft.com/office/drawing/2010/main">
                 <a:effectLst>
                   <a:outerShdw blurRad="63500" dist="38099" dir="2700000" algn="ctr" rotWithShape="0">
                     <a:schemeClr val="bg2">
@@ -23519,7 +23523,7 @@
           <a:effectLst/>
           <a:extLst>
             <a:ext uri="{AF507438-7753-43e0-B8FC-AC1667EBCBE1}">
-              <a14:hiddenEffects xmlns:a14="http://schemas.microsoft.com/office/drawing/2010/main" xmlns="">
+              <a14:hiddenEffects xmlns="" xmlns:a14="http://schemas.microsoft.com/office/drawing/2010/main">
                 <a:effectLst>
                   <a:outerShdw blurRad="63500" dist="38099" dir="2700000" algn="ctr" rotWithShape="0">
                     <a:schemeClr val="bg2">
@@ -23605,7 +23609,7 @@
           <a:effectLst/>
           <a:extLst>
             <a:ext uri="{AF507438-7753-43e0-B8FC-AC1667EBCBE1}">
-              <a14:hiddenEffects xmlns:a14="http://schemas.microsoft.com/office/drawing/2010/main" xmlns="">
+              <a14:hiddenEffects xmlns="" xmlns:a14="http://schemas.microsoft.com/office/drawing/2010/main">
                 <a:effectLst>
                   <a:outerShdw blurRad="63500" dist="38099" dir="2700000" algn="ctr" rotWithShape="0">
                     <a:schemeClr val="bg2">
@@ -23694,7 +23698,7 @@
           <a:effectLst/>
           <a:extLst>
             <a:ext uri="{AF507438-7753-43e0-B8FC-AC1667EBCBE1}">
-              <a14:hiddenEffects xmlns:a14="http://schemas.microsoft.com/office/drawing/2010/main" xmlns="">
+              <a14:hiddenEffects xmlns="" xmlns:a14="http://schemas.microsoft.com/office/drawing/2010/main">
                 <a:effectLst>
                   <a:outerShdw blurRad="63500" dist="38099" dir="2700000" algn="ctr" rotWithShape="0">
                     <a:schemeClr val="bg2">
@@ -23745,7 +23749,7 @@
           <a:effectLst/>
           <a:extLst>
             <a:ext uri="{AF507438-7753-43e0-B8FC-AC1667EBCBE1}">
-              <a14:hiddenEffects xmlns:a14="http://schemas.microsoft.com/office/drawing/2010/main" xmlns="">
+              <a14:hiddenEffects xmlns="" xmlns:a14="http://schemas.microsoft.com/office/drawing/2010/main">
                 <a:effectLst>
                   <a:outerShdw blurRad="63500" dist="38099" dir="2700000" algn="ctr" rotWithShape="0">
                     <a:schemeClr val="bg2">
@@ -25037,7 +25041,7 @@
           <a:effectLst/>
           <a:extLst>
             <a:ext uri="{AF507438-7753-43e0-B8FC-AC1667EBCBE1}">
-              <a14:hiddenEffects xmlns:a14="http://schemas.microsoft.com/office/drawing/2010/main" xmlns="">
+              <a14:hiddenEffects xmlns="" xmlns:a14="http://schemas.microsoft.com/office/drawing/2010/main">
                 <a:effectLst>
                   <a:outerShdw blurRad="63500" dist="38099" dir="2700000" algn="ctr" rotWithShape="0">
                     <a:schemeClr val="bg2">
@@ -25187,7 +25191,7 @@
           <a:effectLst/>
           <a:extLst>
             <a:ext uri="{AF507438-7753-43e0-B8FC-AC1667EBCBE1}">
-              <a14:hiddenEffects xmlns:a14="http://schemas.microsoft.com/office/drawing/2010/main" xmlns="">
+              <a14:hiddenEffects xmlns="" xmlns:a14="http://schemas.microsoft.com/office/drawing/2010/main">
                 <a:effectLst>
                   <a:outerShdw blurRad="63500" dist="38099" dir="2700000" algn="ctr" rotWithShape="0">
                     <a:schemeClr val="bg2">
@@ -25275,7 +25279,7 @@
           <a:effectLst/>
           <a:extLst>
             <a:ext uri="{AF507438-7753-43e0-B8FC-AC1667EBCBE1}">
-              <a14:hiddenEffects xmlns:a14="http://schemas.microsoft.com/office/drawing/2010/main" xmlns="">
+              <a14:hiddenEffects xmlns="" xmlns:a14="http://schemas.microsoft.com/office/drawing/2010/main">
                 <a:effectLst>
                   <a:outerShdw blurRad="63500" dist="38099" dir="2700000" algn="ctr" rotWithShape="0">
                     <a:schemeClr val="bg2">
@@ -25321,7 +25325,7 @@
           <a:effectLst/>
           <a:extLst>
             <a:ext uri="{AF507438-7753-43e0-B8FC-AC1667EBCBE1}">
-              <a14:hiddenEffects xmlns:a14="http://schemas.microsoft.com/office/drawing/2010/main" xmlns="">
+              <a14:hiddenEffects xmlns="" xmlns:a14="http://schemas.microsoft.com/office/drawing/2010/main">
                 <a:effectLst>
                   <a:outerShdw blurRad="63500" dist="38099" dir="2700000" algn="ctr" rotWithShape="0">
                     <a:schemeClr val="bg2">
@@ -25418,7 +25422,7 @@
           <a:effectLst/>
           <a:extLst>
             <a:ext uri="{AF507438-7753-43e0-B8FC-AC1667EBCBE1}">
-              <a14:hiddenEffects xmlns:a14="http://schemas.microsoft.com/office/drawing/2010/main" xmlns="">
+              <a14:hiddenEffects xmlns="" xmlns:a14="http://schemas.microsoft.com/office/drawing/2010/main">
                 <a:effectLst>
                   <a:outerShdw blurRad="63500" dist="38099" dir="2700000" algn="ctr" rotWithShape="0">
                     <a:schemeClr val="bg2">
@@ -25533,7 +25537,7 @@
             <a:effectLst/>
             <a:extLst>
               <a:ext uri="{AF507438-7753-43e0-B8FC-AC1667EBCBE1}">
-                <a14:hiddenEffects xmlns:a14="http://schemas.microsoft.com/office/drawing/2010/main" xmlns="">
+                <a14:hiddenEffects xmlns="" xmlns:a14="http://schemas.microsoft.com/office/drawing/2010/main">
                   <a:effectLst>
                     <a:outerShdw blurRad="63500" dist="38099" dir="2700000" algn="ctr" rotWithShape="0">
                       <a:schemeClr val="bg2">
@@ -25620,7 +25624,7 @@
             <a:effectLst/>
             <a:extLst>
               <a:ext uri="{AF507438-7753-43e0-B8FC-AC1667EBCBE1}">
-                <a14:hiddenEffects xmlns:a14="http://schemas.microsoft.com/office/drawing/2010/main" xmlns="">
+                <a14:hiddenEffects xmlns="" xmlns:a14="http://schemas.microsoft.com/office/drawing/2010/main">
                   <a:effectLst>
                     <a:outerShdw blurRad="63500" dist="38099" dir="2700000" algn="ctr" rotWithShape="0">
                       <a:schemeClr val="bg2">
@@ -25727,7 +25731,7 @@
               <a:effectLst/>
               <a:extLst>
                 <a:ext uri="{AF507438-7753-43e0-B8FC-AC1667EBCBE1}">
-                  <a14:hiddenEffects xmlns:a14="http://schemas.microsoft.com/office/drawing/2010/main" xmlns="">
+                  <a14:hiddenEffects xmlns="" xmlns:a14="http://schemas.microsoft.com/office/drawing/2010/main">
                     <a:effectLst>
                       <a:outerShdw blurRad="63500" dist="38099" dir="2700000" algn="ctr" rotWithShape="0">
                         <a:schemeClr val="bg2">
@@ -25848,7 +25852,7 @@
             <a:effectLst/>
             <a:extLst>
               <a:ext uri="{AF507438-7753-43e0-B8FC-AC1667EBCBE1}">
-                <a14:hiddenEffects xmlns:a14="http://schemas.microsoft.com/office/drawing/2010/main" xmlns="">
+                <a14:hiddenEffects xmlns="" xmlns:a14="http://schemas.microsoft.com/office/drawing/2010/main">
                   <a:effectLst>
                     <a:outerShdw blurRad="63500" dist="38099" dir="2700000" algn="ctr" rotWithShape="0">
                       <a:schemeClr val="bg2">
@@ -25955,7 +25959,7 @@
             <a:effectLst/>
             <a:extLst>
               <a:ext uri="{AF507438-7753-43e0-B8FC-AC1667EBCBE1}">
-                <a14:hiddenEffects xmlns:a14="http://schemas.microsoft.com/office/drawing/2010/main" xmlns="">
+                <a14:hiddenEffects xmlns="" xmlns:a14="http://schemas.microsoft.com/office/drawing/2010/main">
                   <a:effectLst>
                     <a:outerShdw blurRad="63500" dist="38099" dir="2700000" algn="ctr" rotWithShape="0">
                       <a:schemeClr val="bg2">
@@ -26101,7 +26105,7 @@
           <a:effectLst/>
           <a:extLst>
             <a:ext uri="{AF507438-7753-43e0-B8FC-AC1667EBCBE1}">
-              <a14:hiddenEffects xmlns:a14="http://schemas.microsoft.com/office/drawing/2010/main" xmlns="">
+              <a14:hiddenEffects xmlns="" xmlns:a14="http://schemas.microsoft.com/office/drawing/2010/main">
                 <a:effectLst>
                   <a:outerShdw blurRad="63500" dist="38099" dir="2700000" algn="ctr" rotWithShape="0">
                     <a:schemeClr val="bg2">
@@ -26184,7 +26188,7 @@
           <a:effectLst/>
           <a:extLst>
             <a:ext uri="{AF507438-7753-43e0-B8FC-AC1667EBCBE1}">
-              <a14:hiddenEffects xmlns:a14="http://schemas.microsoft.com/office/drawing/2010/main" xmlns="">
+              <a14:hiddenEffects xmlns="" xmlns:a14="http://schemas.microsoft.com/office/drawing/2010/main">
                 <a:effectLst>
                   <a:outerShdw blurRad="63500" dist="38099" dir="2700000" algn="ctr" rotWithShape="0">
                     <a:schemeClr val="bg2">
@@ -26281,7 +26285,7 @@
           <a:effectLst/>
           <a:extLst>
             <a:ext uri="{AF507438-7753-43e0-B8FC-AC1667EBCBE1}">
-              <a14:hiddenEffects xmlns:a14="http://schemas.microsoft.com/office/drawing/2010/main" xmlns="">
+              <a14:hiddenEffects xmlns="" xmlns:a14="http://schemas.microsoft.com/office/drawing/2010/main">
                 <a:effectLst>
                   <a:outerShdw blurRad="63500" dist="38099" dir="2700000" algn="ctr" rotWithShape="0">
                     <a:schemeClr val="bg2">
@@ -26384,7 +26388,7 @@
           <a:effectLst/>
           <a:extLst>
             <a:ext uri="{AF507438-7753-43e0-B8FC-AC1667EBCBE1}">
-              <a14:hiddenEffects xmlns:a14="http://schemas.microsoft.com/office/drawing/2010/main" xmlns="">
+              <a14:hiddenEffects xmlns="" xmlns:a14="http://schemas.microsoft.com/office/drawing/2010/main">
                 <a:effectLst>
                   <a:outerShdw blurRad="63500" dist="38099" dir="2700000" algn="ctr" rotWithShape="0">
                     <a:schemeClr val="bg2">
@@ -26472,7 +26476,7 @@
           <a:effectLst/>
           <a:extLst>
             <a:ext uri="{AF507438-7753-43e0-B8FC-AC1667EBCBE1}">
-              <a14:hiddenEffects xmlns:a14="http://schemas.microsoft.com/office/drawing/2010/main" xmlns="">
+              <a14:hiddenEffects xmlns="" xmlns:a14="http://schemas.microsoft.com/office/drawing/2010/main">
                 <a:effectLst>
                   <a:outerShdw blurRad="63500" dist="38099" dir="2700000" algn="ctr" rotWithShape="0">
                     <a:schemeClr val="bg2">
@@ -26518,7 +26522,7 @@
           <a:effectLst/>
           <a:extLst>
             <a:ext uri="{AF507438-7753-43e0-B8FC-AC1667EBCBE1}">
-              <a14:hiddenEffects xmlns:a14="http://schemas.microsoft.com/office/drawing/2010/main" xmlns="">
+              <a14:hiddenEffects xmlns="" xmlns:a14="http://schemas.microsoft.com/office/drawing/2010/main">
                 <a:effectLst>
                   <a:outerShdw blurRad="63500" dist="38099" dir="2700000" algn="ctr" rotWithShape="0">
                     <a:schemeClr val="bg2">
@@ -26615,7 +26619,7 @@
           <a:effectLst/>
           <a:extLst>
             <a:ext uri="{AF507438-7753-43e0-B8FC-AC1667EBCBE1}">
-              <a14:hiddenEffects xmlns:a14="http://schemas.microsoft.com/office/drawing/2010/main" xmlns="">
+              <a14:hiddenEffects xmlns="" xmlns:a14="http://schemas.microsoft.com/office/drawing/2010/main">
                 <a:effectLst>
                   <a:outerShdw blurRad="63500" dist="38099" dir="2700000" algn="ctr" rotWithShape="0">
                     <a:schemeClr val="bg2">
@@ -26714,7 +26718,7 @@
           <a:effectLst/>
           <a:extLst>
             <a:ext uri="{AF507438-7753-43e0-B8FC-AC1667EBCBE1}">
-              <a14:hiddenEffects xmlns:a14="http://schemas.microsoft.com/office/drawing/2010/main" xmlns="">
+              <a14:hiddenEffects xmlns="" xmlns:a14="http://schemas.microsoft.com/office/drawing/2010/main">
                 <a:effectLst>
                   <a:outerShdw blurRad="63500" dist="38099" dir="2700000" algn="ctr" rotWithShape="0">
                     <a:schemeClr val="bg2">
@@ -26797,7 +26801,7 @@
           <a:effectLst/>
           <a:extLst>
             <a:ext uri="{AF507438-7753-43e0-B8FC-AC1667EBCBE1}">
-              <a14:hiddenEffects xmlns:a14="http://schemas.microsoft.com/office/drawing/2010/main" xmlns="">
+              <a14:hiddenEffects xmlns="" xmlns:a14="http://schemas.microsoft.com/office/drawing/2010/main">
                 <a:effectLst>
                   <a:outerShdw blurRad="63500" dist="38099" dir="2700000" algn="ctr" rotWithShape="0">
                     <a:schemeClr val="bg2">
@@ -26894,7 +26898,7 @@
           <a:effectLst/>
           <a:extLst>
             <a:ext uri="{AF507438-7753-43e0-B8FC-AC1667EBCBE1}">
-              <a14:hiddenEffects xmlns:a14="http://schemas.microsoft.com/office/drawing/2010/main" xmlns="">
+              <a14:hiddenEffects xmlns="" xmlns:a14="http://schemas.microsoft.com/office/drawing/2010/main">
                 <a:effectLst>
                   <a:outerShdw blurRad="63500" dist="38099" dir="2700000" algn="ctr" rotWithShape="0">
                     <a:schemeClr val="bg2">
@@ -26995,7 +26999,7 @@
           <a:effectLst/>
           <a:extLst>
             <a:ext uri="{AF507438-7753-43e0-B8FC-AC1667EBCBE1}">
-              <a14:hiddenEffects xmlns:a14="http://schemas.microsoft.com/office/drawing/2010/main" xmlns="">
+              <a14:hiddenEffects xmlns="" xmlns:a14="http://schemas.microsoft.com/office/drawing/2010/main">
                 <a:effectLst>
                   <a:outerShdw blurRad="63500" dist="38099" dir="2700000" algn="ctr" rotWithShape="0">
                     <a:schemeClr val="bg2">
@@ -27081,7 +27085,7 @@
           <a:effectLst/>
           <a:extLst>
             <a:ext uri="{AF507438-7753-43e0-B8FC-AC1667EBCBE1}">
-              <a14:hiddenEffects xmlns:a14="http://schemas.microsoft.com/office/drawing/2010/main" xmlns="">
+              <a14:hiddenEffects xmlns="" xmlns:a14="http://schemas.microsoft.com/office/drawing/2010/main">
                 <a:effectLst>
                   <a:outerShdw blurRad="63500" dist="38099" dir="2700000" algn="ctr" rotWithShape="0">
                     <a:schemeClr val="bg2">
@@ -27180,7 +27184,7 @@
           <a:effectLst/>
           <a:extLst>
             <a:ext uri="{AF507438-7753-43e0-B8FC-AC1667EBCBE1}">
-              <a14:hiddenEffects xmlns:a14="http://schemas.microsoft.com/office/drawing/2010/main" xmlns="">
+              <a14:hiddenEffects xmlns="" xmlns:a14="http://schemas.microsoft.com/office/drawing/2010/main">
                 <a:effectLst>
                   <a:outerShdw blurRad="63500" dist="38099" dir="2700000" algn="ctr" rotWithShape="0">
                     <a:schemeClr val="bg2">
@@ -28133,7 +28137,7 @@
           <a:effectLst/>
           <a:extLst>
             <a:ext uri="{AF507438-7753-43e0-B8FC-AC1667EBCBE1}">
-              <a14:hiddenEffects xmlns:a14="http://schemas.microsoft.com/office/drawing/2010/main" xmlns="">
+              <a14:hiddenEffects xmlns="" xmlns:a14="http://schemas.microsoft.com/office/drawing/2010/main">
                 <a:effectLst>
                   <a:outerShdw blurRad="63500" dist="38099" dir="2700000" algn="ctr" rotWithShape="0">
                     <a:schemeClr val="bg2">
@@ -28221,7 +28225,7 @@
           <a:effectLst/>
           <a:extLst>
             <a:ext uri="{AF507438-7753-43e0-B8FC-AC1667EBCBE1}">
-              <a14:hiddenEffects xmlns:a14="http://schemas.microsoft.com/office/drawing/2010/main" xmlns="">
+              <a14:hiddenEffects xmlns="" xmlns:a14="http://schemas.microsoft.com/office/drawing/2010/main">
                 <a:effectLst>
                   <a:outerShdw blurRad="63500" dist="38099" dir="2700000" algn="ctr" rotWithShape="0">
                     <a:schemeClr val="bg2">
@@ -28267,7 +28271,7 @@
           <a:effectLst/>
           <a:extLst>
             <a:ext uri="{AF507438-7753-43e0-B8FC-AC1667EBCBE1}">
-              <a14:hiddenEffects xmlns:a14="http://schemas.microsoft.com/office/drawing/2010/main" xmlns="">
+              <a14:hiddenEffects xmlns="" xmlns:a14="http://schemas.microsoft.com/office/drawing/2010/main">
                 <a:effectLst>
                   <a:outerShdw blurRad="63500" dist="38099" dir="2700000" algn="ctr" rotWithShape="0">
                     <a:schemeClr val="bg2">
@@ -28364,7 +28368,7 @@
           <a:effectLst/>
           <a:extLst>
             <a:ext uri="{AF507438-7753-43e0-B8FC-AC1667EBCBE1}">
-              <a14:hiddenEffects xmlns:a14="http://schemas.microsoft.com/office/drawing/2010/main" xmlns="">
+              <a14:hiddenEffects xmlns="" xmlns:a14="http://schemas.microsoft.com/office/drawing/2010/main">
                 <a:effectLst>
                   <a:outerShdw blurRad="63500" dist="38099" dir="2700000" algn="ctr" rotWithShape="0">
                     <a:schemeClr val="bg2">
@@ -28463,7 +28467,7 @@
           <a:effectLst/>
           <a:extLst>
             <a:ext uri="{AF507438-7753-43e0-B8FC-AC1667EBCBE1}">
-              <a14:hiddenEffects xmlns:a14="http://schemas.microsoft.com/office/drawing/2010/main" xmlns="">
+              <a14:hiddenEffects xmlns="" xmlns:a14="http://schemas.microsoft.com/office/drawing/2010/main">
                 <a:effectLst>
                   <a:outerShdw blurRad="63500" dist="38099" dir="2700000" algn="ctr" rotWithShape="0">
                     <a:schemeClr val="bg2">
@@ -28546,7 +28550,7 @@
           <a:effectLst/>
           <a:extLst>
             <a:ext uri="{AF507438-7753-43e0-B8FC-AC1667EBCBE1}">
-              <a14:hiddenEffects xmlns:a14="http://schemas.microsoft.com/office/drawing/2010/main" xmlns="">
+              <a14:hiddenEffects xmlns="" xmlns:a14="http://schemas.microsoft.com/office/drawing/2010/main">
                 <a:effectLst>
                   <a:outerShdw blurRad="63500" dist="38099" dir="2700000" algn="ctr" rotWithShape="0">
                     <a:schemeClr val="bg2">
@@ -28643,7 +28647,7 @@
           <a:effectLst/>
           <a:extLst>
             <a:ext uri="{AF507438-7753-43e0-B8FC-AC1667EBCBE1}">
-              <a14:hiddenEffects xmlns:a14="http://schemas.microsoft.com/office/drawing/2010/main" xmlns="">
+              <a14:hiddenEffects xmlns="" xmlns:a14="http://schemas.microsoft.com/office/drawing/2010/main">
                 <a:effectLst>
                   <a:outerShdw blurRad="63500" dist="38099" dir="2700000" algn="ctr" rotWithShape="0">
                     <a:schemeClr val="bg2">
@@ -29580,7 +29584,7 @@
           <a:effectLst/>
           <a:extLst>
             <a:ext uri="{AF507438-7753-43e0-B8FC-AC1667EBCBE1}">
-              <a14:hiddenEffects xmlns:a14="http://schemas.microsoft.com/office/drawing/2010/main" xmlns="">
+              <a14:hiddenEffects xmlns="" xmlns:a14="http://schemas.microsoft.com/office/drawing/2010/main">
                 <a:effectLst>
                   <a:outerShdw blurRad="63500" dist="38099" dir="2700000" algn="ctr" rotWithShape="0">
                     <a:schemeClr val="bg2">
@@ -29628,7 +29632,7 @@
           <a:effectLst/>
           <a:extLst>
             <a:ext uri="{AF507438-7753-43e0-B8FC-AC1667EBCBE1}">
-              <a14:hiddenEffects xmlns:a14="http://schemas.microsoft.com/office/drawing/2010/main" xmlns="">
+              <a14:hiddenEffects xmlns="" xmlns:a14="http://schemas.microsoft.com/office/drawing/2010/main">
                 <a:effectLst>
                   <a:outerShdw blurRad="63500" dist="38099" dir="2700000" algn="ctr" rotWithShape="0">
                     <a:schemeClr val="bg2">
@@ -29809,7 +29813,7 @@
           <a:effectLst/>
           <a:extLst>
             <a:ext uri="{AF507438-7753-43e0-B8FC-AC1667EBCBE1}">
-              <a14:hiddenEffects xmlns:a14="http://schemas.microsoft.com/office/drawing/2010/main" xmlns="">
+              <a14:hiddenEffects xmlns="" xmlns:a14="http://schemas.microsoft.com/office/drawing/2010/main">
                 <a:effectLst>
                   <a:outerShdw blurRad="63500" dist="38099" dir="2700000" algn="ctr" rotWithShape="0">
                     <a:schemeClr val="bg2">
@@ -29897,7 +29901,7 @@
           <a:effectLst/>
           <a:extLst>
             <a:ext uri="{AF507438-7753-43e0-B8FC-AC1667EBCBE1}">
-              <a14:hiddenEffects xmlns:a14="http://schemas.microsoft.com/office/drawing/2010/main" xmlns="">
+              <a14:hiddenEffects xmlns="" xmlns:a14="http://schemas.microsoft.com/office/drawing/2010/main">
                 <a:effectLst>
                   <a:outerShdw blurRad="63500" dist="38099" dir="2700000" algn="ctr" rotWithShape="0">
                     <a:schemeClr val="bg2">
@@ -29984,7 +29988,7 @@
           <a:effectLst/>
           <a:extLst>
             <a:ext uri="{AF507438-7753-43e0-B8FC-AC1667EBCBE1}">
-              <a14:hiddenEffects xmlns:a14="http://schemas.microsoft.com/office/drawing/2010/main" xmlns="">
+              <a14:hiddenEffects xmlns="" xmlns:a14="http://schemas.microsoft.com/office/drawing/2010/main">
                 <a:effectLst>
                   <a:outerShdw blurRad="63500" dist="38099" dir="2700000" algn="ctr" rotWithShape="0">
                     <a:schemeClr val="bg2">
@@ -30067,7 +30071,7 @@
           <a:effectLst/>
           <a:extLst>
             <a:ext uri="{AF507438-7753-43e0-B8FC-AC1667EBCBE1}">
-              <a14:hiddenEffects xmlns:a14="http://schemas.microsoft.com/office/drawing/2010/main" xmlns="">
+              <a14:hiddenEffects xmlns="" xmlns:a14="http://schemas.microsoft.com/office/drawing/2010/main">
                 <a:effectLst>
                   <a:outerShdw blurRad="63500" dist="38099" dir="2700000" algn="ctr" rotWithShape="0">
                     <a:schemeClr val="bg2">
@@ -30164,7 +30168,7 @@
           <a:effectLst/>
           <a:extLst>
             <a:ext uri="{AF507438-7753-43e0-B8FC-AC1667EBCBE1}">
-              <a14:hiddenEffects xmlns:a14="http://schemas.microsoft.com/office/drawing/2010/main" xmlns="">
+              <a14:hiddenEffects xmlns="" xmlns:a14="http://schemas.microsoft.com/office/drawing/2010/main">
                 <a:effectLst>
                   <a:outerShdw blurRad="63500" dist="38099" dir="2700000" algn="ctr" rotWithShape="0">
                     <a:schemeClr val="bg2">
@@ -30261,7 +30265,7 @@
           <a:effectLst/>
           <a:extLst>
             <a:ext uri="{AF507438-7753-43e0-B8FC-AC1667EBCBE1}">
-              <a14:hiddenEffects xmlns:a14="http://schemas.microsoft.com/office/drawing/2010/main" xmlns="">
+              <a14:hiddenEffects xmlns="" xmlns:a14="http://schemas.microsoft.com/office/drawing/2010/main">
                 <a:effectLst>
                   <a:outerShdw blurRad="63500" dist="38099" dir="2700000" algn="ctr" rotWithShape="0">
                     <a:schemeClr val="bg2">
@@ -30356,7 +30360,7 @@
           <a:effectLst/>
           <a:extLst>
             <a:ext uri="{AF507438-7753-43e0-B8FC-AC1667EBCBE1}">
-              <a14:hiddenEffects xmlns:a14="http://schemas.microsoft.com/office/drawing/2010/main" xmlns="">
+              <a14:hiddenEffects xmlns="" xmlns:a14="http://schemas.microsoft.com/office/drawing/2010/main">
                 <a:effectLst>
                   <a:outerShdw blurRad="63500" dist="38099" dir="2700000" algn="ctr" rotWithShape="0">
                     <a:schemeClr val="bg2">
@@ -30455,7 +30459,7 @@
           <a:effectLst/>
           <a:extLst>
             <a:ext uri="{AF507438-7753-43e0-B8FC-AC1667EBCBE1}">
-              <a14:hiddenEffects xmlns:a14="http://schemas.microsoft.com/office/drawing/2010/main" xmlns="">
+              <a14:hiddenEffects xmlns="" xmlns:a14="http://schemas.microsoft.com/office/drawing/2010/main">
                 <a:effectLst>
                   <a:outerShdw blurRad="63500" dist="38099" dir="2700000" algn="ctr" rotWithShape="0">
                     <a:schemeClr val="bg2">
@@ -30505,7 +30509,7 @@
           <a:effectLst/>
           <a:extLst>
             <a:ext uri="{AF507438-7753-43e0-B8FC-AC1667EBCBE1}">
-              <a14:hiddenEffects xmlns:a14="http://schemas.microsoft.com/office/drawing/2010/main" xmlns="">
+              <a14:hiddenEffects xmlns="" xmlns:a14="http://schemas.microsoft.com/office/drawing/2010/main">
                 <a:effectLst>
                   <a:outerShdw blurRad="63500" dist="38099" dir="2700000" algn="ctr" rotWithShape="0">
                     <a:schemeClr val="bg2">
@@ -30591,7 +30595,7 @@
           <a:effectLst/>
           <a:extLst>
             <a:ext uri="{AF507438-7753-43e0-B8FC-AC1667EBCBE1}">
-              <a14:hiddenEffects xmlns:a14="http://schemas.microsoft.com/office/drawing/2010/main" xmlns="">
+              <a14:hiddenEffects xmlns="" xmlns:a14="http://schemas.microsoft.com/office/drawing/2010/main">
                 <a:effectLst>
                   <a:outerShdw blurRad="63500" dist="38099" dir="2700000" algn="ctr" rotWithShape="0">
                     <a:schemeClr val="bg2">
@@ -30639,7 +30643,7 @@
           <a:effectLst/>
           <a:extLst>
             <a:ext uri="{AF507438-7753-43e0-B8FC-AC1667EBCBE1}">
-              <a14:hiddenEffects xmlns:a14="http://schemas.microsoft.com/office/drawing/2010/main" xmlns="">
+              <a14:hiddenEffects xmlns="" xmlns:a14="http://schemas.microsoft.com/office/drawing/2010/main">
                 <a:effectLst>
                   <a:outerShdw blurRad="63500" dist="38099" dir="2700000" algn="ctr" rotWithShape="0">
                     <a:schemeClr val="bg2">
@@ -30740,7 +30744,7 @@
           <a:effectLst/>
           <a:extLst>
             <a:ext uri="{AF507438-7753-43e0-B8FC-AC1667EBCBE1}">
-              <a14:hiddenEffects xmlns:a14="http://schemas.microsoft.com/office/drawing/2010/main" xmlns="">
+              <a14:hiddenEffects xmlns="" xmlns:a14="http://schemas.microsoft.com/office/drawing/2010/main">
                 <a:effectLst>
                   <a:outerShdw blurRad="63500" dist="38099" dir="2700000" algn="ctr" rotWithShape="0">
                     <a:schemeClr val="bg2">
@@ -30843,7 +30847,7 @@
           <a:effectLst/>
           <a:extLst>
             <a:ext uri="{AF507438-7753-43e0-B8FC-AC1667EBCBE1}">
-              <a14:hiddenEffects xmlns:a14="http://schemas.microsoft.com/office/drawing/2010/main" xmlns="">
+              <a14:hiddenEffects xmlns="" xmlns:a14="http://schemas.microsoft.com/office/drawing/2010/main">
                 <a:effectLst>
                   <a:outerShdw blurRad="63500" dist="38099" dir="2700000" algn="ctr" rotWithShape="0">
                     <a:schemeClr val="bg2">
@@ -30930,7 +30934,7 @@
           <a:effectLst/>
           <a:extLst>
             <a:ext uri="{AF507438-7753-43e0-B8FC-AC1667EBCBE1}">
-              <a14:hiddenEffects xmlns:a14="http://schemas.microsoft.com/office/drawing/2010/main" xmlns="">
+              <a14:hiddenEffects xmlns="" xmlns:a14="http://schemas.microsoft.com/office/drawing/2010/main">
                 <a:effectLst>
                   <a:outerShdw blurRad="63500" dist="38099" dir="2700000" algn="ctr" rotWithShape="0">
                     <a:schemeClr val="bg2">
@@ -31013,7 +31017,7 @@
           <a:effectLst/>
           <a:extLst>
             <a:ext uri="{AF507438-7753-43e0-B8FC-AC1667EBCBE1}">
-              <a14:hiddenEffects xmlns:a14="http://schemas.microsoft.com/office/drawing/2010/main" xmlns="">
+              <a14:hiddenEffects xmlns="" xmlns:a14="http://schemas.microsoft.com/office/drawing/2010/main">
                 <a:effectLst>
                   <a:outerShdw blurRad="63500" dist="38099" dir="2700000" algn="ctr" rotWithShape="0">
                     <a:schemeClr val="bg2">
@@ -31110,7 +31114,7 @@
           <a:effectLst/>
           <a:extLst>
             <a:ext uri="{AF507438-7753-43e0-B8FC-AC1667EBCBE1}">
-              <a14:hiddenEffects xmlns:a14="http://schemas.microsoft.com/office/drawing/2010/main" xmlns="">
+              <a14:hiddenEffects xmlns="" xmlns:a14="http://schemas.microsoft.com/office/drawing/2010/main">
                 <a:effectLst>
                   <a:outerShdw blurRad="63500" dist="38099" dir="2700000" algn="ctr" rotWithShape="0">
                     <a:schemeClr val="bg2">
@@ -31207,7 +31211,7 @@
           <a:effectLst/>
           <a:extLst>
             <a:ext uri="{AF507438-7753-43e0-B8FC-AC1667EBCBE1}">
-              <a14:hiddenEffects xmlns:a14="http://schemas.microsoft.com/office/drawing/2010/main" xmlns="">
+              <a14:hiddenEffects xmlns="" xmlns:a14="http://schemas.microsoft.com/office/drawing/2010/main">
                 <a:effectLst>
                   <a:outerShdw blurRad="63500" dist="38099" dir="2700000" algn="ctr" rotWithShape="0">
                     <a:schemeClr val="bg2">
@@ -31302,7 +31306,7 @@
           <a:effectLst/>
           <a:extLst>
             <a:ext uri="{AF507438-7753-43e0-B8FC-AC1667EBCBE1}">
-              <a14:hiddenEffects xmlns:a14="http://schemas.microsoft.com/office/drawing/2010/main" xmlns="">
+              <a14:hiddenEffects xmlns="" xmlns:a14="http://schemas.microsoft.com/office/drawing/2010/main">
                 <a:effectLst>
                   <a:outerShdw blurRad="63500" dist="38099" dir="2700000" algn="ctr" rotWithShape="0">
                     <a:schemeClr val="bg2">
@@ -31401,7 +31405,7 @@
           <a:effectLst/>
           <a:extLst>
             <a:ext uri="{AF507438-7753-43e0-B8FC-AC1667EBCBE1}">
-              <a14:hiddenEffects xmlns:a14="http://schemas.microsoft.com/office/drawing/2010/main" xmlns="">
+              <a14:hiddenEffects xmlns="" xmlns:a14="http://schemas.microsoft.com/office/drawing/2010/main">
                 <a:effectLst>
                   <a:outerShdw blurRad="63500" dist="38099" dir="2700000" algn="ctr" rotWithShape="0">
                     <a:schemeClr val="bg2">
@@ -31487,7 +31491,7 @@
           <a:effectLst/>
           <a:extLst>
             <a:ext uri="{AF507438-7753-43e0-B8FC-AC1667EBCBE1}">
-              <a14:hiddenEffects xmlns:a14="http://schemas.microsoft.com/office/drawing/2010/main" xmlns="">
+              <a14:hiddenEffects xmlns="" xmlns:a14="http://schemas.microsoft.com/office/drawing/2010/main">
                 <a:effectLst>
                   <a:outerShdw blurRad="63500" dist="38099" dir="2700000" algn="ctr" rotWithShape="0">
                     <a:schemeClr val="bg2">
@@ -31535,7 +31539,7 @@
           <a:effectLst/>
           <a:extLst>
             <a:ext uri="{AF507438-7753-43e0-B8FC-AC1667EBCBE1}">
-              <a14:hiddenEffects xmlns:a14="http://schemas.microsoft.com/office/drawing/2010/main" xmlns="">
+              <a14:hiddenEffects xmlns="" xmlns:a14="http://schemas.microsoft.com/office/drawing/2010/main">
                 <a:effectLst>
                   <a:outerShdw blurRad="63500" dist="38099" dir="2700000" algn="ctr" rotWithShape="0">
                     <a:schemeClr val="bg2">
@@ -31636,7 +31640,7 @@
           <a:effectLst/>
           <a:extLst>
             <a:ext uri="{AF507438-7753-43e0-B8FC-AC1667EBCBE1}">
-              <a14:hiddenEffects xmlns:a14="http://schemas.microsoft.com/office/drawing/2010/main" xmlns="">
+              <a14:hiddenEffects xmlns="" xmlns:a14="http://schemas.microsoft.com/office/drawing/2010/main">
                 <a:effectLst>
                   <a:outerShdw blurRad="63500" dist="38099" dir="2700000" algn="ctr" rotWithShape="0">
                     <a:schemeClr val="bg2">
@@ -31961,7 +31965,7 @@
           <a:effectLst/>
           <a:extLst>
             <a:ext uri="{AF507438-7753-43e0-B8FC-AC1667EBCBE1}">
-              <a14:hiddenEffects xmlns:a14="http://schemas.microsoft.com/office/drawing/2010/main" xmlns="">
+              <a14:hiddenEffects xmlns="" xmlns:a14="http://schemas.microsoft.com/office/drawing/2010/main">
                 <a:effectLst>
                   <a:outerShdw blurRad="63500" dist="38099" dir="2700000" algn="ctr" rotWithShape="0">
                     <a:schemeClr val="bg2">
@@ -32105,7 +32109,7 @@
           <a:effectLst/>
           <a:extLst>
             <a:ext uri="{AF507438-7753-43e0-B8FC-AC1667EBCBE1}">
-              <a14:hiddenEffects xmlns:a14="http://schemas.microsoft.com/office/drawing/2010/main" xmlns="">
+              <a14:hiddenEffects xmlns="" xmlns:a14="http://schemas.microsoft.com/office/drawing/2010/main">
                 <a:effectLst>
                   <a:outerShdw blurRad="63500" dist="38099" dir="2700000" algn="ctr" rotWithShape="0">
                     <a:schemeClr val="bg2">
@@ -32155,7 +32159,7 @@
           <a:effectLst/>
           <a:extLst>
             <a:ext uri="{AF507438-7753-43e0-B8FC-AC1667EBCBE1}">
-              <a14:hiddenEffects xmlns:a14="http://schemas.microsoft.com/office/drawing/2010/main" xmlns="">
+              <a14:hiddenEffects xmlns="" xmlns:a14="http://schemas.microsoft.com/office/drawing/2010/main">
                 <a:effectLst>
                   <a:outerShdw blurRad="63500" dist="38099" dir="2700000" algn="ctr" rotWithShape="0">
                     <a:schemeClr val="bg2">
@@ -32203,7 +32207,7 @@
           <a:effectLst/>
           <a:extLst>
             <a:ext uri="{AF507438-7753-43e0-B8FC-AC1667EBCBE1}">
-              <a14:hiddenEffects xmlns:a14="http://schemas.microsoft.com/office/drawing/2010/main" xmlns="">
+              <a14:hiddenEffects xmlns="" xmlns:a14="http://schemas.microsoft.com/office/drawing/2010/main">
                 <a:effectLst>
                   <a:outerShdw blurRad="63500" dist="38099" dir="2700000" algn="ctr" rotWithShape="0">
                     <a:schemeClr val="bg2">
@@ -32399,7 +32403,7 @@
           <a:effectLst/>
           <a:extLst>
             <a:ext uri="{AF507438-7753-43e0-B8FC-AC1667EBCBE1}">
-              <a14:hiddenEffects xmlns:a14="http://schemas.microsoft.com/office/drawing/2010/main" xmlns="">
+              <a14:hiddenEffects xmlns="" xmlns:a14="http://schemas.microsoft.com/office/drawing/2010/main">
                 <a:effectLst>
                   <a:outerShdw blurRad="63500" dist="38099" dir="2700000" algn="ctr" rotWithShape="0">
                     <a:schemeClr val="bg2">
@@ -33218,7 +33222,7 @@
           <a:effectLst/>
           <a:extLst>
             <a:ext uri="{AF507438-7753-43e0-B8FC-AC1667EBCBE1}">
-              <a14:hiddenEffects xmlns:a14="http://schemas.microsoft.com/office/drawing/2010/main" xmlns="">
+              <a14:hiddenEffects xmlns="" xmlns:a14="http://schemas.microsoft.com/office/drawing/2010/main">
                 <a:effectLst>
                   <a:outerShdw blurRad="63500" dist="38099" dir="2700000" algn="ctr" rotWithShape="0">
                     <a:schemeClr val="bg2">
@@ -33364,7 +33368,7 @@
           <a:effectLst/>
           <a:extLst>
             <a:ext uri="{AF507438-7753-43e0-B8FC-AC1667EBCBE1}">
-              <a14:hiddenEffects xmlns:a14="http://schemas.microsoft.com/office/drawing/2010/main" xmlns="">
+              <a14:hiddenEffects xmlns="" xmlns:a14="http://schemas.microsoft.com/office/drawing/2010/main">
                 <a:effectLst>
                   <a:outerShdw blurRad="63500" dist="38099" dir="2700000" algn="ctr" rotWithShape="0">
                     <a:schemeClr val="bg2">
@@ -33452,7 +33456,7 @@
           <a:effectLst/>
           <a:extLst>
             <a:ext uri="{AF507438-7753-43e0-B8FC-AC1667EBCBE1}">
-              <a14:hiddenEffects xmlns:a14="http://schemas.microsoft.com/office/drawing/2010/main" xmlns="">
+              <a14:hiddenEffects xmlns="" xmlns:a14="http://schemas.microsoft.com/office/drawing/2010/main">
                 <a:effectLst>
                   <a:outerShdw blurRad="63500" dist="38099" dir="2700000" algn="ctr" rotWithShape="0">
                     <a:schemeClr val="bg2">
@@ -33539,7 +33543,7 @@
           <a:effectLst/>
           <a:extLst>
             <a:ext uri="{AF507438-7753-43e0-B8FC-AC1667EBCBE1}">
-              <a14:hiddenEffects xmlns:a14="http://schemas.microsoft.com/office/drawing/2010/main" xmlns="">
+              <a14:hiddenEffects xmlns="" xmlns:a14="http://schemas.microsoft.com/office/drawing/2010/main">
                 <a:effectLst>
                   <a:outerShdw blurRad="63500" dist="38099" dir="2700000" algn="ctr" rotWithShape="0">
                     <a:schemeClr val="bg2">
@@ -33622,7 +33626,7 @@
           <a:effectLst/>
           <a:extLst>
             <a:ext uri="{AF507438-7753-43e0-B8FC-AC1667EBCBE1}">
-              <a14:hiddenEffects xmlns:a14="http://schemas.microsoft.com/office/drawing/2010/main" xmlns="">
+              <a14:hiddenEffects xmlns="" xmlns:a14="http://schemas.microsoft.com/office/drawing/2010/main">
                 <a:effectLst>
                   <a:outerShdw blurRad="63500" dist="38099" dir="2700000" algn="ctr" rotWithShape="0">
                     <a:schemeClr val="bg2">
@@ -33719,7 +33723,7 @@
           <a:effectLst/>
           <a:extLst>
             <a:ext uri="{AF507438-7753-43e0-B8FC-AC1667EBCBE1}">
-              <a14:hiddenEffects xmlns:a14="http://schemas.microsoft.com/office/drawing/2010/main" xmlns="">
+              <a14:hiddenEffects xmlns="" xmlns:a14="http://schemas.microsoft.com/office/drawing/2010/main">
                 <a:effectLst>
                   <a:outerShdw blurRad="63500" dist="38099" dir="2700000" algn="ctr" rotWithShape="0">
                     <a:schemeClr val="bg2">
@@ -33816,7 +33820,7 @@
           <a:effectLst/>
           <a:extLst>
             <a:ext uri="{AF507438-7753-43e0-B8FC-AC1667EBCBE1}">
-              <a14:hiddenEffects xmlns:a14="http://schemas.microsoft.com/office/drawing/2010/main" xmlns="">
+              <a14:hiddenEffects xmlns="" xmlns:a14="http://schemas.microsoft.com/office/drawing/2010/main">
                 <a:effectLst>
                   <a:outerShdw blurRad="63500" dist="38099" dir="2700000" algn="ctr" rotWithShape="0">
                     <a:schemeClr val="bg2">
@@ -33911,7 +33915,7 @@
           <a:effectLst/>
           <a:extLst>
             <a:ext uri="{AF507438-7753-43e0-B8FC-AC1667EBCBE1}">
-              <a14:hiddenEffects xmlns:a14="http://schemas.microsoft.com/office/drawing/2010/main" xmlns="">
+              <a14:hiddenEffects xmlns="" xmlns:a14="http://schemas.microsoft.com/office/drawing/2010/main">
                 <a:effectLst>
                   <a:outerShdw blurRad="63500" dist="38099" dir="2700000" algn="ctr" rotWithShape="0">
                     <a:schemeClr val="bg2">
@@ -34010,7 +34014,7 @@
           <a:effectLst/>
           <a:extLst>
             <a:ext uri="{AF507438-7753-43e0-B8FC-AC1667EBCBE1}">
-              <a14:hiddenEffects xmlns:a14="http://schemas.microsoft.com/office/drawing/2010/main" xmlns="">
+              <a14:hiddenEffects xmlns="" xmlns:a14="http://schemas.microsoft.com/office/drawing/2010/main">
                 <a:effectLst>
                   <a:outerShdw blurRad="63500" dist="38099" dir="2700000" algn="ctr" rotWithShape="0">
                     <a:schemeClr val="bg2">
@@ -34096,7 +34100,7 @@
           <a:effectLst/>
           <a:extLst>
             <a:ext uri="{AF507438-7753-43e0-B8FC-AC1667EBCBE1}">
-              <a14:hiddenEffects xmlns:a14="http://schemas.microsoft.com/office/drawing/2010/main" xmlns="">
+              <a14:hiddenEffects xmlns="" xmlns:a14="http://schemas.microsoft.com/office/drawing/2010/main">
                 <a:effectLst>
                   <a:outerShdw blurRad="63500" dist="38099" dir="2700000" algn="ctr" rotWithShape="0">
                     <a:schemeClr val="bg2">
@@ -34144,7 +34148,7 @@
           <a:effectLst/>
           <a:extLst>
             <a:ext uri="{AF507438-7753-43e0-B8FC-AC1667EBCBE1}">
-              <a14:hiddenEffects xmlns:a14="http://schemas.microsoft.com/office/drawing/2010/main" xmlns="">
+              <a14:hiddenEffects xmlns="" xmlns:a14="http://schemas.microsoft.com/office/drawing/2010/main">
                 <a:effectLst>
                   <a:outerShdw blurRad="63500" dist="38099" dir="2700000" algn="ctr" rotWithShape="0">
                     <a:schemeClr val="bg2">
@@ -34245,7 +34249,7 @@
           <a:effectLst/>
           <a:extLst>
             <a:ext uri="{AF507438-7753-43e0-B8FC-AC1667EBCBE1}">
-              <a14:hiddenEffects xmlns:a14="http://schemas.microsoft.com/office/drawing/2010/main" xmlns="">
+              <a14:hiddenEffects xmlns="" xmlns:a14="http://schemas.microsoft.com/office/drawing/2010/main">
                 <a:effectLst>
                   <a:outerShdw blurRad="63500" dist="38099" dir="2700000" algn="ctr" rotWithShape="0">
                     <a:schemeClr val="bg2">
@@ -34384,7 +34388,7 @@
           <a:effectLst/>
           <a:extLst>
             <a:ext uri="{AF507438-7753-43e0-B8FC-AC1667EBCBE1}">
-              <a14:hiddenEffects xmlns:a14="http://schemas.microsoft.com/office/drawing/2010/main" xmlns="">
+              <a14:hiddenEffects xmlns="" xmlns:a14="http://schemas.microsoft.com/office/drawing/2010/main">
                 <a:effectLst>
                   <a:outerShdw blurRad="63500" dist="38099" dir="2700000" algn="ctr" rotWithShape="0">
                     <a:schemeClr val="bg2">
@@ -34434,7 +34438,7 @@
           <a:effectLst/>
           <a:extLst>
             <a:ext uri="{AF507438-7753-43e0-B8FC-AC1667EBCBE1}">
-              <a14:hiddenEffects xmlns:a14="http://schemas.microsoft.com/office/drawing/2010/main" xmlns="">
+              <a14:hiddenEffects xmlns="" xmlns:a14="http://schemas.microsoft.com/office/drawing/2010/main">
                 <a:effectLst>
                   <a:outerShdw blurRad="63500" dist="38099" dir="2700000" algn="ctr" rotWithShape="0">
                     <a:schemeClr val="bg2">
@@ -34482,7 +34486,7 @@
           <a:effectLst/>
           <a:extLst>
             <a:ext uri="{AF507438-7753-43e0-B8FC-AC1667EBCBE1}">
-              <a14:hiddenEffects xmlns:a14="http://schemas.microsoft.com/office/drawing/2010/main" xmlns="">
+              <a14:hiddenEffects xmlns="" xmlns:a14="http://schemas.microsoft.com/office/drawing/2010/main">
                 <a:effectLst>
                   <a:outerShdw blurRad="63500" dist="38099" dir="2700000" algn="ctr" rotWithShape="0">
                     <a:schemeClr val="bg2">
@@ -35474,7 +35478,7 @@
         <a:effectLst/>
         <a:extLst>
           <a:ext uri="{AF507438-7753-43e0-B8FC-AC1667EBCBE1}">
-            <a14:hiddenEffects xmlns:a14="http://schemas.microsoft.com/office/drawing/2010/main" xmlns="">
+            <a14:hiddenEffects xmlns="" xmlns:a14="http://schemas.microsoft.com/office/drawing/2010/main">
               <a:effectLst>
                 <a:outerShdw blurRad="63500" dist="38099" dir="2700000" algn="ctr" rotWithShape="0">
                   <a:schemeClr val="bg2">
@@ -35551,7 +35555,7 @@
         <a:effectLst/>
         <a:extLst>
           <a:ext uri="{AF507438-7753-43e0-B8FC-AC1667EBCBE1}">
-            <a14:hiddenEffects xmlns:a14="http://schemas.microsoft.com/office/drawing/2010/main" xmlns="">
+            <a14:hiddenEffects xmlns="" xmlns:a14="http://schemas.microsoft.com/office/drawing/2010/main">
               <a:effectLst>
                 <a:outerShdw blurRad="63500" dist="38099" dir="2700000" algn="ctr" rotWithShape="0">
                   <a:schemeClr val="bg2">

--- a/figs/conlink/concurrent_linking.pptx
+++ b/figs/conlink/concurrent_linking.pptx
@@ -231,7 +231,7 @@
           <a:p>
             <a:fld id="{98CD50F9-C04E-0643-A81F-E269F6C4EDC0}" type="datetimeFigureOut">
               <a:rPr lang="en-US" smtClean="0"/>
-              <a:t>2/15/19</a:t>
+              <a:t>3/14/19</a:t>
             </a:fld>
             <a:endParaRPr lang="en-US"/>
           </a:p>
@@ -410,7 +410,7 @@
             <a:fld id="{17A7BBF0-95DB-485B-8F44-219DC193D725}" type="datetimeFigureOut">
               <a:rPr lang="en-US" smtClean="0"/>
               <a:pPr/>
-              <a:t>2/15/19</a:t>
+              <a:t>3/14/19</a:t>
             </a:fld>
             <a:endParaRPr lang="en-US"/>
           </a:p>
@@ -1313,17 +1313,17 @@
           <a:effectLst/>
           <a:extLst>
             <a:ext uri="{FAA26D3D-D897-4be2-8F04-BA451C77F1D7}">
-              <ma14:placeholderFlag xmlns="" xmlns:ma14="http://schemas.microsoft.com/office/mac/drawingml/2011/main" val="1"/>
+              <ma14:placeholderFlag xmlns:ma14="http://schemas.microsoft.com/office/mac/drawingml/2011/main" xmlns="" val="1"/>
             </a:ext>
             <a:ext uri="{909E8E84-426E-40dd-AFC4-6F175D3DCCD1}">
-              <a14:hiddenFill xmlns="" xmlns:a14="http://schemas.microsoft.com/office/drawing/2010/main">
+              <a14:hiddenFill xmlns:a14="http://schemas.microsoft.com/office/drawing/2010/main" xmlns="">
                 <a:solidFill>
                   <a:schemeClr val="accent1"/>
                 </a:solidFill>
               </a14:hiddenFill>
             </a:ext>
             <a:ext uri="{91240B29-F687-4f45-9708-019B960494DF}">
-              <a14:hiddenLine xmlns="" xmlns:a14="http://schemas.microsoft.com/office/drawing/2010/main" w="9525">
+              <a14:hiddenLine xmlns:a14="http://schemas.microsoft.com/office/drawing/2010/main" xmlns="" w="9525">
                 <a:solidFill>
                   <a:schemeClr val="tx1"/>
                 </a:solidFill>
@@ -1333,7 +1333,7 @@
               </a14:hiddenLine>
             </a:ext>
             <a:ext uri="{AF507438-7753-43e0-B8FC-AC1667EBCBE1}">
-              <a14:hiddenEffects xmlns="" xmlns:a14="http://schemas.microsoft.com/office/drawing/2010/main">
+              <a14:hiddenEffects xmlns:a14="http://schemas.microsoft.com/office/drawing/2010/main" xmlns="">
                 <a:effectLst>
                   <a:outerShdw blurRad="63500" dist="38099" dir="2700000" algn="ctr" rotWithShape="0">
                     <a:schemeClr val="bg2">
@@ -1597,17 +1597,17 @@
           <a:effectLst/>
           <a:extLst>
             <a:ext uri="{FAA26D3D-D897-4be2-8F04-BA451C77F1D7}">
-              <ma14:placeholderFlag xmlns="" xmlns:ma14="http://schemas.microsoft.com/office/mac/drawingml/2011/main" val="1"/>
+              <ma14:placeholderFlag xmlns:ma14="http://schemas.microsoft.com/office/mac/drawingml/2011/main" xmlns="" val="1"/>
             </a:ext>
             <a:ext uri="{909E8E84-426E-40dd-AFC4-6F175D3DCCD1}">
-              <a14:hiddenFill xmlns="" xmlns:a14="http://schemas.microsoft.com/office/drawing/2010/main">
+              <a14:hiddenFill xmlns:a14="http://schemas.microsoft.com/office/drawing/2010/main" xmlns="">
                 <a:solidFill>
                   <a:schemeClr val="accent1"/>
                 </a:solidFill>
               </a14:hiddenFill>
             </a:ext>
             <a:ext uri="{91240B29-F687-4f45-9708-019B960494DF}">
-              <a14:hiddenLine xmlns="" xmlns:a14="http://schemas.microsoft.com/office/drawing/2010/main" w="9525">
+              <a14:hiddenLine xmlns:a14="http://schemas.microsoft.com/office/drawing/2010/main" xmlns="" w="9525">
                 <a:solidFill>
                   <a:schemeClr val="tx1"/>
                 </a:solidFill>
@@ -1617,7 +1617,7 @@
               </a14:hiddenLine>
             </a:ext>
             <a:ext uri="{AF507438-7753-43e0-B8FC-AC1667EBCBE1}">
-              <a14:hiddenEffects xmlns="" xmlns:a14="http://schemas.microsoft.com/office/drawing/2010/main">
+              <a14:hiddenEffects xmlns:a14="http://schemas.microsoft.com/office/drawing/2010/main" xmlns="">
                 <a:effectLst>
                   <a:outerShdw blurRad="63500" dist="38099" dir="2700000" algn="ctr" rotWithShape="0">
                     <a:schemeClr val="bg2">
@@ -1891,17 +1891,17 @@
           <a:effectLst/>
           <a:extLst>
             <a:ext uri="{FAA26D3D-D897-4be2-8F04-BA451C77F1D7}">
-              <ma14:placeholderFlag xmlns="" xmlns:ma14="http://schemas.microsoft.com/office/mac/drawingml/2011/main" val="1"/>
+              <ma14:placeholderFlag xmlns:ma14="http://schemas.microsoft.com/office/mac/drawingml/2011/main" xmlns="" val="1"/>
             </a:ext>
             <a:ext uri="{909E8E84-426E-40dd-AFC4-6F175D3DCCD1}">
-              <a14:hiddenFill xmlns="" xmlns:a14="http://schemas.microsoft.com/office/drawing/2010/main">
+              <a14:hiddenFill xmlns:a14="http://schemas.microsoft.com/office/drawing/2010/main" xmlns="">
                 <a:solidFill>
                   <a:schemeClr val="accent1"/>
                 </a:solidFill>
               </a14:hiddenFill>
             </a:ext>
             <a:ext uri="{91240B29-F687-4f45-9708-019B960494DF}">
-              <a14:hiddenLine xmlns="" xmlns:a14="http://schemas.microsoft.com/office/drawing/2010/main" w="9525">
+              <a14:hiddenLine xmlns:a14="http://schemas.microsoft.com/office/drawing/2010/main" xmlns="" w="9525">
                 <a:solidFill>
                   <a:schemeClr val="tx1"/>
                 </a:solidFill>
@@ -1911,7 +1911,7 @@
               </a14:hiddenLine>
             </a:ext>
             <a:ext uri="{AF507438-7753-43e0-B8FC-AC1667EBCBE1}">
-              <a14:hiddenEffects xmlns="" xmlns:a14="http://schemas.microsoft.com/office/drawing/2010/main">
+              <a14:hiddenEffects xmlns:a14="http://schemas.microsoft.com/office/drawing/2010/main" xmlns="">
                 <a:effectLst>
                   <a:outerShdw blurRad="63500" dist="38099" dir="2700000" algn="ctr" rotWithShape="0">
                     <a:schemeClr val="bg2">
@@ -2175,17 +2175,17 @@
           <a:effectLst/>
           <a:extLst>
             <a:ext uri="{FAA26D3D-D897-4be2-8F04-BA451C77F1D7}">
-              <ma14:placeholderFlag xmlns="" xmlns:ma14="http://schemas.microsoft.com/office/mac/drawingml/2011/main" val="1"/>
+              <ma14:placeholderFlag xmlns:ma14="http://schemas.microsoft.com/office/mac/drawingml/2011/main" xmlns="" val="1"/>
             </a:ext>
             <a:ext uri="{909E8E84-426E-40dd-AFC4-6F175D3DCCD1}">
-              <a14:hiddenFill xmlns="" xmlns:a14="http://schemas.microsoft.com/office/drawing/2010/main">
+              <a14:hiddenFill xmlns:a14="http://schemas.microsoft.com/office/drawing/2010/main" xmlns="">
                 <a:solidFill>
                   <a:schemeClr val="accent1"/>
                 </a:solidFill>
               </a14:hiddenFill>
             </a:ext>
             <a:ext uri="{91240B29-F687-4f45-9708-019B960494DF}">
-              <a14:hiddenLine xmlns="" xmlns:a14="http://schemas.microsoft.com/office/drawing/2010/main" w="9525">
+              <a14:hiddenLine xmlns:a14="http://schemas.microsoft.com/office/drawing/2010/main" xmlns="" w="9525">
                 <a:solidFill>
                   <a:schemeClr val="tx1"/>
                 </a:solidFill>
@@ -2195,7 +2195,7 @@
               </a14:hiddenLine>
             </a:ext>
             <a:ext uri="{AF507438-7753-43e0-B8FC-AC1667EBCBE1}">
-              <a14:hiddenEffects xmlns="" xmlns:a14="http://schemas.microsoft.com/office/drawing/2010/main">
+              <a14:hiddenEffects xmlns:a14="http://schemas.microsoft.com/office/drawing/2010/main" xmlns="">
                 <a:effectLst>
                   <a:outerShdw blurRad="63500" dist="38099" dir="2700000" algn="ctr" rotWithShape="0">
                     <a:schemeClr val="bg2">
@@ -2481,17 +2481,17 @@
           <a:effectLst/>
           <a:extLst>
             <a:ext uri="{FAA26D3D-D897-4be2-8F04-BA451C77F1D7}">
-              <ma14:placeholderFlag xmlns="" xmlns:ma14="http://schemas.microsoft.com/office/mac/drawingml/2011/main" val="1"/>
+              <ma14:placeholderFlag xmlns:ma14="http://schemas.microsoft.com/office/mac/drawingml/2011/main" xmlns="" val="1"/>
             </a:ext>
             <a:ext uri="{909E8E84-426E-40dd-AFC4-6F175D3DCCD1}">
-              <a14:hiddenFill xmlns="" xmlns:a14="http://schemas.microsoft.com/office/drawing/2010/main">
+              <a14:hiddenFill xmlns:a14="http://schemas.microsoft.com/office/drawing/2010/main" xmlns="">
                 <a:solidFill>
                   <a:schemeClr val="accent1"/>
                 </a:solidFill>
               </a14:hiddenFill>
             </a:ext>
             <a:ext uri="{91240B29-F687-4f45-9708-019B960494DF}">
-              <a14:hiddenLine xmlns="" xmlns:a14="http://schemas.microsoft.com/office/drawing/2010/main" w="9525">
+              <a14:hiddenLine xmlns:a14="http://schemas.microsoft.com/office/drawing/2010/main" xmlns="" w="9525">
                 <a:solidFill>
                   <a:schemeClr val="tx1"/>
                 </a:solidFill>
@@ -2501,7 +2501,7 @@
               </a14:hiddenLine>
             </a:ext>
             <a:ext uri="{AF507438-7753-43e0-B8FC-AC1667EBCBE1}">
-              <a14:hiddenEffects xmlns="" xmlns:a14="http://schemas.microsoft.com/office/drawing/2010/main">
+              <a14:hiddenEffects xmlns:a14="http://schemas.microsoft.com/office/drawing/2010/main" xmlns="">
                 <a:effectLst>
                   <a:outerShdw blurRad="63500" dist="38099" dir="2700000" algn="ctr" rotWithShape="0">
                     <a:schemeClr val="bg2">
@@ -2883,17 +2883,17 @@
           <a:effectLst/>
           <a:extLst>
             <a:ext uri="{FAA26D3D-D897-4be2-8F04-BA451C77F1D7}">
-              <ma14:placeholderFlag xmlns="" xmlns:ma14="http://schemas.microsoft.com/office/mac/drawingml/2011/main" val="1"/>
+              <ma14:placeholderFlag xmlns:ma14="http://schemas.microsoft.com/office/mac/drawingml/2011/main" xmlns="" val="1"/>
             </a:ext>
             <a:ext uri="{909E8E84-426E-40dd-AFC4-6F175D3DCCD1}">
-              <a14:hiddenFill xmlns="" xmlns:a14="http://schemas.microsoft.com/office/drawing/2010/main">
+              <a14:hiddenFill xmlns:a14="http://schemas.microsoft.com/office/drawing/2010/main" xmlns="">
                 <a:solidFill>
                   <a:schemeClr val="accent1"/>
                 </a:solidFill>
               </a14:hiddenFill>
             </a:ext>
             <a:ext uri="{91240B29-F687-4f45-9708-019B960494DF}">
-              <a14:hiddenLine xmlns="" xmlns:a14="http://schemas.microsoft.com/office/drawing/2010/main" w="9525">
+              <a14:hiddenLine xmlns:a14="http://schemas.microsoft.com/office/drawing/2010/main" xmlns="" w="9525">
                 <a:solidFill>
                   <a:schemeClr val="tx1"/>
                 </a:solidFill>
@@ -2903,7 +2903,7 @@
               </a14:hiddenLine>
             </a:ext>
             <a:ext uri="{AF507438-7753-43e0-B8FC-AC1667EBCBE1}">
-              <a14:hiddenEffects xmlns="" xmlns:a14="http://schemas.microsoft.com/office/drawing/2010/main">
+              <a14:hiddenEffects xmlns:a14="http://schemas.microsoft.com/office/drawing/2010/main" xmlns="">
                 <a:effectLst>
                   <a:outerShdw blurRad="63500" dist="38099" dir="2700000" algn="ctr" rotWithShape="0">
                     <a:schemeClr val="bg2">
@@ -3419,17 +3419,17 @@
           <a:effectLst/>
           <a:extLst>
             <a:ext uri="{FAA26D3D-D897-4be2-8F04-BA451C77F1D7}">
-              <ma14:placeholderFlag xmlns="" xmlns:ma14="http://schemas.microsoft.com/office/mac/drawingml/2011/main" val="1"/>
+              <ma14:placeholderFlag xmlns:ma14="http://schemas.microsoft.com/office/mac/drawingml/2011/main" xmlns="" val="1"/>
             </a:ext>
             <a:ext uri="{909E8E84-426E-40dd-AFC4-6F175D3DCCD1}">
-              <a14:hiddenFill xmlns="" xmlns:a14="http://schemas.microsoft.com/office/drawing/2010/main">
+              <a14:hiddenFill xmlns:a14="http://schemas.microsoft.com/office/drawing/2010/main" xmlns="">
                 <a:solidFill>
                   <a:schemeClr val="accent1"/>
                 </a:solidFill>
               </a14:hiddenFill>
             </a:ext>
             <a:ext uri="{91240B29-F687-4f45-9708-019B960494DF}">
-              <a14:hiddenLine xmlns="" xmlns:a14="http://schemas.microsoft.com/office/drawing/2010/main" w="9525">
+              <a14:hiddenLine xmlns:a14="http://schemas.microsoft.com/office/drawing/2010/main" xmlns="" w="9525">
                 <a:solidFill>
                   <a:schemeClr val="tx1"/>
                 </a:solidFill>
@@ -3439,7 +3439,7 @@
               </a14:hiddenLine>
             </a:ext>
             <a:ext uri="{AF507438-7753-43e0-B8FC-AC1667EBCBE1}">
-              <a14:hiddenEffects xmlns="" xmlns:a14="http://schemas.microsoft.com/office/drawing/2010/main">
+              <a14:hiddenEffects xmlns:a14="http://schemas.microsoft.com/office/drawing/2010/main" xmlns="">
                 <a:effectLst>
                   <a:outerShdw blurRad="63500" dist="38099" dir="2700000" algn="ctr" rotWithShape="0">
                     <a:schemeClr val="bg2">
@@ -3651,17 +3651,17 @@
           <a:effectLst/>
           <a:extLst>
             <a:ext uri="{FAA26D3D-D897-4be2-8F04-BA451C77F1D7}">
-              <ma14:placeholderFlag xmlns="" xmlns:ma14="http://schemas.microsoft.com/office/mac/drawingml/2011/main" val="1"/>
+              <ma14:placeholderFlag xmlns:ma14="http://schemas.microsoft.com/office/mac/drawingml/2011/main" xmlns="" val="1"/>
             </a:ext>
             <a:ext uri="{909E8E84-426E-40dd-AFC4-6F175D3DCCD1}">
-              <a14:hiddenFill xmlns="" xmlns:a14="http://schemas.microsoft.com/office/drawing/2010/main">
+              <a14:hiddenFill xmlns:a14="http://schemas.microsoft.com/office/drawing/2010/main" xmlns="">
                 <a:solidFill>
                   <a:schemeClr val="accent1"/>
                 </a:solidFill>
               </a14:hiddenFill>
             </a:ext>
             <a:ext uri="{91240B29-F687-4f45-9708-019B960494DF}">
-              <a14:hiddenLine xmlns="" xmlns:a14="http://schemas.microsoft.com/office/drawing/2010/main" w="9525">
+              <a14:hiddenLine xmlns:a14="http://schemas.microsoft.com/office/drawing/2010/main" xmlns="" w="9525">
                 <a:solidFill>
                   <a:schemeClr val="tx1"/>
                 </a:solidFill>
@@ -3671,7 +3671,7 @@
               </a14:hiddenLine>
             </a:ext>
             <a:ext uri="{AF507438-7753-43e0-B8FC-AC1667EBCBE1}">
-              <a14:hiddenEffects xmlns="" xmlns:a14="http://schemas.microsoft.com/office/drawing/2010/main">
+              <a14:hiddenEffects xmlns:a14="http://schemas.microsoft.com/office/drawing/2010/main" xmlns="">
                 <a:effectLst>
                   <a:outerShdw blurRad="63500" dist="38099" dir="2700000" algn="ctr" rotWithShape="0">
                     <a:schemeClr val="bg2">
@@ -3860,17 +3860,17 @@
           <a:effectLst/>
           <a:extLst>
             <a:ext uri="{FAA26D3D-D897-4be2-8F04-BA451C77F1D7}">
-              <ma14:placeholderFlag xmlns="" xmlns:ma14="http://schemas.microsoft.com/office/mac/drawingml/2011/main" val="1"/>
+              <ma14:placeholderFlag xmlns:ma14="http://schemas.microsoft.com/office/mac/drawingml/2011/main" xmlns="" val="1"/>
             </a:ext>
             <a:ext uri="{909E8E84-426E-40dd-AFC4-6F175D3DCCD1}">
-              <a14:hiddenFill xmlns="" xmlns:a14="http://schemas.microsoft.com/office/drawing/2010/main">
+              <a14:hiddenFill xmlns:a14="http://schemas.microsoft.com/office/drawing/2010/main" xmlns="">
                 <a:solidFill>
                   <a:schemeClr val="accent1"/>
                 </a:solidFill>
               </a14:hiddenFill>
             </a:ext>
             <a:ext uri="{91240B29-F687-4f45-9708-019B960494DF}">
-              <a14:hiddenLine xmlns="" xmlns:a14="http://schemas.microsoft.com/office/drawing/2010/main" w="9525">
+              <a14:hiddenLine xmlns:a14="http://schemas.microsoft.com/office/drawing/2010/main" xmlns="" w="9525">
                 <a:solidFill>
                   <a:schemeClr val="tx1"/>
                 </a:solidFill>
@@ -3880,7 +3880,7 @@
               </a14:hiddenLine>
             </a:ext>
             <a:ext uri="{AF507438-7753-43e0-B8FC-AC1667EBCBE1}">
-              <a14:hiddenEffects xmlns="" xmlns:a14="http://schemas.microsoft.com/office/drawing/2010/main">
+              <a14:hiddenEffects xmlns:a14="http://schemas.microsoft.com/office/drawing/2010/main" xmlns="">
                 <a:effectLst>
                   <a:outerShdw blurRad="63500" dist="38099" dir="2700000" algn="ctr" rotWithShape="0">
                     <a:schemeClr val="bg2">
@@ -4251,17 +4251,17 @@
           <a:effectLst/>
           <a:extLst>
             <a:ext uri="{FAA26D3D-D897-4be2-8F04-BA451C77F1D7}">
-              <ma14:placeholderFlag xmlns="" xmlns:ma14="http://schemas.microsoft.com/office/mac/drawingml/2011/main" val="1"/>
+              <ma14:placeholderFlag xmlns:ma14="http://schemas.microsoft.com/office/mac/drawingml/2011/main" xmlns="" val="1"/>
             </a:ext>
             <a:ext uri="{909E8E84-426E-40dd-AFC4-6F175D3DCCD1}">
-              <a14:hiddenFill xmlns="" xmlns:a14="http://schemas.microsoft.com/office/drawing/2010/main">
+              <a14:hiddenFill xmlns:a14="http://schemas.microsoft.com/office/drawing/2010/main" xmlns="">
                 <a:solidFill>
                   <a:schemeClr val="accent1"/>
                 </a:solidFill>
               </a14:hiddenFill>
             </a:ext>
             <a:ext uri="{91240B29-F687-4f45-9708-019B960494DF}">
-              <a14:hiddenLine xmlns="" xmlns:a14="http://schemas.microsoft.com/office/drawing/2010/main" w="9525">
+              <a14:hiddenLine xmlns:a14="http://schemas.microsoft.com/office/drawing/2010/main" xmlns="" w="9525">
                 <a:solidFill>
                   <a:schemeClr val="tx1"/>
                 </a:solidFill>
@@ -4271,7 +4271,7 @@
               </a14:hiddenLine>
             </a:ext>
             <a:ext uri="{AF507438-7753-43e0-B8FC-AC1667EBCBE1}">
-              <a14:hiddenEffects xmlns="" xmlns:a14="http://schemas.microsoft.com/office/drawing/2010/main">
+              <a14:hiddenEffects xmlns:a14="http://schemas.microsoft.com/office/drawing/2010/main" xmlns="">
                 <a:effectLst>
                   <a:outerShdw blurRad="63500" dist="38099" dir="2700000" algn="ctr" rotWithShape="0">
                     <a:schemeClr val="bg2">
@@ -4619,17 +4619,17 @@
           <a:effectLst/>
           <a:extLst>
             <a:ext uri="{FAA26D3D-D897-4be2-8F04-BA451C77F1D7}">
-              <ma14:placeholderFlag xmlns="" xmlns:ma14="http://schemas.microsoft.com/office/mac/drawingml/2011/main" val="1"/>
+              <ma14:placeholderFlag xmlns:ma14="http://schemas.microsoft.com/office/mac/drawingml/2011/main" xmlns="" val="1"/>
             </a:ext>
             <a:ext uri="{909E8E84-426E-40dd-AFC4-6F175D3DCCD1}">
-              <a14:hiddenFill xmlns="" xmlns:a14="http://schemas.microsoft.com/office/drawing/2010/main">
+              <a14:hiddenFill xmlns:a14="http://schemas.microsoft.com/office/drawing/2010/main" xmlns="">
                 <a:solidFill>
                   <a:schemeClr val="accent1"/>
                 </a:solidFill>
               </a14:hiddenFill>
             </a:ext>
             <a:ext uri="{91240B29-F687-4f45-9708-019B960494DF}">
-              <a14:hiddenLine xmlns="" xmlns:a14="http://schemas.microsoft.com/office/drawing/2010/main" w="9525">
+              <a14:hiddenLine xmlns:a14="http://schemas.microsoft.com/office/drawing/2010/main" xmlns="" w="9525">
                 <a:solidFill>
                   <a:schemeClr val="tx1"/>
                 </a:solidFill>
@@ -4639,7 +4639,7 @@
               </a14:hiddenLine>
             </a:ext>
             <a:ext uri="{AF507438-7753-43e0-B8FC-AC1667EBCBE1}">
-              <a14:hiddenEffects xmlns="" xmlns:a14="http://schemas.microsoft.com/office/drawing/2010/main">
+              <a14:hiddenEffects xmlns:a14="http://schemas.microsoft.com/office/drawing/2010/main" xmlns="">
                 <a:effectLst>
                   <a:outerShdw blurRad="63500" dist="38099" dir="2700000" algn="ctr" rotWithShape="0">
                     <a:schemeClr val="bg2">
@@ -4766,17 +4766,17 @@
           <a:effectLst/>
           <a:extLst>
             <a:ext uri="{FAA26D3D-D897-4be2-8F04-BA451C77F1D7}">
-              <ma14:placeholderFlag xmlns="" xmlns:ma14="http://schemas.microsoft.com/office/mac/drawingml/2011/main" val="1"/>
+              <ma14:placeholderFlag xmlns:ma14="http://schemas.microsoft.com/office/mac/drawingml/2011/main" xmlns="" val="1"/>
             </a:ext>
             <a:ext uri="{909E8E84-426E-40dd-AFC4-6F175D3DCCD1}">
-              <a14:hiddenFill xmlns="" xmlns:a14="http://schemas.microsoft.com/office/drawing/2010/main">
+              <a14:hiddenFill xmlns:a14="http://schemas.microsoft.com/office/drawing/2010/main" xmlns="">
                 <a:solidFill>
                   <a:schemeClr val="accent1"/>
                 </a:solidFill>
               </a14:hiddenFill>
             </a:ext>
             <a:ext uri="{91240B29-F687-4f45-9708-019B960494DF}">
-              <a14:hiddenLine xmlns="" xmlns:a14="http://schemas.microsoft.com/office/drawing/2010/main" w="9525">
+              <a14:hiddenLine xmlns:a14="http://schemas.microsoft.com/office/drawing/2010/main" xmlns="" w="9525">
                 <a:solidFill>
                   <a:schemeClr val="tx1"/>
                 </a:solidFill>
@@ -4786,7 +4786,7 @@
               </a14:hiddenLine>
             </a:ext>
             <a:ext uri="{AF507438-7753-43e0-B8FC-AC1667EBCBE1}">
-              <a14:hiddenEffects xmlns="" xmlns:a14="http://schemas.microsoft.com/office/drawing/2010/main">
+              <a14:hiddenEffects xmlns:a14="http://schemas.microsoft.com/office/drawing/2010/main" xmlns="">
                 <a:effectLst>
                   <a:outerShdw blurRad="63500" dist="38099" dir="2700000" algn="ctr" rotWithShape="0">
                     <a:schemeClr val="bg2">
@@ -4839,17 +4839,17 @@
           <a:effectLst/>
           <a:extLst>
             <a:ext uri="{FAA26D3D-D897-4be2-8F04-BA451C77F1D7}">
-              <ma14:placeholderFlag xmlns="" xmlns:ma14="http://schemas.microsoft.com/office/mac/drawingml/2011/main" val="1"/>
+              <ma14:placeholderFlag xmlns:ma14="http://schemas.microsoft.com/office/mac/drawingml/2011/main" xmlns="" val="1"/>
             </a:ext>
             <a:ext uri="{909E8E84-426E-40dd-AFC4-6F175D3DCCD1}">
-              <a14:hiddenFill xmlns="" xmlns:a14="http://schemas.microsoft.com/office/drawing/2010/main">
+              <a14:hiddenFill xmlns:a14="http://schemas.microsoft.com/office/drawing/2010/main" xmlns="">
                 <a:solidFill>
                   <a:schemeClr val="accent1"/>
                 </a:solidFill>
               </a14:hiddenFill>
             </a:ext>
             <a:ext uri="{91240B29-F687-4f45-9708-019B960494DF}">
-              <a14:hiddenLine xmlns="" xmlns:a14="http://schemas.microsoft.com/office/drawing/2010/main" w="9525">
+              <a14:hiddenLine xmlns:a14="http://schemas.microsoft.com/office/drawing/2010/main" xmlns="" w="9525">
                 <a:solidFill>
                   <a:schemeClr val="tx1"/>
                 </a:solidFill>
@@ -4859,7 +4859,7 @@
               </a14:hiddenLine>
             </a:ext>
             <a:ext uri="{AF507438-7753-43e0-B8FC-AC1667EBCBE1}">
-              <a14:hiddenEffects xmlns="" xmlns:a14="http://schemas.microsoft.com/office/drawing/2010/main">
+              <a14:hiddenEffects xmlns:a14="http://schemas.microsoft.com/office/drawing/2010/main" xmlns="">
                 <a:effectLst>
                   <a:outerShdw blurRad="63500" dist="38099" dir="2700000" algn="ctr" rotWithShape="0">
                     <a:schemeClr val="bg2">
@@ -4940,17 +4940,17 @@
           <a:effectLst/>
           <a:extLst>
             <a:ext uri="{FAA26D3D-D897-4be2-8F04-BA451C77F1D7}">
-              <ma14:placeholderFlag xmlns="" xmlns:ma14="http://schemas.microsoft.com/office/mac/drawingml/2011/main" val="1"/>
+              <ma14:placeholderFlag xmlns:ma14="http://schemas.microsoft.com/office/mac/drawingml/2011/main" xmlns="" val="1"/>
             </a:ext>
             <a:ext uri="{909E8E84-426E-40dd-AFC4-6F175D3DCCD1}">
-              <a14:hiddenFill xmlns="" xmlns:a14="http://schemas.microsoft.com/office/drawing/2010/main">
+              <a14:hiddenFill xmlns:a14="http://schemas.microsoft.com/office/drawing/2010/main" xmlns="">
                 <a:solidFill>
                   <a:schemeClr val="accent1"/>
                 </a:solidFill>
               </a14:hiddenFill>
             </a:ext>
             <a:ext uri="{91240B29-F687-4f45-9708-019B960494DF}">
-              <a14:hiddenLine xmlns="" xmlns:a14="http://schemas.microsoft.com/office/drawing/2010/main" w="9525">
+              <a14:hiddenLine xmlns:a14="http://schemas.microsoft.com/office/drawing/2010/main" xmlns="" w="9525">
                 <a:solidFill>
                   <a:schemeClr val="tx1"/>
                 </a:solidFill>
@@ -4960,7 +4960,7 @@
               </a14:hiddenLine>
             </a:ext>
             <a:ext uri="{AF507438-7753-43e0-B8FC-AC1667EBCBE1}">
-              <a14:hiddenEffects xmlns="" xmlns:a14="http://schemas.microsoft.com/office/drawing/2010/main">
+              <a14:hiddenEffects xmlns:a14="http://schemas.microsoft.com/office/drawing/2010/main" xmlns="">
                 <a:effectLst>
                   <a:outerShdw blurRad="63500" dist="38099" dir="2700000" algn="ctr" rotWithShape="0">
                     <a:schemeClr val="bg2">
@@ -5030,17 +5030,17 @@
           <a:effectLst/>
           <a:extLst>
             <a:ext uri="{FAA26D3D-D897-4be2-8F04-BA451C77F1D7}">
-              <ma14:placeholderFlag xmlns="" xmlns:ma14="http://schemas.microsoft.com/office/mac/drawingml/2011/main" val="1"/>
+              <ma14:placeholderFlag xmlns:ma14="http://schemas.microsoft.com/office/mac/drawingml/2011/main" xmlns="" val="1"/>
             </a:ext>
             <a:ext uri="{909E8E84-426E-40dd-AFC4-6F175D3DCCD1}">
-              <a14:hiddenFill xmlns="" xmlns:a14="http://schemas.microsoft.com/office/drawing/2010/main">
+              <a14:hiddenFill xmlns:a14="http://schemas.microsoft.com/office/drawing/2010/main" xmlns="">
                 <a:solidFill>
                   <a:schemeClr val="accent1"/>
                 </a:solidFill>
               </a14:hiddenFill>
             </a:ext>
             <a:ext uri="{91240B29-F687-4f45-9708-019B960494DF}">
-              <a14:hiddenLine xmlns="" xmlns:a14="http://schemas.microsoft.com/office/drawing/2010/main" w="9525">
+              <a14:hiddenLine xmlns:a14="http://schemas.microsoft.com/office/drawing/2010/main" xmlns="" w="9525">
                 <a:solidFill>
                   <a:schemeClr val="tx1"/>
                 </a:solidFill>
@@ -5050,7 +5050,7 @@
               </a14:hiddenLine>
             </a:ext>
             <a:ext uri="{AF507438-7753-43e0-B8FC-AC1667EBCBE1}">
-              <a14:hiddenEffects xmlns="" xmlns:a14="http://schemas.microsoft.com/office/drawing/2010/main">
+              <a14:hiddenEffects xmlns:a14="http://schemas.microsoft.com/office/drawing/2010/main" xmlns="">
                 <a:effectLst>
                   <a:outerShdw blurRad="63500" dist="38099" dir="2700000" algn="ctr" rotWithShape="0">
                     <a:schemeClr val="bg2">
@@ -5126,17 +5126,17 @@
           <a:effectLst/>
           <a:extLst>
             <a:ext uri="{FAA26D3D-D897-4be2-8F04-BA451C77F1D7}">
-              <ma14:placeholderFlag xmlns="" xmlns:ma14="http://schemas.microsoft.com/office/mac/drawingml/2011/main" val="1"/>
+              <ma14:placeholderFlag xmlns:ma14="http://schemas.microsoft.com/office/mac/drawingml/2011/main" xmlns="" val="1"/>
             </a:ext>
             <a:ext uri="{909E8E84-426E-40dd-AFC4-6F175D3DCCD1}">
-              <a14:hiddenFill xmlns="" xmlns:a14="http://schemas.microsoft.com/office/drawing/2010/main">
+              <a14:hiddenFill xmlns:a14="http://schemas.microsoft.com/office/drawing/2010/main" xmlns="">
                 <a:solidFill>
                   <a:schemeClr val="accent1"/>
                 </a:solidFill>
               </a14:hiddenFill>
             </a:ext>
             <a:ext uri="{91240B29-F687-4f45-9708-019B960494DF}">
-              <a14:hiddenLine xmlns="" xmlns:a14="http://schemas.microsoft.com/office/drawing/2010/main" w="9525">
+              <a14:hiddenLine xmlns:a14="http://schemas.microsoft.com/office/drawing/2010/main" xmlns="" w="9525">
                 <a:solidFill>
                   <a:schemeClr val="tx1"/>
                 </a:solidFill>
@@ -5146,7 +5146,7 @@
               </a14:hiddenLine>
             </a:ext>
             <a:ext uri="{AF507438-7753-43e0-B8FC-AC1667EBCBE1}">
-              <a14:hiddenEffects xmlns="" xmlns:a14="http://schemas.microsoft.com/office/drawing/2010/main">
+              <a14:hiddenEffects xmlns:a14="http://schemas.microsoft.com/office/drawing/2010/main" xmlns="">
                 <a:effectLst>
                   <a:outerShdw blurRad="63500" dist="38099" dir="2700000" algn="ctr" rotWithShape="0">
                     <a:schemeClr val="bg2">
@@ -11039,7 +11039,7 @@
           <a:effectLst/>
           <a:extLst>
             <a:ext uri="{AF507438-7753-43e0-B8FC-AC1667EBCBE1}">
-              <a14:hiddenEffects xmlns="" xmlns:a14="http://schemas.microsoft.com/office/drawing/2010/main">
+              <a14:hiddenEffects xmlns:a14="http://schemas.microsoft.com/office/drawing/2010/main" xmlns="">
                 <a:effectLst>
                   <a:outerShdw blurRad="63500" dist="38099" dir="2700000" algn="ctr" rotWithShape="0">
                     <a:schemeClr val="bg2">
@@ -11119,12 +11119,8 @@
           <a:lstStyle/>
           <a:p>
             <a:r>
-              <a:rPr lang="en-US"/>
-              <a:t>Multicore-Linking </a:t>
-            </a:r>
-            <a:r>
               <a:rPr lang="en-US" dirty="0"/>
-              <a:t>Framework</a:t>
+              <a:t>Multicore Linking Framework</a:t>
             </a:r>
           </a:p>
         </p:txBody>
@@ -11162,7 +11158,7 @@
           <a:effectLst/>
           <a:extLst>
             <a:ext uri="{AF507438-7753-43e0-B8FC-AC1667EBCBE1}">
-              <a14:hiddenEffects xmlns="" xmlns:a14="http://schemas.microsoft.com/office/drawing/2010/main">
+              <a14:hiddenEffects xmlns:a14="http://schemas.microsoft.com/office/drawing/2010/main" xmlns="">
                 <a:effectLst>
                   <a:outerShdw blurRad="63500" dist="38099" dir="2700000" algn="ctr" rotWithShape="0">
                     <a:schemeClr val="bg2">
@@ -14673,8 +14669,8 @@
           </p:sp>
         </mc:Fallback>
       </mc:AlternateContent>
-      <mc:AlternateContent xmlns:mc="http://schemas.openxmlformats.org/markup-compatibility/2006">
-        <mc:Choice xmlns:a14="http://schemas.microsoft.com/office/drawing/2010/main" Requires="a14">
+      <mc:AlternateContent xmlns:mc="http://schemas.openxmlformats.org/markup-compatibility/2006" xmlns:a14="http://schemas.microsoft.com/office/drawing/2010/main">
+        <mc:Choice Requires="a14">
           <p:sp>
             <p:nvSpPr>
               <p:cNvPr id="22" name="Rectangle 21">
@@ -14747,7 +14743,7 @@
             </p:txBody>
           </p:sp>
         </mc:Choice>
-        <mc:Fallback>
+        <mc:Fallback xmlns="">
           <p:sp>
             <p:nvSpPr>
               <p:cNvPr id="22" name="Rectangle 21">
@@ -14792,8 +14788,8 @@
           </p:sp>
         </mc:Fallback>
       </mc:AlternateContent>
-      <mc:AlternateContent xmlns:mc="http://schemas.openxmlformats.org/markup-compatibility/2006">
-        <mc:Choice xmlns:a14="http://schemas.microsoft.com/office/drawing/2010/main" Requires="a14">
+      <mc:AlternateContent xmlns:mc="http://schemas.openxmlformats.org/markup-compatibility/2006" xmlns:a14="http://schemas.microsoft.com/office/drawing/2010/main">
+        <mc:Choice Requires="a14">
           <p:sp>
             <p:nvSpPr>
               <p:cNvPr id="23" name="Rectangle 22">
@@ -14856,7 +14852,7 @@
             </p:txBody>
           </p:sp>
         </mc:Choice>
-        <mc:Fallback>
+        <mc:Fallback xmlns="">
           <p:sp>
             <p:nvSpPr>
               <p:cNvPr id="23" name="Rectangle 22">
@@ -15043,7 +15039,7 @@
           <a:effectLst/>
           <a:extLst>
             <a:ext uri="{AF507438-7753-43e0-B8FC-AC1667EBCBE1}">
-              <a14:hiddenEffects xmlns="" xmlns:a14="http://schemas.microsoft.com/office/drawing/2010/main">
+              <a14:hiddenEffects xmlns:a14="http://schemas.microsoft.com/office/drawing/2010/main" xmlns="">
                 <a:effectLst>
                   <a:outerShdw blurRad="63500" dist="38099" dir="2700000" algn="ctr" rotWithShape="0">
                     <a:schemeClr val="bg2">
@@ -15127,7 +15123,7 @@
           <a:effectLst/>
           <a:extLst>
             <a:ext uri="{AF507438-7753-43e0-B8FC-AC1667EBCBE1}">
-              <a14:hiddenEffects xmlns="" xmlns:a14="http://schemas.microsoft.com/office/drawing/2010/main">
+              <a14:hiddenEffects xmlns:a14="http://schemas.microsoft.com/office/drawing/2010/main" xmlns="">
                 <a:effectLst>
                   <a:outerShdw blurRad="63500" dist="38099" dir="2700000" algn="ctr" rotWithShape="0">
                     <a:schemeClr val="bg2">
@@ -15461,7 +15457,7 @@
           <a:effectLst/>
           <a:extLst>
             <a:ext uri="{AF507438-7753-43e0-B8FC-AC1667EBCBE1}">
-              <a14:hiddenEffects xmlns="" xmlns:a14="http://schemas.microsoft.com/office/drawing/2010/main">
+              <a14:hiddenEffects xmlns:a14="http://schemas.microsoft.com/office/drawing/2010/main" xmlns="">
                 <a:effectLst>
                   <a:outerShdw blurRad="63500" dist="38099" dir="2700000" algn="ctr" rotWithShape="0">
                     <a:schemeClr val="bg2">
@@ -15512,7 +15508,7 @@
           <a:effectLst/>
           <a:extLst>
             <a:ext uri="{AF507438-7753-43e0-B8FC-AC1667EBCBE1}">
-              <a14:hiddenEffects xmlns="" xmlns:a14="http://schemas.microsoft.com/office/drawing/2010/main">
+              <a14:hiddenEffects xmlns:a14="http://schemas.microsoft.com/office/drawing/2010/main" xmlns="">
                 <a:effectLst>
                   <a:outerShdw blurRad="63500" dist="38099" dir="2700000" algn="ctr" rotWithShape="0">
                     <a:schemeClr val="bg2">
@@ -15558,7 +15554,7 @@
           <a:effectLst/>
           <a:extLst>
             <a:ext uri="{AF507438-7753-43e0-B8FC-AC1667EBCBE1}">
-              <a14:hiddenEffects xmlns="" xmlns:a14="http://schemas.microsoft.com/office/drawing/2010/main">
+              <a14:hiddenEffects xmlns:a14="http://schemas.microsoft.com/office/drawing/2010/main" xmlns="">
                 <a:effectLst>
                   <a:outerShdw blurRad="63500" dist="38099" dir="2700000" algn="ctr" rotWithShape="0">
                     <a:schemeClr val="bg2">
@@ -15638,8 +15634,12 @@
           <a:lstStyle/>
           <a:p>
             <a:r>
+              <a:rPr lang="en-US"/>
+              <a:t>Multithreaded Linking </a:t>
+            </a:r>
+            <a:r>
               <a:rPr lang="en-US" dirty="0"/>
-              <a:t>Multithreaded-Linking Framework</a:t>
+              <a:t>Framework</a:t>
             </a:r>
           </a:p>
         </p:txBody>
@@ -15836,7 +15836,7 @@
           <a:effectLst/>
           <a:extLst>
             <a:ext uri="{AF507438-7753-43e0-B8FC-AC1667EBCBE1}">
-              <a14:hiddenEffects xmlns="" xmlns:a14="http://schemas.microsoft.com/office/drawing/2010/main">
+              <a14:hiddenEffects xmlns:a14="http://schemas.microsoft.com/office/drawing/2010/main" xmlns="">
                 <a:effectLst>
                   <a:outerShdw blurRad="63500" dist="38099" dir="2700000" algn="ctr" rotWithShape="0">
                     <a:schemeClr val="bg2">
@@ -15921,7 +15921,7 @@
           <a:effectLst/>
           <a:extLst>
             <a:ext uri="{AF507438-7753-43e0-B8FC-AC1667EBCBE1}">
-              <a14:hiddenEffects xmlns="" xmlns:a14="http://schemas.microsoft.com/office/drawing/2010/main">
+              <a14:hiddenEffects xmlns:a14="http://schemas.microsoft.com/office/drawing/2010/main" xmlns="">
                 <a:effectLst>
                   <a:outerShdw blurRad="63500" dist="38099" dir="2700000" algn="ctr" rotWithShape="0">
                     <a:schemeClr val="bg2">
@@ -16002,7 +16002,7 @@
           <a:effectLst/>
           <a:extLst>
             <a:ext uri="{AF507438-7753-43e0-B8FC-AC1667EBCBE1}">
-              <a14:hiddenEffects xmlns="" xmlns:a14="http://schemas.microsoft.com/office/drawing/2010/main">
+              <a14:hiddenEffects xmlns:a14="http://schemas.microsoft.com/office/drawing/2010/main" xmlns="">
                 <a:effectLst>
                   <a:outerShdw blurRad="63500" dist="38099" dir="2700000" algn="ctr" rotWithShape="0">
                     <a:schemeClr val="bg2">
@@ -16099,7 +16099,7 @@
           <a:effectLst/>
           <a:extLst>
             <a:ext uri="{AF507438-7753-43e0-B8FC-AC1667EBCBE1}">
-              <a14:hiddenEffects xmlns="" xmlns:a14="http://schemas.microsoft.com/office/drawing/2010/main">
+              <a14:hiddenEffects xmlns:a14="http://schemas.microsoft.com/office/drawing/2010/main" xmlns="">
                 <a:effectLst>
                   <a:outerShdw blurRad="63500" dist="38099" dir="2700000" algn="ctr" rotWithShape="0">
                     <a:schemeClr val="bg2">
@@ -16196,7 +16196,7 @@
           <a:effectLst/>
           <a:extLst>
             <a:ext uri="{AF507438-7753-43e0-B8FC-AC1667EBCBE1}">
-              <a14:hiddenEffects xmlns="" xmlns:a14="http://schemas.microsoft.com/office/drawing/2010/main">
+              <a14:hiddenEffects xmlns:a14="http://schemas.microsoft.com/office/drawing/2010/main" xmlns="">
                 <a:effectLst>
                   <a:outerShdw blurRad="63500" dist="38099" dir="2700000" algn="ctr" rotWithShape="0">
                     <a:schemeClr val="bg2">
@@ -16291,7 +16291,7 @@
           <a:effectLst/>
           <a:extLst>
             <a:ext uri="{AF507438-7753-43e0-B8FC-AC1667EBCBE1}">
-              <a14:hiddenEffects xmlns="" xmlns:a14="http://schemas.microsoft.com/office/drawing/2010/main">
+              <a14:hiddenEffects xmlns:a14="http://schemas.microsoft.com/office/drawing/2010/main" xmlns="">
                 <a:effectLst>
                   <a:outerShdw blurRad="63500" dist="38099" dir="2700000" algn="ctr" rotWithShape="0">
                     <a:schemeClr val="bg2">
@@ -16390,7 +16390,7 @@
           <a:effectLst/>
           <a:extLst>
             <a:ext uri="{AF507438-7753-43e0-B8FC-AC1667EBCBE1}">
-              <a14:hiddenEffects xmlns="" xmlns:a14="http://schemas.microsoft.com/office/drawing/2010/main">
+              <a14:hiddenEffects xmlns:a14="http://schemas.microsoft.com/office/drawing/2010/main" xmlns="">
                 <a:effectLst>
                   <a:outerShdw blurRad="63500" dist="38099" dir="2700000" algn="ctr" rotWithShape="0">
                     <a:schemeClr val="bg2">
@@ -16440,7 +16440,7 @@
           <a:effectLst/>
           <a:extLst>
             <a:ext uri="{AF507438-7753-43e0-B8FC-AC1667EBCBE1}">
-              <a14:hiddenEffects xmlns="" xmlns:a14="http://schemas.microsoft.com/office/drawing/2010/main">
+              <a14:hiddenEffects xmlns:a14="http://schemas.microsoft.com/office/drawing/2010/main" xmlns="">
                 <a:effectLst>
                   <a:outerShdw blurRad="63500" dist="38099" dir="2700000" algn="ctr" rotWithShape="0">
                     <a:schemeClr val="bg2">
@@ -16524,7 +16524,7 @@
           <a:effectLst/>
           <a:extLst>
             <a:ext uri="{AF507438-7753-43e0-B8FC-AC1667EBCBE1}">
-              <a14:hiddenEffects xmlns="" xmlns:a14="http://schemas.microsoft.com/office/drawing/2010/main">
+              <a14:hiddenEffects xmlns:a14="http://schemas.microsoft.com/office/drawing/2010/main" xmlns="">
                 <a:effectLst>
                   <a:outerShdw blurRad="63500" dist="38099" dir="2700000" algn="ctr" rotWithShape="0">
                     <a:schemeClr val="bg2">
@@ -16574,7 +16574,7 @@
           <a:effectLst/>
           <a:extLst>
             <a:ext uri="{AF507438-7753-43e0-B8FC-AC1667EBCBE1}">
-              <a14:hiddenEffects xmlns="" xmlns:a14="http://schemas.microsoft.com/office/drawing/2010/main">
+              <a14:hiddenEffects xmlns:a14="http://schemas.microsoft.com/office/drawing/2010/main" xmlns="">
                 <a:effectLst>
                   <a:outerShdw blurRad="63500" dist="38099" dir="2700000" algn="ctr" rotWithShape="0">
                     <a:schemeClr val="bg2">
@@ -16622,7 +16622,7 @@
           <a:effectLst/>
           <a:extLst>
             <a:ext uri="{AF507438-7753-43e0-B8FC-AC1667EBCBE1}">
-              <a14:hiddenEffects xmlns="" xmlns:a14="http://schemas.microsoft.com/office/drawing/2010/main">
+              <a14:hiddenEffects xmlns:a14="http://schemas.microsoft.com/office/drawing/2010/main" xmlns="">
                 <a:effectLst>
                   <a:outerShdw blurRad="63500" dist="38099" dir="2700000" algn="ctr" rotWithShape="0">
                     <a:schemeClr val="bg2">
@@ -16717,7 +16717,7 @@
           <a:effectLst/>
           <a:extLst>
             <a:ext uri="{AF507438-7753-43e0-B8FC-AC1667EBCBE1}">
-              <a14:hiddenEffects xmlns="" xmlns:a14="http://schemas.microsoft.com/office/drawing/2010/main">
+              <a14:hiddenEffects xmlns:a14="http://schemas.microsoft.com/office/drawing/2010/main" xmlns="">
                 <a:effectLst>
                   <a:outerShdw blurRad="63500" dist="38099" dir="2700000" algn="ctr" rotWithShape="0">
                     <a:schemeClr val="bg2">
@@ -16812,7 +16812,7 @@
           <a:effectLst/>
           <a:extLst>
             <a:ext uri="{AF507438-7753-43e0-B8FC-AC1667EBCBE1}">
-              <a14:hiddenEffects xmlns="" xmlns:a14="http://schemas.microsoft.com/office/drawing/2010/main">
+              <a14:hiddenEffects xmlns:a14="http://schemas.microsoft.com/office/drawing/2010/main" xmlns="">
                 <a:effectLst>
                   <a:outerShdw blurRad="63500" dist="38099" dir="2700000" algn="ctr" rotWithShape="0">
                     <a:schemeClr val="bg2">
@@ -16909,7 +16909,7 @@
           <a:effectLst/>
           <a:extLst>
             <a:ext uri="{AF507438-7753-43e0-B8FC-AC1667EBCBE1}">
-              <a14:hiddenEffects xmlns="" xmlns:a14="http://schemas.microsoft.com/office/drawing/2010/main">
+              <a14:hiddenEffects xmlns:a14="http://schemas.microsoft.com/office/drawing/2010/main" xmlns="">
                 <a:effectLst>
                   <a:outerShdw blurRad="63500" dist="38099" dir="2700000" algn="ctr" rotWithShape="0">
                     <a:schemeClr val="bg2">
@@ -17004,7 +17004,7 @@
           <a:effectLst/>
           <a:extLst>
             <a:ext uri="{AF507438-7753-43e0-B8FC-AC1667EBCBE1}">
-              <a14:hiddenEffects xmlns="" xmlns:a14="http://schemas.microsoft.com/office/drawing/2010/main">
+              <a14:hiddenEffects xmlns:a14="http://schemas.microsoft.com/office/drawing/2010/main" xmlns="">
                 <a:effectLst>
                   <a:outerShdw blurRad="63500" dist="38099" dir="2700000" algn="ctr" rotWithShape="0">
                     <a:schemeClr val="bg2">
@@ -17889,7 +17889,7 @@
           <a:effectLst/>
           <a:extLst>
             <a:ext uri="{AF507438-7753-43e0-B8FC-AC1667EBCBE1}">
-              <a14:hiddenEffects xmlns="" xmlns:a14="http://schemas.microsoft.com/office/drawing/2010/main">
+              <a14:hiddenEffects xmlns:a14="http://schemas.microsoft.com/office/drawing/2010/main" xmlns="">
                 <a:effectLst>
                   <a:outerShdw blurRad="63500" dist="38099" dir="2700000" algn="ctr" rotWithShape="0">
                     <a:schemeClr val="bg2">
@@ -18164,7 +18164,7 @@
           <a:effectLst/>
           <a:extLst>
             <a:ext uri="{AF507438-7753-43e0-B8FC-AC1667EBCBE1}">
-              <a14:hiddenEffects xmlns="" xmlns:a14="http://schemas.microsoft.com/office/drawing/2010/main">
+              <a14:hiddenEffects xmlns:a14="http://schemas.microsoft.com/office/drawing/2010/main" xmlns="">
                 <a:effectLst>
                   <a:outerShdw blurRad="63500" dist="38099" dir="2700000" algn="ctr" rotWithShape="0">
                     <a:schemeClr val="bg2">
@@ -18249,7 +18249,7 @@
           <a:effectLst/>
           <a:extLst>
             <a:ext uri="{AF507438-7753-43e0-B8FC-AC1667EBCBE1}">
-              <a14:hiddenEffects xmlns="" xmlns:a14="http://schemas.microsoft.com/office/drawing/2010/main">
+              <a14:hiddenEffects xmlns:a14="http://schemas.microsoft.com/office/drawing/2010/main" xmlns="">
                 <a:effectLst>
                   <a:outerShdw blurRad="63500" dist="38099" dir="2700000" algn="ctr" rotWithShape="0">
                     <a:schemeClr val="bg2">
@@ -18330,7 +18330,7 @@
           <a:effectLst/>
           <a:extLst>
             <a:ext uri="{AF507438-7753-43e0-B8FC-AC1667EBCBE1}">
-              <a14:hiddenEffects xmlns="" xmlns:a14="http://schemas.microsoft.com/office/drawing/2010/main">
+              <a14:hiddenEffects xmlns:a14="http://schemas.microsoft.com/office/drawing/2010/main" xmlns="">
                 <a:effectLst>
                   <a:outerShdw blurRad="63500" dist="38099" dir="2700000" algn="ctr" rotWithShape="0">
                     <a:schemeClr val="bg2">
@@ -18427,7 +18427,7 @@
           <a:effectLst/>
           <a:extLst>
             <a:ext uri="{AF507438-7753-43e0-B8FC-AC1667EBCBE1}">
-              <a14:hiddenEffects xmlns="" xmlns:a14="http://schemas.microsoft.com/office/drawing/2010/main">
+              <a14:hiddenEffects xmlns:a14="http://schemas.microsoft.com/office/drawing/2010/main" xmlns="">
                 <a:effectLst>
                   <a:outerShdw blurRad="63500" dist="38099" dir="2700000" algn="ctr" rotWithShape="0">
                     <a:schemeClr val="bg2">
@@ -18524,7 +18524,7 @@
           <a:effectLst/>
           <a:extLst>
             <a:ext uri="{AF507438-7753-43e0-B8FC-AC1667EBCBE1}">
-              <a14:hiddenEffects xmlns="" xmlns:a14="http://schemas.microsoft.com/office/drawing/2010/main">
+              <a14:hiddenEffects xmlns:a14="http://schemas.microsoft.com/office/drawing/2010/main" xmlns="">
                 <a:effectLst>
                   <a:outerShdw blurRad="63500" dist="38099" dir="2700000" algn="ctr" rotWithShape="0">
                     <a:schemeClr val="bg2">
@@ -18619,7 +18619,7 @@
           <a:effectLst/>
           <a:extLst>
             <a:ext uri="{AF507438-7753-43e0-B8FC-AC1667EBCBE1}">
-              <a14:hiddenEffects xmlns="" xmlns:a14="http://schemas.microsoft.com/office/drawing/2010/main">
+              <a14:hiddenEffects xmlns:a14="http://schemas.microsoft.com/office/drawing/2010/main" xmlns="">
                 <a:effectLst>
                   <a:outerShdw blurRad="63500" dist="38099" dir="2700000" algn="ctr" rotWithShape="0">
                     <a:schemeClr val="bg2">
@@ -18718,7 +18718,7 @@
           <a:effectLst/>
           <a:extLst>
             <a:ext uri="{AF507438-7753-43e0-B8FC-AC1667EBCBE1}">
-              <a14:hiddenEffects xmlns="" xmlns:a14="http://schemas.microsoft.com/office/drawing/2010/main">
+              <a14:hiddenEffects xmlns:a14="http://schemas.microsoft.com/office/drawing/2010/main" xmlns="">
                 <a:effectLst>
                   <a:outerShdw blurRad="63500" dist="38099" dir="2700000" algn="ctr" rotWithShape="0">
                     <a:schemeClr val="bg2">
@@ -18768,7 +18768,7 @@
           <a:effectLst/>
           <a:extLst>
             <a:ext uri="{AF507438-7753-43e0-B8FC-AC1667EBCBE1}">
-              <a14:hiddenEffects xmlns="" xmlns:a14="http://schemas.microsoft.com/office/drawing/2010/main">
+              <a14:hiddenEffects xmlns:a14="http://schemas.microsoft.com/office/drawing/2010/main" xmlns="">
                 <a:effectLst>
                   <a:outerShdw blurRad="63500" dist="38099" dir="2700000" algn="ctr" rotWithShape="0">
                     <a:schemeClr val="bg2">
@@ -18852,7 +18852,7 @@
           <a:effectLst/>
           <a:extLst>
             <a:ext uri="{AF507438-7753-43e0-B8FC-AC1667EBCBE1}">
-              <a14:hiddenEffects xmlns="" xmlns:a14="http://schemas.microsoft.com/office/drawing/2010/main">
+              <a14:hiddenEffects xmlns:a14="http://schemas.microsoft.com/office/drawing/2010/main" xmlns="">
                 <a:effectLst>
                   <a:outerShdw blurRad="63500" dist="38099" dir="2700000" algn="ctr" rotWithShape="0">
                     <a:schemeClr val="bg2">
@@ -18902,7 +18902,7 @@
           <a:effectLst/>
           <a:extLst>
             <a:ext uri="{AF507438-7753-43e0-B8FC-AC1667EBCBE1}">
-              <a14:hiddenEffects xmlns="" xmlns:a14="http://schemas.microsoft.com/office/drawing/2010/main">
+              <a14:hiddenEffects xmlns:a14="http://schemas.microsoft.com/office/drawing/2010/main" xmlns="">
                 <a:effectLst>
                   <a:outerShdw blurRad="63500" dist="38099" dir="2700000" algn="ctr" rotWithShape="0">
                     <a:schemeClr val="bg2">
@@ -18950,7 +18950,7 @@
           <a:effectLst/>
           <a:extLst>
             <a:ext uri="{AF507438-7753-43e0-B8FC-AC1667EBCBE1}">
-              <a14:hiddenEffects xmlns="" xmlns:a14="http://schemas.microsoft.com/office/drawing/2010/main">
+              <a14:hiddenEffects xmlns:a14="http://schemas.microsoft.com/office/drawing/2010/main" xmlns="">
                 <a:effectLst>
                   <a:outerShdw blurRad="63500" dist="38099" dir="2700000" algn="ctr" rotWithShape="0">
                     <a:schemeClr val="bg2">
@@ -19045,7 +19045,7 @@
           <a:effectLst/>
           <a:extLst>
             <a:ext uri="{AF507438-7753-43e0-B8FC-AC1667EBCBE1}">
-              <a14:hiddenEffects xmlns="" xmlns:a14="http://schemas.microsoft.com/office/drawing/2010/main">
+              <a14:hiddenEffects xmlns:a14="http://schemas.microsoft.com/office/drawing/2010/main" xmlns="">
                 <a:effectLst>
                   <a:outerShdw blurRad="63500" dist="38099" dir="2700000" algn="ctr" rotWithShape="0">
                     <a:schemeClr val="bg2">
@@ -19140,7 +19140,7 @@
           <a:effectLst/>
           <a:extLst>
             <a:ext uri="{AF507438-7753-43e0-B8FC-AC1667EBCBE1}">
-              <a14:hiddenEffects xmlns="" xmlns:a14="http://schemas.microsoft.com/office/drawing/2010/main">
+              <a14:hiddenEffects xmlns:a14="http://schemas.microsoft.com/office/drawing/2010/main" xmlns="">
                 <a:effectLst>
                   <a:outerShdw blurRad="63500" dist="38099" dir="2700000" algn="ctr" rotWithShape="0">
                     <a:schemeClr val="bg2">
@@ -19237,7 +19237,7 @@
           <a:effectLst/>
           <a:extLst>
             <a:ext uri="{AF507438-7753-43e0-B8FC-AC1667EBCBE1}">
-              <a14:hiddenEffects xmlns="" xmlns:a14="http://schemas.microsoft.com/office/drawing/2010/main">
+              <a14:hiddenEffects xmlns:a14="http://schemas.microsoft.com/office/drawing/2010/main" xmlns="">
                 <a:effectLst>
                   <a:outerShdw blurRad="63500" dist="38099" dir="2700000" algn="ctr" rotWithShape="0">
                     <a:schemeClr val="bg2">
@@ -19332,7 +19332,7 @@
           <a:effectLst/>
           <a:extLst>
             <a:ext uri="{AF507438-7753-43e0-B8FC-AC1667EBCBE1}">
-              <a14:hiddenEffects xmlns="" xmlns:a14="http://schemas.microsoft.com/office/drawing/2010/main">
+              <a14:hiddenEffects xmlns:a14="http://schemas.microsoft.com/office/drawing/2010/main" xmlns="">
                 <a:effectLst>
                   <a:outerShdw blurRad="63500" dist="38099" dir="2700000" algn="ctr" rotWithShape="0">
                     <a:schemeClr val="bg2">
@@ -19487,7 +19487,7 @@
           <a:effectLst/>
           <a:extLst>
             <a:ext uri="{AF507438-7753-43e0-B8FC-AC1667EBCBE1}">
-              <a14:hiddenEffects xmlns="" xmlns:a14="http://schemas.microsoft.com/office/drawing/2010/main">
+              <a14:hiddenEffects xmlns:a14="http://schemas.microsoft.com/office/drawing/2010/main" xmlns="">
                 <a:effectLst>
                   <a:outerShdw blurRad="63500" dist="38099" dir="2700000" algn="ctr" rotWithShape="0">
                     <a:schemeClr val="bg2">
@@ -20007,7 +20007,7 @@
           <a:effectLst/>
           <a:extLst>
             <a:ext uri="{AF507438-7753-43e0-B8FC-AC1667EBCBE1}">
-              <a14:hiddenEffects xmlns="" xmlns:a14="http://schemas.microsoft.com/office/drawing/2010/main">
+              <a14:hiddenEffects xmlns:a14="http://schemas.microsoft.com/office/drawing/2010/main" xmlns="">
                 <a:effectLst>
                   <a:outerShdw blurRad="63500" dist="38099" dir="2700000" algn="ctr" rotWithShape="0">
                     <a:schemeClr val="bg2">
@@ -20057,7 +20057,7 @@
           <a:effectLst/>
           <a:extLst>
             <a:ext uri="{AF507438-7753-43e0-B8FC-AC1667EBCBE1}">
-              <a14:hiddenEffects xmlns="" xmlns:a14="http://schemas.microsoft.com/office/drawing/2010/main">
+              <a14:hiddenEffects xmlns:a14="http://schemas.microsoft.com/office/drawing/2010/main" xmlns="">
                 <a:effectLst>
                   <a:outerShdw blurRad="63500" dist="38099" dir="2700000" algn="ctr" rotWithShape="0">
                     <a:schemeClr val="bg2">
@@ -20182,7 +20182,7 @@
           <a:effectLst/>
           <a:extLst>
             <a:ext uri="{AF507438-7753-43e0-B8FC-AC1667EBCBE1}">
-              <a14:hiddenEffects xmlns="" xmlns:a14="http://schemas.microsoft.com/office/drawing/2010/main">
+              <a14:hiddenEffects xmlns:a14="http://schemas.microsoft.com/office/drawing/2010/main" xmlns="">
                 <a:effectLst>
                   <a:outerShdw blurRad="63500" dist="38099" dir="2700000" algn="ctr" rotWithShape="0">
                     <a:schemeClr val="bg2">
@@ -20228,7 +20228,7 @@
           <a:effectLst/>
           <a:extLst>
             <a:ext uri="{AF507438-7753-43e0-B8FC-AC1667EBCBE1}">
-              <a14:hiddenEffects xmlns="" xmlns:a14="http://schemas.microsoft.com/office/drawing/2010/main">
+              <a14:hiddenEffects xmlns:a14="http://schemas.microsoft.com/office/drawing/2010/main" xmlns="">
                 <a:effectLst>
                   <a:outerShdw blurRad="63500" dist="38099" dir="2700000" algn="ctr" rotWithShape="0">
                     <a:schemeClr val="bg2">
@@ -20325,7 +20325,7 @@
           <a:effectLst/>
           <a:extLst>
             <a:ext uri="{AF507438-7753-43e0-B8FC-AC1667EBCBE1}">
-              <a14:hiddenEffects xmlns="" xmlns:a14="http://schemas.microsoft.com/office/drawing/2010/main">
+              <a14:hiddenEffects xmlns:a14="http://schemas.microsoft.com/office/drawing/2010/main" xmlns="">
                 <a:effectLst>
                   <a:outerShdw blurRad="63500" dist="38099" dir="2700000" algn="ctr" rotWithShape="0">
                     <a:schemeClr val="bg2">
@@ -20422,7 +20422,7 @@
           <a:effectLst/>
           <a:extLst>
             <a:ext uri="{AF507438-7753-43e0-B8FC-AC1667EBCBE1}">
-              <a14:hiddenEffects xmlns="" xmlns:a14="http://schemas.microsoft.com/office/drawing/2010/main">
+              <a14:hiddenEffects xmlns:a14="http://schemas.microsoft.com/office/drawing/2010/main" xmlns="">
                 <a:effectLst>
                   <a:outerShdw blurRad="63500" dist="38099" dir="2700000" algn="ctr" rotWithShape="0">
                     <a:schemeClr val="bg2">
@@ -20517,7 +20517,7 @@
           <a:effectLst/>
           <a:extLst>
             <a:ext uri="{AF507438-7753-43e0-B8FC-AC1667EBCBE1}">
-              <a14:hiddenEffects xmlns="" xmlns:a14="http://schemas.microsoft.com/office/drawing/2010/main">
+              <a14:hiddenEffects xmlns:a14="http://schemas.microsoft.com/office/drawing/2010/main" xmlns="">
                 <a:effectLst>
                   <a:outerShdw blurRad="63500" dist="38099" dir="2700000" algn="ctr" rotWithShape="0">
                     <a:schemeClr val="bg2">
@@ -20614,7 +20614,7 @@
           <a:effectLst/>
           <a:extLst>
             <a:ext uri="{AF507438-7753-43e0-B8FC-AC1667EBCBE1}">
-              <a14:hiddenEffects xmlns="" xmlns:a14="http://schemas.microsoft.com/office/drawing/2010/main">
+              <a14:hiddenEffects xmlns:a14="http://schemas.microsoft.com/office/drawing/2010/main" xmlns="">
                 <a:effectLst>
                   <a:outerShdw blurRad="63500" dist="38099" dir="2700000" algn="ctr" rotWithShape="0">
                     <a:schemeClr val="bg2">
@@ -20737,7 +20737,7 @@
             <a:effectLst/>
             <a:extLst>
               <a:ext uri="{AF507438-7753-43e0-B8FC-AC1667EBCBE1}">
-                <a14:hiddenEffects xmlns="" xmlns:a14="http://schemas.microsoft.com/office/drawing/2010/main">
+                <a14:hiddenEffects xmlns:a14="http://schemas.microsoft.com/office/drawing/2010/main" xmlns="">
                   <a:effectLst>
                     <a:outerShdw blurRad="63500" dist="38099" dir="2700000" algn="ctr" rotWithShape="0">
                       <a:schemeClr val="bg2">
@@ -20942,7 +20942,7 @@
           <a:effectLst/>
           <a:extLst>
             <a:ext uri="{AF507438-7753-43e0-B8FC-AC1667EBCBE1}">
-              <a14:hiddenEffects xmlns="" xmlns:a14="http://schemas.microsoft.com/office/drawing/2010/main">
+              <a14:hiddenEffects xmlns:a14="http://schemas.microsoft.com/office/drawing/2010/main" xmlns="">
                 <a:effectLst>
                   <a:outerShdw blurRad="63500" dist="38099" dir="2700000" algn="ctr" rotWithShape="0">
                     <a:schemeClr val="bg2">
@@ -21048,7 +21048,7 @@
             <a:effectLst/>
             <a:extLst>
               <a:ext uri="{AF507438-7753-43e0-B8FC-AC1667EBCBE1}">
-                <a14:hiddenEffects xmlns="" xmlns:a14="http://schemas.microsoft.com/office/drawing/2010/main">
+                <a14:hiddenEffects xmlns:a14="http://schemas.microsoft.com/office/drawing/2010/main" xmlns="">
                   <a:effectLst>
                     <a:outerShdw blurRad="63500" dist="38099" dir="2700000" algn="ctr" rotWithShape="0">
                       <a:schemeClr val="bg2">
@@ -21189,7 +21189,7 @@
             <a:effectLst/>
             <a:extLst>
               <a:ext uri="{AF507438-7753-43e0-B8FC-AC1667EBCBE1}">
-                <a14:hiddenEffects xmlns="" xmlns:a14="http://schemas.microsoft.com/office/drawing/2010/main">
+                <a14:hiddenEffects xmlns:a14="http://schemas.microsoft.com/office/drawing/2010/main" xmlns="">
                   <a:effectLst>
                     <a:outerShdw blurRad="63500" dist="38099" dir="2700000" algn="ctr" rotWithShape="0">
                       <a:schemeClr val="bg2">
@@ -21295,7 +21295,7 @@
               <a:effectLst/>
               <a:extLst>
                 <a:ext uri="{AF507438-7753-43e0-B8FC-AC1667EBCBE1}">
-                  <a14:hiddenEffects xmlns="" xmlns:a14="http://schemas.microsoft.com/office/drawing/2010/main">
+                  <a14:hiddenEffects xmlns:a14="http://schemas.microsoft.com/office/drawing/2010/main" xmlns="">
                     <a:effectLst>
                       <a:outerShdw blurRad="63500" dist="38099" dir="2700000" algn="ctr" rotWithShape="0">
                         <a:schemeClr val="bg2">
@@ -21423,7 +21423,7 @@
           <a:effectLst/>
           <a:extLst>
             <a:ext uri="{AF507438-7753-43e0-B8FC-AC1667EBCBE1}">
-              <a14:hiddenEffects xmlns="" xmlns:a14="http://schemas.microsoft.com/office/drawing/2010/main">
+              <a14:hiddenEffects xmlns:a14="http://schemas.microsoft.com/office/drawing/2010/main" xmlns="">
                 <a:effectLst>
                   <a:outerShdw blurRad="63500" dist="38099" dir="2700000" algn="ctr" rotWithShape="0">
                     <a:schemeClr val="bg2">
@@ -22053,7 +22053,7 @@
           <a:effectLst/>
           <a:extLst>
             <a:ext uri="{AF507438-7753-43e0-B8FC-AC1667EBCBE1}">
-              <a14:hiddenEffects xmlns="" xmlns:a14="http://schemas.microsoft.com/office/drawing/2010/main">
+              <a14:hiddenEffects xmlns:a14="http://schemas.microsoft.com/office/drawing/2010/main" xmlns="">
                 <a:effectLst>
                   <a:outerShdw blurRad="63500" dist="38099" dir="2700000" algn="ctr" rotWithShape="0">
                     <a:schemeClr val="bg2">
@@ -22103,7 +22103,7 @@
           <a:effectLst/>
           <a:extLst>
             <a:ext uri="{AF507438-7753-43e0-B8FC-AC1667EBCBE1}">
-              <a14:hiddenEffects xmlns="" xmlns:a14="http://schemas.microsoft.com/office/drawing/2010/main">
+              <a14:hiddenEffects xmlns:a14="http://schemas.microsoft.com/office/drawing/2010/main" xmlns="">
                 <a:effectLst>
                   <a:outerShdw blurRad="63500" dist="38099" dir="2700000" algn="ctr" rotWithShape="0">
                     <a:schemeClr val="bg2">
@@ -22153,7 +22153,7 @@
           <a:effectLst/>
           <a:extLst>
             <a:ext uri="{AF507438-7753-43e0-B8FC-AC1667EBCBE1}">
-              <a14:hiddenEffects xmlns="" xmlns:a14="http://schemas.microsoft.com/office/drawing/2010/main">
+              <a14:hiddenEffects xmlns:a14="http://schemas.microsoft.com/office/drawing/2010/main" xmlns="">
                 <a:effectLst>
                   <a:outerShdw blurRad="63500" dist="38099" dir="2700000" algn="ctr" rotWithShape="0">
                     <a:schemeClr val="bg2">
@@ -22203,7 +22203,7 @@
           <a:effectLst/>
           <a:extLst>
             <a:ext uri="{AF507438-7753-43e0-B8FC-AC1667EBCBE1}">
-              <a14:hiddenEffects xmlns="" xmlns:a14="http://schemas.microsoft.com/office/drawing/2010/main">
+              <a14:hiddenEffects xmlns:a14="http://schemas.microsoft.com/office/drawing/2010/main" xmlns="">
                 <a:effectLst>
                   <a:outerShdw blurRad="63500" dist="38099" dir="2700000" algn="ctr" rotWithShape="0">
                     <a:schemeClr val="bg2">
@@ -22253,7 +22253,7 @@
           <a:effectLst/>
           <a:extLst>
             <a:ext uri="{AF507438-7753-43e0-B8FC-AC1667EBCBE1}">
-              <a14:hiddenEffects xmlns="" xmlns:a14="http://schemas.microsoft.com/office/drawing/2010/main">
+              <a14:hiddenEffects xmlns:a14="http://schemas.microsoft.com/office/drawing/2010/main" xmlns="">
                 <a:effectLst>
                   <a:outerShdw blurRad="63500" dist="38099" dir="2700000" algn="ctr" rotWithShape="0">
                     <a:schemeClr val="bg2">
@@ -22375,7 +22375,7 @@
           <a:effectLst/>
           <a:extLst>
             <a:ext uri="{AF507438-7753-43e0-B8FC-AC1667EBCBE1}">
-              <a14:hiddenEffects xmlns="" xmlns:a14="http://schemas.microsoft.com/office/drawing/2010/main">
+              <a14:hiddenEffects xmlns:a14="http://schemas.microsoft.com/office/drawing/2010/main" xmlns="">
                 <a:effectLst>
                   <a:outerShdw blurRad="63500" dist="38099" dir="2700000" algn="ctr" rotWithShape="0">
                     <a:schemeClr val="bg2">
@@ -22470,7 +22470,7 @@
           <a:effectLst/>
           <a:extLst>
             <a:ext uri="{AF507438-7753-43e0-B8FC-AC1667EBCBE1}">
-              <a14:hiddenEffects xmlns="" xmlns:a14="http://schemas.microsoft.com/office/drawing/2010/main">
+              <a14:hiddenEffects xmlns:a14="http://schemas.microsoft.com/office/drawing/2010/main" xmlns="">
                 <a:effectLst>
                   <a:outerShdw blurRad="63500" dist="38099" dir="2700000" algn="ctr" rotWithShape="0">
                     <a:schemeClr val="bg2">
@@ -22565,7 +22565,7 @@
           <a:effectLst/>
           <a:extLst>
             <a:ext uri="{AF507438-7753-43e0-B8FC-AC1667EBCBE1}">
-              <a14:hiddenEffects xmlns="" xmlns:a14="http://schemas.microsoft.com/office/drawing/2010/main">
+              <a14:hiddenEffects xmlns:a14="http://schemas.microsoft.com/office/drawing/2010/main" xmlns="">
                 <a:effectLst>
                   <a:outerShdw blurRad="63500" dist="38099" dir="2700000" algn="ctr" rotWithShape="0">
                     <a:schemeClr val="bg2">
@@ -22662,7 +22662,7 @@
           <a:effectLst/>
           <a:extLst>
             <a:ext uri="{AF507438-7753-43e0-B8FC-AC1667EBCBE1}">
-              <a14:hiddenEffects xmlns="" xmlns:a14="http://schemas.microsoft.com/office/drawing/2010/main">
+              <a14:hiddenEffects xmlns:a14="http://schemas.microsoft.com/office/drawing/2010/main" xmlns="">
                 <a:effectLst>
                   <a:outerShdw blurRad="63500" dist="38099" dir="2700000" algn="ctr" rotWithShape="0">
                     <a:schemeClr val="bg2">
@@ -22759,7 +22759,7 @@
           <a:effectLst/>
           <a:extLst>
             <a:ext uri="{AF507438-7753-43e0-B8FC-AC1667EBCBE1}">
-              <a14:hiddenEffects xmlns="" xmlns:a14="http://schemas.microsoft.com/office/drawing/2010/main">
+              <a14:hiddenEffects xmlns:a14="http://schemas.microsoft.com/office/drawing/2010/main" xmlns="">
                 <a:effectLst>
                   <a:outerShdw blurRad="63500" dist="38099" dir="2700000" algn="ctr" rotWithShape="0">
                     <a:schemeClr val="bg2">
@@ -22854,7 +22854,7 @@
           <a:effectLst/>
           <a:extLst>
             <a:ext uri="{AF507438-7753-43e0-B8FC-AC1667EBCBE1}">
-              <a14:hiddenEffects xmlns="" xmlns:a14="http://schemas.microsoft.com/office/drawing/2010/main">
+              <a14:hiddenEffects xmlns:a14="http://schemas.microsoft.com/office/drawing/2010/main" xmlns="">
                 <a:effectLst>
                   <a:outerShdw blurRad="63500" dist="38099" dir="2700000" algn="ctr" rotWithShape="0">
                     <a:schemeClr val="bg2">
@@ -23060,7 +23060,7 @@
           <a:effectLst/>
           <a:extLst>
             <a:ext uri="{AF507438-7753-43e0-B8FC-AC1667EBCBE1}">
-              <a14:hiddenEffects xmlns="" xmlns:a14="http://schemas.microsoft.com/office/drawing/2010/main">
+              <a14:hiddenEffects xmlns:a14="http://schemas.microsoft.com/office/drawing/2010/main" xmlns="">
                 <a:effectLst>
                   <a:outerShdw blurRad="63500" dist="38099" dir="2700000" algn="ctr" rotWithShape="0">
                     <a:schemeClr val="bg2">
@@ -23157,7 +23157,7 @@
           <a:effectLst/>
           <a:extLst>
             <a:ext uri="{AF507438-7753-43e0-B8FC-AC1667EBCBE1}">
-              <a14:hiddenEffects xmlns="" xmlns:a14="http://schemas.microsoft.com/office/drawing/2010/main">
+              <a14:hiddenEffects xmlns:a14="http://schemas.microsoft.com/office/drawing/2010/main" xmlns="">
                 <a:effectLst>
                   <a:outerShdw blurRad="63500" dist="38099" dir="2700000" algn="ctr" rotWithShape="0">
                     <a:schemeClr val="bg2">
@@ -23252,7 +23252,7 @@
           <a:effectLst/>
           <a:extLst>
             <a:ext uri="{AF507438-7753-43e0-B8FC-AC1667EBCBE1}">
-              <a14:hiddenEffects xmlns="" xmlns:a14="http://schemas.microsoft.com/office/drawing/2010/main">
+              <a14:hiddenEffects xmlns:a14="http://schemas.microsoft.com/office/drawing/2010/main" xmlns="">
                 <a:effectLst>
                   <a:outerShdw blurRad="63500" dist="38099" dir="2700000" algn="ctr" rotWithShape="0">
                     <a:schemeClr val="bg2">
@@ -23336,7 +23336,7 @@
           <a:effectLst/>
           <a:extLst>
             <a:ext uri="{AF507438-7753-43e0-B8FC-AC1667EBCBE1}">
-              <a14:hiddenEffects xmlns="" xmlns:a14="http://schemas.microsoft.com/office/drawing/2010/main">
+              <a14:hiddenEffects xmlns:a14="http://schemas.microsoft.com/office/drawing/2010/main" xmlns="">
                 <a:effectLst>
                   <a:outerShdw blurRad="63500" dist="38099" dir="2700000" algn="ctr" rotWithShape="0">
                     <a:schemeClr val="bg2">
@@ -23422,7 +23422,7 @@
           <a:effectLst/>
           <a:extLst>
             <a:ext uri="{AF507438-7753-43e0-B8FC-AC1667EBCBE1}">
-              <a14:hiddenEffects xmlns="" xmlns:a14="http://schemas.microsoft.com/office/drawing/2010/main">
+              <a14:hiddenEffects xmlns:a14="http://schemas.microsoft.com/office/drawing/2010/main" xmlns="">
                 <a:effectLst>
                   <a:outerShdw blurRad="63500" dist="38099" dir="2700000" algn="ctr" rotWithShape="0">
                     <a:schemeClr val="bg2">
@@ -23523,7 +23523,7 @@
           <a:effectLst/>
           <a:extLst>
             <a:ext uri="{AF507438-7753-43e0-B8FC-AC1667EBCBE1}">
-              <a14:hiddenEffects xmlns="" xmlns:a14="http://schemas.microsoft.com/office/drawing/2010/main">
+              <a14:hiddenEffects xmlns:a14="http://schemas.microsoft.com/office/drawing/2010/main" xmlns="">
                 <a:effectLst>
                   <a:outerShdw blurRad="63500" dist="38099" dir="2700000" algn="ctr" rotWithShape="0">
                     <a:schemeClr val="bg2">
@@ -23609,7 +23609,7 @@
           <a:effectLst/>
           <a:extLst>
             <a:ext uri="{AF507438-7753-43e0-B8FC-AC1667EBCBE1}">
-              <a14:hiddenEffects xmlns="" xmlns:a14="http://schemas.microsoft.com/office/drawing/2010/main">
+              <a14:hiddenEffects xmlns:a14="http://schemas.microsoft.com/office/drawing/2010/main" xmlns="">
                 <a:effectLst>
                   <a:outerShdw blurRad="63500" dist="38099" dir="2700000" algn="ctr" rotWithShape="0">
                     <a:schemeClr val="bg2">
@@ -23698,7 +23698,7 @@
           <a:effectLst/>
           <a:extLst>
             <a:ext uri="{AF507438-7753-43e0-B8FC-AC1667EBCBE1}">
-              <a14:hiddenEffects xmlns="" xmlns:a14="http://schemas.microsoft.com/office/drawing/2010/main">
+              <a14:hiddenEffects xmlns:a14="http://schemas.microsoft.com/office/drawing/2010/main" xmlns="">
                 <a:effectLst>
                   <a:outerShdw blurRad="63500" dist="38099" dir="2700000" algn="ctr" rotWithShape="0">
                     <a:schemeClr val="bg2">
@@ -23749,7 +23749,7 @@
           <a:effectLst/>
           <a:extLst>
             <a:ext uri="{AF507438-7753-43e0-B8FC-AC1667EBCBE1}">
-              <a14:hiddenEffects xmlns="" xmlns:a14="http://schemas.microsoft.com/office/drawing/2010/main">
+              <a14:hiddenEffects xmlns:a14="http://schemas.microsoft.com/office/drawing/2010/main" xmlns="">
                 <a:effectLst>
                   <a:outerShdw blurRad="63500" dist="38099" dir="2700000" algn="ctr" rotWithShape="0">
                     <a:schemeClr val="bg2">
@@ -25041,7 +25041,7 @@
           <a:effectLst/>
           <a:extLst>
             <a:ext uri="{AF507438-7753-43e0-B8FC-AC1667EBCBE1}">
-              <a14:hiddenEffects xmlns="" xmlns:a14="http://schemas.microsoft.com/office/drawing/2010/main">
+              <a14:hiddenEffects xmlns:a14="http://schemas.microsoft.com/office/drawing/2010/main" xmlns="">
                 <a:effectLst>
                   <a:outerShdw blurRad="63500" dist="38099" dir="2700000" algn="ctr" rotWithShape="0">
                     <a:schemeClr val="bg2">
@@ -25191,7 +25191,7 @@
           <a:effectLst/>
           <a:extLst>
             <a:ext uri="{AF507438-7753-43e0-B8FC-AC1667EBCBE1}">
-              <a14:hiddenEffects xmlns="" xmlns:a14="http://schemas.microsoft.com/office/drawing/2010/main">
+              <a14:hiddenEffects xmlns:a14="http://schemas.microsoft.com/office/drawing/2010/main" xmlns="">
                 <a:effectLst>
                   <a:outerShdw blurRad="63500" dist="38099" dir="2700000" algn="ctr" rotWithShape="0">
                     <a:schemeClr val="bg2">
@@ -25279,7 +25279,7 @@
           <a:effectLst/>
           <a:extLst>
             <a:ext uri="{AF507438-7753-43e0-B8FC-AC1667EBCBE1}">
-              <a14:hiddenEffects xmlns="" xmlns:a14="http://schemas.microsoft.com/office/drawing/2010/main">
+              <a14:hiddenEffects xmlns:a14="http://schemas.microsoft.com/office/drawing/2010/main" xmlns="">
                 <a:effectLst>
                   <a:outerShdw blurRad="63500" dist="38099" dir="2700000" algn="ctr" rotWithShape="0">
                     <a:schemeClr val="bg2">
@@ -25325,7 +25325,7 @@
           <a:effectLst/>
           <a:extLst>
             <a:ext uri="{AF507438-7753-43e0-B8FC-AC1667EBCBE1}">
-              <a14:hiddenEffects xmlns="" xmlns:a14="http://schemas.microsoft.com/office/drawing/2010/main">
+              <a14:hiddenEffects xmlns:a14="http://schemas.microsoft.com/office/drawing/2010/main" xmlns="">
                 <a:effectLst>
                   <a:outerShdw blurRad="63500" dist="38099" dir="2700000" algn="ctr" rotWithShape="0">
                     <a:schemeClr val="bg2">
@@ -25422,7 +25422,7 @@
           <a:effectLst/>
           <a:extLst>
             <a:ext uri="{AF507438-7753-43e0-B8FC-AC1667EBCBE1}">
-              <a14:hiddenEffects xmlns="" xmlns:a14="http://schemas.microsoft.com/office/drawing/2010/main">
+              <a14:hiddenEffects xmlns:a14="http://schemas.microsoft.com/office/drawing/2010/main" xmlns="">
                 <a:effectLst>
                   <a:outerShdw blurRad="63500" dist="38099" dir="2700000" algn="ctr" rotWithShape="0">
                     <a:schemeClr val="bg2">
@@ -25537,7 +25537,7 @@
             <a:effectLst/>
             <a:extLst>
               <a:ext uri="{AF507438-7753-43e0-B8FC-AC1667EBCBE1}">
-                <a14:hiddenEffects xmlns="" xmlns:a14="http://schemas.microsoft.com/office/drawing/2010/main">
+                <a14:hiddenEffects xmlns:a14="http://schemas.microsoft.com/office/drawing/2010/main" xmlns="">
                   <a:effectLst>
                     <a:outerShdw blurRad="63500" dist="38099" dir="2700000" algn="ctr" rotWithShape="0">
                       <a:schemeClr val="bg2">
@@ -25624,7 +25624,7 @@
             <a:effectLst/>
             <a:extLst>
               <a:ext uri="{AF507438-7753-43e0-B8FC-AC1667EBCBE1}">
-                <a14:hiddenEffects xmlns="" xmlns:a14="http://schemas.microsoft.com/office/drawing/2010/main">
+                <a14:hiddenEffects xmlns:a14="http://schemas.microsoft.com/office/drawing/2010/main" xmlns="">
                   <a:effectLst>
                     <a:outerShdw blurRad="63500" dist="38099" dir="2700000" algn="ctr" rotWithShape="0">
                       <a:schemeClr val="bg2">
@@ -25731,7 +25731,7 @@
               <a:effectLst/>
               <a:extLst>
                 <a:ext uri="{AF507438-7753-43e0-B8FC-AC1667EBCBE1}">
-                  <a14:hiddenEffects xmlns="" xmlns:a14="http://schemas.microsoft.com/office/drawing/2010/main">
+                  <a14:hiddenEffects xmlns:a14="http://schemas.microsoft.com/office/drawing/2010/main" xmlns="">
                     <a:effectLst>
                       <a:outerShdw blurRad="63500" dist="38099" dir="2700000" algn="ctr" rotWithShape="0">
                         <a:schemeClr val="bg2">
@@ -25852,7 +25852,7 @@
             <a:effectLst/>
             <a:extLst>
               <a:ext uri="{AF507438-7753-43e0-B8FC-AC1667EBCBE1}">
-                <a14:hiddenEffects xmlns="" xmlns:a14="http://schemas.microsoft.com/office/drawing/2010/main">
+                <a14:hiddenEffects xmlns:a14="http://schemas.microsoft.com/office/drawing/2010/main" xmlns="">
                   <a:effectLst>
                     <a:outerShdw blurRad="63500" dist="38099" dir="2700000" algn="ctr" rotWithShape="0">
                       <a:schemeClr val="bg2">
@@ -25959,7 +25959,7 @@
             <a:effectLst/>
             <a:extLst>
               <a:ext uri="{AF507438-7753-43e0-B8FC-AC1667EBCBE1}">
-                <a14:hiddenEffects xmlns="" xmlns:a14="http://schemas.microsoft.com/office/drawing/2010/main">
+                <a14:hiddenEffects xmlns:a14="http://schemas.microsoft.com/office/drawing/2010/main" xmlns="">
                   <a:effectLst>
                     <a:outerShdw blurRad="63500" dist="38099" dir="2700000" algn="ctr" rotWithShape="0">
                       <a:schemeClr val="bg2">
@@ -26105,7 +26105,7 @@
           <a:effectLst/>
           <a:extLst>
             <a:ext uri="{AF507438-7753-43e0-B8FC-AC1667EBCBE1}">
-              <a14:hiddenEffects xmlns="" xmlns:a14="http://schemas.microsoft.com/office/drawing/2010/main">
+              <a14:hiddenEffects xmlns:a14="http://schemas.microsoft.com/office/drawing/2010/main" xmlns="">
                 <a:effectLst>
                   <a:outerShdw blurRad="63500" dist="38099" dir="2700000" algn="ctr" rotWithShape="0">
                     <a:schemeClr val="bg2">
@@ -26188,7 +26188,7 @@
           <a:effectLst/>
           <a:extLst>
             <a:ext uri="{AF507438-7753-43e0-B8FC-AC1667EBCBE1}">
-              <a14:hiddenEffects xmlns="" xmlns:a14="http://schemas.microsoft.com/office/drawing/2010/main">
+              <a14:hiddenEffects xmlns:a14="http://schemas.microsoft.com/office/drawing/2010/main" xmlns="">
                 <a:effectLst>
                   <a:outerShdw blurRad="63500" dist="38099" dir="2700000" algn="ctr" rotWithShape="0">
                     <a:schemeClr val="bg2">
@@ -26285,7 +26285,7 @@
           <a:effectLst/>
           <a:extLst>
             <a:ext uri="{AF507438-7753-43e0-B8FC-AC1667EBCBE1}">
-              <a14:hiddenEffects xmlns="" xmlns:a14="http://schemas.microsoft.com/office/drawing/2010/main">
+              <a14:hiddenEffects xmlns:a14="http://schemas.microsoft.com/office/drawing/2010/main" xmlns="">
                 <a:effectLst>
                   <a:outerShdw blurRad="63500" dist="38099" dir="2700000" algn="ctr" rotWithShape="0">
                     <a:schemeClr val="bg2">
@@ -26388,7 +26388,7 @@
           <a:effectLst/>
           <a:extLst>
             <a:ext uri="{AF507438-7753-43e0-B8FC-AC1667EBCBE1}">
-              <a14:hiddenEffects xmlns="" xmlns:a14="http://schemas.microsoft.com/office/drawing/2010/main">
+              <a14:hiddenEffects xmlns:a14="http://schemas.microsoft.com/office/drawing/2010/main" xmlns="">
                 <a:effectLst>
                   <a:outerShdw blurRad="63500" dist="38099" dir="2700000" algn="ctr" rotWithShape="0">
                     <a:schemeClr val="bg2">
@@ -26476,7 +26476,7 @@
           <a:effectLst/>
           <a:extLst>
             <a:ext uri="{AF507438-7753-43e0-B8FC-AC1667EBCBE1}">
-              <a14:hiddenEffects xmlns="" xmlns:a14="http://schemas.microsoft.com/office/drawing/2010/main">
+              <a14:hiddenEffects xmlns:a14="http://schemas.microsoft.com/office/drawing/2010/main" xmlns="">
                 <a:effectLst>
                   <a:outerShdw blurRad="63500" dist="38099" dir="2700000" algn="ctr" rotWithShape="0">
                     <a:schemeClr val="bg2">
@@ -26522,7 +26522,7 @@
           <a:effectLst/>
           <a:extLst>
             <a:ext uri="{AF507438-7753-43e0-B8FC-AC1667EBCBE1}">
-              <a14:hiddenEffects xmlns="" xmlns:a14="http://schemas.microsoft.com/office/drawing/2010/main">
+              <a14:hiddenEffects xmlns:a14="http://schemas.microsoft.com/office/drawing/2010/main" xmlns="">
                 <a:effectLst>
                   <a:outerShdw blurRad="63500" dist="38099" dir="2700000" algn="ctr" rotWithShape="0">
                     <a:schemeClr val="bg2">
@@ -26619,7 +26619,7 @@
           <a:effectLst/>
           <a:extLst>
             <a:ext uri="{AF507438-7753-43e0-B8FC-AC1667EBCBE1}">
-              <a14:hiddenEffects xmlns="" xmlns:a14="http://schemas.microsoft.com/office/drawing/2010/main">
+              <a14:hiddenEffects xmlns:a14="http://schemas.microsoft.com/office/drawing/2010/main" xmlns="">
                 <a:effectLst>
                   <a:outerShdw blurRad="63500" dist="38099" dir="2700000" algn="ctr" rotWithShape="0">
                     <a:schemeClr val="bg2">
@@ -26718,7 +26718,7 @@
           <a:effectLst/>
           <a:extLst>
             <a:ext uri="{AF507438-7753-43e0-B8FC-AC1667EBCBE1}">
-              <a14:hiddenEffects xmlns="" xmlns:a14="http://schemas.microsoft.com/office/drawing/2010/main">
+              <a14:hiddenEffects xmlns:a14="http://schemas.microsoft.com/office/drawing/2010/main" xmlns="">
                 <a:effectLst>
                   <a:outerShdw blurRad="63500" dist="38099" dir="2700000" algn="ctr" rotWithShape="0">
                     <a:schemeClr val="bg2">
@@ -26801,7 +26801,7 @@
           <a:effectLst/>
           <a:extLst>
             <a:ext uri="{AF507438-7753-43e0-B8FC-AC1667EBCBE1}">
-              <a14:hiddenEffects xmlns="" xmlns:a14="http://schemas.microsoft.com/office/drawing/2010/main">
+              <a14:hiddenEffects xmlns:a14="http://schemas.microsoft.com/office/drawing/2010/main" xmlns="">
                 <a:effectLst>
                   <a:outerShdw blurRad="63500" dist="38099" dir="2700000" algn="ctr" rotWithShape="0">
                     <a:schemeClr val="bg2">
@@ -26898,7 +26898,7 @@
           <a:effectLst/>
           <a:extLst>
             <a:ext uri="{AF507438-7753-43e0-B8FC-AC1667EBCBE1}">
-              <a14:hiddenEffects xmlns="" xmlns:a14="http://schemas.microsoft.com/office/drawing/2010/main">
+              <a14:hiddenEffects xmlns:a14="http://schemas.microsoft.com/office/drawing/2010/main" xmlns="">
                 <a:effectLst>
                   <a:outerShdw blurRad="63500" dist="38099" dir="2700000" algn="ctr" rotWithShape="0">
                     <a:schemeClr val="bg2">
@@ -26999,7 +26999,7 @@
           <a:effectLst/>
           <a:extLst>
             <a:ext uri="{AF507438-7753-43e0-B8FC-AC1667EBCBE1}">
-              <a14:hiddenEffects xmlns="" xmlns:a14="http://schemas.microsoft.com/office/drawing/2010/main">
+              <a14:hiddenEffects xmlns:a14="http://schemas.microsoft.com/office/drawing/2010/main" xmlns="">
                 <a:effectLst>
                   <a:outerShdw blurRad="63500" dist="38099" dir="2700000" algn="ctr" rotWithShape="0">
                     <a:schemeClr val="bg2">
@@ -27085,7 +27085,7 @@
           <a:effectLst/>
           <a:extLst>
             <a:ext uri="{AF507438-7753-43e0-B8FC-AC1667EBCBE1}">
-              <a14:hiddenEffects xmlns="" xmlns:a14="http://schemas.microsoft.com/office/drawing/2010/main">
+              <a14:hiddenEffects xmlns:a14="http://schemas.microsoft.com/office/drawing/2010/main" xmlns="">
                 <a:effectLst>
                   <a:outerShdw blurRad="63500" dist="38099" dir="2700000" algn="ctr" rotWithShape="0">
                     <a:schemeClr val="bg2">
@@ -27184,7 +27184,7 @@
           <a:effectLst/>
           <a:extLst>
             <a:ext uri="{AF507438-7753-43e0-B8FC-AC1667EBCBE1}">
-              <a14:hiddenEffects xmlns="" xmlns:a14="http://schemas.microsoft.com/office/drawing/2010/main">
+              <a14:hiddenEffects xmlns:a14="http://schemas.microsoft.com/office/drawing/2010/main" xmlns="">
                 <a:effectLst>
                   <a:outerShdw blurRad="63500" dist="38099" dir="2700000" algn="ctr" rotWithShape="0">
                     <a:schemeClr val="bg2">
@@ -28137,7 +28137,7 @@
           <a:effectLst/>
           <a:extLst>
             <a:ext uri="{AF507438-7753-43e0-B8FC-AC1667EBCBE1}">
-              <a14:hiddenEffects xmlns="" xmlns:a14="http://schemas.microsoft.com/office/drawing/2010/main">
+              <a14:hiddenEffects xmlns:a14="http://schemas.microsoft.com/office/drawing/2010/main" xmlns="">
                 <a:effectLst>
                   <a:outerShdw blurRad="63500" dist="38099" dir="2700000" algn="ctr" rotWithShape="0">
                     <a:schemeClr val="bg2">
@@ -28225,7 +28225,7 @@
           <a:effectLst/>
           <a:extLst>
             <a:ext uri="{AF507438-7753-43e0-B8FC-AC1667EBCBE1}">
-              <a14:hiddenEffects xmlns="" xmlns:a14="http://schemas.microsoft.com/office/drawing/2010/main">
+              <a14:hiddenEffects xmlns:a14="http://schemas.microsoft.com/office/drawing/2010/main" xmlns="">
                 <a:effectLst>
                   <a:outerShdw blurRad="63500" dist="38099" dir="2700000" algn="ctr" rotWithShape="0">
                     <a:schemeClr val="bg2">
@@ -28271,7 +28271,7 @@
           <a:effectLst/>
           <a:extLst>
             <a:ext uri="{AF507438-7753-43e0-B8FC-AC1667EBCBE1}">
-              <a14:hiddenEffects xmlns="" xmlns:a14="http://schemas.microsoft.com/office/drawing/2010/main">
+              <a14:hiddenEffects xmlns:a14="http://schemas.microsoft.com/office/drawing/2010/main" xmlns="">
                 <a:effectLst>
                   <a:outerShdw blurRad="63500" dist="38099" dir="2700000" algn="ctr" rotWithShape="0">
                     <a:schemeClr val="bg2">
@@ -28368,7 +28368,7 @@
           <a:effectLst/>
           <a:extLst>
             <a:ext uri="{AF507438-7753-43e0-B8FC-AC1667EBCBE1}">
-              <a14:hiddenEffects xmlns="" xmlns:a14="http://schemas.microsoft.com/office/drawing/2010/main">
+              <a14:hiddenEffects xmlns:a14="http://schemas.microsoft.com/office/drawing/2010/main" xmlns="">
                 <a:effectLst>
                   <a:outerShdw blurRad="63500" dist="38099" dir="2700000" algn="ctr" rotWithShape="0">
                     <a:schemeClr val="bg2">
@@ -28467,7 +28467,7 @@
           <a:effectLst/>
           <a:extLst>
             <a:ext uri="{AF507438-7753-43e0-B8FC-AC1667EBCBE1}">
-              <a14:hiddenEffects xmlns="" xmlns:a14="http://schemas.microsoft.com/office/drawing/2010/main">
+              <a14:hiddenEffects xmlns:a14="http://schemas.microsoft.com/office/drawing/2010/main" xmlns="">
                 <a:effectLst>
                   <a:outerShdw blurRad="63500" dist="38099" dir="2700000" algn="ctr" rotWithShape="0">
                     <a:schemeClr val="bg2">
@@ -28550,7 +28550,7 @@
           <a:effectLst/>
           <a:extLst>
             <a:ext uri="{AF507438-7753-43e0-B8FC-AC1667EBCBE1}">
-              <a14:hiddenEffects xmlns="" xmlns:a14="http://schemas.microsoft.com/office/drawing/2010/main">
+              <a14:hiddenEffects xmlns:a14="http://schemas.microsoft.com/office/drawing/2010/main" xmlns="">
                 <a:effectLst>
                   <a:outerShdw blurRad="63500" dist="38099" dir="2700000" algn="ctr" rotWithShape="0">
                     <a:schemeClr val="bg2">
@@ -28647,7 +28647,7 @@
           <a:effectLst/>
           <a:extLst>
             <a:ext uri="{AF507438-7753-43e0-B8FC-AC1667EBCBE1}">
-              <a14:hiddenEffects xmlns="" xmlns:a14="http://schemas.microsoft.com/office/drawing/2010/main">
+              <a14:hiddenEffects xmlns:a14="http://schemas.microsoft.com/office/drawing/2010/main" xmlns="">
                 <a:effectLst>
                   <a:outerShdw blurRad="63500" dist="38099" dir="2700000" algn="ctr" rotWithShape="0">
                     <a:schemeClr val="bg2">
@@ -29584,7 +29584,7 @@
           <a:effectLst/>
           <a:extLst>
             <a:ext uri="{AF507438-7753-43e0-B8FC-AC1667EBCBE1}">
-              <a14:hiddenEffects xmlns="" xmlns:a14="http://schemas.microsoft.com/office/drawing/2010/main">
+              <a14:hiddenEffects xmlns:a14="http://schemas.microsoft.com/office/drawing/2010/main" xmlns="">
                 <a:effectLst>
                   <a:outerShdw blurRad="63500" dist="38099" dir="2700000" algn="ctr" rotWithShape="0">
                     <a:schemeClr val="bg2">
@@ -29632,7 +29632,7 @@
           <a:effectLst/>
           <a:extLst>
             <a:ext uri="{AF507438-7753-43e0-B8FC-AC1667EBCBE1}">
-              <a14:hiddenEffects xmlns="" xmlns:a14="http://schemas.microsoft.com/office/drawing/2010/main">
+              <a14:hiddenEffects xmlns:a14="http://schemas.microsoft.com/office/drawing/2010/main" xmlns="">
                 <a:effectLst>
                   <a:outerShdw blurRad="63500" dist="38099" dir="2700000" algn="ctr" rotWithShape="0">
                     <a:schemeClr val="bg2">
@@ -29813,7 +29813,7 @@
           <a:effectLst/>
           <a:extLst>
             <a:ext uri="{AF507438-7753-43e0-B8FC-AC1667EBCBE1}">
-              <a14:hiddenEffects xmlns="" xmlns:a14="http://schemas.microsoft.com/office/drawing/2010/main">
+              <a14:hiddenEffects xmlns:a14="http://schemas.microsoft.com/office/drawing/2010/main" xmlns="">
                 <a:effectLst>
                   <a:outerShdw blurRad="63500" dist="38099" dir="2700000" algn="ctr" rotWithShape="0">
                     <a:schemeClr val="bg2">
@@ -29901,7 +29901,7 @@
           <a:effectLst/>
           <a:extLst>
             <a:ext uri="{AF507438-7753-43e0-B8FC-AC1667EBCBE1}">
-              <a14:hiddenEffects xmlns="" xmlns:a14="http://schemas.microsoft.com/office/drawing/2010/main">
+              <a14:hiddenEffects xmlns:a14="http://schemas.microsoft.com/office/drawing/2010/main" xmlns="">
                 <a:effectLst>
                   <a:outerShdw blurRad="63500" dist="38099" dir="2700000" algn="ctr" rotWithShape="0">
                     <a:schemeClr val="bg2">
@@ -29988,7 +29988,7 @@
           <a:effectLst/>
           <a:extLst>
             <a:ext uri="{AF507438-7753-43e0-B8FC-AC1667EBCBE1}">
-              <a14:hiddenEffects xmlns="" xmlns:a14="http://schemas.microsoft.com/office/drawing/2010/main">
+              <a14:hiddenEffects xmlns:a14="http://schemas.microsoft.com/office/drawing/2010/main" xmlns="">
                 <a:effectLst>
                   <a:outerShdw blurRad="63500" dist="38099" dir="2700000" algn="ctr" rotWithShape="0">
                     <a:schemeClr val="bg2">
@@ -30071,7 +30071,7 @@
           <a:effectLst/>
           <a:extLst>
             <a:ext uri="{AF507438-7753-43e0-B8FC-AC1667EBCBE1}">
-              <a14:hiddenEffects xmlns="" xmlns:a14="http://schemas.microsoft.com/office/drawing/2010/main">
+              <a14:hiddenEffects xmlns:a14="http://schemas.microsoft.com/office/drawing/2010/main" xmlns="">
                 <a:effectLst>
                   <a:outerShdw blurRad="63500" dist="38099" dir="2700000" algn="ctr" rotWithShape="0">
                     <a:schemeClr val="bg2">
@@ -30168,7 +30168,7 @@
           <a:effectLst/>
           <a:extLst>
             <a:ext uri="{AF507438-7753-43e0-B8FC-AC1667EBCBE1}">
-              <a14:hiddenEffects xmlns="" xmlns:a14="http://schemas.microsoft.com/office/drawing/2010/main">
+              <a14:hiddenEffects xmlns:a14="http://schemas.microsoft.com/office/drawing/2010/main" xmlns="">
                 <a:effectLst>
                   <a:outerShdw blurRad="63500" dist="38099" dir="2700000" algn="ctr" rotWithShape="0">
                     <a:schemeClr val="bg2">
@@ -30265,7 +30265,7 @@
           <a:effectLst/>
           <a:extLst>
             <a:ext uri="{AF507438-7753-43e0-B8FC-AC1667EBCBE1}">
-              <a14:hiddenEffects xmlns="" xmlns:a14="http://schemas.microsoft.com/office/drawing/2010/main">
+              <a14:hiddenEffects xmlns:a14="http://schemas.microsoft.com/office/drawing/2010/main" xmlns="">
                 <a:effectLst>
                   <a:outerShdw blurRad="63500" dist="38099" dir="2700000" algn="ctr" rotWithShape="0">
                     <a:schemeClr val="bg2">
@@ -30360,7 +30360,7 @@
           <a:effectLst/>
           <a:extLst>
             <a:ext uri="{AF507438-7753-43e0-B8FC-AC1667EBCBE1}">
-              <a14:hiddenEffects xmlns="" xmlns:a14="http://schemas.microsoft.com/office/drawing/2010/main">
+              <a14:hiddenEffects xmlns:a14="http://schemas.microsoft.com/office/drawing/2010/main" xmlns="">
                 <a:effectLst>
                   <a:outerShdw blurRad="63500" dist="38099" dir="2700000" algn="ctr" rotWithShape="0">
                     <a:schemeClr val="bg2">
@@ -30459,7 +30459,7 @@
           <a:effectLst/>
           <a:extLst>
             <a:ext uri="{AF507438-7753-43e0-B8FC-AC1667EBCBE1}">
-              <a14:hiddenEffects xmlns="" xmlns:a14="http://schemas.microsoft.com/office/drawing/2010/main">
+              <a14:hiddenEffects xmlns:a14="http://schemas.microsoft.com/office/drawing/2010/main" xmlns="">
                 <a:effectLst>
                   <a:outerShdw blurRad="63500" dist="38099" dir="2700000" algn="ctr" rotWithShape="0">
                     <a:schemeClr val="bg2">
@@ -30509,7 +30509,7 @@
           <a:effectLst/>
           <a:extLst>
             <a:ext uri="{AF507438-7753-43e0-B8FC-AC1667EBCBE1}">
-              <a14:hiddenEffects xmlns="" xmlns:a14="http://schemas.microsoft.com/office/drawing/2010/main">
+              <a14:hiddenEffects xmlns:a14="http://schemas.microsoft.com/office/drawing/2010/main" xmlns="">
                 <a:effectLst>
                   <a:outerShdw blurRad="63500" dist="38099" dir="2700000" algn="ctr" rotWithShape="0">
                     <a:schemeClr val="bg2">
@@ -30595,7 +30595,7 @@
           <a:effectLst/>
           <a:extLst>
             <a:ext uri="{AF507438-7753-43e0-B8FC-AC1667EBCBE1}">
-              <a14:hiddenEffects xmlns="" xmlns:a14="http://schemas.microsoft.com/office/drawing/2010/main">
+              <a14:hiddenEffects xmlns:a14="http://schemas.microsoft.com/office/drawing/2010/main" xmlns="">
                 <a:effectLst>
                   <a:outerShdw blurRad="63500" dist="38099" dir="2700000" algn="ctr" rotWithShape="0">
                     <a:schemeClr val="bg2">
@@ -30643,7 +30643,7 @@
           <a:effectLst/>
           <a:extLst>
             <a:ext uri="{AF507438-7753-43e0-B8FC-AC1667EBCBE1}">
-              <a14:hiddenEffects xmlns="" xmlns:a14="http://schemas.microsoft.com/office/drawing/2010/main">
+              <a14:hiddenEffects xmlns:a14="http://schemas.microsoft.com/office/drawing/2010/main" xmlns="">
                 <a:effectLst>
                   <a:outerShdw blurRad="63500" dist="38099" dir="2700000" algn="ctr" rotWithShape="0">
                     <a:schemeClr val="bg2">
@@ -30744,7 +30744,7 @@
           <a:effectLst/>
           <a:extLst>
             <a:ext uri="{AF507438-7753-43e0-B8FC-AC1667EBCBE1}">
-              <a14:hiddenEffects xmlns="" xmlns:a14="http://schemas.microsoft.com/office/drawing/2010/main">
+              <a14:hiddenEffects xmlns:a14="http://schemas.microsoft.com/office/drawing/2010/main" xmlns="">
                 <a:effectLst>
                   <a:outerShdw blurRad="63500" dist="38099" dir="2700000" algn="ctr" rotWithShape="0">
                     <a:schemeClr val="bg2">
@@ -30847,7 +30847,7 @@
           <a:effectLst/>
           <a:extLst>
             <a:ext uri="{AF507438-7753-43e0-B8FC-AC1667EBCBE1}">
-              <a14:hiddenEffects xmlns="" xmlns:a14="http://schemas.microsoft.com/office/drawing/2010/main">
+              <a14:hiddenEffects xmlns:a14="http://schemas.microsoft.com/office/drawing/2010/main" xmlns="">
                 <a:effectLst>
                   <a:outerShdw blurRad="63500" dist="38099" dir="2700000" algn="ctr" rotWithShape="0">
                     <a:schemeClr val="bg2">
@@ -30934,7 +30934,7 @@
           <a:effectLst/>
           <a:extLst>
             <a:ext uri="{AF507438-7753-43e0-B8FC-AC1667EBCBE1}">
-              <a14:hiddenEffects xmlns="" xmlns:a14="http://schemas.microsoft.com/office/drawing/2010/main">
+              <a14:hiddenEffects xmlns:a14="http://schemas.microsoft.com/office/drawing/2010/main" xmlns="">
                 <a:effectLst>
                   <a:outerShdw blurRad="63500" dist="38099" dir="2700000" algn="ctr" rotWithShape="0">
                     <a:schemeClr val="bg2">
@@ -31017,7 +31017,7 @@
           <a:effectLst/>
           <a:extLst>
             <a:ext uri="{AF507438-7753-43e0-B8FC-AC1667EBCBE1}">
-              <a14:hiddenEffects xmlns="" xmlns:a14="http://schemas.microsoft.com/office/drawing/2010/main">
+              <a14:hiddenEffects xmlns:a14="http://schemas.microsoft.com/office/drawing/2010/main" xmlns="">
                 <a:effectLst>
                   <a:outerShdw blurRad="63500" dist="38099" dir="2700000" algn="ctr" rotWithShape="0">
                     <a:schemeClr val="bg2">
@@ -31114,7 +31114,7 @@
           <a:effectLst/>
           <a:extLst>
             <a:ext uri="{AF507438-7753-43e0-B8FC-AC1667EBCBE1}">
-              <a14:hiddenEffects xmlns="" xmlns:a14="http://schemas.microsoft.com/office/drawing/2010/main">
+              <a14:hiddenEffects xmlns:a14="http://schemas.microsoft.com/office/drawing/2010/main" xmlns="">
                 <a:effectLst>
                   <a:outerShdw blurRad="63500" dist="38099" dir="2700000" algn="ctr" rotWithShape="0">
                     <a:schemeClr val="bg2">
@@ -31211,7 +31211,7 @@
           <a:effectLst/>
           <a:extLst>
             <a:ext uri="{AF507438-7753-43e0-B8FC-AC1667EBCBE1}">
-              <a14:hiddenEffects xmlns="" xmlns:a14="http://schemas.microsoft.com/office/drawing/2010/main">
+              <a14:hiddenEffects xmlns:a14="http://schemas.microsoft.com/office/drawing/2010/main" xmlns="">
                 <a:effectLst>
                   <a:outerShdw blurRad="63500" dist="38099" dir="2700000" algn="ctr" rotWithShape="0">
                     <a:schemeClr val="bg2">
@@ -31306,7 +31306,7 @@
           <a:effectLst/>
           <a:extLst>
             <a:ext uri="{AF507438-7753-43e0-B8FC-AC1667EBCBE1}">
-              <a14:hiddenEffects xmlns="" xmlns:a14="http://schemas.microsoft.com/office/drawing/2010/main">
+              <a14:hiddenEffects xmlns:a14="http://schemas.microsoft.com/office/drawing/2010/main" xmlns="">
                 <a:effectLst>
                   <a:outerShdw blurRad="63500" dist="38099" dir="2700000" algn="ctr" rotWithShape="0">
                     <a:schemeClr val="bg2">
@@ -31405,7 +31405,7 @@
           <a:effectLst/>
           <a:extLst>
             <a:ext uri="{AF507438-7753-43e0-B8FC-AC1667EBCBE1}">
-              <a14:hiddenEffects xmlns="" xmlns:a14="http://schemas.microsoft.com/office/drawing/2010/main">
+              <a14:hiddenEffects xmlns:a14="http://schemas.microsoft.com/office/drawing/2010/main" xmlns="">
                 <a:effectLst>
                   <a:outerShdw blurRad="63500" dist="38099" dir="2700000" algn="ctr" rotWithShape="0">
                     <a:schemeClr val="bg2">
@@ -31491,7 +31491,7 @@
           <a:effectLst/>
           <a:extLst>
             <a:ext uri="{AF507438-7753-43e0-B8FC-AC1667EBCBE1}">
-              <a14:hiddenEffects xmlns="" xmlns:a14="http://schemas.microsoft.com/office/drawing/2010/main">
+              <a14:hiddenEffects xmlns:a14="http://schemas.microsoft.com/office/drawing/2010/main" xmlns="">
                 <a:effectLst>
                   <a:outerShdw blurRad="63500" dist="38099" dir="2700000" algn="ctr" rotWithShape="0">
                     <a:schemeClr val="bg2">
@@ -31539,7 +31539,7 @@
           <a:effectLst/>
           <a:extLst>
             <a:ext uri="{AF507438-7753-43e0-B8FC-AC1667EBCBE1}">
-              <a14:hiddenEffects xmlns="" xmlns:a14="http://schemas.microsoft.com/office/drawing/2010/main">
+              <a14:hiddenEffects xmlns:a14="http://schemas.microsoft.com/office/drawing/2010/main" xmlns="">
                 <a:effectLst>
                   <a:outerShdw blurRad="63500" dist="38099" dir="2700000" algn="ctr" rotWithShape="0">
                     <a:schemeClr val="bg2">
@@ -31640,7 +31640,7 @@
           <a:effectLst/>
           <a:extLst>
             <a:ext uri="{AF507438-7753-43e0-B8FC-AC1667EBCBE1}">
-              <a14:hiddenEffects xmlns="" xmlns:a14="http://schemas.microsoft.com/office/drawing/2010/main">
+              <a14:hiddenEffects xmlns:a14="http://schemas.microsoft.com/office/drawing/2010/main" xmlns="">
                 <a:effectLst>
                   <a:outerShdw blurRad="63500" dist="38099" dir="2700000" algn="ctr" rotWithShape="0">
                     <a:schemeClr val="bg2">
@@ -31965,7 +31965,7 @@
           <a:effectLst/>
           <a:extLst>
             <a:ext uri="{AF507438-7753-43e0-B8FC-AC1667EBCBE1}">
-              <a14:hiddenEffects xmlns="" xmlns:a14="http://schemas.microsoft.com/office/drawing/2010/main">
+              <a14:hiddenEffects xmlns:a14="http://schemas.microsoft.com/office/drawing/2010/main" xmlns="">
                 <a:effectLst>
                   <a:outerShdw blurRad="63500" dist="38099" dir="2700000" algn="ctr" rotWithShape="0">
                     <a:schemeClr val="bg2">
@@ -32109,7 +32109,7 @@
           <a:effectLst/>
           <a:extLst>
             <a:ext uri="{AF507438-7753-43e0-B8FC-AC1667EBCBE1}">
-              <a14:hiddenEffects xmlns="" xmlns:a14="http://schemas.microsoft.com/office/drawing/2010/main">
+              <a14:hiddenEffects xmlns:a14="http://schemas.microsoft.com/office/drawing/2010/main" xmlns="">
                 <a:effectLst>
                   <a:outerShdw blurRad="63500" dist="38099" dir="2700000" algn="ctr" rotWithShape="0">
                     <a:schemeClr val="bg2">
@@ -32159,7 +32159,7 @@
           <a:effectLst/>
           <a:extLst>
             <a:ext uri="{AF507438-7753-43e0-B8FC-AC1667EBCBE1}">
-              <a14:hiddenEffects xmlns="" xmlns:a14="http://schemas.microsoft.com/office/drawing/2010/main">
+              <a14:hiddenEffects xmlns:a14="http://schemas.microsoft.com/office/drawing/2010/main" xmlns="">
                 <a:effectLst>
                   <a:outerShdw blurRad="63500" dist="38099" dir="2700000" algn="ctr" rotWithShape="0">
                     <a:schemeClr val="bg2">
@@ -32207,7 +32207,7 @@
           <a:effectLst/>
           <a:extLst>
             <a:ext uri="{AF507438-7753-43e0-B8FC-AC1667EBCBE1}">
-              <a14:hiddenEffects xmlns="" xmlns:a14="http://schemas.microsoft.com/office/drawing/2010/main">
+              <a14:hiddenEffects xmlns:a14="http://schemas.microsoft.com/office/drawing/2010/main" xmlns="">
                 <a:effectLst>
                   <a:outerShdw blurRad="63500" dist="38099" dir="2700000" algn="ctr" rotWithShape="0">
                     <a:schemeClr val="bg2">
@@ -32403,7 +32403,7 @@
           <a:effectLst/>
           <a:extLst>
             <a:ext uri="{AF507438-7753-43e0-B8FC-AC1667EBCBE1}">
-              <a14:hiddenEffects xmlns="" xmlns:a14="http://schemas.microsoft.com/office/drawing/2010/main">
+              <a14:hiddenEffects xmlns:a14="http://schemas.microsoft.com/office/drawing/2010/main" xmlns="">
                 <a:effectLst>
                   <a:outerShdw blurRad="63500" dist="38099" dir="2700000" algn="ctr" rotWithShape="0">
                     <a:schemeClr val="bg2">
@@ -33222,7 +33222,7 @@
           <a:effectLst/>
           <a:extLst>
             <a:ext uri="{AF507438-7753-43e0-B8FC-AC1667EBCBE1}">
-              <a14:hiddenEffects xmlns="" xmlns:a14="http://schemas.microsoft.com/office/drawing/2010/main">
+              <a14:hiddenEffects xmlns:a14="http://schemas.microsoft.com/office/drawing/2010/main" xmlns="">
                 <a:effectLst>
                   <a:outerShdw blurRad="63500" dist="38099" dir="2700000" algn="ctr" rotWithShape="0">
                     <a:schemeClr val="bg2">
@@ -33368,7 +33368,7 @@
           <a:effectLst/>
           <a:extLst>
             <a:ext uri="{AF507438-7753-43e0-B8FC-AC1667EBCBE1}">
-              <a14:hiddenEffects xmlns="" xmlns:a14="http://schemas.microsoft.com/office/drawing/2010/main">
+              <a14:hiddenEffects xmlns:a14="http://schemas.microsoft.com/office/drawing/2010/main" xmlns="">
                 <a:effectLst>
                   <a:outerShdw blurRad="63500" dist="38099" dir="2700000" algn="ctr" rotWithShape="0">
                     <a:schemeClr val="bg2">
@@ -33456,7 +33456,7 @@
           <a:effectLst/>
           <a:extLst>
             <a:ext uri="{AF507438-7753-43e0-B8FC-AC1667EBCBE1}">
-              <a14:hiddenEffects xmlns="" xmlns:a14="http://schemas.microsoft.com/office/drawing/2010/main">
+              <a14:hiddenEffects xmlns:a14="http://schemas.microsoft.com/office/drawing/2010/main" xmlns="">
                 <a:effectLst>
                   <a:outerShdw blurRad="63500" dist="38099" dir="2700000" algn="ctr" rotWithShape="0">
                     <a:schemeClr val="bg2">
@@ -33543,7 +33543,7 @@
           <a:effectLst/>
           <a:extLst>
             <a:ext uri="{AF507438-7753-43e0-B8FC-AC1667EBCBE1}">
-              <a14:hiddenEffects xmlns="" xmlns:a14="http://schemas.microsoft.com/office/drawing/2010/main">
+              <a14:hiddenEffects xmlns:a14="http://schemas.microsoft.com/office/drawing/2010/main" xmlns="">
                 <a:effectLst>
                   <a:outerShdw blurRad="63500" dist="38099" dir="2700000" algn="ctr" rotWithShape="0">
                     <a:schemeClr val="bg2">
@@ -33626,7 +33626,7 @@
           <a:effectLst/>
           <a:extLst>
             <a:ext uri="{AF507438-7753-43e0-B8FC-AC1667EBCBE1}">
-              <a14:hiddenEffects xmlns="" xmlns:a14="http://schemas.microsoft.com/office/drawing/2010/main">
+              <a14:hiddenEffects xmlns:a14="http://schemas.microsoft.com/office/drawing/2010/main" xmlns="">
                 <a:effectLst>
                   <a:outerShdw blurRad="63500" dist="38099" dir="2700000" algn="ctr" rotWithShape="0">
                     <a:schemeClr val="bg2">
@@ -33723,7 +33723,7 @@
           <a:effectLst/>
           <a:extLst>
             <a:ext uri="{AF507438-7753-43e0-B8FC-AC1667EBCBE1}">
-              <a14:hiddenEffects xmlns="" xmlns:a14="http://schemas.microsoft.com/office/drawing/2010/main">
+              <a14:hiddenEffects xmlns:a14="http://schemas.microsoft.com/office/drawing/2010/main" xmlns="">
                 <a:effectLst>
                   <a:outerShdw blurRad="63500" dist="38099" dir="2700000" algn="ctr" rotWithShape="0">
                     <a:schemeClr val="bg2">
@@ -33820,7 +33820,7 @@
           <a:effectLst/>
           <a:extLst>
             <a:ext uri="{AF507438-7753-43e0-B8FC-AC1667EBCBE1}">
-              <a14:hiddenEffects xmlns="" xmlns:a14="http://schemas.microsoft.com/office/drawing/2010/main">
+              <a14:hiddenEffects xmlns:a14="http://schemas.microsoft.com/office/drawing/2010/main" xmlns="">
                 <a:effectLst>
                   <a:outerShdw blurRad="63500" dist="38099" dir="2700000" algn="ctr" rotWithShape="0">
                     <a:schemeClr val="bg2">
@@ -33915,7 +33915,7 @@
           <a:effectLst/>
           <a:extLst>
             <a:ext uri="{AF507438-7753-43e0-B8FC-AC1667EBCBE1}">
-              <a14:hiddenEffects xmlns="" xmlns:a14="http://schemas.microsoft.com/office/drawing/2010/main">
+              <a14:hiddenEffects xmlns:a14="http://schemas.microsoft.com/office/drawing/2010/main" xmlns="">
                 <a:effectLst>
                   <a:outerShdw blurRad="63500" dist="38099" dir="2700000" algn="ctr" rotWithShape="0">
                     <a:schemeClr val="bg2">
@@ -34014,7 +34014,7 @@
           <a:effectLst/>
           <a:extLst>
             <a:ext uri="{AF507438-7753-43e0-B8FC-AC1667EBCBE1}">
-              <a14:hiddenEffects xmlns="" xmlns:a14="http://schemas.microsoft.com/office/drawing/2010/main">
+              <a14:hiddenEffects xmlns:a14="http://schemas.microsoft.com/office/drawing/2010/main" xmlns="">
                 <a:effectLst>
                   <a:outerShdw blurRad="63500" dist="38099" dir="2700000" algn="ctr" rotWithShape="0">
                     <a:schemeClr val="bg2">
@@ -34100,7 +34100,7 @@
           <a:effectLst/>
           <a:extLst>
             <a:ext uri="{AF507438-7753-43e0-B8FC-AC1667EBCBE1}">
-              <a14:hiddenEffects xmlns="" xmlns:a14="http://schemas.microsoft.com/office/drawing/2010/main">
+              <a14:hiddenEffects xmlns:a14="http://schemas.microsoft.com/office/drawing/2010/main" xmlns="">
                 <a:effectLst>
                   <a:outerShdw blurRad="63500" dist="38099" dir="2700000" algn="ctr" rotWithShape="0">
                     <a:schemeClr val="bg2">
@@ -34148,7 +34148,7 @@
           <a:effectLst/>
           <a:extLst>
             <a:ext uri="{AF507438-7753-43e0-B8FC-AC1667EBCBE1}">
-              <a14:hiddenEffects xmlns="" xmlns:a14="http://schemas.microsoft.com/office/drawing/2010/main">
+              <a14:hiddenEffects xmlns:a14="http://schemas.microsoft.com/office/drawing/2010/main" xmlns="">
                 <a:effectLst>
                   <a:outerShdw blurRad="63500" dist="38099" dir="2700000" algn="ctr" rotWithShape="0">
                     <a:schemeClr val="bg2">
@@ -34249,7 +34249,7 @@
           <a:effectLst/>
           <a:extLst>
             <a:ext uri="{AF507438-7753-43e0-B8FC-AC1667EBCBE1}">
-              <a14:hiddenEffects xmlns="" xmlns:a14="http://schemas.microsoft.com/office/drawing/2010/main">
+              <a14:hiddenEffects xmlns:a14="http://schemas.microsoft.com/office/drawing/2010/main" xmlns="">
                 <a:effectLst>
                   <a:outerShdw blurRad="63500" dist="38099" dir="2700000" algn="ctr" rotWithShape="0">
                     <a:schemeClr val="bg2">
@@ -34388,7 +34388,7 @@
           <a:effectLst/>
           <a:extLst>
             <a:ext uri="{AF507438-7753-43e0-B8FC-AC1667EBCBE1}">
-              <a14:hiddenEffects xmlns="" xmlns:a14="http://schemas.microsoft.com/office/drawing/2010/main">
+              <a14:hiddenEffects xmlns:a14="http://schemas.microsoft.com/office/drawing/2010/main" xmlns="">
                 <a:effectLst>
                   <a:outerShdw blurRad="63500" dist="38099" dir="2700000" algn="ctr" rotWithShape="0">
                     <a:schemeClr val="bg2">
@@ -34438,7 +34438,7 @@
           <a:effectLst/>
           <a:extLst>
             <a:ext uri="{AF507438-7753-43e0-B8FC-AC1667EBCBE1}">
-              <a14:hiddenEffects xmlns="" xmlns:a14="http://schemas.microsoft.com/office/drawing/2010/main">
+              <a14:hiddenEffects xmlns:a14="http://schemas.microsoft.com/office/drawing/2010/main" xmlns="">
                 <a:effectLst>
                   <a:outerShdw blurRad="63500" dist="38099" dir="2700000" algn="ctr" rotWithShape="0">
                     <a:schemeClr val="bg2">
@@ -34486,7 +34486,7 @@
           <a:effectLst/>
           <a:extLst>
             <a:ext uri="{AF507438-7753-43e0-B8FC-AC1667EBCBE1}">
-              <a14:hiddenEffects xmlns="" xmlns:a14="http://schemas.microsoft.com/office/drawing/2010/main">
+              <a14:hiddenEffects xmlns:a14="http://schemas.microsoft.com/office/drawing/2010/main" xmlns="">
                 <a:effectLst>
                   <a:outerShdw blurRad="63500" dist="38099" dir="2700000" algn="ctr" rotWithShape="0">
                     <a:schemeClr val="bg2">
@@ -35478,7 +35478,7 @@
         <a:effectLst/>
         <a:extLst>
           <a:ext uri="{AF507438-7753-43e0-B8FC-AC1667EBCBE1}">
-            <a14:hiddenEffects xmlns="" xmlns:a14="http://schemas.microsoft.com/office/drawing/2010/main">
+            <a14:hiddenEffects xmlns:a14="http://schemas.microsoft.com/office/drawing/2010/main" xmlns="">
               <a:effectLst>
                 <a:outerShdw blurRad="63500" dist="38099" dir="2700000" algn="ctr" rotWithShape="0">
                   <a:schemeClr val="bg2">
@@ -35555,7 +35555,7 @@
         <a:effectLst/>
         <a:extLst>
           <a:ext uri="{AF507438-7753-43e0-B8FC-AC1667EBCBE1}">
-            <a14:hiddenEffects xmlns="" xmlns:a14="http://schemas.microsoft.com/office/drawing/2010/main">
+            <a14:hiddenEffects xmlns:a14="http://schemas.microsoft.com/office/drawing/2010/main" xmlns="">
               <a:effectLst>
                 <a:outerShdw blurRad="63500" dist="38099" dir="2700000" algn="ctr" rotWithShape="0">
                   <a:schemeClr val="bg2">
